--- a/slide/mizutani_pre.pptx
+++ b/slide/mizutani_pre.pptx
@@ -5,10 +5,20 @@
     <p:sldMasterId id="2147483684" r:id="rId1"/>
   </p:sldMasterIdLst>
   <p:notesMasterIdLst>
-    <p:notesMasterId r:id="rId3"/>
+    <p:notesMasterId r:id="rId13"/>
   </p:notesMasterIdLst>
   <p:sldIdLst>
     <p:sldId id="256" r:id="rId2"/>
+    <p:sldId id="257" r:id="rId3"/>
+    <p:sldId id="259" r:id="rId4"/>
+    <p:sldId id="258" r:id="rId5"/>
+    <p:sldId id="260" r:id="rId6"/>
+    <p:sldId id="261" r:id="rId7"/>
+    <p:sldId id="263" r:id="rId8"/>
+    <p:sldId id="264" r:id="rId9"/>
+    <p:sldId id="265" r:id="rId10"/>
+    <p:sldId id="266" r:id="rId11"/>
+    <p:sldId id="262" r:id="rId12"/>
   </p:sldIdLst>
   <p:sldSz cx="9144000" cy="6858000" type="screen4x3"/>
   <p:notesSz cx="6858000" cy="9144000"/>
@@ -197,7 +207,7 @@
           <a:p>
             <a:fld id="{91E1704D-60E3-49A9-9D9C-E6DB3A52E1F9}" type="datetimeFigureOut">
               <a:rPr kumimoji="1" lang="ja-JP" altLang="en-US" smtClean="0"/>
-              <a:t>2019/2/8</a:t>
+              <a:t>2019/2/12</a:t>
             </a:fld>
             <a:endParaRPr kumimoji="1" lang="ja-JP" altLang="en-US"/>
           </a:p>
@@ -580,6 +590,345 @@
 </p:notes>
 </file>
 
+<file path=ppt/notesSlides/notesSlide2.xml><?xml version="1.0" encoding="utf-8"?>
+<p:notes xmlns:a="http://schemas.openxmlformats.org/drawingml/2006/main" xmlns:r="http://schemas.openxmlformats.org/officeDocument/2006/relationships" xmlns:p="http://schemas.openxmlformats.org/presentationml/2006/main">
+  <p:cSld>
+    <p:spTree>
+      <p:nvGrpSpPr>
+        <p:cNvPr id="1" name=""/>
+        <p:cNvGrpSpPr/>
+        <p:nvPr/>
+      </p:nvGrpSpPr>
+      <p:grpSpPr>
+        <a:xfrm>
+          <a:off x="0" y="0"/>
+          <a:ext cx="0" cy="0"/>
+          <a:chOff x="0" y="0"/>
+          <a:chExt cx="0" cy="0"/>
+        </a:xfrm>
+      </p:grpSpPr>
+      <p:sp>
+        <p:nvSpPr>
+          <p:cNvPr id="2" name="スライド イメージ プレースホルダー 1"/>
+          <p:cNvSpPr>
+            <a:spLocks noGrp="1" noRot="1" noChangeAspect="1"/>
+          </p:cNvSpPr>
+          <p:nvPr>
+            <p:ph type="sldImg"/>
+          </p:nvPr>
+        </p:nvSpPr>
+        <p:spPr/>
+      </p:sp>
+      <p:sp>
+        <p:nvSpPr>
+          <p:cNvPr id="3" name="ノート プレースホルダー 2"/>
+          <p:cNvSpPr>
+            <a:spLocks noGrp="1"/>
+          </p:cNvSpPr>
+          <p:nvPr>
+            <p:ph type="body" idx="1"/>
+          </p:nvPr>
+        </p:nvSpPr>
+        <p:spPr/>
+        <p:txBody>
+          <a:bodyPr/>
+          <a:lstStyle/>
+          <a:p>
+            <a:r>
+              <a:rPr kumimoji="1" lang="ja-JP" altLang="en-US" dirty="0"/>
+              <a:t>原稿</a:t>
+            </a:r>
+          </a:p>
+        </p:txBody>
+      </p:sp>
+      <p:sp>
+        <p:nvSpPr>
+          <p:cNvPr id="4" name="スライド番号プレースホルダー 3"/>
+          <p:cNvSpPr>
+            <a:spLocks noGrp="1"/>
+          </p:cNvSpPr>
+          <p:nvPr>
+            <p:ph type="sldNum" sz="quarter" idx="5"/>
+          </p:nvPr>
+        </p:nvSpPr>
+        <p:spPr/>
+        <p:txBody>
+          <a:bodyPr/>
+          <a:lstStyle/>
+          <a:p>
+            <a:fld id="{9EA59AF0-8405-4F8F-86AD-37921E4E1FAB}" type="slidenum">
+              <a:rPr kumimoji="1" lang="ja-JP" altLang="en-US" smtClean="0"/>
+              <a:t>2</a:t>
+            </a:fld>
+            <a:endParaRPr kumimoji="1" lang="ja-JP" altLang="en-US"/>
+          </a:p>
+        </p:txBody>
+      </p:sp>
+    </p:spTree>
+    <p:extLst>
+      <p:ext uri="{BB962C8B-B14F-4D97-AF65-F5344CB8AC3E}">
+        <p14:creationId xmlns:p14="http://schemas.microsoft.com/office/powerpoint/2010/main" val="2758313360"/>
+      </p:ext>
+    </p:extLst>
+  </p:cSld>
+  <p:clrMapOvr>
+    <a:masterClrMapping/>
+  </p:clrMapOvr>
+</p:notes>
+</file>
+
+<file path=ppt/notesSlides/notesSlide3.xml><?xml version="1.0" encoding="utf-8"?>
+<p:notes xmlns:a="http://schemas.openxmlformats.org/drawingml/2006/main" xmlns:r="http://schemas.openxmlformats.org/officeDocument/2006/relationships" xmlns:p="http://schemas.openxmlformats.org/presentationml/2006/main">
+  <p:cSld>
+    <p:spTree>
+      <p:nvGrpSpPr>
+        <p:cNvPr id="1" name=""/>
+        <p:cNvGrpSpPr/>
+        <p:nvPr/>
+      </p:nvGrpSpPr>
+      <p:grpSpPr>
+        <a:xfrm>
+          <a:off x="0" y="0"/>
+          <a:ext cx="0" cy="0"/>
+          <a:chOff x="0" y="0"/>
+          <a:chExt cx="0" cy="0"/>
+        </a:xfrm>
+      </p:grpSpPr>
+      <p:sp>
+        <p:nvSpPr>
+          <p:cNvPr id="2" name="スライド イメージ プレースホルダー 1"/>
+          <p:cNvSpPr>
+            <a:spLocks noGrp="1" noRot="1" noChangeAspect="1"/>
+          </p:cNvSpPr>
+          <p:nvPr>
+            <p:ph type="sldImg"/>
+          </p:nvPr>
+        </p:nvSpPr>
+        <p:spPr/>
+      </p:sp>
+      <p:sp>
+        <p:nvSpPr>
+          <p:cNvPr id="3" name="ノート プレースホルダー 2"/>
+          <p:cNvSpPr>
+            <a:spLocks noGrp="1"/>
+          </p:cNvSpPr>
+          <p:nvPr>
+            <p:ph type="body" idx="1"/>
+          </p:nvPr>
+        </p:nvSpPr>
+        <p:spPr/>
+        <p:txBody>
+          <a:bodyPr/>
+          <a:lstStyle/>
+          <a:p>
+            <a:endParaRPr kumimoji="1" lang="ja-JP" altLang="en-US" dirty="0"/>
+          </a:p>
+        </p:txBody>
+      </p:sp>
+      <p:sp>
+        <p:nvSpPr>
+          <p:cNvPr id="4" name="スライド番号プレースホルダー 3"/>
+          <p:cNvSpPr>
+            <a:spLocks noGrp="1"/>
+          </p:cNvSpPr>
+          <p:nvPr>
+            <p:ph type="sldNum" sz="quarter" idx="5"/>
+          </p:nvPr>
+        </p:nvSpPr>
+        <p:spPr/>
+        <p:txBody>
+          <a:bodyPr/>
+          <a:lstStyle/>
+          <a:p>
+            <a:fld id="{9EA59AF0-8405-4F8F-86AD-37921E4E1FAB}" type="slidenum">
+              <a:rPr kumimoji="1" lang="ja-JP" altLang="en-US" smtClean="0"/>
+              <a:t>4</a:t>
+            </a:fld>
+            <a:endParaRPr kumimoji="1" lang="ja-JP" altLang="en-US"/>
+          </a:p>
+        </p:txBody>
+      </p:sp>
+    </p:spTree>
+    <p:extLst>
+      <p:ext uri="{BB962C8B-B14F-4D97-AF65-F5344CB8AC3E}">
+        <p14:creationId xmlns:p14="http://schemas.microsoft.com/office/powerpoint/2010/main" val="1545142697"/>
+      </p:ext>
+    </p:extLst>
+  </p:cSld>
+  <p:clrMapOvr>
+    <a:masterClrMapping/>
+  </p:clrMapOvr>
+</p:notes>
+</file>
+
+<file path=ppt/notesSlides/notesSlide4.xml><?xml version="1.0" encoding="utf-8"?>
+<p:notes xmlns:a="http://schemas.openxmlformats.org/drawingml/2006/main" xmlns:r="http://schemas.openxmlformats.org/officeDocument/2006/relationships" xmlns:p="http://schemas.openxmlformats.org/presentationml/2006/main">
+  <p:cSld>
+    <p:spTree>
+      <p:nvGrpSpPr>
+        <p:cNvPr id="1" name=""/>
+        <p:cNvGrpSpPr/>
+        <p:nvPr/>
+      </p:nvGrpSpPr>
+      <p:grpSpPr>
+        <a:xfrm>
+          <a:off x="0" y="0"/>
+          <a:ext cx="0" cy="0"/>
+          <a:chOff x="0" y="0"/>
+          <a:chExt cx="0" cy="0"/>
+        </a:xfrm>
+      </p:grpSpPr>
+      <p:sp>
+        <p:nvSpPr>
+          <p:cNvPr id="2" name="スライド イメージ プレースホルダー 1"/>
+          <p:cNvSpPr>
+            <a:spLocks noGrp="1" noRot="1" noChangeAspect="1"/>
+          </p:cNvSpPr>
+          <p:nvPr>
+            <p:ph type="sldImg"/>
+          </p:nvPr>
+        </p:nvSpPr>
+        <p:spPr/>
+      </p:sp>
+      <p:sp>
+        <p:nvSpPr>
+          <p:cNvPr id="3" name="ノート プレースホルダー 2"/>
+          <p:cNvSpPr>
+            <a:spLocks noGrp="1"/>
+          </p:cNvSpPr>
+          <p:nvPr>
+            <p:ph type="body" idx="1"/>
+          </p:nvPr>
+        </p:nvSpPr>
+        <p:spPr/>
+        <p:txBody>
+          <a:bodyPr/>
+          <a:lstStyle/>
+          <a:p>
+            <a:endParaRPr kumimoji="1" lang="ja-JP" altLang="en-US" dirty="0"/>
+          </a:p>
+        </p:txBody>
+      </p:sp>
+      <p:sp>
+        <p:nvSpPr>
+          <p:cNvPr id="4" name="スライド番号プレースホルダー 3"/>
+          <p:cNvSpPr>
+            <a:spLocks noGrp="1"/>
+          </p:cNvSpPr>
+          <p:nvPr>
+            <p:ph type="sldNum" sz="quarter" idx="5"/>
+          </p:nvPr>
+        </p:nvSpPr>
+        <p:spPr/>
+        <p:txBody>
+          <a:bodyPr/>
+          <a:lstStyle/>
+          <a:p>
+            <a:fld id="{9EA59AF0-8405-4F8F-86AD-37921E4E1FAB}" type="slidenum">
+              <a:rPr kumimoji="1" lang="ja-JP" altLang="en-US" smtClean="0"/>
+              <a:t>6</a:t>
+            </a:fld>
+            <a:endParaRPr kumimoji="1" lang="ja-JP" altLang="en-US"/>
+          </a:p>
+        </p:txBody>
+      </p:sp>
+    </p:spTree>
+    <p:extLst>
+      <p:ext uri="{BB962C8B-B14F-4D97-AF65-F5344CB8AC3E}">
+        <p14:creationId xmlns:p14="http://schemas.microsoft.com/office/powerpoint/2010/main" val="767166716"/>
+      </p:ext>
+    </p:extLst>
+  </p:cSld>
+  <p:clrMapOvr>
+    <a:masterClrMapping/>
+  </p:clrMapOvr>
+</p:notes>
+</file>
+
+<file path=ppt/notesSlides/notesSlide5.xml><?xml version="1.0" encoding="utf-8"?>
+<p:notes xmlns:a="http://schemas.openxmlformats.org/drawingml/2006/main" xmlns:r="http://schemas.openxmlformats.org/officeDocument/2006/relationships" xmlns:p="http://schemas.openxmlformats.org/presentationml/2006/main">
+  <p:cSld>
+    <p:spTree>
+      <p:nvGrpSpPr>
+        <p:cNvPr id="1" name=""/>
+        <p:cNvGrpSpPr/>
+        <p:nvPr/>
+      </p:nvGrpSpPr>
+      <p:grpSpPr>
+        <a:xfrm>
+          <a:off x="0" y="0"/>
+          <a:ext cx="0" cy="0"/>
+          <a:chOff x="0" y="0"/>
+          <a:chExt cx="0" cy="0"/>
+        </a:xfrm>
+      </p:grpSpPr>
+      <p:sp>
+        <p:nvSpPr>
+          <p:cNvPr id="2" name="スライド イメージ プレースホルダー 1"/>
+          <p:cNvSpPr>
+            <a:spLocks noGrp="1" noRot="1" noChangeAspect="1"/>
+          </p:cNvSpPr>
+          <p:nvPr>
+            <p:ph type="sldImg"/>
+          </p:nvPr>
+        </p:nvSpPr>
+        <p:spPr/>
+      </p:sp>
+      <p:sp>
+        <p:nvSpPr>
+          <p:cNvPr id="3" name="ノート プレースホルダー 2"/>
+          <p:cNvSpPr>
+            <a:spLocks noGrp="1"/>
+          </p:cNvSpPr>
+          <p:nvPr>
+            <p:ph type="body" idx="1"/>
+          </p:nvPr>
+        </p:nvSpPr>
+        <p:spPr/>
+        <p:txBody>
+          <a:bodyPr/>
+          <a:lstStyle/>
+          <a:p>
+            <a:endParaRPr kumimoji="1" lang="ja-JP" altLang="en-US" dirty="0"/>
+          </a:p>
+        </p:txBody>
+      </p:sp>
+      <p:sp>
+        <p:nvSpPr>
+          <p:cNvPr id="4" name="スライド番号プレースホルダー 3"/>
+          <p:cNvSpPr>
+            <a:spLocks noGrp="1"/>
+          </p:cNvSpPr>
+          <p:nvPr>
+            <p:ph type="sldNum" sz="quarter" idx="5"/>
+          </p:nvPr>
+        </p:nvSpPr>
+        <p:spPr/>
+        <p:txBody>
+          <a:bodyPr/>
+          <a:lstStyle/>
+          <a:p>
+            <a:fld id="{9EA59AF0-8405-4F8F-86AD-37921E4E1FAB}" type="slidenum">
+              <a:rPr kumimoji="1" lang="ja-JP" altLang="en-US" smtClean="0"/>
+              <a:t>7</a:t>
+            </a:fld>
+            <a:endParaRPr kumimoji="1" lang="ja-JP" altLang="en-US"/>
+          </a:p>
+        </p:txBody>
+      </p:sp>
+    </p:spTree>
+    <p:extLst>
+      <p:ext uri="{BB962C8B-B14F-4D97-AF65-F5344CB8AC3E}">
+        <p14:creationId xmlns:p14="http://schemas.microsoft.com/office/powerpoint/2010/main" val="3767230271"/>
+      </p:ext>
+    </p:extLst>
+  </p:cSld>
+  <p:clrMapOvr>
+    <a:masterClrMapping/>
+  </p:clrMapOvr>
+</p:notes>
+</file>
+
 <file path=ppt/slideLayouts/slideLayout1.xml><?xml version="1.0" encoding="utf-8"?>
 <p:sldLayout xmlns:a="http://schemas.openxmlformats.org/drawingml/2006/main" xmlns:r="http://schemas.openxmlformats.org/officeDocument/2006/relationships" xmlns:p="http://schemas.openxmlformats.org/presentationml/2006/main" type="title" preserve="1">
   <p:cSld name="タイトル スライド">
@@ -727,7 +1076,7 @@
           <a:p>
             <a:fld id="{E3B55BA8-AD47-4543-8321-0F66C353ED98}" type="datetimeFigureOut">
               <a:rPr kumimoji="1" lang="ja-JP" altLang="en-US" smtClean="0"/>
-              <a:t>2019/2/8</a:t>
+              <a:t>2019/2/12</a:t>
             </a:fld>
             <a:endParaRPr kumimoji="1" lang="ja-JP" altLang="en-US"/>
           </a:p>
@@ -957,7 +1306,7 @@
           <a:p>
             <a:fld id="{E3B55BA8-AD47-4543-8321-0F66C353ED98}" type="datetimeFigureOut">
               <a:rPr kumimoji="1" lang="ja-JP" altLang="en-US" smtClean="0"/>
-              <a:t>2019/2/8</a:t>
+              <a:t>2019/2/12</a:t>
             </a:fld>
             <a:endParaRPr kumimoji="1" lang="ja-JP" altLang="en-US"/>
           </a:p>
@@ -1197,7 +1546,7 @@
           <a:p>
             <a:fld id="{E3B55BA8-AD47-4543-8321-0F66C353ED98}" type="datetimeFigureOut">
               <a:rPr kumimoji="1" lang="ja-JP" altLang="en-US" smtClean="0"/>
-              <a:t>2019/2/8</a:t>
+              <a:t>2019/2/12</a:t>
             </a:fld>
             <a:endParaRPr kumimoji="1" lang="ja-JP" altLang="en-US"/>
           </a:p>
@@ -1470,7 +1819,7 @@
           <a:p>
             <a:fld id="{E3B55BA8-AD47-4543-8321-0F66C353ED98}" type="datetimeFigureOut">
               <a:rPr kumimoji="1" lang="ja-JP" altLang="en-US" smtClean="0"/>
-              <a:t>2019/2/8</a:t>
+              <a:t>2019/2/12</a:t>
             </a:fld>
             <a:endParaRPr kumimoji="1" lang="ja-JP" altLang="en-US" dirty="0"/>
           </a:p>
@@ -1745,7 +2094,7 @@
           <a:p>
             <a:fld id="{E3B55BA8-AD47-4543-8321-0F66C353ED98}" type="datetimeFigureOut">
               <a:rPr kumimoji="1" lang="ja-JP" altLang="en-US" smtClean="0"/>
-              <a:t>2019/2/8</a:t>
+              <a:t>2019/2/12</a:t>
             </a:fld>
             <a:endParaRPr kumimoji="1" lang="ja-JP" altLang="en-US"/>
           </a:p>
@@ -2074,7 +2423,7 @@
           <a:p>
             <a:fld id="{E3B55BA8-AD47-4543-8321-0F66C353ED98}" type="datetimeFigureOut">
               <a:rPr kumimoji="1" lang="ja-JP" altLang="en-US" smtClean="0"/>
-              <a:t>2019/2/8</a:t>
+              <a:t>2019/2/12</a:t>
             </a:fld>
             <a:endParaRPr kumimoji="1" lang="ja-JP" altLang="en-US"/>
           </a:p>
@@ -2550,7 +2899,7 @@
           <a:p>
             <a:fld id="{E3B55BA8-AD47-4543-8321-0F66C353ED98}" type="datetimeFigureOut">
               <a:rPr kumimoji="1" lang="ja-JP" altLang="en-US" smtClean="0"/>
-              <a:t>2019/2/8</a:t>
+              <a:t>2019/2/12</a:t>
             </a:fld>
             <a:endParaRPr kumimoji="1" lang="ja-JP" altLang="en-US"/>
           </a:p>
@@ -2691,7 +3040,7 @@
           <a:p>
             <a:fld id="{E3B55BA8-AD47-4543-8321-0F66C353ED98}" type="datetimeFigureOut">
               <a:rPr kumimoji="1" lang="ja-JP" altLang="en-US" smtClean="0"/>
-              <a:t>2019/2/8</a:t>
+              <a:t>2019/2/12</a:t>
             </a:fld>
             <a:endParaRPr kumimoji="1" lang="ja-JP" altLang="en-US"/>
           </a:p>
@@ -2804,7 +3153,7 @@
           <a:p>
             <a:fld id="{E3B55BA8-AD47-4543-8321-0F66C353ED98}" type="datetimeFigureOut">
               <a:rPr kumimoji="1" lang="ja-JP" altLang="en-US" smtClean="0"/>
-              <a:t>2019/2/8</a:t>
+              <a:t>2019/2/12</a:t>
             </a:fld>
             <a:endParaRPr kumimoji="1" lang="ja-JP" altLang="en-US"/>
           </a:p>
@@ -3147,7 +3496,7 @@
           <a:p>
             <a:fld id="{E3B55BA8-AD47-4543-8321-0F66C353ED98}" type="datetimeFigureOut">
               <a:rPr kumimoji="1" lang="ja-JP" altLang="en-US" smtClean="0"/>
-              <a:t>2019/2/8</a:t>
+              <a:t>2019/2/12</a:t>
             </a:fld>
             <a:endParaRPr kumimoji="1" lang="ja-JP" altLang="en-US"/>
           </a:p>
@@ -3435,7 +3784,7 @@
           <a:p>
             <a:fld id="{E3B55BA8-AD47-4543-8321-0F66C353ED98}" type="datetimeFigureOut">
               <a:rPr kumimoji="1" lang="ja-JP" altLang="en-US" smtClean="0"/>
-              <a:t>2019/2/8</a:t>
+              <a:t>2019/2/12</a:t>
             </a:fld>
             <a:endParaRPr kumimoji="1" lang="ja-JP" altLang="en-US"/>
           </a:p>
@@ -3708,7 +4057,7 @@
           <a:p>
             <a:fld id="{E3B55BA8-AD47-4543-8321-0F66C353ED98}" type="datetimeFigureOut">
               <a:rPr kumimoji="1" lang="ja-JP" altLang="en-US" smtClean="0"/>
-              <a:t>2019/2/8</a:t>
+              <a:t>2019/2/12</a:t>
             </a:fld>
             <a:endParaRPr kumimoji="1" lang="ja-JP" altLang="en-US"/>
           </a:p>
@@ -4200,6 +4549,8660 @@
     <p:extLst>
       <p:ext uri="{BB962C8B-B14F-4D97-AF65-F5344CB8AC3E}">
         <p14:creationId xmlns:p14="http://schemas.microsoft.com/office/powerpoint/2010/main" val="858679596"/>
+      </p:ext>
+    </p:extLst>
+  </p:cSld>
+  <p:clrMapOvr>
+    <a:masterClrMapping/>
+  </p:clrMapOvr>
+</p:sld>
+</file>
+
+<file path=ppt/slides/slide10.xml><?xml version="1.0" encoding="utf-8"?>
+<p:sld xmlns:a="http://schemas.openxmlformats.org/drawingml/2006/main" xmlns:r="http://schemas.openxmlformats.org/officeDocument/2006/relationships" xmlns:p="http://schemas.openxmlformats.org/presentationml/2006/main">
+  <p:cSld>
+    <p:spTree>
+      <p:nvGrpSpPr>
+        <p:cNvPr id="1" name=""/>
+        <p:cNvGrpSpPr/>
+        <p:nvPr/>
+      </p:nvGrpSpPr>
+      <p:grpSpPr>
+        <a:xfrm>
+          <a:off x="0" y="0"/>
+          <a:ext cx="0" cy="0"/>
+          <a:chOff x="0" y="0"/>
+          <a:chExt cx="0" cy="0"/>
+        </a:xfrm>
+      </p:grpSpPr>
+      <p:sp>
+        <p:nvSpPr>
+          <p:cNvPr id="2" name="タイトル 1">
+            <a:extLst>
+              <a:ext uri="{FF2B5EF4-FFF2-40B4-BE49-F238E27FC236}">
+                <a16:creationId xmlns:a16="http://schemas.microsoft.com/office/drawing/2014/main" id="{AEBFB984-C1D3-43E1-B5F8-CAD8A4373D4C}"/>
+              </a:ext>
+            </a:extLst>
+          </p:cNvPr>
+          <p:cNvSpPr>
+            <a:spLocks noGrp="1"/>
+          </p:cNvSpPr>
+          <p:nvPr>
+            <p:ph type="title"/>
+          </p:nvPr>
+        </p:nvSpPr>
+        <p:spPr/>
+        <p:txBody>
+          <a:bodyPr/>
+          <a:lstStyle/>
+          <a:p>
+            <a:endParaRPr kumimoji="1" lang="ja-JP" altLang="en-US"/>
+          </a:p>
+        </p:txBody>
+      </p:sp>
+      <p:sp>
+        <p:nvSpPr>
+          <p:cNvPr id="3" name="コンテンツ プレースホルダー 2">
+            <a:extLst>
+              <a:ext uri="{FF2B5EF4-FFF2-40B4-BE49-F238E27FC236}">
+                <a16:creationId xmlns:a16="http://schemas.microsoft.com/office/drawing/2014/main" id="{73EED932-8554-4B20-8D5D-9C8586B13D6A}"/>
+              </a:ext>
+            </a:extLst>
+          </p:cNvPr>
+          <p:cNvSpPr>
+            <a:spLocks noGrp="1"/>
+          </p:cNvSpPr>
+          <p:nvPr>
+            <p:ph idx="1"/>
+          </p:nvPr>
+        </p:nvSpPr>
+        <p:spPr/>
+        <p:txBody>
+          <a:bodyPr/>
+          <a:lstStyle/>
+          <a:p>
+            <a:endParaRPr kumimoji="1" lang="ja-JP" altLang="en-US"/>
+          </a:p>
+        </p:txBody>
+      </p:sp>
+    </p:spTree>
+    <p:extLst>
+      <p:ext uri="{BB962C8B-B14F-4D97-AF65-F5344CB8AC3E}">
+        <p14:creationId xmlns:p14="http://schemas.microsoft.com/office/powerpoint/2010/main" val="2538981013"/>
+      </p:ext>
+    </p:extLst>
+  </p:cSld>
+  <p:clrMapOvr>
+    <a:masterClrMapping/>
+  </p:clrMapOvr>
+</p:sld>
+</file>
+
+<file path=ppt/slides/slide11.xml><?xml version="1.0" encoding="utf-8"?>
+<p:sld xmlns:a="http://schemas.openxmlformats.org/drawingml/2006/main" xmlns:r="http://schemas.openxmlformats.org/officeDocument/2006/relationships" xmlns:p="http://schemas.openxmlformats.org/presentationml/2006/main">
+  <p:cSld>
+    <p:spTree>
+      <p:nvGrpSpPr>
+        <p:cNvPr id="1" name=""/>
+        <p:cNvGrpSpPr/>
+        <p:nvPr/>
+      </p:nvGrpSpPr>
+      <p:grpSpPr>
+        <a:xfrm>
+          <a:off x="0" y="0"/>
+          <a:ext cx="0" cy="0"/>
+          <a:chOff x="0" y="0"/>
+          <a:chExt cx="0" cy="0"/>
+        </a:xfrm>
+      </p:grpSpPr>
+      <p:sp>
+        <p:nvSpPr>
+          <p:cNvPr id="2" name="タイトル 1">
+            <a:extLst>
+              <a:ext uri="{FF2B5EF4-FFF2-40B4-BE49-F238E27FC236}">
+                <a16:creationId xmlns:a16="http://schemas.microsoft.com/office/drawing/2014/main" id="{270B6113-E907-45E7-B031-4C0BABA0B542}"/>
+              </a:ext>
+            </a:extLst>
+          </p:cNvPr>
+          <p:cNvSpPr>
+            <a:spLocks noGrp="1"/>
+          </p:cNvSpPr>
+          <p:nvPr>
+            <p:ph type="title"/>
+          </p:nvPr>
+        </p:nvSpPr>
+        <p:spPr/>
+        <p:txBody>
+          <a:bodyPr/>
+          <a:lstStyle/>
+          <a:p>
+            <a:r>
+              <a:rPr lang="ja-JP" altLang="en-US" dirty="0"/>
+              <a:t>提案アルゴリズム</a:t>
+            </a:r>
+            <a:endParaRPr kumimoji="1" lang="ja-JP" altLang="en-US" dirty="0"/>
+          </a:p>
+        </p:txBody>
+      </p:sp>
+      <mc:AlternateContent xmlns:mc="http://schemas.openxmlformats.org/markup-compatibility/2006">
+        <mc:Choice xmlns:a14="http://schemas.microsoft.com/office/drawing/2010/main" Requires="a14">
+          <p:sp>
+            <p:nvSpPr>
+              <p:cNvPr id="3" name="コンテンツ プレースホルダー 2">
+                <a:extLst>
+                  <a:ext uri="{FF2B5EF4-FFF2-40B4-BE49-F238E27FC236}">
+                    <a16:creationId xmlns:a16="http://schemas.microsoft.com/office/drawing/2014/main" id="{D098D3B3-B584-4E3C-B33B-84525D191927}"/>
+                  </a:ext>
+                </a:extLst>
+              </p:cNvPr>
+              <p:cNvSpPr>
+                <a:spLocks noGrp="1"/>
+              </p:cNvSpPr>
+              <p:nvPr>
+                <p:ph idx="1"/>
+              </p:nvPr>
+            </p:nvSpPr>
+            <p:spPr>
+              <a:xfrm>
+                <a:off x="505083" y="1502408"/>
+                <a:ext cx="7886700" cy="1413787"/>
+              </a:xfrm>
+            </p:spPr>
+            <p:txBody>
+              <a:bodyPr/>
+              <a:lstStyle/>
+              <a:p>
+                <a14:m>
+                  <m:oMath xmlns:m="http://schemas.openxmlformats.org/officeDocument/2006/math">
+                    <m:r>
+                      <a:rPr lang="en-US" altLang="ja-JP" i="1" smtClean="0">
+                        <a:latin typeface="Cambria Math" panose="02040503050406030204" pitchFamily="18" charset="0"/>
+                      </a:rPr>
+                      <m:t>𝑠</m:t>
+                    </m:r>
+                  </m:oMath>
+                </a14:m>
+                <a:r>
+                  <a:rPr lang="en-US" altLang="ja-JP" dirty="0"/>
+                  <a:t>-</a:t>
+                </a:r>
+                <a14:m>
+                  <m:oMath xmlns:m="http://schemas.openxmlformats.org/officeDocument/2006/math">
+                    <m:r>
+                      <a:rPr lang="en-US" altLang="ja-JP" i="1" dirty="0">
+                        <a:latin typeface="Cambria Math" panose="02040503050406030204" pitchFamily="18" charset="0"/>
+                      </a:rPr>
+                      <m:t>𝑡</m:t>
+                    </m:r>
+                  </m:oMath>
+                </a14:m>
+                <a:r>
+                  <a:rPr lang="ja-JP" altLang="en-US" dirty="0"/>
+                  <a:t>点素パスの最大本数は</a:t>
+                </a:r>
+                <a:r>
+                  <a:rPr lang="en-US" altLang="ja-JP" dirty="0"/>
+                  <a:t>SA</a:t>
+                </a:r>
+                <a:r>
+                  <a:rPr lang="ja-JP" altLang="en-US" dirty="0"/>
+                  <a:t>を使用することにより</a:t>
+                </a:r>
+                <a:br>
+                  <a:rPr lang="en-US" altLang="ja-JP" dirty="0"/>
+                </a:br>
+                <a14:m>
+                  <m:oMath xmlns:m="http://schemas.openxmlformats.org/officeDocument/2006/math">
+                    <m:acc>
+                      <m:accPr>
+                        <m:chr m:val="̃"/>
+                        <m:ctrlPr>
+                          <a:rPr lang="en-US" altLang="ja-JP" b="0" i="1" smtClean="0">
+                            <a:latin typeface="Cambria Math" panose="02040503050406030204" pitchFamily="18" charset="0"/>
+                          </a:rPr>
+                        </m:ctrlPr>
+                      </m:accPr>
+                      <m:e>
+                        <m:r>
+                          <a:rPr lang="en-US" altLang="ja-JP" b="0" i="1" smtClean="0">
+                            <a:latin typeface="Cambria Math" panose="02040503050406030204" pitchFamily="18" charset="0"/>
+                          </a:rPr>
+                          <m:t>𝑂</m:t>
+                        </m:r>
+                      </m:e>
+                    </m:acc>
+                    <m:r>
+                      <a:rPr lang="en-US" altLang="ja-JP" b="0" i="1" smtClean="0">
+                        <a:latin typeface="Cambria Math" panose="02040503050406030204" pitchFamily="18" charset="0"/>
+                      </a:rPr>
+                      <m:t>(</m:t>
+                    </m:r>
+                    <m:sSup>
+                      <m:sSupPr>
+                        <m:ctrlPr>
+                          <a:rPr lang="en-US" altLang="ja-JP" b="0" i="1" smtClean="0">
+                            <a:latin typeface="Cambria Math" panose="02040503050406030204" pitchFamily="18" charset="0"/>
+                          </a:rPr>
+                        </m:ctrlPr>
+                      </m:sSupPr>
+                      <m:e>
+                        <m:r>
+                          <a:rPr lang="en-US" altLang="ja-JP" b="0" i="1" smtClean="0">
+                            <a:latin typeface="Cambria Math" panose="02040503050406030204" pitchFamily="18" charset="0"/>
+                          </a:rPr>
+                          <m:t>𝑘</m:t>
+                        </m:r>
+                      </m:e>
+                      <m:sup>
+                        <m:r>
+                          <a:rPr lang="en-US" altLang="ja-JP" b="0" i="1" smtClean="0">
+                            <a:latin typeface="Cambria Math" panose="02040503050406030204" pitchFamily="18" charset="0"/>
+                          </a:rPr>
+                          <m:t>𝑂</m:t>
+                        </m:r>
+                        <m:d>
+                          <m:dPr>
+                            <m:ctrlPr>
+                              <a:rPr lang="en-US" altLang="ja-JP" b="0" i="1" smtClean="0">
+                                <a:latin typeface="Cambria Math" panose="02040503050406030204" pitchFamily="18" charset="0"/>
+                              </a:rPr>
+                            </m:ctrlPr>
+                          </m:dPr>
+                          <m:e>
+                            <m:r>
+                              <a:rPr lang="en-US" altLang="ja-JP" b="0" i="1" smtClean="0">
+                                <a:latin typeface="Cambria Math" panose="02040503050406030204" pitchFamily="18" charset="0"/>
+                              </a:rPr>
+                              <m:t>1</m:t>
+                            </m:r>
+                          </m:e>
+                        </m:d>
+                      </m:sup>
+                    </m:sSup>
+                    <m:r>
+                      <a:rPr lang="en-US" altLang="ja-JP" b="0" i="1" smtClean="0">
+                        <a:latin typeface="Cambria Math" panose="02040503050406030204" pitchFamily="18" charset="0"/>
+                      </a:rPr>
+                      <m:t>)</m:t>
+                    </m:r>
+                  </m:oMath>
+                </a14:m>
+                <a:r>
+                  <a:rPr lang="en-US" altLang="ja-JP" dirty="0"/>
+                  <a:t>SA</a:t>
+                </a:r>
+                <a:r>
+                  <a:rPr lang="ja-JP" altLang="en-US" dirty="0"/>
+                  <a:t>ラウンドで計算可能であることが知られている</a:t>
+                </a:r>
+                <a:endParaRPr lang="en-US" altLang="ja-JP" dirty="0"/>
+              </a:p>
+              <a:p>
+                <a:endParaRPr kumimoji="1" lang="ja-JP" altLang="en-US" dirty="0"/>
+              </a:p>
+            </p:txBody>
+          </p:sp>
+        </mc:Choice>
+        <mc:Fallback>
+          <p:sp>
+            <p:nvSpPr>
+              <p:cNvPr id="3" name="コンテンツ プレースホルダー 2">
+                <a:extLst>
+                  <a:ext uri="{FF2B5EF4-FFF2-40B4-BE49-F238E27FC236}">
+                    <a16:creationId xmlns:a16="http://schemas.microsoft.com/office/drawing/2014/main" id="{D098D3B3-B584-4E3C-B33B-84525D191927}"/>
+                  </a:ext>
+                </a:extLst>
+              </p:cNvPr>
+              <p:cNvSpPr>
+                <a:spLocks noGrp="1" noRot="1" noChangeAspect="1" noMove="1" noResize="1" noEditPoints="1" noAdjustHandles="1" noChangeArrowheads="1" noChangeShapeType="1" noTextEdit="1"/>
+              </p:cNvSpPr>
+              <p:nvPr>
+                <p:ph idx="1"/>
+              </p:nvPr>
+            </p:nvSpPr>
+            <p:spPr>
+              <a:xfrm>
+                <a:off x="505083" y="1502408"/>
+                <a:ext cx="7886700" cy="1413787"/>
+              </a:xfrm>
+              <a:blipFill>
+                <a:blip r:embed="rId2"/>
+                <a:stretch>
+                  <a:fillRect l="-1082" t="-3448"/>
+                </a:stretch>
+              </a:blipFill>
+            </p:spPr>
+            <p:txBody>
+              <a:bodyPr/>
+              <a:lstStyle/>
+              <a:p>
+                <a:r>
+                  <a:rPr lang="ja-JP" altLang="en-US">
+                    <a:noFill/>
+                  </a:rPr>
+                  <a:t> </a:t>
+                </a:r>
+              </a:p>
+            </p:txBody>
+          </p:sp>
+        </mc:Fallback>
+      </mc:AlternateContent>
+    </p:spTree>
+    <p:extLst>
+      <p:ext uri="{BB962C8B-B14F-4D97-AF65-F5344CB8AC3E}">
+        <p14:creationId xmlns:p14="http://schemas.microsoft.com/office/powerpoint/2010/main" val="250178676"/>
+      </p:ext>
+    </p:extLst>
+  </p:cSld>
+  <p:clrMapOvr>
+    <a:masterClrMapping/>
+  </p:clrMapOvr>
+</p:sld>
+</file>
+
+<file path=ppt/slides/slide2.xml><?xml version="1.0" encoding="utf-8"?>
+<p:sld xmlns:a="http://schemas.openxmlformats.org/drawingml/2006/main" xmlns:r="http://schemas.openxmlformats.org/officeDocument/2006/relationships" xmlns:p="http://schemas.openxmlformats.org/presentationml/2006/main">
+  <p:cSld>
+    <p:spTree>
+      <p:nvGrpSpPr>
+        <p:cNvPr id="1" name=""/>
+        <p:cNvGrpSpPr/>
+        <p:nvPr/>
+      </p:nvGrpSpPr>
+      <p:grpSpPr>
+        <a:xfrm>
+          <a:off x="0" y="0"/>
+          <a:ext cx="0" cy="0"/>
+          <a:chOff x="0" y="0"/>
+          <a:chExt cx="0" cy="0"/>
+        </a:xfrm>
+      </p:grpSpPr>
+      <mc:AlternateContent xmlns:mc="http://schemas.openxmlformats.org/markup-compatibility/2006" xmlns:a14="http://schemas.microsoft.com/office/drawing/2010/main">
+        <mc:Choice Requires="a14">
+          <p:sp>
+            <p:nvSpPr>
+              <p:cNvPr id="2" name="タイトル 1">
+                <a:extLst>
+                  <a:ext uri="{FF2B5EF4-FFF2-40B4-BE49-F238E27FC236}">
+                    <a16:creationId xmlns:a16="http://schemas.microsoft.com/office/drawing/2014/main" id="{AC85C30A-0AD7-4721-AAC6-2EAEDF1A178B}"/>
+                  </a:ext>
+                </a:extLst>
+              </p:cNvPr>
+              <p:cNvSpPr>
+                <a:spLocks noGrp="1"/>
+              </p:cNvSpPr>
+              <p:nvPr>
+                <p:ph type="title"/>
+              </p:nvPr>
+            </p:nvSpPr>
+            <p:spPr/>
+            <p:txBody>
+              <a:bodyPr/>
+              <a:lstStyle/>
+              <a:p>
+                <a14:m>
+                  <m:oMath xmlns:m="http://schemas.openxmlformats.org/officeDocument/2006/math">
+                    <m:r>
+                      <a:rPr lang="en-US" altLang="ja-JP" b="0" i="1" smtClean="0">
+                        <a:latin typeface="Cambria Math" panose="02040503050406030204" pitchFamily="18" charset="0"/>
+                      </a:rPr>
+                      <m:t>𝛼</m:t>
+                    </m:r>
+                  </m:oMath>
+                </a14:m>
+                <a:r>
+                  <a:rPr lang="en-US" altLang="ja-JP" dirty="0"/>
+                  <a:t>-</a:t>
+                </a:r>
+                <a:r>
+                  <a:rPr lang="ja-JP" altLang="en-US" dirty="0"/>
+                  <a:t>平衡分離集合</a:t>
+                </a:r>
+                <a:endParaRPr kumimoji="1" lang="ja-JP" altLang="en-US" dirty="0"/>
+              </a:p>
+            </p:txBody>
+          </p:sp>
+        </mc:Choice>
+        <mc:Fallback xmlns="">
+          <p:sp>
+            <p:nvSpPr>
+              <p:cNvPr id="2" name="タイトル 1">
+                <a:extLst>
+                  <a:ext uri="{FF2B5EF4-FFF2-40B4-BE49-F238E27FC236}">
+                    <a16:creationId xmlns:a16="http://schemas.microsoft.com/office/drawing/2014/main" id="{AC85C30A-0AD7-4721-AAC6-2EAEDF1A178B}"/>
+                  </a:ext>
+                </a:extLst>
+              </p:cNvPr>
+              <p:cNvSpPr>
+                <a:spLocks noGrp="1" noRot="1" noChangeAspect="1" noMove="1" noResize="1" noEditPoints="1" noAdjustHandles="1" noChangeArrowheads="1" noChangeShapeType="1" noTextEdit="1"/>
+              </p:cNvSpPr>
+              <p:nvPr>
+                <p:ph type="title"/>
+              </p:nvPr>
+            </p:nvSpPr>
+            <p:spPr>
+              <a:blipFill>
+                <a:blip r:embed="rId3"/>
+                <a:stretch>
+                  <a:fillRect t="-1342" b="-16779"/>
+                </a:stretch>
+              </a:blipFill>
+            </p:spPr>
+            <p:txBody>
+              <a:bodyPr/>
+              <a:lstStyle/>
+              <a:p>
+                <a:r>
+                  <a:rPr lang="ja-JP" altLang="en-US">
+                    <a:noFill/>
+                  </a:rPr>
+                  <a:t> </a:t>
+                </a:r>
+              </a:p>
+            </p:txBody>
+          </p:sp>
+        </mc:Fallback>
+      </mc:AlternateContent>
+      <mc:AlternateContent xmlns:mc="http://schemas.openxmlformats.org/markup-compatibility/2006" xmlns:a14="http://schemas.microsoft.com/office/drawing/2010/main">
+        <mc:Choice Requires="a14">
+          <p:sp>
+            <p:nvSpPr>
+              <p:cNvPr id="3" name="コンテンツ プレースホルダー 2">
+                <a:extLst>
+                  <a:ext uri="{FF2B5EF4-FFF2-40B4-BE49-F238E27FC236}">
+                    <a16:creationId xmlns:a16="http://schemas.microsoft.com/office/drawing/2014/main" id="{42D42C4E-AF72-4FCA-9A3D-2DCDC45E8A48}"/>
+                  </a:ext>
+                </a:extLst>
+              </p:cNvPr>
+              <p:cNvSpPr>
+                <a:spLocks noGrp="1"/>
+              </p:cNvSpPr>
+              <p:nvPr>
+                <p:ph idx="1"/>
+              </p:nvPr>
+            </p:nvSpPr>
+            <p:spPr>
+              <a:xfrm>
+                <a:off x="658391" y="1274619"/>
+                <a:ext cx="8040766" cy="1463214"/>
+              </a:xfrm>
+            </p:spPr>
+            <p:txBody>
+              <a:bodyPr/>
+              <a:lstStyle/>
+              <a:p>
+                <a:r>
+                  <a:rPr kumimoji="1" lang="ja-JP" altLang="en-US" dirty="0"/>
+                  <a:t>ある</a:t>
+                </a:r>
+                <a14:m>
+                  <m:oMath xmlns:m="http://schemas.openxmlformats.org/officeDocument/2006/math">
+                    <m:r>
+                      <a:rPr kumimoji="1" lang="en-US" altLang="ja-JP" b="0" i="1" smtClean="0">
+                        <a:latin typeface="Cambria Math" panose="02040503050406030204" pitchFamily="18" charset="0"/>
+                      </a:rPr>
+                      <m:t>𝑛</m:t>
+                    </m:r>
+                  </m:oMath>
+                </a14:m>
+                <a:r>
+                  <a:rPr kumimoji="1" lang="ja-JP" altLang="en-US" dirty="0"/>
+                  <a:t>頂点のグラフ</a:t>
+                </a:r>
+                <a14:m>
+                  <m:oMath xmlns:m="http://schemas.openxmlformats.org/officeDocument/2006/math">
+                    <m:r>
+                      <a:rPr kumimoji="1" lang="en-US" altLang="ja-JP" b="0" i="1" smtClean="0">
+                        <a:latin typeface="Cambria Math" panose="02040503050406030204" pitchFamily="18" charset="0"/>
+                      </a:rPr>
+                      <m:t>𝐺</m:t>
+                    </m:r>
+                    <m:r>
+                      <a:rPr kumimoji="1" lang="en-US" altLang="ja-JP" b="0" i="1" smtClean="0">
+                        <a:latin typeface="Cambria Math" panose="02040503050406030204" pitchFamily="18" charset="0"/>
+                      </a:rPr>
+                      <m:t>=(</m:t>
+                    </m:r>
+                    <m:r>
+                      <a:rPr kumimoji="1" lang="en-US" altLang="ja-JP" b="0" i="1" smtClean="0">
+                        <a:latin typeface="Cambria Math" panose="02040503050406030204" pitchFamily="18" charset="0"/>
+                      </a:rPr>
+                      <m:t>𝑉</m:t>
+                    </m:r>
+                    <m:r>
+                      <a:rPr kumimoji="1" lang="en-US" altLang="ja-JP" b="0" i="1" smtClean="0">
+                        <a:latin typeface="Cambria Math" panose="02040503050406030204" pitchFamily="18" charset="0"/>
+                      </a:rPr>
+                      <m:t>,</m:t>
+                    </m:r>
+                    <m:r>
+                      <a:rPr kumimoji="1" lang="en-US" altLang="ja-JP" b="0" i="1" smtClean="0">
+                        <a:latin typeface="Cambria Math" panose="02040503050406030204" pitchFamily="18" charset="0"/>
+                      </a:rPr>
+                      <m:t>𝐸</m:t>
+                    </m:r>
+                    <m:r>
+                      <a:rPr kumimoji="1" lang="en-US" altLang="ja-JP" b="0" i="1" smtClean="0">
+                        <a:latin typeface="Cambria Math" panose="02040503050406030204" pitchFamily="18" charset="0"/>
+                      </a:rPr>
+                      <m:t>)</m:t>
+                    </m:r>
+                  </m:oMath>
+                </a14:m>
+                <a:endParaRPr kumimoji="1" lang="en-US" altLang="ja-JP" dirty="0"/>
+              </a:p>
+              <a:p>
+                <a14:m>
+                  <m:oMath xmlns:m="http://schemas.openxmlformats.org/officeDocument/2006/math">
+                    <m:r>
+                      <a:rPr kumimoji="1" lang="en-US" altLang="ja-JP" b="0" i="1" smtClean="0">
+                        <a:latin typeface="Cambria Math" panose="02040503050406030204" pitchFamily="18" charset="0"/>
+                      </a:rPr>
+                      <m:t>𝐺</m:t>
+                    </m:r>
+                  </m:oMath>
+                </a14:m>
+                <a:r>
+                  <a:rPr kumimoji="1" lang="ja-JP" altLang="en-US" b="0" dirty="0"/>
+                  <a:t>を</a:t>
+                </a:r>
+                <a14:m>
+                  <m:oMath xmlns:m="http://schemas.openxmlformats.org/officeDocument/2006/math">
+                    <m:r>
+                      <a:rPr lang="en-US" altLang="ja-JP" b="0" i="0" dirty="0" smtClean="0">
+                        <a:latin typeface="Cambria Math" panose="02040503050406030204" pitchFamily="18" charset="0"/>
+                      </a:rPr>
+                      <m:t>2</m:t>
+                    </m:r>
+                    <m:r>
+                      <a:rPr lang="ja-JP" altLang="en-US" i="1" dirty="0">
+                        <a:latin typeface="Cambria Math" panose="02040503050406030204" pitchFamily="18" charset="0"/>
+                      </a:rPr>
+                      <m:t>つ</m:t>
+                    </m:r>
+                    <m:r>
+                      <a:rPr lang="ja-JP" altLang="en-US" i="1" dirty="0" smtClean="0">
+                        <a:latin typeface="Cambria Math" panose="02040503050406030204" pitchFamily="18" charset="0"/>
+                      </a:rPr>
+                      <m:t>以上の</m:t>
+                    </m:r>
+                    <m:r>
+                      <a:rPr lang="ja-JP" altLang="en-US" i="1" dirty="0">
+                        <a:latin typeface="Cambria Math" panose="02040503050406030204" pitchFamily="18" charset="0"/>
+                      </a:rPr>
+                      <m:t>連結成分に分離</m:t>
+                    </m:r>
+                    <m:r>
+                      <a:rPr lang="ja-JP" altLang="en-US" i="1">
+                        <a:latin typeface="Cambria Math" panose="02040503050406030204" pitchFamily="18" charset="0"/>
+                      </a:rPr>
+                      <m:t>する</m:t>
+                    </m:r>
+                    <m:r>
+                      <a:rPr lang="en-US" altLang="ja-JP" b="0" i="1" smtClean="0">
+                        <a:latin typeface="Cambria Math" panose="02040503050406030204" pitchFamily="18" charset="0"/>
+                      </a:rPr>
+                      <m:t>𝛼</m:t>
+                    </m:r>
+                  </m:oMath>
+                </a14:m>
+                <a:r>
+                  <a:rPr lang="en-US" altLang="ja-JP" dirty="0"/>
+                  <a:t>-</a:t>
+                </a:r>
+                <a:r>
+                  <a:rPr lang="ja-JP" altLang="en-US" dirty="0"/>
+                  <a:t>平衡</a:t>
+                </a:r>
+                <a:r>
+                  <a:rPr lang="ja-JP" altLang="en-US" i="1" dirty="0">
+                    <a:latin typeface="Cambria Math" panose="02040503050406030204" pitchFamily="18" charset="0"/>
+                  </a:rPr>
+                  <a:t>分離</a:t>
+                </a:r>
+                <a14:m>
+                  <m:oMath xmlns:m="http://schemas.openxmlformats.org/officeDocument/2006/math">
+                    <m:r>
+                      <a:rPr lang="ja-JP" altLang="en-US" i="1">
+                        <a:latin typeface="Cambria Math" panose="02040503050406030204" pitchFamily="18" charset="0"/>
+                      </a:rPr>
+                      <m:t>集合</m:t>
+                    </m:r>
+                    <m:r>
+                      <a:rPr kumimoji="1" lang="en-US" altLang="ja-JP" b="0" i="1" smtClean="0">
+                        <a:latin typeface="Cambria Math" panose="02040503050406030204" pitchFamily="18" charset="0"/>
+                      </a:rPr>
+                      <m:t>𝑆</m:t>
+                    </m:r>
+                    <m:r>
+                      <a:rPr kumimoji="1" lang="en-US" altLang="ja-JP" b="0" i="1" smtClean="0">
+                        <a:latin typeface="Cambria Math" panose="02040503050406030204" pitchFamily="18" charset="0"/>
+                      </a:rPr>
+                      <m:t>⊂</m:t>
+                    </m:r>
+                    <m:r>
+                      <a:rPr kumimoji="1" lang="en-US" altLang="ja-JP" b="0" i="1" smtClean="0">
+                        <a:latin typeface="Cambria Math" panose="02040503050406030204" pitchFamily="18" charset="0"/>
+                      </a:rPr>
+                      <m:t>𝑉</m:t>
+                    </m:r>
+                  </m:oMath>
+                </a14:m>
+                <a:endParaRPr kumimoji="1" lang="en-US" altLang="ja-JP" dirty="0"/>
+              </a:p>
+              <a:p>
+                <a:r>
+                  <a:rPr lang="ja-JP" altLang="en-US" dirty="0"/>
+                  <a:t>分離</a:t>
+                </a:r>
+                <a:r>
+                  <a:rPr kumimoji="1" lang="ja-JP" altLang="en-US" dirty="0"/>
+                  <a:t>された各連結成分のサイズ</a:t>
+                </a:r>
+                <a:r>
+                  <a:rPr lang="ja-JP" altLang="en-US" dirty="0"/>
+                  <a:t>は</a:t>
+                </a:r>
+                <a14:m>
+                  <m:oMath xmlns:m="http://schemas.openxmlformats.org/officeDocument/2006/math">
+                    <m:r>
+                      <a:rPr kumimoji="1" lang="en-US" altLang="ja-JP" b="0" i="1" smtClean="0">
+                        <a:latin typeface="Cambria Math" panose="02040503050406030204" pitchFamily="18" charset="0"/>
+                      </a:rPr>
+                      <m:t>𝛼</m:t>
+                    </m:r>
+                    <m:r>
+                      <a:rPr kumimoji="1" lang="en-US" altLang="ja-JP" b="0" i="1" smtClean="0">
+                        <a:latin typeface="Cambria Math" panose="02040503050406030204" pitchFamily="18" charset="0"/>
+                      </a:rPr>
+                      <m:t>𝑛</m:t>
+                    </m:r>
+                  </m:oMath>
+                </a14:m>
+                <a:r>
+                  <a:rPr kumimoji="1" lang="ja-JP" altLang="en-US" dirty="0"/>
+                  <a:t>以下</a:t>
+                </a:r>
+              </a:p>
+            </p:txBody>
+          </p:sp>
+        </mc:Choice>
+        <mc:Fallback xmlns="">
+          <p:sp>
+            <p:nvSpPr>
+              <p:cNvPr id="3" name="コンテンツ プレースホルダー 2">
+                <a:extLst>
+                  <a:ext uri="{FF2B5EF4-FFF2-40B4-BE49-F238E27FC236}">
+                    <a16:creationId xmlns:a16="http://schemas.microsoft.com/office/drawing/2014/main" id="{42D42C4E-AF72-4FCA-9A3D-2DCDC45E8A48}"/>
+                  </a:ext>
+                </a:extLst>
+              </p:cNvPr>
+              <p:cNvSpPr>
+                <a:spLocks noGrp="1" noRot="1" noChangeAspect="1" noMove="1" noResize="1" noEditPoints="1" noAdjustHandles="1" noChangeArrowheads="1" noChangeShapeType="1" noTextEdit="1"/>
+              </p:cNvSpPr>
+              <p:nvPr>
+                <p:ph idx="1"/>
+              </p:nvPr>
+            </p:nvSpPr>
+            <p:spPr>
+              <a:xfrm>
+                <a:off x="658391" y="1274619"/>
+                <a:ext cx="8040766" cy="1463214"/>
+              </a:xfrm>
+              <a:blipFill>
+                <a:blip r:embed="rId4"/>
+                <a:stretch>
+                  <a:fillRect l="-986" t="-3333" b="-5417"/>
+                </a:stretch>
+              </a:blipFill>
+            </p:spPr>
+            <p:txBody>
+              <a:bodyPr/>
+              <a:lstStyle/>
+              <a:p>
+                <a:r>
+                  <a:rPr lang="ja-JP" altLang="en-US">
+                    <a:noFill/>
+                  </a:rPr>
+                  <a:t> </a:t>
+                </a:r>
+              </a:p>
+            </p:txBody>
+          </p:sp>
+        </mc:Fallback>
+      </mc:AlternateContent>
+      <mc:AlternateContent xmlns:mc="http://schemas.openxmlformats.org/markup-compatibility/2006" xmlns:a14="http://schemas.microsoft.com/office/drawing/2010/main">
+        <mc:Choice Requires="a14">
+          <p:sp>
+            <p:nvSpPr>
+              <p:cNvPr id="20" name="フリーフォーム: 図形 19">
+                <a:extLst>
+                  <a:ext uri="{FF2B5EF4-FFF2-40B4-BE49-F238E27FC236}">
+                    <a16:creationId xmlns:a16="http://schemas.microsoft.com/office/drawing/2014/main" id="{5ED4D06C-4537-40A7-813E-A2BC1CF31DA3}"/>
+                  </a:ext>
+                </a:extLst>
+              </p:cNvPr>
+              <p:cNvSpPr/>
+              <p:nvPr/>
+            </p:nvSpPr>
+            <p:spPr>
+              <a:xfrm rot="5400000">
+                <a:off x="3174535" y="4223087"/>
+                <a:ext cx="2854412" cy="1729946"/>
+              </a:xfrm>
+              <a:custGeom>
+                <a:avLst/>
+                <a:gdLst>
+                  <a:gd name="connsiteX0" fmla="*/ 0 w 2854412"/>
+                  <a:gd name="connsiteY0" fmla="*/ 864973 h 1729946"/>
+                  <a:gd name="connsiteX1" fmla="*/ 7369 w 2854412"/>
+                  <a:gd name="connsiteY1" fmla="*/ 513746 h 1729946"/>
+                  <a:gd name="connsiteX2" fmla="*/ 12785 w 2854412"/>
+                  <a:gd name="connsiteY2" fmla="*/ 428331 h 1729946"/>
+                  <a:gd name="connsiteX3" fmla="*/ 65996 w 2854412"/>
+                  <a:gd name="connsiteY3" fmla="*/ 381359 h 1729946"/>
+                  <a:gd name="connsiteX4" fmla="*/ 1403438 w 2854412"/>
+                  <a:gd name="connsiteY4" fmla="*/ 0 h 1729946"/>
+                  <a:gd name="connsiteX5" fmla="*/ 2821670 w 2854412"/>
+                  <a:gd name="connsiteY5" fmla="*/ 452676 h 1729946"/>
+                  <a:gd name="connsiteX6" fmla="*/ 2844803 w 2854412"/>
+                  <a:gd name="connsiteY6" fmla="*/ 478430 h 1729946"/>
+                  <a:gd name="connsiteX7" fmla="*/ 2847043 w 2854412"/>
+                  <a:gd name="connsiteY7" fmla="*/ 513746 h 1729946"/>
+                  <a:gd name="connsiteX8" fmla="*/ 2854412 w 2854412"/>
+                  <a:gd name="connsiteY8" fmla="*/ 864973 h 1729946"/>
+                  <a:gd name="connsiteX9" fmla="*/ 2847043 w 2854412"/>
+                  <a:gd name="connsiteY9" fmla="*/ 1216200 h 1729946"/>
+                  <a:gd name="connsiteX10" fmla="*/ 2844803 w 2854412"/>
+                  <a:gd name="connsiteY10" fmla="*/ 1251516 h 1729946"/>
+                  <a:gd name="connsiteX11" fmla="*/ 2821670 w 2854412"/>
+                  <a:gd name="connsiteY11" fmla="*/ 1277270 h 1729946"/>
+                  <a:gd name="connsiteX12" fmla="*/ 1403438 w 2854412"/>
+                  <a:gd name="connsiteY12" fmla="*/ 1729946 h 1729946"/>
+                  <a:gd name="connsiteX13" fmla="*/ 65996 w 2854412"/>
+                  <a:gd name="connsiteY13" fmla="*/ 1348587 h 1729946"/>
+                  <a:gd name="connsiteX14" fmla="*/ 12785 w 2854412"/>
+                  <a:gd name="connsiteY14" fmla="*/ 1301615 h 1729946"/>
+                  <a:gd name="connsiteX15" fmla="*/ 7369 w 2854412"/>
+                  <a:gd name="connsiteY15" fmla="*/ 1216200 h 1729946"/>
+                  <a:gd name="connsiteX16" fmla="*/ 0 w 2854412"/>
+                  <a:gd name="connsiteY16" fmla="*/ 864973 h 1729946"/>
+                </a:gdLst>
+                <a:ahLst/>
+                <a:cxnLst>
+                  <a:cxn ang="0">
+                    <a:pos x="connsiteX0" y="connsiteY0"/>
+                  </a:cxn>
+                  <a:cxn ang="0">
+                    <a:pos x="connsiteX1" y="connsiteY1"/>
+                  </a:cxn>
+                  <a:cxn ang="0">
+                    <a:pos x="connsiteX2" y="connsiteY2"/>
+                  </a:cxn>
+                  <a:cxn ang="0">
+                    <a:pos x="connsiteX3" y="connsiteY3"/>
+                  </a:cxn>
+                  <a:cxn ang="0">
+                    <a:pos x="connsiteX4" y="connsiteY4"/>
+                  </a:cxn>
+                  <a:cxn ang="0">
+                    <a:pos x="connsiteX5" y="connsiteY5"/>
+                  </a:cxn>
+                  <a:cxn ang="0">
+                    <a:pos x="connsiteX6" y="connsiteY6"/>
+                  </a:cxn>
+                  <a:cxn ang="0">
+                    <a:pos x="connsiteX7" y="connsiteY7"/>
+                  </a:cxn>
+                  <a:cxn ang="0">
+                    <a:pos x="connsiteX8" y="connsiteY8"/>
+                  </a:cxn>
+                  <a:cxn ang="0">
+                    <a:pos x="connsiteX9" y="connsiteY9"/>
+                  </a:cxn>
+                  <a:cxn ang="0">
+                    <a:pos x="connsiteX10" y="connsiteY10"/>
+                  </a:cxn>
+                  <a:cxn ang="0">
+                    <a:pos x="connsiteX11" y="connsiteY11"/>
+                  </a:cxn>
+                  <a:cxn ang="0">
+                    <a:pos x="connsiteX12" y="connsiteY12"/>
+                  </a:cxn>
+                  <a:cxn ang="0">
+                    <a:pos x="connsiteX13" y="connsiteY13"/>
+                  </a:cxn>
+                  <a:cxn ang="0">
+                    <a:pos x="connsiteX14" y="connsiteY14"/>
+                  </a:cxn>
+                  <a:cxn ang="0">
+                    <a:pos x="connsiteX15" y="connsiteY15"/>
+                  </a:cxn>
+                  <a:cxn ang="0">
+                    <a:pos x="connsiteX16" y="connsiteY16"/>
+                  </a:cxn>
+                </a:cxnLst>
+                <a:rect l="l" t="t" r="r" b="b"/>
+                <a:pathLst>
+                  <a:path w="2854412" h="1729946">
+                    <a:moveTo>
+                      <a:pt x="0" y="864973"/>
+                    </a:moveTo>
+                    <a:cubicBezTo>
+                      <a:pt x="0" y="746398"/>
+                      <a:pt x="2496" y="629227"/>
+                      <a:pt x="7369" y="513746"/>
+                    </a:cubicBezTo>
+                    <a:lnTo>
+                      <a:pt x="12785" y="428331"/>
+                    </a:lnTo>
+                    <a:lnTo>
+                      <a:pt x="65996" y="381359"/>
+                    </a:lnTo>
+                    <a:cubicBezTo>
+                      <a:pt x="355846" y="151274"/>
+                      <a:pt x="846700" y="0"/>
+                      <a:pt x="1403438" y="0"/>
+                    </a:cubicBezTo>
+                    <a:cubicBezTo>
+                      <a:pt x="2015849" y="0"/>
+                      <a:pt x="2548542" y="183042"/>
+                      <a:pt x="2821670" y="452676"/>
+                    </a:cubicBezTo>
+                    <a:lnTo>
+                      <a:pt x="2844803" y="478430"/>
+                    </a:lnTo>
+                    <a:lnTo>
+                      <a:pt x="2847043" y="513746"/>
+                    </a:lnTo>
+                    <a:cubicBezTo>
+                      <a:pt x="2851916" y="629227"/>
+                      <a:pt x="2854412" y="746398"/>
+                      <a:pt x="2854412" y="864973"/>
+                    </a:cubicBezTo>
+                    <a:cubicBezTo>
+                      <a:pt x="2854412" y="983548"/>
+                      <a:pt x="2851916" y="1100720"/>
+                      <a:pt x="2847043" y="1216200"/>
+                    </a:cubicBezTo>
+                    <a:lnTo>
+                      <a:pt x="2844803" y="1251516"/>
+                    </a:lnTo>
+                    <a:lnTo>
+                      <a:pt x="2821670" y="1277270"/>
+                    </a:lnTo>
+                    <a:cubicBezTo>
+                      <a:pt x="2548542" y="1546904"/>
+                      <a:pt x="2015849" y="1729946"/>
+                      <a:pt x="1403438" y="1729946"/>
+                    </a:cubicBezTo>
+                    <a:cubicBezTo>
+                      <a:pt x="846700" y="1729946"/>
+                      <a:pt x="355846" y="1578672"/>
+                      <a:pt x="65996" y="1348587"/>
+                    </a:cubicBezTo>
+                    <a:lnTo>
+                      <a:pt x="12785" y="1301615"/>
+                    </a:lnTo>
+                    <a:lnTo>
+                      <a:pt x="7369" y="1216200"/>
+                    </a:lnTo>
+                    <a:cubicBezTo>
+                      <a:pt x="2496" y="1100720"/>
+                      <a:pt x="0" y="983548"/>
+                      <a:pt x="0" y="864973"/>
+                    </a:cubicBezTo>
+                    <a:close/>
+                  </a:path>
+                </a:pathLst>
+              </a:custGeom>
+              <a:solidFill>
+                <a:schemeClr val="accent6">
+                  <a:lumMod val="40000"/>
+                  <a:lumOff val="60000"/>
+                </a:schemeClr>
+              </a:solidFill>
+              <a:ln w="28575">
+                <a:solidFill>
+                  <a:schemeClr val="tx1"/>
+                </a:solidFill>
+              </a:ln>
+            </p:spPr>
+            <p:style>
+              <a:lnRef idx="1">
+                <a:schemeClr val="accent1"/>
+              </a:lnRef>
+              <a:fillRef idx="0">
+                <a:schemeClr val="accent1"/>
+              </a:fillRef>
+              <a:effectRef idx="0">
+                <a:schemeClr val="accent1"/>
+              </a:effectRef>
+              <a:fontRef idx="minor">
+                <a:schemeClr val="tx1"/>
+              </a:fontRef>
+            </p:style>
+            <p:txBody>
+              <a:bodyPr vert="vert270" rtlCol="0" anchor="ctr"/>
+              <a:lstStyle/>
+              <a:p>
+                <a:pPr algn="ctr"/>
+                <a14:m>
+                  <m:oMathPara xmlns:m="http://schemas.openxmlformats.org/officeDocument/2006/math">
+                    <m:oMathParaPr>
+                      <m:jc m:val="centerGroup"/>
+                    </m:oMathParaPr>
+                    <m:oMath xmlns:m="http://schemas.openxmlformats.org/officeDocument/2006/math">
+                      <m:r>
+                        <a:rPr kumimoji="1" lang="en-US" altLang="ja-JP" sz="3200" b="0" i="1" smtClean="0">
+                          <a:latin typeface="Cambria Math" panose="02040503050406030204" pitchFamily="18" charset="0"/>
+                        </a:rPr>
+                        <m:t>𝑆</m:t>
+                      </m:r>
+                    </m:oMath>
+                  </m:oMathPara>
+                </a14:m>
+                <a:endParaRPr kumimoji="1" lang="ja-JP" altLang="en-US" sz="3200" dirty="0"/>
+              </a:p>
+            </p:txBody>
+          </p:sp>
+        </mc:Choice>
+        <mc:Fallback xmlns="">
+          <p:sp>
+            <p:nvSpPr>
+              <p:cNvPr id="20" name="フリーフォーム: 図形 19">
+                <a:extLst>
+                  <a:ext uri="{FF2B5EF4-FFF2-40B4-BE49-F238E27FC236}">
+                    <a16:creationId xmlns:a16="http://schemas.microsoft.com/office/drawing/2014/main" id="{5ED4D06C-4537-40A7-813E-A2BC1CF31DA3}"/>
+                  </a:ext>
+                </a:extLst>
+              </p:cNvPr>
+              <p:cNvSpPr>
+                <a:spLocks noRot="1" noChangeAspect="1" noMove="1" noResize="1" noEditPoints="1" noAdjustHandles="1" noChangeArrowheads="1" noChangeShapeType="1" noTextEdit="1"/>
+              </p:cNvSpPr>
+              <p:nvPr/>
+            </p:nvSpPr>
+            <p:spPr>
+              <a:xfrm rot="5400000">
+                <a:off x="3174535" y="4223087"/>
+                <a:ext cx="2854412" cy="1729946"/>
+              </a:xfrm>
+              <a:custGeom>
+                <a:avLst/>
+                <a:gdLst>
+                  <a:gd name="connsiteX0" fmla="*/ 0 w 2854412"/>
+                  <a:gd name="connsiteY0" fmla="*/ 864973 h 1729946"/>
+                  <a:gd name="connsiteX1" fmla="*/ 7369 w 2854412"/>
+                  <a:gd name="connsiteY1" fmla="*/ 513746 h 1729946"/>
+                  <a:gd name="connsiteX2" fmla="*/ 12785 w 2854412"/>
+                  <a:gd name="connsiteY2" fmla="*/ 428331 h 1729946"/>
+                  <a:gd name="connsiteX3" fmla="*/ 65996 w 2854412"/>
+                  <a:gd name="connsiteY3" fmla="*/ 381359 h 1729946"/>
+                  <a:gd name="connsiteX4" fmla="*/ 1403438 w 2854412"/>
+                  <a:gd name="connsiteY4" fmla="*/ 0 h 1729946"/>
+                  <a:gd name="connsiteX5" fmla="*/ 2821670 w 2854412"/>
+                  <a:gd name="connsiteY5" fmla="*/ 452676 h 1729946"/>
+                  <a:gd name="connsiteX6" fmla="*/ 2844803 w 2854412"/>
+                  <a:gd name="connsiteY6" fmla="*/ 478430 h 1729946"/>
+                  <a:gd name="connsiteX7" fmla="*/ 2847043 w 2854412"/>
+                  <a:gd name="connsiteY7" fmla="*/ 513746 h 1729946"/>
+                  <a:gd name="connsiteX8" fmla="*/ 2854412 w 2854412"/>
+                  <a:gd name="connsiteY8" fmla="*/ 864973 h 1729946"/>
+                  <a:gd name="connsiteX9" fmla="*/ 2847043 w 2854412"/>
+                  <a:gd name="connsiteY9" fmla="*/ 1216200 h 1729946"/>
+                  <a:gd name="connsiteX10" fmla="*/ 2844803 w 2854412"/>
+                  <a:gd name="connsiteY10" fmla="*/ 1251516 h 1729946"/>
+                  <a:gd name="connsiteX11" fmla="*/ 2821670 w 2854412"/>
+                  <a:gd name="connsiteY11" fmla="*/ 1277270 h 1729946"/>
+                  <a:gd name="connsiteX12" fmla="*/ 1403438 w 2854412"/>
+                  <a:gd name="connsiteY12" fmla="*/ 1729946 h 1729946"/>
+                  <a:gd name="connsiteX13" fmla="*/ 65996 w 2854412"/>
+                  <a:gd name="connsiteY13" fmla="*/ 1348587 h 1729946"/>
+                  <a:gd name="connsiteX14" fmla="*/ 12785 w 2854412"/>
+                  <a:gd name="connsiteY14" fmla="*/ 1301615 h 1729946"/>
+                  <a:gd name="connsiteX15" fmla="*/ 7369 w 2854412"/>
+                  <a:gd name="connsiteY15" fmla="*/ 1216200 h 1729946"/>
+                  <a:gd name="connsiteX16" fmla="*/ 0 w 2854412"/>
+                  <a:gd name="connsiteY16" fmla="*/ 864973 h 1729946"/>
+                </a:gdLst>
+                <a:ahLst/>
+                <a:cxnLst>
+                  <a:cxn ang="0">
+                    <a:pos x="connsiteX0" y="connsiteY0"/>
+                  </a:cxn>
+                  <a:cxn ang="0">
+                    <a:pos x="connsiteX1" y="connsiteY1"/>
+                  </a:cxn>
+                  <a:cxn ang="0">
+                    <a:pos x="connsiteX2" y="connsiteY2"/>
+                  </a:cxn>
+                  <a:cxn ang="0">
+                    <a:pos x="connsiteX3" y="connsiteY3"/>
+                  </a:cxn>
+                  <a:cxn ang="0">
+                    <a:pos x="connsiteX4" y="connsiteY4"/>
+                  </a:cxn>
+                  <a:cxn ang="0">
+                    <a:pos x="connsiteX5" y="connsiteY5"/>
+                  </a:cxn>
+                  <a:cxn ang="0">
+                    <a:pos x="connsiteX6" y="connsiteY6"/>
+                  </a:cxn>
+                  <a:cxn ang="0">
+                    <a:pos x="connsiteX7" y="connsiteY7"/>
+                  </a:cxn>
+                  <a:cxn ang="0">
+                    <a:pos x="connsiteX8" y="connsiteY8"/>
+                  </a:cxn>
+                  <a:cxn ang="0">
+                    <a:pos x="connsiteX9" y="connsiteY9"/>
+                  </a:cxn>
+                  <a:cxn ang="0">
+                    <a:pos x="connsiteX10" y="connsiteY10"/>
+                  </a:cxn>
+                  <a:cxn ang="0">
+                    <a:pos x="connsiteX11" y="connsiteY11"/>
+                  </a:cxn>
+                  <a:cxn ang="0">
+                    <a:pos x="connsiteX12" y="connsiteY12"/>
+                  </a:cxn>
+                  <a:cxn ang="0">
+                    <a:pos x="connsiteX13" y="connsiteY13"/>
+                  </a:cxn>
+                  <a:cxn ang="0">
+                    <a:pos x="connsiteX14" y="connsiteY14"/>
+                  </a:cxn>
+                  <a:cxn ang="0">
+                    <a:pos x="connsiteX15" y="connsiteY15"/>
+                  </a:cxn>
+                  <a:cxn ang="0">
+                    <a:pos x="connsiteX16" y="connsiteY16"/>
+                  </a:cxn>
+                </a:cxnLst>
+                <a:rect l="l" t="t" r="r" b="b"/>
+                <a:pathLst>
+                  <a:path w="2854412" h="1729946">
+                    <a:moveTo>
+                      <a:pt x="0" y="864973"/>
+                    </a:moveTo>
+                    <a:cubicBezTo>
+                      <a:pt x="0" y="746398"/>
+                      <a:pt x="2496" y="629227"/>
+                      <a:pt x="7369" y="513746"/>
+                    </a:cubicBezTo>
+                    <a:lnTo>
+                      <a:pt x="12785" y="428331"/>
+                    </a:lnTo>
+                    <a:lnTo>
+                      <a:pt x="65996" y="381359"/>
+                    </a:lnTo>
+                    <a:cubicBezTo>
+                      <a:pt x="355846" y="151274"/>
+                      <a:pt x="846700" y="0"/>
+                      <a:pt x="1403438" y="0"/>
+                    </a:cubicBezTo>
+                    <a:cubicBezTo>
+                      <a:pt x="2015849" y="0"/>
+                      <a:pt x="2548542" y="183042"/>
+                      <a:pt x="2821670" y="452676"/>
+                    </a:cubicBezTo>
+                    <a:lnTo>
+                      <a:pt x="2844803" y="478430"/>
+                    </a:lnTo>
+                    <a:lnTo>
+                      <a:pt x="2847043" y="513746"/>
+                    </a:lnTo>
+                    <a:cubicBezTo>
+                      <a:pt x="2851916" y="629227"/>
+                      <a:pt x="2854412" y="746398"/>
+                      <a:pt x="2854412" y="864973"/>
+                    </a:cubicBezTo>
+                    <a:cubicBezTo>
+                      <a:pt x="2854412" y="983548"/>
+                      <a:pt x="2851916" y="1100720"/>
+                      <a:pt x="2847043" y="1216200"/>
+                    </a:cubicBezTo>
+                    <a:lnTo>
+                      <a:pt x="2844803" y="1251516"/>
+                    </a:lnTo>
+                    <a:lnTo>
+                      <a:pt x="2821670" y="1277270"/>
+                    </a:lnTo>
+                    <a:cubicBezTo>
+                      <a:pt x="2548542" y="1546904"/>
+                      <a:pt x="2015849" y="1729946"/>
+                      <a:pt x="1403438" y="1729946"/>
+                    </a:cubicBezTo>
+                    <a:cubicBezTo>
+                      <a:pt x="846700" y="1729946"/>
+                      <a:pt x="355846" y="1578672"/>
+                      <a:pt x="65996" y="1348587"/>
+                    </a:cubicBezTo>
+                    <a:lnTo>
+                      <a:pt x="12785" y="1301615"/>
+                    </a:lnTo>
+                    <a:lnTo>
+                      <a:pt x="7369" y="1216200"/>
+                    </a:lnTo>
+                    <a:cubicBezTo>
+                      <a:pt x="2496" y="1100720"/>
+                      <a:pt x="0" y="983548"/>
+                      <a:pt x="0" y="864973"/>
+                    </a:cubicBezTo>
+                    <a:close/>
+                  </a:path>
+                </a:pathLst>
+              </a:custGeom>
+              <a:blipFill>
+                <a:blip r:embed="rId5"/>
+                <a:stretch>
+                  <a:fillRect/>
+                </a:stretch>
+              </a:blipFill>
+              <a:ln w="28575">
+                <a:solidFill>
+                  <a:schemeClr val="tx1"/>
+                </a:solidFill>
+              </a:ln>
+            </p:spPr>
+            <p:txBody>
+              <a:bodyPr/>
+              <a:lstStyle/>
+              <a:p>
+                <a:r>
+                  <a:rPr lang="ja-JP" altLang="en-US">
+                    <a:noFill/>
+                  </a:rPr>
+                  <a:t> </a:t>
+                </a:r>
+              </a:p>
+            </p:txBody>
+          </p:sp>
+        </mc:Fallback>
+      </mc:AlternateContent>
+      <mc:AlternateContent xmlns:mc="http://schemas.openxmlformats.org/markup-compatibility/2006" xmlns:a14="http://schemas.microsoft.com/office/drawing/2010/main">
+        <mc:Choice Requires="a14">
+          <p:sp>
+            <p:nvSpPr>
+              <p:cNvPr id="18" name="フリーフォーム: 図形 17">
+                <a:extLst>
+                  <a:ext uri="{FF2B5EF4-FFF2-40B4-BE49-F238E27FC236}">
+                    <a16:creationId xmlns:a16="http://schemas.microsoft.com/office/drawing/2014/main" id="{98F34407-A56A-46EF-9DE2-6F7B4111A1E7}"/>
+                  </a:ext>
+                </a:extLst>
+              </p:cNvPr>
+              <p:cNvSpPr/>
+              <p:nvPr/>
+            </p:nvSpPr>
+            <p:spPr>
+              <a:xfrm rot="5400000">
+                <a:off x="796483" y="4102993"/>
+                <a:ext cx="2832018" cy="1943101"/>
+              </a:xfrm>
+              <a:custGeom>
+                <a:avLst/>
+                <a:gdLst>
+                  <a:gd name="connsiteX0" fmla="*/ 0 w 2832018"/>
+                  <a:gd name="connsiteY0" fmla="*/ 50099 h 3048635"/>
+                  <a:gd name="connsiteX1" fmla="*/ 53211 w 2832018"/>
+                  <a:gd name="connsiteY1" fmla="*/ 97071 h 3048635"/>
+                  <a:gd name="connsiteX2" fmla="*/ 1390653 w 2832018"/>
+                  <a:gd name="connsiteY2" fmla="*/ 478430 h 3048635"/>
+                  <a:gd name="connsiteX3" fmla="*/ 2808885 w 2832018"/>
+                  <a:gd name="connsiteY3" fmla="*/ 25754 h 3048635"/>
+                  <a:gd name="connsiteX4" fmla="*/ 2832018 w 2832018"/>
+                  <a:gd name="connsiteY4" fmla="*/ 0 h 3048635"/>
+                  <a:gd name="connsiteX5" fmla="*/ 2812631 w 2832018"/>
+                  <a:gd name="connsiteY5" fmla="*/ 305765 h 3048635"/>
+                  <a:gd name="connsiteX6" fmla="*/ 1414421 w 2832018"/>
+                  <a:gd name="connsiteY6" fmla="*/ 3048635 h 3048635"/>
+                  <a:gd name="connsiteX7" fmla="*/ 16211 w 2832018"/>
+                  <a:gd name="connsiteY7" fmla="*/ 305765 h 3048635"/>
+                  <a:gd name="connsiteX8" fmla="*/ 0 w 2832018"/>
+                  <a:gd name="connsiteY8" fmla="*/ 50099 h 3048635"/>
+                </a:gdLst>
+                <a:ahLst/>
+                <a:cxnLst>
+                  <a:cxn ang="0">
+                    <a:pos x="connsiteX0" y="connsiteY0"/>
+                  </a:cxn>
+                  <a:cxn ang="0">
+                    <a:pos x="connsiteX1" y="connsiteY1"/>
+                  </a:cxn>
+                  <a:cxn ang="0">
+                    <a:pos x="connsiteX2" y="connsiteY2"/>
+                  </a:cxn>
+                  <a:cxn ang="0">
+                    <a:pos x="connsiteX3" y="connsiteY3"/>
+                  </a:cxn>
+                  <a:cxn ang="0">
+                    <a:pos x="connsiteX4" y="connsiteY4"/>
+                  </a:cxn>
+                  <a:cxn ang="0">
+                    <a:pos x="connsiteX5" y="connsiteY5"/>
+                  </a:cxn>
+                  <a:cxn ang="0">
+                    <a:pos x="connsiteX6" y="connsiteY6"/>
+                  </a:cxn>
+                  <a:cxn ang="0">
+                    <a:pos x="connsiteX7" y="connsiteY7"/>
+                  </a:cxn>
+                  <a:cxn ang="0">
+                    <a:pos x="connsiteX8" y="connsiteY8"/>
+                  </a:cxn>
+                </a:cxnLst>
+                <a:rect l="l" t="t" r="r" b="b"/>
+                <a:pathLst>
+                  <a:path w="2832018" h="3048635">
+                    <a:moveTo>
+                      <a:pt x="0" y="50099"/>
+                    </a:moveTo>
+                    <a:lnTo>
+                      <a:pt x="53211" y="97071"/>
+                    </a:lnTo>
+                    <a:cubicBezTo>
+                      <a:pt x="343061" y="327156"/>
+                      <a:pt x="833915" y="478430"/>
+                      <a:pt x="1390653" y="478430"/>
+                    </a:cubicBezTo>
+                    <a:cubicBezTo>
+                      <a:pt x="2003064" y="478430"/>
+                      <a:pt x="2535757" y="295388"/>
+                      <a:pt x="2808885" y="25754"/>
+                    </a:cubicBezTo>
+                    <a:lnTo>
+                      <a:pt x="2832018" y="0"/>
+                    </a:lnTo>
+                    <a:lnTo>
+                      <a:pt x="2812631" y="305765"/>
+                    </a:lnTo>
+                    <a:cubicBezTo>
+                      <a:pt x="2679549" y="1871118"/>
+                      <a:pt x="2104117" y="3048635"/>
+                      <a:pt x="1414421" y="3048635"/>
+                    </a:cubicBezTo>
+                    <a:cubicBezTo>
+                      <a:pt x="724725" y="3048635"/>
+                      <a:pt x="149292" y="1871118"/>
+                      <a:pt x="16211" y="305765"/>
+                    </a:cubicBezTo>
+                    <a:lnTo>
+                      <a:pt x="0" y="50099"/>
+                    </a:lnTo>
+                    <a:close/>
+                  </a:path>
+                </a:pathLst>
+              </a:custGeom>
+              <a:solidFill>
+                <a:schemeClr val="bg1"/>
+              </a:solidFill>
+              <a:ln w="28575">
+                <a:solidFill>
+                  <a:srgbClr val="FF0000"/>
+                </a:solidFill>
+              </a:ln>
+            </p:spPr>
+            <p:style>
+              <a:lnRef idx="1">
+                <a:schemeClr val="accent1"/>
+              </a:lnRef>
+              <a:fillRef idx="0">
+                <a:schemeClr val="accent1"/>
+              </a:fillRef>
+              <a:effectRef idx="0">
+                <a:schemeClr val="accent1"/>
+              </a:effectRef>
+              <a:fontRef idx="minor">
+                <a:schemeClr val="tx1"/>
+              </a:fontRef>
+            </p:style>
+            <p:txBody>
+              <a:bodyPr vert="vert270" rtlCol="0" anchor="ctr"/>
+              <a:lstStyle/>
+              <a:p>
+                <a:pPr algn="ctr"/>
+                <a:endParaRPr kumimoji="1" lang="en-US" altLang="ja-JP" sz="2800" b="0" i="1" dirty="0">
+                  <a:latin typeface="Cambria Math" panose="02040503050406030204" pitchFamily="18" charset="0"/>
+                </a:endParaRPr>
+              </a:p>
+              <a:p>
+                <a:pPr algn="ctr"/>
+                <a:endParaRPr lang="en-US" altLang="ja-JP" sz="2800" i="1" dirty="0">
+                  <a:latin typeface="Cambria Math" panose="02040503050406030204" pitchFamily="18" charset="0"/>
+                </a:endParaRPr>
+              </a:p>
+              <a:p>
+                <a:pPr algn="ctr"/>
+                <a14:m>
+                  <m:oMathPara xmlns:m="http://schemas.openxmlformats.org/officeDocument/2006/math">
+                    <m:oMathParaPr>
+                      <m:jc m:val="centerGroup"/>
+                    </m:oMathParaPr>
+                    <m:oMath xmlns:m="http://schemas.openxmlformats.org/officeDocument/2006/math">
+                      <m:d>
+                        <m:dPr>
+                          <m:begChr m:val="|"/>
+                          <m:endChr m:val="|"/>
+                          <m:ctrlPr>
+                            <a:rPr kumimoji="1" lang="en-US" altLang="ja-JP" sz="2800" b="0" i="1" smtClean="0">
+                              <a:latin typeface="Cambria Math" panose="02040503050406030204" pitchFamily="18" charset="0"/>
+                            </a:rPr>
+                          </m:ctrlPr>
+                        </m:dPr>
+                        <m:e>
+                          <m:r>
+                            <a:rPr kumimoji="1" lang="en-US" altLang="ja-JP" sz="2800" b="0" i="1" smtClean="0">
+                              <a:latin typeface="Cambria Math" panose="02040503050406030204" pitchFamily="18" charset="0"/>
+                            </a:rPr>
+                            <m:t>𝐴</m:t>
+                          </m:r>
+                        </m:e>
+                      </m:d>
+                      <m:r>
+                        <a:rPr kumimoji="1" lang="en-US" altLang="ja-JP" sz="2800" b="0" i="1" smtClean="0">
+                          <a:latin typeface="Cambria Math" panose="02040503050406030204" pitchFamily="18" charset="0"/>
+                        </a:rPr>
+                        <m:t>≤</m:t>
+                      </m:r>
+                      <m:r>
+                        <a:rPr kumimoji="1" lang="en-US" altLang="ja-JP" sz="2800" b="0" i="1" smtClean="0">
+                          <a:latin typeface="Cambria Math" panose="02040503050406030204" pitchFamily="18" charset="0"/>
+                        </a:rPr>
+                        <m:t>𝛼</m:t>
+                      </m:r>
+                      <m:r>
+                        <a:rPr kumimoji="1" lang="en-US" altLang="ja-JP" sz="2800" b="0" i="1" smtClean="0">
+                          <a:latin typeface="Cambria Math" panose="02040503050406030204" pitchFamily="18" charset="0"/>
+                        </a:rPr>
+                        <m:t>𝑛</m:t>
+                      </m:r>
+                    </m:oMath>
+                  </m:oMathPara>
+                </a14:m>
+                <a:endParaRPr kumimoji="1" lang="ja-JP" altLang="en-US" sz="2800" dirty="0"/>
+              </a:p>
+            </p:txBody>
+          </p:sp>
+        </mc:Choice>
+        <mc:Fallback xmlns="">
+          <p:sp>
+            <p:nvSpPr>
+              <p:cNvPr id="18" name="フリーフォーム: 図形 17">
+                <a:extLst>
+                  <a:ext uri="{FF2B5EF4-FFF2-40B4-BE49-F238E27FC236}">
+                    <a16:creationId xmlns:a16="http://schemas.microsoft.com/office/drawing/2014/main" id="{98F34407-A56A-46EF-9DE2-6F7B4111A1E7}"/>
+                  </a:ext>
+                </a:extLst>
+              </p:cNvPr>
+              <p:cNvSpPr>
+                <a:spLocks noRot="1" noChangeAspect="1" noMove="1" noResize="1" noEditPoints="1" noAdjustHandles="1" noChangeArrowheads="1" noChangeShapeType="1" noTextEdit="1"/>
+              </p:cNvSpPr>
+              <p:nvPr/>
+            </p:nvSpPr>
+            <p:spPr>
+              <a:xfrm rot="5400000">
+                <a:off x="796483" y="4102993"/>
+                <a:ext cx="2832018" cy="1943101"/>
+              </a:xfrm>
+              <a:custGeom>
+                <a:avLst/>
+                <a:gdLst>
+                  <a:gd name="connsiteX0" fmla="*/ 0 w 2832018"/>
+                  <a:gd name="connsiteY0" fmla="*/ 50099 h 3048635"/>
+                  <a:gd name="connsiteX1" fmla="*/ 53211 w 2832018"/>
+                  <a:gd name="connsiteY1" fmla="*/ 97071 h 3048635"/>
+                  <a:gd name="connsiteX2" fmla="*/ 1390653 w 2832018"/>
+                  <a:gd name="connsiteY2" fmla="*/ 478430 h 3048635"/>
+                  <a:gd name="connsiteX3" fmla="*/ 2808885 w 2832018"/>
+                  <a:gd name="connsiteY3" fmla="*/ 25754 h 3048635"/>
+                  <a:gd name="connsiteX4" fmla="*/ 2832018 w 2832018"/>
+                  <a:gd name="connsiteY4" fmla="*/ 0 h 3048635"/>
+                  <a:gd name="connsiteX5" fmla="*/ 2812631 w 2832018"/>
+                  <a:gd name="connsiteY5" fmla="*/ 305765 h 3048635"/>
+                  <a:gd name="connsiteX6" fmla="*/ 1414421 w 2832018"/>
+                  <a:gd name="connsiteY6" fmla="*/ 3048635 h 3048635"/>
+                  <a:gd name="connsiteX7" fmla="*/ 16211 w 2832018"/>
+                  <a:gd name="connsiteY7" fmla="*/ 305765 h 3048635"/>
+                  <a:gd name="connsiteX8" fmla="*/ 0 w 2832018"/>
+                  <a:gd name="connsiteY8" fmla="*/ 50099 h 3048635"/>
+                </a:gdLst>
+                <a:ahLst/>
+                <a:cxnLst>
+                  <a:cxn ang="0">
+                    <a:pos x="connsiteX0" y="connsiteY0"/>
+                  </a:cxn>
+                  <a:cxn ang="0">
+                    <a:pos x="connsiteX1" y="connsiteY1"/>
+                  </a:cxn>
+                  <a:cxn ang="0">
+                    <a:pos x="connsiteX2" y="connsiteY2"/>
+                  </a:cxn>
+                  <a:cxn ang="0">
+                    <a:pos x="connsiteX3" y="connsiteY3"/>
+                  </a:cxn>
+                  <a:cxn ang="0">
+                    <a:pos x="connsiteX4" y="connsiteY4"/>
+                  </a:cxn>
+                  <a:cxn ang="0">
+                    <a:pos x="connsiteX5" y="connsiteY5"/>
+                  </a:cxn>
+                  <a:cxn ang="0">
+                    <a:pos x="connsiteX6" y="connsiteY6"/>
+                  </a:cxn>
+                  <a:cxn ang="0">
+                    <a:pos x="connsiteX7" y="connsiteY7"/>
+                  </a:cxn>
+                  <a:cxn ang="0">
+                    <a:pos x="connsiteX8" y="connsiteY8"/>
+                  </a:cxn>
+                </a:cxnLst>
+                <a:rect l="l" t="t" r="r" b="b"/>
+                <a:pathLst>
+                  <a:path w="2832018" h="3048635">
+                    <a:moveTo>
+                      <a:pt x="0" y="50099"/>
+                    </a:moveTo>
+                    <a:lnTo>
+                      <a:pt x="53211" y="97071"/>
+                    </a:lnTo>
+                    <a:cubicBezTo>
+                      <a:pt x="343061" y="327156"/>
+                      <a:pt x="833915" y="478430"/>
+                      <a:pt x="1390653" y="478430"/>
+                    </a:cubicBezTo>
+                    <a:cubicBezTo>
+                      <a:pt x="2003064" y="478430"/>
+                      <a:pt x="2535757" y="295388"/>
+                      <a:pt x="2808885" y="25754"/>
+                    </a:cubicBezTo>
+                    <a:lnTo>
+                      <a:pt x="2832018" y="0"/>
+                    </a:lnTo>
+                    <a:lnTo>
+                      <a:pt x="2812631" y="305765"/>
+                    </a:lnTo>
+                    <a:cubicBezTo>
+                      <a:pt x="2679549" y="1871118"/>
+                      <a:pt x="2104117" y="3048635"/>
+                      <a:pt x="1414421" y="3048635"/>
+                    </a:cubicBezTo>
+                    <a:cubicBezTo>
+                      <a:pt x="724725" y="3048635"/>
+                      <a:pt x="149292" y="1871118"/>
+                      <a:pt x="16211" y="305765"/>
+                    </a:cubicBezTo>
+                    <a:lnTo>
+                      <a:pt x="0" y="50099"/>
+                    </a:lnTo>
+                    <a:close/>
+                  </a:path>
+                </a:pathLst>
+              </a:custGeom>
+              <a:blipFill>
+                <a:blip r:embed="rId6"/>
+                <a:stretch>
+                  <a:fillRect/>
+                </a:stretch>
+              </a:blipFill>
+              <a:ln w="28575">
+                <a:solidFill>
+                  <a:srgbClr val="FF0000"/>
+                </a:solidFill>
+              </a:ln>
+            </p:spPr>
+            <p:txBody>
+              <a:bodyPr/>
+              <a:lstStyle/>
+              <a:p>
+                <a:r>
+                  <a:rPr lang="ja-JP" altLang="en-US">
+                    <a:noFill/>
+                  </a:rPr>
+                  <a:t> </a:t>
+                </a:r>
+              </a:p>
+            </p:txBody>
+          </p:sp>
+        </mc:Fallback>
+      </mc:AlternateContent>
+      <mc:AlternateContent xmlns:mc="http://schemas.openxmlformats.org/markup-compatibility/2006" xmlns:a14="http://schemas.microsoft.com/office/drawing/2010/main">
+        <mc:Choice Requires="a14">
+          <p:sp>
+            <p:nvSpPr>
+              <p:cNvPr id="17" name="フリーフォーム: 図形 16">
+                <a:extLst>
+                  <a:ext uri="{FF2B5EF4-FFF2-40B4-BE49-F238E27FC236}">
+                    <a16:creationId xmlns:a16="http://schemas.microsoft.com/office/drawing/2014/main" id="{1E502C68-9B41-476E-8179-F6E4FC73CDFB}"/>
+                  </a:ext>
+                </a:extLst>
+              </p:cNvPr>
+              <p:cNvSpPr/>
+              <p:nvPr/>
+            </p:nvSpPr>
+            <p:spPr>
+              <a:xfrm rot="5400000">
+                <a:off x="6000559" y="3791956"/>
+                <a:ext cx="2832018" cy="2565177"/>
+              </a:xfrm>
+              <a:custGeom>
+                <a:avLst/>
+                <a:gdLst>
+                  <a:gd name="connsiteX0" fmla="*/ 0 w 2832018"/>
+                  <a:gd name="connsiteY0" fmla="*/ 2998536 h 3048635"/>
+                  <a:gd name="connsiteX1" fmla="*/ 16211 w 2832018"/>
+                  <a:gd name="connsiteY1" fmla="*/ 2742870 h 3048635"/>
+                  <a:gd name="connsiteX2" fmla="*/ 1414421 w 2832018"/>
+                  <a:gd name="connsiteY2" fmla="*/ 0 h 3048635"/>
+                  <a:gd name="connsiteX3" fmla="*/ 2812631 w 2832018"/>
+                  <a:gd name="connsiteY3" fmla="*/ 2742870 h 3048635"/>
+                  <a:gd name="connsiteX4" fmla="*/ 2832018 w 2832018"/>
+                  <a:gd name="connsiteY4" fmla="*/ 3048635 h 3048635"/>
+                  <a:gd name="connsiteX5" fmla="*/ 2808885 w 2832018"/>
+                  <a:gd name="connsiteY5" fmla="*/ 3022881 h 3048635"/>
+                  <a:gd name="connsiteX6" fmla="*/ 1390653 w 2832018"/>
+                  <a:gd name="connsiteY6" fmla="*/ 2570205 h 3048635"/>
+                  <a:gd name="connsiteX7" fmla="*/ 53211 w 2832018"/>
+                  <a:gd name="connsiteY7" fmla="*/ 2951564 h 3048635"/>
+                  <a:gd name="connsiteX8" fmla="*/ 0 w 2832018"/>
+                  <a:gd name="connsiteY8" fmla="*/ 2998536 h 3048635"/>
+                </a:gdLst>
+                <a:ahLst/>
+                <a:cxnLst>
+                  <a:cxn ang="0">
+                    <a:pos x="connsiteX0" y="connsiteY0"/>
+                  </a:cxn>
+                  <a:cxn ang="0">
+                    <a:pos x="connsiteX1" y="connsiteY1"/>
+                  </a:cxn>
+                  <a:cxn ang="0">
+                    <a:pos x="connsiteX2" y="connsiteY2"/>
+                  </a:cxn>
+                  <a:cxn ang="0">
+                    <a:pos x="connsiteX3" y="connsiteY3"/>
+                  </a:cxn>
+                  <a:cxn ang="0">
+                    <a:pos x="connsiteX4" y="connsiteY4"/>
+                  </a:cxn>
+                  <a:cxn ang="0">
+                    <a:pos x="connsiteX5" y="connsiteY5"/>
+                  </a:cxn>
+                  <a:cxn ang="0">
+                    <a:pos x="connsiteX6" y="connsiteY6"/>
+                  </a:cxn>
+                  <a:cxn ang="0">
+                    <a:pos x="connsiteX7" y="connsiteY7"/>
+                  </a:cxn>
+                  <a:cxn ang="0">
+                    <a:pos x="connsiteX8" y="connsiteY8"/>
+                  </a:cxn>
+                </a:cxnLst>
+                <a:rect l="l" t="t" r="r" b="b"/>
+                <a:pathLst>
+                  <a:path w="2832018" h="3048635">
+                    <a:moveTo>
+                      <a:pt x="0" y="2998536"/>
+                    </a:moveTo>
+                    <a:lnTo>
+                      <a:pt x="16211" y="2742870"/>
+                    </a:lnTo>
+                    <a:cubicBezTo>
+                      <a:pt x="149293" y="1177517"/>
+                      <a:pt x="724725" y="0"/>
+                      <a:pt x="1414421" y="0"/>
+                    </a:cubicBezTo>
+                    <a:cubicBezTo>
+                      <a:pt x="2104117" y="0"/>
+                      <a:pt x="2679549" y="1177517"/>
+                      <a:pt x="2812631" y="2742870"/>
+                    </a:cubicBezTo>
+                    <a:lnTo>
+                      <a:pt x="2832018" y="3048635"/>
+                    </a:lnTo>
+                    <a:lnTo>
+                      <a:pt x="2808885" y="3022881"/>
+                    </a:lnTo>
+                    <a:cubicBezTo>
+                      <a:pt x="2535757" y="2753247"/>
+                      <a:pt x="2003064" y="2570205"/>
+                      <a:pt x="1390653" y="2570205"/>
+                    </a:cubicBezTo>
+                    <a:cubicBezTo>
+                      <a:pt x="833915" y="2570205"/>
+                      <a:pt x="343061" y="2721479"/>
+                      <a:pt x="53211" y="2951564"/>
+                    </a:cubicBezTo>
+                    <a:lnTo>
+                      <a:pt x="0" y="2998536"/>
+                    </a:lnTo>
+                    <a:close/>
+                  </a:path>
+                </a:pathLst>
+              </a:custGeom>
+              <a:solidFill>
+                <a:schemeClr val="bg1"/>
+              </a:solidFill>
+              <a:ln w="28575">
+                <a:solidFill>
+                  <a:srgbClr val="FF0000"/>
+                </a:solidFill>
+              </a:ln>
+            </p:spPr>
+            <p:style>
+              <a:lnRef idx="1">
+                <a:schemeClr val="accent1"/>
+              </a:lnRef>
+              <a:fillRef idx="0">
+                <a:schemeClr val="accent1"/>
+              </a:fillRef>
+              <a:effectRef idx="0">
+                <a:schemeClr val="accent1"/>
+              </a:effectRef>
+              <a:fontRef idx="minor">
+                <a:schemeClr val="tx1"/>
+              </a:fontRef>
+            </p:style>
+            <p:txBody>
+              <a:bodyPr vert="vert270" rtlCol="0" anchor="ctr"/>
+              <a:lstStyle/>
+              <a:p>
+                <a:pPr algn="ctr"/>
+                <a:endParaRPr lang="en-US" altLang="ja-JP" sz="2800" i="1" dirty="0">
+                  <a:latin typeface="Cambria Math" panose="02040503050406030204" pitchFamily="18" charset="0"/>
+                </a:endParaRPr>
+              </a:p>
+              <a:p>
+                <a:pPr algn="ctr"/>
+                <a:endParaRPr kumimoji="1" lang="en-US" altLang="ja-JP" sz="2800" b="0" i="1" dirty="0">
+                  <a:latin typeface="Cambria Math" panose="02040503050406030204" pitchFamily="18" charset="0"/>
+                </a:endParaRPr>
+              </a:p>
+              <a:p>
+                <a:pPr algn="ctr"/>
+                <a14:m>
+                  <m:oMathPara xmlns:m="http://schemas.openxmlformats.org/officeDocument/2006/math">
+                    <m:oMathParaPr>
+                      <m:jc m:val="centerGroup"/>
+                    </m:oMathParaPr>
+                    <m:oMath xmlns:m="http://schemas.openxmlformats.org/officeDocument/2006/math">
+                      <m:d>
+                        <m:dPr>
+                          <m:begChr m:val="|"/>
+                          <m:endChr m:val="|"/>
+                          <m:ctrlPr>
+                            <a:rPr kumimoji="1" lang="en-US" altLang="ja-JP" sz="2800" b="0" i="1" smtClean="0">
+                              <a:latin typeface="Cambria Math" panose="02040503050406030204" pitchFamily="18" charset="0"/>
+                            </a:rPr>
+                          </m:ctrlPr>
+                        </m:dPr>
+                        <m:e>
+                          <m:r>
+                            <a:rPr kumimoji="1" lang="en-US" altLang="ja-JP" sz="2800" b="0" i="1" smtClean="0">
+                              <a:latin typeface="Cambria Math" panose="02040503050406030204" pitchFamily="18" charset="0"/>
+                            </a:rPr>
+                            <m:t>𝐵</m:t>
+                          </m:r>
+                        </m:e>
+                      </m:d>
+                      <m:r>
+                        <a:rPr kumimoji="1" lang="en-US" altLang="ja-JP" sz="2800" b="0" i="1" smtClean="0">
+                          <a:latin typeface="Cambria Math" panose="02040503050406030204" pitchFamily="18" charset="0"/>
+                        </a:rPr>
+                        <m:t>≤</m:t>
+                      </m:r>
+                      <m:r>
+                        <a:rPr kumimoji="1" lang="en-US" altLang="ja-JP" sz="2800" b="0" i="1" smtClean="0">
+                          <a:latin typeface="Cambria Math" panose="02040503050406030204" pitchFamily="18" charset="0"/>
+                        </a:rPr>
+                        <m:t>𝛼</m:t>
+                      </m:r>
+                      <m:r>
+                        <a:rPr kumimoji="1" lang="en-US" altLang="ja-JP" sz="2800" b="0" i="1" smtClean="0">
+                          <a:latin typeface="Cambria Math" panose="02040503050406030204" pitchFamily="18" charset="0"/>
+                        </a:rPr>
+                        <m:t>𝑛</m:t>
+                      </m:r>
+                    </m:oMath>
+                  </m:oMathPara>
+                </a14:m>
+                <a:endParaRPr kumimoji="1" lang="ja-JP" altLang="en-US" sz="2800" dirty="0"/>
+              </a:p>
+            </p:txBody>
+          </p:sp>
+        </mc:Choice>
+        <mc:Fallback xmlns="">
+          <p:sp>
+            <p:nvSpPr>
+              <p:cNvPr id="17" name="フリーフォーム: 図形 16">
+                <a:extLst>
+                  <a:ext uri="{FF2B5EF4-FFF2-40B4-BE49-F238E27FC236}">
+                    <a16:creationId xmlns:a16="http://schemas.microsoft.com/office/drawing/2014/main" id="{1E502C68-9B41-476E-8179-F6E4FC73CDFB}"/>
+                  </a:ext>
+                </a:extLst>
+              </p:cNvPr>
+              <p:cNvSpPr>
+                <a:spLocks noRot="1" noChangeAspect="1" noMove="1" noResize="1" noEditPoints="1" noAdjustHandles="1" noChangeArrowheads="1" noChangeShapeType="1" noTextEdit="1"/>
+              </p:cNvSpPr>
+              <p:nvPr/>
+            </p:nvSpPr>
+            <p:spPr>
+              <a:xfrm rot="5400000">
+                <a:off x="6000559" y="3791956"/>
+                <a:ext cx="2832018" cy="2565177"/>
+              </a:xfrm>
+              <a:custGeom>
+                <a:avLst/>
+                <a:gdLst>
+                  <a:gd name="connsiteX0" fmla="*/ 0 w 2832018"/>
+                  <a:gd name="connsiteY0" fmla="*/ 2998536 h 3048635"/>
+                  <a:gd name="connsiteX1" fmla="*/ 16211 w 2832018"/>
+                  <a:gd name="connsiteY1" fmla="*/ 2742870 h 3048635"/>
+                  <a:gd name="connsiteX2" fmla="*/ 1414421 w 2832018"/>
+                  <a:gd name="connsiteY2" fmla="*/ 0 h 3048635"/>
+                  <a:gd name="connsiteX3" fmla="*/ 2812631 w 2832018"/>
+                  <a:gd name="connsiteY3" fmla="*/ 2742870 h 3048635"/>
+                  <a:gd name="connsiteX4" fmla="*/ 2832018 w 2832018"/>
+                  <a:gd name="connsiteY4" fmla="*/ 3048635 h 3048635"/>
+                  <a:gd name="connsiteX5" fmla="*/ 2808885 w 2832018"/>
+                  <a:gd name="connsiteY5" fmla="*/ 3022881 h 3048635"/>
+                  <a:gd name="connsiteX6" fmla="*/ 1390653 w 2832018"/>
+                  <a:gd name="connsiteY6" fmla="*/ 2570205 h 3048635"/>
+                  <a:gd name="connsiteX7" fmla="*/ 53211 w 2832018"/>
+                  <a:gd name="connsiteY7" fmla="*/ 2951564 h 3048635"/>
+                  <a:gd name="connsiteX8" fmla="*/ 0 w 2832018"/>
+                  <a:gd name="connsiteY8" fmla="*/ 2998536 h 3048635"/>
+                </a:gdLst>
+                <a:ahLst/>
+                <a:cxnLst>
+                  <a:cxn ang="0">
+                    <a:pos x="connsiteX0" y="connsiteY0"/>
+                  </a:cxn>
+                  <a:cxn ang="0">
+                    <a:pos x="connsiteX1" y="connsiteY1"/>
+                  </a:cxn>
+                  <a:cxn ang="0">
+                    <a:pos x="connsiteX2" y="connsiteY2"/>
+                  </a:cxn>
+                  <a:cxn ang="0">
+                    <a:pos x="connsiteX3" y="connsiteY3"/>
+                  </a:cxn>
+                  <a:cxn ang="0">
+                    <a:pos x="connsiteX4" y="connsiteY4"/>
+                  </a:cxn>
+                  <a:cxn ang="0">
+                    <a:pos x="connsiteX5" y="connsiteY5"/>
+                  </a:cxn>
+                  <a:cxn ang="0">
+                    <a:pos x="connsiteX6" y="connsiteY6"/>
+                  </a:cxn>
+                  <a:cxn ang="0">
+                    <a:pos x="connsiteX7" y="connsiteY7"/>
+                  </a:cxn>
+                  <a:cxn ang="0">
+                    <a:pos x="connsiteX8" y="connsiteY8"/>
+                  </a:cxn>
+                </a:cxnLst>
+                <a:rect l="l" t="t" r="r" b="b"/>
+                <a:pathLst>
+                  <a:path w="2832018" h="3048635">
+                    <a:moveTo>
+                      <a:pt x="0" y="2998536"/>
+                    </a:moveTo>
+                    <a:lnTo>
+                      <a:pt x="16211" y="2742870"/>
+                    </a:lnTo>
+                    <a:cubicBezTo>
+                      <a:pt x="149293" y="1177517"/>
+                      <a:pt x="724725" y="0"/>
+                      <a:pt x="1414421" y="0"/>
+                    </a:cubicBezTo>
+                    <a:cubicBezTo>
+                      <a:pt x="2104117" y="0"/>
+                      <a:pt x="2679549" y="1177517"/>
+                      <a:pt x="2812631" y="2742870"/>
+                    </a:cubicBezTo>
+                    <a:lnTo>
+                      <a:pt x="2832018" y="3048635"/>
+                    </a:lnTo>
+                    <a:lnTo>
+                      <a:pt x="2808885" y="3022881"/>
+                    </a:lnTo>
+                    <a:cubicBezTo>
+                      <a:pt x="2535757" y="2753247"/>
+                      <a:pt x="2003064" y="2570205"/>
+                      <a:pt x="1390653" y="2570205"/>
+                    </a:cubicBezTo>
+                    <a:cubicBezTo>
+                      <a:pt x="833915" y="2570205"/>
+                      <a:pt x="343061" y="2721479"/>
+                      <a:pt x="53211" y="2951564"/>
+                    </a:cubicBezTo>
+                    <a:lnTo>
+                      <a:pt x="0" y="2998536"/>
+                    </a:lnTo>
+                    <a:close/>
+                  </a:path>
+                </a:pathLst>
+              </a:custGeom>
+              <a:blipFill>
+                <a:blip r:embed="rId7"/>
+                <a:stretch>
+                  <a:fillRect/>
+                </a:stretch>
+              </a:blipFill>
+              <a:ln w="28575">
+                <a:solidFill>
+                  <a:srgbClr val="FF0000"/>
+                </a:solidFill>
+              </a:ln>
+            </p:spPr>
+            <p:txBody>
+              <a:bodyPr/>
+              <a:lstStyle/>
+              <a:p>
+                <a:r>
+                  <a:rPr lang="ja-JP" altLang="en-US">
+                    <a:noFill/>
+                  </a:rPr>
+                  <a:t> </a:t>
+                </a:r>
+              </a:p>
+            </p:txBody>
+          </p:sp>
+        </mc:Fallback>
+      </mc:AlternateContent>
+      <mc:AlternateContent xmlns:mc="http://schemas.openxmlformats.org/markup-compatibility/2006" xmlns:a14="http://schemas.microsoft.com/office/drawing/2010/main">
+        <mc:Choice Requires="a14">
+          <p:sp>
+            <p:nvSpPr>
+              <p:cNvPr id="26" name="テキスト ボックス 25">
+                <a:extLst>
+                  <a:ext uri="{FF2B5EF4-FFF2-40B4-BE49-F238E27FC236}">
+                    <a16:creationId xmlns:a16="http://schemas.microsoft.com/office/drawing/2014/main" id="{9A3A3EDC-A69A-4506-A988-17DF031DF56F}"/>
+                  </a:ext>
+                </a:extLst>
+              </p:cNvPr>
+              <p:cNvSpPr txBox="1"/>
+              <p:nvPr/>
+            </p:nvSpPr>
+            <p:spPr>
+              <a:xfrm>
+                <a:off x="1240942" y="3012204"/>
+                <a:ext cx="1628913" cy="646331"/>
+              </a:xfrm>
+              <a:prstGeom prst="rect">
+                <a:avLst/>
+              </a:prstGeom>
+              <a:noFill/>
+            </p:spPr>
+            <p:txBody>
+              <a:bodyPr wrap="square" rtlCol="0">
+                <a:spAutoFit/>
+              </a:bodyPr>
+              <a:lstStyle/>
+              <a:p>
+                <a:pPr algn="l"/>
+                <a14:m>
+                  <m:oMathPara xmlns:m="http://schemas.openxmlformats.org/officeDocument/2006/math">
+                    <m:oMathParaPr>
+                      <m:jc m:val="centerGroup"/>
+                    </m:oMathParaPr>
+                    <m:oMath xmlns:m="http://schemas.openxmlformats.org/officeDocument/2006/math">
+                      <m:r>
+                        <a:rPr kumimoji="1" lang="en-US" altLang="ja-JP" sz="3600" b="0" i="1" smtClean="0">
+                          <a:solidFill>
+                            <a:schemeClr val="tx1"/>
+                          </a:solidFill>
+                          <a:latin typeface="Cambria Math" panose="02040503050406030204" pitchFamily="18" charset="0"/>
+                          <a:ea typeface="メイリオ" panose="020B0604030504040204" pitchFamily="50" charset="-128"/>
+                        </a:rPr>
+                        <m:t>𝐺</m:t>
+                      </m:r>
+                    </m:oMath>
+                  </m:oMathPara>
+                </a14:m>
+                <a:endParaRPr kumimoji="1" lang="ja-JP" altLang="en-US" sz="3600" dirty="0">
+                  <a:solidFill>
+                    <a:schemeClr val="tx1"/>
+                  </a:solidFill>
+                  <a:latin typeface="メイリオ" panose="020B0604030504040204" pitchFamily="50" charset="-128"/>
+                  <a:ea typeface="メイリオ" panose="020B0604030504040204" pitchFamily="50" charset="-128"/>
+                </a:endParaRPr>
+              </a:p>
+            </p:txBody>
+          </p:sp>
+        </mc:Choice>
+        <mc:Fallback xmlns="">
+          <p:sp>
+            <p:nvSpPr>
+              <p:cNvPr id="26" name="テキスト ボックス 25">
+                <a:extLst>
+                  <a:ext uri="{FF2B5EF4-FFF2-40B4-BE49-F238E27FC236}">
+                    <a16:creationId xmlns:a16="http://schemas.microsoft.com/office/drawing/2014/main" id="{9A3A3EDC-A69A-4506-A988-17DF031DF56F}"/>
+                  </a:ext>
+                </a:extLst>
+              </p:cNvPr>
+              <p:cNvSpPr txBox="1">
+                <a:spLocks noRot="1" noChangeAspect="1" noMove="1" noResize="1" noEditPoints="1" noAdjustHandles="1" noChangeArrowheads="1" noChangeShapeType="1" noTextEdit="1"/>
+              </p:cNvSpPr>
+              <p:nvPr/>
+            </p:nvSpPr>
+            <p:spPr>
+              <a:xfrm>
+                <a:off x="1240942" y="3012204"/>
+                <a:ext cx="1628913" cy="646331"/>
+              </a:xfrm>
+              <a:prstGeom prst="rect">
+                <a:avLst/>
+              </a:prstGeom>
+              <a:blipFill>
+                <a:blip r:embed="rId8"/>
+                <a:stretch>
+                  <a:fillRect/>
+                </a:stretch>
+              </a:blipFill>
+            </p:spPr>
+            <p:txBody>
+              <a:bodyPr/>
+              <a:lstStyle/>
+              <a:p>
+                <a:r>
+                  <a:rPr lang="ja-JP" altLang="en-US">
+                    <a:noFill/>
+                  </a:rPr>
+                  <a:t> </a:t>
+                </a:r>
+              </a:p>
+            </p:txBody>
+          </p:sp>
+        </mc:Fallback>
+      </mc:AlternateContent>
+      <mc:AlternateContent xmlns:mc="http://schemas.openxmlformats.org/markup-compatibility/2006" xmlns:a14="http://schemas.microsoft.com/office/drawing/2010/main">
+        <mc:Choice Requires="a14">
+          <p:sp>
+            <p:nvSpPr>
+              <p:cNvPr id="27" name="テキスト ボックス 26">
+                <a:extLst>
+                  <a:ext uri="{FF2B5EF4-FFF2-40B4-BE49-F238E27FC236}">
+                    <a16:creationId xmlns:a16="http://schemas.microsoft.com/office/drawing/2014/main" id="{35E450E6-B325-4F44-8F0B-E57D926CAE4E}"/>
+                  </a:ext>
+                </a:extLst>
+              </p:cNvPr>
+              <p:cNvSpPr txBox="1"/>
+              <p:nvPr/>
+            </p:nvSpPr>
+            <p:spPr>
+              <a:xfrm>
+                <a:off x="6602111" y="4013101"/>
+                <a:ext cx="1628913" cy="646459"/>
+              </a:xfrm>
+              <a:prstGeom prst="rect">
+                <a:avLst/>
+              </a:prstGeom>
+              <a:noFill/>
+            </p:spPr>
+            <p:txBody>
+              <a:bodyPr wrap="square" rtlCol="0">
+                <a:spAutoFit/>
+              </a:bodyPr>
+              <a:lstStyle/>
+              <a:p>
+                <a:pPr algn="l"/>
+                <a14:m>
+                  <m:oMathPara xmlns:m="http://schemas.openxmlformats.org/officeDocument/2006/math">
+                    <m:oMathParaPr>
+                      <m:jc m:val="centerGroup"/>
+                    </m:oMathParaPr>
+                    <m:oMath xmlns:m="http://schemas.openxmlformats.org/officeDocument/2006/math">
+                      <m:r>
+                        <a:rPr kumimoji="1" lang="en-US" altLang="ja-JP" sz="3600" b="0" i="1" smtClean="0">
+                          <a:solidFill>
+                            <a:schemeClr val="tx1"/>
+                          </a:solidFill>
+                          <a:latin typeface="Cambria Math" panose="02040503050406030204" pitchFamily="18" charset="0"/>
+                          <a:ea typeface="メイリオ" panose="020B0604030504040204" pitchFamily="50" charset="-128"/>
+                        </a:rPr>
+                        <m:t>𝐵</m:t>
+                      </m:r>
+                    </m:oMath>
+                  </m:oMathPara>
+                </a14:m>
+                <a:endParaRPr kumimoji="1" lang="ja-JP" altLang="en-US" sz="3600" dirty="0">
+                  <a:solidFill>
+                    <a:schemeClr val="tx1"/>
+                  </a:solidFill>
+                  <a:latin typeface="メイリオ" panose="020B0604030504040204" pitchFamily="50" charset="-128"/>
+                  <a:ea typeface="メイリオ" panose="020B0604030504040204" pitchFamily="50" charset="-128"/>
+                </a:endParaRPr>
+              </a:p>
+            </p:txBody>
+          </p:sp>
+        </mc:Choice>
+        <mc:Fallback xmlns="">
+          <p:sp>
+            <p:nvSpPr>
+              <p:cNvPr id="27" name="テキスト ボックス 26">
+                <a:extLst>
+                  <a:ext uri="{FF2B5EF4-FFF2-40B4-BE49-F238E27FC236}">
+                    <a16:creationId xmlns:a16="http://schemas.microsoft.com/office/drawing/2014/main" id="{35E450E6-B325-4F44-8F0B-E57D926CAE4E}"/>
+                  </a:ext>
+                </a:extLst>
+              </p:cNvPr>
+              <p:cNvSpPr txBox="1">
+                <a:spLocks noRot="1" noChangeAspect="1" noMove="1" noResize="1" noEditPoints="1" noAdjustHandles="1" noChangeArrowheads="1" noChangeShapeType="1" noTextEdit="1"/>
+              </p:cNvSpPr>
+              <p:nvPr/>
+            </p:nvSpPr>
+            <p:spPr>
+              <a:xfrm>
+                <a:off x="6602111" y="4013101"/>
+                <a:ext cx="1628913" cy="646459"/>
+              </a:xfrm>
+              <a:prstGeom prst="rect">
+                <a:avLst/>
+              </a:prstGeom>
+              <a:blipFill>
+                <a:blip r:embed="rId9"/>
+                <a:stretch>
+                  <a:fillRect/>
+                </a:stretch>
+              </a:blipFill>
+            </p:spPr>
+            <p:txBody>
+              <a:bodyPr/>
+              <a:lstStyle/>
+              <a:p>
+                <a:r>
+                  <a:rPr lang="ja-JP" altLang="en-US">
+                    <a:noFill/>
+                  </a:rPr>
+                  <a:t> </a:t>
+                </a:r>
+              </a:p>
+            </p:txBody>
+          </p:sp>
+        </mc:Fallback>
+      </mc:AlternateContent>
+      <mc:AlternateContent xmlns:mc="http://schemas.openxmlformats.org/markup-compatibility/2006" xmlns:a14="http://schemas.microsoft.com/office/drawing/2010/main">
+        <mc:Choice Requires="a14">
+          <p:sp>
+            <p:nvSpPr>
+              <p:cNvPr id="28" name="テキスト ボックス 27">
+                <a:extLst>
+                  <a:ext uri="{FF2B5EF4-FFF2-40B4-BE49-F238E27FC236}">
+                    <a16:creationId xmlns:a16="http://schemas.microsoft.com/office/drawing/2014/main" id="{7ADD8175-2B67-49D6-8BA6-0701715C9D06}"/>
+                  </a:ext>
+                </a:extLst>
+              </p:cNvPr>
+              <p:cNvSpPr txBox="1"/>
+              <p:nvPr/>
+            </p:nvSpPr>
+            <p:spPr>
+              <a:xfrm>
+                <a:off x="1398035" y="4013101"/>
+                <a:ext cx="1628913" cy="646459"/>
+              </a:xfrm>
+              <a:prstGeom prst="rect">
+                <a:avLst/>
+              </a:prstGeom>
+              <a:noFill/>
+            </p:spPr>
+            <p:txBody>
+              <a:bodyPr wrap="square" rtlCol="0">
+                <a:spAutoFit/>
+              </a:bodyPr>
+              <a:lstStyle/>
+              <a:p>
+                <a:pPr algn="l"/>
+                <a14:m>
+                  <m:oMathPara xmlns:m="http://schemas.openxmlformats.org/officeDocument/2006/math">
+                    <m:oMathParaPr>
+                      <m:jc m:val="centerGroup"/>
+                    </m:oMathParaPr>
+                    <m:oMath xmlns:m="http://schemas.openxmlformats.org/officeDocument/2006/math">
+                      <m:r>
+                        <a:rPr kumimoji="1" lang="en-US" altLang="ja-JP" sz="3600" b="0" i="1" smtClean="0">
+                          <a:solidFill>
+                            <a:schemeClr val="tx1"/>
+                          </a:solidFill>
+                          <a:latin typeface="Cambria Math" panose="02040503050406030204" pitchFamily="18" charset="0"/>
+                          <a:ea typeface="メイリオ" panose="020B0604030504040204" pitchFamily="50" charset="-128"/>
+                        </a:rPr>
+                        <m:t>𝐴</m:t>
+                      </m:r>
+                    </m:oMath>
+                  </m:oMathPara>
+                </a14:m>
+                <a:endParaRPr kumimoji="1" lang="ja-JP" altLang="en-US" sz="3600" dirty="0">
+                  <a:solidFill>
+                    <a:schemeClr val="tx1"/>
+                  </a:solidFill>
+                  <a:latin typeface="メイリオ" panose="020B0604030504040204" pitchFamily="50" charset="-128"/>
+                  <a:ea typeface="メイリオ" panose="020B0604030504040204" pitchFamily="50" charset="-128"/>
+                </a:endParaRPr>
+              </a:p>
+            </p:txBody>
+          </p:sp>
+        </mc:Choice>
+        <mc:Fallback xmlns="">
+          <p:sp>
+            <p:nvSpPr>
+              <p:cNvPr id="28" name="テキスト ボックス 27">
+                <a:extLst>
+                  <a:ext uri="{FF2B5EF4-FFF2-40B4-BE49-F238E27FC236}">
+                    <a16:creationId xmlns:a16="http://schemas.microsoft.com/office/drawing/2014/main" id="{7ADD8175-2B67-49D6-8BA6-0701715C9D06}"/>
+                  </a:ext>
+                </a:extLst>
+              </p:cNvPr>
+              <p:cNvSpPr txBox="1">
+                <a:spLocks noRot="1" noChangeAspect="1" noMove="1" noResize="1" noEditPoints="1" noAdjustHandles="1" noChangeArrowheads="1" noChangeShapeType="1" noTextEdit="1"/>
+              </p:cNvSpPr>
+              <p:nvPr/>
+            </p:nvSpPr>
+            <p:spPr>
+              <a:xfrm>
+                <a:off x="1398035" y="4013101"/>
+                <a:ext cx="1628913" cy="646459"/>
+              </a:xfrm>
+              <a:prstGeom prst="rect">
+                <a:avLst/>
+              </a:prstGeom>
+              <a:blipFill>
+                <a:blip r:embed="rId10"/>
+                <a:stretch>
+                  <a:fillRect/>
+                </a:stretch>
+              </a:blipFill>
+            </p:spPr>
+            <p:txBody>
+              <a:bodyPr/>
+              <a:lstStyle/>
+              <a:p>
+                <a:r>
+                  <a:rPr lang="ja-JP" altLang="en-US">
+                    <a:noFill/>
+                  </a:rPr>
+                  <a:t> </a:t>
+                </a:r>
+              </a:p>
+            </p:txBody>
+          </p:sp>
+        </mc:Fallback>
+      </mc:AlternateContent>
+    </p:spTree>
+    <p:extLst>
+      <p:ext uri="{BB962C8B-B14F-4D97-AF65-F5344CB8AC3E}">
+        <p14:creationId xmlns:p14="http://schemas.microsoft.com/office/powerpoint/2010/main" val="991823173"/>
+      </p:ext>
+    </p:extLst>
+  </p:cSld>
+  <p:clrMapOvr>
+    <a:masterClrMapping/>
+  </p:clrMapOvr>
+</p:sld>
+</file>
+
+<file path=ppt/slides/slide3.xml><?xml version="1.0" encoding="utf-8"?>
+<p:sld xmlns:a="http://schemas.openxmlformats.org/drawingml/2006/main" xmlns:r="http://schemas.openxmlformats.org/officeDocument/2006/relationships" xmlns:p="http://schemas.openxmlformats.org/presentationml/2006/main">
+  <p:cSld>
+    <p:spTree>
+      <p:nvGrpSpPr>
+        <p:cNvPr id="1" name=""/>
+        <p:cNvGrpSpPr/>
+        <p:nvPr/>
+      </p:nvGrpSpPr>
+      <p:grpSpPr>
+        <a:xfrm>
+          <a:off x="0" y="0"/>
+          <a:ext cx="0" cy="0"/>
+          <a:chOff x="0" y="0"/>
+          <a:chExt cx="0" cy="0"/>
+        </a:xfrm>
+      </p:grpSpPr>
+      <p:sp>
+        <p:nvSpPr>
+          <p:cNvPr id="2" name="タイトル 1">
+            <a:extLst>
+              <a:ext uri="{FF2B5EF4-FFF2-40B4-BE49-F238E27FC236}">
+                <a16:creationId xmlns:a16="http://schemas.microsoft.com/office/drawing/2014/main" id="{84F663C9-865C-4F22-A5FA-6C6E9EFEBFE6}"/>
+              </a:ext>
+            </a:extLst>
+          </p:cNvPr>
+          <p:cNvSpPr>
+            <a:spLocks noGrp="1"/>
+          </p:cNvSpPr>
+          <p:nvPr>
+            <p:ph type="title"/>
+          </p:nvPr>
+        </p:nvSpPr>
+        <p:spPr/>
+        <p:txBody>
+          <a:bodyPr/>
+          <a:lstStyle/>
+          <a:p>
+            <a:r>
+              <a:rPr kumimoji="1" lang="ja-JP" altLang="en-US" dirty="0"/>
+              <a:t>分散システム</a:t>
+            </a:r>
+            <a:r>
+              <a:rPr kumimoji="1" lang="en-US" altLang="ja-JP" dirty="0"/>
+              <a:t>(</a:t>
+            </a:r>
+            <a:r>
+              <a:rPr kumimoji="1" lang="en-US" altLang="ja-JP" i="1" dirty="0"/>
+              <a:t>CONGEST</a:t>
+            </a:r>
+            <a:r>
+              <a:rPr kumimoji="1" lang="ja-JP" altLang="en-US" i="1" dirty="0"/>
+              <a:t>モデル</a:t>
+            </a:r>
+            <a:r>
+              <a:rPr kumimoji="1" lang="en-US" altLang="ja-JP" dirty="0"/>
+              <a:t>)</a:t>
+            </a:r>
+            <a:endParaRPr kumimoji="1" lang="ja-JP" altLang="en-US" dirty="0"/>
+          </a:p>
+        </p:txBody>
+      </p:sp>
+      <mc:AlternateContent xmlns:mc="http://schemas.openxmlformats.org/markup-compatibility/2006" xmlns:a14="http://schemas.microsoft.com/office/drawing/2010/main">
+        <mc:Choice Requires="a14">
+          <p:sp>
+            <p:nvSpPr>
+              <p:cNvPr id="3" name="コンテンツ プレースホルダー 2">
+                <a:extLst>
+                  <a:ext uri="{FF2B5EF4-FFF2-40B4-BE49-F238E27FC236}">
+                    <a16:creationId xmlns:a16="http://schemas.microsoft.com/office/drawing/2014/main" id="{409FD532-A320-4B60-96BF-4592F6D2F0A5}"/>
+                  </a:ext>
+                </a:extLst>
+              </p:cNvPr>
+              <p:cNvSpPr>
+                <a:spLocks noGrp="1"/>
+              </p:cNvSpPr>
+              <p:nvPr>
+                <p:ph idx="1"/>
+              </p:nvPr>
+            </p:nvSpPr>
+            <p:spPr/>
+            <p:txBody>
+              <a:bodyPr/>
+              <a:lstStyle/>
+              <a:p>
+                <a:r>
+                  <a:rPr lang="ja-JP" altLang="en-US" dirty="0"/>
+                  <a:t>単純無向グラフ</a:t>
+                </a:r>
+                <a14:m>
+                  <m:oMath xmlns:m="http://schemas.openxmlformats.org/officeDocument/2006/math">
+                    <m:r>
+                      <a:rPr lang="en-US" altLang="ja-JP" b="0" i="1" smtClean="0">
+                        <a:latin typeface="Cambria Math" panose="02040503050406030204" pitchFamily="18" charset="0"/>
+                      </a:rPr>
+                      <m:t>𝐺</m:t>
+                    </m:r>
+                    <m:r>
+                      <a:rPr lang="en-US" altLang="ja-JP" b="0" i="1" smtClean="0">
+                        <a:latin typeface="Cambria Math" panose="02040503050406030204" pitchFamily="18" charset="0"/>
+                      </a:rPr>
+                      <m:t>=(</m:t>
+                    </m:r>
+                    <m:r>
+                      <a:rPr lang="en-US" altLang="ja-JP" b="0" i="1" smtClean="0">
+                        <a:latin typeface="Cambria Math" panose="02040503050406030204" pitchFamily="18" charset="0"/>
+                      </a:rPr>
+                      <m:t>𝑉</m:t>
+                    </m:r>
+                    <m:r>
+                      <a:rPr lang="en-US" altLang="ja-JP" b="0" i="1" smtClean="0">
+                        <a:latin typeface="Cambria Math" panose="02040503050406030204" pitchFamily="18" charset="0"/>
+                      </a:rPr>
+                      <m:t>,</m:t>
+                    </m:r>
+                    <m:r>
+                      <a:rPr lang="en-US" altLang="ja-JP" b="0" i="1" smtClean="0">
+                        <a:latin typeface="Cambria Math" panose="02040503050406030204" pitchFamily="18" charset="0"/>
+                      </a:rPr>
+                      <m:t>𝐸</m:t>
+                    </m:r>
+                    <m:r>
+                      <a:rPr lang="en-US" altLang="ja-JP" b="0" i="1" smtClean="0">
+                        <a:latin typeface="Cambria Math" panose="02040503050406030204" pitchFamily="18" charset="0"/>
+                      </a:rPr>
+                      <m:t>)</m:t>
+                    </m:r>
+                  </m:oMath>
+                </a14:m>
+                <a:endParaRPr kumimoji="1" lang="en-US" altLang="ja-JP" dirty="0"/>
+              </a:p>
+              <a:p>
+                <a:pPr lvl="1"/>
+                <a14:m>
+                  <m:oMath xmlns:m="http://schemas.openxmlformats.org/officeDocument/2006/math">
+                    <m:r>
+                      <a:rPr kumimoji="1" lang="en-US" altLang="ja-JP" b="0" i="1" smtClean="0">
+                        <a:latin typeface="Cambria Math" panose="02040503050406030204" pitchFamily="18" charset="0"/>
+                      </a:rPr>
+                      <m:t>𝑉</m:t>
+                    </m:r>
+                    <m:r>
+                      <a:rPr kumimoji="1" lang="en-US" altLang="ja-JP" b="0" i="1" smtClean="0">
+                        <a:latin typeface="Cambria Math" panose="02040503050406030204" pitchFamily="18" charset="0"/>
+                      </a:rPr>
+                      <m:t>= </m:t>
+                    </m:r>
+                  </m:oMath>
+                </a14:m>
+                <a:r>
+                  <a:rPr kumimoji="1" lang="ja-JP" altLang="en-US" dirty="0"/>
+                  <a:t>計算機集合</a:t>
+                </a:r>
+                <a:r>
+                  <a:rPr kumimoji="1" lang="en-US" altLang="ja-JP" dirty="0"/>
+                  <a:t>(</a:t>
+                </a:r>
+                <a14:m>
+                  <m:oMath xmlns:m="http://schemas.openxmlformats.org/officeDocument/2006/math">
+                    <m:d>
+                      <m:dPr>
+                        <m:begChr m:val="|"/>
+                        <m:endChr m:val="|"/>
+                        <m:ctrlPr>
+                          <a:rPr kumimoji="1" lang="en-US" altLang="ja-JP" b="0" i="1" smtClean="0">
+                            <a:latin typeface="Cambria Math" panose="02040503050406030204" pitchFamily="18" charset="0"/>
+                          </a:rPr>
+                        </m:ctrlPr>
+                      </m:dPr>
+                      <m:e>
+                        <m:r>
+                          <a:rPr kumimoji="1" lang="en-US" altLang="ja-JP" b="0" i="1" smtClean="0">
+                            <a:latin typeface="Cambria Math" panose="02040503050406030204" pitchFamily="18" charset="0"/>
+                          </a:rPr>
+                          <m:t>𝑉</m:t>
+                        </m:r>
+                      </m:e>
+                    </m:d>
+                    <m:r>
+                      <a:rPr kumimoji="1" lang="en-US" altLang="ja-JP" b="0" i="1" smtClean="0">
+                        <a:latin typeface="Cambria Math" panose="02040503050406030204" pitchFamily="18" charset="0"/>
+                      </a:rPr>
+                      <m:t>=</m:t>
+                    </m:r>
+                    <m:r>
+                      <a:rPr kumimoji="1" lang="en-US" altLang="ja-JP" b="0" i="1" smtClean="0">
+                        <a:latin typeface="Cambria Math" panose="02040503050406030204" pitchFamily="18" charset="0"/>
+                      </a:rPr>
+                      <m:t>𝑛</m:t>
+                    </m:r>
+                  </m:oMath>
+                </a14:m>
+                <a:r>
+                  <a:rPr kumimoji="1" lang="en-US" altLang="ja-JP" dirty="0"/>
+                  <a:t>)</a:t>
+                </a:r>
+              </a:p>
+              <a:p>
+                <a:pPr lvl="1"/>
+                <a14:m>
+                  <m:oMath xmlns:m="http://schemas.openxmlformats.org/officeDocument/2006/math">
+                    <m:r>
+                      <a:rPr kumimoji="1" lang="en-US" altLang="ja-JP" b="0" i="1" smtClean="0">
+                        <a:latin typeface="Cambria Math" panose="02040503050406030204" pitchFamily="18" charset="0"/>
+                      </a:rPr>
+                      <m:t>𝐸</m:t>
+                    </m:r>
+                    <m:r>
+                      <a:rPr kumimoji="1" lang="en-US" altLang="ja-JP" b="0" i="1" smtClean="0">
+                        <a:latin typeface="Cambria Math" panose="02040503050406030204" pitchFamily="18" charset="0"/>
+                      </a:rPr>
+                      <m:t>= </m:t>
+                    </m:r>
+                  </m:oMath>
+                </a14:m>
+                <a:r>
+                  <a:rPr kumimoji="1" lang="ja-JP" altLang="en-US" dirty="0"/>
+                  <a:t>通信リンク集合</a:t>
+                </a:r>
+                <a:r>
+                  <a:rPr kumimoji="1" lang="en-US" altLang="ja-JP" dirty="0"/>
+                  <a:t>(</a:t>
+                </a:r>
+                <a14:m>
+                  <m:oMath xmlns:m="http://schemas.openxmlformats.org/officeDocument/2006/math">
+                    <m:d>
+                      <m:dPr>
+                        <m:begChr m:val="|"/>
+                        <m:endChr m:val="|"/>
+                        <m:ctrlPr>
+                          <a:rPr kumimoji="1" lang="en-US" altLang="ja-JP" b="0" i="1" smtClean="0">
+                            <a:latin typeface="Cambria Math" panose="02040503050406030204" pitchFamily="18" charset="0"/>
+                          </a:rPr>
+                        </m:ctrlPr>
+                      </m:dPr>
+                      <m:e>
+                        <m:r>
+                          <a:rPr kumimoji="1" lang="en-US" altLang="ja-JP" b="0" i="1" smtClean="0">
+                            <a:latin typeface="Cambria Math" panose="02040503050406030204" pitchFamily="18" charset="0"/>
+                          </a:rPr>
+                          <m:t>𝐸</m:t>
+                        </m:r>
+                      </m:e>
+                    </m:d>
+                    <m:r>
+                      <a:rPr kumimoji="1" lang="en-US" altLang="ja-JP" b="0" i="1" smtClean="0">
+                        <a:latin typeface="Cambria Math" panose="02040503050406030204" pitchFamily="18" charset="0"/>
+                      </a:rPr>
+                      <m:t>=</m:t>
+                    </m:r>
+                    <m:r>
+                      <a:rPr kumimoji="1" lang="en-US" altLang="ja-JP" b="0" i="1" smtClean="0">
+                        <a:latin typeface="Cambria Math" panose="02040503050406030204" pitchFamily="18" charset="0"/>
+                      </a:rPr>
+                      <m:t>𝑚</m:t>
+                    </m:r>
+                  </m:oMath>
+                </a14:m>
+                <a:r>
+                  <a:rPr kumimoji="1" lang="en-US" altLang="ja-JP" dirty="0"/>
+                  <a:t>)</a:t>
+                </a:r>
+              </a:p>
+              <a:p>
+                <a:endParaRPr kumimoji="1" lang="en-US" altLang="ja-JP" dirty="0"/>
+              </a:p>
+              <a:p>
+                <a:r>
+                  <a:rPr kumimoji="1" lang="ja-JP" altLang="en-US" dirty="0"/>
+                  <a:t>各計算機は一意</a:t>
+                </a:r>
+                <a:r>
+                  <a:rPr lang="ja-JP" altLang="en-US" dirty="0"/>
+                  <a:t>な</a:t>
+                </a:r>
+                <a:r>
+                  <a:rPr kumimoji="1" lang="en-US" altLang="ja-JP" dirty="0"/>
+                  <a:t>ID</a:t>
+                </a:r>
+                <a:r>
+                  <a:rPr lang="en-US" altLang="ja-JP" dirty="0"/>
+                  <a:t>(</a:t>
+                </a:r>
+                <a14:m>
+                  <m:oMath xmlns:m="http://schemas.openxmlformats.org/officeDocument/2006/math">
+                    <m:r>
+                      <a:rPr lang="en-US" altLang="ja-JP" b="0" i="1" smtClean="0">
+                        <a:latin typeface="Cambria Math" panose="02040503050406030204" pitchFamily="18" charset="0"/>
+                      </a:rPr>
+                      <m:t>𝑂</m:t>
+                    </m:r>
+                    <m:r>
+                      <a:rPr lang="en-US" altLang="ja-JP" b="0" i="1" smtClean="0">
+                        <a:latin typeface="Cambria Math" panose="02040503050406030204" pitchFamily="18" charset="0"/>
+                      </a:rPr>
+                      <m:t>(</m:t>
+                    </m:r>
+                    <m:r>
+                      <m:rPr>
+                        <m:sty m:val="p"/>
+                      </m:rPr>
+                      <a:rPr lang="en-US" altLang="ja-JP" b="0" i="1" smtClean="0">
+                        <a:latin typeface="Cambria Math" panose="02040503050406030204" pitchFamily="18" charset="0"/>
+                      </a:rPr>
+                      <m:t>log</m:t>
+                    </m:r>
+                    <m:r>
+                      <a:rPr lang="en-US" altLang="ja-JP" b="0" i="1" smtClean="0">
+                        <a:latin typeface="Cambria Math" panose="02040503050406030204" pitchFamily="18" charset="0"/>
+                      </a:rPr>
+                      <m:t> </m:t>
+                    </m:r>
+                    <m:r>
+                      <a:rPr lang="en-US" altLang="ja-JP" b="0" i="1" smtClean="0">
+                        <a:latin typeface="Cambria Math" panose="02040503050406030204" pitchFamily="18" charset="0"/>
+                      </a:rPr>
+                      <m:t>𝑛</m:t>
+                    </m:r>
+                    <m:r>
+                      <a:rPr lang="en-US" altLang="ja-JP" b="0" i="1" smtClean="0">
+                        <a:latin typeface="Cambria Math" panose="02040503050406030204" pitchFamily="18" charset="0"/>
+                      </a:rPr>
+                      <m:t>)</m:t>
+                    </m:r>
+                  </m:oMath>
+                </a14:m>
+                <a:r>
+                  <a:rPr lang="ja-JP" altLang="en-US" dirty="0"/>
+                  <a:t>ビット</a:t>
+                </a:r>
+                <a:r>
+                  <a:rPr lang="en-US" altLang="ja-JP" dirty="0"/>
+                  <a:t>)</a:t>
+                </a:r>
+                <a:r>
+                  <a:rPr lang="ja-JP" altLang="en-US" dirty="0"/>
+                  <a:t>を</a:t>
+                </a:r>
+                <a:r>
+                  <a:rPr kumimoji="1" lang="ja-JP" altLang="en-US" dirty="0"/>
+                  <a:t>保有</a:t>
+                </a:r>
+                <a:endParaRPr kumimoji="1" lang="en-US" altLang="ja-JP" dirty="0"/>
+              </a:p>
+              <a:p>
+                <a:r>
+                  <a:rPr lang="ja-JP" altLang="en-US" dirty="0"/>
+                  <a:t>計算機はラウンドに従って同期して動作する</a:t>
+                </a:r>
+                <a:endParaRPr lang="en-US" altLang="ja-JP" dirty="0"/>
+              </a:p>
+              <a:p>
+                <a:pPr lvl="1"/>
+                <a:r>
+                  <a:rPr lang="ja-JP" altLang="en-US" dirty="0"/>
+                  <a:t>隣接ノードへのメッセージ送信</a:t>
+                </a:r>
+                <a:endParaRPr lang="en-US" altLang="ja-JP" dirty="0"/>
+              </a:p>
+              <a:p>
+                <a:pPr lvl="1"/>
+                <a:r>
+                  <a:rPr kumimoji="1" lang="ja-JP" altLang="en-US" dirty="0"/>
+                  <a:t>隣接ノードからのメッセージ受信</a:t>
+                </a:r>
+                <a:endParaRPr kumimoji="1" lang="en-US" altLang="ja-JP" dirty="0"/>
+              </a:p>
+              <a:p>
+                <a:pPr lvl="1"/>
+                <a:r>
+                  <a:rPr lang="ja-JP" altLang="en-US" dirty="0"/>
+                  <a:t>内部計算</a:t>
+                </a:r>
+                <a:endParaRPr kumimoji="1" lang="en-US" altLang="ja-JP" dirty="0"/>
+              </a:p>
+              <a:p>
+                <a:r>
+                  <a:rPr kumimoji="1" lang="ja-JP" altLang="en-US" dirty="0"/>
+                  <a:t>各通信リンクはラウンドあたり高々</a:t>
+                </a:r>
+                <a14:m>
+                  <m:oMath xmlns:m="http://schemas.openxmlformats.org/officeDocument/2006/math">
+                    <m:r>
+                      <a:rPr kumimoji="1" lang="en-US" altLang="ja-JP" b="0" i="1" smtClean="0">
+                        <a:latin typeface="Cambria Math" panose="02040503050406030204" pitchFamily="18" charset="0"/>
+                      </a:rPr>
+                      <m:t>𝑂</m:t>
+                    </m:r>
+                    <m:r>
+                      <a:rPr kumimoji="1" lang="en-US" altLang="ja-JP" b="0" i="1" smtClean="0">
+                        <a:latin typeface="Cambria Math" panose="02040503050406030204" pitchFamily="18" charset="0"/>
+                      </a:rPr>
+                      <m:t>(</m:t>
+                    </m:r>
+                    <m:r>
+                      <m:rPr>
+                        <m:sty m:val="p"/>
+                      </m:rPr>
+                      <a:rPr kumimoji="1" lang="en-US" altLang="ja-JP" b="0" i="1" smtClean="0">
+                        <a:latin typeface="Cambria Math" panose="02040503050406030204" pitchFamily="18" charset="0"/>
+                      </a:rPr>
+                      <m:t>log</m:t>
+                    </m:r>
+                    <m:r>
+                      <a:rPr kumimoji="1" lang="en-US" altLang="ja-JP" b="0" i="1" smtClean="0">
+                        <a:latin typeface="Cambria Math" panose="02040503050406030204" pitchFamily="18" charset="0"/>
+                      </a:rPr>
+                      <m:t> </m:t>
+                    </m:r>
+                    <m:r>
+                      <a:rPr kumimoji="1" lang="en-US" altLang="ja-JP" b="0" i="1" smtClean="0">
+                        <a:latin typeface="Cambria Math" panose="02040503050406030204" pitchFamily="18" charset="0"/>
+                      </a:rPr>
+                      <m:t>𝑛</m:t>
+                    </m:r>
+                    <m:r>
+                      <a:rPr kumimoji="1" lang="en-US" altLang="ja-JP" b="0" i="1" smtClean="0">
+                        <a:latin typeface="Cambria Math" panose="02040503050406030204" pitchFamily="18" charset="0"/>
+                      </a:rPr>
+                      <m:t>)</m:t>
+                    </m:r>
+                  </m:oMath>
+                </a14:m>
+                <a:r>
+                  <a:rPr kumimoji="1" lang="ja-JP" altLang="en-US" dirty="0"/>
+                  <a:t>ビットの</a:t>
+                </a:r>
+                <a:br>
+                  <a:rPr kumimoji="1" lang="en-US" altLang="ja-JP" dirty="0"/>
+                </a:br>
+                <a:r>
+                  <a:rPr kumimoji="1" lang="ja-JP" altLang="en-US" dirty="0"/>
+                  <a:t>メッセージを送信可能</a:t>
+                </a:r>
+              </a:p>
+            </p:txBody>
+          </p:sp>
+        </mc:Choice>
+        <mc:Fallback xmlns="">
+          <p:sp>
+            <p:nvSpPr>
+              <p:cNvPr id="3" name="コンテンツ プレースホルダー 2">
+                <a:extLst>
+                  <a:ext uri="{FF2B5EF4-FFF2-40B4-BE49-F238E27FC236}">
+                    <a16:creationId xmlns:a16="http://schemas.microsoft.com/office/drawing/2014/main" id="{409FD532-A320-4B60-96BF-4592F6D2F0A5}"/>
+                  </a:ext>
+                </a:extLst>
+              </p:cNvPr>
+              <p:cNvSpPr>
+                <a:spLocks noGrp="1" noRot="1" noChangeAspect="1" noMove="1" noResize="1" noEditPoints="1" noAdjustHandles="1" noChangeArrowheads="1" noChangeShapeType="1" noTextEdit="1"/>
+              </p:cNvSpPr>
+              <p:nvPr>
+                <p:ph idx="1"/>
+              </p:nvPr>
+            </p:nvSpPr>
+            <p:spPr>
+              <a:blipFill>
+                <a:blip r:embed="rId2"/>
+                <a:stretch>
+                  <a:fillRect l="-1005" t="-1046"/>
+                </a:stretch>
+              </a:blipFill>
+            </p:spPr>
+            <p:txBody>
+              <a:bodyPr/>
+              <a:lstStyle/>
+              <a:p>
+                <a:r>
+                  <a:rPr lang="ja-JP" altLang="en-US">
+                    <a:noFill/>
+                  </a:rPr>
+                  <a:t> </a:t>
+                </a:r>
+              </a:p>
+            </p:txBody>
+          </p:sp>
+        </mc:Fallback>
+      </mc:AlternateContent>
+    </p:spTree>
+    <p:extLst>
+      <p:ext uri="{BB962C8B-B14F-4D97-AF65-F5344CB8AC3E}">
+        <p14:creationId xmlns:p14="http://schemas.microsoft.com/office/powerpoint/2010/main" val="3738895488"/>
+      </p:ext>
+    </p:extLst>
+  </p:cSld>
+  <p:clrMapOvr>
+    <a:masterClrMapping/>
+  </p:clrMapOvr>
+</p:sld>
+</file>
+
+<file path=ppt/slides/slide4.xml><?xml version="1.0" encoding="utf-8"?>
+<p:sld xmlns:a="http://schemas.openxmlformats.org/drawingml/2006/main" xmlns:r="http://schemas.openxmlformats.org/officeDocument/2006/relationships" xmlns:p="http://schemas.openxmlformats.org/presentationml/2006/main">
+  <p:cSld>
+    <p:spTree>
+      <p:nvGrpSpPr>
+        <p:cNvPr id="1" name=""/>
+        <p:cNvGrpSpPr/>
+        <p:nvPr/>
+      </p:nvGrpSpPr>
+      <p:grpSpPr>
+        <a:xfrm>
+          <a:off x="0" y="0"/>
+          <a:ext cx="0" cy="0"/>
+          <a:chOff x="0" y="0"/>
+          <a:chExt cx="0" cy="0"/>
+        </a:xfrm>
+      </p:grpSpPr>
+      <p:sp>
+        <p:nvSpPr>
+          <p:cNvPr id="2" name="タイトル 1">
+            <a:extLst>
+              <a:ext uri="{FF2B5EF4-FFF2-40B4-BE49-F238E27FC236}">
+                <a16:creationId xmlns:a16="http://schemas.microsoft.com/office/drawing/2014/main" id="{A24A2091-DF0A-4DE6-A270-D08DDE7C2CF6}"/>
+              </a:ext>
+            </a:extLst>
+          </p:cNvPr>
+          <p:cNvSpPr>
+            <a:spLocks noGrp="1"/>
+          </p:cNvSpPr>
+          <p:nvPr>
+            <p:ph type="title"/>
+          </p:nvPr>
+        </p:nvSpPr>
+        <p:spPr/>
+        <p:txBody>
+          <a:bodyPr/>
+          <a:lstStyle/>
+          <a:p>
+            <a:r>
+              <a:rPr lang="ja-JP" altLang="en-US" dirty="0"/>
+              <a:t>研究背景</a:t>
+            </a:r>
+            <a:endParaRPr kumimoji="1" lang="ja-JP" altLang="en-US" dirty="0"/>
+          </a:p>
+        </p:txBody>
+      </p:sp>
+      <p:sp>
+        <p:nvSpPr>
+          <p:cNvPr id="3" name="コンテンツ プレースホルダー 2">
+            <a:extLst>
+              <a:ext uri="{FF2B5EF4-FFF2-40B4-BE49-F238E27FC236}">
+                <a16:creationId xmlns:a16="http://schemas.microsoft.com/office/drawing/2014/main" id="{FECC73B4-B194-4371-A055-7F192A2E0A30}"/>
+              </a:ext>
+            </a:extLst>
+          </p:cNvPr>
+          <p:cNvSpPr>
+            <a:spLocks noGrp="1"/>
+          </p:cNvSpPr>
+          <p:nvPr>
+            <p:ph idx="1"/>
+          </p:nvPr>
+        </p:nvSpPr>
+        <p:spPr>
+          <a:xfrm>
+            <a:off x="628650" y="1274620"/>
+            <a:ext cx="7886700" cy="2435990"/>
+          </a:xfrm>
+        </p:spPr>
+        <p:txBody>
+          <a:bodyPr/>
+          <a:lstStyle/>
+          <a:p>
+            <a:r>
+              <a:rPr lang="ja-JP" altLang="en-US" dirty="0"/>
+              <a:t>サイズが小さい</a:t>
+            </a:r>
+            <a:r>
+              <a:rPr kumimoji="1" lang="ja-JP" altLang="en-US" dirty="0"/>
+              <a:t>平衡分離集合の存在は高速なグラフ</a:t>
+            </a:r>
+            <a:br>
+              <a:rPr kumimoji="1" lang="en-US" altLang="ja-JP" dirty="0"/>
+            </a:br>
+            <a:r>
+              <a:rPr kumimoji="1" lang="ja-JP" altLang="en-US" dirty="0"/>
+              <a:t>アルゴリズムの設計に対して有用である場合がある</a:t>
+            </a:r>
+            <a:endParaRPr lang="en-US" altLang="ja-JP" dirty="0"/>
+          </a:p>
+          <a:p>
+            <a:pPr lvl="1"/>
+            <a:r>
+              <a:rPr lang="ja-JP" altLang="en-US" dirty="0"/>
+              <a:t>サイズ最小の平衡分離集合の探索は</a:t>
+            </a:r>
+            <a:r>
+              <a:rPr lang="en-US" altLang="ja-JP" dirty="0"/>
+              <a:t>NP</a:t>
+            </a:r>
+            <a:r>
+              <a:rPr lang="ja-JP" altLang="en-US" dirty="0"/>
+              <a:t>困難</a:t>
+            </a:r>
+            <a:endParaRPr lang="en-US" altLang="ja-JP" dirty="0"/>
+          </a:p>
+          <a:p>
+            <a:pPr lvl="1"/>
+            <a:endParaRPr lang="en-US" altLang="ja-JP" dirty="0"/>
+          </a:p>
+          <a:p>
+            <a:r>
+              <a:rPr lang="ja-JP" altLang="en-US" dirty="0"/>
+              <a:t>小さな平衡分離集合を近似する分散アルゴリズムはこれまでに知られていない</a:t>
+            </a:r>
+            <a:endParaRPr lang="en-US" altLang="ja-JP" dirty="0"/>
+          </a:p>
+          <a:p>
+            <a:pPr marL="0" indent="0">
+              <a:buNone/>
+            </a:pPr>
+            <a:endParaRPr lang="en-US" altLang="ja-JP" dirty="0"/>
+          </a:p>
+          <a:p>
+            <a:endParaRPr lang="en-US" altLang="ja-JP" dirty="0"/>
+          </a:p>
+        </p:txBody>
+      </p:sp>
+      <p:sp>
+        <p:nvSpPr>
+          <p:cNvPr id="4" name="コンテンツ プレースホルダー 2">
+            <a:extLst>
+              <a:ext uri="{FF2B5EF4-FFF2-40B4-BE49-F238E27FC236}">
+                <a16:creationId xmlns:a16="http://schemas.microsoft.com/office/drawing/2014/main" id="{F835FECB-C750-47C3-A6A8-6527B60CE9A6}"/>
+              </a:ext>
+            </a:extLst>
+          </p:cNvPr>
+          <p:cNvSpPr txBox="1">
+            <a:spLocks/>
+          </p:cNvSpPr>
+          <p:nvPr/>
+        </p:nvSpPr>
+        <p:spPr>
+          <a:xfrm>
+            <a:off x="628650" y="4878406"/>
+            <a:ext cx="7886700" cy="1787437"/>
+          </a:xfrm>
+          <a:prstGeom prst="rect">
+            <a:avLst/>
+          </a:prstGeom>
+        </p:spPr>
+        <p:txBody>
+          <a:bodyPr vert="horz" lIns="91440" tIns="45720" rIns="91440" bIns="45720" rtlCol="0" anchor="t">
+            <a:noAutofit/>
+          </a:bodyPr>
+          <a:lstStyle>
+            <a:lvl1pPr marL="171450" indent="-171450" algn="l" defTabSz="685800" rtl="0" eaLnBrk="1" latinLnBrk="0" hangingPunct="1">
+              <a:lnSpc>
+                <a:spcPct val="100000"/>
+              </a:lnSpc>
+              <a:spcBef>
+                <a:spcPts val="750"/>
+              </a:spcBef>
+              <a:buFont typeface="Arial" panose="020B0604020202020204" pitchFamily="34" charset="0"/>
+              <a:buChar char="•"/>
+              <a:defRPr kumimoji="1" sz="2400" kern="1200">
+                <a:solidFill>
+                  <a:schemeClr val="tx1"/>
+                </a:solidFill>
+                <a:latin typeface="メイリオ" panose="020B0604030504040204" pitchFamily="50" charset="-128"/>
+                <a:ea typeface="メイリオ" panose="020B0604030504040204" pitchFamily="50" charset="-128"/>
+                <a:cs typeface="+mn-cs"/>
+              </a:defRPr>
+            </a:lvl1pPr>
+            <a:lvl2pPr marL="514350" indent="-171450" algn="l" defTabSz="685800" rtl="0" eaLnBrk="1" latinLnBrk="0" hangingPunct="1">
+              <a:lnSpc>
+                <a:spcPct val="100000"/>
+              </a:lnSpc>
+              <a:spcBef>
+                <a:spcPts val="375"/>
+              </a:spcBef>
+              <a:buFont typeface="Arial" panose="020B0604020202020204" pitchFamily="34" charset="0"/>
+              <a:buChar char="•"/>
+              <a:defRPr kumimoji="1" sz="2000" kern="1200">
+                <a:solidFill>
+                  <a:schemeClr val="tx1"/>
+                </a:solidFill>
+                <a:latin typeface="メイリオ" panose="020B0604030504040204" pitchFamily="50" charset="-128"/>
+                <a:ea typeface="メイリオ" panose="020B0604030504040204" pitchFamily="50" charset="-128"/>
+                <a:cs typeface="+mn-cs"/>
+              </a:defRPr>
+            </a:lvl2pPr>
+            <a:lvl3pPr marL="857250" indent="-171450" algn="l" defTabSz="685800" rtl="0" eaLnBrk="1" latinLnBrk="0" hangingPunct="1">
+              <a:lnSpc>
+                <a:spcPct val="100000"/>
+              </a:lnSpc>
+              <a:spcBef>
+                <a:spcPts val="375"/>
+              </a:spcBef>
+              <a:buFont typeface="Arial" panose="020B0604020202020204" pitchFamily="34" charset="0"/>
+              <a:buChar char="•"/>
+              <a:defRPr kumimoji="1" sz="1600" kern="1200">
+                <a:solidFill>
+                  <a:schemeClr val="tx1"/>
+                </a:solidFill>
+                <a:latin typeface="メイリオ" panose="020B0604030504040204" pitchFamily="50" charset="-128"/>
+                <a:ea typeface="メイリオ" panose="020B0604030504040204" pitchFamily="50" charset="-128"/>
+                <a:cs typeface="+mn-cs"/>
+              </a:defRPr>
+            </a:lvl3pPr>
+            <a:lvl4pPr marL="1200150" indent="-171450" algn="l" defTabSz="685800" rtl="0" eaLnBrk="1" latinLnBrk="0" hangingPunct="1">
+              <a:lnSpc>
+                <a:spcPct val="100000"/>
+              </a:lnSpc>
+              <a:spcBef>
+                <a:spcPts val="375"/>
+              </a:spcBef>
+              <a:buFont typeface="Arial" panose="020B0604020202020204" pitchFamily="34" charset="0"/>
+              <a:buChar char="•"/>
+              <a:defRPr kumimoji="1" sz="1400" kern="1200">
+                <a:solidFill>
+                  <a:schemeClr val="tx1"/>
+                </a:solidFill>
+                <a:latin typeface="メイリオ" panose="020B0604030504040204" pitchFamily="50" charset="-128"/>
+                <a:ea typeface="メイリオ" panose="020B0604030504040204" pitchFamily="50" charset="-128"/>
+                <a:cs typeface="+mn-cs"/>
+              </a:defRPr>
+            </a:lvl4pPr>
+            <a:lvl5pPr marL="1543050" indent="-171450" algn="l" defTabSz="685800" rtl="0" eaLnBrk="1" latinLnBrk="0" hangingPunct="1">
+              <a:lnSpc>
+                <a:spcPct val="100000"/>
+              </a:lnSpc>
+              <a:spcBef>
+                <a:spcPts val="375"/>
+              </a:spcBef>
+              <a:buFont typeface="Arial" panose="020B0604020202020204" pitchFamily="34" charset="0"/>
+              <a:buChar char="•"/>
+              <a:defRPr kumimoji="1" sz="1400" kern="1200">
+                <a:solidFill>
+                  <a:schemeClr val="tx1"/>
+                </a:solidFill>
+                <a:latin typeface="メイリオ" panose="020B0604030504040204" pitchFamily="50" charset="-128"/>
+                <a:ea typeface="メイリオ" panose="020B0604030504040204" pitchFamily="50" charset="-128"/>
+                <a:cs typeface="+mn-cs"/>
+              </a:defRPr>
+            </a:lvl5pPr>
+            <a:lvl6pPr marL="1885950" indent="-171450" algn="l" defTabSz="685800" rtl="0" eaLnBrk="1" latinLnBrk="0" hangingPunct="1">
+              <a:lnSpc>
+                <a:spcPct val="90000"/>
+              </a:lnSpc>
+              <a:spcBef>
+                <a:spcPts val="375"/>
+              </a:spcBef>
+              <a:buFont typeface="Arial" panose="020B0604020202020204" pitchFamily="34" charset="0"/>
+              <a:buChar char="•"/>
+              <a:defRPr kumimoji="1" sz="1350" kern="1200">
+                <a:solidFill>
+                  <a:schemeClr val="tx1"/>
+                </a:solidFill>
+                <a:latin typeface="+mn-lt"/>
+                <a:ea typeface="+mn-ea"/>
+                <a:cs typeface="+mn-cs"/>
+              </a:defRPr>
+            </a:lvl6pPr>
+            <a:lvl7pPr marL="2228850" indent="-171450" algn="l" defTabSz="685800" rtl="0" eaLnBrk="1" latinLnBrk="0" hangingPunct="1">
+              <a:lnSpc>
+                <a:spcPct val="90000"/>
+              </a:lnSpc>
+              <a:spcBef>
+                <a:spcPts val="375"/>
+              </a:spcBef>
+              <a:buFont typeface="Arial" panose="020B0604020202020204" pitchFamily="34" charset="0"/>
+              <a:buChar char="•"/>
+              <a:defRPr kumimoji="1" sz="1350" kern="1200">
+                <a:solidFill>
+                  <a:schemeClr val="tx1"/>
+                </a:solidFill>
+                <a:latin typeface="+mn-lt"/>
+                <a:ea typeface="+mn-ea"/>
+                <a:cs typeface="+mn-cs"/>
+              </a:defRPr>
+            </a:lvl7pPr>
+            <a:lvl8pPr marL="2571750" indent="-171450" algn="l" defTabSz="685800" rtl="0" eaLnBrk="1" latinLnBrk="0" hangingPunct="1">
+              <a:lnSpc>
+                <a:spcPct val="90000"/>
+              </a:lnSpc>
+              <a:spcBef>
+                <a:spcPts val="375"/>
+              </a:spcBef>
+              <a:buFont typeface="Arial" panose="020B0604020202020204" pitchFamily="34" charset="0"/>
+              <a:buChar char="•"/>
+              <a:defRPr kumimoji="1" sz="1350" kern="1200">
+                <a:solidFill>
+                  <a:schemeClr val="tx1"/>
+                </a:solidFill>
+                <a:latin typeface="+mn-lt"/>
+                <a:ea typeface="+mn-ea"/>
+                <a:cs typeface="+mn-cs"/>
+              </a:defRPr>
+            </a:lvl8pPr>
+            <a:lvl9pPr marL="2914650" indent="-171450" algn="l" defTabSz="685800" rtl="0" eaLnBrk="1" latinLnBrk="0" hangingPunct="1">
+              <a:lnSpc>
+                <a:spcPct val="90000"/>
+              </a:lnSpc>
+              <a:spcBef>
+                <a:spcPts val="375"/>
+              </a:spcBef>
+              <a:buFont typeface="Arial" panose="020B0604020202020204" pitchFamily="34" charset="0"/>
+              <a:buChar char="•"/>
+              <a:defRPr kumimoji="1" sz="1350" kern="1200">
+                <a:solidFill>
+                  <a:schemeClr val="tx1"/>
+                </a:solidFill>
+                <a:latin typeface="+mn-lt"/>
+                <a:ea typeface="+mn-ea"/>
+                <a:cs typeface="+mn-cs"/>
+              </a:defRPr>
+            </a:lvl9pPr>
+          </a:lstStyle>
+          <a:p>
+            <a:r>
+              <a:rPr lang="ja-JP" altLang="en-US" dirty="0"/>
+              <a:t>既存の平衡分離集合を計算する近似アルゴリズムを</a:t>
+            </a:r>
+            <a:br>
+              <a:rPr lang="en-US" altLang="ja-JP" dirty="0"/>
+            </a:br>
+            <a:r>
+              <a:rPr lang="ja-JP" altLang="en-US" dirty="0"/>
+              <a:t>分散システム上に実現</a:t>
+            </a:r>
+            <a:endParaRPr lang="en-US" altLang="ja-JP" dirty="0"/>
+          </a:p>
+          <a:p>
+            <a:r>
+              <a:rPr lang="en-US" altLang="ja-JP" i="1" dirty="0"/>
+              <a:t>CONGEST</a:t>
+            </a:r>
+            <a:r>
+              <a:rPr lang="ja-JP" altLang="en-US" i="1" dirty="0"/>
+              <a:t>モデル上の分散アルゴリズムと非自明な</a:t>
+            </a:r>
+            <a:br>
+              <a:rPr lang="en-US" altLang="ja-JP" i="1" dirty="0"/>
+            </a:br>
+            <a:r>
+              <a:rPr lang="ja-JP" altLang="en-US" i="1" dirty="0"/>
+              <a:t>計算時間上界の提示</a:t>
+            </a:r>
+            <a:endParaRPr lang="en-US" altLang="ja-JP" i="1" dirty="0"/>
+          </a:p>
+        </p:txBody>
+      </p:sp>
+      <p:sp>
+        <p:nvSpPr>
+          <p:cNvPr id="5" name="矢印: 下 4">
+            <a:extLst>
+              <a:ext uri="{FF2B5EF4-FFF2-40B4-BE49-F238E27FC236}">
+                <a16:creationId xmlns:a16="http://schemas.microsoft.com/office/drawing/2014/main" id="{32FF6A6F-0707-4C10-8547-A95DC58B34CF}"/>
+              </a:ext>
+            </a:extLst>
+          </p:cNvPr>
+          <p:cNvSpPr/>
+          <p:nvPr/>
+        </p:nvSpPr>
+        <p:spPr>
+          <a:xfrm>
+            <a:off x="3660689" y="3848318"/>
+            <a:ext cx="1822622" cy="789943"/>
+          </a:xfrm>
+          <a:prstGeom prst="downArrow">
+            <a:avLst/>
+          </a:prstGeom>
+          <a:solidFill>
+            <a:srgbClr val="FFC000"/>
+          </a:solidFill>
+          <a:ln w="28575">
+            <a:solidFill>
+              <a:srgbClr val="FFC000"/>
+            </a:solidFill>
+          </a:ln>
+        </p:spPr>
+        <p:style>
+          <a:lnRef idx="1">
+            <a:schemeClr val="accent1"/>
+          </a:lnRef>
+          <a:fillRef idx="0">
+            <a:schemeClr val="accent1"/>
+          </a:fillRef>
+          <a:effectRef idx="0">
+            <a:schemeClr val="accent1"/>
+          </a:effectRef>
+          <a:fontRef idx="minor">
+            <a:schemeClr val="tx1"/>
+          </a:fontRef>
+        </p:style>
+        <p:txBody>
+          <a:bodyPr rtlCol="0" anchor="ctr"/>
+          <a:lstStyle/>
+          <a:p>
+            <a:pPr algn="ctr"/>
+            <a:endParaRPr kumimoji="1" lang="ja-JP" altLang="en-US"/>
+          </a:p>
+        </p:txBody>
+      </p:sp>
+    </p:spTree>
+    <p:extLst>
+      <p:ext uri="{BB962C8B-B14F-4D97-AF65-F5344CB8AC3E}">
+        <p14:creationId xmlns:p14="http://schemas.microsoft.com/office/powerpoint/2010/main" val="2845148609"/>
+      </p:ext>
+    </p:extLst>
+  </p:cSld>
+  <p:clrMapOvr>
+    <a:masterClrMapping/>
+  </p:clrMapOvr>
+</p:sld>
+</file>
+
+<file path=ppt/slides/slide5.xml><?xml version="1.0" encoding="utf-8"?>
+<p:sld xmlns:a="http://schemas.openxmlformats.org/drawingml/2006/main" xmlns:r="http://schemas.openxmlformats.org/officeDocument/2006/relationships" xmlns:p="http://schemas.openxmlformats.org/presentationml/2006/main">
+  <p:cSld>
+    <p:spTree>
+      <p:nvGrpSpPr>
+        <p:cNvPr id="1" name=""/>
+        <p:cNvGrpSpPr/>
+        <p:nvPr/>
+      </p:nvGrpSpPr>
+      <p:grpSpPr>
+        <a:xfrm>
+          <a:off x="0" y="0"/>
+          <a:ext cx="0" cy="0"/>
+          <a:chOff x="0" y="0"/>
+          <a:chExt cx="0" cy="0"/>
+        </a:xfrm>
+      </p:grpSpPr>
+      <p:sp>
+        <p:nvSpPr>
+          <p:cNvPr id="2" name="タイトル 1">
+            <a:extLst>
+              <a:ext uri="{FF2B5EF4-FFF2-40B4-BE49-F238E27FC236}">
+                <a16:creationId xmlns:a16="http://schemas.microsoft.com/office/drawing/2014/main" id="{474F30AD-9111-40FF-BF16-AF3AB41ECA15}"/>
+              </a:ext>
+            </a:extLst>
+          </p:cNvPr>
+          <p:cNvSpPr>
+            <a:spLocks noGrp="1"/>
+          </p:cNvSpPr>
+          <p:nvPr>
+            <p:ph type="title"/>
+          </p:nvPr>
+        </p:nvSpPr>
+        <p:spPr>
+          <a:xfrm>
+            <a:off x="628650" y="225286"/>
+            <a:ext cx="7886700" cy="1181854"/>
+          </a:xfrm>
+        </p:spPr>
+        <p:txBody>
+          <a:bodyPr/>
+          <a:lstStyle/>
+          <a:p>
+            <a:r>
+              <a:rPr lang="ja-JP" altLang="en-US" dirty="0"/>
+              <a:t>同時部分収集問題</a:t>
+            </a:r>
+            <a:br>
+              <a:rPr lang="en-US" altLang="ja-JP" dirty="0"/>
+            </a:br>
+            <a:r>
+              <a:rPr lang="en-US" altLang="ja-JP" dirty="0"/>
+              <a:t>(Subgraph Aggregation: SA)</a:t>
+            </a:r>
+            <a:endParaRPr kumimoji="1" lang="ja-JP" altLang="en-US" dirty="0"/>
+          </a:p>
+        </p:txBody>
+      </p:sp>
+      <mc:AlternateContent xmlns:mc="http://schemas.openxmlformats.org/markup-compatibility/2006" xmlns:a14="http://schemas.microsoft.com/office/drawing/2010/main">
+        <mc:Choice Requires="a14">
+          <p:sp>
+            <p:nvSpPr>
+              <p:cNvPr id="3" name="コンテンツ プレースホルダー 2">
+                <a:extLst>
+                  <a:ext uri="{FF2B5EF4-FFF2-40B4-BE49-F238E27FC236}">
+                    <a16:creationId xmlns:a16="http://schemas.microsoft.com/office/drawing/2014/main" id="{C75881AE-7FBE-4061-A72E-DE5E7B3E3007}"/>
+                  </a:ext>
+                </a:extLst>
+              </p:cNvPr>
+              <p:cNvSpPr>
+                <a:spLocks noGrp="1"/>
+              </p:cNvSpPr>
+              <p:nvPr>
+                <p:ph idx="1"/>
+              </p:nvPr>
+            </p:nvSpPr>
+            <p:spPr>
+              <a:xfrm>
+                <a:off x="628650" y="1524000"/>
+                <a:ext cx="7886700" cy="4652963"/>
+              </a:xfrm>
+            </p:spPr>
+            <p:txBody>
+              <a:bodyPr/>
+              <a:lstStyle/>
+              <a:p>
+                <a:r>
+                  <a:rPr lang="ja-JP" altLang="en-US" dirty="0"/>
+                  <a:t>ネットワークグラフ</a:t>
+                </a:r>
+                <a14:m>
+                  <m:oMath xmlns:m="http://schemas.openxmlformats.org/officeDocument/2006/math">
+                    <m:r>
+                      <a:rPr lang="en-US" altLang="ja-JP" b="0" i="1" smtClean="0">
+                        <a:latin typeface="Cambria Math" panose="02040503050406030204" pitchFamily="18" charset="0"/>
+                      </a:rPr>
+                      <m:t>𝐺</m:t>
+                    </m:r>
+                  </m:oMath>
+                </a14:m>
+                <a:r>
+                  <a:rPr kumimoji="1" lang="ja-JP" altLang="en-US" dirty="0"/>
+                  <a:t>の互いに素な連結部分グラフの</a:t>
+                </a:r>
+                <a:br>
+                  <a:rPr kumimoji="1" lang="en-US" altLang="ja-JP" dirty="0"/>
+                </a:br>
+                <a:r>
+                  <a:rPr kumimoji="1" lang="ja-JP" altLang="en-US" dirty="0"/>
+                  <a:t>集合</a:t>
+                </a:r>
+                <a14:m>
+                  <m:oMath xmlns:m="http://schemas.openxmlformats.org/officeDocument/2006/math">
+                    <m:r>
+                      <a:rPr kumimoji="1" lang="en-US" altLang="ja-JP" b="0" i="1" smtClean="0">
+                        <a:latin typeface="Cambria Math" panose="02040503050406030204" pitchFamily="18" charset="0"/>
+                      </a:rPr>
+                      <m:t>𝒫</m:t>
+                    </m:r>
+                  </m:oMath>
+                </a14:m>
+                <a:endParaRPr kumimoji="1" lang="en-US" altLang="ja-JP" dirty="0"/>
+              </a:p>
+              <a:p>
+                <a:r>
+                  <a:rPr kumimoji="1" lang="ja-JP" altLang="en-US" dirty="0"/>
+                  <a:t>各</a:t>
+                </a:r>
+                <a14:m>
+                  <m:oMath xmlns:m="http://schemas.openxmlformats.org/officeDocument/2006/math">
+                    <m:sSub>
+                      <m:sSubPr>
+                        <m:ctrlPr>
+                          <a:rPr kumimoji="1" lang="en-US" altLang="ja-JP" b="0" i="1" smtClean="0">
+                            <a:latin typeface="Cambria Math" panose="02040503050406030204" pitchFamily="18" charset="0"/>
+                          </a:rPr>
+                        </m:ctrlPr>
+                      </m:sSubPr>
+                      <m:e>
+                        <m:r>
+                          <a:rPr kumimoji="1" lang="en-US" altLang="ja-JP" b="0" i="1" smtClean="0">
+                            <a:latin typeface="Cambria Math" panose="02040503050406030204" pitchFamily="18" charset="0"/>
+                          </a:rPr>
+                          <m:t>𝑃</m:t>
+                        </m:r>
+                      </m:e>
+                      <m:sub>
+                        <m:r>
+                          <a:rPr kumimoji="1" lang="en-US" altLang="ja-JP" b="0" i="1" smtClean="0">
+                            <a:latin typeface="Cambria Math" panose="02040503050406030204" pitchFamily="18" charset="0"/>
+                          </a:rPr>
+                          <m:t>𝑖</m:t>
+                        </m:r>
+                      </m:sub>
+                    </m:sSub>
+                    <m:r>
+                      <a:rPr kumimoji="1" lang="en-US" altLang="ja-JP" b="0" i="1" smtClean="0">
+                        <a:latin typeface="Cambria Math" panose="02040503050406030204" pitchFamily="18" charset="0"/>
+                      </a:rPr>
+                      <m:t>∈</m:t>
+                    </m:r>
+                    <m:r>
+                      <a:rPr kumimoji="1" lang="en-US" altLang="ja-JP" b="0" i="1" smtClean="0">
+                        <a:latin typeface="Cambria Math" panose="02040503050406030204" pitchFamily="18" charset="0"/>
+                      </a:rPr>
+                      <m:t>𝒫</m:t>
+                    </m:r>
+                  </m:oMath>
+                </a14:m>
+                <a:r>
+                  <a:rPr kumimoji="1" lang="ja-JP" altLang="en-US" dirty="0"/>
+                  <a:t>内である値を収集する抽象化された集合通信操作を</a:t>
+                </a:r>
+                <a:r>
+                  <a:rPr lang="en-US" altLang="ja-JP" dirty="0"/>
+                  <a:t>Subgraph Aggregation</a:t>
+                </a:r>
+                <a:r>
+                  <a:rPr lang="ja-JP" altLang="en-US" dirty="0"/>
+                  <a:t>と呼ぶ</a:t>
+                </a:r>
+                <a:endParaRPr lang="en-US" altLang="ja-JP" dirty="0"/>
+              </a:p>
+              <a:p>
+                <a:r>
+                  <a:rPr lang="ja-JP" altLang="en-US" dirty="0"/>
+                  <a:t>一般のグラフに対して一回の</a:t>
+                </a:r>
+                <a:r>
+                  <a:rPr lang="en-US" altLang="ja-JP" dirty="0"/>
+                  <a:t>SA</a:t>
+                </a:r>
+                <a:r>
+                  <a:rPr lang="ja-JP" altLang="en-US" dirty="0"/>
+                  <a:t>は</a:t>
+                </a:r>
+                <a14:m>
+                  <m:oMath xmlns:m="http://schemas.openxmlformats.org/officeDocument/2006/math">
+                    <m:r>
+                      <a:rPr lang="en-US" altLang="ja-JP" b="0" i="1" smtClean="0">
+                        <a:latin typeface="Cambria Math" panose="02040503050406030204" pitchFamily="18" charset="0"/>
+                      </a:rPr>
+                      <m:t>𝑂</m:t>
+                    </m:r>
+                    <m:r>
+                      <a:rPr lang="en-US" altLang="ja-JP" b="0" i="1" smtClean="0">
+                        <a:latin typeface="Cambria Math" panose="02040503050406030204" pitchFamily="18" charset="0"/>
+                      </a:rPr>
+                      <m:t>(</m:t>
+                    </m:r>
+                    <m:rad>
+                      <m:radPr>
+                        <m:degHide m:val="on"/>
+                        <m:ctrlPr>
+                          <a:rPr lang="en-US" altLang="ja-JP" b="0" i="1" smtClean="0">
+                            <a:latin typeface="Cambria Math" panose="02040503050406030204" pitchFamily="18" charset="0"/>
+                          </a:rPr>
+                        </m:ctrlPr>
+                      </m:radPr>
+                      <m:deg/>
+                      <m:e>
+                        <m:r>
+                          <a:rPr lang="en-US" altLang="ja-JP" b="0" i="1" smtClean="0">
+                            <a:latin typeface="Cambria Math" panose="02040503050406030204" pitchFamily="18" charset="0"/>
+                          </a:rPr>
+                          <m:t>𝑛</m:t>
+                        </m:r>
+                      </m:e>
+                    </m:rad>
+                    <m:r>
+                      <a:rPr lang="en-US" altLang="ja-JP" b="0" i="1" smtClean="0">
+                        <a:latin typeface="Cambria Math" panose="02040503050406030204" pitchFamily="18" charset="0"/>
+                      </a:rPr>
+                      <m:t>+</m:t>
+                    </m:r>
+                    <m:r>
+                      <a:rPr lang="en-US" altLang="ja-JP" b="0" i="1" smtClean="0">
+                        <a:latin typeface="Cambria Math" panose="02040503050406030204" pitchFamily="18" charset="0"/>
+                      </a:rPr>
+                      <m:t>𝐷</m:t>
+                    </m:r>
+                    <m:r>
+                      <a:rPr lang="en-US" altLang="ja-JP" b="0" i="1" smtClean="0">
+                        <a:latin typeface="Cambria Math" panose="02040503050406030204" pitchFamily="18" charset="0"/>
+                      </a:rPr>
+                      <m:t>)</m:t>
+                    </m:r>
+                  </m:oMath>
+                </a14:m>
+                <a:r>
+                  <a:rPr kumimoji="1" lang="ja-JP" altLang="en-US" dirty="0"/>
+                  <a:t>ラウンド</a:t>
+                </a:r>
+                <a:br>
+                  <a:rPr kumimoji="1" lang="en-US" altLang="ja-JP" dirty="0"/>
+                </a:br>
+                <a:r>
+                  <a:rPr lang="ja-JP" altLang="en-US" dirty="0"/>
+                  <a:t>で実行可能</a:t>
+                </a:r>
+                <a:endParaRPr lang="en-US" altLang="ja-JP" dirty="0"/>
+              </a:p>
+              <a:p>
+                <a:endParaRPr kumimoji="1" lang="en-US" altLang="ja-JP" dirty="0"/>
+              </a:p>
+              <a:p>
+                <a:r>
+                  <a:rPr kumimoji="1" lang="ja-JP" altLang="en-US" dirty="0"/>
+                  <a:t>本研究のアルゴリズムの実行時間評価を</a:t>
+                </a:r>
+                <a:r>
+                  <a:rPr kumimoji="1" lang="en-US" altLang="ja-JP" dirty="0"/>
+                  <a:t>SA</a:t>
+                </a:r>
+                <a:r>
+                  <a:rPr kumimoji="1" lang="ja-JP" altLang="en-US" dirty="0"/>
+                  <a:t>の回数によって評価する</a:t>
+                </a:r>
+                <a:endParaRPr kumimoji="1" lang="en-US" altLang="ja-JP" dirty="0"/>
+              </a:p>
+            </p:txBody>
+          </p:sp>
+        </mc:Choice>
+        <mc:Fallback xmlns="">
+          <p:sp>
+            <p:nvSpPr>
+              <p:cNvPr id="3" name="コンテンツ プレースホルダー 2">
+                <a:extLst>
+                  <a:ext uri="{FF2B5EF4-FFF2-40B4-BE49-F238E27FC236}">
+                    <a16:creationId xmlns:a16="http://schemas.microsoft.com/office/drawing/2014/main" id="{C75881AE-7FBE-4061-A72E-DE5E7B3E3007}"/>
+                  </a:ext>
+                </a:extLst>
+              </p:cNvPr>
+              <p:cNvSpPr>
+                <a:spLocks noGrp="1" noRot="1" noChangeAspect="1" noMove="1" noResize="1" noEditPoints="1" noAdjustHandles="1" noChangeArrowheads="1" noChangeShapeType="1" noTextEdit="1"/>
+              </p:cNvSpPr>
+              <p:nvPr>
+                <p:ph idx="1"/>
+              </p:nvPr>
+            </p:nvSpPr>
+            <p:spPr>
+              <a:xfrm>
+                <a:off x="628650" y="1524000"/>
+                <a:ext cx="7886700" cy="4652963"/>
+              </a:xfrm>
+              <a:blipFill>
+                <a:blip r:embed="rId2"/>
+                <a:stretch>
+                  <a:fillRect l="-1005" t="-1048"/>
+                </a:stretch>
+              </a:blipFill>
+            </p:spPr>
+            <p:txBody>
+              <a:bodyPr/>
+              <a:lstStyle/>
+              <a:p>
+                <a:r>
+                  <a:rPr lang="ja-JP" altLang="en-US">
+                    <a:noFill/>
+                  </a:rPr>
+                  <a:t> </a:t>
+                </a:r>
+              </a:p>
+            </p:txBody>
+          </p:sp>
+        </mc:Fallback>
+      </mc:AlternateContent>
+    </p:spTree>
+    <p:extLst>
+      <p:ext uri="{BB962C8B-B14F-4D97-AF65-F5344CB8AC3E}">
+        <p14:creationId xmlns:p14="http://schemas.microsoft.com/office/powerpoint/2010/main" val="861366947"/>
+      </p:ext>
+    </p:extLst>
+  </p:cSld>
+  <p:clrMapOvr>
+    <a:masterClrMapping/>
+  </p:clrMapOvr>
+</p:sld>
+</file>
+
+<file path=ppt/slides/slide6.xml><?xml version="1.0" encoding="utf-8"?>
+<p:sld xmlns:a="http://schemas.openxmlformats.org/drawingml/2006/main" xmlns:r="http://schemas.openxmlformats.org/officeDocument/2006/relationships" xmlns:p="http://schemas.openxmlformats.org/presentationml/2006/main">
+  <p:cSld>
+    <p:spTree>
+      <p:nvGrpSpPr>
+        <p:cNvPr id="1" name=""/>
+        <p:cNvGrpSpPr/>
+        <p:nvPr/>
+      </p:nvGrpSpPr>
+      <p:grpSpPr>
+        <a:xfrm>
+          <a:off x="0" y="0"/>
+          <a:ext cx="0" cy="0"/>
+          <a:chOff x="0" y="0"/>
+          <a:chExt cx="0" cy="0"/>
+        </a:xfrm>
+      </p:grpSpPr>
+      <p:sp>
+        <p:nvSpPr>
+          <p:cNvPr id="2" name="タイトル 1">
+            <a:extLst>
+              <a:ext uri="{FF2B5EF4-FFF2-40B4-BE49-F238E27FC236}">
+                <a16:creationId xmlns:a16="http://schemas.microsoft.com/office/drawing/2014/main" id="{D8C2F04C-08EC-4E9C-8FD1-85AC4BF1C16A}"/>
+              </a:ext>
+            </a:extLst>
+          </p:cNvPr>
+          <p:cNvSpPr>
+            <a:spLocks noGrp="1"/>
+          </p:cNvSpPr>
+          <p:nvPr>
+            <p:ph type="title"/>
+          </p:nvPr>
+        </p:nvSpPr>
+        <p:spPr/>
+        <p:txBody>
+          <a:bodyPr/>
+          <a:lstStyle/>
+          <a:p>
+            <a:r>
+              <a:rPr kumimoji="1" lang="ja-JP" altLang="en-US" dirty="0"/>
+              <a:t>アルゴリズム概要</a:t>
+            </a:r>
+          </a:p>
+        </p:txBody>
+      </p:sp>
+      <mc:AlternateContent xmlns:mc="http://schemas.openxmlformats.org/markup-compatibility/2006">
+        <mc:Choice xmlns:a14="http://schemas.microsoft.com/office/drawing/2010/main" Requires="a14">
+          <p:sp>
+            <p:nvSpPr>
+              <p:cNvPr id="3" name="コンテンツ プレースホルダー 2">
+                <a:extLst>
+                  <a:ext uri="{FF2B5EF4-FFF2-40B4-BE49-F238E27FC236}">
+                    <a16:creationId xmlns:a16="http://schemas.microsoft.com/office/drawing/2014/main" id="{F2B57F4D-B6F8-47FA-A9A5-A12D729FD2DC}"/>
+                  </a:ext>
+                </a:extLst>
+              </p:cNvPr>
+              <p:cNvSpPr>
+                <a:spLocks noGrp="1"/>
+              </p:cNvSpPr>
+              <p:nvPr>
+                <p:ph idx="1"/>
+              </p:nvPr>
+            </p:nvSpPr>
+            <p:spPr>
+              <a:xfrm>
+                <a:off x="628650" y="1514766"/>
+                <a:ext cx="7886700" cy="1945128"/>
+              </a:xfrm>
+            </p:spPr>
+            <p:txBody>
+              <a:bodyPr/>
+              <a:lstStyle/>
+              <a:p>
+                <a:r>
+                  <a:rPr lang="ja-JP" altLang="en-US" dirty="0"/>
+                  <a:t>ネットワークグラフに最小サイズ</a:t>
+                </a:r>
+                <a14:m>
+                  <m:oMath xmlns:m="http://schemas.openxmlformats.org/officeDocument/2006/math">
+                    <m:r>
+                      <a:rPr lang="en-US" altLang="ja-JP" b="0" i="1" smtClean="0">
+                        <a:latin typeface="Cambria Math" panose="02040503050406030204" pitchFamily="18" charset="0"/>
+                      </a:rPr>
+                      <m:t>𝐾</m:t>
+                    </m:r>
+                  </m:oMath>
+                </a14:m>
+                <a:r>
+                  <a:rPr lang="ja-JP" altLang="en-US" dirty="0"/>
+                  <a:t>の</a:t>
+                </a:r>
+                <a14:m>
+                  <m:oMath xmlns:m="http://schemas.openxmlformats.org/officeDocument/2006/math">
+                    <m:r>
+                      <a:rPr lang="en-US" altLang="ja-JP" b="0" i="1" dirty="0" smtClean="0">
+                        <a:latin typeface="Cambria Math" panose="02040503050406030204" pitchFamily="18" charset="0"/>
+                      </a:rPr>
+                      <m:t>𝛼</m:t>
+                    </m:r>
+                  </m:oMath>
+                </a14:m>
+                <a:r>
+                  <a:rPr lang="en-US" altLang="ja-JP" dirty="0"/>
+                  <a:t>-</a:t>
+                </a:r>
+                <a:r>
+                  <a:rPr lang="ja-JP" altLang="en-US" dirty="0"/>
+                  <a:t>平衡分離集合</a:t>
+                </a:r>
+                <a:br>
+                  <a:rPr lang="en-US" altLang="ja-JP" dirty="0"/>
+                </a:br>
+                <a:r>
+                  <a:rPr lang="ja-JP" altLang="en-US" dirty="0"/>
+                  <a:t>があると仮定</a:t>
+                </a:r>
+                <a:r>
+                  <a:rPr lang="en-US" altLang="ja-JP" dirty="0"/>
+                  <a:t>(</a:t>
+                </a:r>
+                <a14:m>
+                  <m:oMath xmlns:m="http://schemas.openxmlformats.org/officeDocument/2006/math">
+                    <m:f>
+                      <m:fPr>
+                        <m:ctrlPr>
+                          <a:rPr lang="en-US" altLang="ja-JP" b="0" i="1" smtClean="0">
+                            <a:latin typeface="Cambria Math" panose="02040503050406030204" pitchFamily="18" charset="0"/>
+                          </a:rPr>
+                        </m:ctrlPr>
+                      </m:fPr>
+                      <m:num>
+                        <m:r>
+                          <a:rPr lang="en-US" altLang="ja-JP" b="0" i="1" smtClean="0">
+                            <a:latin typeface="Cambria Math" panose="02040503050406030204" pitchFamily="18" charset="0"/>
+                          </a:rPr>
+                          <m:t>2</m:t>
+                        </m:r>
+                      </m:num>
+                      <m:den>
+                        <m:r>
+                          <a:rPr lang="en-US" altLang="ja-JP" b="0" i="1" smtClean="0">
+                            <a:latin typeface="Cambria Math" panose="02040503050406030204" pitchFamily="18" charset="0"/>
+                          </a:rPr>
+                          <m:t>3</m:t>
+                        </m:r>
+                      </m:den>
+                    </m:f>
+                    <m:r>
+                      <a:rPr lang="en-US" altLang="ja-JP" b="0" i="1" smtClean="0">
+                        <a:latin typeface="Cambria Math" panose="02040503050406030204" pitchFamily="18" charset="0"/>
+                      </a:rPr>
+                      <m:t>≤</m:t>
+                    </m:r>
+                    <m:r>
+                      <a:rPr lang="en-US" altLang="ja-JP" b="0" i="1" smtClean="0">
+                        <a:latin typeface="Cambria Math" panose="02040503050406030204" pitchFamily="18" charset="0"/>
+                      </a:rPr>
+                      <m:t>𝛼</m:t>
+                    </m:r>
+                    <m:r>
+                      <a:rPr lang="en-US" altLang="ja-JP" b="0" i="1" smtClean="0">
+                        <a:latin typeface="Cambria Math" panose="02040503050406030204" pitchFamily="18" charset="0"/>
+                      </a:rPr>
+                      <m:t>&lt;1</m:t>
+                    </m:r>
+                  </m:oMath>
+                </a14:m>
+                <a:r>
+                  <a:rPr lang="en-US" altLang="ja-JP" dirty="0"/>
+                  <a:t>)</a:t>
+                </a:r>
+              </a:p>
+              <a:p>
+                <a:r>
+                  <a:rPr kumimoji="1" lang="ja-JP" altLang="en-US" dirty="0"/>
+                  <a:t>グラフ</a:t>
+                </a:r>
+                <a:r>
+                  <a:rPr lang="ja-JP" altLang="en-US" dirty="0"/>
+                  <a:t>に対して任意のノード</a:t>
+                </a:r>
+                <a14:m>
+                  <m:oMath xmlns:m="http://schemas.openxmlformats.org/officeDocument/2006/math">
+                    <m:r>
+                      <a:rPr lang="en-US" altLang="ja-JP" b="0" i="1" smtClean="0">
+                        <a:latin typeface="Cambria Math" panose="02040503050406030204" pitchFamily="18" charset="0"/>
+                      </a:rPr>
+                      <m:t>𝑠</m:t>
+                    </m:r>
+                    <m:r>
+                      <a:rPr lang="en-US" altLang="ja-JP" b="0" i="1" smtClean="0">
+                        <a:latin typeface="Cambria Math" panose="02040503050406030204" pitchFamily="18" charset="0"/>
+                      </a:rPr>
+                      <m:t>,</m:t>
+                    </m:r>
+                    <m:r>
+                      <a:rPr lang="en-US" altLang="ja-JP" b="0" i="1" smtClean="0">
+                        <a:latin typeface="Cambria Math" panose="02040503050406030204" pitchFamily="18" charset="0"/>
+                      </a:rPr>
+                      <m:t>𝑡</m:t>
+                    </m:r>
+                  </m:oMath>
+                </a14:m>
+                <a:r>
+                  <a:rPr kumimoji="1" lang="ja-JP" altLang="en-US" dirty="0"/>
+                  <a:t>を一様ランダムに選択して</a:t>
+                </a:r>
+                <a14:m>
+                  <m:oMath xmlns:m="http://schemas.openxmlformats.org/officeDocument/2006/math">
+                    <m:r>
+                      <a:rPr kumimoji="1" lang="en-US" altLang="ja-JP" b="0" i="1" smtClean="0">
+                        <a:latin typeface="Cambria Math" panose="02040503050406030204" pitchFamily="18" charset="0"/>
+                      </a:rPr>
+                      <m:t>𝑠</m:t>
+                    </m:r>
+                  </m:oMath>
+                </a14:m>
+                <a:r>
+                  <a:rPr kumimoji="1" lang="en-US" altLang="ja-JP" dirty="0"/>
+                  <a:t>-</a:t>
+                </a:r>
+                <a14:m>
+                  <m:oMath xmlns:m="http://schemas.openxmlformats.org/officeDocument/2006/math">
+                    <m:r>
+                      <a:rPr kumimoji="1" lang="en-US" altLang="ja-JP" b="0" i="1" dirty="0" smtClean="0">
+                        <a:latin typeface="Cambria Math" panose="02040503050406030204" pitchFamily="18" charset="0"/>
+                      </a:rPr>
+                      <m:t>𝑡</m:t>
+                    </m:r>
+                  </m:oMath>
+                </a14:m>
+                <a:r>
+                  <a:rPr kumimoji="1" lang="ja-JP" altLang="en-US" dirty="0"/>
+                  <a:t>点素パス</a:t>
+                </a:r>
+                <a:r>
+                  <a:rPr lang="ja-JP" altLang="en-US" dirty="0"/>
+                  <a:t>集合</a:t>
+                </a:r>
+                <a14:m>
+                  <m:oMath xmlns:m="http://schemas.openxmlformats.org/officeDocument/2006/math">
+                    <m:r>
+                      <a:rPr lang="en-US" altLang="ja-JP" b="0" i="1" smtClean="0">
+                        <a:latin typeface="Cambria Math" panose="02040503050406030204" pitchFamily="18" charset="0"/>
+                      </a:rPr>
+                      <m:t>𝑃</m:t>
+                    </m:r>
+                    <m:r>
+                      <a:rPr lang="en-US" altLang="ja-JP" b="0" i="1" smtClean="0">
+                        <a:latin typeface="Cambria Math" panose="02040503050406030204" pitchFamily="18" charset="0"/>
+                      </a:rPr>
+                      <m:t>={</m:t>
+                    </m:r>
+                    <m:sSub>
+                      <m:sSubPr>
+                        <m:ctrlPr>
+                          <a:rPr lang="en-US" altLang="ja-JP" b="0" i="1" smtClean="0">
+                            <a:latin typeface="Cambria Math" panose="02040503050406030204" pitchFamily="18" charset="0"/>
+                          </a:rPr>
+                        </m:ctrlPr>
+                      </m:sSubPr>
+                      <m:e>
+                        <m:r>
+                          <a:rPr lang="en-US" altLang="ja-JP" b="0" i="1" smtClean="0">
+                            <a:latin typeface="Cambria Math" panose="02040503050406030204" pitchFamily="18" charset="0"/>
+                          </a:rPr>
+                          <m:t>𝑓</m:t>
+                        </m:r>
+                      </m:e>
+                      <m:sub>
+                        <m:r>
+                          <a:rPr lang="en-US" altLang="ja-JP" b="0" i="1" smtClean="0">
+                            <a:latin typeface="Cambria Math" panose="02040503050406030204" pitchFamily="18" charset="0"/>
+                          </a:rPr>
+                          <m:t>1</m:t>
+                        </m:r>
+                      </m:sub>
+                    </m:sSub>
+                    <m:r>
+                      <a:rPr lang="en-US" altLang="ja-JP" b="0" i="1" smtClean="0">
+                        <a:latin typeface="Cambria Math" panose="02040503050406030204" pitchFamily="18" charset="0"/>
+                      </a:rPr>
+                      <m:t>,…,</m:t>
+                    </m:r>
+                    <m:sSub>
+                      <m:sSubPr>
+                        <m:ctrlPr>
+                          <a:rPr lang="en-US" altLang="ja-JP" b="0" i="1" smtClean="0">
+                            <a:latin typeface="Cambria Math" panose="02040503050406030204" pitchFamily="18" charset="0"/>
+                          </a:rPr>
+                        </m:ctrlPr>
+                      </m:sSubPr>
+                      <m:e>
+                        <m:r>
+                          <a:rPr lang="en-US" altLang="ja-JP" b="0" i="1" smtClean="0">
+                            <a:latin typeface="Cambria Math" panose="02040503050406030204" pitchFamily="18" charset="0"/>
+                          </a:rPr>
+                          <m:t>𝑓</m:t>
+                        </m:r>
+                      </m:e>
+                      <m:sub>
+                        <m:r>
+                          <a:rPr lang="en-US" altLang="ja-JP" b="0" i="1" smtClean="0">
+                            <a:latin typeface="Cambria Math" panose="02040503050406030204" pitchFamily="18" charset="0"/>
+                          </a:rPr>
+                          <m:t>𝑘</m:t>
+                        </m:r>
+                      </m:sub>
+                    </m:sSub>
+                    <m:r>
+                      <a:rPr lang="en-US" altLang="ja-JP" b="0" i="1" smtClean="0">
+                        <a:latin typeface="Cambria Math" panose="02040503050406030204" pitchFamily="18" charset="0"/>
+                      </a:rPr>
+                      <m:t>}</m:t>
+                    </m:r>
+                  </m:oMath>
+                </a14:m>
+                <a:r>
+                  <a:rPr kumimoji="1" lang="ja-JP" altLang="en-US" dirty="0"/>
+                  <a:t>の最大本数を計算</a:t>
+                </a:r>
+                <a:endParaRPr kumimoji="1" lang="en-US" altLang="ja-JP" dirty="0"/>
+              </a:p>
+            </p:txBody>
+          </p:sp>
+        </mc:Choice>
+        <mc:Fallback>
+          <p:sp>
+            <p:nvSpPr>
+              <p:cNvPr id="3" name="コンテンツ プレースホルダー 2">
+                <a:extLst>
+                  <a:ext uri="{FF2B5EF4-FFF2-40B4-BE49-F238E27FC236}">
+                    <a16:creationId xmlns:a16="http://schemas.microsoft.com/office/drawing/2014/main" id="{F2B57F4D-B6F8-47FA-A9A5-A12D729FD2DC}"/>
+                  </a:ext>
+                </a:extLst>
+              </p:cNvPr>
+              <p:cNvSpPr>
+                <a:spLocks noGrp="1" noRot="1" noChangeAspect="1" noMove="1" noResize="1" noEditPoints="1" noAdjustHandles="1" noChangeArrowheads="1" noChangeShapeType="1" noTextEdit="1"/>
+              </p:cNvSpPr>
+              <p:nvPr>
+                <p:ph idx="1"/>
+              </p:nvPr>
+            </p:nvSpPr>
+            <p:spPr>
+              <a:xfrm>
+                <a:off x="628650" y="1514766"/>
+                <a:ext cx="7886700" cy="1945128"/>
+              </a:xfrm>
+              <a:blipFill>
+                <a:blip r:embed="rId3"/>
+                <a:stretch>
+                  <a:fillRect l="-1005" t="-2500" b="-625"/>
+                </a:stretch>
+              </a:blipFill>
+            </p:spPr>
+            <p:txBody>
+              <a:bodyPr/>
+              <a:lstStyle/>
+              <a:p>
+                <a:r>
+                  <a:rPr lang="ja-JP" altLang="en-US">
+                    <a:noFill/>
+                  </a:rPr>
+                  <a:t> </a:t>
+                </a:r>
+              </a:p>
+            </p:txBody>
+          </p:sp>
+        </mc:Fallback>
+      </mc:AlternateContent>
+      <p:cxnSp>
+        <p:nvCxnSpPr>
+          <p:cNvPr id="10" name="直線コネクタ 9">
+            <a:extLst>
+              <a:ext uri="{FF2B5EF4-FFF2-40B4-BE49-F238E27FC236}">
+                <a16:creationId xmlns:a16="http://schemas.microsoft.com/office/drawing/2014/main" id="{58D92AAD-7E9E-4228-8CB8-CC3E8D695E62}"/>
+              </a:ext>
+            </a:extLst>
+          </p:cNvPr>
+          <p:cNvCxnSpPr/>
+          <p:nvPr/>
+        </p:nvCxnSpPr>
+        <p:spPr>
+          <a:xfrm>
+            <a:off x="1773193" y="4247645"/>
+            <a:ext cx="5400000" cy="0"/>
+          </a:xfrm>
+          <a:prstGeom prst="line">
+            <a:avLst/>
+          </a:prstGeom>
+          <a:ln w="25400"/>
+        </p:spPr>
+        <p:style>
+          <a:lnRef idx="1">
+            <a:schemeClr val="dk1"/>
+          </a:lnRef>
+          <a:fillRef idx="0">
+            <a:schemeClr val="dk1"/>
+          </a:fillRef>
+          <a:effectRef idx="0">
+            <a:schemeClr val="dk1"/>
+          </a:effectRef>
+          <a:fontRef idx="minor">
+            <a:schemeClr val="tx1"/>
+          </a:fontRef>
+        </p:style>
+      </p:cxnSp>
+      <p:cxnSp>
+        <p:nvCxnSpPr>
+          <p:cNvPr id="11" name="直線コネクタ 10">
+            <a:extLst>
+              <a:ext uri="{FF2B5EF4-FFF2-40B4-BE49-F238E27FC236}">
+                <a16:creationId xmlns:a16="http://schemas.microsoft.com/office/drawing/2014/main" id="{BF2732C3-33B6-44F7-976B-51BF3B2B46B0}"/>
+              </a:ext>
+            </a:extLst>
+          </p:cNvPr>
+          <p:cNvCxnSpPr/>
+          <p:nvPr/>
+        </p:nvCxnSpPr>
+        <p:spPr>
+          <a:xfrm>
+            <a:off x="1773193" y="4803699"/>
+            <a:ext cx="5400000" cy="0"/>
+          </a:xfrm>
+          <a:prstGeom prst="line">
+            <a:avLst/>
+          </a:prstGeom>
+          <a:ln w="25400"/>
+        </p:spPr>
+        <p:style>
+          <a:lnRef idx="1">
+            <a:schemeClr val="dk1"/>
+          </a:lnRef>
+          <a:fillRef idx="0">
+            <a:schemeClr val="dk1"/>
+          </a:fillRef>
+          <a:effectRef idx="0">
+            <a:schemeClr val="dk1"/>
+          </a:effectRef>
+          <a:fontRef idx="minor">
+            <a:schemeClr val="tx1"/>
+          </a:fontRef>
+        </p:style>
+      </p:cxnSp>
+      <p:cxnSp>
+        <p:nvCxnSpPr>
+          <p:cNvPr id="12" name="直線コネクタ 11">
+            <a:extLst>
+              <a:ext uri="{FF2B5EF4-FFF2-40B4-BE49-F238E27FC236}">
+                <a16:creationId xmlns:a16="http://schemas.microsoft.com/office/drawing/2014/main" id="{6F18DE9B-03E2-4315-A2ED-FBBE4D3AC8B6}"/>
+              </a:ext>
+            </a:extLst>
+          </p:cNvPr>
+          <p:cNvCxnSpPr/>
+          <p:nvPr/>
+        </p:nvCxnSpPr>
+        <p:spPr>
+          <a:xfrm>
+            <a:off x="1773193" y="5409179"/>
+            <a:ext cx="5400000" cy="0"/>
+          </a:xfrm>
+          <a:prstGeom prst="line">
+            <a:avLst/>
+          </a:prstGeom>
+          <a:ln w="25400"/>
+        </p:spPr>
+        <p:style>
+          <a:lnRef idx="1">
+            <a:schemeClr val="dk1"/>
+          </a:lnRef>
+          <a:fillRef idx="0">
+            <a:schemeClr val="dk1"/>
+          </a:fillRef>
+          <a:effectRef idx="0">
+            <a:schemeClr val="dk1"/>
+          </a:effectRef>
+          <a:fontRef idx="minor">
+            <a:schemeClr val="tx1"/>
+          </a:fontRef>
+        </p:style>
+      </p:cxnSp>
+      <mc:AlternateContent xmlns:mc="http://schemas.openxmlformats.org/markup-compatibility/2006">
+        <mc:Choice xmlns:a14="http://schemas.microsoft.com/office/drawing/2010/main" Requires="a14">
+          <p:sp>
+            <p:nvSpPr>
+              <p:cNvPr id="19" name="テキスト ボックス 18">
+                <a:extLst>
+                  <a:ext uri="{FF2B5EF4-FFF2-40B4-BE49-F238E27FC236}">
+                    <a16:creationId xmlns:a16="http://schemas.microsoft.com/office/drawing/2014/main" id="{9E5A4ACF-BC1C-4888-AD57-5DB2749BAC6A}"/>
+                  </a:ext>
+                </a:extLst>
+              </p:cNvPr>
+              <p:cNvSpPr txBox="1"/>
+              <p:nvPr/>
+            </p:nvSpPr>
+            <p:spPr>
+              <a:xfrm>
+                <a:off x="-26667" y="4762720"/>
+                <a:ext cx="1628913" cy="646459"/>
+              </a:xfrm>
+              <a:prstGeom prst="rect">
+                <a:avLst/>
+              </a:prstGeom>
+              <a:noFill/>
+            </p:spPr>
+            <p:txBody>
+              <a:bodyPr wrap="square" rtlCol="0">
+                <a:spAutoFit/>
+              </a:bodyPr>
+              <a:lstStyle/>
+              <a:p>
+                <a:pPr algn="l"/>
+                <a14:m>
+                  <m:oMathPara xmlns:m="http://schemas.openxmlformats.org/officeDocument/2006/math">
+                    <m:oMathParaPr>
+                      <m:jc m:val="centerGroup"/>
+                    </m:oMathParaPr>
+                    <m:oMath xmlns:m="http://schemas.openxmlformats.org/officeDocument/2006/math">
+                      <m:r>
+                        <a:rPr kumimoji="1" lang="en-US" altLang="ja-JP" sz="3600" b="0" i="1" smtClean="0">
+                          <a:solidFill>
+                            <a:schemeClr val="tx1"/>
+                          </a:solidFill>
+                          <a:latin typeface="Cambria Math" panose="02040503050406030204" pitchFamily="18" charset="0"/>
+                          <a:ea typeface="メイリオ" panose="020B0604030504040204" pitchFamily="50" charset="-128"/>
+                        </a:rPr>
+                        <m:t>𝑠</m:t>
+                      </m:r>
+                    </m:oMath>
+                  </m:oMathPara>
+                </a14:m>
+                <a:endParaRPr kumimoji="1" lang="ja-JP" altLang="en-US" sz="3600" dirty="0">
+                  <a:solidFill>
+                    <a:schemeClr val="tx1"/>
+                  </a:solidFill>
+                  <a:latin typeface="メイリオ" panose="020B0604030504040204" pitchFamily="50" charset="-128"/>
+                  <a:ea typeface="メイリオ" panose="020B0604030504040204" pitchFamily="50" charset="-128"/>
+                </a:endParaRPr>
+              </a:p>
+            </p:txBody>
+          </p:sp>
+        </mc:Choice>
+        <mc:Fallback>
+          <p:sp>
+            <p:nvSpPr>
+              <p:cNvPr id="19" name="テキスト ボックス 18">
+                <a:extLst>
+                  <a:ext uri="{FF2B5EF4-FFF2-40B4-BE49-F238E27FC236}">
+                    <a16:creationId xmlns:a16="http://schemas.microsoft.com/office/drawing/2014/main" id="{9E5A4ACF-BC1C-4888-AD57-5DB2749BAC6A}"/>
+                  </a:ext>
+                </a:extLst>
+              </p:cNvPr>
+              <p:cNvSpPr txBox="1">
+                <a:spLocks noRot="1" noChangeAspect="1" noMove="1" noResize="1" noEditPoints="1" noAdjustHandles="1" noChangeArrowheads="1" noChangeShapeType="1" noTextEdit="1"/>
+              </p:cNvSpPr>
+              <p:nvPr/>
+            </p:nvSpPr>
+            <p:spPr>
+              <a:xfrm>
+                <a:off x="-26667" y="4762720"/>
+                <a:ext cx="1628913" cy="646459"/>
+              </a:xfrm>
+              <a:prstGeom prst="rect">
+                <a:avLst/>
+              </a:prstGeom>
+              <a:blipFill>
+                <a:blip r:embed="rId4"/>
+                <a:stretch>
+                  <a:fillRect/>
+                </a:stretch>
+              </a:blipFill>
+            </p:spPr>
+            <p:txBody>
+              <a:bodyPr/>
+              <a:lstStyle/>
+              <a:p>
+                <a:r>
+                  <a:rPr lang="ja-JP" altLang="en-US">
+                    <a:noFill/>
+                  </a:rPr>
+                  <a:t> </a:t>
+                </a:r>
+              </a:p>
+            </p:txBody>
+          </p:sp>
+        </mc:Fallback>
+      </mc:AlternateContent>
+      <mc:AlternateContent xmlns:mc="http://schemas.openxmlformats.org/markup-compatibility/2006">
+        <mc:Choice xmlns:a14="http://schemas.microsoft.com/office/drawing/2010/main" Requires="a14">
+          <p:sp>
+            <p:nvSpPr>
+              <p:cNvPr id="20" name="テキスト ボックス 19">
+                <a:extLst>
+                  <a:ext uri="{FF2B5EF4-FFF2-40B4-BE49-F238E27FC236}">
+                    <a16:creationId xmlns:a16="http://schemas.microsoft.com/office/drawing/2014/main" id="{0581509C-3D1B-4D24-B490-DD9A170D6336}"/>
+                  </a:ext>
+                </a:extLst>
+              </p:cNvPr>
+              <p:cNvSpPr txBox="1"/>
+              <p:nvPr/>
+            </p:nvSpPr>
+            <p:spPr>
+              <a:xfrm>
+                <a:off x="7515087" y="4762720"/>
+                <a:ext cx="1628913" cy="646459"/>
+              </a:xfrm>
+              <a:prstGeom prst="rect">
+                <a:avLst/>
+              </a:prstGeom>
+              <a:noFill/>
+            </p:spPr>
+            <p:txBody>
+              <a:bodyPr wrap="square" rtlCol="0">
+                <a:spAutoFit/>
+              </a:bodyPr>
+              <a:lstStyle/>
+              <a:p>
+                <a:pPr algn="l"/>
+                <a14:m>
+                  <m:oMathPara xmlns:m="http://schemas.openxmlformats.org/officeDocument/2006/math">
+                    <m:oMathParaPr>
+                      <m:jc m:val="centerGroup"/>
+                    </m:oMathParaPr>
+                    <m:oMath xmlns:m="http://schemas.openxmlformats.org/officeDocument/2006/math">
+                      <m:r>
+                        <a:rPr kumimoji="1" lang="en-US" altLang="ja-JP" sz="3600" b="0" i="1" smtClean="0">
+                          <a:solidFill>
+                            <a:schemeClr val="tx1"/>
+                          </a:solidFill>
+                          <a:latin typeface="Cambria Math" panose="02040503050406030204" pitchFamily="18" charset="0"/>
+                          <a:ea typeface="メイリオ" panose="020B0604030504040204" pitchFamily="50" charset="-128"/>
+                        </a:rPr>
+                        <m:t>𝑡</m:t>
+                      </m:r>
+                    </m:oMath>
+                  </m:oMathPara>
+                </a14:m>
+                <a:endParaRPr kumimoji="1" lang="ja-JP" altLang="en-US" sz="3600" dirty="0">
+                  <a:solidFill>
+                    <a:schemeClr val="tx1"/>
+                  </a:solidFill>
+                  <a:latin typeface="メイリオ" panose="020B0604030504040204" pitchFamily="50" charset="-128"/>
+                  <a:ea typeface="メイリオ" panose="020B0604030504040204" pitchFamily="50" charset="-128"/>
+                </a:endParaRPr>
+              </a:p>
+            </p:txBody>
+          </p:sp>
+        </mc:Choice>
+        <mc:Fallback>
+          <p:sp>
+            <p:nvSpPr>
+              <p:cNvPr id="20" name="テキスト ボックス 19">
+                <a:extLst>
+                  <a:ext uri="{FF2B5EF4-FFF2-40B4-BE49-F238E27FC236}">
+                    <a16:creationId xmlns:a16="http://schemas.microsoft.com/office/drawing/2014/main" id="{0581509C-3D1B-4D24-B490-DD9A170D6336}"/>
+                  </a:ext>
+                </a:extLst>
+              </p:cNvPr>
+              <p:cNvSpPr txBox="1">
+                <a:spLocks noRot="1" noChangeAspect="1" noMove="1" noResize="1" noEditPoints="1" noAdjustHandles="1" noChangeArrowheads="1" noChangeShapeType="1" noTextEdit="1"/>
+              </p:cNvSpPr>
+              <p:nvPr/>
+            </p:nvSpPr>
+            <p:spPr>
+              <a:xfrm>
+                <a:off x="7515087" y="4762720"/>
+                <a:ext cx="1628913" cy="646459"/>
+              </a:xfrm>
+              <a:prstGeom prst="rect">
+                <a:avLst/>
+              </a:prstGeom>
+              <a:blipFill>
+                <a:blip r:embed="rId5"/>
+                <a:stretch>
+                  <a:fillRect/>
+                </a:stretch>
+              </a:blipFill>
+            </p:spPr>
+            <p:txBody>
+              <a:bodyPr/>
+              <a:lstStyle/>
+              <a:p>
+                <a:r>
+                  <a:rPr lang="ja-JP" altLang="en-US">
+                    <a:noFill/>
+                  </a:rPr>
+                  <a:t> </a:t>
+                </a:r>
+              </a:p>
+            </p:txBody>
+          </p:sp>
+        </mc:Fallback>
+      </mc:AlternateContent>
+      <p:cxnSp>
+        <p:nvCxnSpPr>
+          <p:cNvPr id="21" name="直線コネクタ 20">
+            <a:extLst>
+              <a:ext uri="{FF2B5EF4-FFF2-40B4-BE49-F238E27FC236}">
+                <a16:creationId xmlns:a16="http://schemas.microsoft.com/office/drawing/2014/main" id="{9001F0AE-723B-4D6D-AEB9-B28456FD0C40}"/>
+              </a:ext>
+            </a:extLst>
+          </p:cNvPr>
+          <p:cNvCxnSpPr/>
+          <p:nvPr/>
+        </p:nvCxnSpPr>
+        <p:spPr>
+          <a:xfrm>
+            <a:off x="1773193" y="6064087"/>
+            <a:ext cx="5400000" cy="0"/>
+          </a:xfrm>
+          <a:prstGeom prst="line">
+            <a:avLst/>
+          </a:prstGeom>
+          <a:ln w="25400"/>
+        </p:spPr>
+        <p:style>
+          <a:lnRef idx="1">
+            <a:schemeClr val="dk1"/>
+          </a:lnRef>
+          <a:fillRef idx="0">
+            <a:schemeClr val="dk1"/>
+          </a:fillRef>
+          <a:effectRef idx="0">
+            <a:schemeClr val="dk1"/>
+          </a:effectRef>
+          <a:fontRef idx="minor">
+            <a:schemeClr val="tx1"/>
+          </a:fontRef>
+        </p:style>
+      </p:cxnSp>
+      <mc:AlternateContent xmlns:mc="http://schemas.openxmlformats.org/markup-compatibility/2006">
+        <mc:Choice xmlns:a14="http://schemas.microsoft.com/office/drawing/2010/main" Requires="a14">
+          <p:sp>
+            <p:nvSpPr>
+              <p:cNvPr id="22" name="テキスト ボックス 21">
+                <a:extLst>
+                  <a:ext uri="{FF2B5EF4-FFF2-40B4-BE49-F238E27FC236}">
+                    <a16:creationId xmlns:a16="http://schemas.microsoft.com/office/drawing/2014/main" id="{1856246D-DE84-4DEB-8D84-94002E735A03}"/>
+                  </a:ext>
+                </a:extLst>
+              </p:cNvPr>
+              <p:cNvSpPr txBox="1"/>
+              <p:nvPr/>
+            </p:nvSpPr>
+            <p:spPr>
+              <a:xfrm>
+                <a:off x="958736" y="3700041"/>
+                <a:ext cx="1628913" cy="523220"/>
+              </a:xfrm>
+              <a:prstGeom prst="rect">
+                <a:avLst/>
+              </a:prstGeom>
+              <a:noFill/>
+            </p:spPr>
+            <p:txBody>
+              <a:bodyPr wrap="square" rtlCol="0">
+                <a:spAutoFit/>
+              </a:bodyPr>
+              <a:lstStyle/>
+              <a:p>
+                <a:pPr algn="l"/>
+                <a14:m>
+                  <m:oMathPara xmlns:m="http://schemas.openxmlformats.org/officeDocument/2006/math">
+                    <m:oMathParaPr>
+                      <m:jc m:val="centerGroup"/>
+                    </m:oMathParaPr>
+                    <m:oMath xmlns:m="http://schemas.openxmlformats.org/officeDocument/2006/math">
+                      <m:sSub>
+                        <m:sSubPr>
+                          <m:ctrlPr>
+                            <a:rPr kumimoji="1" lang="en-US" altLang="ja-JP" sz="2800" b="0" i="1" smtClean="0">
+                              <a:solidFill>
+                                <a:schemeClr val="tx1"/>
+                              </a:solidFill>
+                              <a:latin typeface="Cambria Math" panose="02040503050406030204" pitchFamily="18" charset="0"/>
+                              <a:ea typeface="メイリオ" panose="020B0604030504040204" pitchFamily="50" charset="-128"/>
+                            </a:rPr>
+                          </m:ctrlPr>
+                        </m:sSubPr>
+                        <m:e>
+                          <m:r>
+                            <a:rPr kumimoji="1" lang="en-US" altLang="ja-JP" sz="2800" b="0" i="1" smtClean="0">
+                              <a:solidFill>
+                                <a:schemeClr val="tx1"/>
+                              </a:solidFill>
+                              <a:latin typeface="Cambria Math" panose="02040503050406030204" pitchFamily="18" charset="0"/>
+                              <a:ea typeface="メイリオ" panose="020B0604030504040204" pitchFamily="50" charset="-128"/>
+                            </a:rPr>
+                            <m:t>𝑓</m:t>
+                          </m:r>
+                        </m:e>
+                        <m:sub>
+                          <m:r>
+                            <a:rPr kumimoji="1" lang="en-US" altLang="ja-JP" sz="2800" b="0" i="1" smtClean="0">
+                              <a:solidFill>
+                                <a:schemeClr val="tx1"/>
+                              </a:solidFill>
+                              <a:latin typeface="Cambria Math" panose="02040503050406030204" pitchFamily="18" charset="0"/>
+                              <a:ea typeface="メイリオ" panose="020B0604030504040204" pitchFamily="50" charset="-128"/>
+                            </a:rPr>
+                            <m:t>1</m:t>
+                          </m:r>
+                        </m:sub>
+                      </m:sSub>
+                    </m:oMath>
+                  </m:oMathPara>
+                </a14:m>
+                <a:endParaRPr kumimoji="1" lang="ja-JP" altLang="en-US" sz="2800" dirty="0">
+                  <a:solidFill>
+                    <a:schemeClr val="tx1"/>
+                  </a:solidFill>
+                  <a:latin typeface="メイリオ" panose="020B0604030504040204" pitchFamily="50" charset="-128"/>
+                  <a:ea typeface="メイリオ" panose="020B0604030504040204" pitchFamily="50" charset="-128"/>
+                </a:endParaRPr>
+              </a:p>
+            </p:txBody>
+          </p:sp>
+        </mc:Choice>
+        <mc:Fallback>
+          <p:sp>
+            <p:nvSpPr>
+              <p:cNvPr id="22" name="テキスト ボックス 21">
+                <a:extLst>
+                  <a:ext uri="{FF2B5EF4-FFF2-40B4-BE49-F238E27FC236}">
+                    <a16:creationId xmlns:a16="http://schemas.microsoft.com/office/drawing/2014/main" id="{1856246D-DE84-4DEB-8D84-94002E735A03}"/>
+                  </a:ext>
+                </a:extLst>
+              </p:cNvPr>
+              <p:cNvSpPr txBox="1">
+                <a:spLocks noRot="1" noChangeAspect="1" noMove="1" noResize="1" noEditPoints="1" noAdjustHandles="1" noChangeArrowheads="1" noChangeShapeType="1" noTextEdit="1"/>
+              </p:cNvSpPr>
+              <p:nvPr/>
+            </p:nvSpPr>
+            <p:spPr>
+              <a:xfrm>
+                <a:off x="958736" y="3700041"/>
+                <a:ext cx="1628913" cy="523220"/>
+              </a:xfrm>
+              <a:prstGeom prst="rect">
+                <a:avLst/>
+              </a:prstGeom>
+              <a:blipFill>
+                <a:blip r:embed="rId6"/>
+                <a:stretch>
+                  <a:fillRect b="-12791"/>
+                </a:stretch>
+              </a:blipFill>
+            </p:spPr>
+            <p:txBody>
+              <a:bodyPr/>
+              <a:lstStyle/>
+              <a:p>
+                <a:r>
+                  <a:rPr lang="ja-JP" altLang="en-US">
+                    <a:noFill/>
+                  </a:rPr>
+                  <a:t> </a:t>
+                </a:r>
+              </a:p>
+            </p:txBody>
+          </p:sp>
+        </mc:Fallback>
+      </mc:AlternateContent>
+      <mc:AlternateContent xmlns:mc="http://schemas.openxmlformats.org/markup-compatibility/2006">
+        <mc:Choice xmlns:a14="http://schemas.microsoft.com/office/drawing/2010/main" Requires="a14">
+          <p:sp>
+            <p:nvSpPr>
+              <p:cNvPr id="23" name="テキスト ボックス 22">
+                <a:extLst>
+                  <a:ext uri="{FF2B5EF4-FFF2-40B4-BE49-F238E27FC236}">
+                    <a16:creationId xmlns:a16="http://schemas.microsoft.com/office/drawing/2014/main" id="{FAA8A7D3-8326-4108-9B53-CF785AD06273}"/>
+                  </a:ext>
+                </a:extLst>
+              </p:cNvPr>
+              <p:cNvSpPr txBox="1"/>
+              <p:nvPr/>
+            </p:nvSpPr>
+            <p:spPr>
+              <a:xfrm>
+                <a:off x="958735" y="4293000"/>
+                <a:ext cx="1628913" cy="523220"/>
+              </a:xfrm>
+              <a:prstGeom prst="rect">
+                <a:avLst/>
+              </a:prstGeom>
+              <a:noFill/>
+            </p:spPr>
+            <p:txBody>
+              <a:bodyPr wrap="square" rtlCol="0">
+                <a:spAutoFit/>
+              </a:bodyPr>
+              <a:lstStyle/>
+              <a:p>
+                <a:pPr algn="l"/>
+                <a14:m>
+                  <m:oMathPara xmlns:m="http://schemas.openxmlformats.org/officeDocument/2006/math">
+                    <m:oMathParaPr>
+                      <m:jc m:val="centerGroup"/>
+                    </m:oMathParaPr>
+                    <m:oMath xmlns:m="http://schemas.openxmlformats.org/officeDocument/2006/math">
+                      <m:sSub>
+                        <m:sSubPr>
+                          <m:ctrlPr>
+                            <a:rPr kumimoji="1" lang="en-US" altLang="ja-JP" sz="2800" b="0" i="1" smtClean="0">
+                              <a:solidFill>
+                                <a:schemeClr val="tx1"/>
+                              </a:solidFill>
+                              <a:latin typeface="Cambria Math" panose="02040503050406030204" pitchFamily="18" charset="0"/>
+                              <a:ea typeface="メイリオ" panose="020B0604030504040204" pitchFamily="50" charset="-128"/>
+                            </a:rPr>
+                          </m:ctrlPr>
+                        </m:sSubPr>
+                        <m:e>
+                          <m:r>
+                            <a:rPr kumimoji="1" lang="en-US" altLang="ja-JP" sz="2800" b="0" i="1" smtClean="0">
+                              <a:solidFill>
+                                <a:schemeClr val="tx1"/>
+                              </a:solidFill>
+                              <a:latin typeface="Cambria Math" panose="02040503050406030204" pitchFamily="18" charset="0"/>
+                              <a:ea typeface="メイリオ" panose="020B0604030504040204" pitchFamily="50" charset="-128"/>
+                            </a:rPr>
+                            <m:t>𝑓</m:t>
+                          </m:r>
+                        </m:e>
+                        <m:sub>
+                          <m:r>
+                            <a:rPr kumimoji="1" lang="en-US" altLang="ja-JP" sz="2800" b="0" i="1" smtClean="0">
+                              <a:solidFill>
+                                <a:schemeClr val="tx1"/>
+                              </a:solidFill>
+                              <a:latin typeface="Cambria Math" panose="02040503050406030204" pitchFamily="18" charset="0"/>
+                              <a:ea typeface="メイリオ" panose="020B0604030504040204" pitchFamily="50" charset="-128"/>
+                            </a:rPr>
+                            <m:t>2</m:t>
+                          </m:r>
+                        </m:sub>
+                      </m:sSub>
+                    </m:oMath>
+                  </m:oMathPara>
+                </a14:m>
+                <a:endParaRPr kumimoji="1" lang="ja-JP" altLang="en-US" sz="2800" dirty="0">
+                  <a:solidFill>
+                    <a:schemeClr val="tx1"/>
+                  </a:solidFill>
+                  <a:latin typeface="メイリオ" panose="020B0604030504040204" pitchFamily="50" charset="-128"/>
+                  <a:ea typeface="メイリオ" panose="020B0604030504040204" pitchFamily="50" charset="-128"/>
+                </a:endParaRPr>
+              </a:p>
+            </p:txBody>
+          </p:sp>
+        </mc:Choice>
+        <mc:Fallback>
+          <p:sp>
+            <p:nvSpPr>
+              <p:cNvPr id="23" name="テキスト ボックス 22">
+                <a:extLst>
+                  <a:ext uri="{FF2B5EF4-FFF2-40B4-BE49-F238E27FC236}">
+                    <a16:creationId xmlns:a16="http://schemas.microsoft.com/office/drawing/2014/main" id="{FAA8A7D3-8326-4108-9B53-CF785AD06273}"/>
+                  </a:ext>
+                </a:extLst>
+              </p:cNvPr>
+              <p:cNvSpPr txBox="1">
+                <a:spLocks noRot="1" noChangeAspect="1" noMove="1" noResize="1" noEditPoints="1" noAdjustHandles="1" noChangeArrowheads="1" noChangeShapeType="1" noTextEdit="1"/>
+              </p:cNvSpPr>
+              <p:nvPr/>
+            </p:nvSpPr>
+            <p:spPr>
+              <a:xfrm>
+                <a:off x="958735" y="4293000"/>
+                <a:ext cx="1628913" cy="523220"/>
+              </a:xfrm>
+              <a:prstGeom prst="rect">
+                <a:avLst/>
+              </a:prstGeom>
+              <a:blipFill>
+                <a:blip r:embed="rId7"/>
+                <a:stretch>
+                  <a:fillRect b="-13953"/>
+                </a:stretch>
+              </a:blipFill>
+            </p:spPr>
+            <p:txBody>
+              <a:bodyPr/>
+              <a:lstStyle/>
+              <a:p>
+                <a:r>
+                  <a:rPr lang="ja-JP" altLang="en-US">
+                    <a:noFill/>
+                  </a:rPr>
+                  <a:t> </a:t>
+                </a:r>
+              </a:p>
+            </p:txBody>
+          </p:sp>
+        </mc:Fallback>
+      </mc:AlternateContent>
+      <mc:AlternateContent xmlns:mc="http://schemas.openxmlformats.org/markup-compatibility/2006">
+        <mc:Choice xmlns:a14="http://schemas.microsoft.com/office/drawing/2010/main" Requires="a14">
+          <p:sp>
+            <p:nvSpPr>
+              <p:cNvPr id="24" name="テキスト ボックス 23">
+                <a:extLst>
+                  <a:ext uri="{FF2B5EF4-FFF2-40B4-BE49-F238E27FC236}">
+                    <a16:creationId xmlns:a16="http://schemas.microsoft.com/office/drawing/2014/main" id="{E9715EE6-1D6A-4AB3-940D-DCD6B1B3C799}"/>
+                  </a:ext>
+                </a:extLst>
+              </p:cNvPr>
+              <p:cNvSpPr txBox="1"/>
+              <p:nvPr/>
+            </p:nvSpPr>
+            <p:spPr>
+              <a:xfrm>
+                <a:off x="958735" y="4922851"/>
+                <a:ext cx="1628913" cy="523220"/>
+              </a:xfrm>
+              <a:prstGeom prst="rect">
+                <a:avLst/>
+              </a:prstGeom>
+              <a:noFill/>
+            </p:spPr>
+            <p:txBody>
+              <a:bodyPr wrap="square" rtlCol="0">
+                <a:spAutoFit/>
+              </a:bodyPr>
+              <a:lstStyle/>
+              <a:p>
+                <a:pPr algn="l"/>
+                <a14:m>
+                  <m:oMathPara xmlns:m="http://schemas.openxmlformats.org/officeDocument/2006/math">
+                    <m:oMathParaPr>
+                      <m:jc m:val="centerGroup"/>
+                    </m:oMathParaPr>
+                    <m:oMath xmlns:m="http://schemas.openxmlformats.org/officeDocument/2006/math">
+                      <m:sSub>
+                        <m:sSubPr>
+                          <m:ctrlPr>
+                            <a:rPr kumimoji="1" lang="en-US" altLang="ja-JP" sz="2800" b="0" i="1" smtClean="0">
+                              <a:solidFill>
+                                <a:schemeClr val="tx1"/>
+                              </a:solidFill>
+                              <a:latin typeface="Cambria Math" panose="02040503050406030204" pitchFamily="18" charset="0"/>
+                              <a:ea typeface="メイリオ" panose="020B0604030504040204" pitchFamily="50" charset="-128"/>
+                            </a:rPr>
+                          </m:ctrlPr>
+                        </m:sSubPr>
+                        <m:e>
+                          <m:r>
+                            <a:rPr kumimoji="1" lang="en-US" altLang="ja-JP" sz="2800" b="0" i="1" smtClean="0">
+                              <a:solidFill>
+                                <a:schemeClr val="tx1"/>
+                              </a:solidFill>
+                              <a:latin typeface="Cambria Math" panose="02040503050406030204" pitchFamily="18" charset="0"/>
+                              <a:ea typeface="メイリオ" panose="020B0604030504040204" pitchFamily="50" charset="-128"/>
+                            </a:rPr>
+                            <m:t>𝑓</m:t>
+                          </m:r>
+                        </m:e>
+                        <m:sub>
+                          <m:r>
+                            <a:rPr kumimoji="1" lang="en-US" altLang="ja-JP" sz="2800" b="0" i="1" smtClean="0">
+                              <a:solidFill>
+                                <a:schemeClr val="tx1"/>
+                              </a:solidFill>
+                              <a:latin typeface="Cambria Math" panose="02040503050406030204" pitchFamily="18" charset="0"/>
+                              <a:ea typeface="メイリオ" panose="020B0604030504040204" pitchFamily="50" charset="-128"/>
+                            </a:rPr>
+                            <m:t>3</m:t>
+                          </m:r>
+                        </m:sub>
+                      </m:sSub>
+                    </m:oMath>
+                  </m:oMathPara>
+                </a14:m>
+                <a:endParaRPr kumimoji="1" lang="ja-JP" altLang="en-US" sz="2800" dirty="0">
+                  <a:solidFill>
+                    <a:schemeClr val="tx1"/>
+                  </a:solidFill>
+                  <a:latin typeface="メイリオ" panose="020B0604030504040204" pitchFamily="50" charset="-128"/>
+                  <a:ea typeface="メイリオ" panose="020B0604030504040204" pitchFamily="50" charset="-128"/>
+                </a:endParaRPr>
+              </a:p>
+            </p:txBody>
+          </p:sp>
+        </mc:Choice>
+        <mc:Fallback>
+          <p:sp>
+            <p:nvSpPr>
+              <p:cNvPr id="24" name="テキスト ボックス 23">
+                <a:extLst>
+                  <a:ext uri="{FF2B5EF4-FFF2-40B4-BE49-F238E27FC236}">
+                    <a16:creationId xmlns:a16="http://schemas.microsoft.com/office/drawing/2014/main" id="{E9715EE6-1D6A-4AB3-940D-DCD6B1B3C799}"/>
+                  </a:ext>
+                </a:extLst>
+              </p:cNvPr>
+              <p:cNvSpPr txBox="1">
+                <a:spLocks noRot="1" noChangeAspect="1" noMove="1" noResize="1" noEditPoints="1" noAdjustHandles="1" noChangeArrowheads="1" noChangeShapeType="1" noTextEdit="1"/>
+              </p:cNvSpPr>
+              <p:nvPr/>
+            </p:nvSpPr>
+            <p:spPr>
+              <a:xfrm>
+                <a:off x="958735" y="4922851"/>
+                <a:ext cx="1628913" cy="523220"/>
+              </a:xfrm>
+              <a:prstGeom prst="rect">
+                <a:avLst/>
+              </a:prstGeom>
+              <a:blipFill>
+                <a:blip r:embed="rId8"/>
+                <a:stretch>
+                  <a:fillRect b="-14118"/>
+                </a:stretch>
+              </a:blipFill>
+            </p:spPr>
+            <p:txBody>
+              <a:bodyPr/>
+              <a:lstStyle/>
+              <a:p>
+                <a:r>
+                  <a:rPr lang="ja-JP" altLang="en-US">
+                    <a:noFill/>
+                  </a:rPr>
+                  <a:t> </a:t>
+                </a:r>
+              </a:p>
+            </p:txBody>
+          </p:sp>
+        </mc:Fallback>
+      </mc:AlternateContent>
+      <mc:AlternateContent xmlns:mc="http://schemas.openxmlformats.org/markup-compatibility/2006">
+        <mc:Choice xmlns:a14="http://schemas.microsoft.com/office/drawing/2010/main" Requires="a14">
+          <p:sp>
+            <p:nvSpPr>
+              <p:cNvPr id="25" name="テキスト ボックス 24">
+                <a:extLst>
+                  <a:ext uri="{FF2B5EF4-FFF2-40B4-BE49-F238E27FC236}">
+                    <a16:creationId xmlns:a16="http://schemas.microsoft.com/office/drawing/2014/main" id="{F3B51CAE-10EC-4C0C-AEB0-15D8FEB3A0B3}"/>
+                  </a:ext>
+                </a:extLst>
+              </p:cNvPr>
+              <p:cNvSpPr txBox="1"/>
+              <p:nvPr/>
+            </p:nvSpPr>
+            <p:spPr>
+              <a:xfrm>
+                <a:off x="958734" y="6218696"/>
+                <a:ext cx="1628913" cy="523220"/>
+              </a:xfrm>
+              <a:prstGeom prst="rect">
+                <a:avLst/>
+              </a:prstGeom>
+              <a:noFill/>
+            </p:spPr>
+            <p:txBody>
+              <a:bodyPr wrap="square" rtlCol="0">
+                <a:spAutoFit/>
+              </a:bodyPr>
+              <a:lstStyle/>
+              <a:p>
+                <a:pPr algn="l"/>
+                <a14:m>
+                  <m:oMathPara xmlns:m="http://schemas.openxmlformats.org/officeDocument/2006/math">
+                    <m:oMathParaPr>
+                      <m:jc m:val="centerGroup"/>
+                    </m:oMathParaPr>
+                    <m:oMath xmlns:m="http://schemas.openxmlformats.org/officeDocument/2006/math">
+                      <m:sSub>
+                        <m:sSubPr>
+                          <m:ctrlPr>
+                            <a:rPr kumimoji="1" lang="en-US" altLang="ja-JP" sz="2800" b="0" i="1" smtClean="0">
+                              <a:solidFill>
+                                <a:schemeClr val="tx1"/>
+                              </a:solidFill>
+                              <a:latin typeface="Cambria Math" panose="02040503050406030204" pitchFamily="18" charset="0"/>
+                              <a:ea typeface="メイリオ" panose="020B0604030504040204" pitchFamily="50" charset="-128"/>
+                            </a:rPr>
+                          </m:ctrlPr>
+                        </m:sSubPr>
+                        <m:e>
+                          <m:r>
+                            <a:rPr kumimoji="1" lang="en-US" altLang="ja-JP" sz="2800" b="0" i="1" smtClean="0">
+                              <a:solidFill>
+                                <a:schemeClr val="tx1"/>
+                              </a:solidFill>
+                              <a:latin typeface="Cambria Math" panose="02040503050406030204" pitchFamily="18" charset="0"/>
+                              <a:ea typeface="メイリオ" panose="020B0604030504040204" pitchFamily="50" charset="-128"/>
+                            </a:rPr>
+                            <m:t>𝑓</m:t>
+                          </m:r>
+                        </m:e>
+                        <m:sub>
+                          <m:r>
+                            <a:rPr kumimoji="1" lang="en-US" altLang="ja-JP" sz="2800" b="0" i="1" smtClean="0">
+                              <a:solidFill>
+                                <a:schemeClr val="tx1"/>
+                              </a:solidFill>
+                              <a:latin typeface="Cambria Math" panose="02040503050406030204" pitchFamily="18" charset="0"/>
+                              <a:ea typeface="メイリオ" panose="020B0604030504040204" pitchFamily="50" charset="-128"/>
+                            </a:rPr>
+                            <m:t>𝑘</m:t>
+                          </m:r>
+                        </m:sub>
+                      </m:sSub>
+                    </m:oMath>
+                  </m:oMathPara>
+                </a14:m>
+                <a:endParaRPr kumimoji="1" lang="ja-JP" altLang="en-US" sz="2800" dirty="0">
+                  <a:solidFill>
+                    <a:schemeClr val="tx1"/>
+                  </a:solidFill>
+                  <a:latin typeface="メイリオ" panose="020B0604030504040204" pitchFamily="50" charset="-128"/>
+                  <a:ea typeface="メイリオ" panose="020B0604030504040204" pitchFamily="50" charset="-128"/>
+                </a:endParaRPr>
+              </a:p>
+            </p:txBody>
+          </p:sp>
+        </mc:Choice>
+        <mc:Fallback>
+          <p:sp>
+            <p:nvSpPr>
+              <p:cNvPr id="25" name="テキスト ボックス 24">
+                <a:extLst>
+                  <a:ext uri="{FF2B5EF4-FFF2-40B4-BE49-F238E27FC236}">
+                    <a16:creationId xmlns:a16="http://schemas.microsoft.com/office/drawing/2014/main" id="{F3B51CAE-10EC-4C0C-AEB0-15D8FEB3A0B3}"/>
+                  </a:ext>
+                </a:extLst>
+              </p:cNvPr>
+              <p:cNvSpPr txBox="1">
+                <a:spLocks noRot="1" noChangeAspect="1" noMove="1" noResize="1" noEditPoints="1" noAdjustHandles="1" noChangeArrowheads="1" noChangeShapeType="1" noTextEdit="1"/>
+              </p:cNvSpPr>
+              <p:nvPr/>
+            </p:nvSpPr>
+            <p:spPr>
+              <a:xfrm>
+                <a:off x="958734" y="6218696"/>
+                <a:ext cx="1628913" cy="523220"/>
+              </a:xfrm>
+              <a:prstGeom prst="rect">
+                <a:avLst/>
+              </a:prstGeom>
+              <a:blipFill>
+                <a:blip r:embed="rId9"/>
+                <a:stretch>
+                  <a:fillRect b="-13953"/>
+                </a:stretch>
+              </a:blipFill>
+            </p:spPr>
+            <p:txBody>
+              <a:bodyPr/>
+              <a:lstStyle/>
+              <a:p>
+                <a:r>
+                  <a:rPr lang="ja-JP" altLang="en-US">
+                    <a:noFill/>
+                  </a:rPr>
+                  <a:t> </a:t>
+                </a:r>
+              </a:p>
+            </p:txBody>
+          </p:sp>
+        </mc:Fallback>
+      </mc:AlternateContent>
+      <p:cxnSp>
+        <p:nvCxnSpPr>
+          <p:cNvPr id="26" name="直線コネクタ 25">
+            <a:extLst>
+              <a:ext uri="{FF2B5EF4-FFF2-40B4-BE49-F238E27FC236}">
+                <a16:creationId xmlns:a16="http://schemas.microsoft.com/office/drawing/2014/main" id="{C14ABBAB-213E-4C1F-ABF6-DC61AF44CEEF}"/>
+              </a:ext>
+            </a:extLst>
+          </p:cNvPr>
+          <p:cNvCxnSpPr>
+            <a:cxnSpLocks/>
+          </p:cNvCxnSpPr>
+          <p:nvPr/>
+        </p:nvCxnSpPr>
+        <p:spPr>
+          <a:xfrm>
+            <a:off x="4399005" y="5569818"/>
+            <a:ext cx="0" cy="345809"/>
+          </a:xfrm>
+          <a:prstGeom prst="line">
+            <a:avLst/>
+          </a:prstGeom>
+          <a:ln w="25400">
+            <a:prstDash val="sysDot"/>
+          </a:ln>
+        </p:spPr>
+        <p:style>
+          <a:lnRef idx="1">
+            <a:schemeClr val="dk1"/>
+          </a:lnRef>
+          <a:fillRef idx="0">
+            <a:schemeClr val="dk1"/>
+          </a:fillRef>
+          <a:effectRef idx="0">
+            <a:schemeClr val="dk1"/>
+          </a:effectRef>
+          <a:fontRef idx="minor">
+            <a:schemeClr val="tx1"/>
+          </a:fontRef>
+        </p:style>
+      </p:cxnSp>
+    </p:spTree>
+    <p:extLst>
+      <p:ext uri="{BB962C8B-B14F-4D97-AF65-F5344CB8AC3E}">
+        <p14:creationId xmlns:p14="http://schemas.microsoft.com/office/powerpoint/2010/main" val="287894007"/>
+      </p:ext>
+    </p:extLst>
+  </p:cSld>
+  <p:clrMapOvr>
+    <a:masterClrMapping/>
+  </p:clrMapOvr>
+</p:sld>
+</file>
+
+<file path=ppt/slides/slide7.xml><?xml version="1.0" encoding="utf-8"?>
+<p:sld xmlns:a="http://schemas.openxmlformats.org/drawingml/2006/main" xmlns:r="http://schemas.openxmlformats.org/officeDocument/2006/relationships" xmlns:p="http://schemas.openxmlformats.org/presentationml/2006/main">
+  <p:cSld>
+    <p:spTree>
+      <p:nvGrpSpPr>
+        <p:cNvPr id="1" name=""/>
+        <p:cNvGrpSpPr/>
+        <p:nvPr/>
+      </p:nvGrpSpPr>
+      <p:grpSpPr>
+        <a:xfrm>
+          <a:off x="0" y="0"/>
+          <a:ext cx="0" cy="0"/>
+          <a:chOff x="0" y="0"/>
+          <a:chExt cx="0" cy="0"/>
+        </a:xfrm>
+      </p:grpSpPr>
+      <p:sp>
+        <p:nvSpPr>
+          <p:cNvPr id="2" name="タイトル 1">
+            <a:extLst>
+              <a:ext uri="{FF2B5EF4-FFF2-40B4-BE49-F238E27FC236}">
+                <a16:creationId xmlns:a16="http://schemas.microsoft.com/office/drawing/2014/main" id="{9375D2CD-DA27-4FAE-A3D2-D2875226B85F}"/>
+              </a:ext>
+            </a:extLst>
+          </p:cNvPr>
+          <p:cNvSpPr>
+            <a:spLocks noGrp="1"/>
+          </p:cNvSpPr>
+          <p:nvPr>
+            <p:ph type="title"/>
+          </p:nvPr>
+        </p:nvSpPr>
+        <p:spPr/>
+        <p:txBody>
+          <a:bodyPr/>
+          <a:lstStyle/>
+          <a:p>
+            <a:r>
+              <a:rPr kumimoji="1" lang="ja-JP" altLang="en-US" dirty="0"/>
+              <a:t>アルゴリズム概要</a:t>
+            </a:r>
+          </a:p>
+        </p:txBody>
+      </p:sp>
+      <mc:AlternateContent xmlns:mc="http://schemas.openxmlformats.org/markup-compatibility/2006">
+        <mc:Choice xmlns:a14="http://schemas.microsoft.com/office/drawing/2010/main" Requires="a14">
+          <p:sp>
+            <p:nvSpPr>
+              <p:cNvPr id="3" name="コンテンツ プレースホルダー 2">
+                <a:extLst>
+                  <a:ext uri="{FF2B5EF4-FFF2-40B4-BE49-F238E27FC236}">
+                    <a16:creationId xmlns:a16="http://schemas.microsoft.com/office/drawing/2014/main" id="{AEABFEA8-DC47-4793-AD3A-F6D1308B3D99}"/>
+                  </a:ext>
+                </a:extLst>
+              </p:cNvPr>
+              <p:cNvSpPr>
+                <a:spLocks noGrp="1"/>
+              </p:cNvSpPr>
+              <p:nvPr>
+                <p:ph idx="1"/>
+              </p:nvPr>
+            </p:nvSpPr>
+            <p:spPr>
+              <a:xfrm>
+                <a:off x="628650" y="1514765"/>
+                <a:ext cx="7886700" cy="909490"/>
+              </a:xfrm>
+            </p:spPr>
+            <p:txBody>
+              <a:bodyPr/>
+              <a:lstStyle/>
+              <a:p>
+                <a:r>
+                  <a:rPr lang="ja-JP" altLang="en-US" dirty="0"/>
+                  <a:t>パス集合</a:t>
+                </a:r>
+                <a14:m>
+                  <m:oMath xmlns:m="http://schemas.openxmlformats.org/officeDocument/2006/math">
+                    <m:r>
+                      <a:rPr lang="en-US" altLang="ja-JP" b="0" i="1" smtClean="0">
+                        <a:latin typeface="Cambria Math" panose="02040503050406030204" pitchFamily="18" charset="0"/>
+                      </a:rPr>
+                      <m:t>𝑃</m:t>
+                    </m:r>
+                  </m:oMath>
+                </a14:m>
+                <a:r>
+                  <a:rPr kumimoji="1" lang="ja-JP" altLang="en-US" dirty="0"/>
+                  <a:t>の各パスから一個ずつノードを取り出して得られる</a:t>
+                </a:r>
+                <a14:m>
+                  <m:oMath xmlns:m="http://schemas.openxmlformats.org/officeDocument/2006/math">
+                    <m:r>
+                      <a:rPr kumimoji="1" lang="en-US" altLang="ja-JP" i="1" dirty="0" smtClean="0">
+                        <a:latin typeface="Cambria Math" panose="02040503050406030204" pitchFamily="18" charset="0"/>
+                      </a:rPr>
+                      <m:t>𝑠</m:t>
+                    </m:r>
+                  </m:oMath>
+                </a14:m>
+                <a:r>
+                  <a:rPr kumimoji="1" lang="en-US" altLang="ja-JP" dirty="0"/>
+                  <a:t>-</a:t>
+                </a:r>
+                <a14:m>
+                  <m:oMath xmlns:m="http://schemas.openxmlformats.org/officeDocument/2006/math">
+                    <m:r>
+                      <a:rPr kumimoji="1" lang="en-US" altLang="ja-JP" i="1" dirty="0" smtClean="0">
+                        <a:latin typeface="Cambria Math" panose="02040503050406030204" pitchFamily="18" charset="0"/>
+                      </a:rPr>
+                      <m:t>𝑡</m:t>
+                    </m:r>
+                  </m:oMath>
+                </a14:m>
+                <a:r>
+                  <a:rPr kumimoji="1" lang="ja-JP" altLang="en-US" dirty="0"/>
+                  <a:t>ノードカットを</a:t>
+                </a:r>
+                <a:r>
+                  <a:rPr kumimoji="1" lang="en-US" altLang="ja-JP" dirty="0"/>
+                  <a:t>2</a:t>
+                </a:r>
+                <a:r>
+                  <a:rPr kumimoji="1" lang="ja-JP" altLang="en-US" dirty="0"/>
+                  <a:t>本適切に選択する</a:t>
+                </a:r>
+              </a:p>
+            </p:txBody>
+          </p:sp>
+        </mc:Choice>
+        <mc:Fallback>
+          <p:sp>
+            <p:nvSpPr>
+              <p:cNvPr id="3" name="コンテンツ プレースホルダー 2">
+                <a:extLst>
+                  <a:ext uri="{FF2B5EF4-FFF2-40B4-BE49-F238E27FC236}">
+                    <a16:creationId xmlns:a16="http://schemas.microsoft.com/office/drawing/2014/main" id="{AEABFEA8-DC47-4793-AD3A-F6D1308B3D99}"/>
+                  </a:ext>
+                </a:extLst>
+              </p:cNvPr>
+              <p:cNvSpPr>
+                <a:spLocks noGrp="1" noRot="1" noChangeAspect="1" noMove="1" noResize="1" noEditPoints="1" noAdjustHandles="1" noChangeArrowheads="1" noChangeShapeType="1" noTextEdit="1"/>
+              </p:cNvSpPr>
+              <p:nvPr>
+                <p:ph idx="1"/>
+              </p:nvPr>
+            </p:nvSpPr>
+            <p:spPr>
+              <a:xfrm>
+                <a:off x="628650" y="1514765"/>
+                <a:ext cx="7886700" cy="909490"/>
+              </a:xfrm>
+              <a:blipFill>
+                <a:blip r:embed="rId3"/>
+                <a:stretch>
+                  <a:fillRect l="-1005" t="-5333" r="-927" b="-6667"/>
+                </a:stretch>
+              </a:blipFill>
+            </p:spPr>
+            <p:txBody>
+              <a:bodyPr/>
+              <a:lstStyle/>
+              <a:p>
+                <a:r>
+                  <a:rPr lang="ja-JP" altLang="en-US">
+                    <a:noFill/>
+                  </a:rPr>
+                  <a:t> </a:t>
+                </a:r>
+              </a:p>
+            </p:txBody>
+          </p:sp>
+        </mc:Fallback>
+      </mc:AlternateContent>
+      <p:cxnSp>
+        <p:nvCxnSpPr>
+          <p:cNvPr id="14" name="直線コネクタ 13">
+            <a:extLst>
+              <a:ext uri="{FF2B5EF4-FFF2-40B4-BE49-F238E27FC236}">
+                <a16:creationId xmlns:a16="http://schemas.microsoft.com/office/drawing/2014/main" id="{12E2349A-EAC8-421B-9339-3A32F0BA5FF3}"/>
+              </a:ext>
+            </a:extLst>
+          </p:cNvPr>
+          <p:cNvCxnSpPr/>
+          <p:nvPr/>
+        </p:nvCxnSpPr>
+        <p:spPr>
+          <a:xfrm>
+            <a:off x="1773193" y="4247645"/>
+            <a:ext cx="5400000" cy="0"/>
+          </a:xfrm>
+          <a:prstGeom prst="line">
+            <a:avLst/>
+          </a:prstGeom>
+          <a:ln w="25400"/>
+        </p:spPr>
+        <p:style>
+          <a:lnRef idx="1">
+            <a:schemeClr val="dk1"/>
+          </a:lnRef>
+          <a:fillRef idx="0">
+            <a:schemeClr val="dk1"/>
+          </a:fillRef>
+          <a:effectRef idx="0">
+            <a:schemeClr val="dk1"/>
+          </a:effectRef>
+          <a:fontRef idx="minor">
+            <a:schemeClr val="tx1"/>
+          </a:fontRef>
+        </p:style>
+      </p:cxnSp>
+      <p:cxnSp>
+        <p:nvCxnSpPr>
+          <p:cNvPr id="15" name="直線コネクタ 14">
+            <a:extLst>
+              <a:ext uri="{FF2B5EF4-FFF2-40B4-BE49-F238E27FC236}">
+                <a16:creationId xmlns:a16="http://schemas.microsoft.com/office/drawing/2014/main" id="{73F15E52-F39F-424E-B597-356872D9C741}"/>
+              </a:ext>
+            </a:extLst>
+          </p:cNvPr>
+          <p:cNvCxnSpPr/>
+          <p:nvPr/>
+        </p:nvCxnSpPr>
+        <p:spPr>
+          <a:xfrm>
+            <a:off x="1773193" y="4803699"/>
+            <a:ext cx="5400000" cy="0"/>
+          </a:xfrm>
+          <a:prstGeom prst="line">
+            <a:avLst/>
+          </a:prstGeom>
+          <a:ln w="25400"/>
+        </p:spPr>
+        <p:style>
+          <a:lnRef idx="1">
+            <a:schemeClr val="dk1"/>
+          </a:lnRef>
+          <a:fillRef idx="0">
+            <a:schemeClr val="dk1"/>
+          </a:fillRef>
+          <a:effectRef idx="0">
+            <a:schemeClr val="dk1"/>
+          </a:effectRef>
+          <a:fontRef idx="minor">
+            <a:schemeClr val="tx1"/>
+          </a:fontRef>
+        </p:style>
+      </p:cxnSp>
+      <p:cxnSp>
+        <p:nvCxnSpPr>
+          <p:cNvPr id="16" name="直線コネクタ 15">
+            <a:extLst>
+              <a:ext uri="{FF2B5EF4-FFF2-40B4-BE49-F238E27FC236}">
+                <a16:creationId xmlns:a16="http://schemas.microsoft.com/office/drawing/2014/main" id="{C79663A9-93A5-4156-AA6F-684CD55A60AC}"/>
+              </a:ext>
+            </a:extLst>
+          </p:cNvPr>
+          <p:cNvCxnSpPr/>
+          <p:nvPr/>
+        </p:nvCxnSpPr>
+        <p:spPr>
+          <a:xfrm>
+            <a:off x="1773193" y="5409179"/>
+            <a:ext cx="5400000" cy="0"/>
+          </a:xfrm>
+          <a:prstGeom prst="line">
+            <a:avLst/>
+          </a:prstGeom>
+          <a:ln w="25400"/>
+        </p:spPr>
+        <p:style>
+          <a:lnRef idx="1">
+            <a:schemeClr val="dk1"/>
+          </a:lnRef>
+          <a:fillRef idx="0">
+            <a:schemeClr val="dk1"/>
+          </a:fillRef>
+          <a:effectRef idx="0">
+            <a:schemeClr val="dk1"/>
+          </a:effectRef>
+          <a:fontRef idx="minor">
+            <a:schemeClr val="tx1"/>
+          </a:fontRef>
+        </p:style>
+      </p:cxnSp>
+      <mc:AlternateContent xmlns:mc="http://schemas.openxmlformats.org/markup-compatibility/2006">
+        <mc:Choice xmlns:a14="http://schemas.microsoft.com/office/drawing/2010/main" Requires="a14">
+          <p:sp>
+            <p:nvSpPr>
+              <p:cNvPr id="17" name="テキスト ボックス 16">
+                <a:extLst>
+                  <a:ext uri="{FF2B5EF4-FFF2-40B4-BE49-F238E27FC236}">
+                    <a16:creationId xmlns:a16="http://schemas.microsoft.com/office/drawing/2014/main" id="{E0D66EA4-A457-41A9-86E8-ECD171E40634}"/>
+                  </a:ext>
+                </a:extLst>
+              </p:cNvPr>
+              <p:cNvSpPr txBox="1"/>
+              <p:nvPr/>
+            </p:nvSpPr>
+            <p:spPr>
+              <a:xfrm>
+                <a:off x="7515087" y="4762720"/>
+                <a:ext cx="1628913" cy="646459"/>
+              </a:xfrm>
+              <a:prstGeom prst="rect">
+                <a:avLst/>
+              </a:prstGeom>
+              <a:noFill/>
+            </p:spPr>
+            <p:txBody>
+              <a:bodyPr wrap="square" rtlCol="0">
+                <a:spAutoFit/>
+              </a:bodyPr>
+              <a:lstStyle/>
+              <a:p>
+                <a:pPr algn="l"/>
+                <a14:m>
+                  <m:oMathPara xmlns:m="http://schemas.openxmlformats.org/officeDocument/2006/math">
+                    <m:oMathParaPr>
+                      <m:jc m:val="centerGroup"/>
+                    </m:oMathParaPr>
+                    <m:oMath xmlns:m="http://schemas.openxmlformats.org/officeDocument/2006/math">
+                      <m:r>
+                        <a:rPr kumimoji="1" lang="en-US" altLang="ja-JP" sz="3600" b="0" i="1" smtClean="0">
+                          <a:solidFill>
+                            <a:schemeClr val="tx1"/>
+                          </a:solidFill>
+                          <a:latin typeface="Cambria Math" panose="02040503050406030204" pitchFamily="18" charset="0"/>
+                          <a:ea typeface="メイリオ" panose="020B0604030504040204" pitchFamily="50" charset="-128"/>
+                        </a:rPr>
+                        <m:t>𝑡</m:t>
+                      </m:r>
+                    </m:oMath>
+                  </m:oMathPara>
+                </a14:m>
+                <a:endParaRPr kumimoji="1" lang="ja-JP" altLang="en-US" sz="3600" dirty="0">
+                  <a:solidFill>
+                    <a:schemeClr val="tx1"/>
+                  </a:solidFill>
+                  <a:latin typeface="メイリオ" panose="020B0604030504040204" pitchFamily="50" charset="-128"/>
+                  <a:ea typeface="メイリオ" panose="020B0604030504040204" pitchFamily="50" charset="-128"/>
+                </a:endParaRPr>
+              </a:p>
+            </p:txBody>
+          </p:sp>
+        </mc:Choice>
+        <mc:Fallback>
+          <p:sp>
+            <p:nvSpPr>
+              <p:cNvPr id="17" name="テキスト ボックス 16">
+                <a:extLst>
+                  <a:ext uri="{FF2B5EF4-FFF2-40B4-BE49-F238E27FC236}">
+                    <a16:creationId xmlns:a16="http://schemas.microsoft.com/office/drawing/2014/main" id="{E0D66EA4-A457-41A9-86E8-ECD171E40634}"/>
+                  </a:ext>
+                </a:extLst>
+              </p:cNvPr>
+              <p:cNvSpPr txBox="1">
+                <a:spLocks noRot="1" noChangeAspect="1" noMove="1" noResize="1" noEditPoints="1" noAdjustHandles="1" noChangeArrowheads="1" noChangeShapeType="1" noTextEdit="1"/>
+              </p:cNvSpPr>
+              <p:nvPr/>
+            </p:nvSpPr>
+            <p:spPr>
+              <a:xfrm>
+                <a:off x="7515087" y="4762720"/>
+                <a:ext cx="1628913" cy="646459"/>
+              </a:xfrm>
+              <a:prstGeom prst="rect">
+                <a:avLst/>
+              </a:prstGeom>
+              <a:blipFill>
+                <a:blip r:embed="rId4"/>
+                <a:stretch>
+                  <a:fillRect/>
+                </a:stretch>
+              </a:blipFill>
+            </p:spPr>
+            <p:txBody>
+              <a:bodyPr/>
+              <a:lstStyle/>
+              <a:p>
+                <a:r>
+                  <a:rPr lang="ja-JP" altLang="en-US">
+                    <a:noFill/>
+                  </a:rPr>
+                  <a:t> </a:t>
+                </a:r>
+              </a:p>
+            </p:txBody>
+          </p:sp>
+        </mc:Fallback>
+      </mc:AlternateContent>
+      <p:cxnSp>
+        <p:nvCxnSpPr>
+          <p:cNvPr id="18" name="直線コネクタ 17">
+            <a:extLst>
+              <a:ext uri="{FF2B5EF4-FFF2-40B4-BE49-F238E27FC236}">
+                <a16:creationId xmlns:a16="http://schemas.microsoft.com/office/drawing/2014/main" id="{709B1232-9BF7-474E-9CA7-B00926EE23B9}"/>
+              </a:ext>
+            </a:extLst>
+          </p:cNvPr>
+          <p:cNvCxnSpPr/>
+          <p:nvPr/>
+        </p:nvCxnSpPr>
+        <p:spPr>
+          <a:xfrm>
+            <a:off x="1773193" y="6064087"/>
+            <a:ext cx="5400000" cy="0"/>
+          </a:xfrm>
+          <a:prstGeom prst="line">
+            <a:avLst/>
+          </a:prstGeom>
+          <a:ln w="25400"/>
+        </p:spPr>
+        <p:style>
+          <a:lnRef idx="1">
+            <a:schemeClr val="dk1"/>
+          </a:lnRef>
+          <a:fillRef idx="0">
+            <a:schemeClr val="dk1"/>
+          </a:fillRef>
+          <a:effectRef idx="0">
+            <a:schemeClr val="dk1"/>
+          </a:effectRef>
+          <a:fontRef idx="minor">
+            <a:schemeClr val="tx1"/>
+          </a:fontRef>
+        </p:style>
+      </p:cxnSp>
+      <mc:AlternateContent xmlns:mc="http://schemas.openxmlformats.org/markup-compatibility/2006">
+        <mc:Choice xmlns:a14="http://schemas.microsoft.com/office/drawing/2010/main" Requires="a14">
+          <p:sp>
+            <p:nvSpPr>
+              <p:cNvPr id="19" name="テキスト ボックス 18">
+                <a:extLst>
+                  <a:ext uri="{FF2B5EF4-FFF2-40B4-BE49-F238E27FC236}">
+                    <a16:creationId xmlns:a16="http://schemas.microsoft.com/office/drawing/2014/main" id="{AA93DBB2-CE5A-40ED-80C4-B794A70C7D0C}"/>
+                  </a:ext>
+                </a:extLst>
+              </p:cNvPr>
+              <p:cNvSpPr txBox="1"/>
+              <p:nvPr/>
+            </p:nvSpPr>
+            <p:spPr>
+              <a:xfrm>
+                <a:off x="958736" y="3700041"/>
+                <a:ext cx="1628913" cy="523220"/>
+              </a:xfrm>
+              <a:prstGeom prst="rect">
+                <a:avLst/>
+              </a:prstGeom>
+              <a:noFill/>
+            </p:spPr>
+            <p:txBody>
+              <a:bodyPr wrap="square" rtlCol="0">
+                <a:spAutoFit/>
+              </a:bodyPr>
+              <a:lstStyle/>
+              <a:p>
+                <a:pPr algn="l"/>
+                <a14:m>
+                  <m:oMathPara xmlns:m="http://schemas.openxmlformats.org/officeDocument/2006/math">
+                    <m:oMathParaPr>
+                      <m:jc m:val="centerGroup"/>
+                    </m:oMathParaPr>
+                    <m:oMath xmlns:m="http://schemas.openxmlformats.org/officeDocument/2006/math">
+                      <m:sSub>
+                        <m:sSubPr>
+                          <m:ctrlPr>
+                            <a:rPr kumimoji="1" lang="en-US" altLang="ja-JP" sz="2800" b="0" i="1" smtClean="0">
+                              <a:solidFill>
+                                <a:schemeClr val="tx1"/>
+                              </a:solidFill>
+                              <a:latin typeface="Cambria Math" panose="02040503050406030204" pitchFamily="18" charset="0"/>
+                              <a:ea typeface="メイリオ" panose="020B0604030504040204" pitchFamily="50" charset="-128"/>
+                            </a:rPr>
+                          </m:ctrlPr>
+                        </m:sSubPr>
+                        <m:e>
+                          <m:r>
+                            <a:rPr kumimoji="1" lang="en-US" altLang="ja-JP" sz="2800" b="0" i="1" smtClean="0">
+                              <a:solidFill>
+                                <a:schemeClr val="tx1"/>
+                              </a:solidFill>
+                              <a:latin typeface="Cambria Math" panose="02040503050406030204" pitchFamily="18" charset="0"/>
+                              <a:ea typeface="メイリオ" panose="020B0604030504040204" pitchFamily="50" charset="-128"/>
+                            </a:rPr>
+                            <m:t>𝑓</m:t>
+                          </m:r>
+                        </m:e>
+                        <m:sub>
+                          <m:r>
+                            <a:rPr kumimoji="1" lang="en-US" altLang="ja-JP" sz="2800" b="0" i="1" smtClean="0">
+                              <a:solidFill>
+                                <a:schemeClr val="tx1"/>
+                              </a:solidFill>
+                              <a:latin typeface="Cambria Math" panose="02040503050406030204" pitchFamily="18" charset="0"/>
+                              <a:ea typeface="メイリオ" panose="020B0604030504040204" pitchFamily="50" charset="-128"/>
+                            </a:rPr>
+                            <m:t>1</m:t>
+                          </m:r>
+                        </m:sub>
+                      </m:sSub>
+                    </m:oMath>
+                  </m:oMathPara>
+                </a14:m>
+                <a:endParaRPr kumimoji="1" lang="ja-JP" altLang="en-US" sz="2800" dirty="0">
+                  <a:solidFill>
+                    <a:schemeClr val="tx1"/>
+                  </a:solidFill>
+                  <a:latin typeface="メイリオ" panose="020B0604030504040204" pitchFamily="50" charset="-128"/>
+                  <a:ea typeface="メイリオ" panose="020B0604030504040204" pitchFamily="50" charset="-128"/>
+                </a:endParaRPr>
+              </a:p>
+            </p:txBody>
+          </p:sp>
+        </mc:Choice>
+        <mc:Fallback>
+          <p:sp>
+            <p:nvSpPr>
+              <p:cNvPr id="19" name="テキスト ボックス 18">
+                <a:extLst>
+                  <a:ext uri="{FF2B5EF4-FFF2-40B4-BE49-F238E27FC236}">
+                    <a16:creationId xmlns:a16="http://schemas.microsoft.com/office/drawing/2014/main" id="{AA93DBB2-CE5A-40ED-80C4-B794A70C7D0C}"/>
+                  </a:ext>
+                </a:extLst>
+              </p:cNvPr>
+              <p:cNvSpPr txBox="1">
+                <a:spLocks noRot="1" noChangeAspect="1" noMove="1" noResize="1" noEditPoints="1" noAdjustHandles="1" noChangeArrowheads="1" noChangeShapeType="1" noTextEdit="1"/>
+              </p:cNvSpPr>
+              <p:nvPr/>
+            </p:nvSpPr>
+            <p:spPr>
+              <a:xfrm>
+                <a:off x="958736" y="3700041"/>
+                <a:ext cx="1628913" cy="523220"/>
+              </a:xfrm>
+              <a:prstGeom prst="rect">
+                <a:avLst/>
+              </a:prstGeom>
+              <a:blipFill>
+                <a:blip r:embed="rId5"/>
+                <a:stretch>
+                  <a:fillRect b="-12791"/>
+                </a:stretch>
+              </a:blipFill>
+            </p:spPr>
+            <p:txBody>
+              <a:bodyPr/>
+              <a:lstStyle/>
+              <a:p>
+                <a:r>
+                  <a:rPr lang="ja-JP" altLang="en-US">
+                    <a:noFill/>
+                  </a:rPr>
+                  <a:t> </a:t>
+                </a:r>
+              </a:p>
+            </p:txBody>
+          </p:sp>
+        </mc:Fallback>
+      </mc:AlternateContent>
+      <mc:AlternateContent xmlns:mc="http://schemas.openxmlformats.org/markup-compatibility/2006">
+        <mc:Choice xmlns:a14="http://schemas.microsoft.com/office/drawing/2010/main" Requires="a14">
+          <p:sp>
+            <p:nvSpPr>
+              <p:cNvPr id="20" name="テキスト ボックス 19">
+                <a:extLst>
+                  <a:ext uri="{FF2B5EF4-FFF2-40B4-BE49-F238E27FC236}">
+                    <a16:creationId xmlns:a16="http://schemas.microsoft.com/office/drawing/2014/main" id="{605FB897-4581-4282-891C-812EFB590D0F}"/>
+                  </a:ext>
+                </a:extLst>
+              </p:cNvPr>
+              <p:cNvSpPr txBox="1"/>
+              <p:nvPr/>
+            </p:nvSpPr>
+            <p:spPr>
+              <a:xfrm>
+                <a:off x="958735" y="4293000"/>
+                <a:ext cx="1628913" cy="523220"/>
+              </a:xfrm>
+              <a:prstGeom prst="rect">
+                <a:avLst/>
+              </a:prstGeom>
+              <a:noFill/>
+            </p:spPr>
+            <p:txBody>
+              <a:bodyPr wrap="square" rtlCol="0">
+                <a:spAutoFit/>
+              </a:bodyPr>
+              <a:lstStyle/>
+              <a:p>
+                <a:pPr algn="l"/>
+                <a14:m>
+                  <m:oMathPara xmlns:m="http://schemas.openxmlformats.org/officeDocument/2006/math">
+                    <m:oMathParaPr>
+                      <m:jc m:val="centerGroup"/>
+                    </m:oMathParaPr>
+                    <m:oMath xmlns:m="http://schemas.openxmlformats.org/officeDocument/2006/math">
+                      <m:sSub>
+                        <m:sSubPr>
+                          <m:ctrlPr>
+                            <a:rPr kumimoji="1" lang="en-US" altLang="ja-JP" sz="2800" b="0" i="1" smtClean="0">
+                              <a:solidFill>
+                                <a:schemeClr val="tx1"/>
+                              </a:solidFill>
+                              <a:latin typeface="Cambria Math" panose="02040503050406030204" pitchFamily="18" charset="0"/>
+                              <a:ea typeface="メイリオ" panose="020B0604030504040204" pitchFamily="50" charset="-128"/>
+                            </a:rPr>
+                          </m:ctrlPr>
+                        </m:sSubPr>
+                        <m:e>
+                          <m:r>
+                            <a:rPr kumimoji="1" lang="en-US" altLang="ja-JP" sz="2800" b="0" i="1" smtClean="0">
+                              <a:solidFill>
+                                <a:schemeClr val="tx1"/>
+                              </a:solidFill>
+                              <a:latin typeface="Cambria Math" panose="02040503050406030204" pitchFamily="18" charset="0"/>
+                              <a:ea typeface="メイリオ" panose="020B0604030504040204" pitchFamily="50" charset="-128"/>
+                            </a:rPr>
+                            <m:t>𝑓</m:t>
+                          </m:r>
+                        </m:e>
+                        <m:sub>
+                          <m:r>
+                            <a:rPr kumimoji="1" lang="en-US" altLang="ja-JP" sz="2800" b="0" i="1" smtClean="0">
+                              <a:solidFill>
+                                <a:schemeClr val="tx1"/>
+                              </a:solidFill>
+                              <a:latin typeface="Cambria Math" panose="02040503050406030204" pitchFamily="18" charset="0"/>
+                              <a:ea typeface="メイリオ" panose="020B0604030504040204" pitchFamily="50" charset="-128"/>
+                            </a:rPr>
+                            <m:t>2</m:t>
+                          </m:r>
+                        </m:sub>
+                      </m:sSub>
+                    </m:oMath>
+                  </m:oMathPara>
+                </a14:m>
+                <a:endParaRPr kumimoji="1" lang="ja-JP" altLang="en-US" sz="2800" dirty="0">
+                  <a:solidFill>
+                    <a:schemeClr val="tx1"/>
+                  </a:solidFill>
+                  <a:latin typeface="メイリオ" panose="020B0604030504040204" pitchFamily="50" charset="-128"/>
+                  <a:ea typeface="メイリオ" panose="020B0604030504040204" pitchFamily="50" charset="-128"/>
+                </a:endParaRPr>
+              </a:p>
+            </p:txBody>
+          </p:sp>
+        </mc:Choice>
+        <mc:Fallback>
+          <p:sp>
+            <p:nvSpPr>
+              <p:cNvPr id="20" name="テキスト ボックス 19">
+                <a:extLst>
+                  <a:ext uri="{FF2B5EF4-FFF2-40B4-BE49-F238E27FC236}">
+                    <a16:creationId xmlns:a16="http://schemas.microsoft.com/office/drawing/2014/main" id="{605FB897-4581-4282-891C-812EFB590D0F}"/>
+                  </a:ext>
+                </a:extLst>
+              </p:cNvPr>
+              <p:cNvSpPr txBox="1">
+                <a:spLocks noRot="1" noChangeAspect="1" noMove="1" noResize="1" noEditPoints="1" noAdjustHandles="1" noChangeArrowheads="1" noChangeShapeType="1" noTextEdit="1"/>
+              </p:cNvSpPr>
+              <p:nvPr/>
+            </p:nvSpPr>
+            <p:spPr>
+              <a:xfrm>
+                <a:off x="958735" y="4293000"/>
+                <a:ext cx="1628913" cy="523220"/>
+              </a:xfrm>
+              <a:prstGeom prst="rect">
+                <a:avLst/>
+              </a:prstGeom>
+              <a:blipFill>
+                <a:blip r:embed="rId6"/>
+                <a:stretch>
+                  <a:fillRect b="-13953"/>
+                </a:stretch>
+              </a:blipFill>
+            </p:spPr>
+            <p:txBody>
+              <a:bodyPr/>
+              <a:lstStyle/>
+              <a:p>
+                <a:r>
+                  <a:rPr lang="ja-JP" altLang="en-US">
+                    <a:noFill/>
+                  </a:rPr>
+                  <a:t> </a:t>
+                </a:r>
+              </a:p>
+            </p:txBody>
+          </p:sp>
+        </mc:Fallback>
+      </mc:AlternateContent>
+      <mc:AlternateContent xmlns:mc="http://schemas.openxmlformats.org/markup-compatibility/2006">
+        <mc:Choice xmlns:a14="http://schemas.microsoft.com/office/drawing/2010/main" Requires="a14">
+          <p:sp>
+            <p:nvSpPr>
+              <p:cNvPr id="21" name="テキスト ボックス 20">
+                <a:extLst>
+                  <a:ext uri="{FF2B5EF4-FFF2-40B4-BE49-F238E27FC236}">
+                    <a16:creationId xmlns:a16="http://schemas.microsoft.com/office/drawing/2014/main" id="{2668DCF5-6426-4C73-8C10-437737451721}"/>
+                  </a:ext>
+                </a:extLst>
+              </p:cNvPr>
+              <p:cNvSpPr txBox="1"/>
+              <p:nvPr/>
+            </p:nvSpPr>
+            <p:spPr>
+              <a:xfrm>
+                <a:off x="958735" y="4922851"/>
+                <a:ext cx="1628913" cy="523220"/>
+              </a:xfrm>
+              <a:prstGeom prst="rect">
+                <a:avLst/>
+              </a:prstGeom>
+              <a:noFill/>
+            </p:spPr>
+            <p:txBody>
+              <a:bodyPr wrap="square" rtlCol="0">
+                <a:spAutoFit/>
+              </a:bodyPr>
+              <a:lstStyle/>
+              <a:p>
+                <a:pPr algn="l"/>
+                <a14:m>
+                  <m:oMathPara xmlns:m="http://schemas.openxmlformats.org/officeDocument/2006/math">
+                    <m:oMathParaPr>
+                      <m:jc m:val="centerGroup"/>
+                    </m:oMathParaPr>
+                    <m:oMath xmlns:m="http://schemas.openxmlformats.org/officeDocument/2006/math">
+                      <m:sSub>
+                        <m:sSubPr>
+                          <m:ctrlPr>
+                            <a:rPr kumimoji="1" lang="en-US" altLang="ja-JP" sz="2800" b="0" i="1" smtClean="0">
+                              <a:solidFill>
+                                <a:schemeClr val="tx1"/>
+                              </a:solidFill>
+                              <a:latin typeface="Cambria Math" panose="02040503050406030204" pitchFamily="18" charset="0"/>
+                              <a:ea typeface="メイリオ" panose="020B0604030504040204" pitchFamily="50" charset="-128"/>
+                            </a:rPr>
+                          </m:ctrlPr>
+                        </m:sSubPr>
+                        <m:e>
+                          <m:r>
+                            <a:rPr kumimoji="1" lang="en-US" altLang="ja-JP" sz="2800" b="0" i="1" smtClean="0">
+                              <a:solidFill>
+                                <a:schemeClr val="tx1"/>
+                              </a:solidFill>
+                              <a:latin typeface="Cambria Math" panose="02040503050406030204" pitchFamily="18" charset="0"/>
+                              <a:ea typeface="メイリオ" panose="020B0604030504040204" pitchFamily="50" charset="-128"/>
+                            </a:rPr>
+                            <m:t>𝑓</m:t>
+                          </m:r>
+                        </m:e>
+                        <m:sub>
+                          <m:r>
+                            <a:rPr kumimoji="1" lang="en-US" altLang="ja-JP" sz="2800" b="0" i="1" smtClean="0">
+                              <a:solidFill>
+                                <a:schemeClr val="tx1"/>
+                              </a:solidFill>
+                              <a:latin typeface="Cambria Math" panose="02040503050406030204" pitchFamily="18" charset="0"/>
+                              <a:ea typeface="メイリオ" panose="020B0604030504040204" pitchFamily="50" charset="-128"/>
+                            </a:rPr>
+                            <m:t>3</m:t>
+                          </m:r>
+                        </m:sub>
+                      </m:sSub>
+                    </m:oMath>
+                  </m:oMathPara>
+                </a14:m>
+                <a:endParaRPr kumimoji="1" lang="ja-JP" altLang="en-US" sz="2800" dirty="0">
+                  <a:solidFill>
+                    <a:schemeClr val="tx1"/>
+                  </a:solidFill>
+                  <a:latin typeface="メイリオ" panose="020B0604030504040204" pitchFamily="50" charset="-128"/>
+                  <a:ea typeface="メイリオ" panose="020B0604030504040204" pitchFamily="50" charset="-128"/>
+                </a:endParaRPr>
+              </a:p>
+            </p:txBody>
+          </p:sp>
+        </mc:Choice>
+        <mc:Fallback>
+          <p:sp>
+            <p:nvSpPr>
+              <p:cNvPr id="21" name="テキスト ボックス 20">
+                <a:extLst>
+                  <a:ext uri="{FF2B5EF4-FFF2-40B4-BE49-F238E27FC236}">
+                    <a16:creationId xmlns:a16="http://schemas.microsoft.com/office/drawing/2014/main" id="{2668DCF5-6426-4C73-8C10-437737451721}"/>
+                  </a:ext>
+                </a:extLst>
+              </p:cNvPr>
+              <p:cNvSpPr txBox="1">
+                <a:spLocks noRot="1" noChangeAspect="1" noMove="1" noResize="1" noEditPoints="1" noAdjustHandles="1" noChangeArrowheads="1" noChangeShapeType="1" noTextEdit="1"/>
+              </p:cNvSpPr>
+              <p:nvPr/>
+            </p:nvSpPr>
+            <p:spPr>
+              <a:xfrm>
+                <a:off x="958735" y="4922851"/>
+                <a:ext cx="1628913" cy="523220"/>
+              </a:xfrm>
+              <a:prstGeom prst="rect">
+                <a:avLst/>
+              </a:prstGeom>
+              <a:blipFill>
+                <a:blip r:embed="rId7"/>
+                <a:stretch>
+                  <a:fillRect b="-14118"/>
+                </a:stretch>
+              </a:blipFill>
+            </p:spPr>
+            <p:txBody>
+              <a:bodyPr/>
+              <a:lstStyle/>
+              <a:p>
+                <a:r>
+                  <a:rPr lang="ja-JP" altLang="en-US">
+                    <a:noFill/>
+                  </a:rPr>
+                  <a:t> </a:t>
+                </a:r>
+              </a:p>
+            </p:txBody>
+          </p:sp>
+        </mc:Fallback>
+      </mc:AlternateContent>
+      <mc:AlternateContent xmlns:mc="http://schemas.openxmlformats.org/markup-compatibility/2006">
+        <mc:Choice xmlns:a14="http://schemas.microsoft.com/office/drawing/2010/main" Requires="a14">
+          <p:sp>
+            <p:nvSpPr>
+              <p:cNvPr id="22" name="テキスト ボックス 21">
+                <a:extLst>
+                  <a:ext uri="{FF2B5EF4-FFF2-40B4-BE49-F238E27FC236}">
+                    <a16:creationId xmlns:a16="http://schemas.microsoft.com/office/drawing/2014/main" id="{6E4F8C30-AB8E-43B6-8CE1-FD3A737BA52C}"/>
+                  </a:ext>
+                </a:extLst>
+              </p:cNvPr>
+              <p:cNvSpPr txBox="1"/>
+              <p:nvPr/>
+            </p:nvSpPr>
+            <p:spPr>
+              <a:xfrm>
+                <a:off x="958734" y="6218696"/>
+                <a:ext cx="1628913" cy="523220"/>
+              </a:xfrm>
+              <a:prstGeom prst="rect">
+                <a:avLst/>
+              </a:prstGeom>
+              <a:noFill/>
+            </p:spPr>
+            <p:txBody>
+              <a:bodyPr wrap="square" rtlCol="0">
+                <a:spAutoFit/>
+              </a:bodyPr>
+              <a:lstStyle/>
+              <a:p>
+                <a:pPr algn="l"/>
+                <a14:m>
+                  <m:oMathPara xmlns:m="http://schemas.openxmlformats.org/officeDocument/2006/math">
+                    <m:oMathParaPr>
+                      <m:jc m:val="centerGroup"/>
+                    </m:oMathParaPr>
+                    <m:oMath xmlns:m="http://schemas.openxmlformats.org/officeDocument/2006/math">
+                      <m:sSub>
+                        <m:sSubPr>
+                          <m:ctrlPr>
+                            <a:rPr kumimoji="1" lang="en-US" altLang="ja-JP" sz="2800" b="0" i="1" smtClean="0">
+                              <a:solidFill>
+                                <a:schemeClr val="tx1"/>
+                              </a:solidFill>
+                              <a:latin typeface="Cambria Math" panose="02040503050406030204" pitchFamily="18" charset="0"/>
+                              <a:ea typeface="メイリオ" panose="020B0604030504040204" pitchFamily="50" charset="-128"/>
+                            </a:rPr>
+                          </m:ctrlPr>
+                        </m:sSubPr>
+                        <m:e>
+                          <m:r>
+                            <a:rPr kumimoji="1" lang="en-US" altLang="ja-JP" sz="2800" b="0" i="1" smtClean="0">
+                              <a:solidFill>
+                                <a:schemeClr val="tx1"/>
+                              </a:solidFill>
+                              <a:latin typeface="Cambria Math" panose="02040503050406030204" pitchFamily="18" charset="0"/>
+                              <a:ea typeface="メイリオ" panose="020B0604030504040204" pitchFamily="50" charset="-128"/>
+                            </a:rPr>
+                            <m:t>𝑓</m:t>
+                          </m:r>
+                        </m:e>
+                        <m:sub>
+                          <m:r>
+                            <a:rPr kumimoji="1" lang="en-US" altLang="ja-JP" sz="2800" b="0" i="1" smtClean="0">
+                              <a:solidFill>
+                                <a:schemeClr val="tx1"/>
+                              </a:solidFill>
+                              <a:latin typeface="Cambria Math" panose="02040503050406030204" pitchFamily="18" charset="0"/>
+                              <a:ea typeface="メイリオ" panose="020B0604030504040204" pitchFamily="50" charset="-128"/>
+                            </a:rPr>
+                            <m:t>𝑘</m:t>
+                          </m:r>
+                        </m:sub>
+                      </m:sSub>
+                    </m:oMath>
+                  </m:oMathPara>
+                </a14:m>
+                <a:endParaRPr kumimoji="1" lang="ja-JP" altLang="en-US" sz="2800" dirty="0">
+                  <a:solidFill>
+                    <a:schemeClr val="tx1"/>
+                  </a:solidFill>
+                  <a:latin typeface="メイリオ" panose="020B0604030504040204" pitchFamily="50" charset="-128"/>
+                  <a:ea typeface="メイリオ" panose="020B0604030504040204" pitchFamily="50" charset="-128"/>
+                </a:endParaRPr>
+              </a:p>
+            </p:txBody>
+          </p:sp>
+        </mc:Choice>
+        <mc:Fallback>
+          <p:sp>
+            <p:nvSpPr>
+              <p:cNvPr id="22" name="テキスト ボックス 21">
+                <a:extLst>
+                  <a:ext uri="{FF2B5EF4-FFF2-40B4-BE49-F238E27FC236}">
+                    <a16:creationId xmlns:a16="http://schemas.microsoft.com/office/drawing/2014/main" id="{6E4F8C30-AB8E-43B6-8CE1-FD3A737BA52C}"/>
+                  </a:ext>
+                </a:extLst>
+              </p:cNvPr>
+              <p:cNvSpPr txBox="1">
+                <a:spLocks noRot="1" noChangeAspect="1" noMove="1" noResize="1" noEditPoints="1" noAdjustHandles="1" noChangeArrowheads="1" noChangeShapeType="1" noTextEdit="1"/>
+              </p:cNvSpPr>
+              <p:nvPr/>
+            </p:nvSpPr>
+            <p:spPr>
+              <a:xfrm>
+                <a:off x="958734" y="6218696"/>
+                <a:ext cx="1628913" cy="523220"/>
+              </a:xfrm>
+              <a:prstGeom prst="rect">
+                <a:avLst/>
+              </a:prstGeom>
+              <a:blipFill>
+                <a:blip r:embed="rId8"/>
+                <a:stretch>
+                  <a:fillRect b="-13953"/>
+                </a:stretch>
+              </a:blipFill>
+            </p:spPr>
+            <p:txBody>
+              <a:bodyPr/>
+              <a:lstStyle/>
+              <a:p>
+                <a:r>
+                  <a:rPr lang="ja-JP" altLang="en-US">
+                    <a:noFill/>
+                  </a:rPr>
+                  <a:t> </a:t>
+                </a:r>
+              </a:p>
+            </p:txBody>
+          </p:sp>
+        </mc:Fallback>
+      </mc:AlternateContent>
+      <p:cxnSp>
+        <p:nvCxnSpPr>
+          <p:cNvPr id="23" name="直線コネクタ 22">
+            <a:extLst>
+              <a:ext uri="{FF2B5EF4-FFF2-40B4-BE49-F238E27FC236}">
+                <a16:creationId xmlns:a16="http://schemas.microsoft.com/office/drawing/2014/main" id="{85869EB4-C208-4CAE-BA9C-031FB0AED549}"/>
+              </a:ext>
+            </a:extLst>
+          </p:cNvPr>
+          <p:cNvCxnSpPr>
+            <a:cxnSpLocks/>
+          </p:cNvCxnSpPr>
+          <p:nvPr/>
+        </p:nvCxnSpPr>
+        <p:spPr>
+          <a:xfrm>
+            <a:off x="4399005" y="5569818"/>
+            <a:ext cx="0" cy="345809"/>
+          </a:xfrm>
+          <a:prstGeom prst="line">
+            <a:avLst/>
+          </a:prstGeom>
+          <a:ln w="25400">
+            <a:prstDash val="sysDot"/>
+          </a:ln>
+        </p:spPr>
+        <p:style>
+          <a:lnRef idx="1">
+            <a:schemeClr val="dk1"/>
+          </a:lnRef>
+          <a:fillRef idx="0">
+            <a:schemeClr val="dk1"/>
+          </a:fillRef>
+          <a:effectRef idx="0">
+            <a:schemeClr val="dk1"/>
+          </a:effectRef>
+          <a:fontRef idx="minor">
+            <a:schemeClr val="tx1"/>
+          </a:fontRef>
+        </p:style>
+      </p:cxnSp>
+      <mc:AlternateContent xmlns:mc="http://schemas.openxmlformats.org/markup-compatibility/2006">
+        <mc:Choice xmlns:a14="http://schemas.microsoft.com/office/drawing/2010/main" Requires="a14">
+          <p:sp>
+            <p:nvSpPr>
+              <p:cNvPr id="24" name="テキスト ボックス 23">
+                <a:extLst>
+                  <a:ext uri="{FF2B5EF4-FFF2-40B4-BE49-F238E27FC236}">
+                    <a16:creationId xmlns:a16="http://schemas.microsoft.com/office/drawing/2014/main" id="{9A5E5EEF-CAD7-40A6-B28C-D313C8B3E9C3}"/>
+                  </a:ext>
+                </a:extLst>
+              </p:cNvPr>
+              <p:cNvSpPr txBox="1"/>
+              <p:nvPr/>
+            </p:nvSpPr>
+            <p:spPr>
+              <a:xfrm>
+                <a:off x="-26667" y="4762720"/>
+                <a:ext cx="1628913" cy="646459"/>
+              </a:xfrm>
+              <a:prstGeom prst="rect">
+                <a:avLst/>
+              </a:prstGeom>
+              <a:noFill/>
+            </p:spPr>
+            <p:txBody>
+              <a:bodyPr wrap="square" rtlCol="0">
+                <a:spAutoFit/>
+              </a:bodyPr>
+              <a:lstStyle/>
+              <a:p>
+                <a:pPr algn="l"/>
+                <a14:m>
+                  <m:oMathPara xmlns:m="http://schemas.openxmlformats.org/officeDocument/2006/math">
+                    <m:oMathParaPr>
+                      <m:jc m:val="centerGroup"/>
+                    </m:oMathParaPr>
+                    <m:oMath xmlns:m="http://schemas.openxmlformats.org/officeDocument/2006/math">
+                      <m:r>
+                        <a:rPr kumimoji="1" lang="en-US" altLang="ja-JP" sz="3600" b="0" i="1" smtClean="0">
+                          <a:solidFill>
+                            <a:schemeClr val="tx1"/>
+                          </a:solidFill>
+                          <a:latin typeface="Cambria Math" panose="02040503050406030204" pitchFamily="18" charset="0"/>
+                          <a:ea typeface="メイリオ" panose="020B0604030504040204" pitchFamily="50" charset="-128"/>
+                        </a:rPr>
+                        <m:t>𝑠</m:t>
+                      </m:r>
+                    </m:oMath>
+                  </m:oMathPara>
+                </a14:m>
+                <a:endParaRPr kumimoji="1" lang="ja-JP" altLang="en-US" sz="3600" dirty="0">
+                  <a:solidFill>
+                    <a:schemeClr val="tx1"/>
+                  </a:solidFill>
+                  <a:latin typeface="メイリオ" panose="020B0604030504040204" pitchFamily="50" charset="-128"/>
+                  <a:ea typeface="メイリオ" panose="020B0604030504040204" pitchFamily="50" charset="-128"/>
+                </a:endParaRPr>
+              </a:p>
+            </p:txBody>
+          </p:sp>
+        </mc:Choice>
+        <mc:Fallback>
+          <p:sp>
+            <p:nvSpPr>
+              <p:cNvPr id="24" name="テキスト ボックス 23">
+                <a:extLst>
+                  <a:ext uri="{FF2B5EF4-FFF2-40B4-BE49-F238E27FC236}">
+                    <a16:creationId xmlns:a16="http://schemas.microsoft.com/office/drawing/2014/main" id="{9A5E5EEF-CAD7-40A6-B28C-D313C8B3E9C3}"/>
+                  </a:ext>
+                </a:extLst>
+              </p:cNvPr>
+              <p:cNvSpPr txBox="1">
+                <a:spLocks noRot="1" noChangeAspect="1" noMove="1" noResize="1" noEditPoints="1" noAdjustHandles="1" noChangeArrowheads="1" noChangeShapeType="1" noTextEdit="1"/>
+              </p:cNvSpPr>
+              <p:nvPr/>
+            </p:nvSpPr>
+            <p:spPr>
+              <a:xfrm>
+                <a:off x="-26667" y="4762720"/>
+                <a:ext cx="1628913" cy="646459"/>
+              </a:xfrm>
+              <a:prstGeom prst="rect">
+                <a:avLst/>
+              </a:prstGeom>
+              <a:blipFill>
+                <a:blip r:embed="rId9"/>
+                <a:stretch>
+                  <a:fillRect/>
+                </a:stretch>
+              </a:blipFill>
+            </p:spPr>
+            <p:txBody>
+              <a:bodyPr/>
+              <a:lstStyle/>
+              <a:p>
+                <a:r>
+                  <a:rPr lang="ja-JP" altLang="en-US">
+                    <a:noFill/>
+                  </a:rPr>
+                  <a:t> </a:t>
+                </a:r>
+              </a:p>
+            </p:txBody>
+          </p:sp>
+        </mc:Fallback>
+      </mc:AlternateContent>
+      <p:cxnSp>
+        <p:nvCxnSpPr>
+          <p:cNvPr id="25" name="直線コネクタ 24">
+            <a:extLst>
+              <a:ext uri="{FF2B5EF4-FFF2-40B4-BE49-F238E27FC236}">
+                <a16:creationId xmlns:a16="http://schemas.microsoft.com/office/drawing/2014/main" id="{C5F7DEFE-6364-4A5D-B69D-35FE8735FCB9}"/>
+              </a:ext>
+            </a:extLst>
+          </p:cNvPr>
+          <p:cNvCxnSpPr>
+            <a:cxnSpLocks/>
+          </p:cNvCxnSpPr>
+          <p:nvPr/>
+        </p:nvCxnSpPr>
+        <p:spPr>
+          <a:xfrm flipH="1">
+            <a:off x="3391928" y="3700041"/>
+            <a:ext cx="1" cy="3059328"/>
+          </a:xfrm>
+          <a:prstGeom prst="line">
+            <a:avLst/>
+          </a:prstGeom>
+          <a:ln w="38100" cmpd="sng">
+            <a:solidFill>
+              <a:srgbClr val="00B0F0"/>
+            </a:solidFill>
+          </a:ln>
+        </p:spPr>
+        <p:style>
+          <a:lnRef idx="1">
+            <a:schemeClr val="dk1"/>
+          </a:lnRef>
+          <a:fillRef idx="0">
+            <a:schemeClr val="dk1"/>
+          </a:fillRef>
+          <a:effectRef idx="0">
+            <a:schemeClr val="dk1"/>
+          </a:effectRef>
+          <a:fontRef idx="minor">
+            <a:schemeClr val="tx1"/>
+          </a:fontRef>
+        </p:style>
+      </p:cxnSp>
+      <p:cxnSp>
+        <p:nvCxnSpPr>
+          <p:cNvPr id="28" name="直線コネクタ 27">
+            <a:extLst>
+              <a:ext uri="{FF2B5EF4-FFF2-40B4-BE49-F238E27FC236}">
+                <a16:creationId xmlns:a16="http://schemas.microsoft.com/office/drawing/2014/main" id="{B1FA5C7C-6A3D-4769-B79E-0CF37EE793BF}"/>
+              </a:ext>
+            </a:extLst>
+          </p:cNvPr>
+          <p:cNvCxnSpPr>
+            <a:cxnSpLocks/>
+          </p:cNvCxnSpPr>
+          <p:nvPr/>
+        </p:nvCxnSpPr>
+        <p:spPr>
+          <a:xfrm>
+            <a:off x="5653215" y="3700041"/>
+            <a:ext cx="0" cy="3041875"/>
+          </a:xfrm>
+          <a:prstGeom prst="line">
+            <a:avLst/>
+          </a:prstGeom>
+          <a:ln w="38100">
+            <a:solidFill>
+              <a:srgbClr val="00B0F0"/>
+            </a:solidFill>
+          </a:ln>
+        </p:spPr>
+        <p:style>
+          <a:lnRef idx="1">
+            <a:schemeClr val="dk1"/>
+          </a:lnRef>
+          <a:fillRef idx="0">
+            <a:schemeClr val="dk1"/>
+          </a:fillRef>
+          <a:effectRef idx="0">
+            <a:schemeClr val="dk1"/>
+          </a:effectRef>
+          <a:fontRef idx="minor">
+            <a:schemeClr val="tx1"/>
+          </a:fontRef>
+        </p:style>
+      </p:cxnSp>
+      <mc:AlternateContent xmlns:mc="http://schemas.openxmlformats.org/markup-compatibility/2006">
+        <mc:Choice xmlns:a14="http://schemas.microsoft.com/office/drawing/2010/main" Requires="a14">
+          <p:sp>
+            <p:nvSpPr>
+              <p:cNvPr id="31" name="テキスト ボックス 30">
+                <a:extLst>
+                  <a:ext uri="{FF2B5EF4-FFF2-40B4-BE49-F238E27FC236}">
+                    <a16:creationId xmlns:a16="http://schemas.microsoft.com/office/drawing/2014/main" id="{0C812BC1-670A-49D4-89D3-B4DEEC782263}"/>
+                  </a:ext>
+                </a:extLst>
+              </p:cNvPr>
+              <p:cNvSpPr txBox="1"/>
+              <p:nvPr/>
+            </p:nvSpPr>
+            <p:spPr>
+              <a:xfrm>
+                <a:off x="2577471" y="3029734"/>
+                <a:ext cx="1628913" cy="646459"/>
+              </a:xfrm>
+              <a:prstGeom prst="rect">
+                <a:avLst/>
+              </a:prstGeom>
+              <a:noFill/>
+            </p:spPr>
+            <p:txBody>
+              <a:bodyPr wrap="square" rtlCol="0">
+                <a:spAutoFit/>
+              </a:bodyPr>
+              <a:lstStyle/>
+              <a:p>
+                <a:pPr algn="l"/>
+                <a14:m>
+                  <m:oMathPara xmlns:m="http://schemas.openxmlformats.org/officeDocument/2006/math">
+                    <m:oMathParaPr>
+                      <m:jc m:val="centerGroup"/>
+                    </m:oMathParaPr>
+                    <m:oMath xmlns:m="http://schemas.openxmlformats.org/officeDocument/2006/math">
+                      <m:r>
+                        <a:rPr kumimoji="1" lang="en-US" altLang="ja-JP" sz="3600" b="0" i="1" smtClean="0">
+                          <a:solidFill>
+                            <a:srgbClr val="00B0F0"/>
+                          </a:solidFill>
+                          <a:latin typeface="Cambria Math" panose="02040503050406030204" pitchFamily="18" charset="0"/>
+                          <a:ea typeface="メイリオ" panose="020B0604030504040204" pitchFamily="50" charset="-128"/>
+                        </a:rPr>
+                        <m:t>𝑆</m:t>
+                      </m:r>
+                    </m:oMath>
+                  </m:oMathPara>
+                </a14:m>
+                <a:endParaRPr kumimoji="1" lang="ja-JP" altLang="en-US" sz="3600" dirty="0">
+                  <a:solidFill>
+                    <a:srgbClr val="00B0F0"/>
+                  </a:solidFill>
+                  <a:latin typeface="メイリオ" panose="020B0604030504040204" pitchFamily="50" charset="-128"/>
+                  <a:ea typeface="メイリオ" panose="020B0604030504040204" pitchFamily="50" charset="-128"/>
+                </a:endParaRPr>
+              </a:p>
+            </p:txBody>
+          </p:sp>
+        </mc:Choice>
+        <mc:Fallback>
+          <p:sp>
+            <p:nvSpPr>
+              <p:cNvPr id="31" name="テキスト ボックス 30">
+                <a:extLst>
+                  <a:ext uri="{FF2B5EF4-FFF2-40B4-BE49-F238E27FC236}">
+                    <a16:creationId xmlns:a16="http://schemas.microsoft.com/office/drawing/2014/main" id="{0C812BC1-670A-49D4-89D3-B4DEEC782263}"/>
+                  </a:ext>
+                </a:extLst>
+              </p:cNvPr>
+              <p:cNvSpPr txBox="1">
+                <a:spLocks noRot="1" noChangeAspect="1" noMove="1" noResize="1" noEditPoints="1" noAdjustHandles="1" noChangeArrowheads="1" noChangeShapeType="1" noTextEdit="1"/>
+              </p:cNvSpPr>
+              <p:nvPr/>
+            </p:nvSpPr>
+            <p:spPr>
+              <a:xfrm>
+                <a:off x="2577471" y="3029734"/>
+                <a:ext cx="1628913" cy="646459"/>
+              </a:xfrm>
+              <a:prstGeom prst="rect">
+                <a:avLst/>
+              </a:prstGeom>
+              <a:blipFill>
+                <a:blip r:embed="rId10"/>
+                <a:stretch>
+                  <a:fillRect/>
+                </a:stretch>
+              </a:blipFill>
+            </p:spPr>
+            <p:txBody>
+              <a:bodyPr/>
+              <a:lstStyle/>
+              <a:p>
+                <a:r>
+                  <a:rPr lang="ja-JP" altLang="en-US">
+                    <a:noFill/>
+                  </a:rPr>
+                  <a:t> </a:t>
+                </a:r>
+              </a:p>
+            </p:txBody>
+          </p:sp>
+        </mc:Fallback>
+      </mc:AlternateContent>
+      <mc:AlternateContent xmlns:mc="http://schemas.openxmlformats.org/markup-compatibility/2006">
+        <mc:Choice xmlns:a14="http://schemas.microsoft.com/office/drawing/2010/main" Requires="a14">
+          <p:sp>
+            <p:nvSpPr>
+              <p:cNvPr id="32" name="テキスト ボックス 31">
+                <a:extLst>
+                  <a:ext uri="{FF2B5EF4-FFF2-40B4-BE49-F238E27FC236}">
+                    <a16:creationId xmlns:a16="http://schemas.microsoft.com/office/drawing/2014/main" id="{801755FE-2260-470C-8A59-1C276B72CE6E}"/>
+                  </a:ext>
+                </a:extLst>
+              </p:cNvPr>
+              <p:cNvSpPr txBox="1"/>
+              <p:nvPr/>
+            </p:nvSpPr>
+            <p:spPr>
+              <a:xfrm>
+                <a:off x="4838758" y="3042525"/>
+                <a:ext cx="1628913" cy="646459"/>
+              </a:xfrm>
+              <a:prstGeom prst="rect">
+                <a:avLst/>
+              </a:prstGeom>
+              <a:noFill/>
+            </p:spPr>
+            <p:txBody>
+              <a:bodyPr wrap="square" rtlCol="0">
+                <a:spAutoFit/>
+              </a:bodyPr>
+              <a:lstStyle/>
+              <a:p>
+                <a:pPr algn="l"/>
+                <a14:m>
+                  <m:oMathPara xmlns:m="http://schemas.openxmlformats.org/officeDocument/2006/math">
+                    <m:oMathParaPr>
+                      <m:jc m:val="centerGroup"/>
+                    </m:oMathParaPr>
+                    <m:oMath xmlns:m="http://schemas.openxmlformats.org/officeDocument/2006/math">
+                      <m:r>
+                        <a:rPr kumimoji="1" lang="en-US" altLang="ja-JP" sz="3600" b="0" i="1" smtClean="0">
+                          <a:solidFill>
+                            <a:srgbClr val="00B0F0"/>
+                          </a:solidFill>
+                          <a:latin typeface="Cambria Math" panose="02040503050406030204" pitchFamily="18" charset="0"/>
+                          <a:ea typeface="メイリオ" panose="020B0604030504040204" pitchFamily="50" charset="-128"/>
+                        </a:rPr>
+                        <m:t>𝑇</m:t>
+                      </m:r>
+                    </m:oMath>
+                  </m:oMathPara>
+                </a14:m>
+                <a:endParaRPr kumimoji="1" lang="ja-JP" altLang="en-US" sz="3600" dirty="0">
+                  <a:solidFill>
+                    <a:srgbClr val="00B0F0"/>
+                  </a:solidFill>
+                  <a:latin typeface="メイリオ" panose="020B0604030504040204" pitchFamily="50" charset="-128"/>
+                  <a:ea typeface="メイリオ" panose="020B0604030504040204" pitchFamily="50" charset="-128"/>
+                </a:endParaRPr>
+              </a:p>
+            </p:txBody>
+          </p:sp>
+        </mc:Choice>
+        <mc:Fallback>
+          <p:sp>
+            <p:nvSpPr>
+              <p:cNvPr id="32" name="テキスト ボックス 31">
+                <a:extLst>
+                  <a:ext uri="{FF2B5EF4-FFF2-40B4-BE49-F238E27FC236}">
+                    <a16:creationId xmlns:a16="http://schemas.microsoft.com/office/drawing/2014/main" id="{801755FE-2260-470C-8A59-1C276B72CE6E}"/>
+                  </a:ext>
+                </a:extLst>
+              </p:cNvPr>
+              <p:cNvSpPr txBox="1">
+                <a:spLocks noRot="1" noChangeAspect="1" noMove="1" noResize="1" noEditPoints="1" noAdjustHandles="1" noChangeArrowheads="1" noChangeShapeType="1" noTextEdit="1"/>
+              </p:cNvSpPr>
+              <p:nvPr/>
+            </p:nvSpPr>
+            <p:spPr>
+              <a:xfrm>
+                <a:off x="4838758" y="3042525"/>
+                <a:ext cx="1628913" cy="646459"/>
+              </a:xfrm>
+              <a:prstGeom prst="rect">
+                <a:avLst/>
+              </a:prstGeom>
+              <a:blipFill>
+                <a:blip r:embed="rId11"/>
+                <a:stretch>
+                  <a:fillRect/>
+                </a:stretch>
+              </a:blipFill>
+            </p:spPr>
+            <p:txBody>
+              <a:bodyPr/>
+              <a:lstStyle/>
+              <a:p>
+                <a:r>
+                  <a:rPr lang="ja-JP" altLang="en-US">
+                    <a:noFill/>
+                  </a:rPr>
+                  <a:t> </a:t>
+                </a:r>
+              </a:p>
+            </p:txBody>
+          </p:sp>
+        </mc:Fallback>
+      </mc:AlternateContent>
+    </p:spTree>
+    <p:extLst>
+      <p:ext uri="{BB962C8B-B14F-4D97-AF65-F5344CB8AC3E}">
+        <p14:creationId xmlns:p14="http://schemas.microsoft.com/office/powerpoint/2010/main" val="3532450083"/>
+      </p:ext>
+    </p:extLst>
+  </p:cSld>
+  <p:clrMapOvr>
+    <a:masterClrMapping/>
+  </p:clrMapOvr>
+</p:sld>
+</file>
+
+<file path=ppt/slides/slide8.xml><?xml version="1.0" encoding="utf-8"?>
+<p:sld xmlns:a="http://schemas.openxmlformats.org/drawingml/2006/main" xmlns:r="http://schemas.openxmlformats.org/officeDocument/2006/relationships" xmlns:p="http://schemas.openxmlformats.org/presentationml/2006/main">
+  <p:cSld>
+    <p:spTree>
+      <p:nvGrpSpPr>
+        <p:cNvPr id="1" name=""/>
+        <p:cNvGrpSpPr/>
+        <p:nvPr/>
+      </p:nvGrpSpPr>
+      <p:grpSpPr>
+        <a:xfrm>
+          <a:off x="0" y="0"/>
+          <a:ext cx="0" cy="0"/>
+          <a:chOff x="0" y="0"/>
+          <a:chExt cx="0" cy="0"/>
+        </a:xfrm>
+      </p:grpSpPr>
+      <p:sp>
+        <p:nvSpPr>
+          <p:cNvPr id="2" name="タイトル 1">
+            <a:extLst>
+              <a:ext uri="{FF2B5EF4-FFF2-40B4-BE49-F238E27FC236}">
+                <a16:creationId xmlns:a16="http://schemas.microsoft.com/office/drawing/2014/main" id="{CBA63A8E-7F42-4FAF-8034-0B30190AC030}"/>
+              </a:ext>
+            </a:extLst>
+          </p:cNvPr>
+          <p:cNvSpPr>
+            <a:spLocks noGrp="1"/>
+          </p:cNvSpPr>
+          <p:nvPr>
+            <p:ph type="title"/>
+          </p:nvPr>
+        </p:nvSpPr>
+        <p:spPr/>
+        <p:txBody>
+          <a:bodyPr/>
+          <a:lstStyle/>
+          <a:p>
+            <a:r>
+              <a:rPr lang="ja-JP" altLang="en-US" dirty="0"/>
+              <a:t>アルゴリズム概要</a:t>
+            </a:r>
+            <a:endParaRPr kumimoji="1" lang="ja-JP" altLang="en-US" dirty="0"/>
+          </a:p>
+        </p:txBody>
+      </p:sp>
+      <mc:AlternateContent xmlns:mc="http://schemas.openxmlformats.org/markup-compatibility/2006">
+        <mc:Choice xmlns:a14="http://schemas.microsoft.com/office/drawing/2010/main" Requires="a14">
+          <p:sp>
+            <p:nvSpPr>
+              <p:cNvPr id="3" name="コンテンツ プレースホルダー 2">
+                <a:extLst>
+                  <a:ext uri="{FF2B5EF4-FFF2-40B4-BE49-F238E27FC236}">
+                    <a16:creationId xmlns:a16="http://schemas.microsoft.com/office/drawing/2014/main" id="{3193A60D-2079-45DD-B305-714741254E66}"/>
+                  </a:ext>
+                </a:extLst>
+              </p:cNvPr>
+              <p:cNvSpPr>
+                <a:spLocks noGrp="1"/>
+              </p:cNvSpPr>
+              <p:nvPr>
+                <p:ph idx="1"/>
+              </p:nvPr>
+            </p:nvSpPr>
+            <p:spPr>
+              <a:xfrm>
+                <a:off x="628650" y="1274618"/>
+                <a:ext cx="7886700" cy="2481075"/>
+              </a:xfrm>
+            </p:spPr>
+            <p:txBody>
+              <a:bodyPr/>
+              <a:lstStyle/>
+              <a:p>
+                <a14:m>
+                  <m:oMath xmlns:m="http://schemas.openxmlformats.org/officeDocument/2006/math">
+                    <m:r>
+                      <a:rPr kumimoji="1" lang="en-US" altLang="ja-JP" i="1" dirty="0" smtClean="0">
+                        <a:latin typeface="Cambria Math" panose="02040503050406030204" pitchFamily="18" charset="0"/>
+                      </a:rPr>
+                      <m:t>𝑆</m:t>
+                    </m:r>
+                    <m:r>
+                      <a:rPr kumimoji="1" lang="en-US" altLang="ja-JP" b="0" i="1" dirty="0" smtClean="0">
+                        <a:latin typeface="Cambria Math" panose="02040503050406030204" pitchFamily="18" charset="0"/>
+                      </a:rPr>
+                      <m:t>∩</m:t>
+                    </m:r>
+                    <m:r>
+                      <a:rPr kumimoji="1" lang="en-US" altLang="ja-JP" i="1" dirty="0" smtClean="0">
+                        <a:latin typeface="Cambria Math" panose="02040503050406030204" pitchFamily="18" charset="0"/>
+                      </a:rPr>
+                      <m:t>𝑇</m:t>
+                    </m:r>
+                    <m:r>
+                      <a:rPr kumimoji="1" lang="en-US" altLang="ja-JP" b="0" i="1" dirty="0" smtClean="0">
+                        <a:latin typeface="Cambria Math" panose="02040503050406030204" pitchFamily="18" charset="0"/>
+                      </a:rPr>
+                      <m:t>=∅</m:t>
+                    </m:r>
+                  </m:oMath>
+                </a14:m>
+                <a:r>
+                  <a:rPr kumimoji="1" lang="ja-JP" altLang="en-US" dirty="0"/>
+                  <a:t>かつ</a:t>
+                </a:r>
+                <a14:m>
+                  <m:oMath xmlns:m="http://schemas.openxmlformats.org/officeDocument/2006/math">
+                    <m:r>
+                      <a:rPr kumimoji="1" lang="en-US" altLang="ja-JP" i="1" dirty="0" smtClean="0">
+                        <a:latin typeface="Cambria Math" panose="02040503050406030204" pitchFamily="18" charset="0"/>
+                      </a:rPr>
+                      <m:t>𝑆</m:t>
+                    </m:r>
+                    <m:r>
+                      <a:rPr kumimoji="1" lang="en-US" altLang="ja-JP" b="0" i="1" dirty="0" smtClean="0">
+                        <a:latin typeface="Cambria Math" panose="02040503050406030204" pitchFamily="18" charset="0"/>
+                      </a:rPr>
+                      <m:t>,</m:t>
+                    </m:r>
+                    <m:r>
+                      <a:rPr kumimoji="1" lang="en-US" altLang="ja-JP" i="1" dirty="0" smtClean="0">
+                        <a:latin typeface="Cambria Math" panose="02040503050406030204" pitchFamily="18" charset="0"/>
+                      </a:rPr>
+                      <m:t>𝑇</m:t>
+                    </m:r>
+                  </m:oMath>
+                </a14:m>
+                <a:r>
+                  <a:rPr kumimoji="1" lang="ja-JP" altLang="en-US" dirty="0"/>
+                  <a:t>間に</a:t>
+                </a:r>
+                <a:r>
+                  <a:rPr lang="ja-JP" altLang="en-US" dirty="0"/>
+                  <a:t>辺がない時</a:t>
+                </a:r>
+                <a:endParaRPr lang="en-US" altLang="ja-JP" dirty="0"/>
+              </a:p>
+              <a:p>
+                <a14:m>
+                  <m:oMath xmlns:m="http://schemas.openxmlformats.org/officeDocument/2006/math">
+                    <m:r>
+                      <a:rPr kumimoji="1" lang="en-US" altLang="ja-JP" b="0" i="1" smtClean="0">
+                        <a:latin typeface="Cambria Math" panose="02040503050406030204" pitchFamily="18" charset="0"/>
+                      </a:rPr>
+                      <m:t>𝑆</m:t>
+                    </m:r>
+                    <m:r>
+                      <a:rPr kumimoji="1" lang="en-US" altLang="ja-JP" b="0" i="1" smtClean="0">
+                        <a:latin typeface="Cambria Math" panose="02040503050406030204" pitchFamily="18" charset="0"/>
+                      </a:rPr>
+                      <m:t>,</m:t>
+                    </m:r>
+                    <m:r>
+                      <a:rPr kumimoji="1" lang="en-US" altLang="ja-JP" b="0" i="1" smtClean="0">
+                        <a:latin typeface="Cambria Math" panose="02040503050406030204" pitchFamily="18" charset="0"/>
+                      </a:rPr>
+                      <m:t>𝑇</m:t>
+                    </m:r>
+                  </m:oMath>
+                </a14:m>
+                <a:r>
+                  <a:rPr kumimoji="1" lang="ja-JP" altLang="en-US" dirty="0"/>
+                  <a:t>によって分離された</a:t>
+                </a:r>
+                <a14:m>
+                  <m:oMath xmlns:m="http://schemas.openxmlformats.org/officeDocument/2006/math">
+                    <m:r>
+                      <a:rPr kumimoji="1" lang="en-US" altLang="ja-JP" b="0" i="1" smtClean="0">
+                        <a:latin typeface="Cambria Math" panose="02040503050406030204" pitchFamily="18" charset="0"/>
+                      </a:rPr>
+                      <m:t>𝑠</m:t>
+                    </m:r>
+                  </m:oMath>
+                </a14:m>
+                <a:r>
+                  <a:rPr kumimoji="1" lang="ja-JP" altLang="en-US" dirty="0"/>
+                  <a:t>側と</a:t>
+                </a:r>
+                <a14:m>
+                  <m:oMath xmlns:m="http://schemas.openxmlformats.org/officeDocument/2006/math">
+                    <m:r>
+                      <a:rPr kumimoji="1" lang="en-US" altLang="ja-JP" b="0" i="1" smtClean="0">
+                        <a:latin typeface="Cambria Math" panose="02040503050406030204" pitchFamily="18" charset="0"/>
+                      </a:rPr>
+                      <m:t>𝑡</m:t>
+                    </m:r>
+                  </m:oMath>
+                </a14:m>
+                <a:r>
+                  <a:rPr kumimoji="1" lang="ja-JP" altLang="en-US" dirty="0"/>
+                  <a:t>側のノード集合を一つのノード</a:t>
+                </a:r>
+                <a14:m>
+                  <m:oMath xmlns:m="http://schemas.openxmlformats.org/officeDocument/2006/math">
+                    <m:sSup>
+                      <m:sSupPr>
+                        <m:ctrlPr>
+                          <a:rPr kumimoji="1" lang="en-US" altLang="ja-JP" b="0" i="1" smtClean="0">
+                            <a:latin typeface="Cambria Math" panose="02040503050406030204" pitchFamily="18" charset="0"/>
+                          </a:rPr>
+                        </m:ctrlPr>
+                      </m:sSupPr>
+                      <m:e>
+                        <m:r>
+                          <a:rPr kumimoji="1" lang="en-US" altLang="ja-JP" b="0" i="1" smtClean="0">
+                            <a:latin typeface="Cambria Math" panose="02040503050406030204" pitchFamily="18" charset="0"/>
+                          </a:rPr>
+                          <m:t>𝑠</m:t>
+                        </m:r>
+                      </m:e>
+                      <m:sup>
+                        <m:r>
+                          <a:rPr kumimoji="1" lang="en-US" altLang="ja-JP" b="0" i="1" smtClean="0">
+                            <a:latin typeface="Cambria Math" panose="02040503050406030204" pitchFamily="18" charset="0"/>
+                          </a:rPr>
+                          <m:t>′</m:t>
+                        </m:r>
+                      </m:sup>
+                    </m:sSup>
+                    <m:r>
+                      <a:rPr kumimoji="1" lang="en-US" altLang="ja-JP" b="0" i="1" smtClean="0">
+                        <a:latin typeface="Cambria Math" panose="02040503050406030204" pitchFamily="18" charset="0"/>
+                      </a:rPr>
+                      <m:t>,</m:t>
+                    </m:r>
+                    <m:r>
+                      <a:rPr kumimoji="1" lang="en-US" altLang="ja-JP" b="0" i="1" smtClean="0">
+                        <a:latin typeface="Cambria Math" panose="02040503050406030204" pitchFamily="18" charset="0"/>
+                      </a:rPr>
+                      <m:t>𝑡</m:t>
+                    </m:r>
+                    <m:r>
+                      <a:rPr kumimoji="1" lang="en-US" altLang="ja-JP" b="0" i="1" smtClean="0">
+                        <a:latin typeface="Cambria Math" panose="02040503050406030204" pitchFamily="18" charset="0"/>
+                      </a:rPr>
+                      <m:t>′</m:t>
+                    </m:r>
+                  </m:oMath>
+                </a14:m>
+                <a:r>
+                  <a:rPr kumimoji="1" lang="ja-JP" altLang="en-US" dirty="0"/>
+                  <a:t>に縮約したとして再度</a:t>
+                </a:r>
+                <a14:m>
+                  <m:oMath xmlns:m="http://schemas.openxmlformats.org/officeDocument/2006/math">
+                    <m:r>
+                      <a:rPr kumimoji="1" lang="en-US" altLang="ja-JP" b="0" i="1" smtClean="0">
+                        <a:latin typeface="Cambria Math" panose="02040503050406030204" pitchFamily="18" charset="0"/>
+                      </a:rPr>
+                      <m:t>𝑠</m:t>
+                    </m:r>
+                    <m:r>
+                      <a:rPr kumimoji="1" lang="en-US" altLang="ja-JP" b="0" i="1" smtClean="0">
+                        <a:latin typeface="Cambria Math" panose="02040503050406030204" pitchFamily="18" charset="0"/>
+                      </a:rPr>
+                      <m:t>′</m:t>
+                    </m:r>
+                  </m:oMath>
+                </a14:m>
+                <a:r>
+                  <a:rPr kumimoji="1" lang="en-US" altLang="ja-JP" dirty="0"/>
+                  <a:t>-</a:t>
+                </a:r>
+                <a14:m>
+                  <m:oMath xmlns:m="http://schemas.openxmlformats.org/officeDocument/2006/math">
+                    <m:r>
+                      <a:rPr kumimoji="1" lang="en-US" altLang="ja-JP" b="0" i="1" dirty="0" smtClean="0">
+                        <a:latin typeface="Cambria Math" panose="02040503050406030204" pitchFamily="18" charset="0"/>
+                      </a:rPr>
+                      <m:t>𝑡</m:t>
+                    </m:r>
+                    <m:r>
+                      <a:rPr kumimoji="1" lang="en-US" altLang="ja-JP" b="0" i="1" dirty="0" smtClean="0">
+                        <a:latin typeface="Cambria Math" panose="02040503050406030204" pitchFamily="18" charset="0"/>
+                      </a:rPr>
+                      <m:t>′</m:t>
+                    </m:r>
+                  </m:oMath>
+                </a14:m>
+                <a:r>
+                  <a:rPr kumimoji="1" lang="ja-JP" altLang="en-US" dirty="0"/>
+                  <a:t>点素パスの計算とカットを探索</a:t>
+                </a:r>
+                <a:endParaRPr kumimoji="1" lang="en-US" altLang="ja-JP" dirty="0"/>
+              </a:p>
+              <a:p>
+                <a:r>
+                  <a:rPr kumimoji="1" lang="ja-JP" altLang="en-US" b="0" dirty="0"/>
+                  <a:t>最大</a:t>
+                </a:r>
+                <a14:m>
+                  <m:oMath xmlns:m="http://schemas.openxmlformats.org/officeDocument/2006/math">
+                    <m:r>
+                      <a:rPr kumimoji="1" lang="en-US" altLang="ja-JP" b="0" i="1" smtClean="0">
+                        <a:latin typeface="Cambria Math" panose="02040503050406030204" pitchFamily="18" charset="0"/>
+                      </a:rPr>
+                      <m:t>𝑘</m:t>
+                    </m:r>
+                    <m:r>
+                      <a:rPr kumimoji="1" lang="en-US" altLang="ja-JP" b="0" i="1" smtClean="0">
+                        <a:latin typeface="Cambria Math" panose="02040503050406030204" pitchFamily="18" charset="0"/>
+                      </a:rPr>
+                      <m:t>=</m:t>
+                    </m:r>
+                    <m:r>
+                      <a:rPr kumimoji="1" lang="en-US" altLang="ja-JP" b="0" i="1" smtClean="0">
+                        <a:latin typeface="Cambria Math" panose="02040503050406030204" pitchFamily="18" charset="0"/>
+                      </a:rPr>
+                      <m:t>𝐾</m:t>
+                    </m:r>
+                  </m:oMath>
+                </a14:m>
+                <a:r>
+                  <a:rPr kumimoji="1" lang="ja-JP" altLang="en-US" dirty="0"/>
+                  <a:t>となるまで反復</a:t>
+                </a:r>
+                <a:endParaRPr kumimoji="1" lang="en-US" altLang="ja-JP" dirty="0"/>
+              </a:p>
+            </p:txBody>
+          </p:sp>
+        </mc:Choice>
+        <mc:Fallback>
+          <p:sp>
+            <p:nvSpPr>
+              <p:cNvPr id="3" name="コンテンツ プレースホルダー 2">
+                <a:extLst>
+                  <a:ext uri="{FF2B5EF4-FFF2-40B4-BE49-F238E27FC236}">
+                    <a16:creationId xmlns:a16="http://schemas.microsoft.com/office/drawing/2014/main" id="{3193A60D-2079-45DD-B305-714741254E66}"/>
+                  </a:ext>
+                </a:extLst>
+              </p:cNvPr>
+              <p:cNvSpPr>
+                <a:spLocks noGrp="1" noRot="1" noChangeAspect="1" noMove="1" noResize="1" noEditPoints="1" noAdjustHandles="1" noChangeArrowheads="1" noChangeShapeType="1" noTextEdit="1"/>
+              </p:cNvSpPr>
+              <p:nvPr>
+                <p:ph idx="1"/>
+              </p:nvPr>
+            </p:nvSpPr>
+            <p:spPr>
+              <a:xfrm>
+                <a:off x="628650" y="1274618"/>
+                <a:ext cx="7886700" cy="2481075"/>
+              </a:xfrm>
+              <a:blipFill>
+                <a:blip r:embed="rId2"/>
+                <a:stretch>
+                  <a:fillRect l="-1005" t="-1966" r="-1005"/>
+                </a:stretch>
+              </a:blipFill>
+            </p:spPr>
+            <p:txBody>
+              <a:bodyPr/>
+              <a:lstStyle/>
+              <a:p>
+                <a:r>
+                  <a:rPr lang="ja-JP" altLang="en-US">
+                    <a:noFill/>
+                  </a:rPr>
+                  <a:t> </a:t>
+                </a:r>
+              </a:p>
+            </p:txBody>
+          </p:sp>
+        </mc:Fallback>
+      </mc:AlternateContent>
+      <p:cxnSp>
+        <p:nvCxnSpPr>
+          <p:cNvPr id="35" name="直線コネクタ 34">
+            <a:extLst>
+              <a:ext uri="{FF2B5EF4-FFF2-40B4-BE49-F238E27FC236}">
+                <a16:creationId xmlns:a16="http://schemas.microsoft.com/office/drawing/2014/main" id="{B67030D9-ED91-484D-9B0A-7145D22CEEA4}"/>
+              </a:ext>
+            </a:extLst>
+          </p:cNvPr>
+          <p:cNvCxnSpPr/>
+          <p:nvPr/>
+        </p:nvCxnSpPr>
+        <p:spPr>
+          <a:xfrm>
+            <a:off x="760927" y="4763038"/>
+            <a:ext cx="2764910" cy="0"/>
+          </a:xfrm>
+          <a:prstGeom prst="line">
+            <a:avLst/>
+          </a:prstGeom>
+          <a:ln w="25400"/>
+        </p:spPr>
+        <p:style>
+          <a:lnRef idx="1">
+            <a:schemeClr val="dk1"/>
+          </a:lnRef>
+          <a:fillRef idx="0">
+            <a:schemeClr val="dk1"/>
+          </a:fillRef>
+          <a:effectRef idx="0">
+            <a:schemeClr val="dk1"/>
+          </a:effectRef>
+          <a:fontRef idx="minor">
+            <a:schemeClr val="tx1"/>
+          </a:fontRef>
+        </p:style>
+      </p:cxnSp>
+      <p:cxnSp>
+        <p:nvCxnSpPr>
+          <p:cNvPr id="36" name="直線コネクタ 35">
+            <a:extLst>
+              <a:ext uri="{FF2B5EF4-FFF2-40B4-BE49-F238E27FC236}">
+                <a16:creationId xmlns:a16="http://schemas.microsoft.com/office/drawing/2014/main" id="{AC33CE2F-556D-497C-82DF-1E6CF148EA22}"/>
+              </a:ext>
+            </a:extLst>
+          </p:cNvPr>
+          <p:cNvCxnSpPr/>
+          <p:nvPr/>
+        </p:nvCxnSpPr>
+        <p:spPr>
+          <a:xfrm>
+            <a:off x="760927" y="5143102"/>
+            <a:ext cx="2764910" cy="0"/>
+          </a:xfrm>
+          <a:prstGeom prst="line">
+            <a:avLst/>
+          </a:prstGeom>
+          <a:ln w="25400"/>
+        </p:spPr>
+        <p:style>
+          <a:lnRef idx="1">
+            <a:schemeClr val="dk1"/>
+          </a:lnRef>
+          <a:fillRef idx="0">
+            <a:schemeClr val="dk1"/>
+          </a:fillRef>
+          <a:effectRef idx="0">
+            <a:schemeClr val="dk1"/>
+          </a:effectRef>
+          <a:fontRef idx="minor">
+            <a:schemeClr val="tx1"/>
+          </a:fontRef>
+        </p:style>
+      </p:cxnSp>
+      <p:cxnSp>
+        <p:nvCxnSpPr>
+          <p:cNvPr id="37" name="直線コネクタ 36">
+            <a:extLst>
+              <a:ext uri="{FF2B5EF4-FFF2-40B4-BE49-F238E27FC236}">
+                <a16:creationId xmlns:a16="http://schemas.microsoft.com/office/drawing/2014/main" id="{574F9627-7C06-45B8-A83A-31CF6D1D899F}"/>
+              </a:ext>
+            </a:extLst>
+          </p:cNvPr>
+          <p:cNvCxnSpPr/>
+          <p:nvPr/>
+        </p:nvCxnSpPr>
+        <p:spPr>
+          <a:xfrm>
+            <a:off x="760927" y="5556948"/>
+            <a:ext cx="2764910" cy="0"/>
+          </a:xfrm>
+          <a:prstGeom prst="line">
+            <a:avLst/>
+          </a:prstGeom>
+          <a:ln w="25400"/>
+        </p:spPr>
+        <p:style>
+          <a:lnRef idx="1">
+            <a:schemeClr val="dk1"/>
+          </a:lnRef>
+          <a:fillRef idx="0">
+            <a:schemeClr val="dk1"/>
+          </a:fillRef>
+          <a:effectRef idx="0">
+            <a:schemeClr val="dk1"/>
+          </a:effectRef>
+          <a:fontRef idx="minor">
+            <a:schemeClr val="tx1"/>
+          </a:fontRef>
+        </p:style>
+      </p:cxnSp>
+      <mc:AlternateContent xmlns:mc="http://schemas.openxmlformats.org/markup-compatibility/2006">
+        <mc:Choice xmlns:a14="http://schemas.microsoft.com/office/drawing/2010/main" Requires="a14">
+          <p:sp>
+            <p:nvSpPr>
+              <p:cNvPr id="38" name="テキスト ボックス 37">
+                <a:extLst>
+                  <a:ext uri="{FF2B5EF4-FFF2-40B4-BE49-F238E27FC236}">
+                    <a16:creationId xmlns:a16="http://schemas.microsoft.com/office/drawing/2014/main" id="{87377B69-FAE9-489A-A74E-EB543B523153}"/>
+                  </a:ext>
+                </a:extLst>
+              </p:cNvPr>
+              <p:cNvSpPr txBox="1"/>
+              <p:nvPr/>
+            </p:nvSpPr>
+            <p:spPr>
+              <a:xfrm>
+                <a:off x="3362191" y="5115092"/>
+                <a:ext cx="834037" cy="441856"/>
+              </a:xfrm>
+              <a:prstGeom prst="rect">
+                <a:avLst/>
+              </a:prstGeom>
+              <a:noFill/>
+            </p:spPr>
+            <p:txBody>
+              <a:bodyPr wrap="square" rtlCol="0">
+                <a:spAutoFit/>
+              </a:bodyPr>
+              <a:lstStyle/>
+              <a:p>
+                <a:pPr algn="l"/>
+                <a14:m>
+                  <m:oMathPara xmlns:m="http://schemas.openxmlformats.org/officeDocument/2006/math">
+                    <m:oMathParaPr>
+                      <m:jc m:val="centerGroup"/>
+                    </m:oMathParaPr>
+                    <m:oMath xmlns:m="http://schemas.openxmlformats.org/officeDocument/2006/math">
+                      <m:r>
+                        <a:rPr kumimoji="1" lang="en-US" altLang="ja-JP" sz="3600" b="0" i="1" smtClean="0">
+                          <a:solidFill>
+                            <a:schemeClr val="tx1"/>
+                          </a:solidFill>
+                          <a:latin typeface="Cambria Math" panose="02040503050406030204" pitchFamily="18" charset="0"/>
+                          <a:ea typeface="メイリオ" panose="020B0604030504040204" pitchFamily="50" charset="-128"/>
+                        </a:rPr>
+                        <m:t>𝑡</m:t>
+                      </m:r>
+                    </m:oMath>
+                  </m:oMathPara>
+                </a14:m>
+                <a:endParaRPr kumimoji="1" lang="ja-JP" altLang="en-US" sz="3600" dirty="0">
+                  <a:solidFill>
+                    <a:schemeClr val="tx1"/>
+                  </a:solidFill>
+                  <a:latin typeface="メイリオ" panose="020B0604030504040204" pitchFamily="50" charset="-128"/>
+                  <a:ea typeface="メイリオ" panose="020B0604030504040204" pitchFamily="50" charset="-128"/>
+                </a:endParaRPr>
+              </a:p>
+            </p:txBody>
+          </p:sp>
+        </mc:Choice>
+        <mc:Fallback>
+          <p:sp>
+            <p:nvSpPr>
+              <p:cNvPr id="38" name="テキスト ボックス 37">
+                <a:extLst>
+                  <a:ext uri="{FF2B5EF4-FFF2-40B4-BE49-F238E27FC236}">
+                    <a16:creationId xmlns:a16="http://schemas.microsoft.com/office/drawing/2014/main" id="{87377B69-FAE9-489A-A74E-EB543B523153}"/>
+                  </a:ext>
+                </a:extLst>
+              </p:cNvPr>
+              <p:cNvSpPr txBox="1">
+                <a:spLocks noRot="1" noChangeAspect="1" noMove="1" noResize="1" noEditPoints="1" noAdjustHandles="1" noChangeArrowheads="1" noChangeShapeType="1" noTextEdit="1"/>
+              </p:cNvSpPr>
+              <p:nvPr/>
+            </p:nvSpPr>
+            <p:spPr>
+              <a:xfrm>
+                <a:off x="3362191" y="5115092"/>
+                <a:ext cx="834037" cy="441856"/>
+              </a:xfrm>
+              <a:prstGeom prst="rect">
+                <a:avLst/>
+              </a:prstGeom>
+              <a:blipFill>
+                <a:blip r:embed="rId3"/>
+                <a:stretch>
+                  <a:fillRect b="-2740"/>
+                </a:stretch>
+              </a:blipFill>
+            </p:spPr>
+            <p:txBody>
+              <a:bodyPr/>
+              <a:lstStyle/>
+              <a:p>
+                <a:r>
+                  <a:rPr lang="ja-JP" altLang="en-US">
+                    <a:noFill/>
+                  </a:rPr>
+                  <a:t> </a:t>
+                </a:r>
+              </a:p>
+            </p:txBody>
+          </p:sp>
+        </mc:Fallback>
+      </mc:AlternateContent>
+      <p:cxnSp>
+        <p:nvCxnSpPr>
+          <p:cNvPr id="39" name="直線コネクタ 38">
+            <a:extLst>
+              <a:ext uri="{FF2B5EF4-FFF2-40B4-BE49-F238E27FC236}">
+                <a16:creationId xmlns:a16="http://schemas.microsoft.com/office/drawing/2014/main" id="{97709533-D66F-4D96-B9CF-28E7C1259220}"/>
+              </a:ext>
+            </a:extLst>
+          </p:cNvPr>
+          <p:cNvCxnSpPr/>
+          <p:nvPr/>
+        </p:nvCxnSpPr>
+        <p:spPr>
+          <a:xfrm>
+            <a:off x="760927" y="6004579"/>
+            <a:ext cx="2764910" cy="0"/>
+          </a:xfrm>
+          <a:prstGeom prst="line">
+            <a:avLst/>
+          </a:prstGeom>
+          <a:ln w="25400"/>
+        </p:spPr>
+        <p:style>
+          <a:lnRef idx="1">
+            <a:schemeClr val="dk1"/>
+          </a:lnRef>
+          <a:fillRef idx="0">
+            <a:schemeClr val="dk1"/>
+          </a:fillRef>
+          <a:effectRef idx="0">
+            <a:schemeClr val="dk1"/>
+          </a:effectRef>
+          <a:fontRef idx="minor">
+            <a:schemeClr val="tx1"/>
+          </a:fontRef>
+        </p:style>
+      </p:cxnSp>
+      <mc:AlternateContent xmlns:mc="http://schemas.openxmlformats.org/markup-compatibility/2006">
+        <mc:Choice xmlns:a14="http://schemas.microsoft.com/office/drawing/2010/main" Requires="a14">
+          <p:sp>
+            <p:nvSpPr>
+              <p:cNvPr id="40" name="テキスト ボックス 39">
+                <a:extLst>
+                  <a:ext uri="{FF2B5EF4-FFF2-40B4-BE49-F238E27FC236}">
+                    <a16:creationId xmlns:a16="http://schemas.microsoft.com/office/drawing/2014/main" id="{EDAF564C-76D1-475F-97A1-3643F0DE23BB}"/>
+                  </a:ext>
+                </a:extLst>
+              </p:cNvPr>
+              <p:cNvSpPr txBox="1"/>
+              <p:nvPr/>
+            </p:nvSpPr>
+            <p:spPr>
+              <a:xfrm>
+                <a:off x="211632" y="4388749"/>
+                <a:ext cx="834037" cy="357622"/>
+              </a:xfrm>
+              <a:prstGeom prst="rect">
+                <a:avLst/>
+              </a:prstGeom>
+              <a:noFill/>
+            </p:spPr>
+            <p:txBody>
+              <a:bodyPr wrap="square" rtlCol="0">
+                <a:spAutoFit/>
+              </a:bodyPr>
+              <a:lstStyle/>
+              <a:p>
+                <a:pPr algn="l"/>
+                <a14:m>
+                  <m:oMathPara xmlns:m="http://schemas.openxmlformats.org/officeDocument/2006/math">
+                    <m:oMathParaPr>
+                      <m:jc m:val="centerGroup"/>
+                    </m:oMathParaPr>
+                    <m:oMath xmlns:m="http://schemas.openxmlformats.org/officeDocument/2006/math">
+                      <m:sSub>
+                        <m:sSubPr>
+                          <m:ctrlPr>
+                            <a:rPr kumimoji="1" lang="en-US" altLang="ja-JP" sz="2800" b="0" i="1" smtClean="0">
+                              <a:solidFill>
+                                <a:schemeClr val="tx1"/>
+                              </a:solidFill>
+                              <a:latin typeface="Cambria Math" panose="02040503050406030204" pitchFamily="18" charset="0"/>
+                              <a:ea typeface="メイリオ" panose="020B0604030504040204" pitchFamily="50" charset="-128"/>
+                            </a:rPr>
+                          </m:ctrlPr>
+                        </m:sSubPr>
+                        <m:e>
+                          <m:r>
+                            <a:rPr kumimoji="1" lang="en-US" altLang="ja-JP" sz="2800" b="0" i="1" smtClean="0">
+                              <a:solidFill>
+                                <a:schemeClr val="tx1"/>
+                              </a:solidFill>
+                              <a:latin typeface="Cambria Math" panose="02040503050406030204" pitchFamily="18" charset="0"/>
+                              <a:ea typeface="メイリオ" panose="020B0604030504040204" pitchFamily="50" charset="-128"/>
+                            </a:rPr>
+                            <m:t>𝑓</m:t>
+                          </m:r>
+                        </m:e>
+                        <m:sub>
+                          <m:r>
+                            <a:rPr kumimoji="1" lang="en-US" altLang="ja-JP" sz="2800" b="0" i="1" smtClean="0">
+                              <a:solidFill>
+                                <a:schemeClr val="tx1"/>
+                              </a:solidFill>
+                              <a:latin typeface="Cambria Math" panose="02040503050406030204" pitchFamily="18" charset="0"/>
+                              <a:ea typeface="メイリオ" panose="020B0604030504040204" pitchFamily="50" charset="-128"/>
+                            </a:rPr>
+                            <m:t>1</m:t>
+                          </m:r>
+                        </m:sub>
+                      </m:sSub>
+                    </m:oMath>
+                  </m:oMathPara>
+                </a14:m>
+                <a:endParaRPr kumimoji="1" lang="ja-JP" altLang="en-US" sz="2800" dirty="0">
+                  <a:solidFill>
+                    <a:schemeClr val="tx1"/>
+                  </a:solidFill>
+                  <a:latin typeface="メイリオ" panose="020B0604030504040204" pitchFamily="50" charset="-128"/>
+                  <a:ea typeface="メイリオ" panose="020B0604030504040204" pitchFamily="50" charset="-128"/>
+                </a:endParaRPr>
+              </a:p>
+            </p:txBody>
+          </p:sp>
+        </mc:Choice>
+        <mc:Fallback>
+          <p:sp>
+            <p:nvSpPr>
+              <p:cNvPr id="40" name="テキスト ボックス 39">
+                <a:extLst>
+                  <a:ext uri="{FF2B5EF4-FFF2-40B4-BE49-F238E27FC236}">
+                    <a16:creationId xmlns:a16="http://schemas.microsoft.com/office/drawing/2014/main" id="{EDAF564C-76D1-475F-97A1-3643F0DE23BB}"/>
+                  </a:ext>
+                </a:extLst>
+              </p:cNvPr>
+              <p:cNvSpPr txBox="1">
+                <a:spLocks noRot="1" noChangeAspect="1" noMove="1" noResize="1" noEditPoints="1" noAdjustHandles="1" noChangeArrowheads="1" noChangeShapeType="1" noTextEdit="1"/>
+              </p:cNvSpPr>
+              <p:nvPr/>
+            </p:nvSpPr>
+            <p:spPr>
+              <a:xfrm>
+                <a:off x="211632" y="4388749"/>
+                <a:ext cx="834037" cy="357622"/>
+              </a:xfrm>
+              <a:prstGeom prst="rect">
+                <a:avLst/>
+              </a:prstGeom>
+              <a:blipFill>
+                <a:blip r:embed="rId4"/>
+                <a:stretch>
+                  <a:fillRect b="-64407"/>
+                </a:stretch>
+              </a:blipFill>
+            </p:spPr>
+            <p:txBody>
+              <a:bodyPr/>
+              <a:lstStyle/>
+              <a:p>
+                <a:r>
+                  <a:rPr lang="ja-JP" altLang="en-US">
+                    <a:noFill/>
+                  </a:rPr>
+                  <a:t> </a:t>
+                </a:r>
+              </a:p>
+            </p:txBody>
+          </p:sp>
+        </mc:Fallback>
+      </mc:AlternateContent>
+      <mc:AlternateContent xmlns:mc="http://schemas.openxmlformats.org/markup-compatibility/2006">
+        <mc:Choice xmlns:a14="http://schemas.microsoft.com/office/drawing/2010/main" Requires="a14">
+          <p:sp>
+            <p:nvSpPr>
+              <p:cNvPr id="41" name="テキスト ボックス 40">
+                <a:extLst>
+                  <a:ext uri="{FF2B5EF4-FFF2-40B4-BE49-F238E27FC236}">
+                    <a16:creationId xmlns:a16="http://schemas.microsoft.com/office/drawing/2014/main" id="{BC9312D6-8AC3-4A87-BB20-4EB4D2DC4951}"/>
+                  </a:ext>
+                </a:extLst>
+              </p:cNvPr>
+              <p:cNvSpPr txBox="1"/>
+              <p:nvPr/>
+            </p:nvSpPr>
+            <p:spPr>
+              <a:xfrm>
+                <a:off x="211632" y="4794038"/>
+                <a:ext cx="834037" cy="357622"/>
+              </a:xfrm>
+              <a:prstGeom prst="rect">
+                <a:avLst/>
+              </a:prstGeom>
+              <a:noFill/>
+            </p:spPr>
+            <p:txBody>
+              <a:bodyPr wrap="square" rtlCol="0">
+                <a:spAutoFit/>
+              </a:bodyPr>
+              <a:lstStyle/>
+              <a:p>
+                <a:pPr algn="l"/>
+                <a14:m>
+                  <m:oMathPara xmlns:m="http://schemas.openxmlformats.org/officeDocument/2006/math">
+                    <m:oMathParaPr>
+                      <m:jc m:val="centerGroup"/>
+                    </m:oMathParaPr>
+                    <m:oMath xmlns:m="http://schemas.openxmlformats.org/officeDocument/2006/math">
+                      <m:sSub>
+                        <m:sSubPr>
+                          <m:ctrlPr>
+                            <a:rPr kumimoji="1" lang="en-US" altLang="ja-JP" sz="2800" b="0" i="1" smtClean="0">
+                              <a:solidFill>
+                                <a:schemeClr val="tx1"/>
+                              </a:solidFill>
+                              <a:latin typeface="Cambria Math" panose="02040503050406030204" pitchFamily="18" charset="0"/>
+                              <a:ea typeface="メイリオ" panose="020B0604030504040204" pitchFamily="50" charset="-128"/>
+                            </a:rPr>
+                          </m:ctrlPr>
+                        </m:sSubPr>
+                        <m:e>
+                          <m:r>
+                            <a:rPr kumimoji="1" lang="en-US" altLang="ja-JP" sz="2800" b="0" i="1" smtClean="0">
+                              <a:solidFill>
+                                <a:schemeClr val="tx1"/>
+                              </a:solidFill>
+                              <a:latin typeface="Cambria Math" panose="02040503050406030204" pitchFamily="18" charset="0"/>
+                              <a:ea typeface="メイリオ" panose="020B0604030504040204" pitchFamily="50" charset="-128"/>
+                            </a:rPr>
+                            <m:t>𝑓</m:t>
+                          </m:r>
+                        </m:e>
+                        <m:sub>
+                          <m:r>
+                            <a:rPr kumimoji="1" lang="en-US" altLang="ja-JP" sz="2800" b="0" i="1" smtClean="0">
+                              <a:solidFill>
+                                <a:schemeClr val="tx1"/>
+                              </a:solidFill>
+                              <a:latin typeface="Cambria Math" panose="02040503050406030204" pitchFamily="18" charset="0"/>
+                              <a:ea typeface="メイリオ" panose="020B0604030504040204" pitchFamily="50" charset="-128"/>
+                            </a:rPr>
+                            <m:t>2</m:t>
+                          </m:r>
+                        </m:sub>
+                      </m:sSub>
+                    </m:oMath>
+                  </m:oMathPara>
+                </a14:m>
+                <a:endParaRPr kumimoji="1" lang="ja-JP" altLang="en-US" sz="2800" dirty="0">
+                  <a:solidFill>
+                    <a:schemeClr val="tx1"/>
+                  </a:solidFill>
+                  <a:latin typeface="メイリオ" panose="020B0604030504040204" pitchFamily="50" charset="-128"/>
+                  <a:ea typeface="メイリオ" panose="020B0604030504040204" pitchFamily="50" charset="-128"/>
+                </a:endParaRPr>
+              </a:p>
+            </p:txBody>
+          </p:sp>
+        </mc:Choice>
+        <mc:Fallback>
+          <p:sp>
+            <p:nvSpPr>
+              <p:cNvPr id="41" name="テキスト ボックス 40">
+                <a:extLst>
+                  <a:ext uri="{FF2B5EF4-FFF2-40B4-BE49-F238E27FC236}">
+                    <a16:creationId xmlns:a16="http://schemas.microsoft.com/office/drawing/2014/main" id="{BC9312D6-8AC3-4A87-BB20-4EB4D2DC4951}"/>
+                  </a:ext>
+                </a:extLst>
+              </p:cNvPr>
+              <p:cNvSpPr txBox="1">
+                <a:spLocks noRot="1" noChangeAspect="1" noMove="1" noResize="1" noEditPoints="1" noAdjustHandles="1" noChangeArrowheads="1" noChangeShapeType="1" noTextEdit="1"/>
+              </p:cNvSpPr>
+              <p:nvPr/>
+            </p:nvSpPr>
+            <p:spPr>
+              <a:xfrm>
+                <a:off x="211632" y="4794038"/>
+                <a:ext cx="834037" cy="357622"/>
+              </a:xfrm>
+              <a:prstGeom prst="rect">
+                <a:avLst/>
+              </a:prstGeom>
+              <a:blipFill>
+                <a:blip r:embed="rId5"/>
+                <a:stretch>
+                  <a:fillRect b="-66102"/>
+                </a:stretch>
+              </a:blipFill>
+            </p:spPr>
+            <p:txBody>
+              <a:bodyPr/>
+              <a:lstStyle/>
+              <a:p>
+                <a:r>
+                  <a:rPr lang="ja-JP" altLang="en-US">
+                    <a:noFill/>
+                  </a:rPr>
+                  <a:t> </a:t>
+                </a:r>
+              </a:p>
+            </p:txBody>
+          </p:sp>
+        </mc:Fallback>
+      </mc:AlternateContent>
+      <mc:AlternateContent xmlns:mc="http://schemas.openxmlformats.org/markup-compatibility/2006">
+        <mc:Choice xmlns:a14="http://schemas.microsoft.com/office/drawing/2010/main" Requires="a14">
+          <p:sp>
+            <p:nvSpPr>
+              <p:cNvPr id="42" name="テキスト ボックス 41">
+                <a:extLst>
+                  <a:ext uri="{FF2B5EF4-FFF2-40B4-BE49-F238E27FC236}">
+                    <a16:creationId xmlns:a16="http://schemas.microsoft.com/office/drawing/2014/main" id="{DB969166-E6AA-4218-A57B-9116F7C59D49}"/>
+                  </a:ext>
+                </a:extLst>
+              </p:cNvPr>
+              <p:cNvSpPr txBox="1"/>
+              <p:nvPr/>
+            </p:nvSpPr>
+            <p:spPr>
+              <a:xfrm>
+                <a:off x="211632" y="5224542"/>
+                <a:ext cx="834037" cy="357622"/>
+              </a:xfrm>
+              <a:prstGeom prst="rect">
+                <a:avLst/>
+              </a:prstGeom>
+              <a:noFill/>
+            </p:spPr>
+            <p:txBody>
+              <a:bodyPr wrap="square" rtlCol="0">
+                <a:spAutoFit/>
+              </a:bodyPr>
+              <a:lstStyle/>
+              <a:p>
+                <a:pPr algn="l"/>
+                <a14:m>
+                  <m:oMathPara xmlns:m="http://schemas.openxmlformats.org/officeDocument/2006/math">
+                    <m:oMathParaPr>
+                      <m:jc m:val="centerGroup"/>
+                    </m:oMathParaPr>
+                    <m:oMath xmlns:m="http://schemas.openxmlformats.org/officeDocument/2006/math">
+                      <m:sSub>
+                        <m:sSubPr>
+                          <m:ctrlPr>
+                            <a:rPr kumimoji="1" lang="en-US" altLang="ja-JP" sz="2800" b="0" i="1" smtClean="0">
+                              <a:solidFill>
+                                <a:schemeClr val="tx1"/>
+                              </a:solidFill>
+                              <a:latin typeface="Cambria Math" panose="02040503050406030204" pitchFamily="18" charset="0"/>
+                              <a:ea typeface="メイリオ" panose="020B0604030504040204" pitchFamily="50" charset="-128"/>
+                            </a:rPr>
+                          </m:ctrlPr>
+                        </m:sSubPr>
+                        <m:e>
+                          <m:r>
+                            <a:rPr kumimoji="1" lang="en-US" altLang="ja-JP" sz="2800" b="0" i="1" smtClean="0">
+                              <a:solidFill>
+                                <a:schemeClr val="tx1"/>
+                              </a:solidFill>
+                              <a:latin typeface="Cambria Math" panose="02040503050406030204" pitchFamily="18" charset="0"/>
+                              <a:ea typeface="メイリオ" panose="020B0604030504040204" pitchFamily="50" charset="-128"/>
+                            </a:rPr>
+                            <m:t>𝑓</m:t>
+                          </m:r>
+                        </m:e>
+                        <m:sub>
+                          <m:r>
+                            <a:rPr kumimoji="1" lang="en-US" altLang="ja-JP" sz="2800" b="0" i="1" smtClean="0">
+                              <a:solidFill>
+                                <a:schemeClr val="tx1"/>
+                              </a:solidFill>
+                              <a:latin typeface="Cambria Math" panose="02040503050406030204" pitchFamily="18" charset="0"/>
+                              <a:ea typeface="メイリオ" panose="020B0604030504040204" pitchFamily="50" charset="-128"/>
+                            </a:rPr>
+                            <m:t>3</m:t>
+                          </m:r>
+                        </m:sub>
+                      </m:sSub>
+                    </m:oMath>
+                  </m:oMathPara>
+                </a14:m>
+                <a:endParaRPr kumimoji="1" lang="ja-JP" altLang="en-US" sz="2800" dirty="0">
+                  <a:solidFill>
+                    <a:schemeClr val="tx1"/>
+                  </a:solidFill>
+                  <a:latin typeface="メイリオ" panose="020B0604030504040204" pitchFamily="50" charset="-128"/>
+                  <a:ea typeface="メイリオ" panose="020B0604030504040204" pitchFamily="50" charset="-128"/>
+                </a:endParaRPr>
+              </a:p>
+            </p:txBody>
+          </p:sp>
+        </mc:Choice>
+        <mc:Fallback>
+          <p:sp>
+            <p:nvSpPr>
+              <p:cNvPr id="42" name="テキスト ボックス 41">
+                <a:extLst>
+                  <a:ext uri="{FF2B5EF4-FFF2-40B4-BE49-F238E27FC236}">
+                    <a16:creationId xmlns:a16="http://schemas.microsoft.com/office/drawing/2014/main" id="{DB969166-E6AA-4218-A57B-9116F7C59D49}"/>
+                  </a:ext>
+                </a:extLst>
+              </p:cNvPr>
+              <p:cNvSpPr txBox="1">
+                <a:spLocks noRot="1" noChangeAspect="1" noMove="1" noResize="1" noEditPoints="1" noAdjustHandles="1" noChangeArrowheads="1" noChangeShapeType="1" noTextEdit="1"/>
+              </p:cNvSpPr>
+              <p:nvPr/>
+            </p:nvSpPr>
+            <p:spPr>
+              <a:xfrm>
+                <a:off x="211632" y="5224542"/>
+                <a:ext cx="834037" cy="357622"/>
+              </a:xfrm>
+              <a:prstGeom prst="rect">
+                <a:avLst/>
+              </a:prstGeom>
+              <a:blipFill>
+                <a:blip r:embed="rId6"/>
+                <a:stretch>
+                  <a:fillRect b="-66102"/>
+                </a:stretch>
+              </a:blipFill>
+            </p:spPr>
+            <p:txBody>
+              <a:bodyPr/>
+              <a:lstStyle/>
+              <a:p>
+                <a:r>
+                  <a:rPr lang="ja-JP" altLang="en-US">
+                    <a:noFill/>
+                  </a:rPr>
+                  <a:t> </a:t>
+                </a:r>
+              </a:p>
+            </p:txBody>
+          </p:sp>
+        </mc:Fallback>
+      </mc:AlternateContent>
+      <mc:AlternateContent xmlns:mc="http://schemas.openxmlformats.org/markup-compatibility/2006">
+        <mc:Choice xmlns:a14="http://schemas.microsoft.com/office/drawing/2010/main" Requires="a14">
+          <p:sp>
+            <p:nvSpPr>
+              <p:cNvPr id="43" name="テキスト ボックス 42">
+                <a:extLst>
+                  <a:ext uri="{FF2B5EF4-FFF2-40B4-BE49-F238E27FC236}">
+                    <a16:creationId xmlns:a16="http://schemas.microsoft.com/office/drawing/2014/main" id="{5ADFABBF-1737-449B-86F8-353660EB16E0}"/>
+                  </a:ext>
+                </a:extLst>
+              </p:cNvPr>
+              <p:cNvSpPr txBox="1"/>
+              <p:nvPr/>
+            </p:nvSpPr>
+            <p:spPr>
+              <a:xfrm>
+                <a:off x="211631" y="6110255"/>
+                <a:ext cx="834037" cy="357622"/>
+              </a:xfrm>
+              <a:prstGeom prst="rect">
+                <a:avLst/>
+              </a:prstGeom>
+              <a:noFill/>
+            </p:spPr>
+            <p:txBody>
+              <a:bodyPr wrap="square" rtlCol="0">
+                <a:spAutoFit/>
+              </a:bodyPr>
+              <a:lstStyle/>
+              <a:p>
+                <a:pPr algn="l"/>
+                <a14:m>
+                  <m:oMathPara xmlns:m="http://schemas.openxmlformats.org/officeDocument/2006/math">
+                    <m:oMathParaPr>
+                      <m:jc m:val="centerGroup"/>
+                    </m:oMathParaPr>
+                    <m:oMath xmlns:m="http://schemas.openxmlformats.org/officeDocument/2006/math">
+                      <m:sSub>
+                        <m:sSubPr>
+                          <m:ctrlPr>
+                            <a:rPr kumimoji="1" lang="en-US" altLang="ja-JP" sz="2800" b="0" i="1" smtClean="0">
+                              <a:solidFill>
+                                <a:schemeClr val="tx1"/>
+                              </a:solidFill>
+                              <a:latin typeface="Cambria Math" panose="02040503050406030204" pitchFamily="18" charset="0"/>
+                              <a:ea typeface="メイリオ" panose="020B0604030504040204" pitchFamily="50" charset="-128"/>
+                            </a:rPr>
+                          </m:ctrlPr>
+                        </m:sSubPr>
+                        <m:e>
+                          <m:r>
+                            <a:rPr kumimoji="1" lang="en-US" altLang="ja-JP" sz="2800" b="0" i="1" smtClean="0">
+                              <a:solidFill>
+                                <a:schemeClr val="tx1"/>
+                              </a:solidFill>
+                              <a:latin typeface="Cambria Math" panose="02040503050406030204" pitchFamily="18" charset="0"/>
+                              <a:ea typeface="メイリオ" panose="020B0604030504040204" pitchFamily="50" charset="-128"/>
+                            </a:rPr>
+                            <m:t>𝑓</m:t>
+                          </m:r>
+                        </m:e>
+                        <m:sub>
+                          <m:r>
+                            <a:rPr kumimoji="1" lang="en-US" altLang="ja-JP" sz="2800" b="0" i="1" smtClean="0">
+                              <a:solidFill>
+                                <a:schemeClr val="tx1"/>
+                              </a:solidFill>
+                              <a:latin typeface="Cambria Math" panose="02040503050406030204" pitchFamily="18" charset="0"/>
+                              <a:ea typeface="メイリオ" panose="020B0604030504040204" pitchFamily="50" charset="-128"/>
+                            </a:rPr>
+                            <m:t>𝑘</m:t>
+                          </m:r>
+                        </m:sub>
+                      </m:sSub>
+                    </m:oMath>
+                  </m:oMathPara>
+                </a14:m>
+                <a:endParaRPr kumimoji="1" lang="ja-JP" altLang="en-US" sz="2800" dirty="0">
+                  <a:solidFill>
+                    <a:schemeClr val="tx1"/>
+                  </a:solidFill>
+                  <a:latin typeface="メイリオ" panose="020B0604030504040204" pitchFamily="50" charset="-128"/>
+                  <a:ea typeface="メイリオ" panose="020B0604030504040204" pitchFamily="50" charset="-128"/>
+                </a:endParaRPr>
+              </a:p>
+            </p:txBody>
+          </p:sp>
+        </mc:Choice>
+        <mc:Fallback>
+          <p:sp>
+            <p:nvSpPr>
+              <p:cNvPr id="43" name="テキスト ボックス 42">
+                <a:extLst>
+                  <a:ext uri="{FF2B5EF4-FFF2-40B4-BE49-F238E27FC236}">
+                    <a16:creationId xmlns:a16="http://schemas.microsoft.com/office/drawing/2014/main" id="{5ADFABBF-1737-449B-86F8-353660EB16E0}"/>
+                  </a:ext>
+                </a:extLst>
+              </p:cNvPr>
+              <p:cNvSpPr txBox="1">
+                <a:spLocks noRot="1" noChangeAspect="1" noMove="1" noResize="1" noEditPoints="1" noAdjustHandles="1" noChangeArrowheads="1" noChangeShapeType="1" noTextEdit="1"/>
+              </p:cNvSpPr>
+              <p:nvPr/>
+            </p:nvSpPr>
+            <p:spPr>
+              <a:xfrm>
+                <a:off x="211631" y="6110255"/>
+                <a:ext cx="834037" cy="357622"/>
+              </a:xfrm>
+              <a:prstGeom prst="rect">
+                <a:avLst/>
+              </a:prstGeom>
+              <a:blipFill>
+                <a:blip r:embed="rId7"/>
+                <a:stretch>
+                  <a:fillRect b="-66102"/>
+                </a:stretch>
+              </a:blipFill>
+            </p:spPr>
+            <p:txBody>
+              <a:bodyPr/>
+              <a:lstStyle/>
+              <a:p>
+                <a:r>
+                  <a:rPr lang="ja-JP" altLang="en-US">
+                    <a:noFill/>
+                  </a:rPr>
+                  <a:t> </a:t>
+                </a:r>
+              </a:p>
+            </p:txBody>
+          </p:sp>
+        </mc:Fallback>
+      </mc:AlternateContent>
+      <p:cxnSp>
+        <p:nvCxnSpPr>
+          <p:cNvPr id="44" name="直線コネクタ 43">
+            <a:extLst>
+              <a:ext uri="{FF2B5EF4-FFF2-40B4-BE49-F238E27FC236}">
+                <a16:creationId xmlns:a16="http://schemas.microsoft.com/office/drawing/2014/main" id="{1DB6AEA1-9350-4758-90A3-6EB8E35C5D09}"/>
+              </a:ext>
+            </a:extLst>
+          </p:cNvPr>
+          <p:cNvCxnSpPr>
+            <a:cxnSpLocks/>
+          </p:cNvCxnSpPr>
+          <p:nvPr/>
+        </p:nvCxnSpPr>
+        <p:spPr>
+          <a:xfrm>
+            <a:off x="2105396" y="5666746"/>
+            <a:ext cx="0" cy="236361"/>
+          </a:xfrm>
+          <a:prstGeom prst="line">
+            <a:avLst/>
+          </a:prstGeom>
+          <a:ln w="25400">
+            <a:prstDash val="sysDot"/>
+          </a:ln>
+        </p:spPr>
+        <p:style>
+          <a:lnRef idx="1">
+            <a:schemeClr val="dk1"/>
+          </a:lnRef>
+          <a:fillRef idx="0">
+            <a:schemeClr val="dk1"/>
+          </a:fillRef>
+          <a:effectRef idx="0">
+            <a:schemeClr val="dk1"/>
+          </a:effectRef>
+          <a:fontRef idx="minor">
+            <a:schemeClr val="tx1"/>
+          </a:fontRef>
+        </p:style>
+      </p:cxnSp>
+      <mc:AlternateContent xmlns:mc="http://schemas.openxmlformats.org/markup-compatibility/2006">
+        <mc:Choice xmlns:a14="http://schemas.microsoft.com/office/drawing/2010/main" Requires="a14">
+          <p:sp>
+            <p:nvSpPr>
+              <p:cNvPr id="45" name="テキスト ボックス 44">
+                <a:extLst>
+                  <a:ext uri="{FF2B5EF4-FFF2-40B4-BE49-F238E27FC236}">
+                    <a16:creationId xmlns:a16="http://schemas.microsoft.com/office/drawing/2014/main" id="{91EB84BC-E4E6-4137-8C77-1F6698CCB230}"/>
+                  </a:ext>
+                </a:extLst>
+              </p:cNvPr>
+              <p:cNvSpPr txBox="1"/>
+              <p:nvPr/>
+            </p:nvSpPr>
+            <p:spPr>
+              <a:xfrm>
+                <a:off x="-99906" y="5115092"/>
+                <a:ext cx="834037" cy="441856"/>
+              </a:xfrm>
+              <a:prstGeom prst="rect">
+                <a:avLst/>
+              </a:prstGeom>
+              <a:noFill/>
+            </p:spPr>
+            <p:txBody>
+              <a:bodyPr wrap="square" rtlCol="0">
+                <a:spAutoFit/>
+              </a:bodyPr>
+              <a:lstStyle/>
+              <a:p>
+                <a:pPr algn="l"/>
+                <a14:m>
+                  <m:oMathPara xmlns:m="http://schemas.openxmlformats.org/officeDocument/2006/math">
+                    <m:oMathParaPr>
+                      <m:jc m:val="centerGroup"/>
+                    </m:oMathParaPr>
+                    <m:oMath xmlns:m="http://schemas.openxmlformats.org/officeDocument/2006/math">
+                      <m:r>
+                        <a:rPr kumimoji="1" lang="en-US" altLang="ja-JP" sz="3600" b="0" i="1" smtClean="0">
+                          <a:solidFill>
+                            <a:schemeClr val="tx1"/>
+                          </a:solidFill>
+                          <a:latin typeface="Cambria Math" panose="02040503050406030204" pitchFamily="18" charset="0"/>
+                          <a:ea typeface="メイリオ" panose="020B0604030504040204" pitchFamily="50" charset="-128"/>
+                        </a:rPr>
+                        <m:t>𝑠</m:t>
+                      </m:r>
+                    </m:oMath>
+                  </m:oMathPara>
+                </a14:m>
+                <a:endParaRPr kumimoji="1" lang="ja-JP" altLang="en-US" sz="3600" dirty="0">
+                  <a:solidFill>
+                    <a:schemeClr val="tx1"/>
+                  </a:solidFill>
+                  <a:latin typeface="メイリオ" panose="020B0604030504040204" pitchFamily="50" charset="-128"/>
+                  <a:ea typeface="メイリオ" panose="020B0604030504040204" pitchFamily="50" charset="-128"/>
+                </a:endParaRPr>
+              </a:p>
+            </p:txBody>
+          </p:sp>
+        </mc:Choice>
+        <mc:Fallback>
+          <p:sp>
+            <p:nvSpPr>
+              <p:cNvPr id="45" name="テキスト ボックス 44">
+                <a:extLst>
+                  <a:ext uri="{FF2B5EF4-FFF2-40B4-BE49-F238E27FC236}">
+                    <a16:creationId xmlns:a16="http://schemas.microsoft.com/office/drawing/2014/main" id="{91EB84BC-E4E6-4137-8C77-1F6698CCB230}"/>
+                  </a:ext>
+                </a:extLst>
+              </p:cNvPr>
+              <p:cNvSpPr txBox="1">
+                <a:spLocks noRot="1" noChangeAspect="1" noMove="1" noResize="1" noEditPoints="1" noAdjustHandles="1" noChangeArrowheads="1" noChangeShapeType="1" noTextEdit="1"/>
+              </p:cNvSpPr>
+              <p:nvPr/>
+            </p:nvSpPr>
+            <p:spPr>
+              <a:xfrm>
+                <a:off x="-99906" y="5115092"/>
+                <a:ext cx="834037" cy="441856"/>
+              </a:xfrm>
+              <a:prstGeom prst="rect">
+                <a:avLst/>
+              </a:prstGeom>
+              <a:blipFill>
+                <a:blip r:embed="rId8"/>
+                <a:stretch>
+                  <a:fillRect b="-2740"/>
+                </a:stretch>
+              </a:blipFill>
+            </p:spPr>
+            <p:txBody>
+              <a:bodyPr/>
+              <a:lstStyle/>
+              <a:p>
+                <a:r>
+                  <a:rPr lang="ja-JP" altLang="en-US">
+                    <a:noFill/>
+                  </a:rPr>
+                  <a:t> </a:t>
+                </a:r>
+              </a:p>
+            </p:txBody>
+          </p:sp>
+        </mc:Fallback>
+      </mc:AlternateContent>
+      <mc:AlternateContent xmlns:mc="http://schemas.openxmlformats.org/markup-compatibility/2006">
+        <mc:Choice xmlns:a14="http://schemas.microsoft.com/office/drawing/2010/main" Requires="a14">
+          <p:sp>
+            <p:nvSpPr>
+              <p:cNvPr id="48" name="テキスト ボックス 47">
+                <a:extLst>
+                  <a:ext uri="{FF2B5EF4-FFF2-40B4-BE49-F238E27FC236}">
+                    <a16:creationId xmlns:a16="http://schemas.microsoft.com/office/drawing/2014/main" id="{089C8ED8-804F-4807-8EFB-2F2D57D005C2}"/>
+                  </a:ext>
+                </a:extLst>
+              </p:cNvPr>
+              <p:cNvSpPr txBox="1"/>
+              <p:nvPr/>
+            </p:nvSpPr>
+            <p:spPr>
+              <a:xfrm>
+                <a:off x="1226416" y="3772361"/>
+                <a:ext cx="834037" cy="646331"/>
+              </a:xfrm>
+              <a:prstGeom prst="rect">
+                <a:avLst/>
+              </a:prstGeom>
+              <a:noFill/>
+            </p:spPr>
+            <p:txBody>
+              <a:bodyPr wrap="square" rtlCol="0">
+                <a:spAutoFit/>
+              </a:bodyPr>
+              <a:lstStyle/>
+              <a:p>
+                <a:pPr algn="l"/>
+                <a14:m>
+                  <m:oMathPara xmlns:m="http://schemas.openxmlformats.org/officeDocument/2006/math">
+                    <m:oMathParaPr>
+                      <m:jc m:val="centerGroup"/>
+                    </m:oMathParaPr>
+                    <m:oMath xmlns:m="http://schemas.openxmlformats.org/officeDocument/2006/math">
+                      <m:r>
+                        <a:rPr kumimoji="1" lang="en-US" altLang="ja-JP" sz="3600" b="0" i="1" smtClean="0">
+                          <a:solidFill>
+                            <a:srgbClr val="00B0F0"/>
+                          </a:solidFill>
+                          <a:latin typeface="Cambria Math" panose="02040503050406030204" pitchFamily="18" charset="0"/>
+                          <a:ea typeface="メイリオ" panose="020B0604030504040204" pitchFamily="50" charset="-128"/>
+                        </a:rPr>
+                        <m:t>𝑆</m:t>
+                      </m:r>
+                    </m:oMath>
+                  </m:oMathPara>
+                </a14:m>
+                <a:endParaRPr kumimoji="1" lang="ja-JP" altLang="en-US" sz="3600" dirty="0">
+                  <a:solidFill>
+                    <a:srgbClr val="00B0F0"/>
+                  </a:solidFill>
+                  <a:latin typeface="メイリオ" panose="020B0604030504040204" pitchFamily="50" charset="-128"/>
+                  <a:ea typeface="メイリオ" panose="020B0604030504040204" pitchFamily="50" charset="-128"/>
+                </a:endParaRPr>
+              </a:p>
+            </p:txBody>
+          </p:sp>
+        </mc:Choice>
+        <mc:Fallback>
+          <p:sp>
+            <p:nvSpPr>
+              <p:cNvPr id="48" name="テキスト ボックス 47">
+                <a:extLst>
+                  <a:ext uri="{FF2B5EF4-FFF2-40B4-BE49-F238E27FC236}">
+                    <a16:creationId xmlns:a16="http://schemas.microsoft.com/office/drawing/2014/main" id="{089C8ED8-804F-4807-8EFB-2F2D57D005C2}"/>
+                  </a:ext>
+                </a:extLst>
+              </p:cNvPr>
+              <p:cNvSpPr txBox="1">
+                <a:spLocks noRot="1" noChangeAspect="1" noMove="1" noResize="1" noEditPoints="1" noAdjustHandles="1" noChangeArrowheads="1" noChangeShapeType="1" noTextEdit="1"/>
+              </p:cNvSpPr>
+              <p:nvPr/>
+            </p:nvSpPr>
+            <p:spPr>
+              <a:xfrm>
+                <a:off x="1226416" y="3772361"/>
+                <a:ext cx="834037" cy="646331"/>
+              </a:xfrm>
+              <a:prstGeom prst="rect">
+                <a:avLst/>
+              </a:prstGeom>
+              <a:blipFill>
+                <a:blip r:embed="rId9"/>
+                <a:stretch>
+                  <a:fillRect/>
+                </a:stretch>
+              </a:blipFill>
+            </p:spPr>
+            <p:txBody>
+              <a:bodyPr/>
+              <a:lstStyle/>
+              <a:p>
+                <a:r>
+                  <a:rPr lang="ja-JP" altLang="en-US">
+                    <a:noFill/>
+                  </a:rPr>
+                  <a:t> </a:t>
+                </a:r>
+              </a:p>
+            </p:txBody>
+          </p:sp>
+        </mc:Fallback>
+      </mc:AlternateContent>
+      <mc:AlternateContent xmlns:mc="http://schemas.openxmlformats.org/markup-compatibility/2006">
+        <mc:Choice xmlns:a14="http://schemas.microsoft.com/office/drawing/2010/main" Requires="a14">
+          <p:sp>
+            <p:nvSpPr>
+              <p:cNvPr id="49" name="テキスト ボックス 48">
+                <a:extLst>
+                  <a:ext uri="{FF2B5EF4-FFF2-40B4-BE49-F238E27FC236}">
+                    <a16:creationId xmlns:a16="http://schemas.microsoft.com/office/drawing/2014/main" id="{B4BA92CF-D2DE-470A-BB78-7365E66F1C8A}"/>
+                  </a:ext>
+                </a:extLst>
+              </p:cNvPr>
+              <p:cNvSpPr txBox="1"/>
+              <p:nvPr/>
+            </p:nvSpPr>
+            <p:spPr>
+              <a:xfrm>
+                <a:off x="2313825" y="3775819"/>
+                <a:ext cx="834037" cy="646331"/>
+              </a:xfrm>
+              <a:prstGeom prst="rect">
+                <a:avLst/>
+              </a:prstGeom>
+              <a:noFill/>
+            </p:spPr>
+            <p:txBody>
+              <a:bodyPr wrap="square" rtlCol="0">
+                <a:spAutoFit/>
+              </a:bodyPr>
+              <a:lstStyle/>
+              <a:p>
+                <a:pPr algn="l"/>
+                <a14:m>
+                  <m:oMathPara xmlns:m="http://schemas.openxmlformats.org/officeDocument/2006/math">
+                    <m:oMathParaPr>
+                      <m:jc m:val="centerGroup"/>
+                    </m:oMathParaPr>
+                    <m:oMath xmlns:m="http://schemas.openxmlformats.org/officeDocument/2006/math">
+                      <m:r>
+                        <a:rPr kumimoji="1" lang="en-US" altLang="ja-JP" sz="3600" b="0" i="1" smtClean="0">
+                          <a:solidFill>
+                            <a:srgbClr val="00B0F0"/>
+                          </a:solidFill>
+                          <a:latin typeface="Cambria Math" panose="02040503050406030204" pitchFamily="18" charset="0"/>
+                          <a:ea typeface="メイリオ" panose="020B0604030504040204" pitchFamily="50" charset="-128"/>
+                        </a:rPr>
+                        <m:t>𝑇</m:t>
+                      </m:r>
+                    </m:oMath>
+                  </m:oMathPara>
+                </a14:m>
+                <a:endParaRPr kumimoji="1" lang="ja-JP" altLang="en-US" sz="3600" dirty="0">
+                  <a:solidFill>
+                    <a:srgbClr val="00B0F0"/>
+                  </a:solidFill>
+                  <a:latin typeface="メイリオ" panose="020B0604030504040204" pitchFamily="50" charset="-128"/>
+                  <a:ea typeface="メイリオ" panose="020B0604030504040204" pitchFamily="50" charset="-128"/>
+                </a:endParaRPr>
+              </a:p>
+            </p:txBody>
+          </p:sp>
+        </mc:Choice>
+        <mc:Fallback>
+          <p:sp>
+            <p:nvSpPr>
+              <p:cNvPr id="49" name="テキスト ボックス 48">
+                <a:extLst>
+                  <a:ext uri="{FF2B5EF4-FFF2-40B4-BE49-F238E27FC236}">
+                    <a16:creationId xmlns:a16="http://schemas.microsoft.com/office/drawing/2014/main" id="{B4BA92CF-D2DE-470A-BB78-7365E66F1C8A}"/>
+                  </a:ext>
+                </a:extLst>
+              </p:cNvPr>
+              <p:cNvSpPr txBox="1">
+                <a:spLocks noRot="1" noChangeAspect="1" noMove="1" noResize="1" noEditPoints="1" noAdjustHandles="1" noChangeArrowheads="1" noChangeShapeType="1" noTextEdit="1"/>
+              </p:cNvSpPr>
+              <p:nvPr/>
+            </p:nvSpPr>
+            <p:spPr>
+              <a:xfrm>
+                <a:off x="2313825" y="3775819"/>
+                <a:ext cx="834037" cy="646331"/>
+              </a:xfrm>
+              <a:prstGeom prst="rect">
+                <a:avLst/>
+              </a:prstGeom>
+              <a:blipFill>
+                <a:blip r:embed="rId10"/>
+                <a:stretch>
+                  <a:fillRect/>
+                </a:stretch>
+              </a:blipFill>
+            </p:spPr>
+            <p:txBody>
+              <a:bodyPr/>
+              <a:lstStyle/>
+              <a:p>
+                <a:r>
+                  <a:rPr lang="ja-JP" altLang="en-US">
+                    <a:noFill/>
+                  </a:rPr>
+                  <a:t> </a:t>
+                </a:r>
+              </a:p>
+            </p:txBody>
+          </p:sp>
+        </mc:Fallback>
+      </mc:AlternateContent>
+      <p:sp>
+        <p:nvSpPr>
+          <p:cNvPr id="52" name="正方形/長方形 51">
+            <a:extLst>
+              <a:ext uri="{FF2B5EF4-FFF2-40B4-BE49-F238E27FC236}">
+                <a16:creationId xmlns:a16="http://schemas.microsoft.com/office/drawing/2014/main" id="{E53E7CFF-EF6D-42C4-98FD-273AB9962E6A}"/>
+              </a:ext>
+            </a:extLst>
+          </p:cNvPr>
+          <p:cNvSpPr/>
+          <p:nvPr/>
+        </p:nvSpPr>
+        <p:spPr>
+          <a:xfrm>
+            <a:off x="2730844" y="4388749"/>
+            <a:ext cx="1256953" cy="2263827"/>
+          </a:xfrm>
+          <a:prstGeom prst="rect">
+            <a:avLst/>
+          </a:prstGeom>
+          <a:ln w="28575">
+            <a:solidFill>
+              <a:srgbClr val="00B0F0"/>
+            </a:solidFill>
+            <a:prstDash val="dash"/>
+          </a:ln>
+        </p:spPr>
+        <p:style>
+          <a:lnRef idx="1">
+            <a:schemeClr val="accent1"/>
+          </a:lnRef>
+          <a:fillRef idx="0">
+            <a:schemeClr val="accent1"/>
+          </a:fillRef>
+          <a:effectRef idx="0">
+            <a:schemeClr val="accent1"/>
+          </a:effectRef>
+          <a:fontRef idx="minor">
+            <a:schemeClr val="tx1"/>
+          </a:fontRef>
+        </p:style>
+        <p:txBody>
+          <a:bodyPr rtlCol="0" anchor="ctr"/>
+          <a:lstStyle/>
+          <a:p>
+            <a:pPr algn="ctr"/>
+            <a:endParaRPr kumimoji="1" lang="ja-JP" altLang="en-US"/>
+          </a:p>
+        </p:txBody>
+      </p:sp>
+      <p:sp>
+        <p:nvSpPr>
+          <p:cNvPr id="53" name="正方形/長方形 52">
+            <a:extLst>
+              <a:ext uri="{FF2B5EF4-FFF2-40B4-BE49-F238E27FC236}">
+                <a16:creationId xmlns:a16="http://schemas.microsoft.com/office/drawing/2014/main" id="{6E9930A4-D3EB-4A8E-8DB4-26073952BB76}"/>
+              </a:ext>
+            </a:extLst>
+          </p:cNvPr>
+          <p:cNvSpPr/>
+          <p:nvPr/>
+        </p:nvSpPr>
+        <p:spPr>
+          <a:xfrm>
+            <a:off x="172995" y="4388749"/>
+            <a:ext cx="1470439" cy="2263828"/>
+          </a:xfrm>
+          <a:prstGeom prst="rect">
+            <a:avLst/>
+          </a:prstGeom>
+          <a:ln w="28575">
+            <a:solidFill>
+              <a:srgbClr val="00B0F0"/>
+            </a:solidFill>
+            <a:prstDash val="dash"/>
+          </a:ln>
+        </p:spPr>
+        <p:style>
+          <a:lnRef idx="1">
+            <a:schemeClr val="accent1"/>
+          </a:lnRef>
+          <a:fillRef idx="0">
+            <a:schemeClr val="accent1"/>
+          </a:fillRef>
+          <a:effectRef idx="0">
+            <a:schemeClr val="accent1"/>
+          </a:effectRef>
+          <a:fontRef idx="minor">
+            <a:schemeClr val="tx1"/>
+          </a:fontRef>
+        </p:style>
+        <p:txBody>
+          <a:bodyPr rtlCol="0" anchor="ctr"/>
+          <a:lstStyle/>
+          <a:p>
+            <a:pPr algn="ctr"/>
+            <a:endParaRPr kumimoji="1" lang="ja-JP" altLang="en-US"/>
+          </a:p>
+        </p:txBody>
+      </p:sp>
+      <p:sp>
+        <p:nvSpPr>
+          <p:cNvPr id="54" name="矢印: 右 53">
+            <a:extLst>
+              <a:ext uri="{FF2B5EF4-FFF2-40B4-BE49-F238E27FC236}">
+                <a16:creationId xmlns:a16="http://schemas.microsoft.com/office/drawing/2014/main" id="{493E22F8-0F8C-4A33-A308-282C7F718AB7}"/>
+              </a:ext>
+            </a:extLst>
+          </p:cNvPr>
+          <p:cNvSpPr/>
+          <p:nvPr/>
+        </p:nvSpPr>
+        <p:spPr>
+          <a:xfrm>
+            <a:off x="4287795" y="5224542"/>
+            <a:ext cx="539780" cy="885713"/>
+          </a:xfrm>
+          <a:prstGeom prst="rightArrow">
+            <a:avLst/>
+          </a:prstGeom>
+          <a:solidFill>
+            <a:srgbClr val="FFC000"/>
+          </a:solidFill>
+          <a:ln w="28575">
+            <a:solidFill>
+              <a:srgbClr val="FFC000"/>
+            </a:solidFill>
+          </a:ln>
+        </p:spPr>
+        <p:style>
+          <a:lnRef idx="1">
+            <a:schemeClr val="accent1"/>
+          </a:lnRef>
+          <a:fillRef idx="0">
+            <a:schemeClr val="accent1"/>
+          </a:fillRef>
+          <a:effectRef idx="0">
+            <a:schemeClr val="accent1"/>
+          </a:effectRef>
+          <a:fontRef idx="minor">
+            <a:schemeClr val="tx1"/>
+          </a:fontRef>
+        </p:style>
+        <p:txBody>
+          <a:bodyPr rtlCol="0" anchor="ctr"/>
+          <a:lstStyle/>
+          <a:p>
+            <a:pPr algn="ctr"/>
+            <a:endParaRPr kumimoji="1" lang="ja-JP" altLang="en-US"/>
+          </a:p>
+        </p:txBody>
+      </p:sp>
+      <mc:AlternateContent xmlns:mc="http://schemas.openxmlformats.org/markup-compatibility/2006">
+        <mc:Choice xmlns:a14="http://schemas.microsoft.com/office/drawing/2010/main" Requires="a14">
+          <p:sp>
+            <p:nvSpPr>
+              <p:cNvPr id="55" name="楕円 54">
+                <a:extLst>
+                  <a:ext uri="{FF2B5EF4-FFF2-40B4-BE49-F238E27FC236}">
+                    <a16:creationId xmlns:a16="http://schemas.microsoft.com/office/drawing/2014/main" id="{B7672632-BED0-41E0-A3CE-AF651924DCE2}"/>
+                  </a:ext>
+                </a:extLst>
+              </p:cNvPr>
+              <p:cNvSpPr/>
+              <p:nvPr/>
+            </p:nvSpPr>
+            <p:spPr>
+              <a:xfrm>
+                <a:off x="5075207" y="5042164"/>
+                <a:ext cx="1080000" cy="1080000"/>
+              </a:xfrm>
+              <a:prstGeom prst="ellipse">
+                <a:avLst/>
+              </a:prstGeom>
+              <a:ln w="28575">
+                <a:solidFill>
+                  <a:srgbClr val="00B0F0"/>
+                </a:solidFill>
+                <a:prstDash val="dash"/>
+              </a:ln>
+            </p:spPr>
+            <p:style>
+              <a:lnRef idx="1">
+                <a:schemeClr val="accent1"/>
+              </a:lnRef>
+              <a:fillRef idx="0">
+                <a:schemeClr val="accent1"/>
+              </a:fillRef>
+              <a:effectRef idx="0">
+                <a:schemeClr val="accent1"/>
+              </a:effectRef>
+              <a:fontRef idx="minor">
+                <a:schemeClr val="tx1"/>
+              </a:fontRef>
+            </p:style>
+            <p:txBody>
+              <a:bodyPr rtlCol="0" anchor="ctr"/>
+              <a:lstStyle/>
+              <a:p>
+                <a:pPr algn="ctr"/>
+                <a14:m>
+                  <m:oMathPara xmlns:m="http://schemas.openxmlformats.org/officeDocument/2006/math">
+                    <m:oMathParaPr>
+                      <m:jc m:val="centerGroup"/>
+                    </m:oMathParaPr>
+                    <m:oMath xmlns:m="http://schemas.openxmlformats.org/officeDocument/2006/math">
+                      <m:r>
+                        <a:rPr kumimoji="1" lang="en-US" altLang="ja-JP" sz="3200" b="0" i="1" smtClean="0">
+                          <a:solidFill>
+                            <a:srgbClr val="00B0F0"/>
+                          </a:solidFill>
+                          <a:latin typeface="Cambria Math" panose="02040503050406030204" pitchFamily="18" charset="0"/>
+                        </a:rPr>
+                        <m:t>𝑠</m:t>
+                      </m:r>
+                      <m:r>
+                        <a:rPr kumimoji="1" lang="en-US" altLang="ja-JP" sz="3200" b="0" i="1" smtClean="0">
+                          <a:solidFill>
+                            <a:srgbClr val="00B0F0"/>
+                          </a:solidFill>
+                          <a:latin typeface="Cambria Math" panose="02040503050406030204" pitchFamily="18" charset="0"/>
+                        </a:rPr>
+                        <m:t>′</m:t>
+                      </m:r>
+                    </m:oMath>
+                  </m:oMathPara>
+                </a14:m>
+                <a:endParaRPr kumimoji="1" lang="ja-JP" altLang="en-US" sz="3200" dirty="0">
+                  <a:solidFill>
+                    <a:srgbClr val="00B0F0"/>
+                  </a:solidFill>
+                </a:endParaRPr>
+              </a:p>
+            </p:txBody>
+          </p:sp>
+        </mc:Choice>
+        <mc:Fallback>
+          <p:sp>
+            <p:nvSpPr>
+              <p:cNvPr id="55" name="楕円 54">
+                <a:extLst>
+                  <a:ext uri="{FF2B5EF4-FFF2-40B4-BE49-F238E27FC236}">
+                    <a16:creationId xmlns:a16="http://schemas.microsoft.com/office/drawing/2014/main" id="{B7672632-BED0-41E0-A3CE-AF651924DCE2}"/>
+                  </a:ext>
+                </a:extLst>
+              </p:cNvPr>
+              <p:cNvSpPr>
+                <a:spLocks noRot="1" noChangeAspect="1" noMove="1" noResize="1" noEditPoints="1" noAdjustHandles="1" noChangeArrowheads="1" noChangeShapeType="1" noTextEdit="1"/>
+              </p:cNvSpPr>
+              <p:nvPr/>
+            </p:nvSpPr>
+            <p:spPr>
+              <a:xfrm>
+                <a:off x="5075207" y="5042164"/>
+                <a:ext cx="1080000" cy="1080000"/>
+              </a:xfrm>
+              <a:prstGeom prst="ellipse">
+                <a:avLst/>
+              </a:prstGeom>
+              <a:blipFill>
+                <a:blip r:embed="rId11"/>
+                <a:stretch>
+                  <a:fillRect/>
+                </a:stretch>
+              </a:blipFill>
+              <a:ln w="28575">
+                <a:solidFill>
+                  <a:srgbClr val="00B0F0"/>
+                </a:solidFill>
+                <a:prstDash val="dash"/>
+              </a:ln>
+            </p:spPr>
+            <p:txBody>
+              <a:bodyPr/>
+              <a:lstStyle/>
+              <a:p>
+                <a:r>
+                  <a:rPr lang="ja-JP" altLang="en-US">
+                    <a:noFill/>
+                  </a:rPr>
+                  <a:t> </a:t>
+                </a:r>
+              </a:p>
+            </p:txBody>
+          </p:sp>
+        </mc:Fallback>
+      </mc:AlternateContent>
+      <mc:AlternateContent xmlns:mc="http://schemas.openxmlformats.org/markup-compatibility/2006">
+        <mc:Choice xmlns:a14="http://schemas.microsoft.com/office/drawing/2010/main" Requires="a14">
+          <p:sp>
+            <p:nvSpPr>
+              <p:cNvPr id="56" name="楕円 55">
+                <a:extLst>
+                  <a:ext uri="{FF2B5EF4-FFF2-40B4-BE49-F238E27FC236}">
+                    <a16:creationId xmlns:a16="http://schemas.microsoft.com/office/drawing/2014/main" id="{2F366ED6-0500-4023-8FBF-A5B4B15AA8F7}"/>
+                  </a:ext>
+                </a:extLst>
+              </p:cNvPr>
+              <p:cNvSpPr/>
+              <p:nvPr/>
+            </p:nvSpPr>
+            <p:spPr>
+              <a:xfrm>
+                <a:off x="7768933" y="5042164"/>
+                <a:ext cx="1080000" cy="1080000"/>
+              </a:xfrm>
+              <a:prstGeom prst="ellipse">
+                <a:avLst/>
+              </a:prstGeom>
+              <a:ln w="28575">
+                <a:solidFill>
+                  <a:srgbClr val="00B0F0"/>
+                </a:solidFill>
+                <a:prstDash val="dash"/>
+              </a:ln>
+            </p:spPr>
+            <p:style>
+              <a:lnRef idx="1">
+                <a:schemeClr val="accent1"/>
+              </a:lnRef>
+              <a:fillRef idx="0">
+                <a:schemeClr val="accent1"/>
+              </a:fillRef>
+              <a:effectRef idx="0">
+                <a:schemeClr val="accent1"/>
+              </a:effectRef>
+              <a:fontRef idx="minor">
+                <a:schemeClr val="tx1"/>
+              </a:fontRef>
+            </p:style>
+            <p:txBody>
+              <a:bodyPr rtlCol="0" anchor="ctr"/>
+              <a:lstStyle/>
+              <a:p>
+                <a:pPr algn="ctr"/>
+                <a14:m>
+                  <m:oMathPara xmlns:m="http://schemas.openxmlformats.org/officeDocument/2006/math">
+                    <m:oMathParaPr>
+                      <m:jc m:val="centerGroup"/>
+                    </m:oMathParaPr>
+                    <m:oMath xmlns:m="http://schemas.openxmlformats.org/officeDocument/2006/math">
+                      <m:r>
+                        <a:rPr kumimoji="1" lang="en-US" altLang="ja-JP" sz="3200" b="0" i="1" smtClean="0">
+                          <a:solidFill>
+                            <a:srgbClr val="00B0F0"/>
+                          </a:solidFill>
+                          <a:latin typeface="Cambria Math" panose="02040503050406030204" pitchFamily="18" charset="0"/>
+                        </a:rPr>
+                        <m:t>𝑡</m:t>
+                      </m:r>
+                      <m:r>
+                        <a:rPr kumimoji="1" lang="en-US" altLang="ja-JP" sz="3200" b="0" i="1" smtClean="0">
+                          <a:solidFill>
+                            <a:srgbClr val="00B0F0"/>
+                          </a:solidFill>
+                          <a:latin typeface="Cambria Math" panose="02040503050406030204" pitchFamily="18" charset="0"/>
+                        </a:rPr>
+                        <m:t>′</m:t>
+                      </m:r>
+                    </m:oMath>
+                  </m:oMathPara>
+                </a14:m>
+                <a:endParaRPr kumimoji="1" lang="ja-JP" altLang="en-US" sz="3200" dirty="0">
+                  <a:solidFill>
+                    <a:srgbClr val="00B0F0"/>
+                  </a:solidFill>
+                </a:endParaRPr>
+              </a:p>
+            </p:txBody>
+          </p:sp>
+        </mc:Choice>
+        <mc:Fallback>
+          <p:sp>
+            <p:nvSpPr>
+              <p:cNvPr id="56" name="楕円 55">
+                <a:extLst>
+                  <a:ext uri="{FF2B5EF4-FFF2-40B4-BE49-F238E27FC236}">
+                    <a16:creationId xmlns:a16="http://schemas.microsoft.com/office/drawing/2014/main" id="{2F366ED6-0500-4023-8FBF-A5B4B15AA8F7}"/>
+                  </a:ext>
+                </a:extLst>
+              </p:cNvPr>
+              <p:cNvSpPr>
+                <a:spLocks noRot="1" noChangeAspect="1" noMove="1" noResize="1" noEditPoints="1" noAdjustHandles="1" noChangeArrowheads="1" noChangeShapeType="1" noTextEdit="1"/>
+              </p:cNvSpPr>
+              <p:nvPr/>
+            </p:nvSpPr>
+            <p:spPr>
+              <a:xfrm>
+                <a:off x="7768933" y="5042164"/>
+                <a:ext cx="1080000" cy="1080000"/>
+              </a:xfrm>
+              <a:prstGeom prst="ellipse">
+                <a:avLst/>
+              </a:prstGeom>
+              <a:blipFill>
+                <a:blip r:embed="rId12"/>
+                <a:stretch>
+                  <a:fillRect/>
+                </a:stretch>
+              </a:blipFill>
+              <a:ln w="28575">
+                <a:solidFill>
+                  <a:srgbClr val="00B0F0"/>
+                </a:solidFill>
+                <a:prstDash val="dash"/>
+              </a:ln>
+            </p:spPr>
+            <p:txBody>
+              <a:bodyPr/>
+              <a:lstStyle/>
+              <a:p>
+                <a:r>
+                  <a:rPr lang="ja-JP" altLang="en-US">
+                    <a:noFill/>
+                  </a:rPr>
+                  <a:t> </a:t>
+                </a:r>
+              </a:p>
+            </p:txBody>
+          </p:sp>
+        </mc:Fallback>
+      </mc:AlternateContent>
+    </p:spTree>
+    <p:extLst>
+      <p:ext uri="{BB962C8B-B14F-4D97-AF65-F5344CB8AC3E}">
+        <p14:creationId xmlns:p14="http://schemas.microsoft.com/office/powerpoint/2010/main" val="859864490"/>
+      </p:ext>
+    </p:extLst>
+  </p:cSld>
+  <p:clrMapOvr>
+    <a:masterClrMapping/>
+  </p:clrMapOvr>
+</p:sld>
+</file>
+
+<file path=ppt/slides/slide9.xml><?xml version="1.0" encoding="utf-8"?>
+<p:sld xmlns:a="http://schemas.openxmlformats.org/drawingml/2006/main" xmlns:r="http://schemas.openxmlformats.org/officeDocument/2006/relationships" xmlns:p="http://schemas.openxmlformats.org/presentationml/2006/main">
+  <p:cSld>
+    <p:spTree>
+      <p:nvGrpSpPr>
+        <p:cNvPr id="1" name=""/>
+        <p:cNvGrpSpPr/>
+        <p:nvPr/>
+      </p:nvGrpSpPr>
+      <p:grpSpPr>
+        <a:xfrm>
+          <a:off x="0" y="0"/>
+          <a:ext cx="0" cy="0"/>
+          <a:chOff x="0" y="0"/>
+          <a:chExt cx="0" cy="0"/>
+        </a:xfrm>
+      </p:grpSpPr>
+      <p:sp>
+        <p:nvSpPr>
+          <p:cNvPr id="2" name="タイトル 1">
+            <a:extLst>
+              <a:ext uri="{FF2B5EF4-FFF2-40B4-BE49-F238E27FC236}">
+                <a16:creationId xmlns:a16="http://schemas.microsoft.com/office/drawing/2014/main" id="{93BEE99A-E97F-47CD-A794-29880C87B8E2}"/>
+              </a:ext>
+            </a:extLst>
+          </p:cNvPr>
+          <p:cNvSpPr>
+            <a:spLocks noGrp="1"/>
+          </p:cNvSpPr>
+          <p:nvPr>
+            <p:ph type="title"/>
+          </p:nvPr>
+        </p:nvSpPr>
+        <p:spPr/>
+        <p:txBody>
+          <a:bodyPr/>
+          <a:lstStyle/>
+          <a:p>
+            <a:r>
+              <a:rPr lang="ja-JP" altLang="en-US" dirty="0"/>
+              <a:t>アルゴリズム概要</a:t>
+            </a:r>
+            <a:endParaRPr kumimoji="1" lang="ja-JP" altLang="en-US" dirty="0"/>
+          </a:p>
+        </p:txBody>
+      </p:sp>
+      <p:sp>
+        <p:nvSpPr>
+          <p:cNvPr id="3" name="コンテンツ プレースホルダー 2">
+            <a:extLst>
+              <a:ext uri="{FF2B5EF4-FFF2-40B4-BE49-F238E27FC236}">
+                <a16:creationId xmlns:a16="http://schemas.microsoft.com/office/drawing/2014/main" id="{4254CE3D-B066-448C-AC7D-BAF80FF08798}"/>
+              </a:ext>
+            </a:extLst>
+          </p:cNvPr>
+          <p:cNvSpPr>
+            <a:spLocks noGrp="1"/>
+          </p:cNvSpPr>
+          <p:nvPr>
+            <p:ph idx="1"/>
+          </p:nvPr>
+        </p:nvSpPr>
+        <p:spPr>
+          <a:xfrm>
+            <a:off x="628650" y="1514765"/>
+            <a:ext cx="7886700" cy="348321"/>
+          </a:xfrm>
+        </p:spPr>
+        <p:txBody>
+          <a:bodyPr/>
+          <a:lstStyle/>
+          <a:p>
+            <a:endParaRPr lang="en-US" altLang="ja-JP" dirty="0"/>
+          </a:p>
+        </p:txBody>
+      </p:sp>
+      <p:sp>
+        <p:nvSpPr>
+          <p:cNvPr id="4" name="楕円 3">
+            <a:extLst>
+              <a:ext uri="{FF2B5EF4-FFF2-40B4-BE49-F238E27FC236}">
+                <a16:creationId xmlns:a16="http://schemas.microsoft.com/office/drawing/2014/main" id="{9F3C3F64-A6B8-421E-B6EA-9DF957AFF161}"/>
+              </a:ext>
+            </a:extLst>
+          </p:cNvPr>
+          <p:cNvSpPr/>
+          <p:nvPr/>
+        </p:nvSpPr>
+        <p:spPr>
+          <a:xfrm>
+            <a:off x="296563" y="3357545"/>
+            <a:ext cx="3904734" cy="1878226"/>
+          </a:xfrm>
+          <a:prstGeom prst="ellipse">
+            <a:avLst/>
+          </a:prstGeom>
+          <a:ln w="28575">
+            <a:solidFill>
+              <a:schemeClr val="tx1"/>
+            </a:solidFill>
+          </a:ln>
+        </p:spPr>
+        <p:style>
+          <a:lnRef idx="1">
+            <a:schemeClr val="accent1"/>
+          </a:lnRef>
+          <a:fillRef idx="0">
+            <a:schemeClr val="accent1"/>
+          </a:fillRef>
+          <a:effectRef idx="0">
+            <a:schemeClr val="accent1"/>
+          </a:effectRef>
+          <a:fontRef idx="minor">
+            <a:schemeClr val="tx1"/>
+          </a:fontRef>
+        </p:style>
+        <p:txBody>
+          <a:bodyPr rtlCol="0" anchor="ctr"/>
+          <a:lstStyle/>
+          <a:p>
+            <a:pPr algn="ctr"/>
+            <a:endParaRPr kumimoji="1" lang="ja-JP" altLang="en-US"/>
+          </a:p>
+        </p:txBody>
+      </p:sp>
+      <p:cxnSp>
+        <p:nvCxnSpPr>
+          <p:cNvPr id="5" name="直線コネクタ 4">
+            <a:extLst>
+              <a:ext uri="{FF2B5EF4-FFF2-40B4-BE49-F238E27FC236}">
+                <a16:creationId xmlns:a16="http://schemas.microsoft.com/office/drawing/2014/main" id="{C391E217-E612-4C34-B99C-BA566A3A890D}"/>
+              </a:ext>
+            </a:extLst>
+          </p:cNvPr>
+          <p:cNvCxnSpPr>
+            <a:cxnSpLocks/>
+          </p:cNvCxnSpPr>
+          <p:nvPr/>
+        </p:nvCxnSpPr>
+        <p:spPr>
+          <a:xfrm>
+            <a:off x="1458097" y="3087946"/>
+            <a:ext cx="803189" cy="2718486"/>
+          </a:xfrm>
+          <a:prstGeom prst="line">
+            <a:avLst/>
+          </a:prstGeom>
+          <a:ln w="38100" cmpd="sng">
+            <a:solidFill>
+              <a:srgbClr val="00B0F0"/>
+            </a:solidFill>
+          </a:ln>
+        </p:spPr>
+        <p:style>
+          <a:lnRef idx="1">
+            <a:schemeClr val="dk1"/>
+          </a:lnRef>
+          <a:fillRef idx="0">
+            <a:schemeClr val="dk1"/>
+          </a:fillRef>
+          <a:effectRef idx="0">
+            <a:schemeClr val="dk1"/>
+          </a:effectRef>
+          <a:fontRef idx="minor">
+            <a:schemeClr val="tx1"/>
+          </a:fontRef>
+        </p:style>
+      </p:cxnSp>
+      <p:cxnSp>
+        <p:nvCxnSpPr>
+          <p:cNvPr id="6" name="直線コネクタ 5">
+            <a:extLst>
+              <a:ext uri="{FF2B5EF4-FFF2-40B4-BE49-F238E27FC236}">
+                <a16:creationId xmlns:a16="http://schemas.microsoft.com/office/drawing/2014/main" id="{BB314CF0-5893-4731-84E5-21A560F2AECB}"/>
+              </a:ext>
+            </a:extLst>
+          </p:cNvPr>
+          <p:cNvCxnSpPr>
+            <a:cxnSpLocks/>
+          </p:cNvCxnSpPr>
+          <p:nvPr/>
+        </p:nvCxnSpPr>
+        <p:spPr>
+          <a:xfrm flipH="1">
+            <a:off x="1915298" y="3125016"/>
+            <a:ext cx="333632" cy="2681416"/>
+          </a:xfrm>
+          <a:prstGeom prst="line">
+            <a:avLst/>
+          </a:prstGeom>
+          <a:ln w="38100">
+            <a:solidFill>
+              <a:srgbClr val="00B0F0"/>
+            </a:solidFill>
+          </a:ln>
+        </p:spPr>
+        <p:style>
+          <a:lnRef idx="1">
+            <a:schemeClr val="dk1"/>
+          </a:lnRef>
+          <a:fillRef idx="0">
+            <a:schemeClr val="dk1"/>
+          </a:fillRef>
+          <a:effectRef idx="0">
+            <a:schemeClr val="dk1"/>
+          </a:effectRef>
+          <a:fontRef idx="minor">
+            <a:schemeClr val="tx1"/>
+          </a:fontRef>
+        </p:style>
+      </p:cxnSp>
+      <mc:AlternateContent xmlns:mc="http://schemas.openxmlformats.org/markup-compatibility/2006">
+        <mc:Choice xmlns:a14="http://schemas.microsoft.com/office/drawing/2010/main" Requires="a14">
+          <p:sp>
+            <p:nvSpPr>
+              <p:cNvPr id="7" name="テキスト ボックス 6">
+                <a:extLst>
+                  <a:ext uri="{FF2B5EF4-FFF2-40B4-BE49-F238E27FC236}">
+                    <a16:creationId xmlns:a16="http://schemas.microsoft.com/office/drawing/2014/main" id="{FEC93721-9EAE-4261-BEEE-05675F2BA994}"/>
+                  </a:ext>
+                </a:extLst>
+              </p:cNvPr>
+              <p:cNvSpPr txBox="1"/>
+              <p:nvPr/>
+            </p:nvSpPr>
+            <p:spPr>
+              <a:xfrm>
+                <a:off x="453201" y="2462409"/>
+                <a:ext cx="1628913" cy="646459"/>
+              </a:xfrm>
+              <a:prstGeom prst="rect">
+                <a:avLst/>
+              </a:prstGeom>
+              <a:noFill/>
+            </p:spPr>
+            <p:txBody>
+              <a:bodyPr wrap="square" rtlCol="0">
+                <a:spAutoFit/>
+              </a:bodyPr>
+              <a:lstStyle/>
+              <a:p>
+                <a:pPr algn="l"/>
+                <a14:m>
+                  <m:oMathPara xmlns:m="http://schemas.openxmlformats.org/officeDocument/2006/math">
+                    <m:oMathParaPr>
+                      <m:jc m:val="centerGroup"/>
+                    </m:oMathParaPr>
+                    <m:oMath xmlns:m="http://schemas.openxmlformats.org/officeDocument/2006/math">
+                      <m:r>
+                        <a:rPr kumimoji="1" lang="en-US" altLang="ja-JP" sz="3600" b="0" i="1" smtClean="0">
+                          <a:solidFill>
+                            <a:srgbClr val="00B0F0"/>
+                          </a:solidFill>
+                          <a:latin typeface="Cambria Math" panose="02040503050406030204" pitchFamily="18" charset="0"/>
+                          <a:ea typeface="メイリオ" panose="020B0604030504040204" pitchFamily="50" charset="-128"/>
+                        </a:rPr>
+                        <m:t>𝑆</m:t>
+                      </m:r>
+                    </m:oMath>
+                  </m:oMathPara>
+                </a14:m>
+                <a:endParaRPr kumimoji="1" lang="ja-JP" altLang="en-US" sz="3600" dirty="0">
+                  <a:solidFill>
+                    <a:srgbClr val="00B0F0"/>
+                  </a:solidFill>
+                  <a:latin typeface="メイリオ" panose="020B0604030504040204" pitchFamily="50" charset="-128"/>
+                  <a:ea typeface="メイリオ" panose="020B0604030504040204" pitchFamily="50" charset="-128"/>
+                </a:endParaRPr>
+              </a:p>
+            </p:txBody>
+          </p:sp>
+        </mc:Choice>
+        <mc:Fallback>
+          <p:sp>
+            <p:nvSpPr>
+              <p:cNvPr id="7" name="テキスト ボックス 6">
+                <a:extLst>
+                  <a:ext uri="{FF2B5EF4-FFF2-40B4-BE49-F238E27FC236}">
+                    <a16:creationId xmlns:a16="http://schemas.microsoft.com/office/drawing/2014/main" id="{FEC93721-9EAE-4261-BEEE-05675F2BA994}"/>
+                  </a:ext>
+                </a:extLst>
+              </p:cNvPr>
+              <p:cNvSpPr txBox="1">
+                <a:spLocks noRot="1" noChangeAspect="1" noMove="1" noResize="1" noEditPoints="1" noAdjustHandles="1" noChangeArrowheads="1" noChangeShapeType="1" noTextEdit="1"/>
+              </p:cNvSpPr>
+              <p:nvPr/>
+            </p:nvSpPr>
+            <p:spPr>
+              <a:xfrm>
+                <a:off x="453201" y="2462409"/>
+                <a:ext cx="1628913" cy="646459"/>
+              </a:xfrm>
+              <a:prstGeom prst="rect">
+                <a:avLst/>
+              </a:prstGeom>
+              <a:blipFill>
+                <a:blip r:embed="rId2"/>
+                <a:stretch>
+                  <a:fillRect/>
+                </a:stretch>
+              </a:blipFill>
+            </p:spPr>
+            <p:txBody>
+              <a:bodyPr/>
+              <a:lstStyle/>
+              <a:p>
+                <a:r>
+                  <a:rPr lang="ja-JP" altLang="en-US">
+                    <a:noFill/>
+                  </a:rPr>
+                  <a:t> </a:t>
+                </a:r>
+              </a:p>
+            </p:txBody>
+          </p:sp>
+        </mc:Fallback>
+      </mc:AlternateContent>
+      <mc:AlternateContent xmlns:mc="http://schemas.openxmlformats.org/markup-compatibility/2006">
+        <mc:Choice xmlns:a14="http://schemas.microsoft.com/office/drawing/2010/main" Requires="a14">
+          <p:sp>
+            <p:nvSpPr>
+              <p:cNvPr id="8" name="テキスト ボックス 7">
+                <a:extLst>
+                  <a:ext uri="{FF2B5EF4-FFF2-40B4-BE49-F238E27FC236}">
+                    <a16:creationId xmlns:a16="http://schemas.microsoft.com/office/drawing/2014/main" id="{FBAEF560-C266-4BF9-B771-C32613DD0EAD}"/>
+                  </a:ext>
+                </a:extLst>
+              </p:cNvPr>
+              <p:cNvSpPr txBox="1"/>
+              <p:nvPr/>
+            </p:nvSpPr>
+            <p:spPr>
+              <a:xfrm>
+                <a:off x="1637269" y="2499479"/>
+                <a:ext cx="1628913" cy="646459"/>
+              </a:xfrm>
+              <a:prstGeom prst="rect">
+                <a:avLst/>
+              </a:prstGeom>
+              <a:noFill/>
+            </p:spPr>
+            <p:txBody>
+              <a:bodyPr wrap="square" rtlCol="0">
+                <a:spAutoFit/>
+              </a:bodyPr>
+              <a:lstStyle/>
+              <a:p>
+                <a:pPr algn="l"/>
+                <a14:m>
+                  <m:oMathPara xmlns:m="http://schemas.openxmlformats.org/officeDocument/2006/math">
+                    <m:oMathParaPr>
+                      <m:jc m:val="centerGroup"/>
+                    </m:oMathParaPr>
+                    <m:oMath xmlns:m="http://schemas.openxmlformats.org/officeDocument/2006/math">
+                      <m:r>
+                        <a:rPr kumimoji="1" lang="en-US" altLang="ja-JP" sz="3600" b="0" i="1" smtClean="0">
+                          <a:solidFill>
+                            <a:srgbClr val="00B0F0"/>
+                          </a:solidFill>
+                          <a:latin typeface="Cambria Math" panose="02040503050406030204" pitchFamily="18" charset="0"/>
+                          <a:ea typeface="メイリオ" panose="020B0604030504040204" pitchFamily="50" charset="-128"/>
+                        </a:rPr>
+                        <m:t>𝑇</m:t>
+                      </m:r>
+                    </m:oMath>
+                  </m:oMathPara>
+                </a14:m>
+                <a:endParaRPr kumimoji="1" lang="ja-JP" altLang="en-US" sz="3600" dirty="0">
+                  <a:solidFill>
+                    <a:srgbClr val="00B0F0"/>
+                  </a:solidFill>
+                  <a:latin typeface="メイリオ" panose="020B0604030504040204" pitchFamily="50" charset="-128"/>
+                  <a:ea typeface="メイリオ" panose="020B0604030504040204" pitchFamily="50" charset="-128"/>
+                </a:endParaRPr>
+              </a:p>
+            </p:txBody>
+          </p:sp>
+        </mc:Choice>
+        <mc:Fallback>
+          <p:sp>
+            <p:nvSpPr>
+              <p:cNvPr id="8" name="テキスト ボックス 7">
+                <a:extLst>
+                  <a:ext uri="{FF2B5EF4-FFF2-40B4-BE49-F238E27FC236}">
+                    <a16:creationId xmlns:a16="http://schemas.microsoft.com/office/drawing/2014/main" id="{FBAEF560-C266-4BF9-B771-C32613DD0EAD}"/>
+                  </a:ext>
+                </a:extLst>
+              </p:cNvPr>
+              <p:cNvSpPr txBox="1">
+                <a:spLocks noRot="1" noChangeAspect="1" noMove="1" noResize="1" noEditPoints="1" noAdjustHandles="1" noChangeArrowheads="1" noChangeShapeType="1" noTextEdit="1"/>
+              </p:cNvSpPr>
+              <p:nvPr/>
+            </p:nvSpPr>
+            <p:spPr>
+              <a:xfrm>
+                <a:off x="1637269" y="2499479"/>
+                <a:ext cx="1628913" cy="646459"/>
+              </a:xfrm>
+              <a:prstGeom prst="rect">
+                <a:avLst/>
+              </a:prstGeom>
+              <a:blipFill>
+                <a:blip r:embed="rId3"/>
+                <a:stretch>
+                  <a:fillRect/>
+                </a:stretch>
+              </a:blipFill>
+            </p:spPr>
+            <p:txBody>
+              <a:bodyPr/>
+              <a:lstStyle/>
+              <a:p>
+                <a:r>
+                  <a:rPr lang="ja-JP" altLang="en-US">
+                    <a:noFill/>
+                  </a:rPr>
+                  <a:t> </a:t>
+                </a:r>
+              </a:p>
+            </p:txBody>
+          </p:sp>
+        </mc:Fallback>
+      </mc:AlternateContent>
+      <mc:AlternateContent xmlns:mc="http://schemas.openxmlformats.org/markup-compatibility/2006">
+        <mc:Choice xmlns:a14="http://schemas.microsoft.com/office/drawing/2010/main" Requires="a14">
+          <p:sp>
+            <p:nvSpPr>
+              <p:cNvPr id="28" name="テキスト ボックス 27">
+                <a:extLst>
+                  <a:ext uri="{FF2B5EF4-FFF2-40B4-BE49-F238E27FC236}">
+                    <a16:creationId xmlns:a16="http://schemas.microsoft.com/office/drawing/2014/main" id="{2710385C-2A44-4476-A85B-66AB5103968F}"/>
+                  </a:ext>
+                </a:extLst>
+              </p:cNvPr>
+              <p:cNvSpPr txBox="1"/>
+              <p:nvPr/>
+            </p:nvSpPr>
+            <p:spPr>
+              <a:xfrm>
+                <a:off x="57784" y="4037461"/>
+                <a:ext cx="1628913" cy="646459"/>
+              </a:xfrm>
+              <a:prstGeom prst="rect">
+                <a:avLst/>
+              </a:prstGeom>
+              <a:noFill/>
+            </p:spPr>
+            <p:txBody>
+              <a:bodyPr wrap="square" rtlCol="0">
+                <a:spAutoFit/>
+              </a:bodyPr>
+              <a:lstStyle/>
+              <a:p>
+                <a:pPr algn="l"/>
+                <a14:m>
+                  <m:oMathPara xmlns:m="http://schemas.openxmlformats.org/officeDocument/2006/math">
+                    <m:oMathParaPr>
+                      <m:jc m:val="centerGroup"/>
+                    </m:oMathParaPr>
+                    <m:oMath xmlns:m="http://schemas.openxmlformats.org/officeDocument/2006/math">
+                      <m:r>
+                        <a:rPr kumimoji="1" lang="en-US" altLang="ja-JP" sz="3600" b="0" i="1" smtClean="0">
+                          <a:solidFill>
+                            <a:schemeClr val="tx1"/>
+                          </a:solidFill>
+                          <a:latin typeface="Cambria Math" panose="02040503050406030204" pitchFamily="18" charset="0"/>
+                          <a:ea typeface="メイリオ" panose="020B0604030504040204" pitchFamily="50" charset="-128"/>
+                        </a:rPr>
+                        <m:t>𝐺</m:t>
+                      </m:r>
+                    </m:oMath>
+                  </m:oMathPara>
+                </a14:m>
+                <a:endParaRPr kumimoji="1" lang="ja-JP" altLang="en-US" sz="3600" dirty="0">
+                  <a:solidFill>
+                    <a:schemeClr val="tx1"/>
+                  </a:solidFill>
+                  <a:latin typeface="メイリオ" panose="020B0604030504040204" pitchFamily="50" charset="-128"/>
+                  <a:ea typeface="メイリオ" panose="020B0604030504040204" pitchFamily="50" charset="-128"/>
+                </a:endParaRPr>
+              </a:p>
+            </p:txBody>
+          </p:sp>
+        </mc:Choice>
+        <mc:Fallback>
+          <p:sp>
+            <p:nvSpPr>
+              <p:cNvPr id="28" name="テキスト ボックス 27">
+                <a:extLst>
+                  <a:ext uri="{FF2B5EF4-FFF2-40B4-BE49-F238E27FC236}">
+                    <a16:creationId xmlns:a16="http://schemas.microsoft.com/office/drawing/2014/main" id="{2710385C-2A44-4476-A85B-66AB5103968F}"/>
+                  </a:ext>
+                </a:extLst>
+              </p:cNvPr>
+              <p:cNvSpPr txBox="1">
+                <a:spLocks noRot="1" noChangeAspect="1" noMove="1" noResize="1" noEditPoints="1" noAdjustHandles="1" noChangeArrowheads="1" noChangeShapeType="1" noTextEdit="1"/>
+              </p:cNvSpPr>
+              <p:nvPr/>
+            </p:nvSpPr>
+            <p:spPr>
+              <a:xfrm>
+                <a:off x="57784" y="4037461"/>
+                <a:ext cx="1628913" cy="646459"/>
+              </a:xfrm>
+              <a:prstGeom prst="rect">
+                <a:avLst/>
+              </a:prstGeom>
+              <a:blipFill>
+                <a:blip r:embed="rId4"/>
+                <a:stretch>
+                  <a:fillRect/>
+                </a:stretch>
+              </a:blipFill>
+            </p:spPr>
+            <p:txBody>
+              <a:bodyPr/>
+              <a:lstStyle/>
+              <a:p>
+                <a:r>
+                  <a:rPr lang="ja-JP" altLang="en-US">
+                    <a:noFill/>
+                  </a:rPr>
+                  <a:t> </a:t>
+                </a:r>
+              </a:p>
+            </p:txBody>
+          </p:sp>
+        </mc:Fallback>
+      </mc:AlternateContent>
+    </p:spTree>
+    <p:extLst>
+      <p:ext uri="{BB962C8B-B14F-4D97-AF65-F5344CB8AC3E}">
+        <p14:creationId xmlns:p14="http://schemas.microsoft.com/office/powerpoint/2010/main" val="3885132495"/>
       </p:ext>
     </p:extLst>
   </p:cSld>

--- a/slide/mizutani_pre.pptx
+++ b/slide/mizutani_pre.pptx
@@ -5,20 +5,22 @@
     <p:sldMasterId id="2147483684" r:id="rId1"/>
   </p:sldMasterIdLst>
   <p:notesMasterIdLst>
-    <p:notesMasterId r:id="rId13"/>
+    <p:notesMasterId r:id="rId15"/>
   </p:notesMasterIdLst>
   <p:sldIdLst>
     <p:sldId id="256" r:id="rId2"/>
     <p:sldId id="257" r:id="rId3"/>
     <p:sldId id="259" r:id="rId4"/>
     <p:sldId id="258" r:id="rId5"/>
-    <p:sldId id="260" r:id="rId6"/>
-    <p:sldId id="261" r:id="rId7"/>
-    <p:sldId id="263" r:id="rId8"/>
-    <p:sldId id="264" r:id="rId9"/>
-    <p:sldId id="265" r:id="rId10"/>
+    <p:sldId id="261" r:id="rId6"/>
+    <p:sldId id="263" r:id="rId7"/>
+    <p:sldId id="264" r:id="rId8"/>
+    <p:sldId id="265" r:id="rId9"/>
+    <p:sldId id="260" r:id="rId10"/>
     <p:sldId id="266" r:id="rId11"/>
     <p:sldId id="262" r:id="rId12"/>
+    <p:sldId id="267" r:id="rId13"/>
+    <p:sldId id="268" r:id="rId14"/>
   </p:sldIdLst>
   <p:sldSz cx="9144000" cy="6858000" type="screen4x3"/>
   <p:notesSz cx="6858000" cy="9144000"/>
@@ -826,7 +828,7 @@
           <a:p>
             <a:fld id="{9EA59AF0-8405-4F8F-86AD-37921E4E1FAB}" type="slidenum">
               <a:rPr kumimoji="1" lang="ja-JP" altLang="en-US" smtClean="0"/>
-              <a:t>6</a:t>
+              <a:t>5</a:t>
             </a:fld>
             <a:endParaRPr kumimoji="1" lang="ja-JP" altLang="en-US"/>
           </a:p>
@@ -910,7 +912,7 @@
           <a:p>
             <a:fld id="{9EA59AF0-8405-4F8F-86AD-37921E4E1FAB}" type="slidenum">
               <a:rPr kumimoji="1" lang="ja-JP" altLang="en-US" smtClean="0"/>
-              <a:t>7</a:t>
+              <a:t>6</a:t>
             </a:fld>
             <a:endParaRPr kumimoji="1" lang="ja-JP" altLang="en-US"/>
           </a:p>
@@ -920,6 +922,90 @@
     <p:extLst>
       <p:ext uri="{BB962C8B-B14F-4D97-AF65-F5344CB8AC3E}">
         <p14:creationId xmlns:p14="http://schemas.microsoft.com/office/powerpoint/2010/main" val="3767230271"/>
+      </p:ext>
+    </p:extLst>
+  </p:cSld>
+  <p:clrMapOvr>
+    <a:masterClrMapping/>
+  </p:clrMapOvr>
+</p:notes>
+</file>
+
+<file path=ppt/notesSlides/notesSlide6.xml><?xml version="1.0" encoding="utf-8"?>
+<p:notes xmlns:a="http://schemas.openxmlformats.org/drawingml/2006/main" xmlns:r="http://schemas.openxmlformats.org/officeDocument/2006/relationships" xmlns:p="http://schemas.openxmlformats.org/presentationml/2006/main">
+  <p:cSld>
+    <p:spTree>
+      <p:nvGrpSpPr>
+        <p:cNvPr id="1" name=""/>
+        <p:cNvGrpSpPr/>
+        <p:nvPr/>
+      </p:nvGrpSpPr>
+      <p:grpSpPr>
+        <a:xfrm>
+          <a:off x="0" y="0"/>
+          <a:ext cx="0" cy="0"/>
+          <a:chOff x="0" y="0"/>
+          <a:chExt cx="0" cy="0"/>
+        </a:xfrm>
+      </p:grpSpPr>
+      <p:sp>
+        <p:nvSpPr>
+          <p:cNvPr id="2" name="スライド イメージ プレースホルダー 1"/>
+          <p:cNvSpPr>
+            <a:spLocks noGrp="1" noRot="1" noChangeAspect="1"/>
+          </p:cNvSpPr>
+          <p:nvPr>
+            <p:ph type="sldImg"/>
+          </p:nvPr>
+        </p:nvSpPr>
+        <p:spPr/>
+      </p:sp>
+      <p:sp>
+        <p:nvSpPr>
+          <p:cNvPr id="3" name="ノート プレースホルダー 2"/>
+          <p:cNvSpPr>
+            <a:spLocks noGrp="1"/>
+          </p:cNvSpPr>
+          <p:nvPr>
+            <p:ph type="body" idx="1"/>
+          </p:nvPr>
+        </p:nvSpPr>
+        <p:spPr/>
+        <p:txBody>
+          <a:bodyPr/>
+          <a:lstStyle/>
+          <a:p>
+            <a:endParaRPr kumimoji="1" lang="ja-JP" altLang="en-US" dirty="0"/>
+          </a:p>
+        </p:txBody>
+      </p:sp>
+      <p:sp>
+        <p:nvSpPr>
+          <p:cNvPr id="4" name="スライド番号プレースホルダー 3"/>
+          <p:cNvSpPr>
+            <a:spLocks noGrp="1"/>
+          </p:cNvSpPr>
+          <p:nvPr>
+            <p:ph type="sldNum" sz="quarter" idx="5"/>
+          </p:nvPr>
+        </p:nvSpPr>
+        <p:spPr/>
+        <p:txBody>
+          <a:bodyPr/>
+          <a:lstStyle/>
+          <a:p>
+            <a:fld id="{9EA59AF0-8405-4F8F-86AD-37921E4E1FAB}" type="slidenum">
+              <a:rPr kumimoji="1" lang="ja-JP" altLang="en-US" smtClean="0"/>
+              <a:t>12</a:t>
+            </a:fld>
+            <a:endParaRPr kumimoji="1" lang="ja-JP" altLang="en-US"/>
+          </a:p>
+        </p:txBody>
+      </p:sp>
+    </p:spTree>
+    <p:extLst>
+      <p:ext uri="{BB962C8B-B14F-4D97-AF65-F5344CB8AC3E}">
+        <p14:creationId xmlns:p14="http://schemas.microsoft.com/office/powerpoint/2010/main" val="658969560"/>
       </p:ext>
     </p:extLst>
   </p:cSld>
@@ -4596,35 +4682,146 @@
           <a:bodyPr/>
           <a:lstStyle/>
           <a:p>
-            <a:endParaRPr kumimoji="1" lang="ja-JP" altLang="en-US"/>
+            <a:r>
+              <a:rPr kumimoji="1" lang="ja-JP" altLang="en-US" dirty="0"/>
+              <a:t>アルゴリズム：メイン</a:t>
+            </a:r>
           </a:p>
         </p:txBody>
       </p:sp>
-      <p:sp>
-        <p:nvSpPr>
-          <p:cNvPr id="3" name="コンテンツ プレースホルダー 2">
-            <a:extLst>
-              <a:ext uri="{FF2B5EF4-FFF2-40B4-BE49-F238E27FC236}">
-                <a16:creationId xmlns:a16="http://schemas.microsoft.com/office/drawing/2014/main" id="{73EED932-8554-4B20-8D5D-9C8586B13D6A}"/>
-              </a:ext>
-            </a:extLst>
-          </p:cNvPr>
-          <p:cNvSpPr>
-            <a:spLocks noGrp="1"/>
-          </p:cNvSpPr>
-          <p:nvPr>
-            <p:ph idx="1"/>
-          </p:nvPr>
-        </p:nvSpPr>
-        <p:spPr/>
-        <p:txBody>
-          <a:bodyPr/>
-          <a:lstStyle/>
-          <a:p>
-            <a:endParaRPr kumimoji="1" lang="ja-JP" altLang="en-US"/>
-          </a:p>
-        </p:txBody>
-      </p:sp>
+      <mc:AlternateContent xmlns:mc="http://schemas.openxmlformats.org/markup-compatibility/2006">
+        <mc:Choice xmlns:a14="http://schemas.microsoft.com/office/drawing/2010/main" Requires="a14">
+          <p:sp>
+            <p:nvSpPr>
+              <p:cNvPr id="3" name="コンテンツ プレースホルダー 2">
+                <a:extLst>
+                  <a:ext uri="{FF2B5EF4-FFF2-40B4-BE49-F238E27FC236}">
+                    <a16:creationId xmlns:a16="http://schemas.microsoft.com/office/drawing/2014/main" id="{73EED932-8554-4B20-8D5D-9C8586B13D6A}"/>
+                  </a:ext>
+                </a:extLst>
+              </p:cNvPr>
+              <p:cNvSpPr>
+                <a:spLocks noGrp="1"/>
+              </p:cNvSpPr>
+              <p:nvPr>
+                <p:ph idx="1"/>
+              </p:nvPr>
+            </p:nvSpPr>
+            <p:spPr/>
+            <p:txBody>
+              <a:bodyPr/>
+              <a:lstStyle/>
+              <a:p>
+                <a:r>
+                  <a:rPr lang="ja-JP" altLang="en-US" dirty="0"/>
+                  <a:t>アルゴリズムのメインパート</a:t>
+                </a:r>
+                <a:endParaRPr lang="en-US" altLang="ja-JP" dirty="0"/>
+              </a:p>
+              <a:p>
+                <a:endParaRPr kumimoji="1" lang="en-US" altLang="ja-JP" dirty="0"/>
+              </a:p>
+              <a:p>
+                <a:pPr marL="457200" indent="-457200">
+                  <a:buFont typeface="+mj-lt"/>
+                  <a:buAutoNum type="arabicPeriod"/>
+                </a:pPr>
+                <a14:m>
+                  <m:oMath xmlns:m="http://schemas.openxmlformats.org/officeDocument/2006/math">
+                    <m:r>
+                      <a:rPr kumimoji="1" lang="en-US" altLang="ja-JP" b="0" i="1" smtClean="0">
+                        <a:latin typeface="Cambria Math" panose="02040503050406030204" pitchFamily="18" charset="0"/>
+                      </a:rPr>
+                      <m:t>𝑠</m:t>
+                    </m:r>
+                  </m:oMath>
+                </a14:m>
+                <a:r>
+                  <a:rPr kumimoji="1" lang="en-US" altLang="ja-JP" dirty="0"/>
+                  <a:t>-</a:t>
+                </a:r>
+                <a14:m>
+                  <m:oMath xmlns:m="http://schemas.openxmlformats.org/officeDocument/2006/math">
+                    <m:r>
+                      <a:rPr kumimoji="1" lang="en-US" altLang="ja-JP" i="1" dirty="0" smtClean="0">
+                        <a:latin typeface="Cambria Math" panose="02040503050406030204" pitchFamily="18" charset="0"/>
+                      </a:rPr>
+                      <m:t>𝑡</m:t>
+                    </m:r>
+                    <m:r>
+                      <a:rPr lang="ja-JP" altLang="en-US" i="1" dirty="0">
+                        <a:latin typeface="Cambria Math" panose="02040503050406030204" pitchFamily="18" charset="0"/>
+                      </a:rPr>
+                      <m:t>点素パス</m:t>
+                    </m:r>
+                  </m:oMath>
+                </a14:m>
+                <a:r>
+                  <a:rPr kumimoji="1" lang="ja-JP" altLang="en-US" dirty="0"/>
+                  <a:t>の計算</a:t>
+                </a:r>
+                <a:endParaRPr kumimoji="1" lang="en-US" altLang="ja-JP" dirty="0"/>
+              </a:p>
+              <a:p>
+                <a:pPr marL="457200" indent="-457200">
+                  <a:buFont typeface="+mj-lt"/>
+                  <a:buAutoNum type="arabicPeriod"/>
+                </a:pPr>
+                <a:endParaRPr lang="en-US" altLang="ja-JP" dirty="0"/>
+              </a:p>
+              <a:p>
+                <a:pPr marL="457200" indent="-457200">
+                  <a:buFont typeface="+mj-lt"/>
+                  <a:buAutoNum type="arabicPeriod"/>
+                </a:pPr>
+                <a:r>
+                  <a:rPr kumimoji="1" lang="ja-JP" altLang="en-US" dirty="0"/>
+                  <a:t>ノードカットの計算</a:t>
+                </a:r>
+              </a:p>
+            </p:txBody>
+          </p:sp>
+        </mc:Choice>
+        <mc:Fallback>
+          <p:sp>
+            <p:nvSpPr>
+              <p:cNvPr id="3" name="コンテンツ プレースホルダー 2">
+                <a:extLst>
+                  <a:ext uri="{FF2B5EF4-FFF2-40B4-BE49-F238E27FC236}">
+                    <a16:creationId xmlns:a16="http://schemas.microsoft.com/office/drawing/2014/main" id="{73EED932-8554-4B20-8D5D-9C8586B13D6A}"/>
+                  </a:ext>
+                </a:extLst>
+              </p:cNvPr>
+              <p:cNvSpPr>
+                <a:spLocks noGrp="1" noRot="1" noChangeAspect="1" noMove="1" noResize="1" noEditPoints="1" noAdjustHandles="1" noChangeArrowheads="1" noChangeShapeType="1" noTextEdit="1"/>
+              </p:cNvSpPr>
+              <p:nvPr>
+                <p:ph idx="1"/>
+              </p:nvPr>
+            </p:nvSpPr>
+            <p:spPr>
+              <a:blipFill>
+                <a:blip r:embed="rId2"/>
+                <a:stretch>
+                  <a:fillRect l="-1777" t="-1307"/>
+                </a:stretch>
+              </a:blipFill>
+            </p:spPr>
+            <p:txBody>
+              <a:bodyPr/>
+              <a:lstStyle/>
+              <a:p>
+                <a:r>
+                  <a:rPr lang="ja-JP" altLang="en-US">
+                    <a:noFill/>
+                  </a:rPr>
+                  <a:t> </a:t>
+                </a:r>
+              </a:p>
+            </p:txBody>
+          </p:sp>
+        </mc:Fallback>
+      </mc:AlternateContent>
     </p:spTree>
     <p:extLst>
       <p:ext uri="{BB962C8B-B14F-4D97-AF65-F5344CB8AC3E}">
@@ -4678,7 +4875,7 @@
           <a:p>
             <a:r>
               <a:rPr lang="ja-JP" altLang="en-US" dirty="0"/>
-              <a:t>提案アルゴリズム</a:t>
+              <a:t>点素パスアルゴリズム</a:t>
             </a:r>
             <a:endParaRPr kumimoji="1" lang="ja-JP" altLang="en-US" dirty="0"/>
           </a:p>
@@ -4704,8 +4901,8 @@
             </p:nvSpPr>
             <p:spPr>
               <a:xfrm>
-                <a:off x="505083" y="1502408"/>
-                <a:ext cx="7886700" cy="1413787"/>
+                <a:off x="505083" y="1502409"/>
+                <a:ext cx="7886700" cy="5083742"/>
               </a:xfrm>
             </p:spPr>
             <p:txBody>
@@ -4738,21 +4935,22 @@
                 </a14:m>
                 <a:r>
                   <a:rPr lang="ja-JP" altLang="en-US" dirty="0"/>
-                  <a:t>点素パスの最大本数は</a:t>
+                  <a:t>点素パスの</a:t>
                 </a:r>
-                <a:r>
-                  <a:rPr lang="en-US" altLang="ja-JP" dirty="0"/>
-                  <a:t>SA</a:t>
-                </a:r>
-                <a:r>
-                  <a:rPr lang="ja-JP" altLang="en-US" dirty="0"/>
-                  <a:t>を使用することにより</a:t>
-                </a:r>
-                <a:br>
-                  <a:rPr lang="en-US" altLang="ja-JP" dirty="0"/>
-                </a:br>
                 <a14:m>
                   <m:oMath xmlns:m="http://schemas.openxmlformats.org/officeDocument/2006/math">
+                    <m:r>
+                      <a:rPr lang="ja-JP" altLang="en-US" i="1" dirty="0" smtClean="0">
+                        <a:latin typeface="Cambria Math" panose="02040503050406030204" pitchFamily="18" charset="0"/>
+                      </a:rPr>
+                      <m:t>最大本数</m:t>
+                    </m:r>
+                    <m:r>
+                      <a:rPr lang="ja-JP" altLang="en-US" i="1" dirty="0">
+                        <a:latin typeface="Cambria Math" panose="02040503050406030204" pitchFamily="18" charset="0"/>
+                      </a:rPr>
+                      <m:t>を</m:t>
+                    </m:r>
                     <m:acc>
                       <m:accPr>
                         <m:chr m:val="̃"/>
@@ -4833,12 +5031,125 @@
                 </a:r>
                 <a:r>
                   <a:rPr lang="ja-JP" altLang="en-US" dirty="0"/>
-                  <a:t>ラウンドで計算可能であることが知られている</a:t>
+                  <a:t>ラウンドで計算できる</a:t>
+                </a:r>
+                <a:r>
+                  <a:rPr lang="en-US" altLang="ja-JP" i="1" dirty="0"/>
+                  <a:t>CONGEST</a:t>
+                </a:r>
+                <a:r>
+                  <a:rPr lang="ja-JP" altLang="en-US" dirty="0"/>
+                  <a:t>モデル上の分散アルゴリズムが存在</a:t>
                 </a:r>
                 <a:endParaRPr lang="en-US" altLang="ja-JP" dirty="0"/>
               </a:p>
               <a:p>
-                <a:endParaRPr kumimoji="1" lang="ja-JP" altLang="en-US" dirty="0"/>
+                <a:endParaRPr kumimoji="1" lang="en-US" altLang="ja-JP" dirty="0"/>
+              </a:p>
+              <a:p>
+                <a:r>
+                  <a:rPr kumimoji="1" lang="en-US" altLang="ja-JP" dirty="0"/>
+                  <a:t>2</a:t>
+                </a:r>
+                <a:r>
+                  <a:rPr kumimoji="1" lang="ja-JP" altLang="en-US" dirty="0" err="1"/>
+                  <a:t>つの</a:t>
+                </a:r>
+                <a:r>
+                  <a:rPr kumimoji="1" lang="ja-JP" altLang="en-US" dirty="0"/>
+                  <a:t>互いに素である連結部分グラフ間の点素パスも同様に</a:t>
+                </a:r>
+                <a14:m>
+                  <m:oMath xmlns:m="http://schemas.openxmlformats.org/officeDocument/2006/math">
+                    <m:acc>
+                      <m:accPr>
+                        <m:chr m:val="̃"/>
+                        <m:ctrlPr>
+                          <a:rPr lang="en-US" altLang="ja-JP" i="1">
+                            <a:latin typeface="Cambria Math" panose="02040503050406030204" pitchFamily="18" charset="0"/>
+                          </a:rPr>
+                        </m:ctrlPr>
+                      </m:accPr>
+                      <m:e>
+                        <m:r>
+                          <a:rPr lang="en-US" altLang="ja-JP" i="1">
+                            <a:latin typeface="Cambria Math" panose="02040503050406030204" pitchFamily="18" charset="0"/>
+                          </a:rPr>
+                          <m:t>𝑂</m:t>
+                        </m:r>
+                      </m:e>
+                    </m:acc>
+                    <m:r>
+                      <a:rPr lang="en-US" altLang="ja-JP" i="1">
+                        <a:latin typeface="Cambria Math" panose="02040503050406030204" pitchFamily="18" charset="0"/>
+                      </a:rPr>
+                      <m:t>(</m:t>
+                    </m:r>
+                    <m:sSup>
+                      <m:sSupPr>
+                        <m:ctrlPr>
+                          <a:rPr lang="en-US" altLang="ja-JP" i="1">
+                            <a:latin typeface="Cambria Math" panose="02040503050406030204" pitchFamily="18" charset="0"/>
+                          </a:rPr>
+                        </m:ctrlPr>
+                      </m:sSupPr>
+                      <m:e>
+                        <m:r>
+                          <a:rPr lang="en-US" altLang="ja-JP" i="1">
+                            <a:latin typeface="Cambria Math" panose="02040503050406030204" pitchFamily="18" charset="0"/>
+                          </a:rPr>
+                          <m:t>𝑘</m:t>
+                        </m:r>
+                      </m:e>
+                      <m:sup>
+                        <m:r>
+                          <a:rPr lang="en-US" altLang="ja-JP" i="1">
+                            <a:latin typeface="Cambria Math" panose="02040503050406030204" pitchFamily="18" charset="0"/>
+                          </a:rPr>
+                          <m:t>𝑂</m:t>
+                        </m:r>
+                        <m:d>
+                          <m:dPr>
+                            <m:ctrlPr>
+                              <a:rPr lang="en-US" altLang="ja-JP" i="1">
+                                <a:latin typeface="Cambria Math" panose="02040503050406030204" pitchFamily="18" charset="0"/>
+                              </a:rPr>
+                            </m:ctrlPr>
+                          </m:dPr>
+                          <m:e>
+                            <m:r>
+                              <a:rPr lang="en-US" altLang="ja-JP" i="1">
+                                <a:latin typeface="Cambria Math" panose="02040503050406030204" pitchFamily="18" charset="0"/>
+                              </a:rPr>
+                              <m:t>1</m:t>
+                            </m:r>
+                          </m:e>
+                        </m:d>
+                      </m:sup>
+                    </m:sSup>
+                    <m:r>
+                      <a:rPr lang="en-US" altLang="ja-JP" i="1">
+                        <a:latin typeface="Cambria Math" panose="02040503050406030204" pitchFamily="18" charset="0"/>
+                      </a:rPr>
+                      <m:t>)</m:t>
+                    </m:r>
+                  </m:oMath>
+                </a14:m>
+                <a:r>
+                  <a:rPr lang="en-US" altLang="ja-JP" dirty="0"/>
+                  <a:t>SA</a:t>
+                </a:r>
+                <a:r>
+                  <a:rPr lang="ja-JP" altLang="en-US" dirty="0"/>
+                  <a:t>ラウンドで計算可能であることも示されている</a:t>
+                </a:r>
+                <a:endParaRPr lang="en-US" altLang="ja-JP" dirty="0"/>
+              </a:p>
+              <a:p>
+                <a:endParaRPr lang="en-US" altLang="ja-JP" dirty="0"/>
+              </a:p>
+              <a:p>
+                <a:endParaRPr lang="en-US" altLang="ja-JP" dirty="0"/>
               </a:p>
             </p:txBody>
           </p:sp>
@@ -4862,13 +5173,13 @@
             </p:nvSpPr>
             <p:spPr>
               <a:xfrm>
-                <a:off x="505083" y="1502408"/>
-                <a:ext cx="7886700" cy="1413787"/>
+                <a:off x="505083" y="1502409"/>
+                <a:ext cx="7886700" cy="5083742"/>
               </a:xfrm>
               <a:blipFill>
                 <a:blip r:embed="rId2"/>
                 <a:stretch>
-                  <a:fillRect l="-1082" t="-3448"/>
+                  <a:fillRect l="-1082" t="-839" r="-773"/>
                 </a:stretch>
               </a:blipFill>
             </p:spPr>
@@ -4891,6 +5202,2052 @@
     <p:extLst>
       <p:ext uri="{BB962C8B-B14F-4D97-AF65-F5344CB8AC3E}">
         <p14:creationId xmlns:p14="http://schemas.microsoft.com/office/powerpoint/2010/main" val="250178676"/>
+      </p:ext>
+    </p:extLst>
+  </p:cSld>
+  <p:clrMapOvr>
+    <a:masterClrMapping/>
+  </p:clrMapOvr>
+</p:sld>
+</file>
+
+<file path=ppt/slides/slide12.xml><?xml version="1.0" encoding="utf-8"?>
+<p:sld xmlns:a="http://schemas.openxmlformats.org/drawingml/2006/main" xmlns:r="http://schemas.openxmlformats.org/officeDocument/2006/relationships" xmlns:p="http://schemas.openxmlformats.org/presentationml/2006/main">
+  <p:cSld>
+    <p:spTree>
+      <p:nvGrpSpPr>
+        <p:cNvPr id="1" name=""/>
+        <p:cNvGrpSpPr/>
+        <p:nvPr/>
+      </p:nvGrpSpPr>
+      <p:grpSpPr>
+        <a:xfrm>
+          <a:off x="0" y="0"/>
+          <a:ext cx="0" cy="0"/>
+          <a:chOff x="0" y="0"/>
+          <a:chExt cx="0" cy="0"/>
+        </a:xfrm>
+      </p:grpSpPr>
+      <p:sp>
+        <p:nvSpPr>
+          <p:cNvPr id="2" name="タイトル 1">
+            <a:extLst>
+              <a:ext uri="{FF2B5EF4-FFF2-40B4-BE49-F238E27FC236}">
+                <a16:creationId xmlns:a16="http://schemas.microsoft.com/office/drawing/2014/main" id="{AAB57B56-7398-46E1-BFC4-090EE3D5A268}"/>
+              </a:ext>
+            </a:extLst>
+          </p:cNvPr>
+          <p:cNvSpPr>
+            <a:spLocks noGrp="1"/>
+          </p:cNvSpPr>
+          <p:nvPr>
+            <p:ph type="title"/>
+          </p:nvPr>
+        </p:nvSpPr>
+        <p:spPr/>
+        <p:txBody>
+          <a:bodyPr/>
+          <a:lstStyle/>
+          <a:p>
+            <a:r>
+              <a:rPr kumimoji="1" lang="ja-JP" altLang="en-US" dirty="0"/>
+              <a:t>ノードカット計算</a:t>
+            </a:r>
+          </a:p>
+        </p:txBody>
+      </p:sp>
+      <p:sp>
+        <p:nvSpPr>
+          <p:cNvPr id="3" name="コンテンツ プレースホルダー 2">
+            <a:extLst>
+              <a:ext uri="{FF2B5EF4-FFF2-40B4-BE49-F238E27FC236}">
+                <a16:creationId xmlns:a16="http://schemas.microsoft.com/office/drawing/2014/main" id="{619FFB79-9290-4940-8827-668F25E68F1C}"/>
+              </a:ext>
+            </a:extLst>
+          </p:cNvPr>
+          <p:cNvSpPr>
+            <a:spLocks noGrp="1"/>
+          </p:cNvSpPr>
+          <p:nvPr>
+            <p:ph idx="1"/>
+          </p:nvPr>
+        </p:nvSpPr>
+        <p:spPr>
+          <a:xfrm>
+            <a:off x="628650" y="1118581"/>
+            <a:ext cx="7886700" cy="2310419"/>
+          </a:xfrm>
+        </p:spPr>
+        <p:txBody>
+          <a:bodyPr/>
+          <a:lstStyle/>
+          <a:p>
+            <a:r>
+              <a:rPr kumimoji="1" lang="ja-JP" altLang="en-US" dirty="0"/>
+              <a:t>点素パスノードに接続している各連結成分に着目</a:t>
+            </a:r>
+            <a:endParaRPr kumimoji="1" lang="en-US" altLang="ja-JP" dirty="0"/>
+          </a:p>
+          <a:p>
+            <a:endParaRPr kumimoji="1" lang="ja-JP" altLang="en-US" dirty="0"/>
+          </a:p>
+        </p:txBody>
+      </p:sp>
+      <p:grpSp>
+        <p:nvGrpSpPr>
+          <p:cNvPr id="53" name="グループ化 52">
+            <a:extLst>
+              <a:ext uri="{FF2B5EF4-FFF2-40B4-BE49-F238E27FC236}">
+                <a16:creationId xmlns:a16="http://schemas.microsoft.com/office/drawing/2014/main" id="{E2674961-0619-47F8-9A94-56BA36B6F419}"/>
+              </a:ext>
+            </a:extLst>
+          </p:cNvPr>
+          <p:cNvGrpSpPr/>
+          <p:nvPr/>
+        </p:nvGrpSpPr>
+        <p:grpSpPr>
+          <a:xfrm>
+            <a:off x="1500449" y="4063343"/>
+            <a:ext cx="6143102" cy="2794657"/>
+            <a:chOff x="1000897" y="3344850"/>
+            <a:chExt cx="7139511" cy="3135227"/>
+          </a:xfrm>
+        </p:grpSpPr>
+        <mc:AlternateContent xmlns:mc="http://schemas.openxmlformats.org/markup-compatibility/2006">
+          <mc:Choice xmlns:a14="http://schemas.microsoft.com/office/drawing/2010/main" Requires="a14">
+            <p:sp>
+              <p:nvSpPr>
+                <p:cNvPr id="5" name="テキスト ボックス 4">
+                  <a:extLst>
+                    <a:ext uri="{FF2B5EF4-FFF2-40B4-BE49-F238E27FC236}">
+                      <a16:creationId xmlns:a16="http://schemas.microsoft.com/office/drawing/2014/main" id="{EEC5D360-A2A8-4F75-A13E-5832087D3C09}"/>
+                    </a:ext>
+                  </a:extLst>
+                </p:cNvPr>
+                <p:cNvSpPr txBox="1"/>
+                <p:nvPr/>
+              </p:nvSpPr>
+              <p:spPr>
+                <a:xfrm>
+                  <a:off x="7007404" y="3344850"/>
+                  <a:ext cx="1133004" cy="369332"/>
+                </a:xfrm>
+                <a:prstGeom prst="rect">
+                  <a:avLst/>
+                </a:prstGeom>
+                <a:noFill/>
+              </p:spPr>
+              <p:txBody>
+                <a:bodyPr wrap="square" rtlCol="0">
+                  <a:spAutoFit/>
+                </a:bodyPr>
+                <a:lstStyle/>
+                <a:p>
+                  <a:pPr/>
+                  <a14:m>
+                    <m:oMathPara xmlns:m="http://schemas.openxmlformats.org/officeDocument/2006/math">
+                      <m:oMathParaPr>
+                        <m:jc m:val="centerGroup"/>
+                      </m:oMathParaPr>
+                      <m:oMath xmlns:m="http://schemas.openxmlformats.org/officeDocument/2006/math">
+                        <m:sSub>
+                          <m:sSubPr>
+                            <m:ctrlPr>
+                              <a:rPr kumimoji="1" lang="en-US" altLang="ja-JP" b="0" i="1" smtClean="0">
+                                <a:latin typeface="Cambria Math" panose="02040503050406030204" pitchFamily="18" charset="0"/>
+                              </a:rPr>
+                            </m:ctrlPr>
+                          </m:sSubPr>
+                          <m:e>
+                            <m:r>
+                              <a:rPr kumimoji="1" lang="en-US" altLang="ja-JP" b="0" i="1" smtClean="0">
+                                <a:latin typeface="Cambria Math" panose="02040503050406030204" pitchFamily="18" charset="0"/>
+                              </a:rPr>
+                              <m:t>𝑃</m:t>
+                            </m:r>
+                          </m:e>
+                          <m:sub>
+                            <m:r>
+                              <a:rPr kumimoji="1" lang="en-US" altLang="ja-JP" b="0" i="1" smtClean="0">
+                                <a:latin typeface="Cambria Math" panose="02040503050406030204" pitchFamily="18" charset="0"/>
+                              </a:rPr>
+                              <m:t>1</m:t>
+                            </m:r>
+                          </m:sub>
+                        </m:sSub>
+                      </m:oMath>
+                    </m:oMathPara>
+                  </a14:m>
+                  <a:endParaRPr kumimoji="1" lang="ja-JP" altLang="en-US" dirty="0"/>
+                </a:p>
+              </p:txBody>
+            </p:sp>
+          </mc:Choice>
+          <mc:Fallback>
+            <p:sp>
+              <p:nvSpPr>
+                <p:cNvPr id="5" name="テキスト ボックス 4">
+                  <a:extLst>
+                    <a:ext uri="{FF2B5EF4-FFF2-40B4-BE49-F238E27FC236}">
+                      <a16:creationId xmlns:a16="http://schemas.microsoft.com/office/drawing/2014/main" id="{EEC5D360-A2A8-4F75-A13E-5832087D3C09}"/>
+                    </a:ext>
+                  </a:extLst>
+                </p:cNvPr>
+                <p:cNvSpPr txBox="1">
+                  <a:spLocks noRot="1" noChangeAspect="1" noMove="1" noResize="1" noEditPoints="1" noAdjustHandles="1" noChangeArrowheads="1" noChangeShapeType="1" noTextEdit="1"/>
+                </p:cNvSpPr>
+                <p:nvPr/>
+              </p:nvSpPr>
+              <p:spPr>
+                <a:xfrm>
+                  <a:off x="7007404" y="3344850"/>
+                  <a:ext cx="1133004" cy="369332"/>
+                </a:xfrm>
+                <a:prstGeom prst="rect">
+                  <a:avLst/>
+                </a:prstGeom>
+                <a:blipFill>
+                  <a:blip r:embed="rId3"/>
+                  <a:stretch>
+                    <a:fillRect b="-11111"/>
+                  </a:stretch>
+                </a:blipFill>
+              </p:spPr>
+              <p:txBody>
+                <a:bodyPr/>
+                <a:lstStyle/>
+                <a:p>
+                  <a:r>
+                    <a:rPr lang="ja-JP" altLang="en-US">
+                      <a:noFill/>
+                    </a:rPr>
+                    <a:t> </a:t>
+                  </a:r>
+                </a:p>
+              </p:txBody>
+            </p:sp>
+          </mc:Fallback>
+        </mc:AlternateContent>
+        <p:sp>
+          <p:nvSpPr>
+            <p:cNvPr id="6" name="楕円 5">
+              <a:extLst>
+                <a:ext uri="{FF2B5EF4-FFF2-40B4-BE49-F238E27FC236}">
+                  <a16:creationId xmlns:a16="http://schemas.microsoft.com/office/drawing/2014/main" id="{C3D2F055-4A7C-4294-9D90-677C9FC621A1}"/>
+                </a:ext>
+              </a:extLst>
+            </p:cNvPr>
+            <p:cNvSpPr/>
+            <p:nvPr/>
+          </p:nvSpPr>
+          <p:spPr>
+            <a:xfrm>
+              <a:off x="1324361" y="3901829"/>
+              <a:ext cx="641143" cy="437683"/>
+            </a:xfrm>
+            <a:prstGeom prst="ellipse">
+              <a:avLst/>
+            </a:prstGeom>
+            <a:ln w="28575">
+              <a:solidFill>
+                <a:schemeClr val="tx1"/>
+              </a:solidFill>
+            </a:ln>
+          </p:spPr>
+          <p:style>
+            <a:lnRef idx="1">
+              <a:schemeClr val="accent1"/>
+            </a:lnRef>
+            <a:fillRef idx="0">
+              <a:schemeClr val="accent1"/>
+            </a:fillRef>
+            <a:effectRef idx="0">
+              <a:schemeClr val="accent1"/>
+            </a:effectRef>
+            <a:fontRef idx="minor">
+              <a:schemeClr val="tx1"/>
+            </a:fontRef>
+          </p:style>
+          <p:txBody>
+            <a:bodyPr rtlCol="0" anchor="ctr"/>
+            <a:lstStyle/>
+            <a:p>
+              <a:pPr algn="ctr"/>
+              <a:endParaRPr kumimoji="1" lang="ja-JP" altLang="en-US" dirty="0"/>
+            </a:p>
+          </p:txBody>
+        </p:sp>
+        <p:cxnSp>
+          <p:nvCxnSpPr>
+            <p:cNvPr id="7" name="直線矢印コネクタ 6">
+              <a:extLst>
+                <a:ext uri="{FF2B5EF4-FFF2-40B4-BE49-F238E27FC236}">
+                  <a16:creationId xmlns:a16="http://schemas.microsoft.com/office/drawing/2014/main" id="{693C36B8-089F-43D8-A4A5-11B3CD7D88A1}"/>
+                </a:ext>
+              </a:extLst>
+            </p:cNvPr>
+            <p:cNvCxnSpPr>
+              <a:cxnSpLocks/>
+            </p:cNvCxnSpPr>
+            <p:nvPr/>
+          </p:nvCxnSpPr>
+          <p:spPr>
+            <a:xfrm flipV="1">
+              <a:off x="1646486" y="3461948"/>
+              <a:ext cx="0" cy="424551"/>
+            </a:xfrm>
+            <a:prstGeom prst="straightConnector1">
+              <a:avLst/>
+            </a:prstGeom>
+            <a:ln w="28575">
+              <a:solidFill>
+                <a:schemeClr val="tx1"/>
+              </a:solidFill>
+              <a:tailEnd type="none" w="lg" len="lg"/>
+            </a:ln>
+          </p:spPr>
+          <p:style>
+            <a:lnRef idx="1">
+              <a:schemeClr val="accent1"/>
+            </a:lnRef>
+            <a:fillRef idx="0">
+              <a:schemeClr val="accent1"/>
+            </a:fillRef>
+            <a:effectRef idx="0">
+              <a:schemeClr val="accent1"/>
+            </a:effectRef>
+            <a:fontRef idx="minor">
+              <a:schemeClr val="tx1"/>
+            </a:fontRef>
+          </p:style>
+        </p:cxnSp>
+        <p:cxnSp>
+          <p:nvCxnSpPr>
+            <p:cNvPr id="13" name="直線コネクタ 12">
+              <a:extLst>
+                <a:ext uri="{FF2B5EF4-FFF2-40B4-BE49-F238E27FC236}">
+                  <a16:creationId xmlns:a16="http://schemas.microsoft.com/office/drawing/2014/main" id="{10140C30-CB40-4479-9374-DDCE89F7DB21}"/>
+                </a:ext>
+              </a:extLst>
+            </p:cNvPr>
+            <p:cNvCxnSpPr>
+              <a:cxnSpLocks/>
+            </p:cNvCxnSpPr>
+            <p:nvPr/>
+          </p:nvCxnSpPr>
+          <p:spPr>
+            <a:xfrm>
+              <a:off x="1084734" y="3461948"/>
+              <a:ext cx="6007055" cy="0"/>
+            </a:xfrm>
+            <a:prstGeom prst="line">
+              <a:avLst/>
+            </a:prstGeom>
+            <a:ln w="28575">
+              <a:solidFill>
+                <a:schemeClr val="tx1"/>
+              </a:solidFill>
+              <a:headEnd type="none"/>
+              <a:tailEnd w="lg" len="lg"/>
+            </a:ln>
+          </p:spPr>
+          <p:style>
+            <a:lnRef idx="1">
+              <a:schemeClr val="accent1"/>
+            </a:lnRef>
+            <a:fillRef idx="0">
+              <a:schemeClr val="accent1"/>
+            </a:fillRef>
+            <a:effectRef idx="0">
+              <a:schemeClr val="accent1"/>
+            </a:effectRef>
+            <a:fontRef idx="minor">
+              <a:schemeClr val="tx1"/>
+            </a:fontRef>
+          </p:style>
+        </p:cxnSp>
+        <p:sp>
+          <p:nvSpPr>
+            <p:cNvPr id="14" name="楕円 13">
+              <a:extLst>
+                <a:ext uri="{FF2B5EF4-FFF2-40B4-BE49-F238E27FC236}">
+                  <a16:creationId xmlns:a16="http://schemas.microsoft.com/office/drawing/2014/main" id="{8DD7908E-7206-4E9A-B26F-0DC961C4417A}"/>
+                </a:ext>
+              </a:extLst>
+            </p:cNvPr>
+            <p:cNvSpPr/>
+            <p:nvPr/>
+          </p:nvSpPr>
+          <p:spPr>
+            <a:xfrm>
+              <a:off x="2342907" y="4119470"/>
+              <a:ext cx="641143" cy="437683"/>
+            </a:xfrm>
+            <a:prstGeom prst="ellipse">
+              <a:avLst/>
+            </a:prstGeom>
+            <a:ln w="28575">
+              <a:solidFill>
+                <a:schemeClr val="tx1"/>
+              </a:solidFill>
+            </a:ln>
+          </p:spPr>
+          <p:style>
+            <a:lnRef idx="1">
+              <a:schemeClr val="accent1"/>
+            </a:lnRef>
+            <a:fillRef idx="0">
+              <a:schemeClr val="accent1"/>
+            </a:fillRef>
+            <a:effectRef idx="0">
+              <a:schemeClr val="accent1"/>
+            </a:effectRef>
+            <a:fontRef idx="minor">
+              <a:schemeClr val="tx1"/>
+            </a:fontRef>
+          </p:style>
+          <p:txBody>
+            <a:bodyPr rtlCol="0" anchor="ctr"/>
+            <a:lstStyle/>
+            <a:p>
+              <a:pPr algn="ctr"/>
+              <a:endParaRPr kumimoji="1" lang="ja-JP" altLang="en-US" dirty="0"/>
+            </a:p>
+          </p:txBody>
+        </p:sp>
+        <p:sp>
+          <p:nvSpPr>
+            <p:cNvPr id="15" name="楕円 14">
+              <a:extLst>
+                <a:ext uri="{FF2B5EF4-FFF2-40B4-BE49-F238E27FC236}">
+                  <a16:creationId xmlns:a16="http://schemas.microsoft.com/office/drawing/2014/main" id="{472E4EC9-19D0-4F87-8EFA-0E1750B321F0}"/>
+                </a:ext>
+              </a:extLst>
+            </p:cNvPr>
+            <p:cNvSpPr/>
+            <p:nvPr/>
+          </p:nvSpPr>
+          <p:spPr>
+            <a:xfrm>
+              <a:off x="4301558" y="3901829"/>
+              <a:ext cx="641143" cy="437683"/>
+            </a:xfrm>
+            <a:prstGeom prst="ellipse">
+              <a:avLst/>
+            </a:prstGeom>
+            <a:ln w="28575">
+              <a:solidFill>
+                <a:schemeClr val="tx1"/>
+              </a:solidFill>
+            </a:ln>
+          </p:spPr>
+          <p:style>
+            <a:lnRef idx="1">
+              <a:schemeClr val="accent1"/>
+            </a:lnRef>
+            <a:fillRef idx="0">
+              <a:schemeClr val="accent1"/>
+            </a:fillRef>
+            <a:effectRef idx="0">
+              <a:schemeClr val="accent1"/>
+            </a:effectRef>
+            <a:fontRef idx="minor">
+              <a:schemeClr val="tx1"/>
+            </a:fontRef>
+          </p:style>
+          <p:txBody>
+            <a:bodyPr rtlCol="0" anchor="ctr"/>
+            <a:lstStyle/>
+            <a:p>
+              <a:pPr algn="ctr"/>
+              <a:endParaRPr kumimoji="1" lang="ja-JP" altLang="en-US" dirty="0"/>
+            </a:p>
+          </p:txBody>
+        </p:sp>
+        <p:sp>
+          <p:nvSpPr>
+            <p:cNvPr id="16" name="楕円 15">
+              <a:extLst>
+                <a:ext uri="{FF2B5EF4-FFF2-40B4-BE49-F238E27FC236}">
+                  <a16:creationId xmlns:a16="http://schemas.microsoft.com/office/drawing/2014/main" id="{F00FC3D4-51B5-4CCA-BE18-A0C06F3D48F5}"/>
+                </a:ext>
+              </a:extLst>
+            </p:cNvPr>
+            <p:cNvSpPr/>
+            <p:nvPr/>
+          </p:nvSpPr>
+          <p:spPr>
+            <a:xfrm>
+              <a:off x="5727689" y="4180416"/>
+              <a:ext cx="641143" cy="437683"/>
+            </a:xfrm>
+            <a:prstGeom prst="ellipse">
+              <a:avLst/>
+            </a:prstGeom>
+            <a:ln w="28575">
+              <a:solidFill>
+                <a:schemeClr val="tx1"/>
+              </a:solidFill>
+            </a:ln>
+          </p:spPr>
+          <p:style>
+            <a:lnRef idx="1">
+              <a:schemeClr val="accent1"/>
+            </a:lnRef>
+            <a:fillRef idx="0">
+              <a:schemeClr val="accent1"/>
+            </a:fillRef>
+            <a:effectRef idx="0">
+              <a:schemeClr val="accent1"/>
+            </a:effectRef>
+            <a:fontRef idx="minor">
+              <a:schemeClr val="tx1"/>
+            </a:fontRef>
+          </p:style>
+          <p:txBody>
+            <a:bodyPr rtlCol="0" anchor="ctr"/>
+            <a:lstStyle/>
+            <a:p>
+              <a:pPr algn="ctr"/>
+              <a:endParaRPr kumimoji="1" lang="ja-JP" altLang="en-US" dirty="0"/>
+            </a:p>
+          </p:txBody>
+        </p:sp>
+        <p:cxnSp>
+          <p:nvCxnSpPr>
+            <p:cNvPr id="19" name="直線コネクタ 18">
+              <a:extLst>
+                <a:ext uri="{FF2B5EF4-FFF2-40B4-BE49-F238E27FC236}">
+                  <a16:creationId xmlns:a16="http://schemas.microsoft.com/office/drawing/2014/main" id="{C132E00D-B6AF-4E9C-9A8A-39ADA7ABC41D}"/>
+                </a:ext>
+              </a:extLst>
+            </p:cNvPr>
+            <p:cNvCxnSpPr>
+              <a:cxnSpLocks/>
+            </p:cNvCxnSpPr>
+            <p:nvPr/>
+          </p:nvCxnSpPr>
+          <p:spPr>
+            <a:xfrm>
+              <a:off x="1084734" y="4973945"/>
+              <a:ext cx="6007055" cy="0"/>
+            </a:xfrm>
+            <a:prstGeom prst="line">
+              <a:avLst/>
+            </a:prstGeom>
+            <a:ln w="28575">
+              <a:solidFill>
+                <a:schemeClr val="tx1"/>
+              </a:solidFill>
+              <a:headEnd type="none"/>
+              <a:tailEnd w="lg" len="lg"/>
+            </a:ln>
+          </p:spPr>
+          <p:style>
+            <a:lnRef idx="1">
+              <a:schemeClr val="accent1"/>
+            </a:lnRef>
+            <a:fillRef idx="0">
+              <a:schemeClr val="accent1"/>
+            </a:fillRef>
+            <a:effectRef idx="0">
+              <a:schemeClr val="accent1"/>
+            </a:effectRef>
+            <a:fontRef idx="minor">
+              <a:schemeClr val="tx1"/>
+            </a:fontRef>
+          </p:style>
+        </p:cxnSp>
+        <p:sp>
+          <p:nvSpPr>
+            <p:cNvPr id="20" name="楕円 19">
+              <a:extLst>
+                <a:ext uri="{FF2B5EF4-FFF2-40B4-BE49-F238E27FC236}">
+                  <a16:creationId xmlns:a16="http://schemas.microsoft.com/office/drawing/2014/main" id="{CBF3DFD5-3D88-411A-B589-117F9ACA7137}"/>
+                </a:ext>
+              </a:extLst>
+            </p:cNvPr>
+            <p:cNvSpPr/>
+            <p:nvPr/>
+          </p:nvSpPr>
+          <p:spPr>
+            <a:xfrm>
+              <a:off x="3783408" y="5329792"/>
+              <a:ext cx="641143" cy="437683"/>
+            </a:xfrm>
+            <a:prstGeom prst="ellipse">
+              <a:avLst/>
+            </a:prstGeom>
+            <a:ln w="28575">
+              <a:solidFill>
+                <a:schemeClr val="tx1"/>
+              </a:solidFill>
+            </a:ln>
+          </p:spPr>
+          <p:style>
+            <a:lnRef idx="1">
+              <a:schemeClr val="accent1"/>
+            </a:lnRef>
+            <a:fillRef idx="0">
+              <a:schemeClr val="accent1"/>
+            </a:fillRef>
+            <a:effectRef idx="0">
+              <a:schemeClr val="accent1"/>
+            </a:effectRef>
+            <a:fontRef idx="minor">
+              <a:schemeClr val="tx1"/>
+            </a:fontRef>
+          </p:style>
+          <p:txBody>
+            <a:bodyPr rtlCol="0" anchor="ctr"/>
+            <a:lstStyle/>
+            <a:p>
+              <a:pPr algn="ctr"/>
+              <a:endParaRPr kumimoji="1" lang="ja-JP" altLang="en-US" dirty="0"/>
+            </a:p>
+          </p:txBody>
+        </p:sp>
+        <p:cxnSp>
+          <p:nvCxnSpPr>
+            <p:cNvPr id="22" name="直線コネクタ 21">
+              <a:extLst>
+                <a:ext uri="{FF2B5EF4-FFF2-40B4-BE49-F238E27FC236}">
+                  <a16:creationId xmlns:a16="http://schemas.microsoft.com/office/drawing/2014/main" id="{13F742AB-6EF9-4CFA-8672-901859AC2585}"/>
+                </a:ext>
+              </a:extLst>
+            </p:cNvPr>
+            <p:cNvCxnSpPr>
+              <a:cxnSpLocks/>
+            </p:cNvCxnSpPr>
+            <p:nvPr/>
+          </p:nvCxnSpPr>
+          <p:spPr>
+            <a:xfrm>
+              <a:off x="1000897" y="6213989"/>
+              <a:ext cx="6007055" cy="0"/>
+            </a:xfrm>
+            <a:prstGeom prst="line">
+              <a:avLst/>
+            </a:prstGeom>
+            <a:ln w="28575">
+              <a:solidFill>
+                <a:schemeClr val="tx1"/>
+              </a:solidFill>
+              <a:headEnd type="none"/>
+              <a:tailEnd w="lg" len="lg"/>
+            </a:ln>
+          </p:spPr>
+          <p:style>
+            <a:lnRef idx="1">
+              <a:schemeClr val="accent1"/>
+            </a:lnRef>
+            <a:fillRef idx="0">
+              <a:schemeClr val="accent1"/>
+            </a:fillRef>
+            <a:effectRef idx="0">
+              <a:schemeClr val="accent1"/>
+            </a:effectRef>
+            <a:fontRef idx="minor">
+              <a:schemeClr val="tx1"/>
+            </a:fontRef>
+          </p:style>
+        </p:cxnSp>
+        <p:cxnSp>
+          <p:nvCxnSpPr>
+            <p:cNvPr id="23" name="直線矢印コネクタ 22">
+              <a:extLst>
+                <a:ext uri="{FF2B5EF4-FFF2-40B4-BE49-F238E27FC236}">
+                  <a16:creationId xmlns:a16="http://schemas.microsoft.com/office/drawing/2014/main" id="{3EB70EE6-FDAF-4C4F-972C-14AD366C921E}"/>
+                </a:ext>
+              </a:extLst>
+            </p:cNvPr>
+            <p:cNvCxnSpPr>
+              <a:cxnSpLocks/>
+              <a:stCxn id="14" idx="0"/>
+            </p:cNvCxnSpPr>
+            <p:nvPr/>
+          </p:nvCxnSpPr>
+          <p:spPr>
+            <a:xfrm flipV="1">
+              <a:off x="2663478" y="3459371"/>
+              <a:ext cx="0" cy="660100"/>
+            </a:xfrm>
+            <a:prstGeom prst="straightConnector1">
+              <a:avLst/>
+            </a:prstGeom>
+            <a:ln w="28575">
+              <a:solidFill>
+                <a:schemeClr val="tx1"/>
+              </a:solidFill>
+              <a:tailEnd type="none" w="lg" len="lg"/>
+            </a:ln>
+          </p:spPr>
+          <p:style>
+            <a:lnRef idx="1">
+              <a:schemeClr val="accent1"/>
+            </a:lnRef>
+            <a:fillRef idx="0">
+              <a:schemeClr val="accent1"/>
+            </a:fillRef>
+            <a:effectRef idx="0">
+              <a:schemeClr val="accent1"/>
+            </a:effectRef>
+            <a:fontRef idx="minor">
+              <a:schemeClr val="tx1"/>
+            </a:fontRef>
+          </p:style>
+        </p:cxnSp>
+        <p:cxnSp>
+          <p:nvCxnSpPr>
+            <p:cNvPr id="24" name="直線矢印コネクタ 23">
+              <a:extLst>
+                <a:ext uri="{FF2B5EF4-FFF2-40B4-BE49-F238E27FC236}">
+                  <a16:creationId xmlns:a16="http://schemas.microsoft.com/office/drawing/2014/main" id="{770C9ACA-6D25-4BEC-BDA5-081D31042822}"/>
+                </a:ext>
+              </a:extLst>
+            </p:cNvPr>
+            <p:cNvCxnSpPr>
+              <a:cxnSpLocks/>
+            </p:cNvCxnSpPr>
+            <p:nvPr/>
+          </p:nvCxnSpPr>
+          <p:spPr>
+            <a:xfrm flipV="1">
+              <a:off x="4106317" y="3475391"/>
+              <a:ext cx="14256" cy="1854403"/>
+            </a:xfrm>
+            <a:prstGeom prst="straightConnector1">
+              <a:avLst/>
+            </a:prstGeom>
+            <a:ln w="28575">
+              <a:solidFill>
+                <a:schemeClr val="tx1"/>
+              </a:solidFill>
+              <a:tailEnd type="none" w="lg" len="lg"/>
+            </a:ln>
+          </p:spPr>
+          <p:style>
+            <a:lnRef idx="1">
+              <a:schemeClr val="accent1"/>
+            </a:lnRef>
+            <a:fillRef idx="0">
+              <a:schemeClr val="accent1"/>
+            </a:fillRef>
+            <a:effectRef idx="0">
+              <a:schemeClr val="accent1"/>
+            </a:effectRef>
+            <a:fontRef idx="minor">
+              <a:schemeClr val="tx1"/>
+            </a:fontRef>
+          </p:style>
+        </p:cxnSp>
+        <p:cxnSp>
+          <p:nvCxnSpPr>
+            <p:cNvPr id="25" name="直線矢印コネクタ 24">
+              <a:extLst>
+                <a:ext uri="{FF2B5EF4-FFF2-40B4-BE49-F238E27FC236}">
+                  <a16:creationId xmlns:a16="http://schemas.microsoft.com/office/drawing/2014/main" id="{0AF47173-9567-46EE-86F3-FADA79480316}"/>
+                </a:ext>
+              </a:extLst>
+            </p:cNvPr>
+            <p:cNvCxnSpPr>
+              <a:cxnSpLocks/>
+              <a:stCxn id="15" idx="0"/>
+            </p:cNvCxnSpPr>
+            <p:nvPr/>
+          </p:nvCxnSpPr>
+          <p:spPr>
+            <a:xfrm flipV="1">
+              <a:off x="4622129" y="3475391"/>
+              <a:ext cx="0" cy="426438"/>
+            </a:xfrm>
+            <a:prstGeom prst="straightConnector1">
+              <a:avLst/>
+            </a:prstGeom>
+            <a:ln w="28575">
+              <a:solidFill>
+                <a:schemeClr val="tx1"/>
+              </a:solidFill>
+              <a:tailEnd type="none" w="lg" len="lg"/>
+            </a:ln>
+          </p:spPr>
+          <p:style>
+            <a:lnRef idx="1">
+              <a:schemeClr val="accent1"/>
+            </a:lnRef>
+            <a:fillRef idx="0">
+              <a:schemeClr val="accent1"/>
+            </a:fillRef>
+            <a:effectRef idx="0">
+              <a:schemeClr val="accent1"/>
+            </a:effectRef>
+            <a:fontRef idx="minor">
+              <a:schemeClr val="tx1"/>
+            </a:fontRef>
+          </p:style>
+        </p:cxnSp>
+        <p:cxnSp>
+          <p:nvCxnSpPr>
+            <p:cNvPr id="26" name="直線矢印コネクタ 25">
+              <a:extLst>
+                <a:ext uri="{FF2B5EF4-FFF2-40B4-BE49-F238E27FC236}">
+                  <a16:creationId xmlns:a16="http://schemas.microsoft.com/office/drawing/2014/main" id="{04CF2729-1078-4BFB-9A3C-232E2A9E8B9A}"/>
+                </a:ext>
+              </a:extLst>
+            </p:cNvPr>
+            <p:cNvCxnSpPr>
+              <a:cxnSpLocks/>
+              <a:stCxn id="16" idx="0"/>
+            </p:cNvCxnSpPr>
+            <p:nvPr/>
+          </p:nvCxnSpPr>
+          <p:spPr>
+            <a:xfrm flipV="1">
+              <a:off x="6048261" y="3475391"/>
+              <a:ext cx="8429" cy="705025"/>
+            </a:xfrm>
+            <a:prstGeom prst="straightConnector1">
+              <a:avLst/>
+            </a:prstGeom>
+            <a:ln w="28575">
+              <a:solidFill>
+                <a:schemeClr val="tx1"/>
+              </a:solidFill>
+              <a:tailEnd type="none" w="lg" len="lg"/>
+            </a:ln>
+          </p:spPr>
+          <p:style>
+            <a:lnRef idx="1">
+              <a:schemeClr val="accent1"/>
+            </a:lnRef>
+            <a:fillRef idx="0">
+              <a:schemeClr val="accent1"/>
+            </a:fillRef>
+            <a:effectRef idx="0">
+              <a:schemeClr val="accent1"/>
+            </a:effectRef>
+            <a:fontRef idx="minor">
+              <a:schemeClr val="tx1"/>
+            </a:fontRef>
+          </p:style>
+        </p:cxnSp>
+        <p:cxnSp>
+          <p:nvCxnSpPr>
+            <p:cNvPr id="34" name="直線矢印コネクタ 33">
+              <a:extLst>
+                <a:ext uri="{FF2B5EF4-FFF2-40B4-BE49-F238E27FC236}">
+                  <a16:creationId xmlns:a16="http://schemas.microsoft.com/office/drawing/2014/main" id="{A0D293C4-FBEA-4F6F-AAB9-97AC9E550DD2}"/>
+                </a:ext>
+              </a:extLst>
+            </p:cNvPr>
+            <p:cNvCxnSpPr>
+              <a:cxnSpLocks/>
+              <a:endCxn id="14" idx="3"/>
+            </p:cNvCxnSpPr>
+            <p:nvPr/>
+          </p:nvCxnSpPr>
+          <p:spPr>
+            <a:xfrm flipV="1">
+              <a:off x="1579987" y="4493056"/>
+              <a:ext cx="856813" cy="480890"/>
+            </a:xfrm>
+            <a:prstGeom prst="straightConnector1">
+              <a:avLst/>
+            </a:prstGeom>
+            <a:ln w="28575">
+              <a:solidFill>
+                <a:schemeClr val="tx1"/>
+              </a:solidFill>
+              <a:tailEnd type="none" w="lg" len="lg"/>
+            </a:ln>
+          </p:spPr>
+          <p:style>
+            <a:lnRef idx="1">
+              <a:schemeClr val="accent1"/>
+            </a:lnRef>
+            <a:fillRef idx="0">
+              <a:schemeClr val="accent1"/>
+            </a:fillRef>
+            <a:effectRef idx="0">
+              <a:schemeClr val="accent1"/>
+            </a:effectRef>
+            <a:fontRef idx="minor">
+              <a:schemeClr val="tx1"/>
+            </a:fontRef>
+          </p:style>
+        </p:cxnSp>
+        <p:cxnSp>
+          <p:nvCxnSpPr>
+            <p:cNvPr id="35" name="直線矢印コネクタ 34">
+              <a:extLst>
+                <a:ext uri="{FF2B5EF4-FFF2-40B4-BE49-F238E27FC236}">
+                  <a16:creationId xmlns:a16="http://schemas.microsoft.com/office/drawing/2014/main" id="{0ACD1CAC-493F-4DDA-8FEA-73324F92CAAF}"/>
+                </a:ext>
+              </a:extLst>
+            </p:cNvPr>
+            <p:cNvCxnSpPr>
+              <a:cxnSpLocks/>
+              <a:stCxn id="6" idx="4"/>
+            </p:cNvCxnSpPr>
+            <p:nvPr/>
+          </p:nvCxnSpPr>
+          <p:spPr>
+            <a:xfrm>
+              <a:off x="1644933" y="4339512"/>
+              <a:ext cx="948943" cy="620739"/>
+            </a:xfrm>
+            <a:prstGeom prst="straightConnector1">
+              <a:avLst/>
+            </a:prstGeom>
+            <a:ln w="28575">
+              <a:solidFill>
+                <a:schemeClr val="tx1"/>
+              </a:solidFill>
+              <a:tailEnd type="none" w="lg" len="lg"/>
+            </a:ln>
+          </p:spPr>
+          <p:style>
+            <a:lnRef idx="1">
+              <a:schemeClr val="accent1"/>
+            </a:lnRef>
+            <a:fillRef idx="0">
+              <a:schemeClr val="accent1"/>
+            </a:fillRef>
+            <a:effectRef idx="0">
+              <a:schemeClr val="accent1"/>
+            </a:effectRef>
+            <a:fontRef idx="minor">
+              <a:schemeClr val="tx1"/>
+            </a:fontRef>
+          </p:style>
+        </p:cxnSp>
+        <p:cxnSp>
+          <p:nvCxnSpPr>
+            <p:cNvPr id="37" name="直線矢印コネクタ 36">
+              <a:extLst>
+                <a:ext uri="{FF2B5EF4-FFF2-40B4-BE49-F238E27FC236}">
+                  <a16:creationId xmlns:a16="http://schemas.microsoft.com/office/drawing/2014/main" id="{C01AF846-0879-41B5-A362-064BA5267D2E}"/>
+                </a:ext>
+              </a:extLst>
+            </p:cNvPr>
+            <p:cNvCxnSpPr>
+              <a:cxnSpLocks/>
+              <a:endCxn id="16" idx="3"/>
+            </p:cNvCxnSpPr>
+            <p:nvPr/>
+          </p:nvCxnSpPr>
+          <p:spPr>
+            <a:xfrm flipV="1">
+              <a:off x="4819267" y="4554002"/>
+              <a:ext cx="1002315" cy="419944"/>
+            </a:xfrm>
+            <a:prstGeom prst="straightConnector1">
+              <a:avLst/>
+            </a:prstGeom>
+            <a:ln w="28575">
+              <a:solidFill>
+                <a:schemeClr val="tx1"/>
+              </a:solidFill>
+              <a:tailEnd type="none" w="lg" len="lg"/>
+            </a:ln>
+          </p:spPr>
+          <p:style>
+            <a:lnRef idx="1">
+              <a:schemeClr val="accent1"/>
+            </a:lnRef>
+            <a:fillRef idx="0">
+              <a:schemeClr val="accent1"/>
+            </a:fillRef>
+            <a:effectRef idx="0">
+              <a:schemeClr val="accent1"/>
+            </a:effectRef>
+            <a:fontRef idx="minor">
+              <a:schemeClr val="tx1"/>
+            </a:fontRef>
+          </p:style>
+        </p:cxnSp>
+        <p:cxnSp>
+          <p:nvCxnSpPr>
+            <p:cNvPr id="38" name="直線矢印コネクタ 37">
+              <a:extLst>
+                <a:ext uri="{FF2B5EF4-FFF2-40B4-BE49-F238E27FC236}">
+                  <a16:creationId xmlns:a16="http://schemas.microsoft.com/office/drawing/2014/main" id="{89ED8893-EC83-4C71-9164-9F9B3F736461}"/>
+                </a:ext>
+              </a:extLst>
+            </p:cNvPr>
+            <p:cNvCxnSpPr>
+              <a:cxnSpLocks/>
+              <a:stCxn id="15" idx="5"/>
+            </p:cNvCxnSpPr>
+            <p:nvPr/>
+          </p:nvCxnSpPr>
+          <p:spPr>
+            <a:xfrm>
+              <a:off x="4848808" y="4275415"/>
+              <a:ext cx="964688" cy="684836"/>
+            </a:xfrm>
+            <a:prstGeom prst="straightConnector1">
+              <a:avLst/>
+            </a:prstGeom>
+            <a:ln w="28575">
+              <a:solidFill>
+                <a:schemeClr val="tx1"/>
+              </a:solidFill>
+              <a:tailEnd type="none" w="lg" len="lg"/>
+            </a:ln>
+          </p:spPr>
+          <p:style>
+            <a:lnRef idx="1">
+              <a:schemeClr val="accent1"/>
+            </a:lnRef>
+            <a:fillRef idx="0">
+              <a:schemeClr val="accent1"/>
+            </a:fillRef>
+            <a:effectRef idx="0">
+              <a:schemeClr val="accent1"/>
+            </a:effectRef>
+            <a:fontRef idx="minor">
+              <a:schemeClr val="tx1"/>
+            </a:fontRef>
+          </p:style>
+        </p:cxnSp>
+        <p:cxnSp>
+          <p:nvCxnSpPr>
+            <p:cNvPr id="41" name="直線矢印コネクタ 40">
+              <a:extLst>
+                <a:ext uri="{FF2B5EF4-FFF2-40B4-BE49-F238E27FC236}">
+                  <a16:creationId xmlns:a16="http://schemas.microsoft.com/office/drawing/2014/main" id="{3981CAE6-E765-41EC-921F-4320C9E639A5}"/>
+                </a:ext>
+              </a:extLst>
+            </p:cNvPr>
+            <p:cNvCxnSpPr>
+              <a:cxnSpLocks/>
+              <a:endCxn id="15" idx="3"/>
+            </p:cNvCxnSpPr>
+            <p:nvPr/>
+          </p:nvCxnSpPr>
+          <p:spPr>
+            <a:xfrm flipV="1">
+              <a:off x="2278070" y="4275415"/>
+              <a:ext cx="2117381" cy="1934631"/>
+            </a:xfrm>
+            <a:prstGeom prst="straightConnector1">
+              <a:avLst/>
+            </a:prstGeom>
+            <a:ln w="28575">
+              <a:solidFill>
+                <a:schemeClr val="tx1"/>
+              </a:solidFill>
+              <a:tailEnd type="none" w="lg" len="lg"/>
+            </a:ln>
+          </p:spPr>
+          <p:style>
+            <a:lnRef idx="1">
+              <a:schemeClr val="accent1"/>
+            </a:lnRef>
+            <a:fillRef idx="0">
+              <a:schemeClr val="accent1"/>
+            </a:fillRef>
+            <a:effectRef idx="0">
+              <a:schemeClr val="accent1"/>
+            </a:effectRef>
+            <a:fontRef idx="minor">
+              <a:schemeClr val="tx1"/>
+            </a:fontRef>
+          </p:style>
+        </p:cxnSp>
+        <p:cxnSp>
+          <p:nvCxnSpPr>
+            <p:cNvPr id="42" name="直線矢印コネクタ 41">
+              <a:extLst>
+                <a:ext uri="{FF2B5EF4-FFF2-40B4-BE49-F238E27FC236}">
+                  <a16:creationId xmlns:a16="http://schemas.microsoft.com/office/drawing/2014/main" id="{CA1848BA-06D0-4391-B46A-50B2F55A541B}"/>
+                </a:ext>
+              </a:extLst>
+            </p:cNvPr>
+            <p:cNvCxnSpPr>
+              <a:cxnSpLocks/>
+              <a:stCxn id="14" idx="4"/>
+            </p:cNvCxnSpPr>
+            <p:nvPr/>
+          </p:nvCxnSpPr>
+          <p:spPr>
+            <a:xfrm>
+              <a:off x="2663478" y="4557153"/>
+              <a:ext cx="1055093" cy="1670690"/>
+            </a:xfrm>
+            <a:prstGeom prst="straightConnector1">
+              <a:avLst/>
+            </a:prstGeom>
+            <a:ln w="28575">
+              <a:solidFill>
+                <a:schemeClr val="tx1"/>
+              </a:solidFill>
+              <a:tailEnd type="none" w="lg" len="lg"/>
+            </a:ln>
+          </p:spPr>
+          <p:style>
+            <a:lnRef idx="1">
+              <a:schemeClr val="accent1"/>
+            </a:lnRef>
+            <a:fillRef idx="0">
+              <a:schemeClr val="accent1"/>
+            </a:fillRef>
+            <a:effectRef idx="0">
+              <a:schemeClr val="accent1"/>
+            </a:effectRef>
+            <a:fontRef idx="minor">
+              <a:schemeClr val="tx1"/>
+            </a:fontRef>
+          </p:style>
+        </p:cxnSp>
+        <p:cxnSp>
+          <p:nvCxnSpPr>
+            <p:cNvPr id="43" name="直線矢印コネクタ 42">
+              <a:extLst>
+                <a:ext uri="{FF2B5EF4-FFF2-40B4-BE49-F238E27FC236}">
+                  <a16:creationId xmlns:a16="http://schemas.microsoft.com/office/drawing/2014/main" id="{EFF9EDAE-DD05-4F17-A4B6-4AAB911DA849}"/>
+                </a:ext>
+              </a:extLst>
+            </p:cNvPr>
+            <p:cNvCxnSpPr>
+              <a:cxnSpLocks/>
+              <a:stCxn id="20" idx="4"/>
+            </p:cNvCxnSpPr>
+            <p:nvPr/>
+          </p:nvCxnSpPr>
+          <p:spPr>
+            <a:xfrm>
+              <a:off x="4103980" y="5767475"/>
+              <a:ext cx="291471" cy="442571"/>
+            </a:xfrm>
+            <a:prstGeom prst="straightConnector1">
+              <a:avLst/>
+            </a:prstGeom>
+            <a:ln w="28575">
+              <a:solidFill>
+                <a:schemeClr val="tx1"/>
+              </a:solidFill>
+              <a:tailEnd type="none" w="lg" len="lg"/>
+            </a:ln>
+          </p:spPr>
+          <p:style>
+            <a:lnRef idx="1">
+              <a:schemeClr val="accent1"/>
+            </a:lnRef>
+            <a:fillRef idx="0">
+              <a:schemeClr val="accent1"/>
+            </a:fillRef>
+            <a:effectRef idx="0">
+              <a:schemeClr val="accent1"/>
+            </a:effectRef>
+            <a:fontRef idx="minor">
+              <a:schemeClr val="tx1"/>
+            </a:fontRef>
+          </p:style>
+        </p:cxnSp>
+        <mc:AlternateContent xmlns:mc="http://schemas.openxmlformats.org/markup-compatibility/2006">
+          <mc:Choice xmlns:a14="http://schemas.microsoft.com/office/drawing/2010/main" Requires="a14">
+            <p:sp>
+              <p:nvSpPr>
+                <p:cNvPr id="46" name="テキスト ボックス 45">
+                  <a:extLst>
+                    <a:ext uri="{FF2B5EF4-FFF2-40B4-BE49-F238E27FC236}">
+                      <a16:creationId xmlns:a16="http://schemas.microsoft.com/office/drawing/2014/main" id="{0CFACADA-DF40-410E-8B32-CBC42992394B}"/>
+                    </a:ext>
+                  </a:extLst>
+                </p:cNvPr>
+                <p:cNvSpPr txBox="1"/>
+                <p:nvPr/>
+              </p:nvSpPr>
+              <p:spPr>
+                <a:xfrm>
+                  <a:off x="7007404" y="4843153"/>
+                  <a:ext cx="1133004" cy="382028"/>
+                </a:xfrm>
+                <a:prstGeom prst="rect">
+                  <a:avLst/>
+                </a:prstGeom>
+                <a:noFill/>
+              </p:spPr>
+              <p:txBody>
+                <a:bodyPr wrap="square" rtlCol="0">
+                  <a:spAutoFit/>
+                </a:bodyPr>
+                <a:lstStyle/>
+                <a:p>
+                  <a:pPr/>
+                  <a14:m>
+                    <m:oMathPara xmlns:m="http://schemas.openxmlformats.org/officeDocument/2006/math">
+                      <m:oMathParaPr>
+                        <m:jc m:val="centerGroup"/>
+                      </m:oMathParaPr>
+                      <m:oMath xmlns:m="http://schemas.openxmlformats.org/officeDocument/2006/math">
+                        <m:sSub>
+                          <m:sSubPr>
+                            <m:ctrlPr>
+                              <a:rPr kumimoji="1" lang="en-US" altLang="ja-JP" b="0" i="1" smtClean="0">
+                                <a:latin typeface="Cambria Math" panose="02040503050406030204" pitchFamily="18" charset="0"/>
+                              </a:rPr>
+                            </m:ctrlPr>
+                          </m:sSubPr>
+                          <m:e>
+                            <m:r>
+                              <a:rPr kumimoji="1" lang="en-US" altLang="ja-JP" b="0" i="1" smtClean="0">
+                                <a:latin typeface="Cambria Math" panose="02040503050406030204" pitchFamily="18" charset="0"/>
+                              </a:rPr>
+                              <m:t>𝑃</m:t>
+                            </m:r>
+                          </m:e>
+                          <m:sub>
+                            <m:r>
+                              <a:rPr kumimoji="1" lang="en-US" altLang="ja-JP" b="0" i="1" smtClean="0">
+                                <a:latin typeface="Cambria Math" panose="02040503050406030204" pitchFamily="18" charset="0"/>
+                              </a:rPr>
+                              <m:t>𝑖</m:t>
+                            </m:r>
+                          </m:sub>
+                        </m:sSub>
+                      </m:oMath>
+                    </m:oMathPara>
+                  </a14:m>
+                  <a:endParaRPr kumimoji="1" lang="ja-JP" altLang="en-US" dirty="0"/>
+                </a:p>
+              </p:txBody>
+            </p:sp>
+          </mc:Choice>
+          <mc:Fallback>
+            <p:sp>
+              <p:nvSpPr>
+                <p:cNvPr id="46" name="テキスト ボックス 45">
+                  <a:extLst>
+                    <a:ext uri="{FF2B5EF4-FFF2-40B4-BE49-F238E27FC236}">
+                      <a16:creationId xmlns:a16="http://schemas.microsoft.com/office/drawing/2014/main" id="{0CFACADA-DF40-410E-8B32-CBC42992394B}"/>
+                    </a:ext>
+                  </a:extLst>
+                </p:cNvPr>
+                <p:cNvSpPr txBox="1">
+                  <a:spLocks noRot="1" noChangeAspect="1" noMove="1" noResize="1" noEditPoints="1" noAdjustHandles="1" noChangeArrowheads="1" noChangeShapeType="1" noTextEdit="1"/>
+                </p:cNvSpPr>
+                <p:nvPr/>
+              </p:nvSpPr>
+              <p:spPr>
+                <a:xfrm>
+                  <a:off x="7007404" y="4843153"/>
+                  <a:ext cx="1133004" cy="382028"/>
+                </a:xfrm>
+                <a:prstGeom prst="rect">
+                  <a:avLst/>
+                </a:prstGeom>
+                <a:blipFill>
+                  <a:blip r:embed="rId4"/>
+                  <a:stretch>
+                    <a:fillRect b="-8929"/>
+                  </a:stretch>
+                </a:blipFill>
+              </p:spPr>
+              <p:txBody>
+                <a:bodyPr/>
+                <a:lstStyle/>
+                <a:p>
+                  <a:r>
+                    <a:rPr lang="ja-JP" altLang="en-US">
+                      <a:noFill/>
+                    </a:rPr>
+                    <a:t> </a:t>
+                  </a:r>
+                </a:p>
+              </p:txBody>
+            </p:sp>
+          </mc:Fallback>
+        </mc:AlternateContent>
+        <mc:AlternateContent xmlns:mc="http://schemas.openxmlformats.org/markup-compatibility/2006">
+          <mc:Choice xmlns:a14="http://schemas.microsoft.com/office/drawing/2010/main" Requires="a14">
+            <p:sp>
+              <p:nvSpPr>
+                <p:cNvPr id="47" name="テキスト ボックス 46">
+                  <a:extLst>
+                    <a:ext uri="{FF2B5EF4-FFF2-40B4-BE49-F238E27FC236}">
+                      <a16:creationId xmlns:a16="http://schemas.microsoft.com/office/drawing/2014/main" id="{6731C545-1F45-4E84-B968-99B19232F6CB}"/>
+                    </a:ext>
+                  </a:extLst>
+                </p:cNvPr>
+                <p:cNvSpPr txBox="1"/>
+                <p:nvPr/>
+              </p:nvSpPr>
+              <p:spPr>
+                <a:xfrm>
+                  <a:off x="7005677" y="6110745"/>
+                  <a:ext cx="1133004" cy="369332"/>
+                </a:xfrm>
+                <a:prstGeom prst="rect">
+                  <a:avLst/>
+                </a:prstGeom>
+                <a:noFill/>
+              </p:spPr>
+              <p:txBody>
+                <a:bodyPr wrap="square" rtlCol="0">
+                  <a:spAutoFit/>
+                </a:bodyPr>
+                <a:lstStyle/>
+                <a:p>
+                  <a:pPr/>
+                  <a14:m>
+                    <m:oMathPara xmlns:m="http://schemas.openxmlformats.org/officeDocument/2006/math">
+                      <m:oMathParaPr>
+                        <m:jc m:val="centerGroup"/>
+                      </m:oMathParaPr>
+                      <m:oMath xmlns:m="http://schemas.openxmlformats.org/officeDocument/2006/math">
+                        <m:sSub>
+                          <m:sSubPr>
+                            <m:ctrlPr>
+                              <a:rPr kumimoji="1" lang="en-US" altLang="ja-JP" b="0" i="1" smtClean="0">
+                                <a:latin typeface="Cambria Math" panose="02040503050406030204" pitchFamily="18" charset="0"/>
+                              </a:rPr>
+                            </m:ctrlPr>
+                          </m:sSubPr>
+                          <m:e>
+                            <m:r>
+                              <a:rPr kumimoji="1" lang="en-US" altLang="ja-JP" b="0" i="1" smtClean="0">
+                                <a:latin typeface="Cambria Math" panose="02040503050406030204" pitchFamily="18" charset="0"/>
+                              </a:rPr>
+                              <m:t>𝑃</m:t>
+                            </m:r>
+                          </m:e>
+                          <m:sub>
+                            <m:r>
+                              <a:rPr kumimoji="1" lang="en-US" altLang="ja-JP" b="0" i="1" smtClean="0">
+                                <a:latin typeface="Cambria Math" panose="02040503050406030204" pitchFamily="18" charset="0"/>
+                              </a:rPr>
+                              <m:t>𝑘</m:t>
+                            </m:r>
+                          </m:sub>
+                        </m:sSub>
+                      </m:oMath>
+                    </m:oMathPara>
+                  </a14:m>
+                  <a:endParaRPr kumimoji="1" lang="ja-JP" altLang="en-US" dirty="0"/>
+                </a:p>
+              </p:txBody>
+            </p:sp>
+          </mc:Choice>
+          <mc:Fallback>
+            <p:sp>
+              <p:nvSpPr>
+                <p:cNvPr id="47" name="テキスト ボックス 46">
+                  <a:extLst>
+                    <a:ext uri="{FF2B5EF4-FFF2-40B4-BE49-F238E27FC236}">
+                      <a16:creationId xmlns:a16="http://schemas.microsoft.com/office/drawing/2014/main" id="{6731C545-1F45-4E84-B968-99B19232F6CB}"/>
+                    </a:ext>
+                  </a:extLst>
+                </p:cNvPr>
+                <p:cNvSpPr txBox="1">
+                  <a:spLocks noRot="1" noChangeAspect="1" noMove="1" noResize="1" noEditPoints="1" noAdjustHandles="1" noChangeArrowheads="1" noChangeShapeType="1" noTextEdit="1"/>
+                </p:cNvSpPr>
+                <p:nvPr/>
+              </p:nvSpPr>
+              <p:spPr>
+                <a:xfrm>
+                  <a:off x="7005677" y="6110745"/>
+                  <a:ext cx="1133004" cy="369332"/>
+                </a:xfrm>
+                <a:prstGeom prst="rect">
+                  <a:avLst/>
+                </a:prstGeom>
+                <a:blipFill>
+                  <a:blip r:embed="rId5"/>
+                  <a:stretch>
+                    <a:fillRect b="-11111"/>
+                  </a:stretch>
+                </a:blipFill>
+              </p:spPr>
+              <p:txBody>
+                <a:bodyPr/>
+                <a:lstStyle/>
+                <a:p>
+                  <a:r>
+                    <a:rPr lang="ja-JP" altLang="en-US">
+                      <a:noFill/>
+                    </a:rPr>
+                    <a:t> </a:t>
+                  </a:r>
+                </a:p>
+              </p:txBody>
+            </p:sp>
+          </mc:Fallback>
+        </mc:AlternateContent>
+      </p:grpSp>
+    </p:spTree>
+    <p:extLst>
+      <p:ext uri="{BB962C8B-B14F-4D97-AF65-F5344CB8AC3E}">
+        <p14:creationId xmlns:p14="http://schemas.microsoft.com/office/powerpoint/2010/main" val="2508887679"/>
+      </p:ext>
+    </p:extLst>
+  </p:cSld>
+  <p:clrMapOvr>
+    <a:masterClrMapping/>
+  </p:clrMapOvr>
+</p:sld>
+</file>
+
+<file path=ppt/slides/slide13.xml><?xml version="1.0" encoding="utf-8"?>
+<p:sld xmlns:a="http://schemas.openxmlformats.org/drawingml/2006/main" xmlns:r="http://schemas.openxmlformats.org/officeDocument/2006/relationships" xmlns:p="http://schemas.openxmlformats.org/presentationml/2006/main">
+  <p:cSld>
+    <p:spTree>
+      <p:nvGrpSpPr>
+        <p:cNvPr id="1" name=""/>
+        <p:cNvGrpSpPr/>
+        <p:nvPr/>
+      </p:nvGrpSpPr>
+      <p:grpSpPr>
+        <a:xfrm>
+          <a:off x="0" y="0"/>
+          <a:ext cx="0" cy="0"/>
+          <a:chOff x="0" y="0"/>
+          <a:chExt cx="0" cy="0"/>
+        </a:xfrm>
+      </p:grpSpPr>
+      <p:sp>
+        <p:nvSpPr>
+          <p:cNvPr id="2" name="タイトル 1">
+            <a:extLst>
+              <a:ext uri="{FF2B5EF4-FFF2-40B4-BE49-F238E27FC236}">
+                <a16:creationId xmlns:a16="http://schemas.microsoft.com/office/drawing/2014/main" id="{9DF1F227-9A1E-4594-9FF2-6577FBA3F9A5}"/>
+              </a:ext>
+            </a:extLst>
+          </p:cNvPr>
+          <p:cNvSpPr>
+            <a:spLocks noGrp="1"/>
+          </p:cNvSpPr>
+          <p:nvPr>
+            <p:ph type="title"/>
+          </p:nvPr>
+        </p:nvSpPr>
+        <p:spPr/>
+        <p:txBody>
+          <a:bodyPr/>
+          <a:lstStyle/>
+          <a:p>
+            <a:r>
+              <a:rPr lang="ja-JP" altLang="en-US" dirty="0"/>
+              <a:t>アルゴリズムの評価</a:t>
+            </a:r>
+            <a:endParaRPr kumimoji="1" lang="ja-JP" altLang="en-US" dirty="0"/>
+          </a:p>
+        </p:txBody>
+      </p:sp>
+      <mc:AlternateContent xmlns:mc="http://schemas.openxmlformats.org/markup-compatibility/2006">
+        <mc:Choice xmlns:a14="http://schemas.microsoft.com/office/drawing/2010/main" Requires="a14">
+          <p:sp>
+            <p:nvSpPr>
+              <p:cNvPr id="3" name="コンテンツ プレースホルダー 2">
+                <a:extLst>
+                  <a:ext uri="{FF2B5EF4-FFF2-40B4-BE49-F238E27FC236}">
+                    <a16:creationId xmlns:a16="http://schemas.microsoft.com/office/drawing/2014/main" id="{80147ADD-3F9A-4DE0-900C-E24C6F0C491F}"/>
+                  </a:ext>
+                </a:extLst>
+              </p:cNvPr>
+              <p:cNvSpPr>
+                <a:spLocks noGrp="1"/>
+              </p:cNvSpPr>
+              <p:nvPr>
+                <p:ph idx="1"/>
+              </p:nvPr>
+            </p:nvSpPr>
+            <p:spPr/>
+            <p:txBody>
+              <a:bodyPr/>
+              <a:lstStyle/>
+              <a:p>
+                <a:r>
+                  <a:rPr kumimoji="1" lang="ja-JP" altLang="en-US" dirty="0"/>
+                  <a:t>アルゴリズム全体の反復回数</a:t>
+                </a:r>
+                <a:endParaRPr kumimoji="1" lang="en-US" altLang="ja-JP" dirty="0"/>
+              </a:p>
+              <a:p>
+                <a:pPr lvl="1"/>
+                <a14:m>
+                  <m:oMath xmlns:m="http://schemas.openxmlformats.org/officeDocument/2006/math">
+                    <m:r>
+                      <a:rPr kumimoji="1" lang="en-US" altLang="ja-JP" b="0" i="1" smtClean="0">
+                        <a:latin typeface="Cambria Math" panose="02040503050406030204" pitchFamily="18" charset="0"/>
+                      </a:rPr>
+                      <m:t>𝑠</m:t>
+                    </m:r>
+                    <m:r>
+                      <a:rPr kumimoji="1" lang="en-US" altLang="ja-JP" b="0" i="1" smtClean="0">
+                        <a:latin typeface="Cambria Math" panose="02040503050406030204" pitchFamily="18" charset="0"/>
+                      </a:rPr>
+                      <m:t>,</m:t>
+                    </m:r>
+                    <m:r>
+                      <a:rPr kumimoji="1" lang="en-US" altLang="ja-JP" b="0" i="1" smtClean="0">
+                        <a:latin typeface="Cambria Math" panose="02040503050406030204" pitchFamily="18" charset="0"/>
+                      </a:rPr>
+                      <m:t>𝑡</m:t>
+                    </m:r>
+                  </m:oMath>
+                </a14:m>
+                <a:r>
+                  <a:rPr kumimoji="1" lang="ja-JP" altLang="en-US" dirty="0"/>
+                  <a:t>をランダムに選択する乱拓アルゴリズム</a:t>
+                </a:r>
+                <a:endParaRPr kumimoji="1" lang="en-US" altLang="ja-JP" dirty="0"/>
+              </a:p>
+              <a:p>
+                <a:pPr lvl="1"/>
+                <a:r>
+                  <a:rPr kumimoji="1" lang="ja-JP" altLang="en-US" dirty="0"/>
+                  <a:t>高確率で</a:t>
+                </a:r>
+                <a14:m>
+                  <m:oMath xmlns:m="http://schemas.openxmlformats.org/officeDocument/2006/math">
+                    <m:r>
+                      <a:rPr kumimoji="1" lang="en-US" altLang="ja-JP" b="0" i="1" smtClean="0">
+                        <a:latin typeface="Cambria Math" panose="02040503050406030204" pitchFamily="18" charset="0"/>
+                      </a:rPr>
+                      <m:t>𝑂</m:t>
+                    </m:r>
+                    <m:r>
+                      <a:rPr kumimoji="1" lang="en-US" altLang="ja-JP" b="0" i="1" smtClean="0">
+                        <a:latin typeface="Cambria Math" panose="02040503050406030204" pitchFamily="18" charset="0"/>
+                      </a:rPr>
+                      <m:t>(</m:t>
+                    </m:r>
+                    <m:sSup>
+                      <m:sSupPr>
+                        <m:ctrlPr>
+                          <a:rPr kumimoji="1" lang="en-US" altLang="ja-JP" b="0" i="1" smtClean="0">
+                            <a:latin typeface="Cambria Math" panose="02040503050406030204" pitchFamily="18" charset="0"/>
+                          </a:rPr>
+                        </m:ctrlPr>
+                      </m:sSupPr>
+                      <m:e>
+                        <m:r>
+                          <a:rPr kumimoji="1" lang="en-US" altLang="ja-JP" b="0" i="1" smtClean="0">
+                            <a:latin typeface="Cambria Math" panose="02040503050406030204" pitchFamily="18" charset="0"/>
+                          </a:rPr>
+                          <m:t>𝜀</m:t>
+                        </m:r>
+                      </m:e>
+                      <m:sup>
+                        <m:r>
+                          <a:rPr kumimoji="1" lang="en-US" altLang="ja-JP" b="0" i="1" smtClean="0">
+                            <a:latin typeface="Cambria Math" panose="02040503050406030204" pitchFamily="18" charset="0"/>
+                          </a:rPr>
+                          <m:t>−1</m:t>
+                        </m:r>
+                      </m:sup>
+                    </m:sSup>
+                    <m:r>
+                      <a:rPr kumimoji="1" lang="en-US" altLang="ja-JP" b="0" i="1" smtClean="0">
+                        <a:latin typeface="Cambria Math" panose="02040503050406030204" pitchFamily="18" charset="0"/>
+                      </a:rPr>
+                      <m:t>𝐾</m:t>
+                    </m:r>
+                    <m:sSup>
+                      <m:sSupPr>
+                        <m:ctrlPr>
+                          <a:rPr kumimoji="1" lang="en-US" altLang="ja-JP" b="0" i="1" smtClean="0">
+                            <a:latin typeface="Cambria Math" panose="02040503050406030204" pitchFamily="18" charset="0"/>
+                          </a:rPr>
+                        </m:ctrlPr>
+                      </m:sSupPr>
+                      <m:e>
+                        <m:r>
+                          <m:rPr>
+                            <m:sty m:val="p"/>
+                          </m:rPr>
+                          <a:rPr kumimoji="1" lang="en-US" altLang="ja-JP" b="0" i="0" smtClean="0">
+                            <a:latin typeface="Cambria Math" panose="02040503050406030204" pitchFamily="18" charset="0"/>
+                          </a:rPr>
+                          <m:t>log</m:t>
+                        </m:r>
+                      </m:e>
+                      <m:sup>
+                        <m:r>
+                          <a:rPr kumimoji="1" lang="en-US" altLang="ja-JP" b="0" i="1" smtClean="0">
+                            <a:latin typeface="Cambria Math" panose="02040503050406030204" pitchFamily="18" charset="0"/>
+                          </a:rPr>
+                          <m:t>1+</m:t>
+                        </m:r>
+                        <m:r>
+                          <a:rPr kumimoji="1" lang="en-US" altLang="ja-JP" b="0" i="1" smtClean="0">
+                            <a:latin typeface="Cambria Math" panose="02040503050406030204" pitchFamily="18" charset="0"/>
+                          </a:rPr>
+                          <m:t>𝑜</m:t>
+                        </m:r>
+                        <m:d>
+                          <m:dPr>
+                            <m:ctrlPr>
+                              <a:rPr kumimoji="1" lang="en-US" altLang="ja-JP" b="0" i="1" smtClean="0">
+                                <a:latin typeface="Cambria Math" panose="02040503050406030204" pitchFamily="18" charset="0"/>
+                              </a:rPr>
+                            </m:ctrlPr>
+                          </m:dPr>
+                          <m:e>
+                            <m:r>
+                              <a:rPr kumimoji="1" lang="en-US" altLang="ja-JP" b="0" i="1" smtClean="0">
+                                <a:latin typeface="Cambria Math" panose="02040503050406030204" pitchFamily="18" charset="0"/>
+                              </a:rPr>
+                              <m:t>1</m:t>
+                            </m:r>
+                          </m:e>
+                        </m:d>
+                      </m:sup>
+                    </m:sSup>
+                    <m:r>
+                      <a:rPr kumimoji="1" lang="en-US" altLang="ja-JP" b="0" i="1" smtClean="0">
+                        <a:latin typeface="Cambria Math" panose="02040503050406030204" pitchFamily="18" charset="0"/>
+                      </a:rPr>
+                      <m:t>𝑛</m:t>
+                    </m:r>
+                    <m:r>
+                      <a:rPr kumimoji="1" lang="en-US" altLang="ja-JP" b="0" i="1" smtClean="0">
+                        <a:latin typeface="Cambria Math" panose="02040503050406030204" pitchFamily="18" charset="0"/>
+                      </a:rPr>
+                      <m:t>⁡)</m:t>
+                    </m:r>
+                    <m:r>
+                      <a:rPr lang="ja-JP" altLang="en-US" i="1">
+                        <a:latin typeface="Cambria Math" panose="02040503050406030204" pitchFamily="18" charset="0"/>
+                      </a:rPr>
+                      <m:t>回</m:t>
+                    </m:r>
+                  </m:oMath>
+                </a14:m>
+                <a:r>
+                  <a:rPr kumimoji="1" lang="ja-JP" altLang="en-US" dirty="0"/>
+                  <a:t>の反復で終了</a:t>
+                </a:r>
+                <a:endParaRPr kumimoji="1" lang="en-US" altLang="ja-JP" dirty="0"/>
+              </a:p>
+              <a:p>
+                <a:r>
+                  <a:rPr kumimoji="1" lang="ja-JP" altLang="en-US" dirty="0"/>
+                  <a:t>各反復で</a:t>
+                </a:r>
+                <a14:m>
+                  <m:oMath xmlns:m="http://schemas.openxmlformats.org/officeDocument/2006/math">
+                    <m:r>
+                      <a:rPr kumimoji="1" lang="en-US" altLang="ja-JP" b="0" i="1" smtClean="0">
+                        <a:latin typeface="Cambria Math" panose="02040503050406030204" pitchFamily="18" charset="0"/>
+                      </a:rPr>
+                      <m:t>𝑆</m:t>
+                    </m:r>
+                    <m:r>
+                      <a:rPr kumimoji="1" lang="en-US" altLang="ja-JP" b="0" i="1" smtClean="0">
+                        <a:latin typeface="Cambria Math" panose="02040503050406030204" pitchFamily="18" charset="0"/>
+                      </a:rPr>
+                      <m:t>′</m:t>
+                    </m:r>
+                  </m:oMath>
+                </a14:m>
+                <a:r>
+                  <a:rPr kumimoji="1" lang="ja-JP" altLang="en-US" dirty="0"/>
+                  <a:t>最大</a:t>
+                </a:r>
+                <a14:m>
+                  <m:oMath xmlns:m="http://schemas.openxmlformats.org/officeDocument/2006/math">
+                    <m:r>
+                      <a:rPr kumimoji="1" lang="en-US" altLang="ja-JP" b="0" i="1" dirty="0" smtClean="0">
+                        <a:latin typeface="Cambria Math" panose="02040503050406030204" pitchFamily="18" charset="0"/>
+                      </a:rPr>
+                      <m:t>2</m:t>
+                    </m:r>
+                    <m:r>
+                      <a:rPr kumimoji="1" lang="en-US" altLang="ja-JP" b="0" i="1" dirty="0" smtClean="0">
+                        <a:latin typeface="Cambria Math" panose="02040503050406030204" pitchFamily="18" charset="0"/>
+                      </a:rPr>
+                      <m:t>𝐾</m:t>
+                    </m:r>
+                    <m:r>
+                      <a:rPr kumimoji="1" lang="en-US" altLang="ja-JP" b="0" i="1" dirty="0" smtClean="0">
+                        <a:latin typeface="Cambria Math" panose="02040503050406030204" pitchFamily="18" charset="0"/>
+                      </a:rPr>
+                      <m:t>+2</m:t>
+                    </m:r>
+                  </m:oMath>
+                </a14:m>
+                <a:r>
+                  <a:rPr kumimoji="1" lang="ja-JP" altLang="en-US" dirty="0"/>
+                  <a:t>増加</a:t>
+                </a:r>
+                <a:endParaRPr kumimoji="1" lang="en-US" altLang="ja-JP" dirty="0"/>
+              </a:p>
+              <a:p>
+                <a:endParaRPr lang="en-US" altLang="ja-JP" dirty="0"/>
+              </a:p>
+              <a:p>
+                <a:r>
+                  <a:rPr kumimoji="1" lang="ja-JP" altLang="en-US" dirty="0"/>
+                  <a:t>従って</a:t>
+                </a:r>
+                <a:r>
+                  <a:rPr lang="ja-JP" altLang="en-US" dirty="0"/>
+                  <a:t>アルゴリズムはサイズ</a:t>
+                </a:r>
+                <a14:m>
+                  <m:oMath xmlns:m="http://schemas.openxmlformats.org/officeDocument/2006/math">
+                    <m:r>
+                      <a:rPr lang="en-US" altLang="ja-JP" i="1">
+                        <a:latin typeface="Cambria Math" panose="02040503050406030204" pitchFamily="18" charset="0"/>
+                      </a:rPr>
+                      <m:t>𝑂</m:t>
+                    </m:r>
+                    <m:r>
+                      <a:rPr lang="en-US" altLang="ja-JP" i="1">
+                        <a:latin typeface="Cambria Math" panose="02040503050406030204" pitchFamily="18" charset="0"/>
+                      </a:rPr>
+                      <m:t>(</m:t>
+                    </m:r>
+                    <m:sSup>
+                      <m:sSupPr>
+                        <m:ctrlPr>
+                          <a:rPr lang="en-US" altLang="ja-JP" i="1">
+                            <a:latin typeface="Cambria Math" panose="02040503050406030204" pitchFamily="18" charset="0"/>
+                          </a:rPr>
+                        </m:ctrlPr>
+                      </m:sSupPr>
+                      <m:e>
+                        <m:r>
+                          <a:rPr lang="en-US" altLang="ja-JP" i="1">
+                            <a:latin typeface="Cambria Math" panose="02040503050406030204" pitchFamily="18" charset="0"/>
+                          </a:rPr>
+                          <m:t>𝜀</m:t>
+                        </m:r>
+                      </m:e>
+                      <m:sup>
+                        <m:r>
+                          <a:rPr lang="en-US" altLang="ja-JP" i="1">
+                            <a:latin typeface="Cambria Math" panose="02040503050406030204" pitchFamily="18" charset="0"/>
+                          </a:rPr>
+                          <m:t>−1</m:t>
+                        </m:r>
+                      </m:sup>
+                    </m:sSup>
+                    <m:sSup>
+                      <m:sSupPr>
+                        <m:ctrlPr>
+                          <a:rPr lang="en-US" altLang="ja-JP" b="0" i="1" smtClean="0">
+                            <a:latin typeface="Cambria Math" panose="02040503050406030204" pitchFamily="18" charset="0"/>
+                          </a:rPr>
+                        </m:ctrlPr>
+                      </m:sSupPr>
+                      <m:e>
+                        <m:r>
+                          <a:rPr lang="en-US" altLang="ja-JP" i="1">
+                            <a:latin typeface="Cambria Math" panose="02040503050406030204" pitchFamily="18" charset="0"/>
+                          </a:rPr>
+                          <m:t>𝐾</m:t>
+                        </m:r>
+                      </m:e>
+                      <m:sup>
+                        <m:r>
+                          <a:rPr lang="en-US" altLang="ja-JP" b="0" i="1" smtClean="0">
+                            <a:latin typeface="Cambria Math" panose="02040503050406030204" pitchFamily="18" charset="0"/>
+                          </a:rPr>
+                          <m:t>2</m:t>
+                        </m:r>
+                      </m:sup>
+                    </m:sSup>
+                    <m:sSup>
+                      <m:sSupPr>
+                        <m:ctrlPr>
+                          <a:rPr lang="en-US" altLang="ja-JP" i="1">
+                            <a:latin typeface="Cambria Math" panose="02040503050406030204" pitchFamily="18" charset="0"/>
+                          </a:rPr>
+                        </m:ctrlPr>
+                      </m:sSupPr>
+                      <m:e>
+                        <m:r>
+                          <m:rPr>
+                            <m:sty m:val="p"/>
+                          </m:rPr>
+                          <a:rPr lang="en-US" altLang="ja-JP">
+                            <a:latin typeface="Cambria Math" panose="02040503050406030204" pitchFamily="18" charset="0"/>
+                          </a:rPr>
+                          <m:t>log</m:t>
+                        </m:r>
+                      </m:e>
+                      <m:sup>
+                        <m:r>
+                          <a:rPr lang="en-US" altLang="ja-JP" i="1">
+                            <a:latin typeface="Cambria Math" panose="02040503050406030204" pitchFamily="18" charset="0"/>
+                          </a:rPr>
+                          <m:t>1+</m:t>
+                        </m:r>
+                        <m:r>
+                          <a:rPr lang="en-US" altLang="ja-JP" i="1">
+                            <a:latin typeface="Cambria Math" panose="02040503050406030204" pitchFamily="18" charset="0"/>
+                          </a:rPr>
+                          <m:t>𝑜</m:t>
+                        </m:r>
+                        <m:d>
+                          <m:dPr>
+                            <m:ctrlPr>
+                              <a:rPr lang="en-US" altLang="ja-JP" i="1">
+                                <a:latin typeface="Cambria Math" panose="02040503050406030204" pitchFamily="18" charset="0"/>
+                              </a:rPr>
+                            </m:ctrlPr>
+                          </m:dPr>
+                          <m:e>
+                            <m:r>
+                              <a:rPr lang="en-US" altLang="ja-JP" i="1">
+                                <a:latin typeface="Cambria Math" panose="02040503050406030204" pitchFamily="18" charset="0"/>
+                              </a:rPr>
+                              <m:t>1</m:t>
+                            </m:r>
+                          </m:e>
+                        </m:d>
+                      </m:sup>
+                    </m:sSup>
+                    <m:r>
+                      <a:rPr lang="en-US" altLang="ja-JP" i="1">
+                        <a:latin typeface="Cambria Math" panose="02040503050406030204" pitchFamily="18" charset="0"/>
+                      </a:rPr>
+                      <m:t>𝑛</m:t>
+                    </m:r>
+                    <m:r>
+                      <a:rPr lang="en-US" altLang="ja-JP" i="1">
+                        <a:latin typeface="Cambria Math" panose="02040503050406030204" pitchFamily="18" charset="0"/>
+                      </a:rPr>
+                      <m:t>⁡)</m:t>
+                    </m:r>
+                  </m:oMath>
+                </a14:m>
+                <a:r>
+                  <a:rPr kumimoji="1" lang="ja-JP" altLang="en-US" dirty="0"/>
+                  <a:t>の</a:t>
+                </a:r>
+                <a:br>
+                  <a:rPr kumimoji="1" lang="en-US" altLang="ja-JP" dirty="0"/>
+                </a:br>
+                <a14:m>
+                  <m:oMath xmlns:m="http://schemas.openxmlformats.org/officeDocument/2006/math">
+                    <m:r>
+                      <a:rPr kumimoji="1" lang="en-US" altLang="ja-JP" b="0" i="1" smtClean="0">
+                        <a:latin typeface="Cambria Math" panose="02040503050406030204" pitchFamily="18" charset="0"/>
+                      </a:rPr>
+                      <m:t>(</m:t>
+                    </m:r>
+                    <m:r>
+                      <a:rPr kumimoji="1" lang="en-US" altLang="ja-JP" b="0" i="1" smtClean="0">
+                        <a:latin typeface="Cambria Math" panose="02040503050406030204" pitchFamily="18" charset="0"/>
+                      </a:rPr>
+                      <m:t>𝛼</m:t>
+                    </m:r>
+                    <m:r>
+                      <a:rPr kumimoji="1" lang="en-US" altLang="ja-JP" b="0" i="1" smtClean="0">
+                        <a:latin typeface="Cambria Math" panose="02040503050406030204" pitchFamily="18" charset="0"/>
+                      </a:rPr>
+                      <m:t>+</m:t>
+                    </m:r>
+                    <m:r>
+                      <a:rPr kumimoji="1" lang="en-US" altLang="ja-JP" b="0" i="1" smtClean="0">
+                        <a:latin typeface="Cambria Math" panose="02040503050406030204" pitchFamily="18" charset="0"/>
+                      </a:rPr>
+                      <m:t>𝜀</m:t>
+                    </m:r>
+                    <m:r>
+                      <a:rPr kumimoji="1" lang="en-US" altLang="ja-JP" b="0" i="1" smtClean="0">
+                        <a:latin typeface="Cambria Math" panose="02040503050406030204" pitchFamily="18" charset="0"/>
+                      </a:rPr>
+                      <m:t>)</m:t>
+                    </m:r>
+                  </m:oMath>
+                </a14:m>
+                <a:r>
+                  <a:rPr kumimoji="1" lang="en-US" altLang="ja-JP" dirty="0"/>
+                  <a:t>-</a:t>
+                </a:r>
+                <a:r>
+                  <a:rPr kumimoji="1" lang="ja-JP" altLang="en-US" dirty="0"/>
+                  <a:t>平衡分離集合を</a:t>
+                </a:r>
+                <a:br>
+                  <a:rPr lang="en-US" altLang="ja-JP" i="1" dirty="0">
+                    <a:latin typeface="Cambria Math" panose="02040503050406030204" pitchFamily="18" charset="0"/>
+                  </a:rPr>
+                </a:br>
+                <a14:m>
+                  <m:oMath xmlns:m="http://schemas.openxmlformats.org/officeDocument/2006/math">
+                    <m:r>
+                      <a:rPr lang="en-US" altLang="ja-JP" i="1">
+                        <a:latin typeface="Cambria Math" panose="02040503050406030204" pitchFamily="18" charset="0"/>
+                      </a:rPr>
+                      <m:t>𝑂</m:t>
+                    </m:r>
+                    <m:r>
+                      <a:rPr lang="en-US" altLang="ja-JP" i="1">
+                        <a:latin typeface="Cambria Math" panose="02040503050406030204" pitchFamily="18" charset="0"/>
+                      </a:rPr>
+                      <m:t>(</m:t>
+                    </m:r>
+                    <m:sSup>
+                      <m:sSupPr>
+                        <m:ctrlPr>
+                          <a:rPr lang="en-US" altLang="ja-JP" i="1">
+                            <a:latin typeface="Cambria Math" panose="02040503050406030204" pitchFamily="18" charset="0"/>
+                          </a:rPr>
+                        </m:ctrlPr>
+                      </m:sSupPr>
+                      <m:e>
+                        <m:r>
+                          <a:rPr lang="en-US" altLang="ja-JP" i="1">
+                            <a:latin typeface="Cambria Math" panose="02040503050406030204" pitchFamily="18" charset="0"/>
+                          </a:rPr>
+                          <m:t>𝜀</m:t>
+                        </m:r>
+                      </m:e>
+                      <m:sup>
+                        <m:r>
+                          <a:rPr lang="en-US" altLang="ja-JP" i="1">
+                            <a:latin typeface="Cambria Math" panose="02040503050406030204" pitchFamily="18" charset="0"/>
+                          </a:rPr>
+                          <m:t>−1</m:t>
+                        </m:r>
+                      </m:sup>
+                    </m:sSup>
+                    <m:sSup>
+                      <m:sSupPr>
+                        <m:ctrlPr>
+                          <a:rPr lang="en-US" altLang="ja-JP" i="1">
+                            <a:latin typeface="Cambria Math" panose="02040503050406030204" pitchFamily="18" charset="0"/>
+                          </a:rPr>
+                        </m:ctrlPr>
+                      </m:sSupPr>
+                      <m:e>
+                        <m:r>
+                          <a:rPr lang="en-US" altLang="ja-JP" i="1">
+                            <a:latin typeface="Cambria Math" panose="02040503050406030204" pitchFamily="18" charset="0"/>
+                          </a:rPr>
+                          <m:t>𝐾</m:t>
+                        </m:r>
+                      </m:e>
+                      <m:sup>
+                        <m:r>
+                          <a:rPr lang="en-US" altLang="ja-JP" b="0" i="1" smtClean="0">
+                            <a:latin typeface="Cambria Math" panose="02040503050406030204" pitchFamily="18" charset="0"/>
+                          </a:rPr>
+                          <m:t>3</m:t>
+                        </m:r>
+                      </m:sup>
+                    </m:sSup>
+                    <m:r>
+                      <a:rPr lang="en-US" altLang="ja-JP" b="0" i="1" smtClean="0">
+                        <a:latin typeface="Cambria Math" panose="02040503050406030204" pitchFamily="18" charset="0"/>
+                      </a:rPr>
+                      <m:t>(</m:t>
+                    </m:r>
+                    <m:sSup>
+                      <m:sSupPr>
+                        <m:ctrlPr>
+                          <a:rPr lang="en-US" altLang="ja-JP" b="0" i="1" smtClean="0">
+                            <a:latin typeface="Cambria Math" panose="02040503050406030204" pitchFamily="18" charset="0"/>
+                          </a:rPr>
+                        </m:ctrlPr>
+                      </m:sSupPr>
+                      <m:e>
+                        <m:r>
+                          <a:rPr lang="en-US" altLang="ja-JP" b="0" i="1" smtClean="0">
+                            <a:latin typeface="Cambria Math" panose="02040503050406030204" pitchFamily="18" charset="0"/>
+                          </a:rPr>
+                          <m:t>𝐾</m:t>
+                        </m:r>
+                      </m:e>
+                      <m:sup>
+                        <m:r>
+                          <a:rPr lang="en-US" altLang="ja-JP" b="0" i="1" smtClean="0">
+                            <a:latin typeface="Cambria Math" panose="02040503050406030204" pitchFamily="18" charset="0"/>
+                          </a:rPr>
+                          <m:t>𝑂</m:t>
+                        </m:r>
+                        <m:d>
+                          <m:dPr>
+                            <m:ctrlPr>
+                              <a:rPr lang="en-US" altLang="ja-JP" b="0" i="1" smtClean="0">
+                                <a:latin typeface="Cambria Math" panose="02040503050406030204" pitchFamily="18" charset="0"/>
+                              </a:rPr>
+                            </m:ctrlPr>
+                          </m:dPr>
+                          <m:e>
+                            <m:r>
+                              <a:rPr lang="en-US" altLang="ja-JP" b="0" i="1" smtClean="0">
+                                <a:latin typeface="Cambria Math" panose="02040503050406030204" pitchFamily="18" charset="0"/>
+                              </a:rPr>
+                              <m:t>1</m:t>
+                            </m:r>
+                          </m:e>
+                        </m:d>
+                      </m:sup>
+                    </m:sSup>
+                    <m:r>
+                      <a:rPr lang="en-US" altLang="ja-JP" b="0" i="1" smtClean="0">
+                        <a:latin typeface="Cambria Math" panose="02040503050406030204" pitchFamily="18" charset="0"/>
+                      </a:rPr>
+                      <m:t>+ℓ))</m:t>
+                    </m:r>
+                  </m:oMath>
+                </a14:m>
+                <a:r>
+                  <a:rPr kumimoji="1" lang="en-US" altLang="ja-JP" dirty="0"/>
+                  <a:t>SA</a:t>
+                </a:r>
+                <a:r>
+                  <a:rPr kumimoji="1" lang="ja-JP" altLang="en-US"/>
+                  <a:t>ラウンドで計算可能</a:t>
+                </a:r>
+                <a:endParaRPr kumimoji="1" lang="ja-JP" altLang="en-US" dirty="0"/>
+              </a:p>
+            </p:txBody>
+          </p:sp>
+        </mc:Choice>
+        <mc:Fallback>
+          <p:sp>
+            <p:nvSpPr>
+              <p:cNvPr id="3" name="コンテンツ プレースホルダー 2">
+                <a:extLst>
+                  <a:ext uri="{FF2B5EF4-FFF2-40B4-BE49-F238E27FC236}">
+                    <a16:creationId xmlns:a16="http://schemas.microsoft.com/office/drawing/2014/main" id="{80147ADD-3F9A-4DE0-900C-E24C6F0C491F}"/>
+                  </a:ext>
+                </a:extLst>
+              </p:cNvPr>
+              <p:cNvSpPr>
+                <a:spLocks noGrp="1" noRot="1" noChangeAspect="1" noMove="1" noResize="1" noEditPoints="1" noAdjustHandles="1" noChangeArrowheads="1" noChangeShapeType="1" noTextEdit="1"/>
+              </p:cNvSpPr>
+              <p:nvPr>
+                <p:ph idx="1"/>
+              </p:nvPr>
+            </p:nvSpPr>
+            <p:spPr>
+              <a:blipFill>
+                <a:blip r:embed="rId2"/>
+                <a:stretch>
+                  <a:fillRect l="-1005" t="-1307"/>
+                </a:stretch>
+              </a:blipFill>
+            </p:spPr>
+            <p:txBody>
+              <a:bodyPr/>
+              <a:lstStyle/>
+              <a:p>
+                <a:r>
+                  <a:rPr lang="ja-JP" altLang="en-US">
+                    <a:noFill/>
+                  </a:rPr>
+                  <a:t> </a:t>
+                </a:r>
+              </a:p>
+            </p:txBody>
+          </p:sp>
+        </mc:Fallback>
+      </mc:AlternateContent>
+    </p:spTree>
+    <p:extLst>
+      <p:ext uri="{BB962C8B-B14F-4D97-AF65-F5344CB8AC3E}">
+        <p14:creationId xmlns:p14="http://schemas.microsoft.com/office/powerpoint/2010/main" val="236213921"/>
       </p:ext>
     </p:extLst>
   </p:cSld>
@@ -7671,346 +10028,6 @@
           <p:cNvPr id="2" name="タイトル 1">
             <a:extLst>
               <a:ext uri="{FF2B5EF4-FFF2-40B4-BE49-F238E27FC236}">
-                <a16:creationId xmlns:a16="http://schemas.microsoft.com/office/drawing/2014/main" id="{474F30AD-9111-40FF-BF16-AF3AB41ECA15}"/>
-              </a:ext>
-            </a:extLst>
-          </p:cNvPr>
-          <p:cNvSpPr>
-            <a:spLocks noGrp="1"/>
-          </p:cNvSpPr>
-          <p:nvPr>
-            <p:ph type="title"/>
-          </p:nvPr>
-        </p:nvSpPr>
-        <p:spPr>
-          <a:xfrm>
-            <a:off x="628650" y="225286"/>
-            <a:ext cx="7886700" cy="1181854"/>
-          </a:xfrm>
-        </p:spPr>
-        <p:txBody>
-          <a:bodyPr/>
-          <a:lstStyle/>
-          <a:p>
-            <a:r>
-              <a:rPr lang="ja-JP" altLang="en-US" dirty="0"/>
-              <a:t>同時部分収集問題</a:t>
-            </a:r>
-            <a:br>
-              <a:rPr lang="en-US" altLang="ja-JP" dirty="0"/>
-            </a:br>
-            <a:r>
-              <a:rPr lang="en-US" altLang="ja-JP" dirty="0"/>
-              <a:t>(Subgraph Aggregation: SA)</a:t>
-            </a:r>
-            <a:endParaRPr kumimoji="1" lang="ja-JP" altLang="en-US" dirty="0"/>
-          </a:p>
-        </p:txBody>
-      </p:sp>
-      <mc:AlternateContent xmlns:mc="http://schemas.openxmlformats.org/markup-compatibility/2006" xmlns:a14="http://schemas.microsoft.com/office/drawing/2010/main">
-        <mc:Choice Requires="a14">
-          <p:sp>
-            <p:nvSpPr>
-              <p:cNvPr id="3" name="コンテンツ プレースホルダー 2">
-                <a:extLst>
-                  <a:ext uri="{FF2B5EF4-FFF2-40B4-BE49-F238E27FC236}">
-                    <a16:creationId xmlns:a16="http://schemas.microsoft.com/office/drawing/2014/main" id="{C75881AE-7FBE-4061-A72E-DE5E7B3E3007}"/>
-                  </a:ext>
-                </a:extLst>
-              </p:cNvPr>
-              <p:cNvSpPr>
-                <a:spLocks noGrp="1"/>
-              </p:cNvSpPr>
-              <p:nvPr>
-                <p:ph idx="1"/>
-              </p:nvPr>
-            </p:nvSpPr>
-            <p:spPr>
-              <a:xfrm>
-                <a:off x="628650" y="1524000"/>
-                <a:ext cx="7886700" cy="4652963"/>
-              </a:xfrm>
-            </p:spPr>
-            <p:txBody>
-              <a:bodyPr/>
-              <a:lstStyle/>
-              <a:p>
-                <a:r>
-                  <a:rPr lang="ja-JP" altLang="en-US" dirty="0"/>
-                  <a:t>ネットワークグラフ</a:t>
-                </a:r>
-                <a14:m>
-                  <m:oMath xmlns:m="http://schemas.openxmlformats.org/officeDocument/2006/math">
-                    <m:r>
-                      <a:rPr lang="en-US" altLang="ja-JP" b="0" i="1" smtClean="0">
-                        <a:latin typeface="Cambria Math" panose="02040503050406030204" pitchFamily="18" charset="0"/>
-                      </a:rPr>
-                      <m:t>𝐺</m:t>
-                    </m:r>
-                  </m:oMath>
-                </a14:m>
-                <a:r>
-                  <a:rPr kumimoji="1" lang="ja-JP" altLang="en-US" dirty="0"/>
-                  <a:t>の互いに素な連結部分グラフの</a:t>
-                </a:r>
-                <a:br>
-                  <a:rPr kumimoji="1" lang="en-US" altLang="ja-JP" dirty="0"/>
-                </a:br>
-                <a:r>
-                  <a:rPr kumimoji="1" lang="ja-JP" altLang="en-US" dirty="0"/>
-                  <a:t>集合</a:t>
-                </a:r>
-                <a14:m>
-                  <m:oMath xmlns:m="http://schemas.openxmlformats.org/officeDocument/2006/math">
-                    <m:r>
-                      <a:rPr kumimoji="1" lang="en-US" altLang="ja-JP" b="0" i="1" smtClean="0">
-                        <a:latin typeface="Cambria Math" panose="02040503050406030204" pitchFamily="18" charset="0"/>
-                      </a:rPr>
-                      <m:t>𝒫</m:t>
-                    </m:r>
-                  </m:oMath>
-                </a14:m>
-                <a:endParaRPr kumimoji="1" lang="en-US" altLang="ja-JP" dirty="0"/>
-              </a:p>
-              <a:p>
-                <a:r>
-                  <a:rPr kumimoji="1" lang="ja-JP" altLang="en-US" dirty="0"/>
-                  <a:t>各</a:t>
-                </a:r>
-                <a14:m>
-                  <m:oMath xmlns:m="http://schemas.openxmlformats.org/officeDocument/2006/math">
-                    <m:sSub>
-                      <m:sSubPr>
-                        <m:ctrlPr>
-                          <a:rPr kumimoji="1" lang="en-US" altLang="ja-JP" b="0" i="1" smtClean="0">
-                            <a:latin typeface="Cambria Math" panose="02040503050406030204" pitchFamily="18" charset="0"/>
-                          </a:rPr>
-                        </m:ctrlPr>
-                      </m:sSubPr>
-                      <m:e>
-                        <m:r>
-                          <a:rPr kumimoji="1" lang="en-US" altLang="ja-JP" b="0" i="1" smtClean="0">
-                            <a:latin typeface="Cambria Math" panose="02040503050406030204" pitchFamily="18" charset="0"/>
-                          </a:rPr>
-                          <m:t>𝑃</m:t>
-                        </m:r>
-                      </m:e>
-                      <m:sub>
-                        <m:r>
-                          <a:rPr kumimoji="1" lang="en-US" altLang="ja-JP" b="0" i="1" smtClean="0">
-                            <a:latin typeface="Cambria Math" panose="02040503050406030204" pitchFamily="18" charset="0"/>
-                          </a:rPr>
-                          <m:t>𝑖</m:t>
-                        </m:r>
-                      </m:sub>
-                    </m:sSub>
-                    <m:r>
-                      <a:rPr kumimoji="1" lang="en-US" altLang="ja-JP" b="0" i="1" smtClean="0">
-                        <a:latin typeface="Cambria Math" panose="02040503050406030204" pitchFamily="18" charset="0"/>
-                      </a:rPr>
-                      <m:t>∈</m:t>
-                    </m:r>
-                    <m:r>
-                      <a:rPr kumimoji="1" lang="en-US" altLang="ja-JP" b="0" i="1" smtClean="0">
-                        <a:latin typeface="Cambria Math" panose="02040503050406030204" pitchFamily="18" charset="0"/>
-                      </a:rPr>
-                      <m:t>𝒫</m:t>
-                    </m:r>
-                  </m:oMath>
-                </a14:m>
-                <a:r>
-                  <a:rPr kumimoji="1" lang="ja-JP" altLang="en-US" dirty="0"/>
-                  <a:t>内である値を収集する抽象化された集合通信操作を</a:t>
-                </a:r>
-                <a:r>
-                  <a:rPr lang="en-US" altLang="ja-JP" dirty="0"/>
-                  <a:t>Subgraph Aggregation</a:t>
-                </a:r>
-                <a:r>
-                  <a:rPr lang="ja-JP" altLang="en-US" dirty="0"/>
-                  <a:t>と呼ぶ</a:t>
-                </a:r>
-                <a:endParaRPr lang="en-US" altLang="ja-JP" dirty="0"/>
-              </a:p>
-              <a:p>
-                <a:r>
-                  <a:rPr lang="ja-JP" altLang="en-US" dirty="0"/>
-                  <a:t>一般のグラフに対して一回の</a:t>
-                </a:r>
-                <a:r>
-                  <a:rPr lang="en-US" altLang="ja-JP" dirty="0"/>
-                  <a:t>SA</a:t>
-                </a:r>
-                <a:r>
-                  <a:rPr lang="ja-JP" altLang="en-US" dirty="0"/>
-                  <a:t>は</a:t>
-                </a:r>
-                <a14:m>
-                  <m:oMath xmlns:m="http://schemas.openxmlformats.org/officeDocument/2006/math">
-                    <m:r>
-                      <a:rPr lang="en-US" altLang="ja-JP" b="0" i="1" smtClean="0">
-                        <a:latin typeface="Cambria Math" panose="02040503050406030204" pitchFamily="18" charset="0"/>
-                      </a:rPr>
-                      <m:t>𝑂</m:t>
-                    </m:r>
-                    <m:r>
-                      <a:rPr lang="en-US" altLang="ja-JP" b="0" i="1" smtClean="0">
-                        <a:latin typeface="Cambria Math" panose="02040503050406030204" pitchFamily="18" charset="0"/>
-                      </a:rPr>
-                      <m:t>(</m:t>
-                    </m:r>
-                    <m:rad>
-                      <m:radPr>
-                        <m:degHide m:val="on"/>
-                        <m:ctrlPr>
-                          <a:rPr lang="en-US" altLang="ja-JP" b="0" i="1" smtClean="0">
-                            <a:latin typeface="Cambria Math" panose="02040503050406030204" pitchFamily="18" charset="0"/>
-                          </a:rPr>
-                        </m:ctrlPr>
-                      </m:radPr>
-                      <m:deg/>
-                      <m:e>
-                        <m:r>
-                          <a:rPr lang="en-US" altLang="ja-JP" b="0" i="1" smtClean="0">
-                            <a:latin typeface="Cambria Math" panose="02040503050406030204" pitchFamily="18" charset="0"/>
-                          </a:rPr>
-                          <m:t>𝑛</m:t>
-                        </m:r>
-                      </m:e>
-                    </m:rad>
-                    <m:r>
-                      <a:rPr lang="en-US" altLang="ja-JP" b="0" i="1" smtClean="0">
-                        <a:latin typeface="Cambria Math" panose="02040503050406030204" pitchFamily="18" charset="0"/>
-                      </a:rPr>
-                      <m:t>+</m:t>
-                    </m:r>
-                    <m:r>
-                      <a:rPr lang="en-US" altLang="ja-JP" b="0" i="1" smtClean="0">
-                        <a:latin typeface="Cambria Math" panose="02040503050406030204" pitchFamily="18" charset="0"/>
-                      </a:rPr>
-                      <m:t>𝐷</m:t>
-                    </m:r>
-                    <m:r>
-                      <a:rPr lang="en-US" altLang="ja-JP" b="0" i="1" smtClean="0">
-                        <a:latin typeface="Cambria Math" panose="02040503050406030204" pitchFamily="18" charset="0"/>
-                      </a:rPr>
-                      <m:t>)</m:t>
-                    </m:r>
-                  </m:oMath>
-                </a14:m>
-                <a:r>
-                  <a:rPr kumimoji="1" lang="ja-JP" altLang="en-US" dirty="0"/>
-                  <a:t>ラウンド</a:t>
-                </a:r>
-                <a:br>
-                  <a:rPr kumimoji="1" lang="en-US" altLang="ja-JP" dirty="0"/>
-                </a:br>
-                <a:r>
-                  <a:rPr lang="ja-JP" altLang="en-US" dirty="0"/>
-                  <a:t>で実行可能</a:t>
-                </a:r>
-                <a:endParaRPr lang="en-US" altLang="ja-JP" dirty="0"/>
-              </a:p>
-              <a:p>
-                <a:endParaRPr kumimoji="1" lang="en-US" altLang="ja-JP" dirty="0"/>
-              </a:p>
-              <a:p>
-                <a:r>
-                  <a:rPr kumimoji="1" lang="ja-JP" altLang="en-US" dirty="0"/>
-                  <a:t>本研究のアルゴリズムの実行時間評価を</a:t>
-                </a:r>
-                <a:r>
-                  <a:rPr kumimoji="1" lang="en-US" altLang="ja-JP" dirty="0"/>
-                  <a:t>SA</a:t>
-                </a:r>
-                <a:r>
-                  <a:rPr kumimoji="1" lang="ja-JP" altLang="en-US" dirty="0"/>
-                  <a:t>の回数によって評価する</a:t>
-                </a:r>
-                <a:endParaRPr kumimoji="1" lang="en-US" altLang="ja-JP" dirty="0"/>
-              </a:p>
-            </p:txBody>
-          </p:sp>
-        </mc:Choice>
-        <mc:Fallback xmlns="">
-          <p:sp>
-            <p:nvSpPr>
-              <p:cNvPr id="3" name="コンテンツ プレースホルダー 2">
-                <a:extLst>
-                  <a:ext uri="{FF2B5EF4-FFF2-40B4-BE49-F238E27FC236}">
-                    <a16:creationId xmlns:a16="http://schemas.microsoft.com/office/drawing/2014/main" id="{C75881AE-7FBE-4061-A72E-DE5E7B3E3007}"/>
-                  </a:ext>
-                </a:extLst>
-              </p:cNvPr>
-              <p:cNvSpPr>
-                <a:spLocks noGrp="1" noRot="1" noChangeAspect="1" noMove="1" noResize="1" noEditPoints="1" noAdjustHandles="1" noChangeArrowheads="1" noChangeShapeType="1" noTextEdit="1"/>
-              </p:cNvSpPr>
-              <p:nvPr>
-                <p:ph idx="1"/>
-              </p:nvPr>
-            </p:nvSpPr>
-            <p:spPr>
-              <a:xfrm>
-                <a:off x="628650" y="1524000"/>
-                <a:ext cx="7886700" cy="4652963"/>
-              </a:xfrm>
-              <a:blipFill>
-                <a:blip r:embed="rId2"/>
-                <a:stretch>
-                  <a:fillRect l="-1005" t="-1048"/>
-                </a:stretch>
-              </a:blipFill>
-            </p:spPr>
-            <p:txBody>
-              <a:bodyPr/>
-              <a:lstStyle/>
-              <a:p>
-                <a:r>
-                  <a:rPr lang="ja-JP" altLang="en-US">
-                    <a:noFill/>
-                  </a:rPr>
-                  <a:t> </a:t>
-                </a:r>
-              </a:p>
-            </p:txBody>
-          </p:sp>
-        </mc:Fallback>
-      </mc:AlternateContent>
-    </p:spTree>
-    <p:extLst>
-      <p:ext uri="{BB962C8B-B14F-4D97-AF65-F5344CB8AC3E}">
-        <p14:creationId xmlns:p14="http://schemas.microsoft.com/office/powerpoint/2010/main" val="861366947"/>
-      </p:ext>
-    </p:extLst>
-  </p:cSld>
-  <p:clrMapOvr>
-    <a:masterClrMapping/>
-  </p:clrMapOvr>
-</p:sld>
-</file>
-
-<file path=ppt/slides/slide6.xml><?xml version="1.0" encoding="utf-8"?>
-<p:sld xmlns:a="http://schemas.openxmlformats.org/drawingml/2006/main" xmlns:r="http://schemas.openxmlformats.org/officeDocument/2006/relationships" xmlns:p="http://schemas.openxmlformats.org/presentationml/2006/main">
-  <p:cSld>
-    <p:spTree>
-      <p:nvGrpSpPr>
-        <p:cNvPr id="1" name=""/>
-        <p:cNvGrpSpPr/>
-        <p:nvPr/>
-      </p:nvGrpSpPr>
-      <p:grpSpPr>
-        <a:xfrm>
-          <a:off x="0" y="0"/>
-          <a:ext cx="0" cy="0"/>
-          <a:chOff x="0" y="0"/>
-          <a:chExt cx="0" cy="0"/>
-        </a:xfrm>
-      </p:grpSpPr>
-      <p:sp>
-        <p:nvSpPr>
-          <p:cNvPr id="2" name="タイトル 1">
-            <a:extLst>
-              <a:ext uri="{FF2B5EF4-FFF2-40B4-BE49-F238E27FC236}">
                 <a16:creationId xmlns:a16="http://schemas.microsoft.com/office/drawing/2014/main" id="{D8C2F04C-08EC-4E9C-8FD1-85AC4BF1C16A}"/>
               </a:ext>
             </a:extLst>
@@ -9305,7 +11322,7 @@
 </p:sld>
 </file>
 
-<file path=ppt/slides/slide7.xml><?xml version="1.0" encoding="utf-8"?>
+<file path=ppt/slides/slide6.xml><?xml version="1.0" encoding="utf-8"?>
 <p:sld xmlns:a="http://schemas.openxmlformats.org/drawingml/2006/main" xmlns:r="http://schemas.openxmlformats.org/officeDocument/2006/relationships" xmlns:p="http://schemas.openxmlformats.org/presentationml/2006/main">
   <p:cSld>
     <p:spTree>
@@ -10724,7 +12741,7 @@
 </p:sld>
 </file>
 
-<file path=ppt/slides/slide8.xml><?xml version="1.0" encoding="utf-8"?>
+<file path=ppt/slides/slide7.xml><?xml version="1.0" encoding="utf-8"?>
 <p:sld xmlns:a="http://schemas.openxmlformats.org/drawingml/2006/main" xmlns:r="http://schemas.openxmlformats.org/officeDocument/2006/relationships" xmlns:p="http://schemas.openxmlformats.org/presentationml/2006/main">
   <p:cSld>
     <p:spTree>
@@ -12670,7 +14687,7 @@
 </p:sld>
 </file>
 
-<file path=ppt/slides/slide9.xml><?xml version="1.0" encoding="utf-8"?>
+<file path=ppt/slides/slide8.xml><?xml version="1.0" encoding="utf-8"?>
 <p:sld xmlns:a="http://schemas.openxmlformats.org/drawingml/2006/main" xmlns:r="http://schemas.openxmlformats.org/officeDocument/2006/relationships" xmlns:p="http://schemas.openxmlformats.org/presentationml/2006/main">
   <p:cSld>
     <p:spTree>
@@ -12716,171 +14733,332 @@
           </a:p>
         </p:txBody>
       </p:sp>
-      <p:sp>
-        <p:nvSpPr>
-          <p:cNvPr id="3" name="コンテンツ プレースホルダー 2">
-            <a:extLst>
-              <a:ext uri="{FF2B5EF4-FFF2-40B4-BE49-F238E27FC236}">
-                <a16:creationId xmlns:a16="http://schemas.microsoft.com/office/drawing/2014/main" id="{4254CE3D-B066-448C-AC7D-BAF80FF08798}"/>
-              </a:ext>
-            </a:extLst>
-          </p:cNvPr>
-          <p:cNvSpPr>
-            <a:spLocks noGrp="1"/>
-          </p:cNvSpPr>
-          <p:nvPr>
-            <p:ph idx="1"/>
-          </p:nvPr>
-        </p:nvSpPr>
-        <p:spPr>
-          <a:xfrm>
-            <a:off x="628650" y="1514765"/>
-            <a:ext cx="7886700" cy="348321"/>
-          </a:xfrm>
-        </p:spPr>
-        <p:txBody>
-          <a:bodyPr/>
-          <a:lstStyle/>
-          <a:p>
-            <a:endParaRPr lang="en-US" altLang="ja-JP" dirty="0"/>
-          </a:p>
-        </p:txBody>
-      </p:sp>
-      <p:sp>
-        <p:nvSpPr>
-          <p:cNvPr id="4" name="楕円 3">
-            <a:extLst>
-              <a:ext uri="{FF2B5EF4-FFF2-40B4-BE49-F238E27FC236}">
-                <a16:creationId xmlns:a16="http://schemas.microsoft.com/office/drawing/2014/main" id="{9F3C3F64-A6B8-421E-B6EA-9DF957AFF161}"/>
-              </a:ext>
-            </a:extLst>
-          </p:cNvPr>
-          <p:cNvSpPr/>
-          <p:nvPr/>
-        </p:nvSpPr>
-        <p:spPr>
-          <a:xfrm>
-            <a:off x="296563" y="3357545"/>
-            <a:ext cx="3904734" cy="1878226"/>
-          </a:xfrm>
-          <a:prstGeom prst="ellipse">
-            <a:avLst/>
-          </a:prstGeom>
-          <a:ln w="28575">
-            <a:solidFill>
-              <a:schemeClr val="tx1"/>
-            </a:solidFill>
-          </a:ln>
-        </p:spPr>
-        <p:style>
-          <a:lnRef idx="1">
-            <a:schemeClr val="accent1"/>
-          </a:lnRef>
-          <a:fillRef idx="0">
-            <a:schemeClr val="accent1"/>
-          </a:fillRef>
-          <a:effectRef idx="0">
-            <a:schemeClr val="accent1"/>
-          </a:effectRef>
-          <a:fontRef idx="minor">
-            <a:schemeClr val="tx1"/>
-          </a:fontRef>
-        </p:style>
-        <p:txBody>
-          <a:bodyPr rtlCol="0" anchor="ctr"/>
-          <a:lstStyle/>
-          <a:p>
-            <a:pPr algn="ctr"/>
-            <a:endParaRPr kumimoji="1" lang="ja-JP" altLang="en-US"/>
-          </a:p>
-        </p:txBody>
-      </p:sp>
-      <p:cxnSp>
-        <p:nvCxnSpPr>
-          <p:cNvPr id="5" name="直線コネクタ 4">
-            <a:extLst>
-              <a:ext uri="{FF2B5EF4-FFF2-40B4-BE49-F238E27FC236}">
-                <a16:creationId xmlns:a16="http://schemas.microsoft.com/office/drawing/2014/main" id="{C391E217-E612-4C34-B99C-BA566A3A890D}"/>
-              </a:ext>
-            </a:extLst>
-          </p:cNvPr>
-          <p:cNvCxnSpPr>
-            <a:cxnSpLocks/>
-          </p:cNvCxnSpPr>
-          <p:nvPr/>
-        </p:nvCxnSpPr>
-        <p:spPr>
-          <a:xfrm>
-            <a:off x="1458097" y="3087946"/>
-            <a:ext cx="803189" cy="2718486"/>
-          </a:xfrm>
-          <a:prstGeom prst="line">
-            <a:avLst/>
-          </a:prstGeom>
-          <a:ln w="38100" cmpd="sng">
-            <a:solidFill>
-              <a:srgbClr val="00B0F0"/>
-            </a:solidFill>
-          </a:ln>
-        </p:spPr>
-        <p:style>
-          <a:lnRef idx="1">
-            <a:schemeClr val="dk1"/>
-          </a:lnRef>
-          <a:fillRef idx="0">
-            <a:schemeClr val="dk1"/>
-          </a:fillRef>
-          <a:effectRef idx="0">
-            <a:schemeClr val="dk1"/>
-          </a:effectRef>
-          <a:fontRef idx="minor">
-            <a:schemeClr val="tx1"/>
-          </a:fontRef>
-        </p:style>
-      </p:cxnSp>
-      <p:cxnSp>
-        <p:nvCxnSpPr>
-          <p:cNvPr id="6" name="直線コネクタ 5">
-            <a:extLst>
-              <a:ext uri="{FF2B5EF4-FFF2-40B4-BE49-F238E27FC236}">
-                <a16:creationId xmlns:a16="http://schemas.microsoft.com/office/drawing/2014/main" id="{BB314CF0-5893-4731-84E5-21A560F2AECB}"/>
-              </a:ext>
-            </a:extLst>
-          </p:cNvPr>
-          <p:cNvCxnSpPr>
-            <a:cxnSpLocks/>
-          </p:cNvCxnSpPr>
-          <p:nvPr/>
-        </p:nvCxnSpPr>
-        <p:spPr>
-          <a:xfrm flipH="1">
-            <a:off x="1915298" y="3125016"/>
-            <a:ext cx="333632" cy="2681416"/>
-          </a:xfrm>
-          <a:prstGeom prst="line">
-            <a:avLst/>
-          </a:prstGeom>
-          <a:ln w="38100">
-            <a:solidFill>
-              <a:srgbClr val="00B0F0"/>
-            </a:solidFill>
-          </a:ln>
-        </p:spPr>
-        <p:style>
-          <a:lnRef idx="1">
-            <a:schemeClr val="dk1"/>
-          </a:lnRef>
-          <a:fillRef idx="0">
-            <a:schemeClr val="dk1"/>
-          </a:fillRef>
-          <a:effectRef idx="0">
-            <a:schemeClr val="dk1"/>
-          </a:effectRef>
-          <a:fontRef idx="minor">
-            <a:schemeClr val="tx1"/>
-          </a:fontRef>
-        </p:style>
-      </p:cxnSp>
+      <mc:AlternateContent xmlns:mc="http://schemas.openxmlformats.org/markup-compatibility/2006">
+        <mc:Choice xmlns:a14="http://schemas.microsoft.com/office/drawing/2010/main" Requires="a14">
+          <p:sp>
+            <p:nvSpPr>
+              <p:cNvPr id="3" name="コンテンツ プレースホルダー 2">
+                <a:extLst>
+                  <a:ext uri="{FF2B5EF4-FFF2-40B4-BE49-F238E27FC236}">
+                    <a16:creationId xmlns:a16="http://schemas.microsoft.com/office/drawing/2014/main" id="{4254CE3D-B066-448C-AC7D-BAF80FF08798}"/>
+                  </a:ext>
+                </a:extLst>
+              </p:cNvPr>
+              <p:cNvSpPr>
+                <a:spLocks noGrp="1"/>
+              </p:cNvSpPr>
+              <p:nvPr>
+                <p:ph idx="1"/>
+              </p:nvPr>
+            </p:nvSpPr>
+            <p:spPr>
+              <a:xfrm>
+                <a:off x="628650" y="1133592"/>
+                <a:ext cx="7886700" cy="2655822"/>
+              </a:xfrm>
+            </p:spPr>
+            <p:txBody>
+              <a:bodyPr/>
+              <a:lstStyle/>
+              <a:p>
+                <a:r>
+                  <a:rPr lang="ja-JP" altLang="en-US" b="0" dirty="0"/>
+                  <a:t>ノード</a:t>
+                </a:r>
+                <a14:m>
+                  <m:oMath xmlns:m="http://schemas.openxmlformats.org/officeDocument/2006/math">
+                    <m:r>
+                      <a:rPr lang="ja-JP" altLang="en-US" b="0" i="1" smtClean="0">
+                        <a:latin typeface="Cambria Math" panose="02040503050406030204" pitchFamily="18" charset="0"/>
+                      </a:rPr>
+                      <m:t>カット</m:t>
+                    </m:r>
+                    <m:r>
+                      <a:rPr lang="en-US" altLang="ja-JP" b="0" i="1" smtClean="0">
+                        <a:latin typeface="Cambria Math" panose="02040503050406030204" pitchFamily="18" charset="0"/>
+                      </a:rPr>
+                      <m:t>𝑆</m:t>
+                    </m:r>
+                    <m:r>
+                      <a:rPr lang="en-US" altLang="ja-JP" b="0" i="1" smtClean="0">
+                        <a:latin typeface="Cambria Math" panose="02040503050406030204" pitchFamily="18" charset="0"/>
+                      </a:rPr>
+                      <m:t>,</m:t>
+                    </m:r>
+                    <m:r>
+                      <a:rPr lang="en-US" altLang="ja-JP" b="0" i="1" smtClean="0">
+                        <a:latin typeface="Cambria Math" panose="02040503050406030204" pitchFamily="18" charset="0"/>
+                      </a:rPr>
+                      <m:t>𝑇</m:t>
+                    </m:r>
+                  </m:oMath>
+                </a14:m>
+                <a:r>
+                  <a:rPr lang="ja-JP" altLang="en-US" dirty="0"/>
+                  <a:t>によって</a:t>
+                </a:r>
+                <a14:m>
+                  <m:oMath xmlns:m="http://schemas.openxmlformats.org/officeDocument/2006/math">
+                    <m:d>
+                      <m:dPr>
+                        <m:ctrlPr>
+                          <a:rPr lang="en-US" altLang="ja-JP" b="0" i="1" smtClean="0">
+                            <a:latin typeface="Cambria Math" panose="02040503050406030204" pitchFamily="18" charset="0"/>
+                          </a:rPr>
+                        </m:ctrlPr>
+                      </m:dPr>
+                      <m:e>
+                        <m:r>
+                          <a:rPr lang="en-US" altLang="ja-JP" b="0" i="1" smtClean="0">
+                            <a:latin typeface="Cambria Math" panose="02040503050406030204" pitchFamily="18" charset="0"/>
+                          </a:rPr>
+                          <m:t>𝛼</m:t>
+                        </m:r>
+                        <m:r>
+                          <a:rPr lang="en-US" altLang="ja-JP" b="0" i="1" smtClean="0">
+                            <a:latin typeface="Cambria Math" panose="02040503050406030204" pitchFamily="18" charset="0"/>
+                          </a:rPr>
+                          <m:t>+</m:t>
+                        </m:r>
+                        <m:r>
+                          <a:rPr lang="en-US" altLang="ja-JP" b="0" i="1" smtClean="0">
+                            <a:latin typeface="Cambria Math" panose="02040503050406030204" pitchFamily="18" charset="0"/>
+                          </a:rPr>
+                          <m:t>𝜀</m:t>
+                        </m:r>
+                      </m:e>
+                    </m:d>
+                    <m:r>
+                      <a:rPr lang="en-US" altLang="ja-JP" b="0" i="1" smtClean="0">
+                        <a:latin typeface="Cambria Math" panose="02040503050406030204" pitchFamily="18" charset="0"/>
+                      </a:rPr>
+                      <m:t>𝑛</m:t>
+                    </m:r>
+                  </m:oMath>
+                </a14:m>
+                <a:r>
+                  <a:rPr lang="ja-JP" altLang="en-US" dirty="0"/>
+                  <a:t>以下の連結成分のみになればアルゴリズムは終了</a:t>
+                </a:r>
+                <a:r>
+                  <a:rPr lang="en-US" altLang="ja-JP" dirty="0"/>
+                  <a:t>(</a:t>
+                </a:r>
+                <a14:m>
+                  <m:oMath xmlns:m="http://schemas.openxmlformats.org/officeDocument/2006/math">
+                    <m:r>
+                      <a:rPr lang="en-US" altLang="ja-JP" b="0" i="1" smtClean="0">
+                        <a:latin typeface="Cambria Math" panose="02040503050406030204" pitchFamily="18" charset="0"/>
+                      </a:rPr>
+                      <m:t>0&lt;</m:t>
+                    </m:r>
+                    <m:r>
+                      <a:rPr lang="en-US" altLang="ja-JP" b="0" i="1" smtClean="0">
+                        <a:latin typeface="Cambria Math" panose="02040503050406030204" pitchFamily="18" charset="0"/>
+                      </a:rPr>
+                      <m:t>𝜀</m:t>
+                    </m:r>
+                    <m:r>
+                      <a:rPr lang="en-US" altLang="ja-JP" b="0" i="1" smtClean="0">
+                        <a:latin typeface="Cambria Math" panose="02040503050406030204" pitchFamily="18" charset="0"/>
+                      </a:rPr>
+                      <m:t>&lt;1−</m:t>
+                    </m:r>
+                    <m:r>
+                      <a:rPr lang="en-US" altLang="ja-JP" b="0" i="1" smtClean="0">
+                        <a:latin typeface="Cambria Math" panose="02040503050406030204" pitchFamily="18" charset="0"/>
+                      </a:rPr>
+                      <m:t>𝛼</m:t>
+                    </m:r>
+                  </m:oMath>
+                </a14:m>
+                <a:r>
+                  <a:rPr lang="en-US" altLang="ja-JP" dirty="0"/>
+                  <a:t>)</a:t>
+                </a:r>
+              </a:p>
+              <a:p>
+                <a:r>
+                  <a:rPr lang="ja-JP" altLang="en-US" dirty="0"/>
+                  <a:t>そうでなければ最も大きい連結成分に対して同様の操作を行う</a:t>
+                </a:r>
+                <a:endParaRPr lang="en-US" altLang="ja-JP" dirty="0"/>
+              </a:p>
+              <a:p>
+                <a:r>
+                  <a:rPr lang="ja-JP" altLang="en-US" dirty="0"/>
+                  <a:t>各反復で得られた</a:t>
+                </a:r>
+                <a14:m>
+                  <m:oMath xmlns:m="http://schemas.openxmlformats.org/officeDocument/2006/math">
+                    <m:r>
+                      <a:rPr lang="en-US" altLang="ja-JP" b="0" i="1" smtClean="0">
+                        <a:latin typeface="Cambria Math" panose="02040503050406030204" pitchFamily="18" charset="0"/>
+                      </a:rPr>
+                      <m:t>𝑠</m:t>
+                    </m:r>
+                    <m:r>
+                      <a:rPr lang="en-US" altLang="ja-JP" b="0" i="1" smtClean="0">
+                        <a:latin typeface="Cambria Math" panose="02040503050406030204" pitchFamily="18" charset="0"/>
+                      </a:rPr>
+                      <m:t>,</m:t>
+                    </m:r>
+                    <m:r>
+                      <a:rPr lang="en-US" altLang="ja-JP" b="0" i="1" smtClean="0">
+                        <a:latin typeface="Cambria Math" panose="02040503050406030204" pitchFamily="18" charset="0"/>
+                      </a:rPr>
+                      <m:t>𝑡</m:t>
+                    </m:r>
+                    <m:r>
+                      <a:rPr lang="en-US" altLang="ja-JP" b="0" i="1" smtClean="0">
+                        <a:latin typeface="Cambria Math" panose="02040503050406030204" pitchFamily="18" charset="0"/>
+                      </a:rPr>
+                      <m:t>,</m:t>
+                    </m:r>
+                    <m:r>
+                      <a:rPr lang="en-US" altLang="ja-JP" b="0" i="1" smtClean="0">
+                        <a:latin typeface="Cambria Math" panose="02040503050406030204" pitchFamily="18" charset="0"/>
+                      </a:rPr>
+                      <m:t>𝑆</m:t>
+                    </m:r>
+                    <m:r>
+                      <a:rPr lang="en-US" altLang="ja-JP" b="0" i="1" smtClean="0">
+                        <a:latin typeface="Cambria Math" panose="02040503050406030204" pitchFamily="18" charset="0"/>
+                      </a:rPr>
+                      <m:t>,</m:t>
+                    </m:r>
+                    <m:r>
+                      <a:rPr lang="en-US" altLang="ja-JP" b="0" i="1" smtClean="0">
+                        <a:latin typeface="Cambria Math" panose="02040503050406030204" pitchFamily="18" charset="0"/>
+                      </a:rPr>
+                      <m:t>𝑇</m:t>
+                    </m:r>
+                  </m:oMath>
+                </a14:m>
+                <a:r>
+                  <a:rPr lang="ja-JP" altLang="en-US" dirty="0"/>
+                  <a:t>の総和で</a:t>
+                </a:r>
+                <a14:m>
+                  <m:oMath xmlns:m="http://schemas.openxmlformats.org/officeDocument/2006/math">
+                    <m:r>
+                      <a:rPr lang="ja-JP" altLang="en-US" b="0" i="1" smtClean="0">
+                        <a:latin typeface="Cambria Math" panose="02040503050406030204" pitchFamily="18" charset="0"/>
+                      </a:rPr>
+                      <m:t>ある</m:t>
+                    </m:r>
+                    <m:r>
+                      <a:rPr lang="en-US" altLang="ja-JP" b="0" i="1" smtClean="0">
+                        <a:latin typeface="Cambria Math" panose="02040503050406030204" pitchFamily="18" charset="0"/>
+                      </a:rPr>
+                      <m:t>𝑆</m:t>
+                    </m:r>
+                    <m:r>
+                      <a:rPr lang="en-US" altLang="ja-JP" b="0" i="1" smtClean="0">
+                        <a:latin typeface="Cambria Math" panose="02040503050406030204" pitchFamily="18" charset="0"/>
+                      </a:rPr>
+                      <m:t>′</m:t>
+                    </m:r>
+                  </m:oMath>
+                </a14:m>
+                <a:r>
+                  <a:rPr lang="ja-JP" altLang="en-US" dirty="0"/>
+                  <a:t>が求める</a:t>
+                </a:r>
+                <a:br>
+                  <a:rPr lang="en-US" altLang="ja-JP" dirty="0"/>
+                </a:br>
+                <a14:m>
+                  <m:oMath xmlns:m="http://schemas.openxmlformats.org/officeDocument/2006/math">
+                    <m:r>
+                      <a:rPr lang="en-US" altLang="ja-JP" b="0" i="1" smtClean="0">
+                        <a:latin typeface="Cambria Math" panose="02040503050406030204" pitchFamily="18" charset="0"/>
+                      </a:rPr>
+                      <m:t>(</m:t>
+                    </m:r>
+                    <m:r>
+                      <a:rPr lang="en-US" altLang="ja-JP" b="0" i="1" smtClean="0">
+                        <a:latin typeface="Cambria Math" panose="02040503050406030204" pitchFamily="18" charset="0"/>
+                      </a:rPr>
+                      <m:t>𝛼</m:t>
+                    </m:r>
+                    <m:r>
+                      <a:rPr lang="en-US" altLang="ja-JP" b="0" i="1" smtClean="0">
+                        <a:latin typeface="Cambria Math" panose="02040503050406030204" pitchFamily="18" charset="0"/>
+                      </a:rPr>
+                      <m:t>+</m:t>
+                    </m:r>
+                    <m:r>
+                      <a:rPr lang="en-US" altLang="ja-JP" b="0" i="1" smtClean="0">
+                        <a:latin typeface="Cambria Math" panose="02040503050406030204" pitchFamily="18" charset="0"/>
+                      </a:rPr>
+                      <m:t>𝜀</m:t>
+                    </m:r>
+                    <m:r>
+                      <a:rPr lang="en-US" altLang="ja-JP" b="0" i="1" smtClean="0">
+                        <a:latin typeface="Cambria Math" panose="02040503050406030204" pitchFamily="18" charset="0"/>
+                      </a:rPr>
+                      <m:t>)</m:t>
+                    </m:r>
+                  </m:oMath>
+                </a14:m>
+                <a:r>
+                  <a:rPr lang="en-US" altLang="ja-JP" dirty="0"/>
+                  <a:t>-</a:t>
+                </a:r>
+                <a:r>
+                  <a:rPr lang="ja-JP" altLang="en-US" dirty="0"/>
+                  <a:t>平衡分離集合</a:t>
+                </a:r>
+                <a:endParaRPr lang="en-US" altLang="ja-JP" dirty="0"/>
+              </a:p>
+            </p:txBody>
+          </p:sp>
+        </mc:Choice>
+        <mc:Fallback>
+          <p:sp>
+            <p:nvSpPr>
+              <p:cNvPr id="3" name="コンテンツ プレースホルダー 2">
+                <a:extLst>
+                  <a:ext uri="{FF2B5EF4-FFF2-40B4-BE49-F238E27FC236}">
+                    <a16:creationId xmlns:a16="http://schemas.microsoft.com/office/drawing/2014/main" id="{4254CE3D-B066-448C-AC7D-BAF80FF08798}"/>
+                  </a:ext>
+                </a:extLst>
+              </p:cNvPr>
+              <p:cNvSpPr>
+                <a:spLocks noGrp="1" noRot="1" noChangeAspect="1" noMove="1" noResize="1" noEditPoints="1" noAdjustHandles="1" noChangeArrowheads="1" noChangeShapeType="1" noTextEdit="1"/>
+              </p:cNvSpPr>
+              <p:nvPr>
+                <p:ph idx="1"/>
+              </p:nvPr>
+            </p:nvSpPr>
+            <p:spPr>
+              <a:xfrm>
+                <a:off x="628650" y="1133592"/>
+                <a:ext cx="7886700" cy="2655822"/>
+              </a:xfrm>
+              <a:blipFill>
+                <a:blip r:embed="rId2"/>
+                <a:stretch>
+                  <a:fillRect l="-1005" t="-1835"/>
+                </a:stretch>
+              </a:blipFill>
+            </p:spPr>
+            <p:txBody>
+              <a:bodyPr/>
+              <a:lstStyle/>
+              <a:p>
+                <a:r>
+                  <a:rPr lang="ja-JP" altLang="en-US">
+                    <a:noFill/>
+                  </a:rPr>
+                  <a:t> </a:t>
+                </a:r>
+              </a:p>
+            </p:txBody>
+          </p:sp>
+        </mc:Fallback>
+      </mc:AlternateContent>
       <mc:AlternateContent xmlns:mc="http://schemas.openxmlformats.org/markup-compatibility/2006">
         <mc:Choice xmlns:a14="http://schemas.microsoft.com/office/drawing/2010/main" Requires="a14">
           <p:sp>
@@ -12897,7 +15075,7 @@
             </p:nvSpPr>
             <p:spPr>
               <a:xfrm>
-                <a:off x="453201" y="2462409"/>
+                <a:off x="277246" y="3853331"/>
                 <a:ext cx="1628913" cy="646459"/>
               </a:xfrm>
               <a:prstGeom prst="rect">
@@ -12959,14 +15137,14 @@
             </p:nvSpPr>
             <p:spPr>
               <a:xfrm>
-                <a:off x="453201" y="2462409"/>
+                <a:off x="277246" y="3853331"/>
                 <a:ext cx="1628913" cy="646459"/>
               </a:xfrm>
               <a:prstGeom prst="rect">
                 <a:avLst/>
               </a:prstGeom>
               <a:blipFill>
-                <a:blip r:embed="rId2"/>
+                <a:blip r:embed="rId3"/>
                 <a:stretch>
                   <a:fillRect/>
                 </a:stretch>
@@ -13003,7 +15181,7 @@
             </p:nvSpPr>
             <p:spPr>
               <a:xfrm>
-                <a:off x="1637269" y="2499479"/>
+                <a:off x="1577169" y="3901351"/>
                 <a:ext cx="1628913" cy="646459"/>
               </a:xfrm>
               <a:prstGeom prst="rect">
@@ -13065,14 +15243,14 @@
             </p:nvSpPr>
             <p:spPr>
               <a:xfrm>
-                <a:off x="1637269" y="2499479"/>
+                <a:off x="1577169" y="3901351"/>
                 <a:ext cx="1628913" cy="646459"/>
               </a:xfrm>
               <a:prstGeom prst="rect">
                 <a:avLst/>
               </a:prstGeom>
               <a:blipFill>
-                <a:blip r:embed="rId3"/>
+                <a:blip r:embed="rId4"/>
                 <a:stretch>
                   <a:fillRect/>
                 </a:stretch>
@@ -13109,7 +15287,7 @@
             </p:nvSpPr>
             <p:spPr>
               <a:xfrm>
-                <a:off x="57784" y="4037461"/>
+                <a:off x="173279" y="4747595"/>
                 <a:ext cx="1628913" cy="646459"/>
               </a:xfrm>
               <a:prstGeom prst="rect">
@@ -13171,16 +15349,1843 @@
             </p:nvSpPr>
             <p:spPr>
               <a:xfrm>
-                <a:off x="57784" y="4037461"/>
+                <a:off x="173279" y="4747595"/>
                 <a:ext cx="1628913" cy="646459"/>
               </a:xfrm>
               <a:prstGeom prst="rect">
                 <a:avLst/>
               </a:prstGeom>
               <a:blipFill>
-                <a:blip r:embed="rId4"/>
+                <a:blip r:embed="rId5"/>
                 <a:stretch>
                   <a:fillRect/>
+                </a:stretch>
+              </a:blipFill>
+            </p:spPr>
+            <p:txBody>
+              <a:bodyPr/>
+              <a:lstStyle/>
+              <a:p>
+                <a:r>
+                  <a:rPr lang="ja-JP" altLang="en-US">
+                    <a:noFill/>
+                  </a:rPr>
+                  <a:t> </a:t>
+                </a:r>
+              </a:p>
+            </p:txBody>
+          </p:sp>
+        </mc:Fallback>
+      </mc:AlternateContent>
+      <p:sp>
+        <p:nvSpPr>
+          <p:cNvPr id="58" name="フリーフォーム: 図形 57">
+            <a:extLst>
+              <a:ext uri="{FF2B5EF4-FFF2-40B4-BE49-F238E27FC236}">
+                <a16:creationId xmlns:a16="http://schemas.microsoft.com/office/drawing/2014/main" id="{ABE6B123-A53F-4FD2-8B50-D11127D53FDD}"/>
+              </a:ext>
+            </a:extLst>
+          </p:cNvPr>
+          <p:cNvSpPr/>
+          <p:nvPr/>
+        </p:nvSpPr>
+        <p:spPr>
+          <a:xfrm rot="20590525">
+            <a:off x="1786662" y="4378053"/>
+            <a:ext cx="2205342" cy="1973796"/>
+          </a:xfrm>
+          <a:custGeom>
+            <a:avLst/>
+            <a:gdLst>
+              <a:gd name="connsiteX0" fmla="*/ 588453 w 2205342"/>
+              <a:gd name="connsiteY0" fmla="*/ 12960 h 1973796"/>
+              <a:gd name="connsiteX1" fmla="*/ 2185431 w 2205342"/>
+              <a:gd name="connsiteY1" fmla="*/ 1476972 h 1973796"/>
+              <a:gd name="connsiteX2" fmla="*/ 44815 w 2205342"/>
+              <a:gd name="connsiteY2" fmla="*/ 1810789 h 1973796"/>
+              <a:gd name="connsiteX3" fmla="*/ 0 w 2205342"/>
+              <a:gd name="connsiteY3" fmla="*/ 1796041 h 1973796"/>
+              <a:gd name="connsiteX4" fmla="*/ 0 w 2205342"/>
+              <a:gd name="connsiteY4" fmla="*/ 1223439 h 1973796"/>
+              <a:gd name="connsiteX5" fmla="*/ 541510 w 2205342"/>
+              <a:gd name="connsiteY5" fmla="*/ 1 h 1973796"/>
+              <a:gd name="connsiteX6" fmla="*/ 541509 w 2205342"/>
+              <a:gd name="connsiteY6" fmla="*/ 0 h 1973796"/>
+              <a:gd name="connsiteX7" fmla="*/ 541509 w 2205342"/>
+              <a:gd name="connsiteY7" fmla="*/ 0 h 1973796"/>
+              <a:gd name="connsiteX8" fmla="*/ 588453 w 2205342"/>
+              <a:gd name="connsiteY8" fmla="*/ 12960 h 1973796"/>
+            </a:gdLst>
+            <a:ahLst/>
+            <a:cxnLst>
+              <a:cxn ang="0">
+                <a:pos x="connsiteX0" y="connsiteY0"/>
+              </a:cxn>
+              <a:cxn ang="0">
+                <a:pos x="connsiteX1" y="connsiteY1"/>
+              </a:cxn>
+              <a:cxn ang="0">
+                <a:pos x="connsiteX2" y="connsiteY2"/>
+              </a:cxn>
+              <a:cxn ang="0">
+                <a:pos x="connsiteX3" y="connsiteY3"/>
+              </a:cxn>
+              <a:cxn ang="0">
+                <a:pos x="connsiteX4" y="connsiteY4"/>
+              </a:cxn>
+              <a:cxn ang="0">
+                <a:pos x="connsiteX5" y="connsiteY5"/>
+              </a:cxn>
+              <a:cxn ang="0">
+                <a:pos x="connsiteX6" y="connsiteY6"/>
+              </a:cxn>
+              <a:cxn ang="0">
+                <a:pos x="connsiteX7" y="connsiteY7"/>
+              </a:cxn>
+              <a:cxn ang="0">
+                <a:pos x="connsiteX8" y="connsiteY8"/>
+              </a:cxn>
+            </a:cxnLst>
+            <a:rect l="l" t="t" r="r" b="b"/>
+            <a:pathLst>
+              <a:path w="2205342" h="1973796">
+                <a:moveTo>
+                  <a:pt x="588453" y="12960"/>
+                </a:moveTo>
+                <a:cubicBezTo>
+                  <a:pt x="1620561" y="325055"/>
+                  <a:pt x="2335552" y="980515"/>
+                  <a:pt x="2185431" y="1476972"/>
+                </a:cubicBezTo>
+                <a:cubicBezTo>
+                  <a:pt x="2035309" y="1973429"/>
+                  <a:pt x="1076923" y="2122884"/>
+                  <a:pt x="44815" y="1810789"/>
+                </a:cubicBezTo>
+                <a:lnTo>
+                  <a:pt x="0" y="1796041"/>
+                </a:lnTo>
+                <a:lnTo>
+                  <a:pt x="0" y="1223439"/>
+                </a:lnTo>
+                <a:lnTo>
+                  <a:pt x="541510" y="1"/>
+                </a:lnTo>
+                <a:lnTo>
+                  <a:pt x="541509" y="0"/>
+                </a:lnTo>
+                <a:lnTo>
+                  <a:pt x="541509" y="0"/>
+                </a:lnTo>
+                <a:lnTo>
+                  <a:pt x="588453" y="12960"/>
+                </a:lnTo>
+                <a:close/>
+              </a:path>
+            </a:pathLst>
+          </a:custGeom>
+          <a:ln w="28575">
+            <a:solidFill>
+              <a:schemeClr val="tx1"/>
+            </a:solidFill>
+          </a:ln>
+        </p:spPr>
+        <p:style>
+          <a:lnRef idx="1">
+            <a:schemeClr val="accent1"/>
+          </a:lnRef>
+          <a:fillRef idx="0">
+            <a:schemeClr val="accent1"/>
+          </a:fillRef>
+          <a:effectRef idx="0">
+            <a:schemeClr val="accent1"/>
+          </a:effectRef>
+          <a:fontRef idx="minor">
+            <a:schemeClr val="tx1"/>
+          </a:fontRef>
+        </p:style>
+        <p:txBody>
+          <a:bodyPr rtlCol="0" anchor="ctr"/>
+          <a:lstStyle/>
+          <a:p>
+            <a:pPr algn="ctr"/>
+            <a:endParaRPr kumimoji="1" lang="ja-JP" altLang="en-US"/>
+          </a:p>
+        </p:txBody>
+      </p:sp>
+      <p:sp>
+        <p:nvSpPr>
+          <p:cNvPr id="57" name="フリーフォーム: 図形 56">
+            <a:extLst>
+              <a:ext uri="{FF2B5EF4-FFF2-40B4-BE49-F238E27FC236}">
+                <a16:creationId xmlns:a16="http://schemas.microsoft.com/office/drawing/2014/main" id="{24CFC298-96C8-4645-9777-7BFF53F67A7A}"/>
+              </a:ext>
+            </a:extLst>
+          </p:cNvPr>
+          <p:cNvSpPr/>
+          <p:nvPr/>
+        </p:nvSpPr>
+        <p:spPr>
+          <a:xfrm rot="20590525">
+            <a:off x="1696775" y="4520593"/>
+            <a:ext cx="541509" cy="1340248"/>
+          </a:xfrm>
+          <a:custGeom>
+            <a:avLst/>
+            <a:gdLst>
+              <a:gd name="connsiteX0" fmla="*/ 541509 w 541509"/>
+              <a:gd name="connsiteY0" fmla="*/ 116811 h 1340248"/>
+              <a:gd name="connsiteX1" fmla="*/ 0 w 541509"/>
+              <a:gd name="connsiteY1" fmla="*/ 1340248 h 1340248"/>
+              <a:gd name="connsiteX2" fmla="*/ 0 w 541509"/>
+              <a:gd name="connsiteY2" fmla="*/ 0 h 1340248"/>
+              <a:gd name="connsiteX3" fmla="*/ 43486 w 541509"/>
+              <a:gd name="connsiteY3" fmla="*/ 5575 h 1340248"/>
+              <a:gd name="connsiteX4" fmla="*/ 395977 w 541509"/>
+              <a:gd name="connsiteY4" fmla="*/ 76635 h 1340248"/>
+              <a:gd name="connsiteX5" fmla="*/ 541509 w 541509"/>
+              <a:gd name="connsiteY5" fmla="*/ 116811 h 1340248"/>
+            </a:gdLst>
+            <a:ahLst/>
+            <a:cxnLst>
+              <a:cxn ang="0">
+                <a:pos x="connsiteX0" y="connsiteY0"/>
+              </a:cxn>
+              <a:cxn ang="0">
+                <a:pos x="connsiteX1" y="connsiteY1"/>
+              </a:cxn>
+              <a:cxn ang="0">
+                <a:pos x="connsiteX2" y="connsiteY2"/>
+              </a:cxn>
+              <a:cxn ang="0">
+                <a:pos x="connsiteX3" y="connsiteY3"/>
+              </a:cxn>
+              <a:cxn ang="0">
+                <a:pos x="connsiteX4" y="connsiteY4"/>
+              </a:cxn>
+              <a:cxn ang="0">
+                <a:pos x="connsiteX5" y="connsiteY5"/>
+              </a:cxn>
+            </a:cxnLst>
+            <a:rect l="l" t="t" r="r" b="b"/>
+            <a:pathLst>
+              <a:path w="541509" h="1340248">
+                <a:moveTo>
+                  <a:pt x="541509" y="116811"/>
+                </a:moveTo>
+                <a:lnTo>
+                  <a:pt x="0" y="1340248"/>
+                </a:lnTo>
+                <a:lnTo>
+                  <a:pt x="0" y="0"/>
+                </a:lnTo>
+                <a:lnTo>
+                  <a:pt x="43486" y="5575"/>
+                </a:lnTo>
+                <a:cubicBezTo>
+                  <a:pt x="158552" y="23144"/>
+                  <a:pt x="276443" y="46769"/>
+                  <a:pt x="395977" y="76635"/>
+                </a:cubicBezTo>
+                <a:lnTo>
+                  <a:pt x="541509" y="116811"/>
+                </a:lnTo>
+                <a:close/>
+              </a:path>
+            </a:pathLst>
+          </a:custGeom>
+          <a:ln w="28575">
+            <a:solidFill>
+              <a:schemeClr val="tx1"/>
+            </a:solidFill>
+          </a:ln>
+        </p:spPr>
+        <p:style>
+          <a:lnRef idx="1">
+            <a:schemeClr val="accent1"/>
+          </a:lnRef>
+          <a:fillRef idx="0">
+            <a:schemeClr val="accent1"/>
+          </a:fillRef>
+          <a:effectRef idx="0">
+            <a:schemeClr val="accent1"/>
+          </a:effectRef>
+          <a:fontRef idx="minor">
+            <a:schemeClr val="tx1"/>
+          </a:fontRef>
+        </p:style>
+        <p:txBody>
+          <a:bodyPr rtlCol="0" anchor="ctr"/>
+          <a:lstStyle/>
+          <a:p>
+            <a:pPr algn="ctr"/>
+            <a:endParaRPr kumimoji="1" lang="ja-JP" altLang="en-US"/>
+          </a:p>
+        </p:txBody>
+      </p:sp>
+      <p:sp>
+        <p:nvSpPr>
+          <p:cNvPr id="56" name="フリーフォーム: 図形 55">
+            <a:extLst>
+              <a:ext uri="{FF2B5EF4-FFF2-40B4-BE49-F238E27FC236}">
+                <a16:creationId xmlns:a16="http://schemas.microsoft.com/office/drawing/2014/main" id="{77753292-FD55-4660-93EF-EB7B1BC3E5C4}"/>
+              </a:ext>
+            </a:extLst>
+          </p:cNvPr>
+          <p:cNvSpPr/>
+          <p:nvPr/>
+        </p:nvSpPr>
+        <p:spPr>
+          <a:xfrm rot="20590525">
+            <a:off x="1759212" y="5931689"/>
+            <a:ext cx="219624" cy="496198"/>
+          </a:xfrm>
+          <a:custGeom>
+            <a:avLst/>
+            <a:gdLst>
+              <a:gd name="connsiteX0" fmla="*/ 219624 w 219624"/>
+              <a:gd name="connsiteY0" fmla="*/ 0 h 496198"/>
+              <a:gd name="connsiteX1" fmla="*/ 219624 w 219624"/>
+              <a:gd name="connsiteY1" fmla="*/ 2 h 496198"/>
+              <a:gd name="connsiteX2" fmla="*/ 1 w 219624"/>
+              <a:gd name="connsiteY2" fmla="*/ 496198 h 496198"/>
+              <a:gd name="connsiteX3" fmla="*/ 0 w 219624"/>
+              <a:gd name="connsiteY3" fmla="*/ 496198 h 496198"/>
+              <a:gd name="connsiteX4" fmla="*/ 219624 w 219624"/>
+              <a:gd name="connsiteY4" fmla="*/ 0 h 496198"/>
+            </a:gdLst>
+            <a:ahLst/>
+            <a:cxnLst>
+              <a:cxn ang="0">
+                <a:pos x="connsiteX0" y="connsiteY0"/>
+              </a:cxn>
+              <a:cxn ang="0">
+                <a:pos x="connsiteX1" y="connsiteY1"/>
+              </a:cxn>
+              <a:cxn ang="0">
+                <a:pos x="connsiteX2" y="connsiteY2"/>
+              </a:cxn>
+              <a:cxn ang="0">
+                <a:pos x="connsiteX3" y="connsiteY3"/>
+              </a:cxn>
+              <a:cxn ang="0">
+                <a:pos x="connsiteX4" y="connsiteY4"/>
+              </a:cxn>
+            </a:cxnLst>
+            <a:rect l="l" t="t" r="r" b="b"/>
+            <a:pathLst>
+              <a:path w="219624" h="496198">
+                <a:moveTo>
+                  <a:pt x="219624" y="0"/>
+                </a:moveTo>
+                <a:lnTo>
+                  <a:pt x="219624" y="2"/>
+                </a:lnTo>
+                <a:lnTo>
+                  <a:pt x="1" y="496198"/>
+                </a:lnTo>
+                <a:lnTo>
+                  <a:pt x="0" y="496198"/>
+                </a:lnTo>
+                <a:lnTo>
+                  <a:pt x="219624" y="0"/>
+                </a:lnTo>
+                <a:close/>
+              </a:path>
+            </a:pathLst>
+          </a:custGeom>
+          <a:ln w="28575">
+            <a:solidFill>
+              <a:schemeClr val="tx1"/>
+            </a:solidFill>
+          </a:ln>
+        </p:spPr>
+        <p:style>
+          <a:lnRef idx="1">
+            <a:schemeClr val="accent1"/>
+          </a:lnRef>
+          <a:fillRef idx="0">
+            <a:schemeClr val="accent1"/>
+          </a:fillRef>
+          <a:effectRef idx="0">
+            <a:schemeClr val="accent1"/>
+          </a:effectRef>
+          <a:fontRef idx="minor">
+            <a:schemeClr val="tx1"/>
+          </a:fontRef>
+        </p:style>
+        <p:txBody>
+          <a:bodyPr rtlCol="0" anchor="ctr"/>
+          <a:lstStyle/>
+          <a:p>
+            <a:pPr algn="ctr"/>
+            <a:endParaRPr kumimoji="1" lang="ja-JP" altLang="en-US"/>
+          </a:p>
+        </p:txBody>
+      </p:sp>
+      <p:sp>
+        <p:nvSpPr>
+          <p:cNvPr id="54" name="フリーフォーム: 図形 53">
+            <a:extLst>
+              <a:ext uri="{FF2B5EF4-FFF2-40B4-BE49-F238E27FC236}">
+                <a16:creationId xmlns:a16="http://schemas.microsoft.com/office/drawing/2014/main" id="{5D3F612E-C61E-4358-8451-DBEC23E0B308}"/>
+              </a:ext>
+            </a:extLst>
+          </p:cNvPr>
+          <p:cNvSpPr/>
+          <p:nvPr/>
+        </p:nvSpPr>
+        <p:spPr>
+          <a:xfrm rot="20590525">
+            <a:off x="1713679" y="4634904"/>
+            <a:ext cx="541510" cy="1223439"/>
+          </a:xfrm>
+          <a:custGeom>
+            <a:avLst/>
+            <a:gdLst>
+              <a:gd name="connsiteX0" fmla="*/ 541510 w 541510"/>
+              <a:gd name="connsiteY0" fmla="*/ 1 h 1223439"/>
+              <a:gd name="connsiteX1" fmla="*/ 0 w 541510"/>
+              <a:gd name="connsiteY1" fmla="*/ 1223439 h 1223439"/>
+              <a:gd name="connsiteX2" fmla="*/ 0 w 541510"/>
+              <a:gd name="connsiteY2" fmla="*/ 1223437 h 1223439"/>
+              <a:gd name="connsiteX3" fmla="*/ 541509 w 541510"/>
+              <a:gd name="connsiteY3" fmla="*/ 0 h 1223439"/>
+              <a:gd name="connsiteX4" fmla="*/ 541510 w 541510"/>
+              <a:gd name="connsiteY4" fmla="*/ 1 h 1223439"/>
+            </a:gdLst>
+            <a:ahLst/>
+            <a:cxnLst>
+              <a:cxn ang="0">
+                <a:pos x="connsiteX0" y="connsiteY0"/>
+              </a:cxn>
+              <a:cxn ang="0">
+                <a:pos x="connsiteX1" y="connsiteY1"/>
+              </a:cxn>
+              <a:cxn ang="0">
+                <a:pos x="connsiteX2" y="connsiteY2"/>
+              </a:cxn>
+              <a:cxn ang="0">
+                <a:pos x="connsiteX3" y="connsiteY3"/>
+              </a:cxn>
+              <a:cxn ang="0">
+                <a:pos x="connsiteX4" y="connsiteY4"/>
+              </a:cxn>
+            </a:cxnLst>
+            <a:rect l="l" t="t" r="r" b="b"/>
+            <a:pathLst>
+              <a:path w="541510" h="1223439">
+                <a:moveTo>
+                  <a:pt x="541510" y="1"/>
+                </a:moveTo>
+                <a:lnTo>
+                  <a:pt x="0" y="1223439"/>
+                </a:lnTo>
+                <a:lnTo>
+                  <a:pt x="0" y="1223437"/>
+                </a:lnTo>
+                <a:lnTo>
+                  <a:pt x="541509" y="0"/>
+                </a:lnTo>
+                <a:lnTo>
+                  <a:pt x="541510" y="1"/>
+                </a:lnTo>
+                <a:close/>
+              </a:path>
+            </a:pathLst>
+          </a:custGeom>
+          <a:ln w="28575">
+            <a:solidFill>
+              <a:schemeClr val="tx1"/>
+            </a:solidFill>
+          </a:ln>
+        </p:spPr>
+        <p:style>
+          <a:lnRef idx="1">
+            <a:schemeClr val="accent1"/>
+          </a:lnRef>
+          <a:fillRef idx="0">
+            <a:schemeClr val="accent1"/>
+          </a:fillRef>
+          <a:effectRef idx="0">
+            <a:schemeClr val="accent1"/>
+          </a:effectRef>
+          <a:fontRef idx="minor">
+            <a:schemeClr val="tx1"/>
+          </a:fontRef>
+        </p:style>
+        <p:txBody>
+          <a:bodyPr rtlCol="0" anchor="ctr"/>
+          <a:lstStyle/>
+          <a:p>
+            <a:pPr algn="ctr"/>
+            <a:endParaRPr kumimoji="1" lang="ja-JP" altLang="en-US"/>
+          </a:p>
+        </p:txBody>
+      </p:sp>
+      <p:sp>
+        <p:nvSpPr>
+          <p:cNvPr id="53" name="フリーフォーム: 図形 52">
+            <a:extLst>
+              <a:ext uri="{FF2B5EF4-FFF2-40B4-BE49-F238E27FC236}">
+                <a16:creationId xmlns:a16="http://schemas.microsoft.com/office/drawing/2014/main" id="{864BCFCA-0089-4717-B4CA-50F36038EEDD}"/>
+              </a:ext>
+            </a:extLst>
+          </p:cNvPr>
+          <p:cNvSpPr/>
+          <p:nvPr/>
+        </p:nvSpPr>
+        <p:spPr>
+          <a:xfrm rot="20590525">
+            <a:off x="236937" y="4783328"/>
+            <a:ext cx="1572073" cy="1869683"/>
+          </a:xfrm>
+          <a:custGeom>
+            <a:avLst/>
+            <a:gdLst>
+              <a:gd name="connsiteX0" fmla="*/ 1572073 w 1572073"/>
+              <a:gd name="connsiteY0" fmla="*/ 33237 h 1869683"/>
+              <a:gd name="connsiteX1" fmla="*/ 1572073 w 1572073"/>
+              <a:gd name="connsiteY1" fmla="*/ 1373485 h 1869683"/>
+              <a:gd name="connsiteX2" fmla="*/ 1352449 w 1572073"/>
+              <a:gd name="connsiteY2" fmla="*/ 1869683 h 1869683"/>
+              <a:gd name="connsiteX3" fmla="*/ 1245783 w 1572073"/>
+              <a:gd name="connsiteY3" fmla="*/ 1828688 h 1869683"/>
+              <a:gd name="connsiteX4" fmla="*/ 19911 w 1572073"/>
+              <a:gd name="connsiteY4" fmla="*/ 496825 h 1869683"/>
+              <a:gd name="connsiteX5" fmla="*/ 1445226 w 1572073"/>
+              <a:gd name="connsiteY5" fmla="*/ 16977 h 1869683"/>
+              <a:gd name="connsiteX6" fmla="*/ 1572073 w 1572073"/>
+              <a:gd name="connsiteY6" fmla="*/ 33237 h 1869683"/>
+            </a:gdLst>
+            <a:ahLst/>
+            <a:cxnLst>
+              <a:cxn ang="0">
+                <a:pos x="connsiteX0" y="connsiteY0"/>
+              </a:cxn>
+              <a:cxn ang="0">
+                <a:pos x="connsiteX1" y="connsiteY1"/>
+              </a:cxn>
+              <a:cxn ang="0">
+                <a:pos x="connsiteX2" y="connsiteY2"/>
+              </a:cxn>
+              <a:cxn ang="0">
+                <a:pos x="connsiteX3" y="connsiteY3"/>
+              </a:cxn>
+              <a:cxn ang="0">
+                <a:pos x="connsiteX4" y="connsiteY4"/>
+              </a:cxn>
+              <a:cxn ang="0">
+                <a:pos x="connsiteX5" y="connsiteY5"/>
+              </a:cxn>
+              <a:cxn ang="0">
+                <a:pos x="connsiteX6" y="connsiteY6"/>
+              </a:cxn>
+            </a:cxnLst>
+            <a:rect l="l" t="t" r="r" b="b"/>
+            <a:pathLst>
+              <a:path w="1572073" h="1869683">
+                <a:moveTo>
+                  <a:pt x="1572073" y="33237"/>
+                </a:moveTo>
+                <a:lnTo>
+                  <a:pt x="1572073" y="1373485"/>
+                </a:lnTo>
+                <a:lnTo>
+                  <a:pt x="1352449" y="1869683"/>
+                </a:lnTo>
+                <a:lnTo>
+                  <a:pt x="1245783" y="1828688"/>
+                </a:lnTo>
+                <a:cubicBezTo>
+                  <a:pt x="419550" y="1487362"/>
+                  <a:pt x="-111445" y="931225"/>
+                  <a:pt x="19911" y="496825"/>
+                </a:cubicBezTo>
+                <a:cubicBezTo>
+                  <a:pt x="134262" y="118664"/>
+                  <a:pt x="717580" y="-58160"/>
+                  <a:pt x="1445226" y="16977"/>
+                </a:cubicBezTo>
+                <a:lnTo>
+                  <a:pt x="1572073" y="33237"/>
+                </a:lnTo>
+                <a:close/>
+              </a:path>
+            </a:pathLst>
+          </a:custGeom>
+          <a:ln w="28575">
+            <a:solidFill>
+              <a:schemeClr val="tx1"/>
+            </a:solidFill>
+          </a:ln>
+        </p:spPr>
+        <p:style>
+          <a:lnRef idx="1">
+            <a:schemeClr val="accent1"/>
+          </a:lnRef>
+          <a:fillRef idx="0">
+            <a:schemeClr val="accent1"/>
+          </a:fillRef>
+          <a:effectRef idx="0">
+            <a:schemeClr val="accent1"/>
+          </a:effectRef>
+          <a:fontRef idx="minor">
+            <a:schemeClr val="tx1"/>
+          </a:fontRef>
+        </p:style>
+        <p:txBody>
+          <a:bodyPr rtlCol="0" anchor="ctr"/>
+          <a:lstStyle/>
+          <a:p>
+            <a:pPr algn="ctr"/>
+            <a:endParaRPr kumimoji="1" lang="ja-JP" altLang="en-US"/>
+          </a:p>
+        </p:txBody>
+      </p:sp>
+      <p:sp>
+        <p:nvSpPr>
+          <p:cNvPr id="52" name="フリーフォーム: 図形 51">
+            <a:extLst>
+              <a:ext uri="{FF2B5EF4-FFF2-40B4-BE49-F238E27FC236}">
+                <a16:creationId xmlns:a16="http://schemas.microsoft.com/office/drawing/2014/main" id="{0A252BF2-87EC-4896-8887-2CFA03B8A5D2}"/>
+              </a:ext>
+            </a:extLst>
+          </p:cNvPr>
+          <p:cNvSpPr/>
+          <p:nvPr/>
+        </p:nvSpPr>
+        <p:spPr>
+          <a:xfrm rot="20590525">
+            <a:off x="1770270" y="5930055"/>
+            <a:ext cx="219624" cy="572602"/>
+          </a:xfrm>
+          <a:custGeom>
+            <a:avLst/>
+            <a:gdLst>
+              <a:gd name="connsiteX0" fmla="*/ 219624 w 219624"/>
+              <a:gd name="connsiteY0" fmla="*/ 0 h 572602"/>
+              <a:gd name="connsiteX1" fmla="*/ 219624 w 219624"/>
+              <a:gd name="connsiteY1" fmla="*/ 572602 h 572602"/>
+              <a:gd name="connsiteX2" fmla="*/ 74769 w 219624"/>
+              <a:gd name="connsiteY2" fmla="*/ 524931 h 572602"/>
+              <a:gd name="connsiteX3" fmla="*/ 0 w 219624"/>
+              <a:gd name="connsiteY3" fmla="*/ 496196 h 572602"/>
+              <a:gd name="connsiteX4" fmla="*/ 0 w 219624"/>
+              <a:gd name="connsiteY4" fmla="*/ 496196 h 572602"/>
+              <a:gd name="connsiteX5" fmla="*/ 1 w 219624"/>
+              <a:gd name="connsiteY5" fmla="*/ 496196 h 572602"/>
+              <a:gd name="connsiteX6" fmla="*/ 219624 w 219624"/>
+              <a:gd name="connsiteY6" fmla="*/ 0 h 572602"/>
+            </a:gdLst>
+            <a:ahLst/>
+            <a:cxnLst>
+              <a:cxn ang="0">
+                <a:pos x="connsiteX0" y="connsiteY0"/>
+              </a:cxn>
+              <a:cxn ang="0">
+                <a:pos x="connsiteX1" y="connsiteY1"/>
+              </a:cxn>
+              <a:cxn ang="0">
+                <a:pos x="connsiteX2" y="connsiteY2"/>
+              </a:cxn>
+              <a:cxn ang="0">
+                <a:pos x="connsiteX3" y="connsiteY3"/>
+              </a:cxn>
+              <a:cxn ang="0">
+                <a:pos x="connsiteX4" y="connsiteY4"/>
+              </a:cxn>
+              <a:cxn ang="0">
+                <a:pos x="connsiteX5" y="connsiteY5"/>
+              </a:cxn>
+              <a:cxn ang="0">
+                <a:pos x="connsiteX6" y="connsiteY6"/>
+              </a:cxn>
+            </a:cxnLst>
+            <a:rect l="l" t="t" r="r" b="b"/>
+            <a:pathLst>
+              <a:path w="219624" h="572602">
+                <a:moveTo>
+                  <a:pt x="219624" y="0"/>
+                </a:moveTo>
+                <a:lnTo>
+                  <a:pt x="219624" y="572602"/>
+                </a:lnTo>
+                <a:lnTo>
+                  <a:pt x="74769" y="524931"/>
+                </a:lnTo>
+                <a:lnTo>
+                  <a:pt x="0" y="496196"/>
+                </a:lnTo>
+                <a:lnTo>
+                  <a:pt x="0" y="496196"/>
+                </a:lnTo>
+                <a:lnTo>
+                  <a:pt x="1" y="496196"/>
+                </a:lnTo>
+                <a:lnTo>
+                  <a:pt x="219624" y="0"/>
+                </a:lnTo>
+                <a:close/>
+              </a:path>
+            </a:pathLst>
+          </a:custGeom>
+          <a:ln w="28575">
+            <a:solidFill>
+              <a:schemeClr val="tx1"/>
+            </a:solidFill>
+          </a:ln>
+        </p:spPr>
+        <p:style>
+          <a:lnRef idx="1">
+            <a:schemeClr val="accent1"/>
+          </a:lnRef>
+          <a:fillRef idx="0">
+            <a:schemeClr val="accent1"/>
+          </a:fillRef>
+          <a:effectRef idx="0">
+            <a:schemeClr val="accent1"/>
+          </a:effectRef>
+          <a:fontRef idx="minor">
+            <a:schemeClr val="tx1"/>
+          </a:fontRef>
+        </p:style>
+        <p:txBody>
+          <a:bodyPr rtlCol="0" anchor="ctr"/>
+          <a:lstStyle/>
+          <a:p>
+            <a:pPr algn="ctr"/>
+            <a:endParaRPr kumimoji="1" lang="ja-JP" altLang="en-US"/>
+          </a:p>
+        </p:txBody>
+      </p:sp>
+      <p:cxnSp>
+        <p:nvCxnSpPr>
+          <p:cNvPr id="5" name="直線コネクタ 4">
+            <a:extLst>
+              <a:ext uri="{FF2B5EF4-FFF2-40B4-BE49-F238E27FC236}">
+                <a16:creationId xmlns:a16="http://schemas.microsoft.com/office/drawing/2014/main" id="{C391E217-E612-4C34-B99C-BA566A3A890D}"/>
+              </a:ext>
+            </a:extLst>
+          </p:cNvPr>
+          <p:cNvCxnSpPr>
+            <a:cxnSpLocks/>
+          </p:cNvCxnSpPr>
+          <p:nvPr/>
+        </p:nvCxnSpPr>
+        <p:spPr>
+          <a:xfrm>
+            <a:off x="1378522" y="4204475"/>
+            <a:ext cx="803189" cy="2718486"/>
+          </a:xfrm>
+          <a:prstGeom prst="line">
+            <a:avLst/>
+          </a:prstGeom>
+          <a:ln w="38100" cmpd="sng">
+            <a:solidFill>
+              <a:srgbClr val="00B0F0"/>
+            </a:solidFill>
+          </a:ln>
+        </p:spPr>
+        <p:style>
+          <a:lnRef idx="1">
+            <a:schemeClr val="dk1"/>
+          </a:lnRef>
+          <a:fillRef idx="0">
+            <a:schemeClr val="dk1"/>
+          </a:fillRef>
+          <a:effectRef idx="0">
+            <a:schemeClr val="dk1"/>
+          </a:effectRef>
+          <a:fontRef idx="minor">
+            <a:schemeClr val="tx1"/>
+          </a:fontRef>
+        </p:style>
+      </p:cxnSp>
+      <p:cxnSp>
+        <p:nvCxnSpPr>
+          <p:cNvPr id="6" name="直線コネクタ 5">
+            <a:extLst>
+              <a:ext uri="{FF2B5EF4-FFF2-40B4-BE49-F238E27FC236}">
+                <a16:creationId xmlns:a16="http://schemas.microsoft.com/office/drawing/2014/main" id="{BB314CF0-5893-4731-84E5-21A560F2AECB}"/>
+              </a:ext>
+            </a:extLst>
+          </p:cNvPr>
+          <p:cNvCxnSpPr>
+            <a:cxnSpLocks/>
+          </p:cNvCxnSpPr>
+          <p:nvPr/>
+        </p:nvCxnSpPr>
+        <p:spPr>
+          <a:xfrm flipH="1">
+            <a:off x="1758493" y="4223010"/>
+            <a:ext cx="333632" cy="2681416"/>
+          </a:xfrm>
+          <a:prstGeom prst="line">
+            <a:avLst/>
+          </a:prstGeom>
+          <a:ln w="38100">
+            <a:solidFill>
+              <a:srgbClr val="00B0F0"/>
+            </a:solidFill>
+          </a:ln>
+        </p:spPr>
+        <p:style>
+          <a:lnRef idx="1">
+            <a:schemeClr val="dk1"/>
+          </a:lnRef>
+          <a:fillRef idx="0">
+            <a:schemeClr val="dk1"/>
+          </a:fillRef>
+          <a:effectRef idx="0">
+            <a:schemeClr val="dk1"/>
+          </a:effectRef>
+          <a:fontRef idx="minor">
+            <a:schemeClr val="tx1"/>
+          </a:fontRef>
+        </p:style>
+      </p:cxnSp>
+      <p:sp>
+        <p:nvSpPr>
+          <p:cNvPr id="59" name="フリーフォーム: 図形 58">
+            <a:extLst>
+              <a:ext uri="{FF2B5EF4-FFF2-40B4-BE49-F238E27FC236}">
+                <a16:creationId xmlns:a16="http://schemas.microsoft.com/office/drawing/2014/main" id="{C03C57D2-10EB-4D8D-818B-30962A0A3048}"/>
+              </a:ext>
+            </a:extLst>
+          </p:cNvPr>
+          <p:cNvSpPr/>
+          <p:nvPr/>
+        </p:nvSpPr>
+        <p:spPr>
+          <a:xfrm rot="20590525">
+            <a:off x="6063684" y="4166434"/>
+            <a:ext cx="2205342" cy="1973796"/>
+          </a:xfrm>
+          <a:custGeom>
+            <a:avLst/>
+            <a:gdLst>
+              <a:gd name="connsiteX0" fmla="*/ 588453 w 2205342"/>
+              <a:gd name="connsiteY0" fmla="*/ 12960 h 1973796"/>
+              <a:gd name="connsiteX1" fmla="*/ 2185431 w 2205342"/>
+              <a:gd name="connsiteY1" fmla="*/ 1476972 h 1973796"/>
+              <a:gd name="connsiteX2" fmla="*/ 44815 w 2205342"/>
+              <a:gd name="connsiteY2" fmla="*/ 1810789 h 1973796"/>
+              <a:gd name="connsiteX3" fmla="*/ 0 w 2205342"/>
+              <a:gd name="connsiteY3" fmla="*/ 1796041 h 1973796"/>
+              <a:gd name="connsiteX4" fmla="*/ 0 w 2205342"/>
+              <a:gd name="connsiteY4" fmla="*/ 1223439 h 1973796"/>
+              <a:gd name="connsiteX5" fmla="*/ 541510 w 2205342"/>
+              <a:gd name="connsiteY5" fmla="*/ 1 h 1973796"/>
+              <a:gd name="connsiteX6" fmla="*/ 541509 w 2205342"/>
+              <a:gd name="connsiteY6" fmla="*/ 0 h 1973796"/>
+              <a:gd name="connsiteX7" fmla="*/ 541509 w 2205342"/>
+              <a:gd name="connsiteY7" fmla="*/ 0 h 1973796"/>
+              <a:gd name="connsiteX8" fmla="*/ 588453 w 2205342"/>
+              <a:gd name="connsiteY8" fmla="*/ 12960 h 1973796"/>
+            </a:gdLst>
+            <a:ahLst/>
+            <a:cxnLst>
+              <a:cxn ang="0">
+                <a:pos x="connsiteX0" y="connsiteY0"/>
+              </a:cxn>
+              <a:cxn ang="0">
+                <a:pos x="connsiteX1" y="connsiteY1"/>
+              </a:cxn>
+              <a:cxn ang="0">
+                <a:pos x="connsiteX2" y="connsiteY2"/>
+              </a:cxn>
+              <a:cxn ang="0">
+                <a:pos x="connsiteX3" y="connsiteY3"/>
+              </a:cxn>
+              <a:cxn ang="0">
+                <a:pos x="connsiteX4" y="connsiteY4"/>
+              </a:cxn>
+              <a:cxn ang="0">
+                <a:pos x="connsiteX5" y="connsiteY5"/>
+              </a:cxn>
+              <a:cxn ang="0">
+                <a:pos x="connsiteX6" y="connsiteY6"/>
+              </a:cxn>
+              <a:cxn ang="0">
+                <a:pos x="connsiteX7" y="connsiteY7"/>
+              </a:cxn>
+              <a:cxn ang="0">
+                <a:pos x="connsiteX8" y="connsiteY8"/>
+              </a:cxn>
+            </a:cxnLst>
+            <a:rect l="l" t="t" r="r" b="b"/>
+            <a:pathLst>
+              <a:path w="2205342" h="1973796">
+                <a:moveTo>
+                  <a:pt x="588453" y="12960"/>
+                </a:moveTo>
+                <a:cubicBezTo>
+                  <a:pt x="1620561" y="325055"/>
+                  <a:pt x="2335552" y="980515"/>
+                  <a:pt x="2185431" y="1476972"/>
+                </a:cubicBezTo>
+                <a:cubicBezTo>
+                  <a:pt x="2035309" y="1973429"/>
+                  <a:pt x="1076923" y="2122884"/>
+                  <a:pt x="44815" y="1810789"/>
+                </a:cubicBezTo>
+                <a:lnTo>
+                  <a:pt x="0" y="1796041"/>
+                </a:lnTo>
+                <a:lnTo>
+                  <a:pt x="0" y="1223439"/>
+                </a:lnTo>
+                <a:lnTo>
+                  <a:pt x="541510" y="1"/>
+                </a:lnTo>
+                <a:lnTo>
+                  <a:pt x="541509" y="0"/>
+                </a:lnTo>
+                <a:lnTo>
+                  <a:pt x="541509" y="0"/>
+                </a:lnTo>
+                <a:lnTo>
+                  <a:pt x="588453" y="12960"/>
+                </a:lnTo>
+                <a:close/>
+              </a:path>
+            </a:pathLst>
+          </a:custGeom>
+          <a:ln w="28575">
+            <a:solidFill>
+              <a:schemeClr val="tx1"/>
+            </a:solidFill>
+          </a:ln>
+        </p:spPr>
+        <p:style>
+          <a:lnRef idx="1">
+            <a:schemeClr val="accent1"/>
+          </a:lnRef>
+          <a:fillRef idx="0">
+            <a:schemeClr val="accent1"/>
+          </a:fillRef>
+          <a:effectRef idx="0">
+            <a:schemeClr val="accent1"/>
+          </a:effectRef>
+          <a:fontRef idx="minor">
+            <a:schemeClr val="tx1"/>
+          </a:fontRef>
+        </p:style>
+        <p:txBody>
+          <a:bodyPr rtlCol="0" anchor="ctr"/>
+          <a:lstStyle/>
+          <a:p>
+            <a:pPr algn="ctr"/>
+            <a:endParaRPr kumimoji="1" lang="ja-JP" altLang="en-US"/>
+          </a:p>
+        </p:txBody>
+      </p:sp>
+      <p:sp>
+        <p:nvSpPr>
+          <p:cNvPr id="60" name="矢印: 右 59">
+            <a:extLst>
+              <a:ext uri="{FF2B5EF4-FFF2-40B4-BE49-F238E27FC236}">
+                <a16:creationId xmlns:a16="http://schemas.microsoft.com/office/drawing/2014/main" id="{23548A75-6492-4375-AFBE-9D64B52ED912}"/>
+              </a:ext>
+            </a:extLst>
+          </p:cNvPr>
+          <p:cNvSpPr/>
+          <p:nvPr/>
+        </p:nvSpPr>
+        <p:spPr>
+          <a:xfrm>
+            <a:off x="4818647" y="5083423"/>
+            <a:ext cx="539780" cy="885713"/>
+          </a:xfrm>
+          <a:prstGeom prst="rightArrow">
+            <a:avLst/>
+          </a:prstGeom>
+          <a:solidFill>
+            <a:srgbClr val="FFC000"/>
+          </a:solidFill>
+          <a:ln w="28575">
+            <a:solidFill>
+              <a:srgbClr val="FFC000"/>
+            </a:solidFill>
+          </a:ln>
+        </p:spPr>
+        <p:style>
+          <a:lnRef idx="1">
+            <a:schemeClr val="accent1"/>
+          </a:lnRef>
+          <a:fillRef idx="0">
+            <a:schemeClr val="accent1"/>
+          </a:fillRef>
+          <a:effectRef idx="0">
+            <a:schemeClr val="accent1"/>
+          </a:effectRef>
+          <a:fontRef idx="minor">
+            <a:schemeClr val="tx1"/>
+          </a:fontRef>
+        </p:style>
+        <p:txBody>
+          <a:bodyPr rtlCol="0" anchor="ctr"/>
+          <a:lstStyle/>
+          <a:p>
+            <a:pPr algn="ctr"/>
+            <a:endParaRPr kumimoji="1" lang="ja-JP" altLang="en-US"/>
+          </a:p>
+        </p:txBody>
+      </p:sp>
+      <mc:AlternateContent xmlns:mc="http://schemas.openxmlformats.org/markup-compatibility/2006">
+        <mc:Choice xmlns:a14="http://schemas.microsoft.com/office/drawing/2010/main" Requires="a14">
+          <p:sp>
+            <p:nvSpPr>
+              <p:cNvPr id="62" name="テキスト ボックス 61">
+                <a:extLst>
+                  <a:ext uri="{FF2B5EF4-FFF2-40B4-BE49-F238E27FC236}">
+                    <a16:creationId xmlns:a16="http://schemas.microsoft.com/office/drawing/2014/main" id="{6611BFD7-865B-4F5E-870F-65ACBBDDDCEE}"/>
+                  </a:ext>
+                </a:extLst>
+              </p:cNvPr>
+              <p:cNvSpPr txBox="1"/>
+              <p:nvPr/>
+            </p:nvSpPr>
+            <p:spPr>
+              <a:xfrm>
+                <a:off x="6351898" y="4619141"/>
+                <a:ext cx="1628913" cy="646459"/>
+              </a:xfrm>
+              <a:prstGeom prst="rect">
+                <a:avLst/>
+              </a:prstGeom>
+              <a:noFill/>
+            </p:spPr>
+            <p:txBody>
+              <a:bodyPr wrap="square" rtlCol="0">
+                <a:spAutoFit/>
+              </a:bodyPr>
+              <a:lstStyle/>
+              <a:p>
+                <a:pPr algn="l"/>
+                <a14:m>
+                  <m:oMathPara xmlns:m="http://schemas.openxmlformats.org/officeDocument/2006/math">
+                    <m:oMathParaPr>
+                      <m:jc m:val="centerGroup"/>
+                    </m:oMathParaPr>
+                    <m:oMath xmlns:m="http://schemas.openxmlformats.org/officeDocument/2006/math">
+                      <m:r>
+                        <a:rPr kumimoji="1" lang="en-US" altLang="ja-JP" sz="3600" b="0" i="1" smtClean="0">
+                          <a:solidFill>
+                            <a:schemeClr val="tx1"/>
+                          </a:solidFill>
+                          <a:latin typeface="Cambria Math" panose="02040503050406030204" pitchFamily="18" charset="0"/>
+                          <a:ea typeface="メイリオ" panose="020B0604030504040204" pitchFamily="50" charset="-128"/>
+                        </a:rPr>
+                        <m:t>𝐶</m:t>
+                      </m:r>
+                    </m:oMath>
+                  </m:oMathPara>
+                </a14:m>
+                <a:endParaRPr kumimoji="1" lang="ja-JP" altLang="en-US" sz="3600" dirty="0">
+                  <a:solidFill>
+                    <a:schemeClr val="tx1"/>
+                  </a:solidFill>
+                  <a:latin typeface="メイリオ" panose="020B0604030504040204" pitchFamily="50" charset="-128"/>
+                  <a:ea typeface="メイリオ" panose="020B0604030504040204" pitchFamily="50" charset="-128"/>
+                </a:endParaRPr>
+              </a:p>
+            </p:txBody>
+          </p:sp>
+        </mc:Choice>
+        <mc:Fallback>
+          <p:sp>
+            <p:nvSpPr>
+              <p:cNvPr id="62" name="テキスト ボックス 61">
+                <a:extLst>
+                  <a:ext uri="{FF2B5EF4-FFF2-40B4-BE49-F238E27FC236}">
+                    <a16:creationId xmlns:a16="http://schemas.microsoft.com/office/drawing/2014/main" id="{6611BFD7-865B-4F5E-870F-65ACBBDDDCEE}"/>
+                  </a:ext>
+                </a:extLst>
+              </p:cNvPr>
+              <p:cNvSpPr txBox="1">
+                <a:spLocks noRot="1" noChangeAspect="1" noMove="1" noResize="1" noEditPoints="1" noAdjustHandles="1" noChangeArrowheads="1" noChangeShapeType="1" noTextEdit="1"/>
+              </p:cNvSpPr>
+              <p:nvPr/>
+            </p:nvSpPr>
+            <p:spPr>
+              <a:xfrm>
+                <a:off x="6351898" y="4619141"/>
+                <a:ext cx="1628913" cy="646459"/>
+              </a:xfrm>
+              <a:prstGeom prst="rect">
+                <a:avLst/>
+              </a:prstGeom>
+              <a:blipFill>
+                <a:blip r:embed="rId6"/>
+                <a:stretch>
+                  <a:fillRect/>
+                </a:stretch>
+              </a:blipFill>
+            </p:spPr>
+            <p:txBody>
+              <a:bodyPr/>
+              <a:lstStyle/>
+              <a:p>
+                <a:r>
+                  <a:rPr lang="ja-JP" altLang="en-US">
+                    <a:noFill/>
+                  </a:rPr>
+                  <a:t> </a:t>
+                </a:r>
+              </a:p>
+            </p:txBody>
+          </p:sp>
+        </mc:Fallback>
+      </mc:AlternateContent>
+      <mc:AlternateContent xmlns:mc="http://schemas.openxmlformats.org/markup-compatibility/2006">
+        <mc:Choice xmlns:a14="http://schemas.microsoft.com/office/drawing/2010/main" Requires="a14">
+          <p:sp>
+            <p:nvSpPr>
+              <p:cNvPr id="63" name="テキスト ボックス 62">
+                <a:extLst>
+                  <a:ext uri="{FF2B5EF4-FFF2-40B4-BE49-F238E27FC236}">
+                    <a16:creationId xmlns:a16="http://schemas.microsoft.com/office/drawing/2014/main" id="{1830D9AD-A1A0-40F9-B5D7-BDF694FB4133}"/>
+                  </a:ext>
+                </a:extLst>
+              </p:cNvPr>
+              <p:cNvSpPr txBox="1"/>
+              <p:nvPr/>
+            </p:nvSpPr>
+            <p:spPr>
+              <a:xfrm>
+                <a:off x="6351898" y="6186314"/>
+                <a:ext cx="2975066" cy="461665"/>
+              </a:xfrm>
+              <a:prstGeom prst="rect">
+                <a:avLst/>
+              </a:prstGeom>
+              <a:noFill/>
+            </p:spPr>
+            <p:txBody>
+              <a:bodyPr wrap="square" rtlCol="0">
+                <a:spAutoFit/>
+              </a:bodyPr>
+              <a:lstStyle/>
+              <a:p>
+                <a:pPr algn="l"/>
+                <a14:m>
+                  <m:oMathPara xmlns:m="http://schemas.openxmlformats.org/officeDocument/2006/math">
+                    <m:oMathParaPr>
+                      <m:jc m:val="centerGroup"/>
+                    </m:oMathParaPr>
+                    <m:oMath xmlns:m="http://schemas.openxmlformats.org/officeDocument/2006/math">
+                      <m:d>
+                        <m:dPr>
+                          <m:begChr m:val="|"/>
+                          <m:endChr m:val="|"/>
+                          <m:ctrlPr>
+                            <a:rPr kumimoji="1" lang="en-US" altLang="ja-JP" sz="2400" b="0" i="1" smtClean="0">
+                              <a:solidFill>
+                                <a:schemeClr val="tx1"/>
+                              </a:solidFill>
+                              <a:latin typeface="Cambria Math" panose="02040503050406030204" pitchFamily="18" charset="0"/>
+                              <a:ea typeface="メイリオ" panose="020B0604030504040204" pitchFamily="50" charset="-128"/>
+                            </a:rPr>
+                          </m:ctrlPr>
+                        </m:dPr>
+                        <m:e>
+                          <m:r>
+                            <a:rPr kumimoji="1" lang="en-US" altLang="ja-JP" sz="2400" b="0" i="1" smtClean="0">
+                              <a:solidFill>
+                                <a:schemeClr val="tx1"/>
+                              </a:solidFill>
+                              <a:latin typeface="Cambria Math" panose="02040503050406030204" pitchFamily="18" charset="0"/>
+                              <a:ea typeface="メイリオ" panose="020B0604030504040204" pitchFamily="50" charset="-128"/>
+                            </a:rPr>
+                            <m:t>𝐶</m:t>
+                          </m:r>
+                        </m:e>
+                      </m:d>
+                      <m:r>
+                        <a:rPr kumimoji="1" lang="en-US" altLang="ja-JP" sz="2400" b="0" i="1" smtClean="0">
+                          <a:solidFill>
+                            <a:schemeClr val="tx1"/>
+                          </a:solidFill>
+                          <a:latin typeface="Cambria Math" panose="02040503050406030204" pitchFamily="18" charset="0"/>
+                          <a:ea typeface="メイリオ" panose="020B0604030504040204" pitchFamily="50" charset="-128"/>
+                        </a:rPr>
+                        <m:t>≤ </m:t>
+                      </m:r>
+                      <m:d>
+                        <m:dPr>
+                          <m:ctrlPr>
+                            <a:rPr kumimoji="1" lang="en-US" altLang="ja-JP" sz="2400" b="0" i="1" smtClean="0">
+                              <a:solidFill>
+                                <a:schemeClr val="tx1"/>
+                              </a:solidFill>
+                              <a:latin typeface="Cambria Math" panose="02040503050406030204" pitchFamily="18" charset="0"/>
+                              <a:ea typeface="メイリオ" panose="020B0604030504040204" pitchFamily="50" charset="-128"/>
+                            </a:rPr>
+                          </m:ctrlPr>
+                        </m:dPr>
+                        <m:e>
+                          <m:r>
+                            <a:rPr kumimoji="1" lang="en-US" altLang="ja-JP" sz="2400" b="0" i="1" smtClean="0">
+                              <a:solidFill>
+                                <a:schemeClr val="tx1"/>
+                              </a:solidFill>
+                              <a:latin typeface="Cambria Math" panose="02040503050406030204" pitchFamily="18" charset="0"/>
+                              <a:ea typeface="メイリオ" panose="020B0604030504040204" pitchFamily="50" charset="-128"/>
+                            </a:rPr>
+                            <m:t>𝛼</m:t>
+                          </m:r>
+                          <m:r>
+                            <a:rPr kumimoji="1" lang="en-US" altLang="ja-JP" sz="2400" b="0" i="1" smtClean="0">
+                              <a:solidFill>
+                                <a:schemeClr val="tx1"/>
+                              </a:solidFill>
+                              <a:latin typeface="Cambria Math" panose="02040503050406030204" pitchFamily="18" charset="0"/>
+                              <a:ea typeface="メイリオ" panose="020B0604030504040204" pitchFamily="50" charset="-128"/>
+                            </a:rPr>
+                            <m:t>+</m:t>
+                          </m:r>
+                          <m:r>
+                            <a:rPr kumimoji="1" lang="en-US" altLang="ja-JP" sz="2400" b="0" i="1" smtClean="0">
+                              <a:solidFill>
+                                <a:schemeClr val="tx1"/>
+                              </a:solidFill>
+                              <a:latin typeface="Cambria Math" panose="02040503050406030204" pitchFamily="18" charset="0"/>
+                              <a:ea typeface="メイリオ" panose="020B0604030504040204" pitchFamily="50" charset="-128"/>
+                            </a:rPr>
+                            <m:t>𝜀</m:t>
+                          </m:r>
+                        </m:e>
+                      </m:d>
+                      <m:r>
+                        <a:rPr kumimoji="1" lang="en-US" altLang="ja-JP" sz="2400" b="0" i="1" smtClean="0">
+                          <a:solidFill>
+                            <a:schemeClr val="tx1"/>
+                          </a:solidFill>
+                          <a:latin typeface="Cambria Math" panose="02040503050406030204" pitchFamily="18" charset="0"/>
+                          <a:ea typeface="メイリオ" panose="020B0604030504040204" pitchFamily="50" charset="-128"/>
+                        </a:rPr>
+                        <m:t>𝑛</m:t>
+                      </m:r>
+                    </m:oMath>
+                  </m:oMathPara>
+                </a14:m>
+                <a:endParaRPr kumimoji="1" lang="ja-JP" altLang="en-US" sz="2400" dirty="0">
+                  <a:solidFill>
+                    <a:schemeClr val="tx1"/>
+                  </a:solidFill>
+                  <a:latin typeface="メイリオ" panose="020B0604030504040204" pitchFamily="50" charset="-128"/>
+                  <a:ea typeface="メイリオ" panose="020B0604030504040204" pitchFamily="50" charset="-128"/>
+                </a:endParaRPr>
+              </a:p>
+            </p:txBody>
+          </p:sp>
+        </mc:Choice>
+        <mc:Fallback>
+          <p:sp>
+            <p:nvSpPr>
+              <p:cNvPr id="63" name="テキスト ボックス 62">
+                <a:extLst>
+                  <a:ext uri="{FF2B5EF4-FFF2-40B4-BE49-F238E27FC236}">
+                    <a16:creationId xmlns:a16="http://schemas.microsoft.com/office/drawing/2014/main" id="{1830D9AD-A1A0-40F9-B5D7-BDF694FB4133}"/>
+                  </a:ext>
+                </a:extLst>
+              </p:cNvPr>
+              <p:cNvSpPr txBox="1">
+                <a:spLocks noRot="1" noChangeAspect="1" noMove="1" noResize="1" noEditPoints="1" noAdjustHandles="1" noChangeArrowheads="1" noChangeShapeType="1" noTextEdit="1"/>
+              </p:cNvSpPr>
+              <p:nvPr/>
+            </p:nvSpPr>
+            <p:spPr>
+              <a:xfrm>
+                <a:off x="6351898" y="6186314"/>
+                <a:ext cx="2975066" cy="461665"/>
+              </a:xfrm>
+              <a:prstGeom prst="rect">
+                <a:avLst/>
+              </a:prstGeom>
+              <a:blipFill>
+                <a:blip r:embed="rId7"/>
+                <a:stretch>
+                  <a:fillRect/>
+                </a:stretch>
+              </a:blipFill>
+            </p:spPr>
+            <p:txBody>
+              <a:bodyPr/>
+              <a:lstStyle/>
+              <a:p>
+                <a:r>
+                  <a:rPr lang="ja-JP" altLang="en-US">
+                    <a:noFill/>
+                  </a:rPr>
+                  <a:t> </a:t>
+                </a:r>
+              </a:p>
+            </p:txBody>
+          </p:sp>
+        </mc:Fallback>
+      </mc:AlternateContent>
+      <mc:AlternateContent xmlns:mc="http://schemas.openxmlformats.org/markup-compatibility/2006">
+        <mc:Choice xmlns:a14="http://schemas.microsoft.com/office/drawing/2010/main" Requires="a14">
+          <p:sp>
+            <p:nvSpPr>
+              <p:cNvPr id="64" name="楕円 63">
+                <a:extLst>
+                  <a:ext uri="{FF2B5EF4-FFF2-40B4-BE49-F238E27FC236}">
+                    <a16:creationId xmlns:a16="http://schemas.microsoft.com/office/drawing/2014/main" id="{B511C50F-E437-4446-94B6-7BF84615B80B}"/>
+                  </a:ext>
+                </a:extLst>
+              </p:cNvPr>
+              <p:cNvSpPr/>
+              <p:nvPr/>
+            </p:nvSpPr>
+            <p:spPr>
+              <a:xfrm>
+                <a:off x="343735" y="5397232"/>
+                <a:ext cx="360000" cy="360000"/>
+              </a:xfrm>
+              <a:prstGeom prst="ellipse">
+                <a:avLst/>
+              </a:prstGeom>
+              <a:ln w="28575">
+                <a:solidFill>
+                  <a:srgbClr val="00B0F0"/>
+                </a:solidFill>
+              </a:ln>
+            </p:spPr>
+            <p:style>
+              <a:lnRef idx="1">
+                <a:schemeClr val="accent1"/>
+              </a:lnRef>
+              <a:fillRef idx="0">
+                <a:schemeClr val="accent1"/>
+              </a:fillRef>
+              <a:effectRef idx="0">
+                <a:schemeClr val="accent1"/>
+              </a:effectRef>
+              <a:fontRef idx="minor">
+                <a:schemeClr val="tx1"/>
+              </a:fontRef>
+            </p:style>
+            <p:txBody>
+              <a:bodyPr rtlCol="0" anchor="ctr"/>
+              <a:lstStyle/>
+              <a:p>
+                <a:pPr algn="ctr"/>
+                <a14:m>
+                  <m:oMathPara xmlns:m="http://schemas.openxmlformats.org/officeDocument/2006/math">
+                    <m:oMathParaPr>
+                      <m:jc m:val="centerGroup"/>
+                    </m:oMathParaPr>
+                    <m:oMath xmlns:m="http://schemas.openxmlformats.org/officeDocument/2006/math">
+                      <m:r>
+                        <a:rPr kumimoji="1" lang="en-US" altLang="ja-JP" b="0" i="1" smtClean="0">
+                          <a:latin typeface="Cambria Math" panose="02040503050406030204" pitchFamily="18" charset="0"/>
+                        </a:rPr>
+                        <m:t>𝑠</m:t>
+                      </m:r>
+                    </m:oMath>
+                  </m:oMathPara>
+                </a14:m>
+                <a:endParaRPr kumimoji="1" lang="ja-JP" altLang="en-US" dirty="0"/>
+              </a:p>
+            </p:txBody>
+          </p:sp>
+        </mc:Choice>
+        <mc:Fallback>
+          <p:sp>
+            <p:nvSpPr>
+              <p:cNvPr id="64" name="楕円 63">
+                <a:extLst>
+                  <a:ext uri="{FF2B5EF4-FFF2-40B4-BE49-F238E27FC236}">
+                    <a16:creationId xmlns:a16="http://schemas.microsoft.com/office/drawing/2014/main" id="{B511C50F-E437-4446-94B6-7BF84615B80B}"/>
+                  </a:ext>
+                </a:extLst>
+              </p:cNvPr>
+              <p:cNvSpPr>
+                <a:spLocks noRot="1" noChangeAspect="1" noMove="1" noResize="1" noEditPoints="1" noAdjustHandles="1" noChangeArrowheads="1" noChangeShapeType="1" noTextEdit="1"/>
+              </p:cNvSpPr>
+              <p:nvPr/>
+            </p:nvSpPr>
+            <p:spPr>
+              <a:xfrm>
+                <a:off x="343735" y="5397232"/>
+                <a:ext cx="360000" cy="360000"/>
+              </a:xfrm>
+              <a:prstGeom prst="ellipse">
+                <a:avLst/>
+              </a:prstGeom>
+              <a:blipFill>
+                <a:blip r:embed="rId8"/>
+                <a:stretch>
+                  <a:fillRect/>
+                </a:stretch>
+              </a:blipFill>
+              <a:ln w="28575">
+                <a:solidFill>
+                  <a:srgbClr val="00B0F0"/>
+                </a:solidFill>
+              </a:ln>
+            </p:spPr>
+            <p:txBody>
+              <a:bodyPr/>
+              <a:lstStyle/>
+              <a:p>
+                <a:r>
+                  <a:rPr lang="ja-JP" altLang="en-US">
+                    <a:noFill/>
+                  </a:rPr>
+                  <a:t> </a:t>
+                </a:r>
+              </a:p>
+            </p:txBody>
+          </p:sp>
+        </mc:Fallback>
+      </mc:AlternateContent>
+      <mc:AlternateContent xmlns:mc="http://schemas.openxmlformats.org/markup-compatibility/2006">
+        <mc:Choice xmlns:a14="http://schemas.microsoft.com/office/drawing/2010/main" Requires="a14">
+          <p:sp>
+            <p:nvSpPr>
+              <p:cNvPr id="65" name="楕円 64">
+                <a:extLst>
+                  <a:ext uri="{FF2B5EF4-FFF2-40B4-BE49-F238E27FC236}">
+                    <a16:creationId xmlns:a16="http://schemas.microsoft.com/office/drawing/2014/main" id="{9CF3A371-F115-4317-AE46-284663DEE7DD}"/>
+                  </a:ext>
+                </a:extLst>
+              </p:cNvPr>
+              <p:cNvSpPr/>
+              <p:nvPr/>
+            </p:nvSpPr>
+            <p:spPr>
+              <a:xfrm>
+                <a:off x="3591325" y="5364409"/>
+                <a:ext cx="360000" cy="360000"/>
+              </a:xfrm>
+              <a:prstGeom prst="ellipse">
+                <a:avLst/>
+              </a:prstGeom>
+              <a:ln w="28575">
+                <a:solidFill>
+                  <a:srgbClr val="00B0F0"/>
+                </a:solidFill>
+              </a:ln>
+            </p:spPr>
+            <p:style>
+              <a:lnRef idx="1">
+                <a:schemeClr val="accent1"/>
+              </a:lnRef>
+              <a:fillRef idx="0">
+                <a:schemeClr val="accent1"/>
+              </a:fillRef>
+              <a:effectRef idx="0">
+                <a:schemeClr val="accent1"/>
+              </a:effectRef>
+              <a:fontRef idx="minor">
+                <a:schemeClr val="tx1"/>
+              </a:fontRef>
+            </p:style>
+            <p:txBody>
+              <a:bodyPr rtlCol="0" anchor="ctr"/>
+              <a:lstStyle/>
+              <a:p>
+                <a:pPr algn="ctr"/>
+                <a14:m>
+                  <m:oMathPara xmlns:m="http://schemas.openxmlformats.org/officeDocument/2006/math">
+                    <m:oMathParaPr>
+                      <m:jc m:val="centerGroup"/>
+                    </m:oMathParaPr>
+                    <m:oMath xmlns:m="http://schemas.openxmlformats.org/officeDocument/2006/math">
+                      <m:r>
+                        <a:rPr kumimoji="1" lang="en-US" altLang="ja-JP" b="0" i="1" smtClean="0">
+                          <a:latin typeface="Cambria Math" panose="02040503050406030204" pitchFamily="18" charset="0"/>
+                        </a:rPr>
+                        <m:t>𝑡</m:t>
+                      </m:r>
+                    </m:oMath>
+                  </m:oMathPara>
+                </a14:m>
+                <a:endParaRPr kumimoji="1" lang="ja-JP" altLang="en-US" dirty="0"/>
+              </a:p>
+            </p:txBody>
+          </p:sp>
+        </mc:Choice>
+        <mc:Fallback>
+          <p:sp>
+            <p:nvSpPr>
+              <p:cNvPr id="65" name="楕円 64">
+                <a:extLst>
+                  <a:ext uri="{FF2B5EF4-FFF2-40B4-BE49-F238E27FC236}">
+                    <a16:creationId xmlns:a16="http://schemas.microsoft.com/office/drawing/2014/main" id="{9CF3A371-F115-4317-AE46-284663DEE7DD}"/>
+                  </a:ext>
+                </a:extLst>
+              </p:cNvPr>
+              <p:cNvSpPr>
+                <a:spLocks noRot="1" noChangeAspect="1" noMove="1" noResize="1" noEditPoints="1" noAdjustHandles="1" noChangeArrowheads="1" noChangeShapeType="1" noTextEdit="1"/>
+              </p:cNvSpPr>
+              <p:nvPr/>
+            </p:nvSpPr>
+            <p:spPr>
+              <a:xfrm>
+                <a:off x="3591325" y="5364409"/>
+                <a:ext cx="360000" cy="360000"/>
+              </a:xfrm>
+              <a:prstGeom prst="ellipse">
+                <a:avLst/>
+              </a:prstGeom>
+              <a:blipFill>
+                <a:blip r:embed="rId9"/>
+                <a:stretch>
+                  <a:fillRect/>
+                </a:stretch>
+              </a:blipFill>
+              <a:ln w="28575">
+                <a:solidFill>
+                  <a:srgbClr val="00B0F0"/>
+                </a:solidFill>
+              </a:ln>
+            </p:spPr>
+            <p:txBody>
+              <a:bodyPr/>
+              <a:lstStyle/>
+              <a:p>
+                <a:r>
+                  <a:rPr lang="ja-JP" altLang="en-US">
+                    <a:noFill/>
+                  </a:rPr>
+                  <a:t> </a:t>
+                </a:r>
+              </a:p>
+            </p:txBody>
+          </p:sp>
+        </mc:Fallback>
+      </mc:AlternateContent>
+    </p:spTree>
+    <p:extLst>
+      <p:ext uri="{BB962C8B-B14F-4D97-AF65-F5344CB8AC3E}">
+        <p14:creationId xmlns:p14="http://schemas.microsoft.com/office/powerpoint/2010/main" val="3885132495"/>
+      </p:ext>
+    </p:extLst>
+  </p:cSld>
+  <p:clrMapOvr>
+    <a:masterClrMapping/>
+  </p:clrMapOvr>
+</p:sld>
+</file>
+
+<file path=ppt/slides/slide9.xml><?xml version="1.0" encoding="utf-8"?>
+<p:sld xmlns:a="http://schemas.openxmlformats.org/drawingml/2006/main" xmlns:r="http://schemas.openxmlformats.org/officeDocument/2006/relationships" xmlns:p="http://schemas.openxmlformats.org/presentationml/2006/main">
+  <p:cSld>
+    <p:spTree>
+      <p:nvGrpSpPr>
+        <p:cNvPr id="1" name=""/>
+        <p:cNvGrpSpPr/>
+        <p:nvPr/>
+      </p:nvGrpSpPr>
+      <p:grpSpPr>
+        <a:xfrm>
+          <a:off x="0" y="0"/>
+          <a:ext cx="0" cy="0"/>
+          <a:chOff x="0" y="0"/>
+          <a:chExt cx="0" cy="0"/>
+        </a:xfrm>
+      </p:grpSpPr>
+      <p:sp>
+        <p:nvSpPr>
+          <p:cNvPr id="2" name="タイトル 1">
+            <a:extLst>
+              <a:ext uri="{FF2B5EF4-FFF2-40B4-BE49-F238E27FC236}">
+                <a16:creationId xmlns:a16="http://schemas.microsoft.com/office/drawing/2014/main" id="{474F30AD-9111-40FF-BF16-AF3AB41ECA15}"/>
+              </a:ext>
+            </a:extLst>
+          </p:cNvPr>
+          <p:cNvSpPr>
+            <a:spLocks noGrp="1"/>
+          </p:cNvSpPr>
+          <p:nvPr>
+            <p:ph type="title"/>
+          </p:nvPr>
+        </p:nvSpPr>
+        <p:spPr>
+          <a:xfrm>
+            <a:off x="628650" y="225286"/>
+            <a:ext cx="7886700" cy="1181854"/>
+          </a:xfrm>
+        </p:spPr>
+        <p:txBody>
+          <a:bodyPr/>
+          <a:lstStyle/>
+          <a:p>
+            <a:r>
+              <a:rPr lang="ja-JP" altLang="en-US" dirty="0"/>
+              <a:t>同時部分収集問題</a:t>
+            </a:r>
+            <a:br>
+              <a:rPr lang="en-US" altLang="ja-JP" dirty="0"/>
+            </a:br>
+            <a:r>
+              <a:rPr lang="en-US" altLang="ja-JP" dirty="0"/>
+              <a:t>(Subgraph Aggregation: SA)</a:t>
+            </a:r>
+            <a:endParaRPr kumimoji="1" lang="ja-JP" altLang="en-US" dirty="0"/>
+          </a:p>
+        </p:txBody>
+      </p:sp>
+      <mc:AlternateContent xmlns:mc="http://schemas.openxmlformats.org/markup-compatibility/2006">
+        <mc:Choice xmlns:a14="http://schemas.microsoft.com/office/drawing/2010/main" Requires="a14">
+          <p:sp>
+            <p:nvSpPr>
+              <p:cNvPr id="3" name="コンテンツ プレースホルダー 2">
+                <a:extLst>
+                  <a:ext uri="{FF2B5EF4-FFF2-40B4-BE49-F238E27FC236}">
+                    <a16:creationId xmlns:a16="http://schemas.microsoft.com/office/drawing/2014/main" id="{C75881AE-7FBE-4061-A72E-DE5E7B3E3007}"/>
+                  </a:ext>
+                </a:extLst>
+              </p:cNvPr>
+              <p:cNvSpPr>
+                <a:spLocks noGrp="1"/>
+              </p:cNvSpPr>
+              <p:nvPr>
+                <p:ph idx="1"/>
+              </p:nvPr>
+            </p:nvSpPr>
+            <p:spPr>
+              <a:xfrm>
+                <a:off x="628650" y="1524000"/>
+                <a:ext cx="7886700" cy="4652963"/>
+              </a:xfrm>
+            </p:spPr>
+            <p:txBody>
+              <a:bodyPr/>
+              <a:lstStyle/>
+              <a:p>
+                <a:r>
+                  <a:rPr lang="ja-JP" altLang="en-US" dirty="0"/>
+                  <a:t>ネットワークグラフ</a:t>
+                </a:r>
+                <a14:m>
+                  <m:oMath xmlns:m="http://schemas.openxmlformats.org/officeDocument/2006/math">
+                    <m:r>
+                      <a:rPr lang="en-US" altLang="ja-JP" b="0" i="1" smtClean="0">
+                        <a:latin typeface="Cambria Math" panose="02040503050406030204" pitchFamily="18" charset="0"/>
+                      </a:rPr>
+                      <m:t>𝐺</m:t>
+                    </m:r>
+                  </m:oMath>
+                </a14:m>
+                <a:r>
+                  <a:rPr kumimoji="1" lang="ja-JP" altLang="en-US" dirty="0"/>
+                  <a:t>の互いに素な連結部分グラフである</a:t>
+                </a:r>
+                <a:r>
+                  <a:rPr lang="ja-JP" altLang="en-US" dirty="0"/>
+                  <a:t>パート</a:t>
+                </a:r>
+                <a14:m>
+                  <m:oMath xmlns:m="http://schemas.openxmlformats.org/officeDocument/2006/math">
+                    <m:r>
+                      <a:rPr kumimoji="1" lang="ja-JP" altLang="en-US" b="0" i="1" dirty="0" smtClean="0">
+                        <a:latin typeface="Cambria Math" panose="02040503050406030204" pitchFamily="18" charset="0"/>
+                      </a:rPr>
+                      <m:t>集合</m:t>
+                    </m:r>
+                    <m:r>
+                      <a:rPr kumimoji="1" lang="en-US" altLang="ja-JP" b="0" i="1" smtClean="0">
+                        <a:latin typeface="Cambria Math" panose="02040503050406030204" pitchFamily="18" charset="0"/>
+                      </a:rPr>
+                      <m:t>𝒫</m:t>
+                    </m:r>
+                  </m:oMath>
+                </a14:m>
+                <a:endParaRPr kumimoji="1" lang="en-US" altLang="ja-JP" dirty="0"/>
+              </a:p>
+              <a:p>
+                <a:r>
+                  <a:rPr kumimoji="1" lang="ja-JP" altLang="en-US" dirty="0"/>
+                  <a:t>各</a:t>
+                </a:r>
+                <a14:m>
+                  <m:oMath xmlns:m="http://schemas.openxmlformats.org/officeDocument/2006/math">
+                    <m:sSub>
+                      <m:sSubPr>
+                        <m:ctrlPr>
+                          <a:rPr kumimoji="1" lang="en-US" altLang="ja-JP" b="0" i="1" smtClean="0">
+                            <a:latin typeface="Cambria Math" panose="02040503050406030204" pitchFamily="18" charset="0"/>
+                          </a:rPr>
+                        </m:ctrlPr>
+                      </m:sSubPr>
+                      <m:e>
+                        <m:r>
+                          <a:rPr kumimoji="1" lang="en-US" altLang="ja-JP" b="0" i="1" smtClean="0">
+                            <a:latin typeface="Cambria Math" panose="02040503050406030204" pitchFamily="18" charset="0"/>
+                          </a:rPr>
+                          <m:t>𝑃</m:t>
+                        </m:r>
+                      </m:e>
+                      <m:sub>
+                        <m:r>
+                          <a:rPr kumimoji="1" lang="en-US" altLang="ja-JP" b="0" i="1" smtClean="0">
+                            <a:latin typeface="Cambria Math" panose="02040503050406030204" pitchFamily="18" charset="0"/>
+                          </a:rPr>
+                          <m:t>𝑖</m:t>
+                        </m:r>
+                      </m:sub>
+                    </m:sSub>
+                    <m:r>
+                      <a:rPr kumimoji="1" lang="en-US" altLang="ja-JP" b="0" i="1" smtClean="0">
+                        <a:latin typeface="Cambria Math" panose="02040503050406030204" pitchFamily="18" charset="0"/>
+                      </a:rPr>
+                      <m:t>∈</m:t>
+                    </m:r>
+                    <m:r>
+                      <a:rPr kumimoji="1" lang="en-US" altLang="ja-JP" b="0" i="1" smtClean="0">
+                        <a:latin typeface="Cambria Math" panose="02040503050406030204" pitchFamily="18" charset="0"/>
+                      </a:rPr>
+                      <m:t>𝒫</m:t>
+                    </m:r>
+                  </m:oMath>
+                </a14:m>
+                <a:r>
+                  <a:rPr kumimoji="1" lang="ja-JP" altLang="en-US" dirty="0"/>
+                  <a:t>内である値を収集する抽象化された集合通信操作を</a:t>
+                </a:r>
+                <a:r>
+                  <a:rPr lang="en-US" altLang="ja-JP" dirty="0"/>
+                  <a:t>Subgraph Aggregation</a:t>
+                </a:r>
+                <a:r>
+                  <a:rPr lang="ja-JP" altLang="en-US" dirty="0"/>
+                  <a:t>と呼ぶ</a:t>
+                </a:r>
+                <a:endParaRPr lang="en-US" altLang="ja-JP" dirty="0"/>
+              </a:p>
+              <a:p>
+                <a:r>
+                  <a:rPr lang="ja-JP" altLang="en-US" dirty="0"/>
+                  <a:t>一般のグラフに対して一回の</a:t>
+                </a:r>
+                <a:r>
+                  <a:rPr lang="en-US" altLang="ja-JP" dirty="0"/>
+                  <a:t>SA</a:t>
+                </a:r>
+                <a:r>
+                  <a:rPr lang="ja-JP" altLang="en-US" dirty="0"/>
+                  <a:t>は</a:t>
+                </a:r>
+                <a14:m>
+                  <m:oMath xmlns:m="http://schemas.openxmlformats.org/officeDocument/2006/math">
+                    <m:r>
+                      <a:rPr lang="en-US" altLang="ja-JP" b="0" i="1" smtClean="0">
+                        <a:latin typeface="Cambria Math" panose="02040503050406030204" pitchFamily="18" charset="0"/>
+                      </a:rPr>
+                      <m:t>𝑂</m:t>
+                    </m:r>
+                    <m:r>
+                      <a:rPr lang="en-US" altLang="ja-JP" b="0" i="1" smtClean="0">
+                        <a:latin typeface="Cambria Math" panose="02040503050406030204" pitchFamily="18" charset="0"/>
+                      </a:rPr>
+                      <m:t>(</m:t>
+                    </m:r>
+                    <m:rad>
+                      <m:radPr>
+                        <m:degHide m:val="on"/>
+                        <m:ctrlPr>
+                          <a:rPr lang="en-US" altLang="ja-JP" b="0" i="1" smtClean="0">
+                            <a:latin typeface="Cambria Math" panose="02040503050406030204" pitchFamily="18" charset="0"/>
+                          </a:rPr>
+                        </m:ctrlPr>
+                      </m:radPr>
+                      <m:deg/>
+                      <m:e>
+                        <m:r>
+                          <a:rPr lang="en-US" altLang="ja-JP" b="0" i="1" smtClean="0">
+                            <a:latin typeface="Cambria Math" panose="02040503050406030204" pitchFamily="18" charset="0"/>
+                          </a:rPr>
+                          <m:t>𝑛</m:t>
+                        </m:r>
+                      </m:e>
+                    </m:rad>
+                    <m:r>
+                      <a:rPr lang="en-US" altLang="ja-JP" b="0" i="1" smtClean="0">
+                        <a:latin typeface="Cambria Math" panose="02040503050406030204" pitchFamily="18" charset="0"/>
+                      </a:rPr>
+                      <m:t>+</m:t>
+                    </m:r>
+                    <m:r>
+                      <a:rPr lang="en-US" altLang="ja-JP" b="0" i="1" smtClean="0">
+                        <a:latin typeface="Cambria Math" panose="02040503050406030204" pitchFamily="18" charset="0"/>
+                      </a:rPr>
+                      <m:t>𝐷</m:t>
+                    </m:r>
+                    <m:r>
+                      <a:rPr lang="en-US" altLang="ja-JP" b="0" i="1" smtClean="0">
+                        <a:latin typeface="Cambria Math" panose="02040503050406030204" pitchFamily="18" charset="0"/>
+                      </a:rPr>
+                      <m:t>)</m:t>
+                    </m:r>
+                  </m:oMath>
+                </a14:m>
+                <a:r>
+                  <a:rPr kumimoji="1" lang="ja-JP" altLang="en-US" dirty="0"/>
+                  <a:t>ラウンド</a:t>
+                </a:r>
+                <a:br>
+                  <a:rPr kumimoji="1" lang="en-US" altLang="ja-JP" dirty="0"/>
+                </a:br>
+                <a:r>
+                  <a:rPr lang="ja-JP" altLang="en-US" dirty="0"/>
+                  <a:t>で実行可能</a:t>
+                </a:r>
+                <a:endParaRPr lang="en-US" altLang="ja-JP" dirty="0"/>
+              </a:p>
+              <a:p>
+                <a:endParaRPr kumimoji="1" lang="en-US" altLang="ja-JP" dirty="0"/>
+              </a:p>
+              <a:p>
+                <a:r>
+                  <a:rPr kumimoji="1" lang="ja-JP" altLang="en-US" dirty="0"/>
+                  <a:t>本研究のアルゴリズムの実行時間評価を</a:t>
+                </a:r>
+                <a:r>
+                  <a:rPr kumimoji="1" lang="en-US" altLang="ja-JP" dirty="0"/>
+                  <a:t>SA</a:t>
+                </a:r>
+                <a:r>
+                  <a:rPr kumimoji="1" lang="ja-JP" altLang="en-US" dirty="0"/>
+                  <a:t>の回数によって評価する</a:t>
+                </a:r>
+                <a:endParaRPr kumimoji="1" lang="en-US" altLang="ja-JP" dirty="0"/>
+              </a:p>
+            </p:txBody>
+          </p:sp>
+        </mc:Choice>
+        <mc:Fallback>
+          <p:sp>
+            <p:nvSpPr>
+              <p:cNvPr id="3" name="コンテンツ プレースホルダー 2">
+                <a:extLst>
+                  <a:ext uri="{FF2B5EF4-FFF2-40B4-BE49-F238E27FC236}">
+                    <a16:creationId xmlns:a16="http://schemas.microsoft.com/office/drawing/2014/main" id="{C75881AE-7FBE-4061-A72E-DE5E7B3E3007}"/>
+                  </a:ext>
+                </a:extLst>
+              </p:cNvPr>
+              <p:cNvSpPr>
+                <a:spLocks noGrp="1" noRot="1" noChangeAspect="1" noMove="1" noResize="1" noEditPoints="1" noAdjustHandles="1" noChangeArrowheads="1" noChangeShapeType="1" noTextEdit="1"/>
+              </p:cNvSpPr>
+              <p:nvPr>
+                <p:ph idx="1"/>
+              </p:nvPr>
+            </p:nvSpPr>
+            <p:spPr>
+              <a:xfrm>
+                <a:off x="628650" y="1524000"/>
+                <a:ext cx="7886700" cy="4652963"/>
+              </a:xfrm>
+              <a:blipFill>
+                <a:blip r:embed="rId2"/>
+                <a:stretch>
+                  <a:fillRect l="-1005" t="-1048" r="-1082"/>
                 </a:stretch>
               </a:blipFill>
             </p:spPr>
@@ -13202,7 +17207,7 @@
     </p:spTree>
     <p:extLst>
       <p:ext uri="{BB962C8B-B14F-4D97-AF65-F5344CB8AC3E}">
-        <p14:creationId xmlns:p14="http://schemas.microsoft.com/office/powerpoint/2010/main" val="3885132495"/>
+        <p14:creationId xmlns:p14="http://schemas.microsoft.com/office/powerpoint/2010/main" val="861366947"/>
       </p:ext>
     </p:extLst>
   </p:cSld>

--- a/slide/mizutani_pre.pptx
+++ b/slide/mizutani_pre.pptx
@@ -5,7 +5,7 @@
     <p:sldMasterId id="2147483684" r:id="rId1"/>
   </p:sldMasterIdLst>
   <p:notesMasterIdLst>
-    <p:notesMasterId r:id="rId15"/>
+    <p:notesMasterId r:id="rId17"/>
   </p:notesMasterIdLst>
   <p:sldIdLst>
     <p:sldId id="256" r:id="rId2"/>
@@ -19,8 +19,10 @@
     <p:sldId id="260" r:id="rId10"/>
     <p:sldId id="266" r:id="rId11"/>
     <p:sldId id="262" r:id="rId12"/>
-    <p:sldId id="267" r:id="rId13"/>
-    <p:sldId id="268" r:id="rId14"/>
+    <p:sldId id="269" r:id="rId13"/>
+    <p:sldId id="267" r:id="rId14"/>
+    <p:sldId id="270" r:id="rId15"/>
+    <p:sldId id="268" r:id="rId16"/>
   </p:sldIdLst>
   <p:sldSz cx="9144000" cy="6858000" type="screen4x3"/>
   <p:notesSz cx="6858000" cy="9144000"/>
@@ -996,7 +998,7 @@
           <a:p>
             <a:fld id="{9EA59AF0-8405-4F8F-86AD-37921E4E1FAB}" type="slidenum">
               <a:rPr kumimoji="1" lang="ja-JP" altLang="en-US" smtClean="0"/>
-              <a:t>12</a:t>
+              <a:t>13</a:t>
             </a:fld>
             <a:endParaRPr kumimoji="1" lang="ja-JP" altLang="en-US"/>
           </a:p>
@@ -4689,8 +4691,8 @@
           </a:p>
         </p:txBody>
       </p:sp>
-      <mc:AlternateContent xmlns:mc="http://schemas.openxmlformats.org/markup-compatibility/2006">
-        <mc:Choice xmlns:a14="http://schemas.microsoft.com/office/drawing/2010/main" Requires="a14">
+      <mc:AlternateContent xmlns:mc="http://schemas.openxmlformats.org/markup-compatibility/2006" xmlns:a14="http://schemas.microsoft.com/office/drawing/2010/main">
+        <mc:Choice Requires="a14">
           <p:sp>
             <p:nvSpPr>
               <p:cNvPr id="3" name="コンテンツ プレースホルダー 2">
@@ -4782,7 +4784,7 @@
             </p:txBody>
           </p:sp>
         </mc:Choice>
-        <mc:Fallback>
+        <mc:Fallback xmlns="">
           <p:sp>
             <p:nvSpPr>
               <p:cNvPr id="3" name="コンテンツ プレースホルダー 2">
@@ -5047,6 +5049,9 @@
                 <a:endParaRPr kumimoji="1" lang="en-US" altLang="ja-JP" dirty="0"/>
               </a:p>
               <a:p>
+                <a:endParaRPr lang="en-US" altLang="ja-JP" dirty="0"/>
+              </a:p>
+              <a:p>
                 <a:r>
                   <a:rPr kumimoji="1" lang="en-US" altLang="ja-JP" dirty="0"/>
                   <a:t>2</a:t>
@@ -5233,6 +5238,1005 @@
           <p:cNvPr id="2" name="タイトル 1">
             <a:extLst>
               <a:ext uri="{FF2B5EF4-FFF2-40B4-BE49-F238E27FC236}">
+                <a16:creationId xmlns:a16="http://schemas.microsoft.com/office/drawing/2014/main" id="{B7D2F2D9-6D28-412D-933A-4032C5B2DE01}"/>
+              </a:ext>
+            </a:extLst>
+          </p:cNvPr>
+          <p:cNvSpPr>
+            <a:spLocks noGrp="1"/>
+          </p:cNvSpPr>
+          <p:nvPr>
+            <p:ph type="title"/>
+          </p:nvPr>
+        </p:nvSpPr>
+        <p:spPr/>
+        <p:txBody>
+          <a:bodyPr/>
+          <a:lstStyle/>
+          <a:p>
+            <a:r>
+              <a:rPr kumimoji="1" lang="ja-JP" altLang="en-US" dirty="0"/>
+              <a:t>ノードカット計算</a:t>
+            </a:r>
+          </a:p>
+        </p:txBody>
+      </p:sp>
+      <p:sp>
+        <p:nvSpPr>
+          <p:cNvPr id="3" name="コンテンツ プレースホルダー 2">
+            <a:extLst>
+              <a:ext uri="{FF2B5EF4-FFF2-40B4-BE49-F238E27FC236}">
+                <a16:creationId xmlns:a16="http://schemas.microsoft.com/office/drawing/2014/main" id="{D2C3D2DA-B3B0-4E6C-8106-AF6941BC1254}"/>
+              </a:ext>
+            </a:extLst>
+          </p:cNvPr>
+          <p:cNvSpPr>
+            <a:spLocks noGrp="1"/>
+          </p:cNvSpPr>
+          <p:nvPr>
+            <p:ph idx="1"/>
+          </p:nvPr>
+        </p:nvSpPr>
+        <p:spPr>
+          <a:xfrm>
+            <a:off x="628650" y="1514765"/>
+            <a:ext cx="7886700" cy="1673278"/>
+          </a:xfrm>
+        </p:spPr>
+        <p:txBody>
+          <a:bodyPr/>
+          <a:lstStyle/>
+          <a:p>
+            <a:r>
+              <a:rPr kumimoji="1" lang="ja-JP" altLang="en-US" dirty="0"/>
+              <a:t>各パスのノードはパス上での順序に対応したインデックスを持っているとする</a:t>
+            </a:r>
+            <a:endParaRPr kumimoji="1" lang="en-US" altLang="ja-JP" dirty="0"/>
+          </a:p>
+          <a:p>
+            <a:pPr lvl="1"/>
+            <a:endParaRPr kumimoji="1" lang="ja-JP" altLang="en-US" dirty="0"/>
+          </a:p>
+        </p:txBody>
+      </p:sp>
+      <mc:AlternateContent xmlns:mc="http://schemas.openxmlformats.org/markup-compatibility/2006">
+        <mc:Choice xmlns:a14="http://schemas.microsoft.com/office/drawing/2010/main" Requires="a14">
+          <p:sp>
+            <p:nvSpPr>
+              <p:cNvPr id="4" name="楕円 3">
+                <a:extLst>
+                  <a:ext uri="{FF2B5EF4-FFF2-40B4-BE49-F238E27FC236}">
+                    <a16:creationId xmlns:a16="http://schemas.microsoft.com/office/drawing/2014/main" id="{A32BC3C2-B0D7-4AFE-9AC7-1986531A2234}"/>
+                  </a:ext>
+                </a:extLst>
+              </p:cNvPr>
+              <p:cNvSpPr/>
+              <p:nvPr/>
+            </p:nvSpPr>
+            <p:spPr>
+              <a:xfrm>
+                <a:off x="1762812" y="5015060"/>
+                <a:ext cx="900000" cy="900000"/>
+              </a:xfrm>
+              <a:prstGeom prst="ellipse">
+                <a:avLst/>
+              </a:prstGeom>
+              <a:ln w="28575">
+                <a:solidFill>
+                  <a:schemeClr val="tx1"/>
+                </a:solidFill>
+              </a:ln>
+            </p:spPr>
+            <p:style>
+              <a:lnRef idx="1">
+                <a:schemeClr val="accent1"/>
+              </a:lnRef>
+              <a:fillRef idx="0">
+                <a:schemeClr val="accent1"/>
+              </a:fillRef>
+              <a:effectRef idx="0">
+                <a:schemeClr val="accent1"/>
+              </a:effectRef>
+              <a:fontRef idx="minor">
+                <a:schemeClr val="tx1"/>
+              </a:fontRef>
+            </p:style>
+            <p:txBody>
+              <a:bodyPr rtlCol="0" anchor="ctr"/>
+              <a:lstStyle/>
+              <a:p>
+                <a:pPr algn="ctr"/>
+                <a14:m>
+                  <m:oMathPara xmlns:m="http://schemas.openxmlformats.org/officeDocument/2006/math">
+                    <m:oMathParaPr>
+                      <m:jc m:val="centerGroup"/>
+                    </m:oMathParaPr>
+                    <m:oMath xmlns:m="http://schemas.openxmlformats.org/officeDocument/2006/math">
+                      <m:r>
+                        <a:rPr kumimoji="1" lang="en-US" altLang="ja-JP" sz="2400" i="1" dirty="0" smtClean="0">
+                          <a:latin typeface="Cambria Math" panose="02040503050406030204" pitchFamily="18" charset="0"/>
+                        </a:rPr>
+                        <m:t>1</m:t>
+                      </m:r>
+                    </m:oMath>
+                  </m:oMathPara>
+                </a14:m>
+                <a:endParaRPr kumimoji="1" lang="ja-JP" altLang="en-US" sz="2400" dirty="0"/>
+              </a:p>
+            </p:txBody>
+          </p:sp>
+        </mc:Choice>
+        <mc:Fallback>
+          <p:sp>
+            <p:nvSpPr>
+              <p:cNvPr id="4" name="楕円 3">
+                <a:extLst>
+                  <a:ext uri="{FF2B5EF4-FFF2-40B4-BE49-F238E27FC236}">
+                    <a16:creationId xmlns:a16="http://schemas.microsoft.com/office/drawing/2014/main" id="{A32BC3C2-B0D7-4AFE-9AC7-1986531A2234}"/>
+                  </a:ext>
+                </a:extLst>
+              </p:cNvPr>
+              <p:cNvSpPr>
+                <a:spLocks noRot="1" noChangeAspect="1" noMove="1" noResize="1" noEditPoints="1" noAdjustHandles="1" noChangeArrowheads="1" noChangeShapeType="1" noTextEdit="1"/>
+              </p:cNvSpPr>
+              <p:nvPr/>
+            </p:nvSpPr>
+            <p:spPr>
+              <a:xfrm>
+                <a:off x="1762812" y="5015060"/>
+                <a:ext cx="900000" cy="900000"/>
+              </a:xfrm>
+              <a:prstGeom prst="ellipse">
+                <a:avLst/>
+              </a:prstGeom>
+              <a:blipFill>
+                <a:blip r:embed="rId2"/>
+                <a:stretch>
+                  <a:fillRect/>
+                </a:stretch>
+              </a:blipFill>
+              <a:ln w="28575">
+                <a:solidFill>
+                  <a:schemeClr val="tx1"/>
+                </a:solidFill>
+              </a:ln>
+            </p:spPr>
+            <p:txBody>
+              <a:bodyPr/>
+              <a:lstStyle/>
+              <a:p>
+                <a:r>
+                  <a:rPr lang="ja-JP" altLang="en-US">
+                    <a:noFill/>
+                  </a:rPr>
+                  <a:t> </a:t>
+                </a:r>
+              </a:p>
+            </p:txBody>
+          </p:sp>
+        </mc:Fallback>
+      </mc:AlternateContent>
+      <mc:AlternateContent xmlns:mc="http://schemas.openxmlformats.org/markup-compatibility/2006">
+        <mc:Choice xmlns:a14="http://schemas.microsoft.com/office/drawing/2010/main" Requires="a14">
+          <p:sp>
+            <p:nvSpPr>
+              <p:cNvPr id="5" name="楕円 4">
+                <a:extLst>
+                  <a:ext uri="{FF2B5EF4-FFF2-40B4-BE49-F238E27FC236}">
+                    <a16:creationId xmlns:a16="http://schemas.microsoft.com/office/drawing/2014/main" id="{4D72F2F2-D1D8-4442-9CF0-7EA818F78934}"/>
+                  </a:ext>
+                </a:extLst>
+              </p:cNvPr>
+              <p:cNvSpPr/>
+              <p:nvPr/>
+            </p:nvSpPr>
+            <p:spPr>
+              <a:xfrm>
+                <a:off x="3202627" y="5015060"/>
+                <a:ext cx="900000" cy="900000"/>
+              </a:xfrm>
+              <a:prstGeom prst="ellipse">
+                <a:avLst/>
+              </a:prstGeom>
+              <a:ln w="28575">
+                <a:solidFill>
+                  <a:schemeClr val="tx1"/>
+                </a:solidFill>
+              </a:ln>
+            </p:spPr>
+            <p:style>
+              <a:lnRef idx="1">
+                <a:schemeClr val="accent1"/>
+              </a:lnRef>
+              <a:fillRef idx="0">
+                <a:schemeClr val="accent1"/>
+              </a:fillRef>
+              <a:effectRef idx="0">
+                <a:schemeClr val="accent1"/>
+              </a:effectRef>
+              <a:fontRef idx="minor">
+                <a:schemeClr val="tx1"/>
+              </a:fontRef>
+            </p:style>
+            <p:txBody>
+              <a:bodyPr rtlCol="0" anchor="ctr"/>
+              <a:lstStyle/>
+              <a:p>
+                <a:pPr algn="ctr"/>
+                <a14:m>
+                  <m:oMathPara xmlns:m="http://schemas.openxmlformats.org/officeDocument/2006/math">
+                    <m:oMathParaPr>
+                      <m:jc m:val="centerGroup"/>
+                    </m:oMathParaPr>
+                    <m:oMath xmlns:m="http://schemas.openxmlformats.org/officeDocument/2006/math">
+                      <m:r>
+                        <a:rPr kumimoji="1" lang="en-US" altLang="ja-JP" sz="2400" i="1" dirty="0" smtClean="0">
+                          <a:latin typeface="Cambria Math" panose="02040503050406030204" pitchFamily="18" charset="0"/>
+                        </a:rPr>
+                        <m:t>2</m:t>
+                      </m:r>
+                    </m:oMath>
+                  </m:oMathPara>
+                </a14:m>
+                <a:endParaRPr kumimoji="1" lang="ja-JP" altLang="en-US" sz="2400" dirty="0"/>
+              </a:p>
+            </p:txBody>
+          </p:sp>
+        </mc:Choice>
+        <mc:Fallback>
+          <p:sp>
+            <p:nvSpPr>
+              <p:cNvPr id="5" name="楕円 4">
+                <a:extLst>
+                  <a:ext uri="{FF2B5EF4-FFF2-40B4-BE49-F238E27FC236}">
+                    <a16:creationId xmlns:a16="http://schemas.microsoft.com/office/drawing/2014/main" id="{4D72F2F2-D1D8-4442-9CF0-7EA818F78934}"/>
+                  </a:ext>
+                </a:extLst>
+              </p:cNvPr>
+              <p:cNvSpPr>
+                <a:spLocks noRot="1" noChangeAspect="1" noMove="1" noResize="1" noEditPoints="1" noAdjustHandles="1" noChangeArrowheads="1" noChangeShapeType="1" noTextEdit="1"/>
+              </p:cNvSpPr>
+              <p:nvPr/>
+            </p:nvSpPr>
+            <p:spPr>
+              <a:xfrm>
+                <a:off x="3202627" y="5015060"/>
+                <a:ext cx="900000" cy="900000"/>
+              </a:xfrm>
+              <a:prstGeom prst="ellipse">
+                <a:avLst/>
+              </a:prstGeom>
+              <a:blipFill>
+                <a:blip r:embed="rId3"/>
+                <a:stretch>
+                  <a:fillRect/>
+                </a:stretch>
+              </a:blipFill>
+              <a:ln w="28575">
+                <a:solidFill>
+                  <a:schemeClr val="tx1"/>
+                </a:solidFill>
+              </a:ln>
+            </p:spPr>
+            <p:txBody>
+              <a:bodyPr/>
+              <a:lstStyle/>
+              <a:p>
+                <a:r>
+                  <a:rPr lang="ja-JP" altLang="en-US">
+                    <a:noFill/>
+                  </a:rPr>
+                  <a:t> </a:t>
+                </a:r>
+              </a:p>
+            </p:txBody>
+          </p:sp>
+        </mc:Fallback>
+      </mc:AlternateContent>
+      <mc:AlternateContent xmlns:mc="http://schemas.openxmlformats.org/markup-compatibility/2006">
+        <mc:Choice xmlns:a14="http://schemas.microsoft.com/office/drawing/2010/main" Requires="a14">
+          <p:sp>
+            <p:nvSpPr>
+              <p:cNvPr id="6" name="楕円 5">
+                <a:extLst>
+                  <a:ext uri="{FF2B5EF4-FFF2-40B4-BE49-F238E27FC236}">
+                    <a16:creationId xmlns:a16="http://schemas.microsoft.com/office/drawing/2014/main" id="{18717EBD-AFD3-4DED-A114-A2338C41CEE6}"/>
+                  </a:ext>
+                </a:extLst>
+              </p:cNvPr>
+              <p:cNvSpPr/>
+              <p:nvPr/>
+            </p:nvSpPr>
+            <p:spPr>
+              <a:xfrm>
+                <a:off x="6082257" y="5015060"/>
+                <a:ext cx="900000" cy="900000"/>
+              </a:xfrm>
+              <a:prstGeom prst="ellipse">
+                <a:avLst/>
+              </a:prstGeom>
+              <a:ln w="28575">
+                <a:solidFill>
+                  <a:schemeClr val="tx1"/>
+                </a:solidFill>
+              </a:ln>
+            </p:spPr>
+            <p:style>
+              <a:lnRef idx="1">
+                <a:schemeClr val="accent1"/>
+              </a:lnRef>
+              <a:fillRef idx="0">
+                <a:schemeClr val="accent1"/>
+              </a:fillRef>
+              <a:effectRef idx="0">
+                <a:schemeClr val="accent1"/>
+              </a:effectRef>
+              <a:fontRef idx="minor">
+                <a:schemeClr val="tx1"/>
+              </a:fontRef>
+            </p:style>
+            <p:txBody>
+              <a:bodyPr rtlCol="0" anchor="ctr"/>
+              <a:lstStyle/>
+              <a:p>
+                <a:pPr algn="ctr"/>
+                <a14:m>
+                  <m:oMathPara xmlns:m="http://schemas.openxmlformats.org/officeDocument/2006/math">
+                    <m:oMathParaPr>
+                      <m:jc m:val="centerGroup"/>
+                    </m:oMathParaPr>
+                    <m:oMath xmlns:m="http://schemas.openxmlformats.org/officeDocument/2006/math">
+                      <m:r>
+                        <a:rPr kumimoji="1" lang="en-US" altLang="ja-JP" sz="2400" i="1" dirty="0" smtClean="0">
+                          <a:latin typeface="Cambria Math" panose="02040503050406030204" pitchFamily="18" charset="0"/>
+                        </a:rPr>
+                        <m:t>4</m:t>
+                      </m:r>
+                    </m:oMath>
+                  </m:oMathPara>
+                </a14:m>
+                <a:endParaRPr kumimoji="1" lang="ja-JP" altLang="en-US" sz="2400" dirty="0"/>
+              </a:p>
+            </p:txBody>
+          </p:sp>
+        </mc:Choice>
+        <mc:Fallback>
+          <p:sp>
+            <p:nvSpPr>
+              <p:cNvPr id="6" name="楕円 5">
+                <a:extLst>
+                  <a:ext uri="{FF2B5EF4-FFF2-40B4-BE49-F238E27FC236}">
+                    <a16:creationId xmlns:a16="http://schemas.microsoft.com/office/drawing/2014/main" id="{18717EBD-AFD3-4DED-A114-A2338C41CEE6}"/>
+                  </a:ext>
+                </a:extLst>
+              </p:cNvPr>
+              <p:cNvSpPr>
+                <a:spLocks noRot="1" noChangeAspect="1" noMove="1" noResize="1" noEditPoints="1" noAdjustHandles="1" noChangeArrowheads="1" noChangeShapeType="1" noTextEdit="1"/>
+              </p:cNvSpPr>
+              <p:nvPr/>
+            </p:nvSpPr>
+            <p:spPr>
+              <a:xfrm>
+                <a:off x="6082257" y="5015060"/>
+                <a:ext cx="900000" cy="900000"/>
+              </a:xfrm>
+              <a:prstGeom prst="ellipse">
+                <a:avLst/>
+              </a:prstGeom>
+              <a:blipFill>
+                <a:blip r:embed="rId4"/>
+                <a:stretch>
+                  <a:fillRect/>
+                </a:stretch>
+              </a:blipFill>
+              <a:ln w="28575">
+                <a:solidFill>
+                  <a:schemeClr val="tx1"/>
+                </a:solidFill>
+              </a:ln>
+            </p:spPr>
+            <p:txBody>
+              <a:bodyPr/>
+              <a:lstStyle/>
+              <a:p>
+                <a:r>
+                  <a:rPr lang="ja-JP" altLang="en-US">
+                    <a:noFill/>
+                  </a:rPr>
+                  <a:t> </a:t>
+                </a:r>
+              </a:p>
+            </p:txBody>
+          </p:sp>
+        </mc:Fallback>
+      </mc:AlternateContent>
+      <mc:AlternateContent xmlns:mc="http://schemas.openxmlformats.org/markup-compatibility/2006">
+        <mc:Choice xmlns:a14="http://schemas.microsoft.com/office/drawing/2010/main" Requires="a14">
+          <p:sp>
+            <p:nvSpPr>
+              <p:cNvPr id="7" name="楕円 6">
+                <a:extLst>
+                  <a:ext uri="{FF2B5EF4-FFF2-40B4-BE49-F238E27FC236}">
+                    <a16:creationId xmlns:a16="http://schemas.microsoft.com/office/drawing/2014/main" id="{F61124D9-580D-4222-A52E-88680C64EC12}"/>
+                  </a:ext>
+                </a:extLst>
+              </p:cNvPr>
+              <p:cNvSpPr/>
+              <p:nvPr/>
+            </p:nvSpPr>
+            <p:spPr>
+              <a:xfrm>
+                <a:off x="4642442" y="5015060"/>
+                <a:ext cx="900000" cy="900000"/>
+              </a:xfrm>
+              <a:prstGeom prst="ellipse">
+                <a:avLst/>
+              </a:prstGeom>
+              <a:ln w="28575">
+                <a:solidFill>
+                  <a:schemeClr val="tx1"/>
+                </a:solidFill>
+              </a:ln>
+            </p:spPr>
+            <p:style>
+              <a:lnRef idx="1">
+                <a:schemeClr val="accent1"/>
+              </a:lnRef>
+              <a:fillRef idx="0">
+                <a:schemeClr val="accent1"/>
+              </a:fillRef>
+              <a:effectRef idx="0">
+                <a:schemeClr val="accent1"/>
+              </a:effectRef>
+              <a:fontRef idx="minor">
+                <a:schemeClr val="tx1"/>
+              </a:fontRef>
+            </p:style>
+            <p:txBody>
+              <a:bodyPr rtlCol="0" anchor="ctr"/>
+              <a:lstStyle/>
+              <a:p>
+                <a:pPr algn="ctr"/>
+                <a14:m>
+                  <m:oMathPara xmlns:m="http://schemas.openxmlformats.org/officeDocument/2006/math">
+                    <m:oMathParaPr>
+                      <m:jc m:val="centerGroup"/>
+                    </m:oMathParaPr>
+                    <m:oMath xmlns:m="http://schemas.openxmlformats.org/officeDocument/2006/math">
+                      <m:r>
+                        <a:rPr kumimoji="1" lang="en-US" altLang="ja-JP" sz="2400" i="1" dirty="0" smtClean="0">
+                          <a:latin typeface="Cambria Math" panose="02040503050406030204" pitchFamily="18" charset="0"/>
+                        </a:rPr>
+                        <m:t>3</m:t>
+                      </m:r>
+                    </m:oMath>
+                  </m:oMathPara>
+                </a14:m>
+                <a:endParaRPr kumimoji="1" lang="ja-JP" altLang="en-US" sz="2400" dirty="0"/>
+              </a:p>
+            </p:txBody>
+          </p:sp>
+        </mc:Choice>
+        <mc:Fallback>
+          <p:sp>
+            <p:nvSpPr>
+              <p:cNvPr id="7" name="楕円 6">
+                <a:extLst>
+                  <a:ext uri="{FF2B5EF4-FFF2-40B4-BE49-F238E27FC236}">
+                    <a16:creationId xmlns:a16="http://schemas.microsoft.com/office/drawing/2014/main" id="{F61124D9-580D-4222-A52E-88680C64EC12}"/>
+                  </a:ext>
+                </a:extLst>
+              </p:cNvPr>
+              <p:cNvSpPr>
+                <a:spLocks noRot="1" noChangeAspect="1" noMove="1" noResize="1" noEditPoints="1" noAdjustHandles="1" noChangeArrowheads="1" noChangeShapeType="1" noTextEdit="1"/>
+              </p:cNvSpPr>
+              <p:nvPr/>
+            </p:nvSpPr>
+            <p:spPr>
+              <a:xfrm>
+                <a:off x="4642442" y="5015060"/>
+                <a:ext cx="900000" cy="900000"/>
+              </a:xfrm>
+              <a:prstGeom prst="ellipse">
+                <a:avLst/>
+              </a:prstGeom>
+              <a:blipFill>
+                <a:blip r:embed="rId5"/>
+                <a:stretch>
+                  <a:fillRect/>
+                </a:stretch>
+              </a:blipFill>
+              <a:ln w="28575">
+                <a:solidFill>
+                  <a:schemeClr val="tx1"/>
+                </a:solidFill>
+              </a:ln>
+            </p:spPr>
+            <p:txBody>
+              <a:bodyPr/>
+              <a:lstStyle/>
+              <a:p>
+                <a:r>
+                  <a:rPr lang="ja-JP" altLang="en-US">
+                    <a:noFill/>
+                  </a:rPr>
+                  <a:t> </a:t>
+                </a:r>
+              </a:p>
+            </p:txBody>
+          </p:sp>
+        </mc:Fallback>
+      </mc:AlternateContent>
+      <p:cxnSp>
+        <p:nvCxnSpPr>
+          <p:cNvPr id="9" name="直線コネクタ 8">
+            <a:extLst>
+              <a:ext uri="{FF2B5EF4-FFF2-40B4-BE49-F238E27FC236}">
+                <a16:creationId xmlns:a16="http://schemas.microsoft.com/office/drawing/2014/main" id="{10A19E43-A05F-4137-BDB2-4180BB2EAFA8}"/>
+              </a:ext>
+            </a:extLst>
+          </p:cNvPr>
+          <p:cNvCxnSpPr>
+            <a:cxnSpLocks/>
+          </p:cNvCxnSpPr>
+          <p:nvPr/>
+        </p:nvCxnSpPr>
+        <p:spPr>
+          <a:xfrm>
+            <a:off x="1222812" y="5465060"/>
+            <a:ext cx="540000" cy="0"/>
+          </a:xfrm>
+          <a:prstGeom prst="line">
+            <a:avLst/>
+          </a:prstGeom>
+          <a:ln w="25400"/>
+        </p:spPr>
+        <p:style>
+          <a:lnRef idx="1">
+            <a:schemeClr val="dk1"/>
+          </a:lnRef>
+          <a:fillRef idx="0">
+            <a:schemeClr val="dk1"/>
+          </a:fillRef>
+          <a:effectRef idx="0">
+            <a:schemeClr val="dk1"/>
+          </a:effectRef>
+          <a:fontRef idx="minor">
+            <a:schemeClr val="tx1"/>
+          </a:fontRef>
+        </p:style>
+      </p:cxnSp>
+      <p:cxnSp>
+        <p:nvCxnSpPr>
+          <p:cNvPr id="10" name="直線コネクタ 9">
+            <a:extLst>
+              <a:ext uri="{FF2B5EF4-FFF2-40B4-BE49-F238E27FC236}">
+                <a16:creationId xmlns:a16="http://schemas.microsoft.com/office/drawing/2014/main" id="{039ED086-A186-41F4-9A99-2132E5C5F1F1}"/>
+              </a:ext>
+            </a:extLst>
+          </p:cNvPr>
+          <p:cNvCxnSpPr/>
+          <p:nvPr/>
+        </p:nvCxnSpPr>
+        <p:spPr>
+          <a:xfrm>
+            <a:off x="4102442" y="5472000"/>
+            <a:ext cx="540000" cy="0"/>
+          </a:xfrm>
+          <a:prstGeom prst="line">
+            <a:avLst/>
+          </a:prstGeom>
+          <a:ln w="25400"/>
+        </p:spPr>
+        <p:style>
+          <a:lnRef idx="1">
+            <a:schemeClr val="dk1"/>
+          </a:lnRef>
+          <a:fillRef idx="0">
+            <a:schemeClr val="dk1"/>
+          </a:fillRef>
+          <a:effectRef idx="0">
+            <a:schemeClr val="dk1"/>
+          </a:effectRef>
+          <a:fontRef idx="minor">
+            <a:schemeClr val="tx1"/>
+          </a:fontRef>
+        </p:style>
+      </p:cxnSp>
+      <p:cxnSp>
+        <p:nvCxnSpPr>
+          <p:cNvPr id="11" name="直線コネクタ 10">
+            <a:extLst>
+              <a:ext uri="{FF2B5EF4-FFF2-40B4-BE49-F238E27FC236}">
+                <a16:creationId xmlns:a16="http://schemas.microsoft.com/office/drawing/2014/main" id="{CA4746DC-5BCF-4B16-A78A-B6A575183D82}"/>
+              </a:ext>
+            </a:extLst>
+          </p:cNvPr>
+          <p:cNvCxnSpPr/>
+          <p:nvPr/>
+        </p:nvCxnSpPr>
+        <p:spPr>
+          <a:xfrm>
+            <a:off x="5542257" y="5469514"/>
+            <a:ext cx="540000" cy="0"/>
+          </a:xfrm>
+          <a:prstGeom prst="line">
+            <a:avLst/>
+          </a:prstGeom>
+          <a:ln w="25400"/>
+        </p:spPr>
+        <p:style>
+          <a:lnRef idx="1">
+            <a:schemeClr val="dk1"/>
+          </a:lnRef>
+          <a:fillRef idx="0">
+            <a:schemeClr val="dk1"/>
+          </a:fillRef>
+          <a:effectRef idx="0">
+            <a:schemeClr val="dk1"/>
+          </a:effectRef>
+          <a:fontRef idx="minor">
+            <a:schemeClr val="tx1"/>
+          </a:fontRef>
+        </p:style>
+      </p:cxnSp>
+      <mc:AlternateContent xmlns:mc="http://schemas.openxmlformats.org/markup-compatibility/2006">
+        <mc:Choice xmlns:a14="http://schemas.microsoft.com/office/drawing/2010/main" Requires="a14">
+          <p:sp>
+            <p:nvSpPr>
+              <p:cNvPr id="13" name="楕円 12">
+                <a:extLst>
+                  <a:ext uri="{FF2B5EF4-FFF2-40B4-BE49-F238E27FC236}">
+                    <a16:creationId xmlns:a16="http://schemas.microsoft.com/office/drawing/2014/main" id="{651CA561-4F79-46A1-AA1B-3B6E1576DBCF}"/>
+                  </a:ext>
+                </a:extLst>
+              </p:cNvPr>
+              <p:cNvSpPr/>
+              <p:nvPr/>
+            </p:nvSpPr>
+            <p:spPr>
+              <a:xfrm>
+                <a:off x="322997" y="5015060"/>
+                <a:ext cx="900000" cy="900000"/>
+              </a:xfrm>
+              <a:prstGeom prst="ellipse">
+                <a:avLst/>
+              </a:prstGeom>
+              <a:ln w="28575">
+                <a:solidFill>
+                  <a:schemeClr val="tx1"/>
+                </a:solidFill>
+              </a:ln>
+            </p:spPr>
+            <p:style>
+              <a:lnRef idx="1">
+                <a:schemeClr val="accent1"/>
+              </a:lnRef>
+              <a:fillRef idx="0">
+                <a:schemeClr val="accent1"/>
+              </a:fillRef>
+              <a:effectRef idx="0">
+                <a:schemeClr val="accent1"/>
+              </a:effectRef>
+              <a:fontRef idx="minor">
+                <a:schemeClr val="tx1"/>
+              </a:fontRef>
+            </p:style>
+            <p:txBody>
+              <a:bodyPr rtlCol="0" anchor="ctr"/>
+              <a:lstStyle/>
+              <a:p>
+                <a:pPr algn="ctr"/>
+                <a14:m>
+                  <m:oMathPara xmlns:m="http://schemas.openxmlformats.org/officeDocument/2006/math">
+                    <m:oMathParaPr>
+                      <m:jc m:val="centerGroup"/>
+                    </m:oMathParaPr>
+                    <m:oMath xmlns:m="http://schemas.openxmlformats.org/officeDocument/2006/math">
+                      <m:r>
+                        <a:rPr kumimoji="1" lang="en-US" altLang="ja-JP" sz="2400" b="0" i="1" smtClean="0">
+                          <a:latin typeface="Cambria Math" panose="02040503050406030204" pitchFamily="18" charset="0"/>
+                        </a:rPr>
+                        <m:t>𝑠</m:t>
+                      </m:r>
+                      <m:r>
+                        <a:rPr kumimoji="1" lang="en-US" altLang="ja-JP" sz="2400" b="0" i="0" smtClean="0">
+                          <a:latin typeface="Cambria Math" panose="02040503050406030204" pitchFamily="18" charset="0"/>
+                        </a:rPr>
+                        <m:t>(0)</m:t>
+                      </m:r>
+                    </m:oMath>
+                  </m:oMathPara>
+                </a14:m>
+                <a:endParaRPr kumimoji="1" lang="ja-JP" altLang="en-US" sz="2400" dirty="0"/>
+              </a:p>
+            </p:txBody>
+          </p:sp>
+        </mc:Choice>
+        <mc:Fallback>
+          <p:sp>
+            <p:nvSpPr>
+              <p:cNvPr id="13" name="楕円 12">
+                <a:extLst>
+                  <a:ext uri="{FF2B5EF4-FFF2-40B4-BE49-F238E27FC236}">
+                    <a16:creationId xmlns:a16="http://schemas.microsoft.com/office/drawing/2014/main" id="{651CA561-4F79-46A1-AA1B-3B6E1576DBCF}"/>
+                  </a:ext>
+                </a:extLst>
+              </p:cNvPr>
+              <p:cNvSpPr>
+                <a:spLocks noRot="1" noChangeAspect="1" noMove="1" noResize="1" noEditPoints="1" noAdjustHandles="1" noChangeArrowheads="1" noChangeShapeType="1" noTextEdit="1"/>
+              </p:cNvSpPr>
+              <p:nvPr/>
+            </p:nvSpPr>
+            <p:spPr>
+              <a:xfrm>
+                <a:off x="322997" y="5015060"/>
+                <a:ext cx="900000" cy="900000"/>
+              </a:xfrm>
+              <a:prstGeom prst="ellipse">
+                <a:avLst/>
+              </a:prstGeom>
+              <a:blipFill>
+                <a:blip r:embed="rId6"/>
+                <a:stretch>
+                  <a:fillRect/>
+                </a:stretch>
+              </a:blipFill>
+              <a:ln w="28575">
+                <a:solidFill>
+                  <a:schemeClr val="tx1"/>
+                </a:solidFill>
+              </a:ln>
+            </p:spPr>
+            <p:txBody>
+              <a:bodyPr/>
+              <a:lstStyle/>
+              <a:p>
+                <a:r>
+                  <a:rPr lang="ja-JP" altLang="en-US">
+                    <a:noFill/>
+                  </a:rPr>
+                  <a:t> </a:t>
+                </a:r>
+              </a:p>
+            </p:txBody>
+          </p:sp>
+        </mc:Fallback>
+      </mc:AlternateContent>
+      <p:cxnSp>
+        <p:nvCxnSpPr>
+          <p:cNvPr id="14" name="直線コネクタ 13">
+            <a:extLst>
+              <a:ext uri="{FF2B5EF4-FFF2-40B4-BE49-F238E27FC236}">
+                <a16:creationId xmlns:a16="http://schemas.microsoft.com/office/drawing/2014/main" id="{8B64CA56-4254-4E3F-ABAA-8E3A20BD7F77}"/>
+              </a:ext>
+            </a:extLst>
+          </p:cNvPr>
+          <p:cNvCxnSpPr>
+            <a:cxnSpLocks/>
+          </p:cNvCxnSpPr>
+          <p:nvPr/>
+        </p:nvCxnSpPr>
+        <p:spPr>
+          <a:xfrm>
+            <a:off x="2662627" y="5443720"/>
+            <a:ext cx="540000" cy="0"/>
+          </a:xfrm>
+          <a:prstGeom prst="line">
+            <a:avLst/>
+          </a:prstGeom>
+          <a:ln w="25400"/>
+        </p:spPr>
+        <p:style>
+          <a:lnRef idx="1">
+            <a:schemeClr val="dk1"/>
+          </a:lnRef>
+          <a:fillRef idx="0">
+            <a:schemeClr val="dk1"/>
+          </a:fillRef>
+          <a:effectRef idx="0">
+            <a:schemeClr val="dk1"/>
+          </a:effectRef>
+          <a:fontRef idx="minor">
+            <a:schemeClr val="tx1"/>
+          </a:fontRef>
+        </p:style>
+      </p:cxnSp>
+      <mc:AlternateContent xmlns:mc="http://schemas.openxmlformats.org/markup-compatibility/2006">
+        <mc:Choice xmlns:a14="http://schemas.microsoft.com/office/drawing/2010/main" Requires="a14">
+          <p:sp>
+            <p:nvSpPr>
+              <p:cNvPr id="15" name="楕円 14">
+                <a:extLst>
+                  <a:ext uri="{FF2B5EF4-FFF2-40B4-BE49-F238E27FC236}">
+                    <a16:creationId xmlns:a16="http://schemas.microsoft.com/office/drawing/2014/main" id="{9469C3E7-8E89-4233-BF89-BC5390D60D08}"/>
+                  </a:ext>
+                </a:extLst>
+              </p:cNvPr>
+              <p:cNvSpPr/>
+              <p:nvPr/>
+            </p:nvSpPr>
+            <p:spPr>
+              <a:xfrm>
+                <a:off x="7522072" y="5022000"/>
+                <a:ext cx="900000" cy="900000"/>
+              </a:xfrm>
+              <a:prstGeom prst="ellipse">
+                <a:avLst/>
+              </a:prstGeom>
+              <a:ln w="28575">
+                <a:solidFill>
+                  <a:schemeClr val="tx1"/>
+                </a:solidFill>
+              </a:ln>
+            </p:spPr>
+            <p:style>
+              <a:lnRef idx="1">
+                <a:schemeClr val="accent1"/>
+              </a:lnRef>
+              <a:fillRef idx="0">
+                <a:schemeClr val="accent1"/>
+              </a:fillRef>
+              <a:effectRef idx="0">
+                <a:schemeClr val="accent1"/>
+              </a:effectRef>
+              <a:fontRef idx="minor">
+                <a:schemeClr val="tx1"/>
+              </a:fontRef>
+            </p:style>
+            <p:txBody>
+              <a:bodyPr rtlCol="0" anchor="ctr"/>
+              <a:lstStyle/>
+              <a:p>
+                <a:pPr algn="ctr"/>
+                <a14:m>
+                  <m:oMathPara xmlns:m="http://schemas.openxmlformats.org/officeDocument/2006/math">
+                    <m:oMathParaPr>
+                      <m:jc m:val="centerGroup"/>
+                    </m:oMathParaPr>
+                    <m:oMath xmlns:m="http://schemas.openxmlformats.org/officeDocument/2006/math">
+                      <m:r>
+                        <a:rPr kumimoji="1" lang="en-US" altLang="ja-JP" sz="2400" b="0" i="1" smtClean="0">
+                          <a:latin typeface="Cambria Math" panose="02040503050406030204" pitchFamily="18" charset="0"/>
+                        </a:rPr>
+                        <m:t>𝑡</m:t>
+                      </m:r>
+                      <m:r>
+                        <a:rPr kumimoji="1" lang="en-US" altLang="ja-JP" sz="2400" b="0" i="1" smtClean="0">
+                          <a:latin typeface="Cambria Math" panose="02040503050406030204" pitchFamily="18" charset="0"/>
+                        </a:rPr>
+                        <m:t>(5)</m:t>
+                      </m:r>
+                    </m:oMath>
+                  </m:oMathPara>
+                </a14:m>
+                <a:endParaRPr kumimoji="1" lang="ja-JP" altLang="en-US" sz="2400" dirty="0"/>
+              </a:p>
+            </p:txBody>
+          </p:sp>
+        </mc:Choice>
+        <mc:Fallback>
+          <p:sp>
+            <p:nvSpPr>
+              <p:cNvPr id="15" name="楕円 14">
+                <a:extLst>
+                  <a:ext uri="{FF2B5EF4-FFF2-40B4-BE49-F238E27FC236}">
+                    <a16:creationId xmlns:a16="http://schemas.microsoft.com/office/drawing/2014/main" id="{9469C3E7-8E89-4233-BF89-BC5390D60D08}"/>
+                  </a:ext>
+                </a:extLst>
+              </p:cNvPr>
+              <p:cNvSpPr>
+                <a:spLocks noRot="1" noChangeAspect="1" noMove="1" noResize="1" noEditPoints="1" noAdjustHandles="1" noChangeArrowheads="1" noChangeShapeType="1" noTextEdit="1"/>
+              </p:cNvSpPr>
+              <p:nvPr/>
+            </p:nvSpPr>
+            <p:spPr>
+              <a:xfrm>
+                <a:off x="7522072" y="5022000"/>
+                <a:ext cx="900000" cy="900000"/>
+              </a:xfrm>
+              <a:prstGeom prst="ellipse">
+                <a:avLst/>
+              </a:prstGeom>
+              <a:blipFill>
+                <a:blip r:embed="rId7"/>
+                <a:stretch>
+                  <a:fillRect/>
+                </a:stretch>
+              </a:blipFill>
+              <a:ln w="28575">
+                <a:solidFill>
+                  <a:schemeClr val="tx1"/>
+                </a:solidFill>
+              </a:ln>
+            </p:spPr>
+            <p:txBody>
+              <a:bodyPr/>
+              <a:lstStyle/>
+              <a:p>
+                <a:r>
+                  <a:rPr lang="ja-JP" altLang="en-US">
+                    <a:noFill/>
+                  </a:rPr>
+                  <a:t> </a:t>
+                </a:r>
+              </a:p>
+            </p:txBody>
+          </p:sp>
+        </mc:Fallback>
+      </mc:AlternateContent>
+      <p:cxnSp>
+        <p:nvCxnSpPr>
+          <p:cNvPr id="16" name="直線コネクタ 15">
+            <a:extLst>
+              <a:ext uri="{FF2B5EF4-FFF2-40B4-BE49-F238E27FC236}">
+                <a16:creationId xmlns:a16="http://schemas.microsoft.com/office/drawing/2014/main" id="{00C51417-FB24-4E8B-B476-1995985381ED}"/>
+              </a:ext>
+            </a:extLst>
+          </p:cNvPr>
+          <p:cNvCxnSpPr/>
+          <p:nvPr/>
+        </p:nvCxnSpPr>
+        <p:spPr>
+          <a:xfrm>
+            <a:off x="6982072" y="5492821"/>
+            <a:ext cx="540000" cy="0"/>
+          </a:xfrm>
+          <a:prstGeom prst="line">
+            <a:avLst/>
+          </a:prstGeom>
+          <a:ln w="25400"/>
+        </p:spPr>
+        <p:style>
+          <a:lnRef idx="1">
+            <a:schemeClr val="dk1"/>
+          </a:lnRef>
+          <a:fillRef idx="0">
+            <a:schemeClr val="dk1"/>
+          </a:fillRef>
+          <a:effectRef idx="0">
+            <a:schemeClr val="dk1"/>
+          </a:effectRef>
+          <a:fontRef idx="minor">
+            <a:schemeClr val="tx1"/>
+          </a:fontRef>
+        </p:style>
+      </p:cxnSp>
+    </p:spTree>
+    <p:extLst>
+      <p:ext uri="{BB962C8B-B14F-4D97-AF65-F5344CB8AC3E}">
+        <p14:creationId xmlns:p14="http://schemas.microsoft.com/office/powerpoint/2010/main" val="1216487650"/>
+      </p:ext>
+    </p:extLst>
+  </p:cSld>
+  <p:clrMapOvr>
+    <a:masterClrMapping/>
+  </p:clrMapOvr>
+</p:sld>
+</file>
+
+<file path=ppt/slides/slide13.xml><?xml version="1.0" encoding="utf-8"?>
+<p:sld xmlns:a="http://schemas.openxmlformats.org/drawingml/2006/main" xmlns:r="http://schemas.openxmlformats.org/officeDocument/2006/relationships" xmlns:p="http://schemas.openxmlformats.org/presentationml/2006/main">
+  <p:cSld>
+    <p:spTree>
+      <p:nvGrpSpPr>
+        <p:cNvPr id="1" name=""/>
+        <p:cNvGrpSpPr/>
+        <p:nvPr/>
+      </p:nvGrpSpPr>
+      <p:grpSpPr>
+        <a:xfrm>
+          <a:off x="0" y="0"/>
+          <a:ext cx="0" cy="0"/>
+          <a:chOff x="0" y="0"/>
+          <a:chExt cx="0" cy="0"/>
+        </a:xfrm>
+      </p:grpSpPr>
+      <p:sp>
+        <p:nvSpPr>
+          <p:cNvPr id="2" name="タイトル 1">
+            <a:extLst>
+              <a:ext uri="{FF2B5EF4-FFF2-40B4-BE49-F238E27FC236}">
                 <a16:creationId xmlns:a16="http://schemas.microsoft.com/office/drawing/2014/main" id="{AAB57B56-7398-46E1-BFC4-090EE3D5A268}"/>
               </a:ext>
             </a:extLst>
@@ -5289,1294 +6293,1501 @@
             <a:endParaRPr kumimoji="1" lang="en-US" altLang="ja-JP" dirty="0"/>
           </a:p>
           <a:p>
+            <a:r>
+              <a:rPr kumimoji="1" lang="ja-JP" altLang="en-US" dirty="0"/>
+              <a:t>各連結成分内で接続しているパス上のインデックスを収集</a:t>
+            </a:r>
+            <a:endParaRPr kumimoji="1" lang="en-US" altLang="ja-JP" dirty="0"/>
+          </a:p>
+          <a:p>
+            <a:endParaRPr kumimoji="1" lang="en-US" altLang="ja-JP" dirty="0"/>
+          </a:p>
+          <a:p>
+            <a:endParaRPr kumimoji="1" lang="en-US" altLang="ja-JP" dirty="0"/>
+          </a:p>
+          <a:p>
+            <a:endParaRPr kumimoji="1" lang="en-US" altLang="ja-JP" dirty="0"/>
+          </a:p>
+          <a:p>
             <a:endParaRPr kumimoji="1" lang="ja-JP" altLang="en-US" dirty="0"/>
           </a:p>
         </p:txBody>
       </p:sp>
-      <p:grpSp>
-        <p:nvGrpSpPr>
-          <p:cNvPr id="53" name="グループ化 52">
+      <mc:AlternateContent xmlns:mc="http://schemas.openxmlformats.org/markup-compatibility/2006">
+        <mc:Choice xmlns:a14="http://schemas.microsoft.com/office/drawing/2010/main" Requires="a14">
+          <p:sp>
+            <p:nvSpPr>
+              <p:cNvPr id="5" name="テキスト ボックス 4">
+                <a:extLst>
+                  <a:ext uri="{FF2B5EF4-FFF2-40B4-BE49-F238E27FC236}">
+                    <a16:creationId xmlns:a16="http://schemas.microsoft.com/office/drawing/2014/main" id="{EEC5D360-A2A8-4F75-A13E-5832087D3C09}"/>
+                  </a:ext>
+                </a:extLst>
+              </p:cNvPr>
+              <p:cNvSpPr txBox="1"/>
+              <p:nvPr/>
+            </p:nvSpPr>
+            <p:spPr>
+              <a:xfrm>
+                <a:off x="6668672" y="4063343"/>
+                <a:ext cx="974879" cy="369332"/>
+              </a:xfrm>
+              <a:prstGeom prst="rect">
+                <a:avLst/>
+              </a:prstGeom>
+              <a:noFill/>
+            </p:spPr>
+            <p:txBody>
+              <a:bodyPr wrap="square" rtlCol="0">
+                <a:spAutoFit/>
+              </a:bodyPr>
+              <a:lstStyle/>
+              <a:p>
+                <a:pPr/>
+                <a14:m>
+                  <m:oMathPara xmlns:m="http://schemas.openxmlformats.org/officeDocument/2006/math">
+                    <m:oMathParaPr>
+                      <m:jc m:val="centerGroup"/>
+                    </m:oMathParaPr>
+                    <m:oMath xmlns:m="http://schemas.openxmlformats.org/officeDocument/2006/math">
+                      <m:sSub>
+                        <m:sSubPr>
+                          <m:ctrlPr>
+                            <a:rPr kumimoji="1" lang="en-US" altLang="ja-JP" b="0" i="1" smtClean="0">
+                              <a:latin typeface="Cambria Math" panose="02040503050406030204" pitchFamily="18" charset="0"/>
+                            </a:rPr>
+                          </m:ctrlPr>
+                        </m:sSubPr>
+                        <m:e>
+                          <m:r>
+                            <a:rPr kumimoji="1" lang="en-US" altLang="ja-JP" b="0" i="1" smtClean="0">
+                              <a:latin typeface="Cambria Math" panose="02040503050406030204" pitchFamily="18" charset="0"/>
+                            </a:rPr>
+                            <m:t>𝑓</m:t>
+                          </m:r>
+                        </m:e>
+                        <m:sub>
+                          <m:r>
+                            <a:rPr kumimoji="1" lang="en-US" altLang="ja-JP" b="0" i="1" smtClean="0">
+                              <a:latin typeface="Cambria Math" panose="02040503050406030204" pitchFamily="18" charset="0"/>
+                            </a:rPr>
+                            <m:t>1</m:t>
+                          </m:r>
+                        </m:sub>
+                      </m:sSub>
+                    </m:oMath>
+                  </m:oMathPara>
+                </a14:m>
+                <a:endParaRPr kumimoji="1" lang="ja-JP" altLang="en-US" dirty="0"/>
+              </a:p>
+            </p:txBody>
+          </p:sp>
+        </mc:Choice>
+        <mc:Fallback>
+          <p:sp>
+            <p:nvSpPr>
+              <p:cNvPr id="5" name="テキスト ボックス 4">
+                <a:extLst>
+                  <a:ext uri="{FF2B5EF4-FFF2-40B4-BE49-F238E27FC236}">
+                    <a16:creationId xmlns:a16="http://schemas.microsoft.com/office/drawing/2014/main" id="{EEC5D360-A2A8-4F75-A13E-5832087D3C09}"/>
+                  </a:ext>
+                </a:extLst>
+              </p:cNvPr>
+              <p:cNvSpPr txBox="1">
+                <a:spLocks noRot="1" noChangeAspect="1" noMove="1" noResize="1" noEditPoints="1" noAdjustHandles="1" noChangeArrowheads="1" noChangeShapeType="1" noTextEdit="1"/>
+              </p:cNvSpPr>
+              <p:nvPr/>
+            </p:nvSpPr>
+            <p:spPr>
+              <a:xfrm>
+                <a:off x="6668672" y="4063343"/>
+                <a:ext cx="974879" cy="369332"/>
+              </a:xfrm>
+              <a:prstGeom prst="rect">
+                <a:avLst/>
+              </a:prstGeom>
+              <a:blipFill>
+                <a:blip r:embed="rId3"/>
+                <a:stretch>
+                  <a:fillRect b="-13333"/>
+                </a:stretch>
+              </a:blipFill>
+            </p:spPr>
+            <p:txBody>
+              <a:bodyPr/>
+              <a:lstStyle/>
+              <a:p>
+                <a:r>
+                  <a:rPr lang="ja-JP" altLang="en-US">
+                    <a:noFill/>
+                  </a:rPr>
+                  <a:t> </a:t>
+                </a:r>
+              </a:p>
+            </p:txBody>
+          </p:sp>
+        </mc:Fallback>
+      </mc:AlternateContent>
+      <p:sp>
+        <p:nvSpPr>
+          <p:cNvPr id="6" name="楕円 5">
             <a:extLst>
               <a:ext uri="{FF2B5EF4-FFF2-40B4-BE49-F238E27FC236}">
-                <a16:creationId xmlns:a16="http://schemas.microsoft.com/office/drawing/2014/main" id="{E2674961-0619-47F8-9A94-56BA36B6F419}"/>
+                <a16:creationId xmlns:a16="http://schemas.microsoft.com/office/drawing/2014/main" id="{C3D2F055-4A7C-4294-9D90-677C9FC621A1}"/>
               </a:ext>
             </a:extLst>
           </p:cNvPr>
-          <p:cNvGrpSpPr/>
+          <p:cNvSpPr/>
           <p:nvPr/>
-        </p:nvGrpSpPr>
-        <p:grpSpPr>
+        </p:nvSpPr>
+        <p:spPr>
           <a:xfrm>
-            <a:off x="1500449" y="4063343"/>
-            <a:ext cx="6143102" cy="2794657"/>
-            <a:chOff x="1000897" y="3344850"/>
-            <a:chExt cx="7139511" cy="3135227"/>
+            <a:off x="1778770" y="4559819"/>
+            <a:ext cx="551663" cy="390139"/>
           </a:xfrm>
-        </p:grpSpPr>
-        <mc:AlternateContent xmlns:mc="http://schemas.openxmlformats.org/markup-compatibility/2006">
-          <mc:Choice xmlns:a14="http://schemas.microsoft.com/office/drawing/2010/main" Requires="a14">
-            <p:sp>
-              <p:nvSpPr>
-                <p:cNvPr id="5" name="テキスト ボックス 4">
-                  <a:extLst>
-                    <a:ext uri="{FF2B5EF4-FFF2-40B4-BE49-F238E27FC236}">
-                      <a16:creationId xmlns:a16="http://schemas.microsoft.com/office/drawing/2014/main" id="{EEC5D360-A2A8-4F75-A13E-5832087D3C09}"/>
-                    </a:ext>
-                  </a:extLst>
-                </p:cNvPr>
-                <p:cNvSpPr txBox="1"/>
-                <p:nvPr/>
-              </p:nvSpPr>
-              <p:spPr>
-                <a:xfrm>
-                  <a:off x="7007404" y="3344850"/>
-                  <a:ext cx="1133004" cy="369332"/>
-                </a:xfrm>
-                <a:prstGeom prst="rect">
-                  <a:avLst/>
-                </a:prstGeom>
-                <a:noFill/>
-              </p:spPr>
-              <p:txBody>
-                <a:bodyPr wrap="square" rtlCol="0">
-                  <a:spAutoFit/>
-                </a:bodyPr>
-                <a:lstStyle/>
-                <a:p>
-                  <a:pPr/>
-                  <a14:m>
-                    <m:oMathPara xmlns:m="http://schemas.openxmlformats.org/officeDocument/2006/math">
-                      <m:oMathParaPr>
-                        <m:jc m:val="centerGroup"/>
-                      </m:oMathParaPr>
-                      <m:oMath xmlns:m="http://schemas.openxmlformats.org/officeDocument/2006/math">
-                        <m:sSub>
-                          <m:sSubPr>
-                            <m:ctrlPr>
-                              <a:rPr kumimoji="1" lang="en-US" altLang="ja-JP" b="0" i="1" smtClean="0">
-                                <a:latin typeface="Cambria Math" panose="02040503050406030204" pitchFamily="18" charset="0"/>
-                              </a:rPr>
-                            </m:ctrlPr>
-                          </m:sSubPr>
-                          <m:e>
-                            <m:r>
-                              <a:rPr kumimoji="1" lang="en-US" altLang="ja-JP" b="0" i="1" smtClean="0">
-                                <a:latin typeface="Cambria Math" panose="02040503050406030204" pitchFamily="18" charset="0"/>
-                              </a:rPr>
-                              <m:t>𝑃</m:t>
-                            </m:r>
-                          </m:e>
-                          <m:sub>
-                            <m:r>
-                              <a:rPr kumimoji="1" lang="en-US" altLang="ja-JP" b="0" i="1" smtClean="0">
-                                <a:latin typeface="Cambria Math" panose="02040503050406030204" pitchFamily="18" charset="0"/>
-                              </a:rPr>
-                              <m:t>1</m:t>
-                            </m:r>
-                          </m:sub>
-                        </m:sSub>
-                      </m:oMath>
-                    </m:oMathPara>
-                  </a14:m>
-                  <a:endParaRPr kumimoji="1" lang="ja-JP" altLang="en-US" dirty="0"/>
-                </a:p>
-              </p:txBody>
-            </p:sp>
-          </mc:Choice>
-          <mc:Fallback>
-            <p:sp>
-              <p:nvSpPr>
-                <p:cNvPr id="5" name="テキスト ボックス 4">
-                  <a:extLst>
-                    <a:ext uri="{FF2B5EF4-FFF2-40B4-BE49-F238E27FC236}">
-                      <a16:creationId xmlns:a16="http://schemas.microsoft.com/office/drawing/2014/main" id="{EEC5D360-A2A8-4F75-A13E-5832087D3C09}"/>
-                    </a:ext>
-                  </a:extLst>
-                </p:cNvPr>
-                <p:cNvSpPr txBox="1">
-                  <a:spLocks noRot="1" noChangeAspect="1" noMove="1" noResize="1" noEditPoints="1" noAdjustHandles="1" noChangeArrowheads="1" noChangeShapeType="1" noTextEdit="1"/>
-                </p:cNvSpPr>
-                <p:nvPr/>
-              </p:nvSpPr>
-              <p:spPr>
-                <a:xfrm>
-                  <a:off x="7007404" y="3344850"/>
-                  <a:ext cx="1133004" cy="369332"/>
-                </a:xfrm>
-                <a:prstGeom prst="rect">
-                  <a:avLst/>
-                </a:prstGeom>
-                <a:blipFill>
-                  <a:blip r:embed="rId3"/>
-                  <a:stretch>
-                    <a:fillRect b="-11111"/>
-                  </a:stretch>
-                </a:blipFill>
-              </p:spPr>
-              <p:txBody>
-                <a:bodyPr/>
-                <a:lstStyle/>
-                <a:p>
-                  <a:r>
-                    <a:rPr lang="ja-JP" altLang="en-US">
-                      <a:noFill/>
-                    </a:rPr>
-                    <a:t> </a:t>
-                  </a:r>
-                </a:p>
-              </p:txBody>
-            </p:sp>
-          </mc:Fallback>
-        </mc:AlternateContent>
-        <p:sp>
-          <p:nvSpPr>
-            <p:cNvPr id="6" name="楕円 5">
-              <a:extLst>
-                <a:ext uri="{FF2B5EF4-FFF2-40B4-BE49-F238E27FC236}">
-                  <a16:creationId xmlns:a16="http://schemas.microsoft.com/office/drawing/2014/main" id="{C3D2F055-4A7C-4294-9D90-677C9FC621A1}"/>
-                </a:ext>
-              </a:extLst>
-            </p:cNvPr>
-            <p:cNvSpPr/>
-            <p:nvPr/>
-          </p:nvSpPr>
-          <p:spPr>
-            <a:xfrm>
-              <a:off x="1324361" y="3901829"/>
-              <a:ext cx="641143" cy="437683"/>
-            </a:xfrm>
-            <a:prstGeom prst="ellipse">
-              <a:avLst/>
-            </a:prstGeom>
-            <a:ln w="28575">
-              <a:solidFill>
-                <a:schemeClr val="tx1"/>
-              </a:solidFill>
-            </a:ln>
-          </p:spPr>
-          <p:style>
-            <a:lnRef idx="1">
-              <a:schemeClr val="accent1"/>
-            </a:lnRef>
-            <a:fillRef idx="0">
-              <a:schemeClr val="accent1"/>
-            </a:fillRef>
-            <a:effectRef idx="0">
-              <a:schemeClr val="accent1"/>
-            </a:effectRef>
-            <a:fontRef idx="minor">
+          <a:prstGeom prst="ellipse">
+            <a:avLst/>
+          </a:prstGeom>
+          <a:ln w="28575">
+            <a:solidFill>
               <a:schemeClr val="tx1"/>
-            </a:fontRef>
-          </p:style>
-          <p:txBody>
-            <a:bodyPr rtlCol="0" anchor="ctr"/>
-            <a:lstStyle/>
-            <a:p>
-              <a:pPr algn="ctr"/>
-              <a:endParaRPr kumimoji="1" lang="ja-JP" altLang="en-US" dirty="0"/>
-            </a:p>
-          </p:txBody>
-        </p:sp>
-        <p:cxnSp>
-          <p:nvCxnSpPr>
-            <p:cNvPr id="7" name="直線矢印コネクタ 6">
-              <a:extLst>
-                <a:ext uri="{FF2B5EF4-FFF2-40B4-BE49-F238E27FC236}">
-                  <a16:creationId xmlns:a16="http://schemas.microsoft.com/office/drawing/2014/main" id="{693C36B8-089F-43D8-A4A5-11B3CD7D88A1}"/>
-                </a:ext>
-              </a:extLst>
-            </p:cNvPr>
-            <p:cNvCxnSpPr>
-              <a:cxnSpLocks/>
-            </p:cNvCxnSpPr>
-            <p:nvPr/>
-          </p:nvCxnSpPr>
-          <p:spPr>
-            <a:xfrm flipV="1">
-              <a:off x="1646486" y="3461948"/>
-              <a:ext cx="0" cy="424551"/>
-            </a:xfrm>
-            <a:prstGeom prst="straightConnector1">
-              <a:avLst/>
-            </a:prstGeom>
-            <a:ln w="28575">
-              <a:solidFill>
-                <a:schemeClr val="tx1"/>
-              </a:solidFill>
-              <a:tailEnd type="none" w="lg" len="lg"/>
-            </a:ln>
-          </p:spPr>
-          <p:style>
-            <a:lnRef idx="1">
-              <a:schemeClr val="accent1"/>
-            </a:lnRef>
-            <a:fillRef idx="0">
-              <a:schemeClr val="accent1"/>
-            </a:fillRef>
-            <a:effectRef idx="0">
-              <a:schemeClr val="accent1"/>
-            </a:effectRef>
-            <a:fontRef idx="minor">
+            </a:solidFill>
+          </a:ln>
+        </p:spPr>
+        <p:style>
+          <a:lnRef idx="1">
+            <a:schemeClr val="accent1"/>
+          </a:lnRef>
+          <a:fillRef idx="0">
+            <a:schemeClr val="accent1"/>
+          </a:fillRef>
+          <a:effectRef idx="0">
+            <a:schemeClr val="accent1"/>
+          </a:effectRef>
+          <a:fontRef idx="minor">
+            <a:schemeClr val="tx1"/>
+          </a:fontRef>
+        </p:style>
+        <p:txBody>
+          <a:bodyPr rtlCol="0" anchor="ctr"/>
+          <a:lstStyle/>
+          <a:p>
+            <a:pPr algn="ctr"/>
+            <a:endParaRPr kumimoji="1" lang="ja-JP" altLang="en-US" dirty="0"/>
+          </a:p>
+        </p:txBody>
+      </p:sp>
+      <p:cxnSp>
+        <p:nvCxnSpPr>
+          <p:cNvPr id="7" name="直線矢印コネクタ 6">
+            <a:extLst>
+              <a:ext uri="{FF2B5EF4-FFF2-40B4-BE49-F238E27FC236}">
+                <a16:creationId xmlns:a16="http://schemas.microsoft.com/office/drawing/2014/main" id="{693C36B8-089F-43D8-A4A5-11B3CD7D88A1}"/>
+              </a:ext>
+            </a:extLst>
+          </p:cNvPr>
+          <p:cNvCxnSpPr>
+            <a:cxnSpLocks/>
+          </p:cNvCxnSpPr>
+          <p:nvPr/>
+        </p:nvCxnSpPr>
+        <p:spPr>
+          <a:xfrm flipV="1">
+            <a:off x="2055938" y="4167721"/>
+            <a:ext cx="0" cy="378433"/>
+          </a:xfrm>
+          <a:prstGeom prst="straightConnector1">
+            <a:avLst/>
+          </a:prstGeom>
+          <a:ln w="28575">
+            <a:solidFill>
               <a:schemeClr val="tx1"/>
-            </a:fontRef>
-          </p:style>
-        </p:cxnSp>
-        <p:cxnSp>
-          <p:nvCxnSpPr>
-            <p:cNvPr id="13" name="直線コネクタ 12">
-              <a:extLst>
-                <a:ext uri="{FF2B5EF4-FFF2-40B4-BE49-F238E27FC236}">
-                  <a16:creationId xmlns:a16="http://schemas.microsoft.com/office/drawing/2014/main" id="{10140C30-CB40-4479-9374-DDCE89F7DB21}"/>
-                </a:ext>
-              </a:extLst>
-            </p:cNvPr>
-            <p:cNvCxnSpPr>
-              <a:cxnSpLocks/>
-            </p:cNvCxnSpPr>
-            <p:nvPr/>
-          </p:nvCxnSpPr>
-          <p:spPr>
-            <a:xfrm>
-              <a:off x="1084734" y="3461948"/>
-              <a:ext cx="6007055" cy="0"/>
-            </a:xfrm>
-            <a:prstGeom prst="line">
-              <a:avLst/>
-            </a:prstGeom>
-            <a:ln w="28575">
-              <a:solidFill>
-                <a:schemeClr val="tx1"/>
-              </a:solidFill>
-              <a:headEnd type="none"/>
-              <a:tailEnd w="lg" len="lg"/>
-            </a:ln>
-          </p:spPr>
-          <p:style>
-            <a:lnRef idx="1">
-              <a:schemeClr val="accent1"/>
-            </a:lnRef>
-            <a:fillRef idx="0">
-              <a:schemeClr val="accent1"/>
-            </a:fillRef>
-            <a:effectRef idx="0">
-              <a:schemeClr val="accent1"/>
-            </a:effectRef>
-            <a:fontRef idx="minor">
+            </a:solidFill>
+            <a:tailEnd type="none" w="lg" len="lg"/>
+          </a:ln>
+        </p:spPr>
+        <p:style>
+          <a:lnRef idx="1">
+            <a:schemeClr val="accent1"/>
+          </a:lnRef>
+          <a:fillRef idx="0">
+            <a:schemeClr val="accent1"/>
+          </a:fillRef>
+          <a:effectRef idx="0">
+            <a:schemeClr val="accent1"/>
+          </a:effectRef>
+          <a:fontRef idx="minor">
+            <a:schemeClr val="tx1"/>
+          </a:fontRef>
+        </p:style>
+      </p:cxnSp>
+      <p:cxnSp>
+        <p:nvCxnSpPr>
+          <p:cNvPr id="13" name="直線コネクタ 12">
+            <a:extLst>
+              <a:ext uri="{FF2B5EF4-FFF2-40B4-BE49-F238E27FC236}">
+                <a16:creationId xmlns:a16="http://schemas.microsoft.com/office/drawing/2014/main" id="{10140C30-CB40-4479-9374-DDCE89F7DB21}"/>
+              </a:ext>
+            </a:extLst>
+          </p:cNvPr>
+          <p:cNvCxnSpPr>
+            <a:cxnSpLocks/>
+          </p:cNvCxnSpPr>
+          <p:nvPr/>
+        </p:nvCxnSpPr>
+        <p:spPr>
+          <a:xfrm>
+            <a:off x="1572585" y="4167721"/>
+            <a:ext cx="5168695" cy="0"/>
+          </a:xfrm>
+          <a:prstGeom prst="line">
+            <a:avLst/>
+          </a:prstGeom>
+          <a:ln w="34925">
+            <a:solidFill>
               <a:schemeClr val="tx1"/>
-            </a:fontRef>
-          </p:style>
-        </p:cxnSp>
-        <p:sp>
-          <p:nvSpPr>
-            <p:cNvPr id="14" name="楕円 13">
-              <a:extLst>
-                <a:ext uri="{FF2B5EF4-FFF2-40B4-BE49-F238E27FC236}">
-                  <a16:creationId xmlns:a16="http://schemas.microsoft.com/office/drawing/2014/main" id="{8DD7908E-7206-4E9A-B26F-0DC961C4417A}"/>
-                </a:ext>
-              </a:extLst>
-            </p:cNvPr>
-            <p:cNvSpPr/>
-            <p:nvPr/>
-          </p:nvSpPr>
-          <p:spPr>
-            <a:xfrm>
-              <a:off x="2342907" y="4119470"/>
-              <a:ext cx="641143" cy="437683"/>
-            </a:xfrm>
-            <a:prstGeom prst="ellipse">
-              <a:avLst/>
-            </a:prstGeom>
-            <a:ln w="28575">
-              <a:solidFill>
-                <a:schemeClr val="tx1"/>
-              </a:solidFill>
-            </a:ln>
-          </p:spPr>
-          <p:style>
-            <a:lnRef idx="1">
-              <a:schemeClr val="accent1"/>
-            </a:lnRef>
-            <a:fillRef idx="0">
-              <a:schemeClr val="accent1"/>
-            </a:fillRef>
-            <a:effectRef idx="0">
-              <a:schemeClr val="accent1"/>
-            </a:effectRef>
-            <a:fontRef idx="minor">
+            </a:solidFill>
+            <a:headEnd type="none"/>
+            <a:tailEnd w="lg" len="lg"/>
+          </a:ln>
+        </p:spPr>
+        <p:style>
+          <a:lnRef idx="1">
+            <a:schemeClr val="accent1"/>
+          </a:lnRef>
+          <a:fillRef idx="0">
+            <a:schemeClr val="accent1"/>
+          </a:fillRef>
+          <a:effectRef idx="0">
+            <a:schemeClr val="accent1"/>
+          </a:effectRef>
+          <a:fontRef idx="minor">
+            <a:schemeClr val="tx1"/>
+          </a:fontRef>
+        </p:style>
+      </p:cxnSp>
+      <p:sp>
+        <p:nvSpPr>
+          <p:cNvPr id="14" name="楕円 13">
+            <a:extLst>
+              <a:ext uri="{FF2B5EF4-FFF2-40B4-BE49-F238E27FC236}">
+                <a16:creationId xmlns:a16="http://schemas.microsoft.com/office/drawing/2014/main" id="{8DD7908E-7206-4E9A-B26F-0DC961C4417A}"/>
+              </a:ext>
+            </a:extLst>
+          </p:cNvPr>
+          <p:cNvSpPr/>
+          <p:nvPr/>
+        </p:nvSpPr>
+        <p:spPr>
+          <a:xfrm>
+            <a:off x="2655165" y="4753818"/>
+            <a:ext cx="551663" cy="390139"/>
+          </a:xfrm>
+          <a:prstGeom prst="ellipse">
+            <a:avLst/>
+          </a:prstGeom>
+          <a:ln w="28575">
+            <a:solidFill>
               <a:schemeClr val="tx1"/>
-            </a:fontRef>
-          </p:style>
-          <p:txBody>
-            <a:bodyPr rtlCol="0" anchor="ctr"/>
-            <a:lstStyle/>
-            <a:p>
-              <a:pPr algn="ctr"/>
-              <a:endParaRPr kumimoji="1" lang="ja-JP" altLang="en-US" dirty="0"/>
-            </a:p>
-          </p:txBody>
-        </p:sp>
-        <p:sp>
-          <p:nvSpPr>
-            <p:cNvPr id="15" name="楕円 14">
-              <a:extLst>
-                <a:ext uri="{FF2B5EF4-FFF2-40B4-BE49-F238E27FC236}">
-                  <a16:creationId xmlns:a16="http://schemas.microsoft.com/office/drawing/2014/main" id="{472E4EC9-19D0-4F87-8EFA-0E1750B321F0}"/>
-                </a:ext>
-              </a:extLst>
-            </p:cNvPr>
-            <p:cNvSpPr/>
-            <p:nvPr/>
-          </p:nvSpPr>
-          <p:spPr>
-            <a:xfrm>
-              <a:off x="4301558" y="3901829"/>
-              <a:ext cx="641143" cy="437683"/>
-            </a:xfrm>
-            <a:prstGeom prst="ellipse">
-              <a:avLst/>
-            </a:prstGeom>
-            <a:ln w="28575">
-              <a:solidFill>
-                <a:schemeClr val="tx1"/>
-              </a:solidFill>
-            </a:ln>
-          </p:spPr>
-          <p:style>
-            <a:lnRef idx="1">
-              <a:schemeClr val="accent1"/>
-            </a:lnRef>
-            <a:fillRef idx="0">
-              <a:schemeClr val="accent1"/>
-            </a:fillRef>
-            <a:effectRef idx="0">
-              <a:schemeClr val="accent1"/>
-            </a:effectRef>
-            <a:fontRef idx="minor">
+            </a:solidFill>
+          </a:ln>
+        </p:spPr>
+        <p:style>
+          <a:lnRef idx="1">
+            <a:schemeClr val="accent1"/>
+          </a:lnRef>
+          <a:fillRef idx="0">
+            <a:schemeClr val="accent1"/>
+          </a:fillRef>
+          <a:effectRef idx="0">
+            <a:schemeClr val="accent1"/>
+          </a:effectRef>
+          <a:fontRef idx="minor">
+            <a:schemeClr val="tx1"/>
+          </a:fontRef>
+        </p:style>
+        <p:txBody>
+          <a:bodyPr rtlCol="0" anchor="ctr"/>
+          <a:lstStyle/>
+          <a:p>
+            <a:pPr algn="ctr"/>
+            <a:endParaRPr kumimoji="1" lang="ja-JP" altLang="en-US" dirty="0"/>
+          </a:p>
+        </p:txBody>
+      </p:sp>
+      <p:sp>
+        <p:nvSpPr>
+          <p:cNvPr id="15" name="楕円 14">
+            <a:extLst>
+              <a:ext uri="{FF2B5EF4-FFF2-40B4-BE49-F238E27FC236}">
+                <a16:creationId xmlns:a16="http://schemas.microsoft.com/office/drawing/2014/main" id="{472E4EC9-19D0-4F87-8EFA-0E1750B321F0}"/>
+              </a:ext>
+            </a:extLst>
+          </p:cNvPr>
+          <p:cNvSpPr/>
+          <p:nvPr/>
+        </p:nvSpPr>
+        <p:spPr>
+          <a:xfrm>
+            <a:off x="4340461" y="4559819"/>
+            <a:ext cx="551663" cy="390139"/>
+          </a:xfrm>
+          <a:prstGeom prst="ellipse">
+            <a:avLst/>
+          </a:prstGeom>
+          <a:ln w="28575">
+            <a:solidFill>
               <a:schemeClr val="tx1"/>
-            </a:fontRef>
-          </p:style>
-          <p:txBody>
-            <a:bodyPr rtlCol="0" anchor="ctr"/>
-            <a:lstStyle/>
-            <a:p>
-              <a:pPr algn="ctr"/>
-              <a:endParaRPr kumimoji="1" lang="ja-JP" altLang="en-US" dirty="0"/>
-            </a:p>
-          </p:txBody>
-        </p:sp>
-        <p:sp>
-          <p:nvSpPr>
-            <p:cNvPr id="16" name="楕円 15">
-              <a:extLst>
-                <a:ext uri="{FF2B5EF4-FFF2-40B4-BE49-F238E27FC236}">
-                  <a16:creationId xmlns:a16="http://schemas.microsoft.com/office/drawing/2014/main" id="{F00FC3D4-51B5-4CCA-BE18-A0C06F3D48F5}"/>
-                </a:ext>
-              </a:extLst>
-            </p:cNvPr>
-            <p:cNvSpPr/>
-            <p:nvPr/>
-          </p:nvSpPr>
-          <p:spPr>
-            <a:xfrm>
-              <a:off x="5727689" y="4180416"/>
-              <a:ext cx="641143" cy="437683"/>
-            </a:xfrm>
-            <a:prstGeom prst="ellipse">
-              <a:avLst/>
-            </a:prstGeom>
-            <a:ln w="28575">
-              <a:solidFill>
-                <a:schemeClr val="tx1"/>
-              </a:solidFill>
-            </a:ln>
-          </p:spPr>
-          <p:style>
-            <a:lnRef idx="1">
-              <a:schemeClr val="accent1"/>
-            </a:lnRef>
-            <a:fillRef idx="0">
-              <a:schemeClr val="accent1"/>
-            </a:fillRef>
-            <a:effectRef idx="0">
-              <a:schemeClr val="accent1"/>
-            </a:effectRef>
-            <a:fontRef idx="minor">
+            </a:solidFill>
+          </a:ln>
+        </p:spPr>
+        <p:style>
+          <a:lnRef idx="1">
+            <a:schemeClr val="accent1"/>
+          </a:lnRef>
+          <a:fillRef idx="0">
+            <a:schemeClr val="accent1"/>
+          </a:fillRef>
+          <a:effectRef idx="0">
+            <a:schemeClr val="accent1"/>
+          </a:effectRef>
+          <a:fontRef idx="minor">
+            <a:schemeClr val="tx1"/>
+          </a:fontRef>
+        </p:style>
+        <p:txBody>
+          <a:bodyPr rtlCol="0" anchor="ctr"/>
+          <a:lstStyle/>
+          <a:p>
+            <a:pPr algn="ctr"/>
+            <a:endParaRPr kumimoji="1" lang="ja-JP" altLang="en-US" dirty="0"/>
+          </a:p>
+        </p:txBody>
+      </p:sp>
+      <p:sp>
+        <p:nvSpPr>
+          <p:cNvPr id="16" name="楕円 15">
+            <a:extLst>
+              <a:ext uri="{FF2B5EF4-FFF2-40B4-BE49-F238E27FC236}">
+                <a16:creationId xmlns:a16="http://schemas.microsoft.com/office/drawing/2014/main" id="{F00FC3D4-51B5-4CCA-BE18-A0C06F3D48F5}"/>
+              </a:ext>
+            </a:extLst>
+          </p:cNvPr>
+          <p:cNvSpPr/>
+          <p:nvPr/>
+        </p:nvSpPr>
+        <p:spPr>
+          <a:xfrm>
+            <a:off x="5567557" y="4808144"/>
+            <a:ext cx="551663" cy="390139"/>
+          </a:xfrm>
+          <a:prstGeom prst="ellipse">
+            <a:avLst/>
+          </a:prstGeom>
+          <a:ln w="28575">
+            <a:solidFill>
               <a:schemeClr val="tx1"/>
-            </a:fontRef>
-          </p:style>
-          <p:txBody>
-            <a:bodyPr rtlCol="0" anchor="ctr"/>
-            <a:lstStyle/>
-            <a:p>
-              <a:pPr algn="ctr"/>
-              <a:endParaRPr kumimoji="1" lang="ja-JP" altLang="en-US" dirty="0"/>
-            </a:p>
-          </p:txBody>
-        </p:sp>
-        <p:cxnSp>
-          <p:nvCxnSpPr>
-            <p:cNvPr id="19" name="直線コネクタ 18">
-              <a:extLst>
-                <a:ext uri="{FF2B5EF4-FFF2-40B4-BE49-F238E27FC236}">
-                  <a16:creationId xmlns:a16="http://schemas.microsoft.com/office/drawing/2014/main" id="{C132E00D-B6AF-4E9C-9A8A-39ADA7ABC41D}"/>
-                </a:ext>
-              </a:extLst>
-            </p:cNvPr>
-            <p:cNvCxnSpPr>
-              <a:cxnSpLocks/>
-            </p:cNvCxnSpPr>
-            <p:nvPr/>
-          </p:nvCxnSpPr>
-          <p:spPr>
-            <a:xfrm>
-              <a:off x="1084734" y="4973945"/>
-              <a:ext cx="6007055" cy="0"/>
-            </a:xfrm>
-            <a:prstGeom prst="line">
-              <a:avLst/>
-            </a:prstGeom>
-            <a:ln w="28575">
-              <a:solidFill>
-                <a:schemeClr val="tx1"/>
-              </a:solidFill>
-              <a:headEnd type="none"/>
-              <a:tailEnd w="lg" len="lg"/>
-            </a:ln>
-          </p:spPr>
-          <p:style>
-            <a:lnRef idx="1">
-              <a:schemeClr val="accent1"/>
-            </a:lnRef>
-            <a:fillRef idx="0">
-              <a:schemeClr val="accent1"/>
-            </a:fillRef>
-            <a:effectRef idx="0">
-              <a:schemeClr val="accent1"/>
-            </a:effectRef>
-            <a:fontRef idx="minor">
+            </a:solidFill>
+          </a:ln>
+        </p:spPr>
+        <p:style>
+          <a:lnRef idx="1">
+            <a:schemeClr val="accent1"/>
+          </a:lnRef>
+          <a:fillRef idx="0">
+            <a:schemeClr val="accent1"/>
+          </a:fillRef>
+          <a:effectRef idx="0">
+            <a:schemeClr val="accent1"/>
+          </a:effectRef>
+          <a:fontRef idx="minor">
+            <a:schemeClr val="tx1"/>
+          </a:fontRef>
+        </p:style>
+        <p:txBody>
+          <a:bodyPr rtlCol="0" anchor="ctr"/>
+          <a:lstStyle/>
+          <a:p>
+            <a:pPr algn="ctr"/>
+            <a:endParaRPr kumimoji="1" lang="ja-JP" altLang="en-US" dirty="0"/>
+          </a:p>
+        </p:txBody>
+      </p:sp>
+      <p:cxnSp>
+        <p:nvCxnSpPr>
+          <p:cNvPr id="19" name="直線コネクタ 18">
+            <a:extLst>
+              <a:ext uri="{FF2B5EF4-FFF2-40B4-BE49-F238E27FC236}">
+                <a16:creationId xmlns:a16="http://schemas.microsoft.com/office/drawing/2014/main" id="{C132E00D-B6AF-4E9C-9A8A-39ADA7ABC41D}"/>
+              </a:ext>
+            </a:extLst>
+          </p:cNvPr>
+          <p:cNvCxnSpPr>
+            <a:cxnSpLocks/>
+          </p:cNvCxnSpPr>
+          <p:nvPr/>
+        </p:nvCxnSpPr>
+        <p:spPr>
+          <a:xfrm>
+            <a:off x="1600386" y="5515475"/>
+            <a:ext cx="5168695" cy="0"/>
+          </a:xfrm>
+          <a:prstGeom prst="line">
+            <a:avLst/>
+          </a:prstGeom>
+          <a:ln w="34925">
+            <a:solidFill>
               <a:schemeClr val="tx1"/>
-            </a:fontRef>
-          </p:style>
-        </p:cxnSp>
-        <p:sp>
-          <p:nvSpPr>
-            <p:cNvPr id="20" name="楕円 19">
-              <a:extLst>
-                <a:ext uri="{FF2B5EF4-FFF2-40B4-BE49-F238E27FC236}">
-                  <a16:creationId xmlns:a16="http://schemas.microsoft.com/office/drawing/2014/main" id="{CBF3DFD5-3D88-411A-B589-117F9ACA7137}"/>
-                </a:ext>
-              </a:extLst>
-            </p:cNvPr>
-            <p:cNvSpPr/>
-            <p:nvPr/>
-          </p:nvSpPr>
-          <p:spPr>
-            <a:xfrm>
-              <a:off x="3783408" y="5329792"/>
-              <a:ext cx="641143" cy="437683"/>
-            </a:xfrm>
-            <a:prstGeom prst="ellipse">
-              <a:avLst/>
-            </a:prstGeom>
-            <a:ln w="28575">
-              <a:solidFill>
-                <a:schemeClr val="tx1"/>
-              </a:solidFill>
-            </a:ln>
-          </p:spPr>
-          <p:style>
-            <a:lnRef idx="1">
-              <a:schemeClr val="accent1"/>
-            </a:lnRef>
-            <a:fillRef idx="0">
-              <a:schemeClr val="accent1"/>
-            </a:fillRef>
-            <a:effectRef idx="0">
-              <a:schemeClr val="accent1"/>
-            </a:effectRef>
-            <a:fontRef idx="minor">
+            </a:solidFill>
+            <a:headEnd type="none"/>
+            <a:tailEnd w="lg" len="lg"/>
+          </a:ln>
+        </p:spPr>
+        <p:style>
+          <a:lnRef idx="1">
+            <a:schemeClr val="accent1"/>
+          </a:lnRef>
+          <a:fillRef idx="0">
+            <a:schemeClr val="accent1"/>
+          </a:fillRef>
+          <a:effectRef idx="0">
+            <a:schemeClr val="accent1"/>
+          </a:effectRef>
+          <a:fontRef idx="minor">
+            <a:schemeClr val="tx1"/>
+          </a:fontRef>
+        </p:style>
+      </p:cxnSp>
+      <p:sp>
+        <p:nvSpPr>
+          <p:cNvPr id="20" name="楕円 19">
+            <a:extLst>
+              <a:ext uri="{FF2B5EF4-FFF2-40B4-BE49-F238E27FC236}">
+                <a16:creationId xmlns:a16="http://schemas.microsoft.com/office/drawing/2014/main" id="{CBF3DFD5-3D88-411A-B589-117F9ACA7137}"/>
+              </a:ext>
+            </a:extLst>
+          </p:cNvPr>
+          <p:cNvSpPr/>
+          <p:nvPr/>
+        </p:nvSpPr>
+        <p:spPr>
+          <a:xfrm>
+            <a:off x="3894625" y="5832667"/>
+            <a:ext cx="551663" cy="390139"/>
+          </a:xfrm>
+          <a:prstGeom prst="ellipse">
+            <a:avLst/>
+          </a:prstGeom>
+          <a:ln w="28575">
+            <a:solidFill>
               <a:schemeClr val="tx1"/>
-            </a:fontRef>
-          </p:style>
-          <p:txBody>
-            <a:bodyPr rtlCol="0" anchor="ctr"/>
-            <a:lstStyle/>
-            <a:p>
-              <a:pPr algn="ctr"/>
-              <a:endParaRPr kumimoji="1" lang="ja-JP" altLang="en-US" dirty="0"/>
-            </a:p>
-          </p:txBody>
-        </p:sp>
-        <p:cxnSp>
-          <p:nvCxnSpPr>
-            <p:cNvPr id="22" name="直線コネクタ 21">
-              <a:extLst>
-                <a:ext uri="{FF2B5EF4-FFF2-40B4-BE49-F238E27FC236}">
-                  <a16:creationId xmlns:a16="http://schemas.microsoft.com/office/drawing/2014/main" id="{13F742AB-6EF9-4CFA-8672-901859AC2585}"/>
-                </a:ext>
-              </a:extLst>
-            </p:cNvPr>
-            <p:cNvCxnSpPr>
-              <a:cxnSpLocks/>
-            </p:cNvCxnSpPr>
-            <p:nvPr/>
-          </p:nvCxnSpPr>
-          <p:spPr>
-            <a:xfrm>
-              <a:off x="1000897" y="6213989"/>
-              <a:ext cx="6007055" cy="0"/>
-            </a:xfrm>
-            <a:prstGeom prst="line">
-              <a:avLst/>
-            </a:prstGeom>
-            <a:ln w="28575">
-              <a:solidFill>
-                <a:schemeClr val="tx1"/>
-              </a:solidFill>
-              <a:headEnd type="none"/>
-              <a:tailEnd w="lg" len="lg"/>
-            </a:ln>
-          </p:spPr>
-          <p:style>
-            <a:lnRef idx="1">
-              <a:schemeClr val="accent1"/>
-            </a:lnRef>
-            <a:fillRef idx="0">
-              <a:schemeClr val="accent1"/>
-            </a:fillRef>
-            <a:effectRef idx="0">
-              <a:schemeClr val="accent1"/>
-            </a:effectRef>
-            <a:fontRef idx="minor">
+            </a:solidFill>
+          </a:ln>
+        </p:spPr>
+        <p:style>
+          <a:lnRef idx="1">
+            <a:schemeClr val="accent1"/>
+          </a:lnRef>
+          <a:fillRef idx="0">
+            <a:schemeClr val="accent1"/>
+          </a:fillRef>
+          <a:effectRef idx="0">
+            <a:schemeClr val="accent1"/>
+          </a:effectRef>
+          <a:fontRef idx="minor">
+            <a:schemeClr val="tx1"/>
+          </a:fontRef>
+        </p:style>
+        <p:txBody>
+          <a:bodyPr rtlCol="0" anchor="ctr"/>
+          <a:lstStyle/>
+          <a:p>
+            <a:pPr algn="ctr"/>
+            <a:endParaRPr kumimoji="1" lang="ja-JP" altLang="en-US" dirty="0"/>
+          </a:p>
+        </p:txBody>
+      </p:sp>
+      <p:cxnSp>
+        <p:nvCxnSpPr>
+          <p:cNvPr id="22" name="直線コネクタ 21">
+            <a:extLst>
+              <a:ext uri="{FF2B5EF4-FFF2-40B4-BE49-F238E27FC236}">
+                <a16:creationId xmlns:a16="http://schemas.microsoft.com/office/drawing/2014/main" id="{13F742AB-6EF9-4CFA-8672-901859AC2585}"/>
+              </a:ext>
+            </a:extLst>
+          </p:cNvPr>
+          <p:cNvCxnSpPr>
+            <a:cxnSpLocks/>
+          </p:cNvCxnSpPr>
+          <p:nvPr/>
+        </p:nvCxnSpPr>
+        <p:spPr>
+          <a:xfrm>
+            <a:off x="1500449" y="6620816"/>
+            <a:ext cx="5168695" cy="0"/>
+          </a:xfrm>
+          <a:prstGeom prst="line">
+            <a:avLst/>
+          </a:prstGeom>
+          <a:ln w="34925">
+            <a:solidFill>
               <a:schemeClr val="tx1"/>
-            </a:fontRef>
-          </p:style>
-        </p:cxnSp>
-        <p:cxnSp>
-          <p:nvCxnSpPr>
-            <p:cNvPr id="23" name="直線矢印コネクタ 22">
-              <a:extLst>
-                <a:ext uri="{FF2B5EF4-FFF2-40B4-BE49-F238E27FC236}">
-                  <a16:creationId xmlns:a16="http://schemas.microsoft.com/office/drawing/2014/main" id="{3EB70EE6-FDAF-4C4F-972C-14AD366C921E}"/>
-                </a:ext>
-              </a:extLst>
-            </p:cNvPr>
-            <p:cNvCxnSpPr>
-              <a:cxnSpLocks/>
-              <a:stCxn id="14" idx="0"/>
-            </p:cNvCxnSpPr>
-            <p:nvPr/>
-          </p:nvCxnSpPr>
-          <p:spPr>
-            <a:xfrm flipV="1">
-              <a:off x="2663478" y="3459371"/>
-              <a:ext cx="0" cy="660100"/>
-            </a:xfrm>
-            <a:prstGeom prst="straightConnector1">
-              <a:avLst/>
-            </a:prstGeom>
-            <a:ln w="28575">
-              <a:solidFill>
-                <a:schemeClr val="tx1"/>
-              </a:solidFill>
-              <a:tailEnd type="none" w="lg" len="lg"/>
-            </a:ln>
-          </p:spPr>
-          <p:style>
-            <a:lnRef idx="1">
-              <a:schemeClr val="accent1"/>
-            </a:lnRef>
-            <a:fillRef idx="0">
-              <a:schemeClr val="accent1"/>
-            </a:fillRef>
-            <a:effectRef idx="0">
-              <a:schemeClr val="accent1"/>
-            </a:effectRef>
-            <a:fontRef idx="minor">
+            </a:solidFill>
+            <a:headEnd type="none"/>
+            <a:tailEnd w="lg" len="lg"/>
+          </a:ln>
+        </p:spPr>
+        <p:style>
+          <a:lnRef idx="1">
+            <a:schemeClr val="accent1"/>
+          </a:lnRef>
+          <a:fillRef idx="0">
+            <a:schemeClr val="accent1"/>
+          </a:fillRef>
+          <a:effectRef idx="0">
+            <a:schemeClr val="accent1"/>
+          </a:effectRef>
+          <a:fontRef idx="minor">
+            <a:schemeClr val="tx1"/>
+          </a:fontRef>
+        </p:style>
+      </p:cxnSp>
+      <p:cxnSp>
+        <p:nvCxnSpPr>
+          <p:cNvPr id="23" name="直線矢印コネクタ 22">
+            <a:extLst>
+              <a:ext uri="{FF2B5EF4-FFF2-40B4-BE49-F238E27FC236}">
+                <a16:creationId xmlns:a16="http://schemas.microsoft.com/office/drawing/2014/main" id="{3EB70EE6-FDAF-4C4F-972C-14AD366C921E}"/>
+              </a:ext>
+            </a:extLst>
+          </p:cNvPr>
+          <p:cNvCxnSpPr>
+            <a:cxnSpLocks/>
+            <a:stCxn id="14" idx="0"/>
+          </p:cNvCxnSpPr>
+          <p:nvPr/>
+        </p:nvCxnSpPr>
+        <p:spPr>
+          <a:xfrm flipV="1">
+            <a:off x="2930996" y="4165424"/>
+            <a:ext cx="0" cy="588395"/>
+          </a:xfrm>
+          <a:prstGeom prst="straightConnector1">
+            <a:avLst/>
+          </a:prstGeom>
+          <a:ln w="28575">
+            <a:solidFill>
               <a:schemeClr val="tx1"/>
-            </a:fontRef>
-          </p:style>
-        </p:cxnSp>
-        <p:cxnSp>
-          <p:nvCxnSpPr>
-            <p:cNvPr id="24" name="直線矢印コネクタ 23">
-              <a:extLst>
-                <a:ext uri="{FF2B5EF4-FFF2-40B4-BE49-F238E27FC236}">
-                  <a16:creationId xmlns:a16="http://schemas.microsoft.com/office/drawing/2014/main" id="{770C9ACA-6D25-4BEC-BDA5-081D31042822}"/>
-                </a:ext>
-              </a:extLst>
-            </p:cNvPr>
-            <p:cNvCxnSpPr>
-              <a:cxnSpLocks/>
-            </p:cNvCxnSpPr>
-            <p:nvPr/>
-          </p:nvCxnSpPr>
-          <p:spPr>
-            <a:xfrm flipV="1">
-              <a:off x="4106317" y="3475391"/>
-              <a:ext cx="14256" cy="1854403"/>
-            </a:xfrm>
-            <a:prstGeom prst="straightConnector1">
-              <a:avLst/>
-            </a:prstGeom>
-            <a:ln w="28575">
-              <a:solidFill>
-                <a:schemeClr val="tx1"/>
-              </a:solidFill>
-              <a:tailEnd type="none" w="lg" len="lg"/>
-            </a:ln>
-          </p:spPr>
-          <p:style>
-            <a:lnRef idx="1">
-              <a:schemeClr val="accent1"/>
-            </a:lnRef>
-            <a:fillRef idx="0">
-              <a:schemeClr val="accent1"/>
-            </a:fillRef>
-            <a:effectRef idx="0">
-              <a:schemeClr val="accent1"/>
-            </a:effectRef>
-            <a:fontRef idx="minor">
+            </a:solidFill>
+            <a:tailEnd type="none" w="lg" len="lg"/>
+          </a:ln>
+        </p:spPr>
+        <p:style>
+          <a:lnRef idx="1">
+            <a:schemeClr val="accent1"/>
+          </a:lnRef>
+          <a:fillRef idx="0">
+            <a:schemeClr val="accent1"/>
+          </a:fillRef>
+          <a:effectRef idx="0">
+            <a:schemeClr val="accent1"/>
+          </a:effectRef>
+          <a:fontRef idx="minor">
+            <a:schemeClr val="tx1"/>
+          </a:fontRef>
+        </p:style>
+      </p:cxnSp>
+      <p:cxnSp>
+        <p:nvCxnSpPr>
+          <p:cNvPr id="24" name="直線矢印コネクタ 23">
+            <a:extLst>
+              <a:ext uri="{FF2B5EF4-FFF2-40B4-BE49-F238E27FC236}">
+                <a16:creationId xmlns:a16="http://schemas.microsoft.com/office/drawing/2014/main" id="{770C9ACA-6D25-4BEC-BDA5-081D31042822}"/>
+              </a:ext>
+            </a:extLst>
+          </p:cNvPr>
+          <p:cNvCxnSpPr>
+            <a:cxnSpLocks/>
+          </p:cNvCxnSpPr>
+          <p:nvPr/>
+        </p:nvCxnSpPr>
+        <p:spPr>
+          <a:xfrm flipV="1">
+            <a:off x="4172468" y="4179704"/>
+            <a:ext cx="12266" cy="1652965"/>
+          </a:xfrm>
+          <a:prstGeom prst="straightConnector1">
+            <a:avLst/>
+          </a:prstGeom>
+          <a:ln w="28575">
+            <a:solidFill>
               <a:schemeClr val="tx1"/>
-            </a:fontRef>
-          </p:style>
-        </p:cxnSp>
-        <p:cxnSp>
-          <p:nvCxnSpPr>
-            <p:cNvPr id="25" name="直線矢印コネクタ 24">
-              <a:extLst>
-                <a:ext uri="{FF2B5EF4-FFF2-40B4-BE49-F238E27FC236}">
-                  <a16:creationId xmlns:a16="http://schemas.microsoft.com/office/drawing/2014/main" id="{0AF47173-9567-46EE-86F3-FADA79480316}"/>
-                </a:ext>
-              </a:extLst>
-            </p:cNvPr>
-            <p:cNvCxnSpPr>
-              <a:cxnSpLocks/>
-              <a:stCxn id="15" idx="0"/>
-            </p:cNvCxnSpPr>
-            <p:nvPr/>
-          </p:nvCxnSpPr>
-          <p:spPr>
-            <a:xfrm flipV="1">
-              <a:off x="4622129" y="3475391"/>
-              <a:ext cx="0" cy="426438"/>
-            </a:xfrm>
-            <a:prstGeom prst="straightConnector1">
-              <a:avLst/>
-            </a:prstGeom>
-            <a:ln w="28575">
-              <a:solidFill>
-                <a:schemeClr val="tx1"/>
-              </a:solidFill>
-              <a:tailEnd type="none" w="lg" len="lg"/>
-            </a:ln>
-          </p:spPr>
-          <p:style>
-            <a:lnRef idx="1">
-              <a:schemeClr val="accent1"/>
-            </a:lnRef>
-            <a:fillRef idx="0">
-              <a:schemeClr val="accent1"/>
-            </a:fillRef>
-            <a:effectRef idx="0">
-              <a:schemeClr val="accent1"/>
-            </a:effectRef>
-            <a:fontRef idx="minor">
+            </a:solidFill>
+            <a:tailEnd type="none" w="lg" len="lg"/>
+          </a:ln>
+        </p:spPr>
+        <p:style>
+          <a:lnRef idx="1">
+            <a:schemeClr val="accent1"/>
+          </a:lnRef>
+          <a:fillRef idx="0">
+            <a:schemeClr val="accent1"/>
+          </a:fillRef>
+          <a:effectRef idx="0">
+            <a:schemeClr val="accent1"/>
+          </a:effectRef>
+          <a:fontRef idx="minor">
+            <a:schemeClr val="tx1"/>
+          </a:fontRef>
+        </p:style>
+      </p:cxnSp>
+      <p:cxnSp>
+        <p:nvCxnSpPr>
+          <p:cNvPr id="25" name="直線矢印コネクタ 24">
+            <a:extLst>
+              <a:ext uri="{FF2B5EF4-FFF2-40B4-BE49-F238E27FC236}">
+                <a16:creationId xmlns:a16="http://schemas.microsoft.com/office/drawing/2014/main" id="{0AF47173-9567-46EE-86F3-FADA79480316}"/>
+              </a:ext>
+            </a:extLst>
+          </p:cNvPr>
+          <p:cNvCxnSpPr>
+            <a:cxnSpLocks/>
+            <a:stCxn id="15" idx="0"/>
+          </p:cNvCxnSpPr>
+          <p:nvPr/>
+        </p:nvCxnSpPr>
+        <p:spPr>
+          <a:xfrm flipV="1">
+            <a:off x="4616292" y="4179704"/>
+            <a:ext cx="0" cy="380115"/>
+          </a:xfrm>
+          <a:prstGeom prst="straightConnector1">
+            <a:avLst/>
+          </a:prstGeom>
+          <a:ln w="28575">
+            <a:solidFill>
               <a:schemeClr val="tx1"/>
-            </a:fontRef>
-          </p:style>
-        </p:cxnSp>
-        <p:cxnSp>
-          <p:nvCxnSpPr>
-            <p:cNvPr id="26" name="直線矢印コネクタ 25">
-              <a:extLst>
-                <a:ext uri="{FF2B5EF4-FFF2-40B4-BE49-F238E27FC236}">
-                  <a16:creationId xmlns:a16="http://schemas.microsoft.com/office/drawing/2014/main" id="{04CF2729-1078-4BFB-9A3C-232E2A9E8B9A}"/>
-                </a:ext>
-              </a:extLst>
-            </p:cNvPr>
-            <p:cNvCxnSpPr>
-              <a:cxnSpLocks/>
-              <a:stCxn id="16" idx="0"/>
-            </p:cNvCxnSpPr>
-            <p:nvPr/>
-          </p:nvCxnSpPr>
-          <p:spPr>
-            <a:xfrm flipV="1">
-              <a:off x="6048261" y="3475391"/>
-              <a:ext cx="8429" cy="705025"/>
-            </a:xfrm>
-            <a:prstGeom prst="straightConnector1">
-              <a:avLst/>
-            </a:prstGeom>
-            <a:ln w="28575">
-              <a:solidFill>
-                <a:schemeClr val="tx1"/>
-              </a:solidFill>
-              <a:tailEnd type="none" w="lg" len="lg"/>
-            </a:ln>
-          </p:spPr>
-          <p:style>
-            <a:lnRef idx="1">
-              <a:schemeClr val="accent1"/>
-            </a:lnRef>
-            <a:fillRef idx="0">
-              <a:schemeClr val="accent1"/>
-            </a:fillRef>
-            <a:effectRef idx="0">
-              <a:schemeClr val="accent1"/>
-            </a:effectRef>
-            <a:fontRef idx="minor">
+            </a:solidFill>
+            <a:tailEnd type="none" w="lg" len="lg"/>
+          </a:ln>
+        </p:spPr>
+        <p:style>
+          <a:lnRef idx="1">
+            <a:schemeClr val="accent1"/>
+          </a:lnRef>
+          <a:fillRef idx="0">
+            <a:schemeClr val="accent1"/>
+          </a:fillRef>
+          <a:effectRef idx="0">
+            <a:schemeClr val="accent1"/>
+          </a:effectRef>
+          <a:fontRef idx="minor">
+            <a:schemeClr val="tx1"/>
+          </a:fontRef>
+        </p:style>
+      </p:cxnSp>
+      <p:cxnSp>
+        <p:nvCxnSpPr>
+          <p:cNvPr id="26" name="直線矢印コネクタ 25">
+            <a:extLst>
+              <a:ext uri="{FF2B5EF4-FFF2-40B4-BE49-F238E27FC236}">
+                <a16:creationId xmlns:a16="http://schemas.microsoft.com/office/drawing/2014/main" id="{04CF2729-1078-4BFB-9A3C-232E2A9E8B9A}"/>
+              </a:ext>
+            </a:extLst>
+          </p:cNvPr>
+          <p:cNvCxnSpPr>
+            <a:cxnSpLocks/>
+            <a:stCxn id="16" idx="0"/>
+          </p:cNvCxnSpPr>
+          <p:nvPr/>
+        </p:nvCxnSpPr>
+        <p:spPr>
+          <a:xfrm flipV="1">
+            <a:off x="5843390" y="4179704"/>
+            <a:ext cx="7253" cy="628440"/>
+          </a:xfrm>
+          <a:prstGeom prst="straightConnector1">
+            <a:avLst/>
+          </a:prstGeom>
+          <a:ln w="28575">
+            <a:solidFill>
               <a:schemeClr val="tx1"/>
-            </a:fontRef>
-          </p:style>
-        </p:cxnSp>
-        <p:cxnSp>
-          <p:nvCxnSpPr>
-            <p:cNvPr id="34" name="直線矢印コネクタ 33">
-              <a:extLst>
-                <a:ext uri="{FF2B5EF4-FFF2-40B4-BE49-F238E27FC236}">
-                  <a16:creationId xmlns:a16="http://schemas.microsoft.com/office/drawing/2014/main" id="{A0D293C4-FBEA-4F6F-AAB9-97AC9E550DD2}"/>
-                </a:ext>
-              </a:extLst>
-            </p:cNvPr>
-            <p:cNvCxnSpPr>
-              <a:cxnSpLocks/>
-              <a:endCxn id="14" idx="3"/>
-            </p:cNvCxnSpPr>
-            <p:nvPr/>
-          </p:nvCxnSpPr>
-          <p:spPr>
-            <a:xfrm flipV="1">
-              <a:off x="1579987" y="4493056"/>
-              <a:ext cx="856813" cy="480890"/>
-            </a:xfrm>
-            <a:prstGeom prst="straightConnector1">
-              <a:avLst/>
-            </a:prstGeom>
-            <a:ln w="28575">
-              <a:solidFill>
-                <a:schemeClr val="tx1"/>
-              </a:solidFill>
-              <a:tailEnd type="none" w="lg" len="lg"/>
-            </a:ln>
-          </p:spPr>
-          <p:style>
-            <a:lnRef idx="1">
-              <a:schemeClr val="accent1"/>
-            </a:lnRef>
-            <a:fillRef idx="0">
-              <a:schemeClr val="accent1"/>
-            </a:fillRef>
-            <a:effectRef idx="0">
-              <a:schemeClr val="accent1"/>
-            </a:effectRef>
-            <a:fontRef idx="minor">
+            </a:solidFill>
+            <a:tailEnd type="none" w="lg" len="lg"/>
+          </a:ln>
+        </p:spPr>
+        <p:style>
+          <a:lnRef idx="1">
+            <a:schemeClr val="accent1"/>
+          </a:lnRef>
+          <a:fillRef idx="0">
+            <a:schemeClr val="accent1"/>
+          </a:fillRef>
+          <a:effectRef idx="0">
+            <a:schemeClr val="accent1"/>
+          </a:effectRef>
+          <a:fontRef idx="minor">
+            <a:schemeClr val="tx1"/>
+          </a:fontRef>
+        </p:style>
+      </p:cxnSp>
+      <p:cxnSp>
+        <p:nvCxnSpPr>
+          <p:cNvPr id="34" name="直線矢印コネクタ 33">
+            <a:extLst>
+              <a:ext uri="{FF2B5EF4-FFF2-40B4-BE49-F238E27FC236}">
+                <a16:creationId xmlns:a16="http://schemas.microsoft.com/office/drawing/2014/main" id="{A0D293C4-FBEA-4F6F-AAB9-97AC9E550DD2}"/>
+              </a:ext>
+            </a:extLst>
+          </p:cNvPr>
+          <p:cNvCxnSpPr>
+            <a:cxnSpLocks/>
+            <a:endCxn id="14" idx="3"/>
+          </p:cNvCxnSpPr>
+          <p:nvPr/>
+        </p:nvCxnSpPr>
+        <p:spPr>
+          <a:xfrm flipV="1">
+            <a:off x="1998720" y="5086823"/>
+            <a:ext cx="737234" cy="428652"/>
+          </a:xfrm>
+          <a:prstGeom prst="straightConnector1">
+            <a:avLst/>
+          </a:prstGeom>
+          <a:ln w="28575">
+            <a:solidFill>
               <a:schemeClr val="tx1"/>
-            </a:fontRef>
-          </p:style>
-        </p:cxnSp>
-        <p:cxnSp>
-          <p:nvCxnSpPr>
-            <p:cNvPr id="35" name="直線矢印コネクタ 34">
-              <a:extLst>
-                <a:ext uri="{FF2B5EF4-FFF2-40B4-BE49-F238E27FC236}">
-                  <a16:creationId xmlns:a16="http://schemas.microsoft.com/office/drawing/2014/main" id="{0ACD1CAC-493F-4DDA-8FEA-73324F92CAAF}"/>
-                </a:ext>
-              </a:extLst>
-            </p:cNvPr>
-            <p:cNvCxnSpPr>
-              <a:cxnSpLocks/>
-              <a:stCxn id="6" idx="4"/>
-            </p:cNvCxnSpPr>
-            <p:nvPr/>
-          </p:nvCxnSpPr>
-          <p:spPr>
-            <a:xfrm>
-              <a:off x="1644933" y="4339512"/>
-              <a:ext cx="948943" cy="620739"/>
-            </a:xfrm>
-            <a:prstGeom prst="straightConnector1">
-              <a:avLst/>
-            </a:prstGeom>
-            <a:ln w="28575">
-              <a:solidFill>
-                <a:schemeClr val="tx1"/>
-              </a:solidFill>
-              <a:tailEnd type="none" w="lg" len="lg"/>
-            </a:ln>
-          </p:spPr>
-          <p:style>
-            <a:lnRef idx="1">
-              <a:schemeClr val="accent1"/>
-            </a:lnRef>
-            <a:fillRef idx="0">
-              <a:schemeClr val="accent1"/>
-            </a:fillRef>
-            <a:effectRef idx="0">
-              <a:schemeClr val="accent1"/>
-            </a:effectRef>
-            <a:fontRef idx="minor">
+            </a:solidFill>
+            <a:tailEnd type="none" w="lg" len="lg"/>
+          </a:ln>
+        </p:spPr>
+        <p:style>
+          <a:lnRef idx="1">
+            <a:schemeClr val="accent1"/>
+          </a:lnRef>
+          <a:fillRef idx="0">
+            <a:schemeClr val="accent1"/>
+          </a:fillRef>
+          <a:effectRef idx="0">
+            <a:schemeClr val="accent1"/>
+          </a:effectRef>
+          <a:fontRef idx="minor">
+            <a:schemeClr val="tx1"/>
+          </a:fontRef>
+        </p:style>
+      </p:cxnSp>
+      <p:cxnSp>
+        <p:nvCxnSpPr>
+          <p:cNvPr id="35" name="直線矢印コネクタ 34">
+            <a:extLst>
+              <a:ext uri="{FF2B5EF4-FFF2-40B4-BE49-F238E27FC236}">
+                <a16:creationId xmlns:a16="http://schemas.microsoft.com/office/drawing/2014/main" id="{0ACD1CAC-493F-4DDA-8FEA-73324F92CAAF}"/>
+              </a:ext>
+            </a:extLst>
+          </p:cNvPr>
+          <p:cNvCxnSpPr>
+            <a:cxnSpLocks/>
+            <a:stCxn id="6" idx="4"/>
+          </p:cNvCxnSpPr>
+          <p:nvPr/>
+        </p:nvCxnSpPr>
+        <p:spPr>
+          <a:xfrm>
+            <a:off x="2054602" y="4949958"/>
+            <a:ext cx="816506" cy="553310"/>
+          </a:xfrm>
+          <a:prstGeom prst="straightConnector1">
+            <a:avLst/>
+          </a:prstGeom>
+          <a:ln w="28575">
+            <a:solidFill>
               <a:schemeClr val="tx1"/>
-            </a:fontRef>
-          </p:style>
-        </p:cxnSp>
-        <p:cxnSp>
-          <p:nvCxnSpPr>
-            <p:cNvPr id="37" name="直線矢印コネクタ 36">
-              <a:extLst>
-                <a:ext uri="{FF2B5EF4-FFF2-40B4-BE49-F238E27FC236}">
-                  <a16:creationId xmlns:a16="http://schemas.microsoft.com/office/drawing/2014/main" id="{C01AF846-0879-41B5-A362-064BA5267D2E}"/>
-                </a:ext>
-              </a:extLst>
-            </p:cNvPr>
-            <p:cNvCxnSpPr>
-              <a:cxnSpLocks/>
-              <a:endCxn id="16" idx="3"/>
-            </p:cNvCxnSpPr>
-            <p:nvPr/>
-          </p:nvCxnSpPr>
-          <p:spPr>
-            <a:xfrm flipV="1">
-              <a:off x="4819267" y="4554002"/>
-              <a:ext cx="1002315" cy="419944"/>
-            </a:xfrm>
-            <a:prstGeom prst="straightConnector1">
-              <a:avLst/>
-            </a:prstGeom>
-            <a:ln w="28575">
-              <a:solidFill>
-                <a:schemeClr val="tx1"/>
-              </a:solidFill>
-              <a:tailEnd type="none" w="lg" len="lg"/>
-            </a:ln>
-          </p:spPr>
-          <p:style>
-            <a:lnRef idx="1">
-              <a:schemeClr val="accent1"/>
-            </a:lnRef>
-            <a:fillRef idx="0">
-              <a:schemeClr val="accent1"/>
-            </a:fillRef>
-            <a:effectRef idx="0">
-              <a:schemeClr val="accent1"/>
-            </a:effectRef>
-            <a:fontRef idx="minor">
+            </a:solidFill>
+            <a:tailEnd type="none" w="lg" len="lg"/>
+          </a:ln>
+        </p:spPr>
+        <p:style>
+          <a:lnRef idx="1">
+            <a:schemeClr val="accent1"/>
+          </a:lnRef>
+          <a:fillRef idx="0">
+            <a:schemeClr val="accent1"/>
+          </a:fillRef>
+          <a:effectRef idx="0">
+            <a:schemeClr val="accent1"/>
+          </a:effectRef>
+          <a:fontRef idx="minor">
+            <a:schemeClr val="tx1"/>
+          </a:fontRef>
+        </p:style>
+      </p:cxnSp>
+      <p:cxnSp>
+        <p:nvCxnSpPr>
+          <p:cNvPr id="37" name="直線矢印コネクタ 36">
+            <a:extLst>
+              <a:ext uri="{FF2B5EF4-FFF2-40B4-BE49-F238E27FC236}">
+                <a16:creationId xmlns:a16="http://schemas.microsoft.com/office/drawing/2014/main" id="{C01AF846-0879-41B5-A362-064BA5267D2E}"/>
+              </a:ext>
+            </a:extLst>
+          </p:cNvPr>
+          <p:cNvCxnSpPr>
+            <a:cxnSpLocks/>
+            <a:endCxn id="16" idx="3"/>
+          </p:cNvCxnSpPr>
+          <p:nvPr/>
+        </p:nvCxnSpPr>
+        <p:spPr>
+          <a:xfrm flipV="1">
+            <a:off x="4785917" y="5141149"/>
+            <a:ext cx="862429" cy="374327"/>
+          </a:xfrm>
+          <a:prstGeom prst="straightConnector1">
+            <a:avLst/>
+          </a:prstGeom>
+          <a:ln w="28575">
+            <a:solidFill>
               <a:schemeClr val="tx1"/>
-            </a:fontRef>
-          </p:style>
-        </p:cxnSp>
-        <p:cxnSp>
-          <p:nvCxnSpPr>
-            <p:cNvPr id="38" name="直線矢印コネクタ 37">
-              <a:extLst>
-                <a:ext uri="{FF2B5EF4-FFF2-40B4-BE49-F238E27FC236}">
-                  <a16:creationId xmlns:a16="http://schemas.microsoft.com/office/drawing/2014/main" id="{89ED8893-EC83-4C71-9164-9F9B3F736461}"/>
-                </a:ext>
-              </a:extLst>
-            </p:cNvPr>
-            <p:cNvCxnSpPr>
-              <a:cxnSpLocks/>
-              <a:stCxn id="15" idx="5"/>
-            </p:cNvCxnSpPr>
-            <p:nvPr/>
-          </p:nvCxnSpPr>
-          <p:spPr>
-            <a:xfrm>
-              <a:off x="4848808" y="4275415"/>
-              <a:ext cx="964688" cy="684836"/>
-            </a:xfrm>
-            <a:prstGeom prst="straightConnector1">
-              <a:avLst/>
-            </a:prstGeom>
-            <a:ln w="28575">
-              <a:solidFill>
-                <a:schemeClr val="tx1"/>
-              </a:solidFill>
-              <a:tailEnd type="none" w="lg" len="lg"/>
-            </a:ln>
-          </p:spPr>
-          <p:style>
-            <a:lnRef idx="1">
-              <a:schemeClr val="accent1"/>
-            </a:lnRef>
-            <a:fillRef idx="0">
-              <a:schemeClr val="accent1"/>
-            </a:fillRef>
-            <a:effectRef idx="0">
-              <a:schemeClr val="accent1"/>
-            </a:effectRef>
-            <a:fontRef idx="minor">
+            </a:solidFill>
+            <a:tailEnd type="none" w="lg" len="lg"/>
+          </a:ln>
+        </p:spPr>
+        <p:style>
+          <a:lnRef idx="1">
+            <a:schemeClr val="accent1"/>
+          </a:lnRef>
+          <a:fillRef idx="0">
+            <a:schemeClr val="accent1"/>
+          </a:fillRef>
+          <a:effectRef idx="0">
+            <a:schemeClr val="accent1"/>
+          </a:effectRef>
+          <a:fontRef idx="minor">
+            <a:schemeClr val="tx1"/>
+          </a:fontRef>
+        </p:style>
+      </p:cxnSp>
+      <p:cxnSp>
+        <p:nvCxnSpPr>
+          <p:cNvPr id="38" name="直線矢印コネクタ 37">
+            <a:extLst>
+              <a:ext uri="{FF2B5EF4-FFF2-40B4-BE49-F238E27FC236}">
+                <a16:creationId xmlns:a16="http://schemas.microsoft.com/office/drawing/2014/main" id="{89ED8893-EC83-4C71-9164-9F9B3F736461}"/>
+              </a:ext>
+            </a:extLst>
+          </p:cNvPr>
+          <p:cNvCxnSpPr>
+            <a:cxnSpLocks/>
+            <a:stCxn id="15" idx="5"/>
+          </p:cNvCxnSpPr>
+          <p:nvPr/>
+        </p:nvCxnSpPr>
+        <p:spPr>
+          <a:xfrm>
+            <a:off x="4811335" y="4892824"/>
+            <a:ext cx="830054" cy="610444"/>
+          </a:xfrm>
+          <a:prstGeom prst="straightConnector1">
+            <a:avLst/>
+          </a:prstGeom>
+          <a:ln w="28575">
+            <a:solidFill>
               <a:schemeClr val="tx1"/>
-            </a:fontRef>
-          </p:style>
-        </p:cxnSp>
-        <p:cxnSp>
-          <p:nvCxnSpPr>
-            <p:cNvPr id="41" name="直線矢印コネクタ 40">
-              <a:extLst>
-                <a:ext uri="{FF2B5EF4-FFF2-40B4-BE49-F238E27FC236}">
-                  <a16:creationId xmlns:a16="http://schemas.microsoft.com/office/drawing/2014/main" id="{3981CAE6-E765-41EC-921F-4320C9E639A5}"/>
-                </a:ext>
-              </a:extLst>
-            </p:cNvPr>
-            <p:cNvCxnSpPr>
-              <a:cxnSpLocks/>
-              <a:endCxn id="15" idx="3"/>
-            </p:cNvCxnSpPr>
-            <p:nvPr/>
-          </p:nvCxnSpPr>
-          <p:spPr>
-            <a:xfrm flipV="1">
-              <a:off x="2278070" y="4275415"/>
-              <a:ext cx="2117381" cy="1934631"/>
-            </a:xfrm>
-            <a:prstGeom prst="straightConnector1">
-              <a:avLst/>
-            </a:prstGeom>
-            <a:ln w="28575">
-              <a:solidFill>
-                <a:schemeClr val="tx1"/>
-              </a:solidFill>
-              <a:tailEnd type="none" w="lg" len="lg"/>
-            </a:ln>
-          </p:spPr>
-          <p:style>
-            <a:lnRef idx="1">
-              <a:schemeClr val="accent1"/>
-            </a:lnRef>
-            <a:fillRef idx="0">
-              <a:schemeClr val="accent1"/>
-            </a:fillRef>
-            <a:effectRef idx="0">
-              <a:schemeClr val="accent1"/>
-            </a:effectRef>
-            <a:fontRef idx="minor">
+            </a:solidFill>
+            <a:tailEnd type="none" w="lg" len="lg"/>
+          </a:ln>
+        </p:spPr>
+        <p:style>
+          <a:lnRef idx="1">
+            <a:schemeClr val="accent1"/>
+          </a:lnRef>
+          <a:fillRef idx="0">
+            <a:schemeClr val="accent1"/>
+          </a:fillRef>
+          <a:effectRef idx="0">
+            <a:schemeClr val="accent1"/>
+          </a:effectRef>
+          <a:fontRef idx="minor">
+            <a:schemeClr val="tx1"/>
+          </a:fontRef>
+        </p:style>
+      </p:cxnSp>
+      <p:cxnSp>
+        <p:nvCxnSpPr>
+          <p:cNvPr id="41" name="直線矢印コネクタ 40">
+            <a:extLst>
+              <a:ext uri="{FF2B5EF4-FFF2-40B4-BE49-F238E27FC236}">
+                <a16:creationId xmlns:a16="http://schemas.microsoft.com/office/drawing/2014/main" id="{3981CAE6-E765-41EC-921F-4320C9E639A5}"/>
+              </a:ext>
+            </a:extLst>
+          </p:cNvPr>
+          <p:cNvCxnSpPr>
+            <a:cxnSpLocks/>
+            <a:endCxn id="15" idx="3"/>
+          </p:cNvCxnSpPr>
+          <p:nvPr/>
+        </p:nvCxnSpPr>
+        <p:spPr>
+          <a:xfrm flipV="1">
+            <a:off x="2599376" y="4892824"/>
+            <a:ext cx="1821874" cy="1724478"/>
+          </a:xfrm>
+          <a:prstGeom prst="straightConnector1">
+            <a:avLst/>
+          </a:prstGeom>
+          <a:ln w="28575">
+            <a:solidFill>
               <a:schemeClr val="tx1"/>
-            </a:fontRef>
-          </p:style>
-        </p:cxnSp>
-        <p:cxnSp>
-          <p:nvCxnSpPr>
-            <p:cNvPr id="42" name="直線矢印コネクタ 41">
-              <a:extLst>
-                <a:ext uri="{FF2B5EF4-FFF2-40B4-BE49-F238E27FC236}">
-                  <a16:creationId xmlns:a16="http://schemas.microsoft.com/office/drawing/2014/main" id="{CA1848BA-06D0-4391-B46A-50B2F55A541B}"/>
-                </a:ext>
-              </a:extLst>
-            </p:cNvPr>
-            <p:cNvCxnSpPr>
-              <a:cxnSpLocks/>
-              <a:stCxn id="14" idx="4"/>
-            </p:cNvCxnSpPr>
-            <p:nvPr/>
-          </p:nvCxnSpPr>
-          <p:spPr>
-            <a:xfrm>
-              <a:off x="2663478" y="4557153"/>
-              <a:ext cx="1055093" cy="1670690"/>
-            </a:xfrm>
-            <a:prstGeom prst="straightConnector1">
-              <a:avLst/>
-            </a:prstGeom>
-            <a:ln w="28575">
-              <a:solidFill>
-                <a:schemeClr val="tx1"/>
-              </a:solidFill>
-              <a:tailEnd type="none" w="lg" len="lg"/>
-            </a:ln>
-          </p:spPr>
-          <p:style>
-            <a:lnRef idx="1">
-              <a:schemeClr val="accent1"/>
-            </a:lnRef>
-            <a:fillRef idx="0">
-              <a:schemeClr val="accent1"/>
-            </a:fillRef>
-            <a:effectRef idx="0">
-              <a:schemeClr val="accent1"/>
-            </a:effectRef>
-            <a:fontRef idx="minor">
+            </a:solidFill>
+            <a:tailEnd type="none" w="lg" len="lg"/>
+          </a:ln>
+        </p:spPr>
+        <p:style>
+          <a:lnRef idx="1">
+            <a:schemeClr val="accent1"/>
+          </a:lnRef>
+          <a:fillRef idx="0">
+            <a:schemeClr val="accent1"/>
+          </a:fillRef>
+          <a:effectRef idx="0">
+            <a:schemeClr val="accent1"/>
+          </a:effectRef>
+          <a:fontRef idx="minor">
+            <a:schemeClr val="tx1"/>
+          </a:fontRef>
+        </p:style>
+      </p:cxnSp>
+      <p:cxnSp>
+        <p:nvCxnSpPr>
+          <p:cNvPr id="42" name="直線矢印コネクタ 41">
+            <a:extLst>
+              <a:ext uri="{FF2B5EF4-FFF2-40B4-BE49-F238E27FC236}">
+                <a16:creationId xmlns:a16="http://schemas.microsoft.com/office/drawing/2014/main" id="{CA1848BA-06D0-4391-B46A-50B2F55A541B}"/>
+              </a:ext>
+            </a:extLst>
+          </p:cNvPr>
+          <p:cNvCxnSpPr>
+            <a:cxnSpLocks/>
+            <a:stCxn id="14" idx="4"/>
+          </p:cNvCxnSpPr>
+          <p:nvPr/>
+        </p:nvCxnSpPr>
+        <p:spPr>
+          <a:xfrm>
+            <a:off x="2930996" y="5143957"/>
+            <a:ext cx="907841" cy="1489208"/>
+          </a:xfrm>
+          <a:prstGeom prst="straightConnector1">
+            <a:avLst/>
+          </a:prstGeom>
+          <a:ln w="28575">
+            <a:solidFill>
               <a:schemeClr val="tx1"/>
-            </a:fontRef>
-          </p:style>
-        </p:cxnSp>
-        <p:cxnSp>
-          <p:nvCxnSpPr>
-            <p:cNvPr id="43" name="直線矢印コネクタ 42">
-              <a:extLst>
-                <a:ext uri="{FF2B5EF4-FFF2-40B4-BE49-F238E27FC236}">
-                  <a16:creationId xmlns:a16="http://schemas.microsoft.com/office/drawing/2014/main" id="{EFF9EDAE-DD05-4F17-A4B6-4AAB911DA849}"/>
-                </a:ext>
-              </a:extLst>
-            </p:cNvPr>
-            <p:cNvCxnSpPr>
-              <a:cxnSpLocks/>
-              <a:stCxn id="20" idx="4"/>
-            </p:cNvCxnSpPr>
-            <p:nvPr/>
-          </p:nvCxnSpPr>
-          <p:spPr>
-            <a:xfrm>
-              <a:off x="4103980" y="5767475"/>
-              <a:ext cx="291471" cy="442571"/>
-            </a:xfrm>
-            <a:prstGeom prst="straightConnector1">
-              <a:avLst/>
-            </a:prstGeom>
-            <a:ln w="28575">
-              <a:solidFill>
-                <a:schemeClr val="tx1"/>
-              </a:solidFill>
-              <a:tailEnd type="none" w="lg" len="lg"/>
-            </a:ln>
-          </p:spPr>
-          <p:style>
-            <a:lnRef idx="1">
-              <a:schemeClr val="accent1"/>
-            </a:lnRef>
-            <a:fillRef idx="0">
-              <a:schemeClr val="accent1"/>
-            </a:fillRef>
-            <a:effectRef idx="0">
-              <a:schemeClr val="accent1"/>
-            </a:effectRef>
-            <a:fontRef idx="minor">
+            </a:solidFill>
+            <a:tailEnd type="none" w="lg" len="lg"/>
+          </a:ln>
+        </p:spPr>
+        <p:style>
+          <a:lnRef idx="1">
+            <a:schemeClr val="accent1"/>
+          </a:lnRef>
+          <a:fillRef idx="0">
+            <a:schemeClr val="accent1"/>
+          </a:fillRef>
+          <a:effectRef idx="0">
+            <a:schemeClr val="accent1"/>
+          </a:effectRef>
+          <a:fontRef idx="minor">
+            <a:schemeClr val="tx1"/>
+          </a:fontRef>
+        </p:style>
+      </p:cxnSp>
+      <p:cxnSp>
+        <p:nvCxnSpPr>
+          <p:cNvPr id="43" name="直線矢印コネクタ 42">
+            <a:extLst>
+              <a:ext uri="{FF2B5EF4-FFF2-40B4-BE49-F238E27FC236}">
+                <a16:creationId xmlns:a16="http://schemas.microsoft.com/office/drawing/2014/main" id="{EFF9EDAE-DD05-4F17-A4B6-4AAB911DA849}"/>
+              </a:ext>
+            </a:extLst>
+          </p:cNvPr>
+          <p:cNvCxnSpPr>
+            <a:cxnSpLocks/>
+            <a:stCxn id="20" idx="4"/>
+          </p:cNvCxnSpPr>
+          <p:nvPr/>
+        </p:nvCxnSpPr>
+        <p:spPr>
+          <a:xfrm>
+            <a:off x="4170458" y="6222806"/>
+            <a:ext cx="250793" cy="394496"/>
+          </a:xfrm>
+          <a:prstGeom prst="straightConnector1">
+            <a:avLst/>
+          </a:prstGeom>
+          <a:ln w="28575">
+            <a:solidFill>
               <a:schemeClr val="tx1"/>
-            </a:fontRef>
-          </p:style>
-        </p:cxnSp>
-        <mc:AlternateContent xmlns:mc="http://schemas.openxmlformats.org/markup-compatibility/2006">
-          <mc:Choice xmlns:a14="http://schemas.microsoft.com/office/drawing/2010/main" Requires="a14">
-            <p:sp>
-              <p:nvSpPr>
-                <p:cNvPr id="46" name="テキスト ボックス 45">
-                  <a:extLst>
-                    <a:ext uri="{FF2B5EF4-FFF2-40B4-BE49-F238E27FC236}">
-                      <a16:creationId xmlns:a16="http://schemas.microsoft.com/office/drawing/2014/main" id="{0CFACADA-DF40-410E-8B32-CBC42992394B}"/>
-                    </a:ext>
-                  </a:extLst>
-                </p:cNvPr>
-                <p:cNvSpPr txBox="1"/>
-                <p:nvPr/>
-              </p:nvSpPr>
-              <p:spPr>
-                <a:xfrm>
-                  <a:off x="7007404" y="4843153"/>
-                  <a:ext cx="1133004" cy="382028"/>
-                </a:xfrm>
-                <a:prstGeom prst="rect">
-                  <a:avLst/>
-                </a:prstGeom>
-                <a:noFill/>
-              </p:spPr>
-              <p:txBody>
-                <a:bodyPr wrap="square" rtlCol="0">
-                  <a:spAutoFit/>
-                </a:bodyPr>
-                <a:lstStyle/>
-                <a:p>
-                  <a:pPr/>
-                  <a14:m>
-                    <m:oMathPara xmlns:m="http://schemas.openxmlformats.org/officeDocument/2006/math">
-                      <m:oMathParaPr>
-                        <m:jc m:val="centerGroup"/>
-                      </m:oMathParaPr>
-                      <m:oMath xmlns:m="http://schemas.openxmlformats.org/officeDocument/2006/math">
-                        <m:sSub>
-                          <m:sSubPr>
-                            <m:ctrlPr>
-                              <a:rPr kumimoji="1" lang="en-US" altLang="ja-JP" b="0" i="1" smtClean="0">
-                                <a:latin typeface="Cambria Math" panose="02040503050406030204" pitchFamily="18" charset="0"/>
-                              </a:rPr>
-                            </m:ctrlPr>
-                          </m:sSubPr>
-                          <m:e>
-                            <m:r>
-                              <a:rPr kumimoji="1" lang="en-US" altLang="ja-JP" b="0" i="1" smtClean="0">
-                                <a:latin typeface="Cambria Math" panose="02040503050406030204" pitchFamily="18" charset="0"/>
-                              </a:rPr>
-                              <m:t>𝑃</m:t>
-                            </m:r>
-                          </m:e>
-                          <m:sub>
-                            <m:r>
-                              <a:rPr kumimoji="1" lang="en-US" altLang="ja-JP" b="0" i="1" smtClean="0">
-                                <a:latin typeface="Cambria Math" panose="02040503050406030204" pitchFamily="18" charset="0"/>
-                              </a:rPr>
-                              <m:t>𝑖</m:t>
-                            </m:r>
-                          </m:sub>
-                        </m:sSub>
-                      </m:oMath>
-                    </m:oMathPara>
-                  </a14:m>
-                  <a:endParaRPr kumimoji="1" lang="ja-JP" altLang="en-US" dirty="0"/>
-                </a:p>
-              </p:txBody>
-            </p:sp>
-          </mc:Choice>
-          <mc:Fallback>
-            <p:sp>
-              <p:nvSpPr>
-                <p:cNvPr id="46" name="テキスト ボックス 45">
-                  <a:extLst>
-                    <a:ext uri="{FF2B5EF4-FFF2-40B4-BE49-F238E27FC236}">
-                      <a16:creationId xmlns:a16="http://schemas.microsoft.com/office/drawing/2014/main" id="{0CFACADA-DF40-410E-8B32-CBC42992394B}"/>
-                    </a:ext>
-                  </a:extLst>
-                </p:cNvPr>
-                <p:cNvSpPr txBox="1">
-                  <a:spLocks noRot="1" noChangeAspect="1" noMove="1" noResize="1" noEditPoints="1" noAdjustHandles="1" noChangeArrowheads="1" noChangeShapeType="1" noTextEdit="1"/>
-                </p:cNvSpPr>
-                <p:nvPr/>
-              </p:nvSpPr>
-              <p:spPr>
-                <a:xfrm>
-                  <a:off x="7007404" y="4843153"/>
-                  <a:ext cx="1133004" cy="382028"/>
-                </a:xfrm>
-                <a:prstGeom prst="rect">
-                  <a:avLst/>
-                </a:prstGeom>
-                <a:blipFill>
-                  <a:blip r:embed="rId4"/>
-                  <a:stretch>
-                    <a:fillRect b="-8929"/>
-                  </a:stretch>
-                </a:blipFill>
-              </p:spPr>
-              <p:txBody>
-                <a:bodyPr/>
-                <a:lstStyle/>
-                <a:p>
-                  <a:r>
-                    <a:rPr lang="ja-JP" altLang="en-US">
-                      <a:noFill/>
-                    </a:rPr>
-                    <a:t> </a:t>
-                  </a:r>
-                </a:p>
-              </p:txBody>
-            </p:sp>
-          </mc:Fallback>
-        </mc:AlternateContent>
-        <mc:AlternateContent xmlns:mc="http://schemas.openxmlformats.org/markup-compatibility/2006">
-          <mc:Choice xmlns:a14="http://schemas.microsoft.com/office/drawing/2010/main" Requires="a14">
-            <p:sp>
-              <p:nvSpPr>
-                <p:cNvPr id="47" name="テキスト ボックス 46">
-                  <a:extLst>
-                    <a:ext uri="{FF2B5EF4-FFF2-40B4-BE49-F238E27FC236}">
-                      <a16:creationId xmlns:a16="http://schemas.microsoft.com/office/drawing/2014/main" id="{6731C545-1F45-4E84-B968-99B19232F6CB}"/>
-                    </a:ext>
-                  </a:extLst>
-                </p:cNvPr>
-                <p:cNvSpPr txBox="1"/>
-                <p:nvPr/>
-              </p:nvSpPr>
-              <p:spPr>
-                <a:xfrm>
-                  <a:off x="7005677" y="6110745"/>
-                  <a:ext cx="1133004" cy="369332"/>
-                </a:xfrm>
-                <a:prstGeom prst="rect">
-                  <a:avLst/>
-                </a:prstGeom>
-                <a:noFill/>
-              </p:spPr>
-              <p:txBody>
-                <a:bodyPr wrap="square" rtlCol="0">
-                  <a:spAutoFit/>
-                </a:bodyPr>
-                <a:lstStyle/>
-                <a:p>
-                  <a:pPr/>
-                  <a14:m>
-                    <m:oMathPara xmlns:m="http://schemas.openxmlformats.org/officeDocument/2006/math">
-                      <m:oMathParaPr>
-                        <m:jc m:val="centerGroup"/>
-                      </m:oMathParaPr>
-                      <m:oMath xmlns:m="http://schemas.openxmlformats.org/officeDocument/2006/math">
-                        <m:sSub>
-                          <m:sSubPr>
-                            <m:ctrlPr>
-                              <a:rPr kumimoji="1" lang="en-US" altLang="ja-JP" b="0" i="1" smtClean="0">
-                                <a:latin typeface="Cambria Math" panose="02040503050406030204" pitchFamily="18" charset="0"/>
-                              </a:rPr>
-                            </m:ctrlPr>
-                          </m:sSubPr>
-                          <m:e>
-                            <m:r>
-                              <a:rPr kumimoji="1" lang="en-US" altLang="ja-JP" b="0" i="1" smtClean="0">
-                                <a:latin typeface="Cambria Math" panose="02040503050406030204" pitchFamily="18" charset="0"/>
-                              </a:rPr>
-                              <m:t>𝑃</m:t>
-                            </m:r>
-                          </m:e>
-                          <m:sub>
-                            <m:r>
-                              <a:rPr kumimoji="1" lang="en-US" altLang="ja-JP" b="0" i="1" smtClean="0">
-                                <a:latin typeface="Cambria Math" panose="02040503050406030204" pitchFamily="18" charset="0"/>
-                              </a:rPr>
-                              <m:t>𝑘</m:t>
-                            </m:r>
-                          </m:sub>
-                        </m:sSub>
-                      </m:oMath>
-                    </m:oMathPara>
-                  </a14:m>
-                  <a:endParaRPr kumimoji="1" lang="ja-JP" altLang="en-US" dirty="0"/>
-                </a:p>
-              </p:txBody>
-            </p:sp>
-          </mc:Choice>
-          <mc:Fallback>
-            <p:sp>
-              <p:nvSpPr>
-                <p:cNvPr id="47" name="テキスト ボックス 46">
-                  <a:extLst>
-                    <a:ext uri="{FF2B5EF4-FFF2-40B4-BE49-F238E27FC236}">
-                      <a16:creationId xmlns:a16="http://schemas.microsoft.com/office/drawing/2014/main" id="{6731C545-1F45-4E84-B968-99B19232F6CB}"/>
-                    </a:ext>
-                  </a:extLst>
-                </p:cNvPr>
-                <p:cNvSpPr txBox="1">
-                  <a:spLocks noRot="1" noChangeAspect="1" noMove="1" noResize="1" noEditPoints="1" noAdjustHandles="1" noChangeArrowheads="1" noChangeShapeType="1" noTextEdit="1"/>
-                </p:cNvSpPr>
-                <p:nvPr/>
-              </p:nvSpPr>
-              <p:spPr>
-                <a:xfrm>
-                  <a:off x="7005677" y="6110745"/>
-                  <a:ext cx="1133004" cy="369332"/>
-                </a:xfrm>
-                <a:prstGeom prst="rect">
-                  <a:avLst/>
-                </a:prstGeom>
-                <a:blipFill>
-                  <a:blip r:embed="rId5"/>
-                  <a:stretch>
-                    <a:fillRect b="-11111"/>
-                  </a:stretch>
-                </a:blipFill>
-              </p:spPr>
-              <p:txBody>
-                <a:bodyPr/>
-                <a:lstStyle/>
-                <a:p>
-                  <a:r>
-                    <a:rPr lang="ja-JP" altLang="en-US">
-                      <a:noFill/>
-                    </a:rPr>
-                    <a:t> </a:t>
-                  </a:r>
-                </a:p>
-              </p:txBody>
-            </p:sp>
-          </mc:Fallback>
-        </mc:AlternateContent>
-      </p:grpSp>
+            </a:solidFill>
+            <a:tailEnd type="none" w="lg" len="lg"/>
+          </a:ln>
+        </p:spPr>
+        <p:style>
+          <a:lnRef idx="1">
+            <a:schemeClr val="accent1"/>
+          </a:lnRef>
+          <a:fillRef idx="0">
+            <a:schemeClr val="accent1"/>
+          </a:fillRef>
+          <a:effectRef idx="0">
+            <a:schemeClr val="accent1"/>
+          </a:effectRef>
+          <a:fontRef idx="minor">
+            <a:schemeClr val="tx1"/>
+          </a:fontRef>
+        </p:style>
+      </p:cxnSp>
+      <mc:AlternateContent xmlns:mc="http://schemas.openxmlformats.org/markup-compatibility/2006">
+        <mc:Choice xmlns:a14="http://schemas.microsoft.com/office/drawing/2010/main" Requires="a14">
+          <p:sp>
+            <p:nvSpPr>
+              <p:cNvPr id="46" name="テキスト ボックス 45">
+                <a:extLst>
+                  <a:ext uri="{FF2B5EF4-FFF2-40B4-BE49-F238E27FC236}">
+                    <a16:creationId xmlns:a16="http://schemas.microsoft.com/office/drawing/2014/main" id="{0CFACADA-DF40-410E-8B32-CBC42992394B}"/>
+                  </a:ext>
+                </a:extLst>
+              </p:cNvPr>
+              <p:cNvSpPr txBox="1"/>
+              <p:nvPr/>
+            </p:nvSpPr>
+            <p:spPr>
+              <a:xfrm>
+                <a:off x="6668672" y="5398890"/>
+                <a:ext cx="974879" cy="369332"/>
+              </a:xfrm>
+              <a:prstGeom prst="rect">
+                <a:avLst/>
+              </a:prstGeom>
+              <a:noFill/>
+            </p:spPr>
+            <p:txBody>
+              <a:bodyPr wrap="square" rtlCol="0">
+                <a:spAutoFit/>
+              </a:bodyPr>
+              <a:lstStyle/>
+              <a:p>
+                <a:pPr/>
+                <a14:m>
+                  <m:oMathPara xmlns:m="http://schemas.openxmlformats.org/officeDocument/2006/math">
+                    <m:oMathParaPr>
+                      <m:jc m:val="centerGroup"/>
+                    </m:oMathParaPr>
+                    <m:oMath xmlns:m="http://schemas.openxmlformats.org/officeDocument/2006/math">
+                      <m:sSub>
+                        <m:sSubPr>
+                          <m:ctrlPr>
+                            <a:rPr kumimoji="1" lang="en-US" altLang="ja-JP" b="0" i="1" smtClean="0">
+                              <a:latin typeface="Cambria Math" panose="02040503050406030204" pitchFamily="18" charset="0"/>
+                            </a:rPr>
+                          </m:ctrlPr>
+                        </m:sSubPr>
+                        <m:e>
+                          <m:r>
+                            <a:rPr kumimoji="1" lang="en-US" altLang="ja-JP" b="0" i="1" smtClean="0">
+                              <a:latin typeface="Cambria Math" panose="02040503050406030204" pitchFamily="18" charset="0"/>
+                            </a:rPr>
+                            <m:t>𝑓</m:t>
+                          </m:r>
+                        </m:e>
+                        <m:sub>
+                          <m:r>
+                            <a:rPr kumimoji="1" lang="en-US" altLang="ja-JP" b="0" i="1" smtClean="0">
+                              <a:latin typeface="Cambria Math" panose="02040503050406030204" pitchFamily="18" charset="0"/>
+                            </a:rPr>
+                            <m:t>𝑖</m:t>
+                          </m:r>
+                        </m:sub>
+                      </m:sSub>
+                    </m:oMath>
+                  </m:oMathPara>
+                </a14:m>
+                <a:endParaRPr kumimoji="1" lang="ja-JP" altLang="en-US" dirty="0"/>
+              </a:p>
+            </p:txBody>
+          </p:sp>
+        </mc:Choice>
+        <mc:Fallback>
+          <p:sp>
+            <p:nvSpPr>
+              <p:cNvPr id="46" name="テキスト ボックス 45">
+                <a:extLst>
+                  <a:ext uri="{FF2B5EF4-FFF2-40B4-BE49-F238E27FC236}">
+                    <a16:creationId xmlns:a16="http://schemas.microsoft.com/office/drawing/2014/main" id="{0CFACADA-DF40-410E-8B32-CBC42992394B}"/>
+                  </a:ext>
+                </a:extLst>
+              </p:cNvPr>
+              <p:cNvSpPr txBox="1">
+                <a:spLocks noRot="1" noChangeAspect="1" noMove="1" noResize="1" noEditPoints="1" noAdjustHandles="1" noChangeArrowheads="1" noChangeShapeType="1" noTextEdit="1"/>
+              </p:cNvSpPr>
+              <p:nvPr/>
+            </p:nvSpPr>
+            <p:spPr>
+              <a:xfrm>
+                <a:off x="6668672" y="5398890"/>
+                <a:ext cx="974879" cy="369332"/>
+              </a:xfrm>
+              <a:prstGeom prst="rect">
+                <a:avLst/>
+              </a:prstGeom>
+              <a:blipFill>
+                <a:blip r:embed="rId4"/>
+                <a:stretch>
+                  <a:fillRect b="-13333"/>
+                </a:stretch>
+              </a:blipFill>
+            </p:spPr>
+            <p:txBody>
+              <a:bodyPr/>
+              <a:lstStyle/>
+              <a:p>
+                <a:r>
+                  <a:rPr lang="ja-JP" altLang="en-US">
+                    <a:noFill/>
+                  </a:rPr>
+                  <a:t> </a:t>
+                </a:r>
+              </a:p>
+            </p:txBody>
+          </p:sp>
+        </mc:Fallback>
+      </mc:AlternateContent>
+      <mc:AlternateContent xmlns:mc="http://schemas.openxmlformats.org/markup-compatibility/2006">
+        <mc:Choice xmlns:a14="http://schemas.microsoft.com/office/drawing/2010/main" Requires="a14">
+          <p:sp>
+            <p:nvSpPr>
+              <p:cNvPr id="47" name="テキスト ボックス 46">
+                <a:extLst>
+                  <a:ext uri="{FF2B5EF4-FFF2-40B4-BE49-F238E27FC236}">
+                    <a16:creationId xmlns:a16="http://schemas.microsoft.com/office/drawing/2014/main" id="{6731C545-1F45-4E84-B968-99B19232F6CB}"/>
+                  </a:ext>
+                </a:extLst>
+              </p:cNvPr>
+              <p:cNvSpPr txBox="1"/>
+              <p:nvPr/>
+            </p:nvSpPr>
+            <p:spPr>
+              <a:xfrm>
+                <a:off x="6667186" y="6528788"/>
+                <a:ext cx="974879" cy="369332"/>
+              </a:xfrm>
+              <a:prstGeom prst="rect">
+                <a:avLst/>
+              </a:prstGeom>
+              <a:noFill/>
+            </p:spPr>
+            <p:txBody>
+              <a:bodyPr wrap="square" rtlCol="0">
+                <a:spAutoFit/>
+              </a:bodyPr>
+              <a:lstStyle/>
+              <a:p>
+                <a:pPr/>
+                <a14:m>
+                  <m:oMathPara xmlns:m="http://schemas.openxmlformats.org/officeDocument/2006/math">
+                    <m:oMathParaPr>
+                      <m:jc m:val="centerGroup"/>
+                    </m:oMathParaPr>
+                    <m:oMath xmlns:m="http://schemas.openxmlformats.org/officeDocument/2006/math">
+                      <m:sSub>
+                        <m:sSubPr>
+                          <m:ctrlPr>
+                            <a:rPr kumimoji="1" lang="en-US" altLang="ja-JP" b="0" i="1" smtClean="0">
+                              <a:latin typeface="Cambria Math" panose="02040503050406030204" pitchFamily="18" charset="0"/>
+                            </a:rPr>
+                          </m:ctrlPr>
+                        </m:sSubPr>
+                        <m:e>
+                          <m:r>
+                            <a:rPr kumimoji="1" lang="en-US" altLang="ja-JP" b="0" i="1" smtClean="0">
+                              <a:latin typeface="Cambria Math" panose="02040503050406030204" pitchFamily="18" charset="0"/>
+                            </a:rPr>
+                            <m:t>𝑓</m:t>
+                          </m:r>
+                        </m:e>
+                        <m:sub>
+                          <m:r>
+                            <a:rPr kumimoji="1" lang="en-US" altLang="ja-JP" b="0" i="1" smtClean="0">
+                              <a:latin typeface="Cambria Math" panose="02040503050406030204" pitchFamily="18" charset="0"/>
+                            </a:rPr>
+                            <m:t>𝑘</m:t>
+                          </m:r>
+                        </m:sub>
+                      </m:sSub>
+                    </m:oMath>
+                  </m:oMathPara>
+                </a14:m>
+                <a:endParaRPr kumimoji="1" lang="ja-JP" altLang="en-US" dirty="0"/>
+              </a:p>
+            </p:txBody>
+          </p:sp>
+        </mc:Choice>
+        <mc:Fallback>
+          <p:sp>
+            <p:nvSpPr>
+              <p:cNvPr id="47" name="テキスト ボックス 46">
+                <a:extLst>
+                  <a:ext uri="{FF2B5EF4-FFF2-40B4-BE49-F238E27FC236}">
+                    <a16:creationId xmlns:a16="http://schemas.microsoft.com/office/drawing/2014/main" id="{6731C545-1F45-4E84-B968-99B19232F6CB}"/>
+                  </a:ext>
+                </a:extLst>
+              </p:cNvPr>
+              <p:cNvSpPr txBox="1">
+                <a:spLocks noRot="1" noChangeAspect="1" noMove="1" noResize="1" noEditPoints="1" noAdjustHandles="1" noChangeArrowheads="1" noChangeShapeType="1" noTextEdit="1"/>
+              </p:cNvSpPr>
+              <p:nvPr/>
+            </p:nvSpPr>
+            <p:spPr>
+              <a:xfrm>
+                <a:off x="6667186" y="6528788"/>
+                <a:ext cx="974879" cy="369332"/>
+              </a:xfrm>
+              <a:prstGeom prst="rect">
+                <a:avLst/>
+              </a:prstGeom>
+              <a:blipFill>
+                <a:blip r:embed="rId5"/>
+                <a:stretch>
+                  <a:fillRect b="-11475"/>
+                </a:stretch>
+              </a:blipFill>
+            </p:spPr>
+            <p:txBody>
+              <a:bodyPr/>
+              <a:lstStyle/>
+              <a:p>
+                <a:r>
+                  <a:rPr lang="ja-JP" altLang="en-US">
+                    <a:noFill/>
+                  </a:rPr>
+                  <a:t> </a:t>
+                </a:r>
+              </a:p>
+            </p:txBody>
+          </p:sp>
+        </mc:Fallback>
+      </mc:AlternateContent>
+      <mc:AlternateContent xmlns:mc="http://schemas.openxmlformats.org/markup-compatibility/2006">
+        <mc:Choice xmlns:a14="http://schemas.microsoft.com/office/drawing/2010/main" Requires="a14">
+          <p:sp>
+            <p:nvSpPr>
+              <p:cNvPr id="29" name="テキスト ボックス 28">
+                <a:extLst>
+                  <a:ext uri="{FF2B5EF4-FFF2-40B4-BE49-F238E27FC236}">
+                    <a16:creationId xmlns:a16="http://schemas.microsoft.com/office/drawing/2014/main" id="{56C008FC-577C-4211-BF9D-9F13C9360451}"/>
+                  </a:ext>
+                </a:extLst>
+              </p:cNvPr>
+              <p:cNvSpPr txBox="1"/>
+              <p:nvPr/>
+            </p:nvSpPr>
+            <p:spPr>
+              <a:xfrm>
+                <a:off x="7416713" y="5177096"/>
+                <a:ext cx="1628913" cy="646459"/>
+              </a:xfrm>
+              <a:prstGeom prst="rect">
+                <a:avLst/>
+              </a:prstGeom>
+              <a:noFill/>
+            </p:spPr>
+            <p:txBody>
+              <a:bodyPr wrap="square" rtlCol="0">
+                <a:spAutoFit/>
+              </a:bodyPr>
+              <a:lstStyle/>
+              <a:p>
+                <a:pPr algn="l"/>
+                <a14:m>
+                  <m:oMathPara xmlns:m="http://schemas.openxmlformats.org/officeDocument/2006/math">
+                    <m:oMathParaPr>
+                      <m:jc m:val="centerGroup"/>
+                    </m:oMathParaPr>
+                    <m:oMath xmlns:m="http://schemas.openxmlformats.org/officeDocument/2006/math">
+                      <m:r>
+                        <a:rPr kumimoji="1" lang="en-US" altLang="ja-JP" sz="3600" b="0" i="1" smtClean="0">
+                          <a:solidFill>
+                            <a:schemeClr val="tx1"/>
+                          </a:solidFill>
+                          <a:latin typeface="Cambria Math" panose="02040503050406030204" pitchFamily="18" charset="0"/>
+                          <a:ea typeface="メイリオ" panose="020B0604030504040204" pitchFamily="50" charset="-128"/>
+                        </a:rPr>
+                        <m:t>𝑡</m:t>
+                      </m:r>
+                    </m:oMath>
+                  </m:oMathPara>
+                </a14:m>
+                <a:endParaRPr kumimoji="1" lang="ja-JP" altLang="en-US" sz="3600" dirty="0">
+                  <a:solidFill>
+                    <a:schemeClr val="tx1"/>
+                  </a:solidFill>
+                  <a:latin typeface="メイリオ" panose="020B0604030504040204" pitchFamily="50" charset="-128"/>
+                  <a:ea typeface="メイリオ" panose="020B0604030504040204" pitchFamily="50" charset="-128"/>
+                </a:endParaRPr>
+              </a:p>
+            </p:txBody>
+          </p:sp>
+        </mc:Choice>
+        <mc:Fallback>
+          <p:sp>
+            <p:nvSpPr>
+              <p:cNvPr id="29" name="テキスト ボックス 28">
+                <a:extLst>
+                  <a:ext uri="{FF2B5EF4-FFF2-40B4-BE49-F238E27FC236}">
+                    <a16:creationId xmlns:a16="http://schemas.microsoft.com/office/drawing/2014/main" id="{56C008FC-577C-4211-BF9D-9F13C9360451}"/>
+                  </a:ext>
+                </a:extLst>
+              </p:cNvPr>
+              <p:cNvSpPr txBox="1">
+                <a:spLocks noRot="1" noChangeAspect="1" noMove="1" noResize="1" noEditPoints="1" noAdjustHandles="1" noChangeArrowheads="1" noChangeShapeType="1" noTextEdit="1"/>
+              </p:cNvSpPr>
+              <p:nvPr/>
+            </p:nvSpPr>
+            <p:spPr>
+              <a:xfrm>
+                <a:off x="7416713" y="5177096"/>
+                <a:ext cx="1628913" cy="646459"/>
+              </a:xfrm>
+              <a:prstGeom prst="rect">
+                <a:avLst/>
+              </a:prstGeom>
+              <a:blipFill>
+                <a:blip r:embed="rId6"/>
+                <a:stretch>
+                  <a:fillRect/>
+                </a:stretch>
+              </a:blipFill>
+            </p:spPr>
+            <p:txBody>
+              <a:bodyPr/>
+              <a:lstStyle/>
+              <a:p>
+                <a:r>
+                  <a:rPr lang="ja-JP" altLang="en-US">
+                    <a:noFill/>
+                  </a:rPr>
+                  <a:t> </a:t>
+                </a:r>
+              </a:p>
+            </p:txBody>
+          </p:sp>
+        </mc:Fallback>
+      </mc:AlternateContent>
+      <mc:AlternateContent xmlns:mc="http://schemas.openxmlformats.org/markup-compatibility/2006">
+        <mc:Choice xmlns:a14="http://schemas.microsoft.com/office/drawing/2010/main" Requires="a14">
+          <p:sp>
+            <p:nvSpPr>
+              <p:cNvPr id="30" name="テキスト ボックス 29">
+                <a:extLst>
+                  <a:ext uri="{FF2B5EF4-FFF2-40B4-BE49-F238E27FC236}">
+                    <a16:creationId xmlns:a16="http://schemas.microsoft.com/office/drawing/2014/main" id="{E20B7A78-7094-4142-B724-71D596C65747}"/>
+                  </a:ext>
+                </a:extLst>
+              </p:cNvPr>
+              <p:cNvSpPr txBox="1"/>
+              <p:nvPr/>
+            </p:nvSpPr>
+            <p:spPr>
+              <a:xfrm>
+                <a:off x="-266912" y="5177096"/>
+                <a:ext cx="1628913" cy="646459"/>
+              </a:xfrm>
+              <a:prstGeom prst="rect">
+                <a:avLst/>
+              </a:prstGeom>
+              <a:noFill/>
+            </p:spPr>
+            <p:txBody>
+              <a:bodyPr wrap="square" rtlCol="0">
+                <a:spAutoFit/>
+              </a:bodyPr>
+              <a:lstStyle/>
+              <a:p>
+                <a:pPr algn="l"/>
+                <a14:m>
+                  <m:oMathPara xmlns:m="http://schemas.openxmlformats.org/officeDocument/2006/math">
+                    <m:oMathParaPr>
+                      <m:jc m:val="centerGroup"/>
+                    </m:oMathParaPr>
+                    <m:oMath xmlns:m="http://schemas.openxmlformats.org/officeDocument/2006/math">
+                      <m:r>
+                        <a:rPr kumimoji="1" lang="en-US" altLang="ja-JP" sz="3600" b="0" i="1" smtClean="0">
+                          <a:solidFill>
+                            <a:schemeClr val="tx1"/>
+                          </a:solidFill>
+                          <a:latin typeface="Cambria Math" panose="02040503050406030204" pitchFamily="18" charset="0"/>
+                          <a:ea typeface="メイリオ" panose="020B0604030504040204" pitchFamily="50" charset="-128"/>
+                        </a:rPr>
+                        <m:t>𝑠</m:t>
+                      </m:r>
+                    </m:oMath>
+                  </m:oMathPara>
+                </a14:m>
+                <a:endParaRPr kumimoji="1" lang="ja-JP" altLang="en-US" sz="3600" dirty="0">
+                  <a:solidFill>
+                    <a:schemeClr val="tx1"/>
+                  </a:solidFill>
+                  <a:latin typeface="メイリオ" panose="020B0604030504040204" pitchFamily="50" charset="-128"/>
+                  <a:ea typeface="メイリオ" panose="020B0604030504040204" pitchFamily="50" charset="-128"/>
+                </a:endParaRPr>
+              </a:p>
+            </p:txBody>
+          </p:sp>
+        </mc:Choice>
+        <mc:Fallback>
+          <p:sp>
+            <p:nvSpPr>
+              <p:cNvPr id="30" name="テキスト ボックス 29">
+                <a:extLst>
+                  <a:ext uri="{FF2B5EF4-FFF2-40B4-BE49-F238E27FC236}">
+                    <a16:creationId xmlns:a16="http://schemas.microsoft.com/office/drawing/2014/main" id="{E20B7A78-7094-4142-B724-71D596C65747}"/>
+                  </a:ext>
+                </a:extLst>
+              </p:cNvPr>
+              <p:cNvSpPr txBox="1">
+                <a:spLocks noRot="1" noChangeAspect="1" noMove="1" noResize="1" noEditPoints="1" noAdjustHandles="1" noChangeArrowheads="1" noChangeShapeType="1" noTextEdit="1"/>
+              </p:cNvSpPr>
+              <p:nvPr/>
+            </p:nvSpPr>
+            <p:spPr>
+              <a:xfrm>
+                <a:off x="-266912" y="5177096"/>
+                <a:ext cx="1628913" cy="646459"/>
+              </a:xfrm>
+              <a:prstGeom prst="rect">
+                <a:avLst/>
+              </a:prstGeom>
+              <a:blipFill>
+                <a:blip r:embed="rId7"/>
+                <a:stretch>
+                  <a:fillRect/>
+                </a:stretch>
+              </a:blipFill>
+            </p:spPr>
+            <p:txBody>
+              <a:bodyPr/>
+              <a:lstStyle/>
+              <a:p>
+                <a:r>
+                  <a:rPr lang="ja-JP" altLang="en-US">
+                    <a:noFill/>
+                  </a:rPr>
+                  <a:t> </a:t>
+                </a:r>
+              </a:p>
+            </p:txBody>
+          </p:sp>
+        </mc:Fallback>
+      </mc:AlternateContent>
     </p:spTree>
     <p:extLst>
       <p:ext uri="{BB962C8B-B14F-4D97-AF65-F5344CB8AC3E}">
@@ -6590,7 +7801,91 @@
 </p:sld>
 </file>
 
-<file path=ppt/slides/slide13.xml><?xml version="1.0" encoding="utf-8"?>
+<file path=ppt/slides/slide14.xml><?xml version="1.0" encoding="utf-8"?>
+<p:sld xmlns:a="http://schemas.openxmlformats.org/drawingml/2006/main" xmlns:r="http://schemas.openxmlformats.org/officeDocument/2006/relationships" xmlns:p="http://schemas.openxmlformats.org/presentationml/2006/main">
+  <p:cSld>
+    <p:spTree>
+      <p:nvGrpSpPr>
+        <p:cNvPr id="1" name=""/>
+        <p:cNvGrpSpPr/>
+        <p:nvPr/>
+      </p:nvGrpSpPr>
+      <p:grpSpPr>
+        <a:xfrm>
+          <a:off x="0" y="0"/>
+          <a:ext cx="0" cy="0"/>
+          <a:chOff x="0" y="0"/>
+          <a:chExt cx="0" cy="0"/>
+        </a:xfrm>
+      </p:grpSpPr>
+      <p:sp>
+        <p:nvSpPr>
+          <p:cNvPr id="2" name="タイトル 1">
+            <a:extLst>
+              <a:ext uri="{FF2B5EF4-FFF2-40B4-BE49-F238E27FC236}">
+                <a16:creationId xmlns:a16="http://schemas.microsoft.com/office/drawing/2014/main" id="{AF6CE723-DB72-4436-AD9E-0433D5976112}"/>
+              </a:ext>
+            </a:extLst>
+          </p:cNvPr>
+          <p:cNvSpPr>
+            <a:spLocks noGrp="1"/>
+          </p:cNvSpPr>
+          <p:nvPr>
+            <p:ph type="title"/>
+          </p:nvPr>
+        </p:nvSpPr>
+        <p:spPr/>
+        <p:txBody>
+          <a:bodyPr/>
+          <a:lstStyle/>
+          <a:p>
+            <a:r>
+              <a:rPr lang="ja-JP" altLang="en-US" dirty="0"/>
+              <a:t>ノードカット計算</a:t>
+            </a:r>
+            <a:endParaRPr kumimoji="1" lang="ja-JP" altLang="en-US" dirty="0"/>
+          </a:p>
+        </p:txBody>
+      </p:sp>
+      <p:sp>
+        <p:nvSpPr>
+          <p:cNvPr id="3" name="コンテンツ プレースホルダー 2">
+            <a:extLst>
+              <a:ext uri="{FF2B5EF4-FFF2-40B4-BE49-F238E27FC236}">
+                <a16:creationId xmlns:a16="http://schemas.microsoft.com/office/drawing/2014/main" id="{EC39DA3F-F882-42A4-9070-511A6791AE9D}"/>
+              </a:ext>
+            </a:extLst>
+          </p:cNvPr>
+          <p:cNvSpPr>
+            <a:spLocks noGrp="1"/>
+          </p:cNvSpPr>
+          <p:nvPr>
+            <p:ph idx="1"/>
+          </p:nvPr>
+        </p:nvSpPr>
+        <p:spPr/>
+        <p:txBody>
+          <a:bodyPr/>
+          <a:lstStyle/>
+          <a:p>
+            <a:endParaRPr kumimoji="1" lang="ja-JP" altLang="en-US"/>
+          </a:p>
+        </p:txBody>
+      </p:sp>
+    </p:spTree>
+    <p:extLst>
+      <p:ext uri="{BB962C8B-B14F-4D97-AF65-F5344CB8AC3E}">
+        <p14:creationId xmlns:p14="http://schemas.microsoft.com/office/powerpoint/2010/main" val="3547298059"/>
+      </p:ext>
+    </p:extLst>
+  </p:cSld>
+  <p:clrMapOvr>
+    <a:masterClrMapping/>
+  </p:clrMapOvr>
+</p:sld>
+</file>
+
+<file path=ppt/slides/slide15.xml><?xml version="1.0" encoding="utf-8"?>
 <p:sld xmlns:a="http://schemas.openxmlformats.org/drawingml/2006/main" xmlns:r="http://schemas.openxmlformats.org/officeDocument/2006/relationships" xmlns:p="http://schemas.openxmlformats.org/presentationml/2006/main">
   <p:cSld>
     <p:spTree>
@@ -6736,7 +8031,13 @@
                           <a:rPr kumimoji="1" lang="en-US" altLang="ja-JP" b="0" i="1" smtClean="0">
                             <a:latin typeface="Cambria Math" panose="02040503050406030204" pitchFamily="18" charset="0"/>
                           </a:rPr>
-                          <m:t>−1</m:t>
+                          <m:t>−</m:t>
+                        </m:r>
+                        <m:r>
+                          <a:rPr kumimoji="1" lang="en-US" altLang="ja-JP" b="0" i="1" smtClean="0">
+                            <a:latin typeface="Cambria Math" panose="02040503050406030204" pitchFamily="18" charset="0"/>
+                          </a:rPr>
+                          <m:t>1</m:t>
                         </m:r>
                       </m:sup>
                     </m:sSup>
@@ -6770,7 +8071,13 @@
                           <a:rPr kumimoji="1" lang="en-US" altLang="ja-JP" b="0" i="1" smtClean="0">
                             <a:latin typeface="Cambria Math" panose="02040503050406030204" pitchFamily="18" charset="0"/>
                           </a:rPr>
-                          <m:t>1+</m:t>
+                          <m:t>1</m:t>
+                        </m:r>
+                        <m:r>
+                          <a:rPr kumimoji="1" lang="en-US" altLang="ja-JP" b="0" i="1" smtClean="0">
+                            <a:latin typeface="Cambria Math" panose="02040503050406030204" pitchFamily="18" charset="0"/>
+                          </a:rPr>
+                          <m:t>+</m:t>
                         </m:r>
                         <m:r>
                           <a:rPr kumimoji="1" lang="en-US" altLang="ja-JP" b="0" i="1" smtClean="0">
@@ -6866,7 +8173,13 @@
                       <a:rPr kumimoji="1" lang="en-US" altLang="ja-JP" b="0" i="1" dirty="0" smtClean="0">
                         <a:latin typeface="Cambria Math" panose="02040503050406030204" pitchFamily="18" charset="0"/>
                       </a:rPr>
-                      <m:t>+2</m:t>
+                      <m:t>+</m:t>
+                    </m:r>
+                    <m:r>
+                      <a:rPr kumimoji="1" lang="en-US" altLang="ja-JP" b="0" i="1" dirty="0" smtClean="0">
+                        <a:latin typeface="Cambria Math" panose="02040503050406030204" pitchFamily="18" charset="0"/>
+                      </a:rPr>
+                      <m:t>2</m:t>
                     </m:r>
                   </m:oMath>
                 </a14:m>
@@ -6923,7 +8236,13 @@
                           <a:rPr lang="en-US" altLang="ja-JP" i="1">
                             <a:latin typeface="Cambria Math" panose="02040503050406030204" pitchFamily="18" charset="0"/>
                           </a:rPr>
-                          <m:t>−1</m:t>
+                          <m:t>−</m:t>
+                        </m:r>
+                        <m:r>
+                          <a:rPr lang="en-US" altLang="ja-JP" i="1">
+                            <a:latin typeface="Cambria Math" panose="02040503050406030204" pitchFamily="18" charset="0"/>
+                          </a:rPr>
+                          <m:t>1</m:t>
                         </m:r>
                       </m:sup>
                     </m:sSup>
@@ -6976,7 +8295,13 @@
                           <a:rPr lang="en-US" altLang="ja-JP" i="1">
                             <a:latin typeface="Cambria Math" panose="02040503050406030204" pitchFamily="18" charset="0"/>
                           </a:rPr>
-                          <m:t>1+</m:t>
+                          <m:t>1</m:t>
+                        </m:r>
+                        <m:r>
+                          <a:rPr lang="en-US" altLang="ja-JP" i="1">
+                            <a:latin typeface="Cambria Math" panose="02040503050406030204" pitchFamily="18" charset="0"/>
+                          </a:rPr>
+                          <m:t>+</m:t>
                         </m:r>
                         <m:r>
                           <a:rPr lang="en-US" altLang="ja-JP" i="1">
@@ -7073,12 +8398,24 @@
                 </a:br>
                 <a14:m>
                   <m:oMath xmlns:m="http://schemas.openxmlformats.org/officeDocument/2006/math">
-                    <m:r>
-                      <a:rPr lang="en-US" altLang="ja-JP" i="1">
-                        <a:latin typeface="Cambria Math" panose="02040503050406030204" pitchFamily="18" charset="0"/>
-                      </a:rPr>
-                      <m:t>𝑂</m:t>
-                    </m:r>
+                    <m:acc>
+                      <m:accPr>
+                        <m:chr m:val="̃"/>
+                        <m:ctrlPr>
+                          <a:rPr kumimoji="1" lang="en-US" altLang="ja-JP" b="0" i="1" smtClean="0">
+                            <a:latin typeface="Cambria Math" panose="02040503050406030204" pitchFamily="18" charset="0"/>
+                          </a:rPr>
+                        </m:ctrlPr>
+                      </m:accPr>
+                      <m:e>
+                        <m:r>
+                          <a:rPr kumimoji="1" lang="en-US" altLang="ja-JP" b="0" i="1" smtClean="0">
+                            <a:latin typeface="Cambria Math" panose="02040503050406030204" pitchFamily="18" charset="0"/>
+                          </a:rPr>
+                          <m:t>𝑂</m:t>
+                        </m:r>
+                      </m:e>
+                    </m:acc>
                     <m:r>
                       <a:rPr lang="en-US" altLang="ja-JP" i="1">
                         <a:latin typeface="Cambria Math" panose="02040503050406030204" pitchFamily="18" charset="0"/>
@@ -7106,7 +8443,13 @@
                           <a:rPr lang="en-US" altLang="ja-JP" i="1">
                             <a:latin typeface="Cambria Math" panose="02040503050406030204" pitchFamily="18" charset="0"/>
                           </a:rPr>
-                          <m:t>−1</m:t>
+                          <m:t>−</m:t>
+                        </m:r>
+                        <m:r>
+                          <a:rPr lang="en-US" altLang="ja-JP" i="1">
+                            <a:latin typeface="Cambria Math" panose="02040503050406030204" pitchFamily="18" charset="0"/>
+                          </a:rPr>
+                          <m:t>1</m:t>
                         </m:r>
                       </m:sup>
                     </m:sSup>
@@ -7187,7 +8530,19 @@
                       <a:rPr lang="en-US" altLang="ja-JP" b="0" i="1" smtClean="0">
                         <a:latin typeface="Cambria Math" panose="02040503050406030204" pitchFamily="18" charset="0"/>
                       </a:rPr>
-                      <m:t>+ℓ))</m:t>
+                      <m:t>+</m:t>
+                    </m:r>
+                    <m:r>
+                      <a:rPr lang="en-US" altLang="ja-JP" b="0" i="1" smtClean="0">
+                        <a:latin typeface="Cambria Math" panose="02040503050406030204" pitchFamily="18" charset="0"/>
+                      </a:rPr>
+                      <m:t>ℓ</m:t>
+                    </m:r>
+                    <m:r>
+                      <a:rPr lang="en-US" altLang="ja-JP" b="0" i="1" smtClean="0">
+                        <a:latin typeface="Cambria Math" panose="02040503050406030204" pitchFamily="18" charset="0"/>
+                      </a:rPr>
+                      <m:t>))</m:t>
                     </m:r>
                   </m:oMath>
                 </a14:m>
@@ -7196,10 +8551,9 @@
                   <a:t>SA</a:t>
                 </a:r>
                 <a:r>
-                  <a:rPr kumimoji="1" lang="ja-JP" altLang="en-US"/>
+                  <a:rPr kumimoji="1" lang="ja-JP" altLang="en-US" dirty="0"/>
                   <a:t>ラウンドで計算可能</a:t>
                 </a:r>
-                <a:endParaRPr kumimoji="1" lang="ja-JP" altLang="en-US" dirty="0"/>
               </a:p>
             </p:txBody>
           </p:sp>
@@ -10051,8 +11405,8 @@
           </a:p>
         </p:txBody>
       </p:sp>
-      <mc:AlternateContent xmlns:mc="http://schemas.openxmlformats.org/markup-compatibility/2006">
-        <mc:Choice xmlns:a14="http://schemas.microsoft.com/office/drawing/2010/main" Requires="a14">
+      <mc:AlternateContent xmlns:mc="http://schemas.openxmlformats.org/markup-compatibility/2006" xmlns:a14="http://schemas.microsoft.com/office/drawing/2010/main">
+        <mc:Choice Requires="a14">
           <p:sp>
             <p:nvSpPr>
               <p:cNvPr id="3" name="コンテンツ プレースホルダー 2">
@@ -10332,7 +11686,7 @@
             </p:txBody>
           </p:sp>
         </mc:Choice>
-        <mc:Fallback>
+        <mc:Fallback xmlns="">
           <p:sp>
             <p:nvSpPr>
               <p:cNvPr id="3" name="コンテンツ プレースホルダー 2">
@@ -10487,8 +11841,8 @@
           </a:fontRef>
         </p:style>
       </p:cxnSp>
-      <mc:AlternateContent xmlns:mc="http://schemas.openxmlformats.org/markup-compatibility/2006">
-        <mc:Choice xmlns:a14="http://schemas.microsoft.com/office/drawing/2010/main" Requires="a14">
+      <mc:AlternateContent xmlns:mc="http://schemas.openxmlformats.org/markup-compatibility/2006" xmlns:a14="http://schemas.microsoft.com/office/drawing/2010/main">
+        <mc:Choice Requires="a14">
           <p:sp>
             <p:nvSpPr>
               <p:cNvPr id="19" name="テキスト ボックス 18">
@@ -10548,7 +11902,7 @@
             </p:txBody>
           </p:sp>
         </mc:Choice>
-        <mc:Fallback>
+        <mc:Fallback xmlns="">
           <p:sp>
             <p:nvSpPr>
               <p:cNvPr id="19" name="テキスト ボックス 18">
@@ -10593,8 +11947,8 @@
           </p:sp>
         </mc:Fallback>
       </mc:AlternateContent>
-      <mc:AlternateContent xmlns:mc="http://schemas.openxmlformats.org/markup-compatibility/2006">
-        <mc:Choice xmlns:a14="http://schemas.microsoft.com/office/drawing/2010/main" Requires="a14">
+      <mc:AlternateContent xmlns:mc="http://schemas.openxmlformats.org/markup-compatibility/2006" xmlns:a14="http://schemas.microsoft.com/office/drawing/2010/main">
+        <mc:Choice Requires="a14">
           <p:sp>
             <p:nvSpPr>
               <p:cNvPr id="20" name="テキスト ボックス 19">
@@ -10654,7 +12008,7 @@
             </p:txBody>
           </p:sp>
         </mc:Choice>
-        <mc:Fallback>
+        <mc:Fallback xmlns="">
           <p:sp>
             <p:nvSpPr>
               <p:cNvPr id="20" name="テキスト ボックス 19">
@@ -10736,8 +12090,8 @@
           </a:fontRef>
         </p:style>
       </p:cxnSp>
-      <mc:AlternateContent xmlns:mc="http://schemas.openxmlformats.org/markup-compatibility/2006">
-        <mc:Choice xmlns:a14="http://schemas.microsoft.com/office/drawing/2010/main" Requires="a14">
+      <mc:AlternateContent xmlns:mc="http://schemas.openxmlformats.org/markup-compatibility/2006" xmlns:a14="http://schemas.microsoft.com/office/drawing/2010/main">
+        <mc:Choice Requires="a14">
           <p:sp>
             <p:nvSpPr>
               <p:cNvPr id="22" name="テキスト ボックス 21">
@@ -10824,7 +12178,7 @@
             </p:txBody>
           </p:sp>
         </mc:Choice>
-        <mc:Fallback>
+        <mc:Fallback xmlns="">
           <p:sp>
             <p:nvSpPr>
               <p:cNvPr id="22" name="テキスト ボックス 21">
@@ -10869,8 +12223,8 @@
           </p:sp>
         </mc:Fallback>
       </mc:AlternateContent>
-      <mc:AlternateContent xmlns:mc="http://schemas.openxmlformats.org/markup-compatibility/2006">
-        <mc:Choice xmlns:a14="http://schemas.microsoft.com/office/drawing/2010/main" Requires="a14">
+      <mc:AlternateContent xmlns:mc="http://schemas.openxmlformats.org/markup-compatibility/2006" xmlns:a14="http://schemas.microsoft.com/office/drawing/2010/main">
+        <mc:Choice Requires="a14">
           <p:sp>
             <p:nvSpPr>
               <p:cNvPr id="23" name="テキスト ボックス 22">
@@ -10957,7 +12311,7 @@
             </p:txBody>
           </p:sp>
         </mc:Choice>
-        <mc:Fallback>
+        <mc:Fallback xmlns="">
           <p:sp>
             <p:nvSpPr>
               <p:cNvPr id="23" name="テキスト ボックス 22">
@@ -11002,8 +12356,8 @@
           </p:sp>
         </mc:Fallback>
       </mc:AlternateContent>
-      <mc:AlternateContent xmlns:mc="http://schemas.openxmlformats.org/markup-compatibility/2006">
-        <mc:Choice xmlns:a14="http://schemas.microsoft.com/office/drawing/2010/main" Requires="a14">
+      <mc:AlternateContent xmlns:mc="http://schemas.openxmlformats.org/markup-compatibility/2006" xmlns:a14="http://schemas.microsoft.com/office/drawing/2010/main">
+        <mc:Choice Requires="a14">
           <p:sp>
             <p:nvSpPr>
               <p:cNvPr id="24" name="テキスト ボックス 23">
@@ -11090,7 +12444,7 @@
             </p:txBody>
           </p:sp>
         </mc:Choice>
-        <mc:Fallback>
+        <mc:Fallback xmlns="">
           <p:sp>
             <p:nvSpPr>
               <p:cNvPr id="24" name="テキスト ボックス 23">
@@ -11135,8 +12489,8 @@
           </p:sp>
         </mc:Fallback>
       </mc:AlternateContent>
-      <mc:AlternateContent xmlns:mc="http://schemas.openxmlformats.org/markup-compatibility/2006">
-        <mc:Choice xmlns:a14="http://schemas.microsoft.com/office/drawing/2010/main" Requires="a14">
+      <mc:AlternateContent xmlns:mc="http://schemas.openxmlformats.org/markup-compatibility/2006" xmlns:a14="http://schemas.microsoft.com/office/drawing/2010/main">
+        <mc:Choice Requires="a14">
           <p:sp>
             <p:nvSpPr>
               <p:cNvPr id="25" name="テキスト ボックス 24">
@@ -11223,7 +12577,7 @@
             </p:txBody>
           </p:sp>
         </mc:Choice>
-        <mc:Fallback>
+        <mc:Fallback xmlns="">
           <p:sp>
             <p:nvSpPr>
               <p:cNvPr id="25" name="テキスト ボックス 24">
@@ -11367,8 +12721,8 @@
           </a:p>
         </p:txBody>
       </p:sp>
-      <mc:AlternateContent xmlns:mc="http://schemas.openxmlformats.org/markup-compatibility/2006">
-        <mc:Choice xmlns:a14="http://schemas.microsoft.com/office/drawing/2010/main" Requires="a14">
+      <mc:AlternateContent xmlns:mc="http://schemas.openxmlformats.org/markup-compatibility/2006" xmlns:a14="http://schemas.microsoft.com/office/drawing/2010/main">
+        <mc:Choice Requires="a14">
           <p:sp>
             <p:nvSpPr>
               <p:cNvPr id="3" name="コンテンツ プレースホルダー 2">
@@ -11453,7 +12807,7 @@
             </p:txBody>
           </p:sp>
         </mc:Choice>
-        <mc:Fallback>
+        <mc:Fallback xmlns="">
           <p:sp>
             <p:nvSpPr>
               <p:cNvPr id="3" name="コンテンツ プレースホルダー 2">
@@ -11608,8 +12962,8 @@
           </a:fontRef>
         </p:style>
       </p:cxnSp>
-      <mc:AlternateContent xmlns:mc="http://schemas.openxmlformats.org/markup-compatibility/2006">
-        <mc:Choice xmlns:a14="http://schemas.microsoft.com/office/drawing/2010/main" Requires="a14">
+      <mc:AlternateContent xmlns:mc="http://schemas.openxmlformats.org/markup-compatibility/2006" xmlns:a14="http://schemas.microsoft.com/office/drawing/2010/main">
+        <mc:Choice Requires="a14">
           <p:sp>
             <p:nvSpPr>
               <p:cNvPr id="17" name="テキスト ボックス 16">
@@ -11669,7 +13023,7 @@
             </p:txBody>
           </p:sp>
         </mc:Choice>
-        <mc:Fallback>
+        <mc:Fallback xmlns="">
           <p:sp>
             <p:nvSpPr>
               <p:cNvPr id="17" name="テキスト ボックス 16">
@@ -11751,8 +13105,8 @@
           </a:fontRef>
         </p:style>
       </p:cxnSp>
-      <mc:AlternateContent xmlns:mc="http://schemas.openxmlformats.org/markup-compatibility/2006">
-        <mc:Choice xmlns:a14="http://schemas.microsoft.com/office/drawing/2010/main" Requires="a14">
+      <mc:AlternateContent xmlns:mc="http://schemas.openxmlformats.org/markup-compatibility/2006" xmlns:a14="http://schemas.microsoft.com/office/drawing/2010/main">
+        <mc:Choice Requires="a14">
           <p:sp>
             <p:nvSpPr>
               <p:cNvPr id="19" name="テキスト ボックス 18">
@@ -11839,7 +13193,7 @@
             </p:txBody>
           </p:sp>
         </mc:Choice>
-        <mc:Fallback>
+        <mc:Fallback xmlns="">
           <p:sp>
             <p:nvSpPr>
               <p:cNvPr id="19" name="テキスト ボックス 18">
@@ -11884,8 +13238,8 @@
           </p:sp>
         </mc:Fallback>
       </mc:AlternateContent>
-      <mc:AlternateContent xmlns:mc="http://schemas.openxmlformats.org/markup-compatibility/2006">
-        <mc:Choice xmlns:a14="http://schemas.microsoft.com/office/drawing/2010/main" Requires="a14">
+      <mc:AlternateContent xmlns:mc="http://schemas.openxmlformats.org/markup-compatibility/2006" xmlns:a14="http://schemas.microsoft.com/office/drawing/2010/main">
+        <mc:Choice Requires="a14">
           <p:sp>
             <p:nvSpPr>
               <p:cNvPr id="20" name="テキスト ボックス 19">
@@ -11972,7 +13326,7 @@
             </p:txBody>
           </p:sp>
         </mc:Choice>
-        <mc:Fallback>
+        <mc:Fallback xmlns="">
           <p:sp>
             <p:nvSpPr>
               <p:cNvPr id="20" name="テキスト ボックス 19">
@@ -12017,8 +13371,8 @@
           </p:sp>
         </mc:Fallback>
       </mc:AlternateContent>
-      <mc:AlternateContent xmlns:mc="http://schemas.openxmlformats.org/markup-compatibility/2006">
-        <mc:Choice xmlns:a14="http://schemas.microsoft.com/office/drawing/2010/main" Requires="a14">
+      <mc:AlternateContent xmlns:mc="http://schemas.openxmlformats.org/markup-compatibility/2006" xmlns:a14="http://schemas.microsoft.com/office/drawing/2010/main">
+        <mc:Choice Requires="a14">
           <p:sp>
             <p:nvSpPr>
               <p:cNvPr id="21" name="テキスト ボックス 20">
@@ -12105,7 +13459,7 @@
             </p:txBody>
           </p:sp>
         </mc:Choice>
-        <mc:Fallback>
+        <mc:Fallback xmlns="">
           <p:sp>
             <p:nvSpPr>
               <p:cNvPr id="21" name="テキスト ボックス 20">
@@ -12150,8 +13504,8 @@
           </p:sp>
         </mc:Fallback>
       </mc:AlternateContent>
-      <mc:AlternateContent xmlns:mc="http://schemas.openxmlformats.org/markup-compatibility/2006">
-        <mc:Choice xmlns:a14="http://schemas.microsoft.com/office/drawing/2010/main" Requires="a14">
+      <mc:AlternateContent xmlns:mc="http://schemas.openxmlformats.org/markup-compatibility/2006" xmlns:a14="http://schemas.microsoft.com/office/drawing/2010/main">
+        <mc:Choice Requires="a14">
           <p:sp>
             <p:nvSpPr>
               <p:cNvPr id="22" name="テキスト ボックス 21">
@@ -12238,7 +13592,7 @@
             </p:txBody>
           </p:sp>
         </mc:Choice>
-        <mc:Fallback>
+        <mc:Fallback xmlns="">
           <p:sp>
             <p:nvSpPr>
               <p:cNvPr id="22" name="テキスト ボックス 21">
@@ -12324,8 +13678,8 @@
           </a:fontRef>
         </p:style>
       </p:cxnSp>
-      <mc:AlternateContent xmlns:mc="http://schemas.openxmlformats.org/markup-compatibility/2006">
-        <mc:Choice xmlns:a14="http://schemas.microsoft.com/office/drawing/2010/main" Requires="a14">
+      <mc:AlternateContent xmlns:mc="http://schemas.openxmlformats.org/markup-compatibility/2006" xmlns:a14="http://schemas.microsoft.com/office/drawing/2010/main">
+        <mc:Choice Requires="a14">
           <p:sp>
             <p:nvSpPr>
               <p:cNvPr id="24" name="テキスト ボックス 23">
@@ -12385,7 +13739,7 @@
             </p:txBody>
           </p:sp>
         </mc:Choice>
-        <mc:Fallback>
+        <mc:Fallback xmlns="">
           <p:sp>
             <p:nvSpPr>
               <p:cNvPr id="24" name="テキスト ボックス 23">
@@ -12516,8 +13870,8 @@
           </a:fontRef>
         </p:style>
       </p:cxnSp>
-      <mc:AlternateContent xmlns:mc="http://schemas.openxmlformats.org/markup-compatibility/2006">
-        <mc:Choice xmlns:a14="http://schemas.microsoft.com/office/drawing/2010/main" Requires="a14">
+      <mc:AlternateContent xmlns:mc="http://schemas.openxmlformats.org/markup-compatibility/2006" xmlns:a14="http://schemas.microsoft.com/office/drawing/2010/main">
+        <mc:Choice Requires="a14">
           <p:sp>
             <p:nvSpPr>
               <p:cNvPr id="31" name="テキスト ボックス 30">
@@ -12577,7 +13931,7 @@
             </p:txBody>
           </p:sp>
         </mc:Choice>
-        <mc:Fallback>
+        <mc:Fallback xmlns="">
           <p:sp>
             <p:nvSpPr>
               <p:cNvPr id="31" name="テキスト ボックス 30">
@@ -12622,8 +13976,8 @@
           </p:sp>
         </mc:Fallback>
       </mc:AlternateContent>
-      <mc:AlternateContent xmlns:mc="http://schemas.openxmlformats.org/markup-compatibility/2006">
-        <mc:Choice xmlns:a14="http://schemas.microsoft.com/office/drawing/2010/main" Requires="a14">
+      <mc:AlternateContent xmlns:mc="http://schemas.openxmlformats.org/markup-compatibility/2006" xmlns:a14="http://schemas.microsoft.com/office/drawing/2010/main">
+        <mc:Choice Requires="a14">
           <p:sp>
             <p:nvSpPr>
               <p:cNvPr id="32" name="テキスト ボックス 31">
@@ -12683,7 +14037,7 @@
             </p:txBody>
           </p:sp>
         </mc:Choice>
-        <mc:Fallback>
+        <mc:Fallback xmlns="">
           <p:sp>
             <p:nvSpPr>
               <p:cNvPr id="32" name="テキスト ボックス 31">
@@ -12787,8 +14141,8 @@
           </a:p>
         </p:txBody>
       </p:sp>
-      <mc:AlternateContent xmlns:mc="http://schemas.openxmlformats.org/markup-compatibility/2006">
-        <mc:Choice xmlns:a14="http://schemas.microsoft.com/office/drawing/2010/main" Requires="a14">
+      <mc:AlternateContent xmlns:mc="http://schemas.openxmlformats.org/markup-compatibility/2006" xmlns:a14="http://schemas.microsoft.com/office/drawing/2010/main">
+        <mc:Choice Requires="a14">
           <p:sp>
             <p:nvSpPr>
               <p:cNvPr id="3" name="コンテンツ プレースホルダー 2">
@@ -13063,7 +14417,7 @@
             </p:txBody>
           </p:sp>
         </mc:Choice>
-        <mc:Fallback>
+        <mc:Fallback xmlns="">
           <p:sp>
             <p:nvSpPr>
               <p:cNvPr id="3" name="コンテンツ プレースホルダー 2">
@@ -13218,8 +14572,8 @@
           </a:fontRef>
         </p:style>
       </p:cxnSp>
-      <mc:AlternateContent xmlns:mc="http://schemas.openxmlformats.org/markup-compatibility/2006">
-        <mc:Choice xmlns:a14="http://schemas.microsoft.com/office/drawing/2010/main" Requires="a14">
+      <mc:AlternateContent xmlns:mc="http://schemas.openxmlformats.org/markup-compatibility/2006" xmlns:a14="http://schemas.microsoft.com/office/drawing/2010/main">
+        <mc:Choice Requires="a14">
           <p:sp>
             <p:nvSpPr>
               <p:cNvPr id="38" name="テキスト ボックス 37">
@@ -13279,7 +14633,7 @@
             </p:txBody>
           </p:sp>
         </mc:Choice>
-        <mc:Fallback>
+        <mc:Fallback xmlns="">
           <p:sp>
             <p:nvSpPr>
               <p:cNvPr id="38" name="テキスト ボックス 37">
@@ -13361,8 +14715,8 @@
           </a:fontRef>
         </p:style>
       </p:cxnSp>
-      <mc:AlternateContent xmlns:mc="http://schemas.openxmlformats.org/markup-compatibility/2006">
-        <mc:Choice xmlns:a14="http://schemas.microsoft.com/office/drawing/2010/main" Requires="a14">
+      <mc:AlternateContent xmlns:mc="http://schemas.openxmlformats.org/markup-compatibility/2006" xmlns:a14="http://schemas.microsoft.com/office/drawing/2010/main">
+        <mc:Choice Requires="a14">
           <p:sp>
             <p:nvSpPr>
               <p:cNvPr id="40" name="テキスト ボックス 39">
@@ -13449,7 +14803,7 @@
             </p:txBody>
           </p:sp>
         </mc:Choice>
-        <mc:Fallback>
+        <mc:Fallback xmlns="">
           <p:sp>
             <p:nvSpPr>
               <p:cNvPr id="40" name="テキスト ボックス 39">
@@ -13494,8 +14848,8 @@
           </p:sp>
         </mc:Fallback>
       </mc:AlternateContent>
-      <mc:AlternateContent xmlns:mc="http://schemas.openxmlformats.org/markup-compatibility/2006">
-        <mc:Choice xmlns:a14="http://schemas.microsoft.com/office/drawing/2010/main" Requires="a14">
+      <mc:AlternateContent xmlns:mc="http://schemas.openxmlformats.org/markup-compatibility/2006" xmlns:a14="http://schemas.microsoft.com/office/drawing/2010/main">
+        <mc:Choice Requires="a14">
           <p:sp>
             <p:nvSpPr>
               <p:cNvPr id="41" name="テキスト ボックス 40">
@@ -13582,7 +14936,7 @@
             </p:txBody>
           </p:sp>
         </mc:Choice>
-        <mc:Fallback>
+        <mc:Fallback xmlns="">
           <p:sp>
             <p:nvSpPr>
               <p:cNvPr id="41" name="テキスト ボックス 40">
@@ -13627,8 +14981,8 @@
           </p:sp>
         </mc:Fallback>
       </mc:AlternateContent>
-      <mc:AlternateContent xmlns:mc="http://schemas.openxmlformats.org/markup-compatibility/2006">
-        <mc:Choice xmlns:a14="http://schemas.microsoft.com/office/drawing/2010/main" Requires="a14">
+      <mc:AlternateContent xmlns:mc="http://schemas.openxmlformats.org/markup-compatibility/2006" xmlns:a14="http://schemas.microsoft.com/office/drawing/2010/main">
+        <mc:Choice Requires="a14">
           <p:sp>
             <p:nvSpPr>
               <p:cNvPr id="42" name="テキスト ボックス 41">
@@ -13715,7 +15069,7 @@
             </p:txBody>
           </p:sp>
         </mc:Choice>
-        <mc:Fallback>
+        <mc:Fallback xmlns="">
           <p:sp>
             <p:nvSpPr>
               <p:cNvPr id="42" name="テキスト ボックス 41">
@@ -13760,8 +15114,8 @@
           </p:sp>
         </mc:Fallback>
       </mc:AlternateContent>
-      <mc:AlternateContent xmlns:mc="http://schemas.openxmlformats.org/markup-compatibility/2006">
-        <mc:Choice xmlns:a14="http://schemas.microsoft.com/office/drawing/2010/main" Requires="a14">
+      <mc:AlternateContent xmlns:mc="http://schemas.openxmlformats.org/markup-compatibility/2006" xmlns:a14="http://schemas.microsoft.com/office/drawing/2010/main">
+        <mc:Choice Requires="a14">
           <p:sp>
             <p:nvSpPr>
               <p:cNvPr id="43" name="テキスト ボックス 42">
@@ -13848,7 +15202,7 @@
             </p:txBody>
           </p:sp>
         </mc:Choice>
-        <mc:Fallback>
+        <mc:Fallback xmlns="">
           <p:sp>
             <p:nvSpPr>
               <p:cNvPr id="43" name="テキスト ボックス 42">
@@ -13934,8 +15288,8 @@
           </a:fontRef>
         </p:style>
       </p:cxnSp>
-      <mc:AlternateContent xmlns:mc="http://schemas.openxmlformats.org/markup-compatibility/2006">
-        <mc:Choice xmlns:a14="http://schemas.microsoft.com/office/drawing/2010/main" Requires="a14">
+      <mc:AlternateContent xmlns:mc="http://schemas.openxmlformats.org/markup-compatibility/2006" xmlns:a14="http://schemas.microsoft.com/office/drawing/2010/main">
+        <mc:Choice Requires="a14">
           <p:sp>
             <p:nvSpPr>
               <p:cNvPr id="45" name="テキスト ボックス 44">
@@ -13995,7 +15349,7 @@
             </p:txBody>
           </p:sp>
         </mc:Choice>
-        <mc:Fallback>
+        <mc:Fallback xmlns="">
           <p:sp>
             <p:nvSpPr>
               <p:cNvPr id="45" name="テキスト ボックス 44">
@@ -14040,8 +15394,8 @@
           </p:sp>
         </mc:Fallback>
       </mc:AlternateContent>
-      <mc:AlternateContent xmlns:mc="http://schemas.openxmlformats.org/markup-compatibility/2006">
-        <mc:Choice xmlns:a14="http://schemas.microsoft.com/office/drawing/2010/main" Requires="a14">
+      <mc:AlternateContent xmlns:mc="http://schemas.openxmlformats.org/markup-compatibility/2006" xmlns:a14="http://schemas.microsoft.com/office/drawing/2010/main">
+        <mc:Choice Requires="a14">
           <p:sp>
             <p:nvSpPr>
               <p:cNvPr id="48" name="テキスト ボックス 47">
@@ -14101,7 +15455,7 @@
             </p:txBody>
           </p:sp>
         </mc:Choice>
-        <mc:Fallback>
+        <mc:Fallback xmlns="">
           <p:sp>
             <p:nvSpPr>
               <p:cNvPr id="48" name="テキスト ボックス 47">
@@ -14146,8 +15500,8 @@
           </p:sp>
         </mc:Fallback>
       </mc:AlternateContent>
-      <mc:AlternateContent xmlns:mc="http://schemas.openxmlformats.org/markup-compatibility/2006">
-        <mc:Choice xmlns:a14="http://schemas.microsoft.com/office/drawing/2010/main" Requires="a14">
+      <mc:AlternateContent xmlns:mc="http://schemas.openxmlformats.org/markup-compatibility/2006" xmlns:a14="http://schemas.microsoft.com/office/drawing/2010/main">
+        <mc:Choice Requires="a14">
           <p:sp>
             <p:nvSpPr>
               <p:cNvPr id="49" name="テキスト ボックス 48">
@@ -14207,7 +15561,7 @@
             </p:txBody>
           </p:sp>
         </mc:Choice>
-        <mc:Fallback>
+        <mc:Fallback xmlns="">
           <p:sp>
             <p:nvSpPr>
               <p:cNvPr id="49" name="テキスト ボックス 48">
@@ -14404,8 +15758,8 @@
           </a:p>
         </p:txBody>
       </p:sp>
-      <mc:AlternateContent xmlns:mc="http://schemas.openxmlformats.org/markup-compatibility/2006">
-        <mc:Choice xmlns:a14="http://schemas.microsoft.com/office/drawing/2010/main" Requires="a14">
+      <mc:AlternateContent xmlns:mc="http://schemas.openxmlformats.org/markup-compatibility/2006" xmlns:a14="http://schemas.microsoft.com/office/drawing/2010/main">
+        <mc:Choice Requires="a14">
           <p:sp>
             <p:nvSpPr>
               <p:cNvPr id="55" name="楕円 54">
@@ -14488,7 +15842,7 @@
             </p:txBody>
           </p:sp>
         </mc:Choice>
-        <mc:Fallback>
+        <mc:Fallback xmlns="">
           <p:sp>
             <p:nvSpPr>
               <p:cNvPr id="55" name="楕円 54">
@@ -14539,8 +15893,8 @@
           </p:sp>
         </mc:Fallback>
       </mc:AlternateContent>
-      <mc:AlternateContent xmlns:mc="http://schemas.openxmlformats.org/markup-compatibility/2006">
-        <mc:Choice xmlns:a14="http://schemas.microsoft.com/office/drawing/2010/main" Requires="a14">
+      <mc:AlternateContent xmlns:mc="http://schemas.openxmlformats.org/markup-compatibility/2006" xmlns:a14="http://schemas.microsoft.com/office/drawing/2010/main">
+        <mc:Choice Requires="a14">
           <p:sp>
             <p:nvSpPr>
               <p:cNvPr id="56" name="楕円 55">
@@ -14623,7 +15977,7 @@
             </p:txBody>
           </p:sp>
         </mc:Choice>
-        <mc:Fallback>
+        <mc:Fallback xmlns="">
           <p:sp>
             <p:nvSpPr>
               <p:cNvPr id="56" name="楕円 55">
@@ -14733,8 +16087,8 @@
           </a:p>
         </p:txBody>
       </p:sp>
-      <mc:AlternateContent xmlns:mc="http://schemas.openxmlformats.org/markup-compatibility/2006">
-        <mc:Choice xmlns:a14="http://schemas.microsoft.com/office/drawing/2010/main" Requires="a14">
+      <mc:AlternateContent xmlns:mc="http://schemas.openxmlformats.org/markup-compatibility/2006" xmlns:a14="http://schemas.microsoft.com/office/drawing/2010/main">
+        <mc:Choice Requires="a14">
           <p:sp>
             <p:nvSpPr>
               <p:cNvPr id="3" name="コンテンツ プレースホルダー 2">
@@ -15015,7 +16369,7 @@
             </p:txBody>
           </p:sp>
         </mc:Choice>
-        <mc:Fallback>
+        <mc:Fallback xmlns="">
           <p:sp>
             <p:nvSpPr>
               <p:cNvPr id="3" name="コンテンツ プレースホルダー 2">
@@ -15059,8 +16413,8 @@
           </p:sp>
         </mc:Fallback>
       </mc:AlternateContent>
-      <mc:AlternateContent xmlns:mc="http://schemas.openxmlformats.org/markup-compatibility/2006">
-        <mc:Choice xmlns:a14="http://schemas.microsoft.com/office/drawing/2010/main" Requires="a14">
+      <mc:AlternateContent xmlns:mc="http://schemas.openxmlformats.org/markup-compatibility/2006" xmlns:a14="http://schemas.microsoft.com/office/drawing/2010/main">
+        <mc:Choice Requires="a14">
           <p:sp>
             <p:nvSpPr>
               <p:cNvPr id="7" name="テキスト ボックス 6">
@@ -15120,7 +16474,7 @@
             </p:txBody>
           </p:sp>
         </mc:Choice>
-        <mc:Fallback>
+        <mc:Fallback xmlns="">
           <p:sp>
             <p:nvSpPr>
               <p:cNvPr id="7" name="テキスト ボックス 6">
@@ -15165,8 +16519,8 @@
           </p:sp>
         </mc:Fallback>
       </mc:AlternateContent>
-      <mc:AlternateContent xmlns:mc="http://schemas.openxmlformats.org/markup-compatibility/2006">
-        <mc:Choice xmlns:a14="http://schemas.microsoft.com/office/drawing/2010/main" Requires="a14">
+      <mc:AlternateContent xmlns:mc="http://schemas.openxmlformats.org/markup-compatibility/2006" xmlns:a14="http://schemas.microsoft.com/office/drawing/2010/main">
+        <mc:Choice Requires="a14">
           <p:sp>
             <p:nvSpPr>
               <p:cNvPr id="8" name="テキスト ボックス 7">
@@ -15226,7 +16580,7 @@
             </p:txBody>
           </p:sp>
         </mc:Choice>
-        <mc:Fallback>
+        <mc:Fallback xmlns="">
           <p:sp>
             <p:nvSpPr>
               <p:cNvPr id="8" name="テキスト ボックス 7">
@@ -15271,8 +16625,8 @@
           </p:sp>
         </mc:Fallback>
       </mc:AlternateContent>
-      <mc:AlternateContent xmlns:mc="http://schemas.openxmlformats.org/markup-compatibility/2006">
-        <mc:Choice xmlns:a14="http://schemas.microsoft.com/office/drawing/2010/main" Requires="a14">
+      <mc:AlternateContent xmlns:mc="http://schemas.openxmlformats.org/markup-compatibility/2006" xmlns:a14="http://schemas.microsoft.com/office/drawing/2010/main">
+        <mc:Choice Requires="a14">
           <p:sp>
             <p:nvSpPr>
               <p:cNvPr id="28" name="テキスト ボックス 27">
@@ -15332,7 +16686,7 @@
             </p:txBody>
           </p:sp>
         </mc:Choice>
-        <mc:Fallback>
+        <mc:Fallback xmlns="">
           <p:sp>
             <p:nvSpPr>
               <p:cNvPr id="28" name="テキスト ボックス 27">
@@ -15379,10 +16733,10 @@
       </mc:AlternateContent>
       <p:sp>
         <p:nvSpPr>
-          <p:cNvPr id="58" name="フリーフォーム: 図形 57">
+          <p:cNvPr id="32" name="フリーフォーム: 図形 31">
             <a:extLst>
               <a:ext uri="{FF2B5EF4-FFF2-40B4-BE49-F238E27FC236}">
-                <a16:creationId xmlns:a16="http://schemas.microsoft.com/office/drawing/2014/main" id="{ABE6B123-A53F-4FD2-8B50-D11127D53FDD}"/>
+                <a16:creationId xmlns:a16="http://schemas.microsoft.com/office/drawing/2014/main" id="{BB1DCEB1-D5DE-42F3-9C4C-CBB8A1EAC2D4}"/>
               </a:ext>
             </a:extLst>
           </p:cNvPr>
@@ -15391,7 +16745,7 @@
         </p:nvSpPr>
         <p:spPr>
           <a:xfrm rot="20590525">
-            <a:off x="1786662" y="4378053"/>
+            <a:off x="6063683" y="4203819"/>
             <a:ext cx="2205342" cy="1973796"/>
           </a:xfrm>
           <a:custGeom>
@@ -15411,10 +16765,18 @@
               <a:gd name="connsiteY5" fmla="*/ 1 h 1973796"/>
               <a:gd name="connsiteX6" fmla="*/ 541509 w 2205342"/>
               <a:gd name="connsiteY6" fmla="*/ 0 h 1973796"/>
-              <a:gd name="connsiteX7" fmla="*/ 541509 w 2205342"/>
-              <a:gd name="connsiteY7" fmla="*/ 0 h 1973796"/>
-              <a:gd name="connsiteX8" fmla="*/ 588453 w 2205342"/>
-              <a:gd name="connsiteY8" fmla="*/ 12960 h 1973796"/>
+              <a:gd name="connsiteX7" fmla="*/ 588453 w 2205342"/>
+              <a:gd name="connsiteY7" fmla="*/ 12960 h 1973796"/>
+              <a:gd name="connsiteX8" fmla="*/ 1947067 w 2205342"/>
+              <a:gd name="connsiteY8" fmla="*/ 1241665 h 1973796"/>
+              <a:gd name="connsiteX9" fmla="*/ 1722672 w 2205342"/>
+              <a:gd name="connsiteY9" fmla="*/ 1361861 h 1973796"/>
+              <a:gd name="connsiteX10" fmla="*/ 1842867 w 2205342"/>
+              <a:gd name="connsiteY10" fmla="*/ 1586256 h 1973796"/>
+              <a:gd name="connsiteX11" fmla="*/ 2067262 w 2205342"/>
+              <a:gd name="connsiteY11" fmla="*/ 1466060 h 1973796"/>
+              <a:gd name="connsiteX12" fmla="*/ 1947067 w 2205342"/>
+              <a:gd name="connsiteY12" fmla="*/ 1241665 h 1973796"/>
             </a:gdLst>
             <a:ahLst/>
             <a:cxnLst>
@@ -15445,6 +16807,18 @@
               <a:cxn ang="0">
                 <a:pos x="connsiteX8" y="connsiteY8"/>
               </a:cxn>
+              <a:cxn ang="0">
+                <a:pos x="connsiteX9" y="connsiteY9"/>
+              </a:cxn>
+              <a:cxn ang="0">
+                <a:pos x="connsiteX10" y="connsiteY10"/>
+              </a:cxn>
+              <a:cxn ang="0">
+                <a:pos x="connsiteX11" y="connsiteY11"/>
+              </a:cxn>
+              <a:cxn ang="0">
+                <a:pos x="connsiteX12" y="connsiteY12"/>
+              </a:cxn>
             </a:cxnLst>
             <a:rect l="l" t="t" r="r" b="b"/>
             <a:pathLst>
@@ -15453,7 +16827,7 @@
                   <a:pt x="588453" y="12960"/>
                 </a:moveTo>
                 <a:cubicBezTo>
-                  <a:pt x="1620561" y="325055"/>
+                  <a:pt x="1620561" y="325056"/>
                   <a:pt x="2335552" y="980515"/>
                   <a:pt x="2185431" y="1476972"/>
                 </a:cubicBezTo>
@@ -15475,11 +16849,32 @@
                   <a:pt x="541509" y="0"/>
                 </a:lnTo>
                 <a:lnTo>
-                  <a:pt x="541509" y="0"/>
-                </a:lnTo>
-                <a:lnTo>
                   <a:pt x="588453" y="12960"/>
                 </a:lnTo>
+                <a:close/>
+                <a:moveTo>
+                  <a:pt x="1947067" y="1241665"/>
+                </a:moveTo>
+                <a:cubicBezTo>
+                  <a:pt x="1851911" y="1212891"/>
+                  <a:pt x="1751446" y="1266705"/>
+                  <a:pt x="1722672" y="1361861"/>
+                </a:cubicBezTo>
+                <a:cubicBezTo>
+                  <a:pt x="1693898" y="1457016"/>
+                  <a:pt x="1747712" y="1557482"/>
+                  <a:pt x="1842867" y="1586256"/>
+                </a:cubicBezTo>
+                <a:cubicBezTo>
+                  <a:pt x="1938023" y="1615029"/>
+                  <a:pt x="2038488" y="1561216"/>
+                  <a:pt x="2067262" y="1466060"/>
+                </a:cubicBezTo>
+                <a:cubicBezTo>
+                  <a:pt x="2096036" y="1370904"/>
+                  <a:pt x="2042222" y="1270439"/>
+                  <a:pt x="1947067" y="1241665"/>
+                </a:cubicBezTo>
                 <a:close/>
               </a:path>
             </a:pathLst>
@@ -15505,7 +16900,9 @@
           </a:fontRef>
         </p:style>
         <p:txBody>
-          <a:bodyPr rtlCol="0" anchor="ctr"/>
+          <a:bodyPr wrap="square" rtlCol="0" anchor="ctr">
+            <a:noAutofit/>
+          </a:bodyPr>
           <a:lstStyle/>
           <a:p>
             <a:pPr algn="ctr"/>
@@ -16059,228 +17456,6 @@
           </a:p>
         </p:txBody>
       </p:sp>
-      <p:cxnSp>
-        <p:nvCxnSpPr>
-          <p:cNvPr id="5" name="直線コネクタ 4">
-            <a:extLst>
-              <a:ext uri="{FF2B5EF4-FFF2-40B4-BE49-F238E27FC236}">
-                <a16:creationId xmlns:a16="http://schemas.microsoft.com/office/drawing/2014/main" id="{C391E217-E612-4C34-B99C-BA566A3A890D}"/>
-              </a:ext>
-            </a:extLst>
-          </p:cNvPr>
-          <p:cNvCxnSpPr>
-            <a:cxnSpLocks/>
-          </p:cNvCxnSpPr>
-          <p:nvPr/>
-        </p:nvCxnSpPr>
-        <p:spPr>
-          <a:xfrm>
-            <a:off x="1378522" y="4204475"/>
-            <a:ext cx="803189" cy="2718486"/>
-          </a:xfrm>
-          <a:prstGeom prst="line">
-            <a:avLst/>
-          </a:prstGeom>
-          <a:ln w="38100" cmpd="sng">
-            <a:solidFill>
-              <a:srgbClr val="00B0F0"/>
-            </a:solidFill>
-          </a:ln>
-        </p:spPr>
-        <p:style>
-          <a:lnRef idx="1">
-            <a:schemeClr val="dk1"/>
-          </a:lnRef>
-          <a:fillRef idx="0">
-            <a:schemeClr val="dk1"/>
-          </a:fillRef>
-          <a:effectRef idx="0">
-            <a:schemeClr val="dk1"/>
-          </a:effectRef>
-          <a:fontRef idx="minor">
-            <a:schemeClr val="tx1"/>
-          </a:fontRef>
-        </p:style>
-      </p:cxnSp>
-      <p:cxnSp>
-        <p:nvCxnSpPr>
-          <p:cNvPr id="6" name="直線コネクタ 5">
-            <a:extLst>
-              <a:ext uri="{FF2B5EF4-FFF2-40B4-BE49-F238E27FC236}">
-                <a16:creationId xmlns:a16="http://schemas.microsoft.com/office/drawing/2014/main" id="{BB314CF0-5893-4731-84E5-21A560F2AECB}"/>
-              </a:ext>
-            </a:extLst>
-          </p:cNvPr>
-          <p:cNvCxnSpPr>
-            <a:cxnSpLocks/>
-          </p:cNvCxnSpPr>
-          <p:nvPr/>
-        </p:nvCxnSpPr>
-        <p:spPr>
-          <a:xfrm flipH="1">
-            <a:off x="1758493" y="4223010"/>
-            <a:ext cx="333632" cy="2681416"/>
-          </a:xfrm>
-          <a:prstGeom prst="line">
-            <a:avLst/>
-          </a:prstGeom>
-          <a:ln w="38100">
-            <a:solidFill>
-              <a:srgbClr val="00B0F0"/>
-            </a:solidFill>
-          </a:ln>
-        </p:spPr>
-        <p:style>
-          <a:lnRef idx="1">
-            <a:schemeClr val="dk1"/>
-          </a:lnRef>
-          <a:fillRef idx="0">
-            <a:schemeClr val="dk1"/>
-          </a:fillRef>
-          <a:effectRef idx="0">
-            <a:schemeClr val="dk1"/>
-          </a:effectRef>
-          <a:fontRef idx="minor">
-            <a:schemeClr val="tx1"/>
-          </a:fontRef>
-        </p:style>
-      </p:cxnSp>
-      <p:sp>
-        <p:nvSpPr>
-          <p:cNvPr id="59" name="フリーフォーム: 図形 58">
-            <a:extLst>
-              <a:ext uri="{FF2B5EF4-FFF2-40B4-BE49-F238E27FC236}">
-                <a16:creationId xmlns:a16="http://schemas.microsoft.com/office/drawing/2014/main" id="{C03C57D2-10EB-4D8D-818B-30962A0A3048}"/>
-              </a:ext>
-            </a:extLst>
-          </p:cNvPr>
-          <p:cNvSpPr/>
-          <p:nvPr/>
-        </p:nvSpPr>
-        <p:spPr>
-          <a:xfrm rot="20590525">
-            <a:off x="6063684" y="4166434"/>
-            <a:ext cx="2205342" cy="1973796"/>
-          </a:xfrm>
-          <a:custGeom>
-            <a:avLst/>
-            <a:gdLst>
-              <a:gd name="connsiteX0" fmla="*/ 588453 w 2205342"/>
-              <a:gd name="connsiteY0" fmla="*/ 12960 h 1973796"/>
-              <a:gd name="connsiteX1" fmla="*/ 2185431 w 2205342"/>
-              <a:gd name="connsiteY1" fmla="*/ 1476972 h 1973796"/>
-              <a:gd name="connsiteX2" fmla="*/ 44815 w 2205342"/>
-              <a:gd name="connsiteY2" fmla="*/ 1810789 h 1973796"/>
-              <a:gd name="connsiteX3" fmla="*/ 0 w 2205342"/>
-              <a:gd name="connsiteY3" fmla="*/ 1796041 h 1973796"/>
-              <a:gd name="connsiteX4" fmla="*/ 0 w 2205342"/>
-              <a:gd name="connsiteY4" fmla="*/ 1223439 h 1973796"/>
-              <a:gd name="connsiteX5" fmla="*/ 541510 w 2205342"/>
-              <a:gd name="connsiteY5" fmla="*/ 1 h 1973796"/>
-              <a:gd name="connsiteX6" fmla="*/ 541509 w 2205342"/>
-              <a:gd name="connsiteY6" fmla="*/ 0 h 1973796"/>
-              <a:gd name="connsiteX7" fmla="*/ 541509 w 2205342"/>
-              <a:gd name="connsiteY7" fmla="*/ 0 h 1973796"/>
-              <a:gd name="connsiteX8" fmla="*/ 588453 w 2205342"/>
-              <a:gd name="connsiteY8" fmla="*/ 12960 h 1973796"/>
-            </a:gdLst>
-            <a:ahLst/>
-            <a:cxnLst>
-              <a:cxn ang="0">
-                <a:pos x="connsiteX0" y="connsiteY0"/>
-              </a:cxn>
-              <a:cxn ang="0">
-                <a:pos x="connsiteX1" y="connsiteY1"/>
-              </a:cxn>
-              <a:cxn ang="0">
-                <a:pos x="connsiteX2" y="connsiteY2"/>
-              </a:cxn>
-              <a:cxn ang="0">
-                <a:pos x="connsiteX3" y="connsiteY3"/>
-              </a:cxn>
-              <a:cxn ang="0">
-                <a:pos x="connsiteX4" y="connsiteY4"/>
-              </a:cxn>
-              <a:cxn ang="0">
-                <a:pos x="connsiteX5" y="connsiteY5"/>
-              </a:cxn>
-              <a:cxn ang="0">
-                <a:pos x="connsiteX6" y="connsiteY6"/>
-              </a:cxn>
-              <a:cxn ang="0">
-                <a:pos x="connsiteX7" y="connsiteY7"/>
-              </a:cxn>
-              <a:cxn ang="0">
-                <a:pos x="connsiteX8" y="connsiteY8"/>
-              </a:cxn>
-            </a:cxnLst>
-            <a:rect l="l" t="t" r="r" b="b"/>
-            <a:pathLst>
-              <a:path w="2205342" h="1973796">
-                <a:moveTo>
-                  <a:pt x="588453" y="12960"/>
-                </a:moveTo>
-                <a:cubicBezTo>
-                  <a:pt x="1620561" y="325055"/>
-                  <a:pt x="2335552" y="980515"/>
-                  <a:pt x="2185431" y="1476972"/>
-                </a:cubicBezTo>
-                <a:cubicBezTo>
-                  <a:pt x="2035309" y="1973429"/>
-                  <a:pt x="1076923" y="2122884"/>
-                  <a:pt x="44815" y="1810789"/>
-                </a:cubicBezTo>
-                <a:lnTo>
-                  <a:pt x="0" y="1796041"/>
-                </a:lnTo>
-                <a:lnTo>
-                  <a:pt x="0" y="1223439"/>
-                </a:lnTo>
-                <a:lnTo>
-                  <a:pt x="541510" y="1"/>
-                </a:lnTo>
-                <a:lnTo>
-                  <a:pt x="541509" y="0"/>
-                </a:lnTo>
-                <a:lnTo>
-                  <a:pt x="541509" y="0"/>
-                </a:lnTo>
-                <a:lnTo>
-                  <a:pt x="588453" y="12960"/>
-                </a:lnTo>
-                <a:close/>
-              </a:path>
-            </a:pathLst>
-          </a:custGeom>
-          <a:ln w="28575">
-            <a:solidFill>
-              <a:schemeClr val="tx1"/>
-            </a:solidFill>
-          </a:ln>
-        </p:spPr>
-        <p:style>
-          <a:lnRef idx="1">
-            <a:schemeClr val="accent1"/>
-          </a:lnRef>
-          <a:fillRef idx="0">
-            <a:schemeClr val="accent1"/>
-          </a:fillRef>
-          <a:effectRef idx="0">
-            <a:schemeClr val="accent1"/>
-          </a:effectRef>
-          <a:fontRef idx="minor">
-            <a:schemeClr val="tx1"/>
-          </a:fontRef>
-        </p:style>
-        <p:txBody>
-          <a:bodyPr rtlCol="0" anchor="ctr"/>
-          <a:lstStyle/>
-          <a:p>
-            <a:pPr algn="ctr"/>
-            <a:endParaRPr kumimoji="1" lang="ja-JP" altLang="en-US"/>
-          </a:p>
-        </p:txBody>
-      </p:sp>
       <p:sp>
         <p:nvSpPr>
           <p:cNvPr id="60" name="矢印: 右 59">
@@ -16439,8 +17614,8 @@
           </p:sp>
         </mc:Fallback>
       </mc:AlternateContent>
-      <mc:AlternateContent xmlns:mc="http://schemas.openxmlformats.org/markup-compatibility/2006">
-        <mc:Choice xmlns:a14="http://schemas.microsoft.com/office/drawing/2010/main" Requires="a14">
+      <mc:AlternateContent xmlns:mc="http://schemas.openxmlformats.org/markup-compatibility/2006" xmlns:a14="http://schemas.microsoft.com/office/drawing/2010/main">
+        <mc:Choice Requires="a14">
           <p:sp>
             <p:nvSpPr>
               <p:cNvPr id="63" name="テキスト ボックス 62">
@@ -16582,7 +17757,7 @@
             </p:txBody>
           </p:sp>
         </mc:Choice>
-        <mc:Fallback>
+        <mc:Fallback xmlns="">
           <p:sp>
             <p:nvSpPr>
               <p:cNvPr id="63" name="テキスト ボックス 62">
@@ -16627,8 +17802,8 @@
           </p:sp>
         </mc:Fallback>
       </mc:AlternateContent>
-      <mc:AlternateContent xmlns:mc="http://schemas.openxmlformats.org/markup-compatibility/2006">
-        <mc:Choice xmlns:a14="http://schemas.microsoft.com/office/drawing/2010/main" Requires="a14">
+      <mc:AlternateContent xmlns:mc="http://schemas.openxmlformats.org/markup-compatibility/2006" xmlns:a14="http://schemas.microsoft.com/office/drawing/2010/main">
+        <mc:Choice Requires="a14">
           <p:sp>
             <p:nvSpPr>
               <p:cNvPr id="64" name="楕円 63">
@@ -16694,7 +17869,7 @@
             </p:txBody>
           </p:sp>
         </mc:Choice>
-        <mc:Fallback>
+        <mc:Fallback xmlns="">
           <p:sp>
             <p:nvSpPr>
               <p:cNvPr id="64" name="楕円 63">
@@ -16744,14 +17919,236 @@
           </p:sp>
         </mc:Fallback>
       </mc:AlternateContent>
+      <p:sp>
+        <p:nvSpPr>
+          <p:cNvPr id="31" name="フリーフォーム: 図形 30">
+            <a:extLst>
+              <a:ext uri="{FF2B5EF4-FFF2-40B4-BE49-F238E27FC236}">
+                <a16:creationId xmlns:a16="http://schemas.microsoft.com/office/drawing/2014/main" id="{DFA25068-754F-4C03-8112-AE463DDE672D}"/>
+              </a:ext>
+            </a:extLst>
+          </p:cNvPr>
+          <p:cNvSpPr/>
+          <p:nvPr/>
+        </p:nvSpPr>
+        <p:spPr>
+          <a:xfrm rot="20590525">
+            <a:off x="1773873" y="4369455"/>
+            <a:ext cx="2205342" cy="1973796"/>
+          </a:xfrm>
+          <a:custGeom>
+            <a:avLst/>
+            <a:gdLst>
+              <a:gd name="connsiteX0" fmla="*/ 588453 w 2205342"/>
+              <a:gd name="connsiteY0" fmla="*/ 12960 h 1973796"/>
+              <a:gd name="connsiteX1" fmla="*/ 2185431 w 2205342"/>
+              <a:gd name="connsiteY1" fmla="*/ 1476972 h 1973796"/>
+              <a:gd name="connsiteX2" fmla="*/ 44815 w 2205342"/>
+              <a:gd name="connsiteY2" fmla="*/ 1810789 h 1973796"/>
+              <a:gd name="connsiteX3" fmla="*/ 0 w 2205342"/>
+              <a:gd name="connsiteY3" fmla="*/ 1796041 h 1973796"/>
+              <a:gd name="connsiteX4" fmla="*/ 0 w 2205342"/>
+              <a:gd name="connsiteY4" fmla="*/ 1223439 h 1973796"/>
+              <a:gd name="connsiteX5" fmla="*/ 541510 w 2205342"/>
+              <a:gd name="connsiteY5" fmla="*/ 1 h 1973796"/>
+              <a:gd name="connsiteX6" fmla="*/ 541509 w 2205342"/>
+              <a:gd name="connsiteY6" fmla="*/ 0 h 1973796"/>
+              <a:gd name="connsiteX7" fmla="*/ 541509 w 2205342"/>
+              <a:gd name="connsiteY7" fmla="*/ 0 h 1973796"/>
+              <a:gd name="connsiteX8" fmla="*/ 588453 w 2205342"/>
+              <a:gd name="connsiteY8" fmla="*/ 12960 h 1973796"/>
+            </a:gdLst>
+            <a:ahLst/>
+            <a:cxnLst>
+              <a:cxn ang="0">
+                <a:pos x="connsiteX0" y="connsiteY0"/>
+              </a:cxn>
+              <a:cxn ang="0">
+                <a:pos x="connsiteX1" y="connsiteY1"/>
+              </a:cxn>
+              <a:cxn ang="0">
+                <a:pos x="connsiteX2" y="connsiteY2"/>
+              </a:cxn>
+              <a:cxn ang="0">
+                <a:pos x="connsiteX3" y="connsiteY3"/>
+              </a:cxn>
+              <a:cxn ang="0">
+                <a:pos x="connsiteX4" y="connsiteY4"/>
+              </a:cxn>
+              <a:cxn ang="0">
+                <a:pos x="connsiteX5" y="connsiteY5"/>
+              </a:cxn>
+              <a:cxn ang="0">
+                <a:pos x="connsiteX6" y="connsiteY6"/>
+              </a:cxn>
+              <a:cxn ang="0">
+                <a:pos x="connsiteX7" y="connsiteY7"/>
+              </a:cxn>
+              <a:cxn ang="0">
+                <a:pos x="connsiteX8" y="connsiteY8"/>
+              </a:cxn>
+            </a:cxnLst>
+            <a:rect l="l" t="t" r="r" b="b"/>
+            <a:pathLst>
+              <a:path w="2205342" h="1973796">
+                <a:moveTo>
+                  <a:pt x="588453" y="12960"/>
+                </a:moveTo>
+                <a:cubicBezTo>
+                  <a:pt x="1620561" y="325055"/>
+                  <a:pt x="2335552" y="980515"/>
+                  <a:pt x="2185431" y="1476972"/>
+                </a:cubicBezTo>
+                <a:cubicBezTo>
+                  <a:pt x="2035309" y="1973429"/>
+                  <a:pt x="1076923" y="2122884"/>
+                  <a:pt x="44815" y="1810789"/>
+                </a:cubicBezTo>
+                <a:lnTo>
+                  <a:pt x="0" y="1796041"/>
+                </a:lnTo>
+                <a:lnTo>
+                  <a:pt x="0" y="1223439"/>
+                </a:lnTo>
+                <a:lnTo>
+                  <a:pt x="541510" y="1"/>
+                </a:lnTo>
+                <a:lnTo>
+                  <a:pt x="541509" y="0"/>
+                </a:lnTo>
+                <a:lnTo>
+                  <a:pt x="541509" y="0"/>
+                </a:lnTo>
+                <a:lnTo>
+                  <a:pt x="588453" y="12960"/>
+                </a:lnTo>
+                <a:close/>
+              </a:path>
+            </a:pathLst>
+          </a:custGeom>
+          <a:ln w="28575">
+            <a:solidFill>
+              <a:schemeClr val="tx1"/>
+            </a:solidFill>
+          </a:ln>
+        </p:spPr>
+        <p:style>
+          <a:lnRef idx="1">
+            <a:schemeClr val="accent1"/>
+          </a:lnRef>
+          <a:fillRef idx="0">
+            <a:schemeClr val="accent1"/>
+          </a:fillRef>
+          <a:effectRef idx="0">
+            <a:schemeClr val="accent1"/>
+          </a:effectRef>
+          <a:fontRef idx="minor">
+            <a:schemeClr val="tx1"/>
+          </a:fontRef>
+        </p:style>
+        <p:txBody>
+          <a:bodyPr rtlCol="0" anchor="ctr"/>
+          <a:lstStyle/>
+          <a:p>
+            <a:pPr algn="ctr"/>
+            <a:endParaRPr kumimoji="1" lang="ja-JP" altLang="en-US"/>
+          </a:p>
+        </p:txBody>
+      </p:sp>
+      <p:cxnSp>
+        <p:nvCxnSpPr>
+          <p:cNvPr id="6" name="直線コネクタ 5">
+            <a:extLst>
+              <a:ext uri="{FF2B5EF4-FFF2-40B4-BE49-F238E27FC236}">
+                <a16:creationId xmlns:a16="http://schemas.microsoft.com/office/drawing/2014/main" id="{BB314CF0-5893-4731-84E5-21A560F2AECB}"/>
+              </a:ext>
+            </a:extLst>
+          </p:cNvPr>
+          <p:cNvCxnSpPr>
+            <a:cxnSpLocks/>
+          </p:cNvCxnSpPr>
+          <p:nvPr/>
+        </p:nvCxnSpPr>
+        <p:spPr>
+          <a:xfrm flipH="1">
+            <a:off x="1758493" y="4223010"/>
+            <a:ext cx="333632" cy="2681416"/>
+          </a:xfrm>
+          <a:prstGeom prst="line">
+            <a:avLst/>
+          </a:prstGeom>
+          <a:ln w="38100">
+            <a:solidFill>
+              <a:srgbClr val="00B0F0"/>
+            </a:solidFill>
+          </a:ln>
+        </p:spPr>
+        <p:style>
+          <a:lnRef idx="1">
+            <a:schemeClr val="dk1"/>
+          </a:lnRef>
+          <a:fillRef idx="0">
+            <a:schemeClr val="dk1"/>
+          </a:fillRef>
+          <a:effectRef idx="0">
+            <a:schemeClr val="dk1"/>
+          </a:effectRef>
+          <a:fontRef idx="minor">
+            <a:schemeClr val="tx1"/>
+          </a:fontRef>
+        </p:style>
+      </p:cxnSp>
+      <p:cxnSp>
+        <p:nvCxnSpPr>
+          <p:cNvPr id="5" name="直線コネクタ 4">
+            <a:extLst>
+              <a:ext uri="{FF2B5EF4-FFF2-40B4-BE49-F238E27FC236}">
+                <a16:creationId xmlns:a16="http://schemas.microsoft.com/office/drawing/2014/main" id="{C391E217-E612-4C34-B99C-BA566A3A890D}"/>
+              </a:ext>
+            </a:extLst>
+          </p:cNvPr>
+          <p:cNvCxnSpPr>
+            <a:cxnSpLocks/>
+          </p:cNvCxnSpPr>
+          <p:nvPr/>
+        </p:nvCxnSpPr>
+        <p:spPr>
+          <a:xfrm>
+            <a:off x="1378522" y="4204475"/>
+            <a:ext cx="803189" cy="2718486"/>
+          </a:xfrm>
+          <a:prstGeom prst="line">
+            <a:avLst/>
+          </a:prstGeom>
+          <a:ln w="38100" cmpd="sng">
+            <a:solidFill>
+              <a:srgbClr val="00B0F0"/>
+            </a:solidFill>
+          </a:ln>
+        </p:spPr>
+        <p:style>
+          <a:lnRef idx="1">
+            <a:schemeClr val="dk1"/>
+          </a:lnRef>
+          <a:fillRef idx="0">
+            <a:schemeClr val="dk1"/>
+          </a:fillRef>
+          <a:effectRef idx="0">
+            <a:schemeClr val="dk1"/>
+          </a:effectRef>
+          <a:fontRef idx="minor">
+            <a:schemeClr val="tx1"/>
+          </a:fontRef>
+        </p:style>
+      </p:cxnSp>
       <mc:AlternateContent xmlns:mc="http://schemas.openxmlformats.org/markup-compatibility/2006">
         <mc:Choice xmlns:a14="http://schemas.microsoft.com/office/drawing/2010/main" Requires="a14">
           <p:sp>
             <p:nvSpPr>
-              <p:cNvPr id="65" name="楕円 64">
+              <p:cNvPr id="34" name="楕円 33">
                 <a:extLst>
                   <a:ext uri="{FF2B5EF4-FFF2-40B4-BE49-F238E27FC236}">
-                    <a16:creationId xmlns:a16="http://schemas.microsoft.com/office/drawing/2014/main" id="{9CF3A371-F115-4317-AE46-284663DEE7DD}"/>
+                    <a16:creationId xmlns:a16="http://schemas.microsoft.com/office/drawing/2014/main" id="{FB096E18-6A28-4335-BC1B-1DE039BDDF61}"/>
                   </a:ext>
                 </a:extLst>
               </p:cNvPr>
@@ -16760,7 +18157,7 @@
             </p:nvSpPr>
             <p:spPr>
               <a:xfrm>
-                <a:off x="3591325" y="5364409"/>
+                <a:off x="3380233" y="5397232"/>
                 <a:ext cx="360000" cy="360000"/>
               </a:xfrm>
               <a:prstGeom prst="ellipse">
@@ -16814,10 +18211,10 @@
         <mc:Fallback>
           <p:sp>
             <p:nvSpPr>
-              <p:cNvPr id="65" name="楕円 64">
+              <p:cNvPr id="34" name="楕円 33">
                 <a:extLst>
                   <a:ext uri="{FF2B5EF4-FFF2-40B4-BE49-F238E27FC236}">
-                    <a16:creationId xmlns:a16="http://schemas.microsoft.com/office/drawing/2014/main" id="{9CF3A371-F115-4317-AE46-284663DEE7DD}"/>
+                    <a16:creationId xmlns:a16="http://schemas.microsoft.com/office/drawing/2014/main" id="{FB096E18-6A28-4335-BC1B-1DE039BDDF61}"/>
                   </a:ext>
                 </a:extLst>
               </p:cNvPr>
@@ -16828,7 +18225,7 @@
             </p:nvSpPr>
             <p:spPr>
               <a:xfrm>
-                <a:off x="3591325" y="5364409"/>
+                <a:off x="3380233" y="5397232"/>
                 <a:ext cx="360000" cy="360000"/>
               </a:xfrm>
               <a:prstGeom prst="ellipse">
@@ -16914,7 +18311,9 @@
           </a:xfrm>
         </p:spPr>
         <p:txBody>
-          <a:bodyPr/>
+          <a:bodyPr>
+            <a:normAutofit fontScale="90000"/>
+          </a:bodyPr>
           <a:lstStyle/>
           <a:p>
             <a:r>
@@ -16932,8 +18331,8 @@
           </a:p>
         </p:txBody>
       </p:sp>
-      <mc:AlternateContent xmlns:mc="http://schemas.openxmlformats.org/markup-compatibility/2006">
-        <mc:Choice xmlns:a14="http://schemas.microsoft.com/office/drawing/2010/main" Requires="a14">
+      <mc:AlternateContent xmlns:mc="http://schemas.openxmlformats.org/markup-compatibility/2006" xmlns:a14="http://schemas.microsoft.com/office/drawing/2010/main">
+        <mc:Choice Requires="a14">
           <p:sp>
             <p:nvSpPr>
               <p:cNvPr id="3" name="コンテンツ プレースホルダー 2">
@@ -17160,7 +18559,7 @@
             </p:txBody>
           </p:sp>
         </mc:Choice>
-        <mc:Fallback>
+        <mc:Fallback xmlns="">
           <p:sp>
             <p:nvSpPr>
               <p:cNvPr id="3" name="コンテンツ プレースホルダー 2">

--- a/slide/mizutani_pre.pptx
+++ b/slide/mizutani_pre.pptx
@@ -18,11 +18,11 @@
     <p:sldId id="280" r:id="rId9"/>
     <p:sldId id="284" r:id="rId10"/>
     <p:sldId id="282" r:id="rId11"/>
-    <p:sldId id="283" r:id="rId12"/>
-    <p:sldId id="265" r:id="rId13"/>
+    <p:sldId id="287" r:id="rId12"/>
+    <p:sldId id="283" r:id="rId13"/>
     <p:sldId id="266" r:id="rId14"/>
-    <p:sldId id="285" r:id="rId15"/>
-    <p:sldId id="286" r:id="rId16"/>
+    <p:sldId id="290" r:id="rId15"/>
+    <p:sldId id="289" r:id="rId16"/>
     <p:sldId id="268" r:id="rId17"/>
   </p:sldIdLst>
   <p:sldSz cx="9144000" cy="6858000" type="screen4x3"/>
@@ -212,7 +212,7 @@
           <a:p>
             <a:fld id="{91E1704D-60E3-49A9-9D9C-E6DB3A52E1F9}" type="datetimeFigureOut">
               <a:rPr kumimoji="1" lang="ja-JP" altLang="en-US" smtClean="0"/>
-              <a:t>2019/2/12</a:t>
+              <a:t>2019/2/13</a:t>
             </a:fld>
             <a:endParaRPr kumimoji="1" lang="ja-JP" altLang="en-US"/>
           </a:p>
@@ -1176,6 +1176,90 @@
     </p:spTree>
     <p:extLst>
       <p:ext uri="{BB962C8B-B14F-4D97-AF65-F5344CB8AC3E}">
+        <p14:creationId xmlns:p14="http://schemas.microsoft.com/office/powerpoint/2010/main" val="960604330"/>
+      </p:ext>
+    </p:extLst>
+  </p:cSld>
+  <p:clrMapOvr>
+    <a:masterClrMapping/>
+  </p:clrMapOvr>
+</p:notes>
+</file>
+
+<file path=ppt/notesSlides/notesSlide9.xml><?xml version="1.0" encoding="utf-8"?>
+<p:notes xmlns:a="http://schemas.openxmlformats.org/drawingml/2006/main" xmlns:r="http://schemas.openxmlformats.org/officeDocument/2006/relationships" xmlns:p="http://schemas.openxmlformats.org/presentationml/2006/main">
+  <p:cSld>
+    <p:spTree>
+      <p:nvGrpSpPr>
+        <p:cNvPr id="1" name=""/>
+        <p:cNvGrpSpPr/>
+        <p:nvPr/>
+      </p:nvGrpSpPr>
+      <p:grpSpPr>
+        <a:xfrm>
+          <a:off x="0" y="0"/>
+          <a:ext cx="0" cy="0"/>
+          <a:chOff x="0" y="0"/>
+          <a:chExt cx="0" cy="0"/>
+        </a:xfrm>
+      </p:grpSpPr>
+      <p:sp>
+        <p:nvSpPr>
+          <p:cNvPr id="2" name="スライド イメージ プレースホルダー 1"/>
+          <p:cNvSpPr>
+            <a:spLocks noGrp="1" noRot="1" noChangeAspect="1"/>
+          </p:cNvSpPr>
+          <p:nvPr>
+            <p:ph type="sldImg"/>
+          </p:nvPr>
+        </p:nvSpPr>
+        <p:spPr/>
+      </p:sp>
+      <p:sp>
+        <p:nvSpPr>
+          <p:cNvPr id="3" name="ノート プレースホルダー 2"/>
+          <p:cNvSpPr>
+            <a:spLocks noGrp="1"/>
+          </p:cNvSpPr>
+          <p:nvPr>
+            <p:ph type="body" idx="1"/>
+          </p:nvPr>
+        </p:nvSpPr>
+        <p:spPr/>
+        <p:txBody>
+          <a:bodyPr/>
+          <a:lstStyle/>
+          <a:p>
+            <a:endParaRPr kumimoji="1" lang="ja-JP" altLang="en-US" dirty="0"/>
+          </a:p>
+        </p:txBody>
+      </p:sp>
+      <p:sp>
+        <p:nvSpPr>
+          <p:cNvPr id="4" name="スライド番号プレースホルダー 3"/>
+          <p:cNvSpPr>
+            <a:spLocks noGrp="1"/>
+          </p:cNvSpPr>
+          <p:nvPr>
+            <p:ph type="sldNum" sz="quarter" idx="5"/>
+          </p:nvPr>
+        </p:nvSpPr>
+        <p:spPr/>
+        <p:txBody>
+          <a:bodyPr/>
+          <a:lstStyle/>
+          <a:p>
+            <a:fld id="{9EA59AF0-8405-4F8F-86AD-37921E4E1FAB}" type="slidenum">
+              <a:rPr kumimoji="1" lang="ja-JP" altLang="en-US" smtClean="0"/>
+              <a:t>12</a:t>
+            </a:fld>
+            <a:endParaRPr kumimoji="1" lang="ja-JP" altLang="en-US" dirty="0"/>
+          </a:p>
+        </p:txBody>
+      </p:sp>
+    </p:spTree>
+    <p:extLst>
+      <p:ext uri="{BB962C8B-B14F-4D97-AF65-F5344CB8AC3E}">
         <p14:creationId xmlns:p14="http://schemas.microsoft.com/office/powerpoint/2010/main" val="501075150"/>
       </p:ext>
     </p:extLst>
@@ -1333,7 +1417,7 @@
           <a:p>
             <a:fld id="{E3B55BA8-AD47-4543-8321-0F66C353ED98}" type="datetimeFigureOut">
               <a:rPr kumimoji="1" lang="ja-JP" altLang="en-US" smtClean="0"/>
-              <a:t>2019/2/12</a:t>
+              <a:t>2019/2/13</a:t>
             </a:fld>
             <a:endParaRPr kumimoji="1" lang="ja-JP" altLang="en-US"/>
           </a:p>
@@ -1563,7 +1647,7 @@
           <a:p>
             <a:fld id="{E3B55BA8-AD47-4543-8321-0F66C353ED98}" type="datetimeFigureOut">
               <a:rPr kumimoji="1" lang="ja-JP" altLang="en-US" smtClean="0"/>
-              <a:t>2019/2/12</a:t>
+              <a:t>2019/2/13</a:t>
             </a:fld>
             <a:endParaRPr kumimoji="1" lang="ja-JP" altLang="en-US"/>
           </a:p>
@@ -1803,7 +1887,7 @@
           <a:p>
             <a:fld id="{E3B55BA8-AD47-4543-8321-0F66C353ED98}" type="datetimeFigureOut">
               <a:rPr kumimoji="1" lang="ja-JP" altLang="en-US" smtClean="0"/>
-              <a:t>2019/2/12</a:t>
+              <a:t>2019/2/13</a:t>
             </a:fld>
             <a:endParaRPr kumimoji="1" lang="ja-JP" altLang="en-US"/>
           </a:p>
@@ -2076,7 +2160,7 @@
           <a:p>
             <a:fld id="{E3B55BA8-AD47-4543-8321-0F66C353ED98}" type="datetimeFigureOut">
               <a:rPr kumimoji="1" lang="ja-JP" altLang="en-US" smtClean="0"/>
-              <a:t>2019/2/12</a:t>
+              <a:t>2019/2/13</a:t>
             </a:fld>
             <a:endParaRPr kumimoji="1" lang="ja-JP" altLang="en-US" dirty="0"/>
           </a:p>
@@ -2351,7 +2435,7 @@
           <a:p>
             <a:fld id="{E3B55BA8-AD47-4543-8321-0F66C353ED98}" type="datetimeFigureOut">
               <a:rPr kumimoji="1" lang="ja-JP" altLang="en-US" smtClean="0"/>
-              <a:t>2019/2/12</a:t>
+              <a:t>2019/2/13</a:t>
             </a:fld>
             <a:endParaRPr kumimoji="1" lang="ja-JP" altLang="en-US"/>
           </a:p>
@@ -2680,7 +2764,7 @@
           <a:p>
             <a:fld id="{E3B55BA8-AD47-4543-8321-0F66C353ED98}" type="datetimeFigureOut">
               <a:rPr kumimoji="1" lang="ja-JP" altLang="en-US" smtClean="0"/>
-              <a:t>2019/2/12</a:t>
+              <a:t>2019/2/13</a:t>
             </a:fld>
             <a:endParaRPr kumimoji="1" lang="ja-JP" altLang="en-US"/>
           </a:p>
@@ -3156,7 +3240,7 @@
           <a:p>
             <a:fld id="{E3B55BA8-AD47-4543-8321-0F66C353ED98}" type="datetimeFigureOut">
               <a:rPr kumimoji="1" lang="ja-JP" altLang="en-US" smtClean="0"/>
-              <a:t>2019/2/12</a:t>
+              <a:t>2019/2/13</a:t>
             </a:fld>
             <a:endParaRPr kumimoji="1" lang="ja-JP" altLang="en-US"/>
           </a:p>
@@ -3297,7 +3381,7 @@
           <a:p>
             <a:fld id="{E3B55BA8-AD47-4543-8321-0F66C353ED98}" type="datetimeFigureOut">
               <a:rPr kumimoji="1" lang="ja-JP" altLang="en-US" smtClean="0"/>
-              <a:t>2019/2/12</a:t>
+              <a:t>2019/2/13</a:t>
             </a:fld>
             <a:endParaRPr kumimoji="1" lang="ja-JP" altLang="en-US"/>
           </a:p>
@@ -3410,7 +3494,7 @@
           <a:p>
             <a:fld id="{E3B55BA8-AD47-4543-8321-0F66C353ED98}" type="datetimeFigureOut">
               <a:rPr kumimoji="1" lang="ja-JP" altLang="en-US" smtClean="0"/>
-              <a:t>2019/2/12</a:t>
+              <a:t>2019/2/13</a:t>
             </a:fld>
             <a:endParaRPr kumimoji="1" lang="ja-JP" altLang="en-US"/>
           </a:p>
@@ -3753,7 +3837,7 @@
           <a:p>
             <a:fld id="{E3B55BA8-AD47-4543-8321-0F66C353ED98}" type="datetimeFigureOut">
               <a:rPr kumimoji="1" lang="ja-JP" altLang="en-US" smtClean="0"/>
-              <a:t>2019/2/12</a:t>
+              <a:t>2019/2/13</a:t>
             </a:fld>
             <a:endParaRPr kumimoji="1" lang="ja-JP" altLang="en-US"/>
           </a:p>
@@ -4041,7 +4125,7 @@
           <a:p>
             <a:fld id="{E3B55BA8-AD47-4543-8321-0F66C353ED98}" type="datetimeFigureOut">
               <a:rPr kumimoji="1" lang="ja-JP" altLang="en-US" smtClean="0"/>
-              <a:t>2019/2/12</a:t>
+              <a:t>2019/2/13</a:t>
             </a:fld>
             <a:endParaRPr kumimoji="1" lang="ja-JP" altLang="en-US"/>
           </a:p>
@@ -4314,7 +4398,7 @@
           <a:p>
             <a:fld id="{E3B55BA8-AD47-4543-8321-0F66C353ED98}" type="datetimeFigureOut">
               <a:rPr kumimoji="1" lang="ja-JP" altLang="en-US" smtClean="0"/>
-              <a:t>2019/2/12</a:t>
+              <a:t>2019/2/13</a:t>
             </a:fld>
             <a:endParaRPr kumimoji="1" lang="ja-JP" altLang="en-US"/>
           </a:p>
@@ -4890,8 +4974,47 @@
               <a:p>
                 <a:r>
                   <a:rPr lang="ja-JP" altLang="en-US" dirty="0"/>
-                  <a:t>二分探索法を用いて</a:t>
+                  <a:t>二分探索的</a:t>
                 </a:r>
+                <a14:m>
+                  <m:oMath xmlns:m="http://schemas.openxmlformats.org/officeDocument/2006/math">
+                    <m:r>
+                      <a:rPr lang="ja-JP" altLang="en-US" i="1" smtClean="0">
+                        <a:latin typeface="Cambria Math" panose="02040503050406030204" pitchFamily="18" charset="0"/>
+                      </a:rPr>
+                      <m:t>に</m:t>
+                    </m:r>
+                    <m:r>
+                      <a:rPr lang="ja-JP" altLang="en-US" i="1">
+                        <a:latin typeface="Cambria Math" panose="02040503050406030204" pitchFamily="18" charset="0"/>
+                      </a:rPr>
+                      <m:t>各パス上で</m:t>
+                    </m:r>
+                    <m:r>
+                      <a:rPr lang="ja-JP" altLang="en-US" i="1" smtClean="0">
+                        <a:latin typeface="Cambria Math" panose="02040503050406030204" pitchFamily="18" charset="0"/>
+                      </a:rPr>
+                      <m:t>ノード</m:t>
+                    </m:r>
+                    <m:r>
+                      <a:rPr lang="ja-JP" altLang="en-US" i="1">
+                        <a:latin typeface="Cambria Math" panose="02040503050406030204" pitchFamily="18" charset="0"/>
+                      </a:rPr>
+                      <m:t>を</m:t>
+                    </m:r>
+                    <m:r>
+                      <a:rPr lang="ja-JP" altLang="en-US" i="1" smtClean="0">
+                        <a:latin typeface="Cambria Math" panose="02040503050406030204" pitchFamily="18" charset="0"/>
+                      </a:rPr>
+                      <m:t>探索して</m:t>
+                    </m:r>
+                  </m:oMath>
+                </a14:m>
+                <a:br>
+                  <a:rPr lang="en-US" altLang="ja-JP" i="1" dirty="0">
+                    <a:latin typeface="Cambria Math" panose="02040503050406030204" pitchFamily="18" charset="0"/>
+                  </a:rPr>
+                </a:br>
                 <a14:m>
                   <m:oMath xmlns:m="http://schemas.openxmlformats.org/officeDocument/2006/math">
                     <m:r>
@@ -4950,6 +5073,34 @@
                 </a:r>
                 <a:endParaRPr lang="en-US" altLang="ja-JP" dirty="0"/>
               </a:p>
+              <a:p>
+                <a:r>
+                  <a:rPr lang="ja-JP" altLang="en-US" dirty="0"/>
+                  <a:t>見つけたカットがサイズ</a:t>
+                </a:r>
+                <a14:m>
+                  <m:oMath xmlns:m="http://schemas.openxmlformats.org/officeDocument/2006/math">
+                    <m:r>
+                      <a:rPr lang="en-US" altLang="ja-JP" b="0" i="1" smtClean="0">
+                        <a:latin typeface="Cambria Math" panose="02040503050406030204" pitchFamily="18" charset="0"/>
+                      </a:rPr>
+                      <m:t>𝐾</m:t>
+                    </m:r>
+                  </m:oMath>
+                </a14:m>
+                <a:r>
+                  <a:rPr lang="ja-JP" altLang="en-US" dirty="0"/>
+                  <a:t>の平衡分離集合であれば</a:t>
+                </a:r>
+                <a:br>
+                  <a:rPr lang="en-US" altLang="ja-JP" dirty="0"/>
+                </a:br>
+                <a:r>
+                  <a:rPr lang="ja-JP" altLang="en-US" dirty="0"/>
+                  <a:t>アルゴリズム終了</a:t>
+                </a:r>
+                <a:endParaRPr lang="en-US" altLang="ja-JP" dirty="0"/>
+              </a:p>
             </p:txBody>
           </p:sp>
         </mc:Choice>
@@ -4978,7 +5129,2401 @@
               <a:blipFill>
                 <a:blip r:embed="rId3"/>
                 <a:stretch>
-                  <a:fillRect l="-1005" t="-2730"/>
+                  <a:fillRect l="-1005" t="-2389" b="-1024"/>
+                </a:stretch>
+              </a:blipFill>
+            </p:spPr>
+            <p:txBody>
+              <a:bodyPr/>
+              <a:lstStyle/>
+              <a:p>
+                <a:r>
+                  <a:rPr lang="ja-JP" altLang="en-US">
+                    <a:noFill/>
+                  </a:rPr>
+                  <a:t> </a:t>
+                </a:r>
+              </a:p>
+            </p:txBody>
+          </p:sp>
+        </mc:Fallback>
+      </mc:AlternateContent>
+      <p:sp>
+        <p:nvSpPr>
+          <p:cNvPr id="189" name="楕円 188">
+            <a:extLst>
+              <a:ext uri="{FF2B5EF4-FFF2-40B4-BE49-F238E27FC236}">
+                <a16:creationId xmlns:a16="http://schemas.microsoft.com/office/drawing/2014/main" id="{A4C57A61-8AE2-46E2-8A5B-D2A92B1D90D8}"/>
+              </a:ext>
+            </a:extLst>
+          </p:cNvPr>
+          <p:cNvSpPr/>
+          <p:nvPr/>
+        </p:nvSpPr>
+        <p:spPr>
+          <a:xfrm>
+            <a:off x="1366586" y="5931067"/>
+            <a:ext cx="360000" cy="360000"/>
+          </a:xfrm>
+          <a:prstGeom prst="ellipse">
+            <a:avLst/>
+          </a:prstGeom>
+          <a:solidFill>
+            <a:srgbClr val="92D050"/>
+          </a:solidFill>
+          <a:ln w="28575">
+            <a:solidFill>
+              <a:schemeClr val="tx1"/>
+            </a:solidFill>
+          </a:ln>
+        </p:spPr>
+        <p:style>
+          <a:lnRef idx="1">
+            <a:schemeClr val="accent1"/>
+          </a:lnRef>
+          <a:fillRef idx="0">
+            <a:schemeClr val="accent1"/>
+          </a:fillRef>
+          <a:effectRef idx="0">
+            <a:schemeClr val="accent1"/>
+          </a:effectRef>
+          <a:fontRef idx="minor">
+            <a:schemeClr val="tx1"/>
+          </a:fontRef>
+        </p:style>
+        <p:txBody>
+          <a:bodyPr rtlCol="0" anchor="ctr"/>
+          <a:lstStyle/>
+          <a:p>
+            <a:pPr algn="ctr"/>
+            <a:endParaRPr kumimoji="1" lang="ja-JP" altLang="en-US" sz="2400" dirty="0"/>
+          </a:p>
+        </p:txBody>
+      </p:sp>
+      <p:sp>
+        <p:nvSpPr>
+          <p:cNvPr id="190" name="楕円 189">
+            <a:extLst>
+              <a:ext uri="{FF2B5EF4-FFF2-40B4-BE49-F238E27FC236}">
+                <a16:creationId xmlns:a16="http://schemas.microsoft.com/office/drawing/2014/main" id="{FE99C4D7-1E8C-42D1-9B68-4552B06ACB14}"/>
+              </a:ext>
+            </a:extLst>
+          </p:cNvPr>
+          <p:cNvSpPr/>
+          <p:nvPr/>
+        </p:nvSpPr>
+        <p:spPr>
+          <a:xfrm>
+            <a:off x="1162324" y="4160854"/>
+            <a:ext cx="360000" cy="360000"/>
+          </a:xfrm>
+          <a:prstGeom prst="ellipse">
+            <a:avLst/>
+          </a:prstGeom>
+          <a:solidFill>
+            <a:srgbClr val="FFC000"/>
+          </a:solidFill>
+          <a:ln w="28575">
+            <a:solidFill>
+              <a:schemeClr val="tx1"/>
+            </a:solidFill>
+          </a:ln>
+        </p:spPr>
+        <p:style>
+          <a:lnRef idx="1">
+            <a:schemeClr val="accent1"/>
+          </a:lnRef>
+          <a:fillRef idx="0">
+            <a:schemeClr val="accent1"/>
+          </a:fillRef>
+          <a:effectRef idx="0">
+            <a:schemeClr val="accent1"/>
+          </a:effectRef>
+          <a:fontRef idx="minor">
+            <a:schemeClr val="tx1"/>
+          </a:fontRef>
+        </p:style>
+        <p:txBody>
+          <a:bodyPr rtlCol="0" anchor="ctr"/>
+          <a:lstStyle/>
+          <a:p>
+            <a:pPr algn="ctr"/>
+            <a:endParaRPr kumimoji="1" lang="ja-JP" altLang="en-US" sz="2400" dirty="0"/>
+          </a:p>
+        </p:txBody>
+      </p:sp>
+      <p:sp>
+        <p:nvSpPr>
+          <p:cNvPr id="191" name="楕円 190">
+            <a:extLst>
+              <a:ext uri="{FF2B5EF4-FFF2-40B4-BE49-F238E27FC236}">
+                <a16:creationId xmlns:a16="http://schemas.microsoft.com/office/drawing/2014/main" id="{5DE94324-0A3F-43AD-8113-4905D51645DB}"/>
+              </a:ext>
+            </a:extLst>
+          </p:cNvPr>
+          <p:cNvSpPr/>
+          <p:nvPr/>
+        </p:nvSpPr>
+        <p:spPr>
+          <a:xfrm>
+            <a:off x="2527783" y="6312873"/>
+            <a:ext cx="360000" cy="360000"/>
+          </a:xfrm>
+          <a:prstGeom prst="ellipse">
+            <a:avLst/>
+          </a:prstGeom>
+          <a:solidFill>
+            <a:srgbClr val="92D050"/>
+          </a:solidFill>
+          <a:ln w="28575">
+            <a:solidFill>
+              <a:schemeClr val="tx1"/>
+            </a:solidFill>
+          </a:ln>
+        </p:spPr>
+        <p:style>
+          <a:lnRef idx="1">
+            <a:schemeClr val="accent1"/>
+          </a:lnRef>
+          <a:fillRef idx="0">
+            <a:schemeClr val="accent1"/>
+          </a:fillRef>
+          <a:effectRef idx="0">
+            <a:schemeClr val="accent1"/>
+          </a:effectRef>
+          <a:fontRef idx="minor">
+            <a:schemeClr val="tx1"/>
+          </a:fontRef>
+        </p:style>
+        <p:txBody>
+          <a:bodyPr rtlCol="0" anchor="ctr"/>
+          <a:lstStyle/>
+          <a:p>
+            <a:pPr algn="ctr"/>
+            <a:endParaRPr kumimoji="1" lang="ja-JP" altLang="en-US" sz="2400" dirty="0"/>
+          </a:p>
+        </p:txBody>
+      </p:sp>
+      <p:sp>
+        <p:nvSpPr>
+          <p:cNvPr id="192" name="楕円 191">
+            <a:extLst>
+              <a:ext uri="{FF2B5EF4-FFF2-40B4-BE49-F238E27FC236}">
+                <a16:creationId xmlns:a16="http://schemas.microsoft.com/office/drawing/2014/main" id="{8C6970F1-5064-4C1F-B9DE-AC79672BFFF4}"/>
+              </a:ext>
+            </a:extLst>
+          </p:cNvPr>
+          <p:cNvSpPr/>
+          <p:nvPr/>
+        </p:nvSpPr>
+        <p:spPr>
+          <a:xfrm>
+            <a:off x="2467069" y="3708829"/>
+            <a:ext cx="360000" cy="360000"/>
+          </a:xfrm>
+          <a:prstGeom prst="ellipse">
+            <a:avLst/>
+          </a:prstGeom>
+          <a:solidFill>
+            <a:srgbClr val="FFC000"/>
+          </a:solidFill>
+          <a:ln w="28575">
+            <a:solidFill>
+              <a:schemeClr val="tx1"/>
+            </a:solidFill>
+          </a:ln>
+        </p:spPr>
+        <p:style>
+          <a:lnRef idx="1">
+            <a:schemeClr val="accent1"/>
+          </a:lnRef>
+          <a:fillRef idx="0">
+            <a:schemeClr val="accent1"/>
+          </a:fillRef>
+          <a:effectRef idx="0">
+            <a:schemeClr val="accent1"/>
+          </a:effectRef>
+          <a:fontRef idx="minor">
+            <a:schemeClr val="tx1"/>
+          </a:fontRef>
+        </p:style>
+        <p:txBody>
+          <a:bodyPr rtlCol="0" anchor="ctr"/>
+          <a:lstStyle/>
+          <a:p>
+            <a:pPr algn="ctr"/>
+            <a:endParaRPr kumimoji="1" lang="ja-JP" altLang="en-US" sz="2400" dirty="0"/>
+          </a:p>
+        </p:txBody>
+      </p:sp>
+      <mc:AlternateContent xmlns:mc="http://schemas.openxmlformats.org/markup-compatibility/2006" xmlns:a14="http://schemas.microsoft.com/office/drawing/2010/main">
+        <mc:Choice Requires="a14">
+          <p:sp>
+            <p:nvSpPr>
+              <p:cNvPr id="193" name="楕円 192">
+                <a:extLst>
+                  <a:ext uri="{FF2B5EF4-FFF2-40B4-BE49-F238E27FC236}">
+                    <a16:creationId xmlns:a16="http://schemas.microsoft.com/office/drawing/2014/main" id="{F0CE5977-AE25-48D0-BB4C-1B40D72888B5}"/>
+                  </a:ext>
+                </a:extLst>
+              </p:cNvPr>
+              <p:cNvSpPr/>
+              <p:nvPr/>
+            </p:nvSpPr>
+            <p:spPr>
+              <a:xfrm>
+                <a:off x="322997" y="5015060"/>
+                <a:ext cx="360000" cy="360000"/>
+              </a:xfrm>
+              <a:prstGeom prst="ellipse">
+                <a:avLst/>
+              </a:prstGeom>
+              <a:solidFill>
+                <a:schemeClr val="bg1"/>
+              </a:solidFill>
+              <a:ln w="28575">
+                <a:solidFill>
+                  <a:schemeClr val="tx1"/>
+                </a:solidFill>
+              </a:ln>
+            </p:spPr>
+            <p:style>
+              <a:lnRef idx="1">
+                <a:schemeClr val="accent1"/>
+              </a:lnRef>
+              <a:fillRef idx="0">
+                <a:schemeClr val="accent1"/>
+              </a:fillRef>
+              <a:effectRef idx="0">
+                <a:schemeClr val="accent1"/>
+              </a:effectRef>
+              <a:fontRef idx="minor">
+                <a:schemeClr val="tx1"/>
+              </a:fontRef>
+            </p:style>
+            <p:txBody>
+              <a:bodyPr rtlCol="0" anchor="ctr"/>
+              <a:lstStyle/>
+              <a:p>
+                <a:pPr algn="ctr"/>
+                <a14:m>
+                  <m:oMathPara xmlns:m="http://schemas.openxmlformats.org/officeDocument/2006/math">
+                    <m:oMathParaPr>
+                      <m:jc m:val="centerGroup"/>
+                    </m:oMathParaPr>
+                    <m:oMath xmlns:m="http://schemas.openxmlformats.org/officeDocument/2006/math">
+                      <m:r>
+                        <a:rPr kumimoji="1" lang="en-US" altLang="ja-JP" sz="2400" b="0" i="1" smtClean="0">
+                          <a:latin typeface="Cambria Math" panose="02040503050406030204" pitchFamily="18" charset="0"/>
+                        </a:rPr>
+                        <m:t>𝑠</m:t>
+                      </m:r>
+                    </m:oMath>
+                  </m:oMathPara>
+                </a14:m>
+                <a:endParaRPr kumimoji="1" lang="ja-JP" altLang="en-US" sz="2400" dirty="0"/>
+              </a:p>
+            </p:txBody>
+          </p:sp>
+        </mc:Choice>
+        <mc:Fallback xmlns="">
+          <p:sp>
+            <p:nvSpPr>
+              <p:cNvPr id="193" name="楕円 192">
+                <a:extLst>
+                  <a:ext uri="{FF2B5EF4-FFF2-40B4-BE49-F238E27FC236}">
+                    <a16:creationId xmlns:a16="http://schemas.microsoft.com/office/drawing/2014/main" id="{F0CE5977-AE25-48D0-BB4C-1B40D72888B5}"/>
+                  </a:ext>
+                </a:extLst>
+              </p:cNvPr>
+              <p:cNvSpPr>
+                <a:spLocks noRot="1" noChangeAspect="1" noMove="1" noResize="1" noEditPoints="1" noAdjustHandles="1" noChangeArrowheads="1" noChangeShapeType="1" noTextEdit="1"/>
+              </p:cNvSpPr>
+              <p:nvPr/>
+            </p:nvSpPr>
+            <p:spPr>
+              <a:xfrm>
+                <a:off x="322997" y="5015060"/>
+                <a:ext cx="360000" cy="360000"/>
+              </a:xfrm>
+              <a:prstGeom prst="ellipse">
+                <a:avLst/>
+              </a:prstGeom>
+              <a:blipFill>
+                <a:blip r:embed="rId4"/>
+                <a:stretch>
+                  <a:fillRect/>
+                </a:stretch>
+              </a:blipFill>
+              <a:ln w="28575">
+                <a:solidFill>
+                  <a:schemeClr val="tx1"/>
+                </a:solidFill>
+              </a:ln>
+            </p:spPr>
+            <p:txBody>
+              <a:bodyPr/>
+              <a:lstStyle/>
+              <a:p>
+                <a:r>
+                  <a:rPr lang="ja-JP" altLang="en-US">
+                    <a:noFill/>
+                  </a:rPr>
+                  <a:t> </a:t>
+                </a:r>
+              </a:p>
+            </p:txBody>
+          </p:sp>
+        </mc:Fallback>
+      </mc:AlternateContent>
+      <mc:AlternateContent xmlns:mc="http://schemas.openxmlformats.org/markup-compatibility/2006" xmlns:a14="http://schemas.microsoft.com/office/drawing/2010/main">
+        <mc:Choice Requires="a14">
+          <p:sp>
+            <p:nvSpPr>
+              <p:cNvPr id="194" name="楕円 193">
+                <a:extLst>
+                  <a:ext uri="{FF2B5EF4-FFF2-40B4-BE49-F238E27FC236}">
+                    <a16:creationId xmlns:a16="http://schemas.microsoft.com/office/drawing/2014/main" id="{89C7B75A-C31A-4247-A7A4-7A1190DC72BB}"/>
+                  </a:ext>
+                </a:extLst>
+              </p:cNvPr>
+              <p:cNvSpPr/>
+              <p:nvPr/>
+            </p:nvSpPr>
+            <p:spPr>
+              <a:xfrm>
+                <a:off x="7686668" y="5015060"/>
+                <a:ext cx="360000" cy="360000"/>
+              </a:xfrm>
+              <a:prstGeom prst="ellipse">
+                <a:avLst/>
+              </a:prstGeom>
+              <a:solidFill>
+                <a:schemeClr val="bg1"/>
+              </a:solidFill>
+              <a:ln w="28575">
+                <a:solidFill>
+                  <a:schemeClr val="tx1"/>
+                </a:solidFill>
+              </a:ln>
+            </p:spPr>
+            <p:style>
+              <a:lnRef idx="1">
+                <a:schemeClr val="accent1"/>
+              </a:lnRef>
+              <a:fillRef idx="0">
+                <a:schemeClr val="accent1"/>
+              </a:fillRef>
+              <a:effectRef idx="0">
+                <a:schemeClr val="accent1"/>
+              </a:effectRef>
+              <a:fontRef idx="minor">
+                <a:schemeClr val="tx1"/>
+              </a:fontRef>
+            </p:style>
+            <p:txBody>
+              <a:bodyPr rtlCol="0" anchor="ctr"/>
+              <a:lstStyle/>
+              <a:p>
+                <a:pPr algn="ctr"/>
+                <a14:m>
+                  <m:oMathPara xmlns:m="http://schemas.openxmlformats.org/officeDocument/2006/math">
+                    <m:oMathParaPr>
+                      <m:jc m:val="centerGroup"/>
+                    </m:oMathParaPr>
+                    <m:oMath xmlns:m="http://schemas.openxmlformats.org/officeDocument/2006/math">
+                      <m:r>
+                        <a:rPr kumimoji="1" lang="en-US" altLang="ja-JP" sz="2400" b="0" i="1" smtClean="0">
+                          <a:latin typeface="Cambria Math" panose="02040503050406030204" pitchFamily="18" charset="0"/>
+                        </a:rPr>
+                        <m:t>𝑡</m:t>
+                      </m:r>
+                    </m:oMath>
+                  </m:oMathPara>
+                </a14:m>
+                <a:endParaRPr kumimoji="1" lang="ja-JP" altLang="en-US" sz="2400" dirty="0"/>
+              </a:p>
+            </p:txBody>
+          </p:sp>
+        </mc:Choice>
+        <mc:Fallback xmlns="">
+          <p:sp>
+            <p:nvSpPr>
+              <p:cNvPr id="194" name="楕円 193">
+                <a:extLst>
+                  <a:ext uri="{FF2B5EF4-FFF2-40B4-BE49-F238E27FC236}">
+                    <a16:creationId xmlns:a16="http://schemas.microsoft.com/office/drawing/2014/main" id="{89C7B75A-C31A-4247-A7A4-7A1190DC72BB}"/>
+                  </a:ext>
+                </a:extLst>
+              </p:cNvPr>
+              <p:cNvSpPr>
+                <a:spLocks noRot="1" noChangeAspect="1" noMove="1" noResize="1" noEditPoints="1" noAdjustHandles="1" noChangeArrowheads="1" noChangeShapeType="1" noTextEdit="1"/>
+              </p:cNvSpPr>
+              <p:nvPr/>
+            </p:nvSpPr>
+            <p:spPr>
+              <a:xfrm>
+                <a:off x="7686668" y="5015060"/>
+                <a:ext cx="360000" cy="360000"/>
+              </a:xfrm>
+              <a:prstGeom prst="ellipse">
+                <a:avLst/>
+              </a:prstGeom>
+              <a:blipFill>
+                <a:blip r:embed="rId5"/>
+                <a:stretch>
+                  <a:fillRect l="-3125"/>
+                </a:stretch>
+              </a:blipFill>
+              <a:ln w="28575">
+                <a:solidFill>
+                  <a:schemeClr val="tx1"/>
+                </a:solidFill>
+              </a:ln>
+            </p:spPr>
+            <p:txBody>
+              <a:bodyPr/>
+              <a:lstStyle/>
+              <a:p>
+                <a:r>
+                  <a:rPr lang="ja-JP" altLang="en-US">
+                    <a:noFill/>
+                  </a:rPr>
+                  <a:t> </a:t>
+                </a:r>
+              </a:p>
+            </p:txBody>
+          </p:sp>
+        </mc:Fallback>
+      </mc:AlternateContent>
+      <p:sp>
+        <p:nvSpPr>
+          <p:cNvPr id="195" name="楕円 194">
+            <a:extLst>
+              <a:ext uri="{FF2B5EF4-FFF2-40B4-BE49-F238E27FC236}">
+                <a16:creationId xmlns:a16="http://schemas.microsoft.com/office/drawing/2014/main" id="{7A39C63A-17A1-4DC2-A9A7-E7826A5C10E7}"/>
+              </a:ext>
+            </a:extLst>
+          </p:cNvPr>
+          <p:cNvSpPr/>
+          <p:nvPr/>
+        </p:nvSpPr>
+        <p:spPr>
+          <a:xfrm>
+            <a:off x="2707783" y="4824518"/>
+            <a:ext cx="360000" cy="360000"/>
+          </a:xfrm>
+          <a:prstGeom prst="ellipse">
+            <a:avLst/>
+          </a:prstGeom>
+          <a:solidFill>
+            <a:srgbClr val="00B0F0"/>
+          </a:solidFill>
+          <a:ln w="28575">
+            <a:solidFill>
+              <a:schemeClr val="tx1"/>
+            </a:solidFill>
+          </a:ln>
+        </p:spPr>
+        <p:style>
+          <a:lnRef idx="1">
+            <a:schemeClr val="accent1"/>
+          </a:lnRef>
+          <a:fillRef idx="0">
+            <a:schemeClr val="accent1"/>
+          </a:fillRef>
+          <a:effectRef idx="0">
+            <a:schemeClr val="accent1"/>
+          </a:effectRef>
+          <a:fontRef idx="minor">
+            <a:schemeClr val="tx1"/>
+          </a:fontRef>
+        </p:style>
+        <p:txBody>
+          <a:bodyPr rtlCol="0" anchor="ctr"/>
+          <a:lstStyle/>
+          <a:p>
+            <a:pPr algn="ctr"/>
+            <a:endParaRPr kumimoji="1" lang="ja-JP" altLang="en-US" sz="2400" dirty="0"/>
+          </a:p>
+        </p:txBody>
+      </p:sp>
+      <p:sp>
+        <p:nvSpPr>
+          <p:cNvPr id="196" name="楕円 195">
+            <a:extLst>
+              <a:ext uri="{FF2B5EF4-FFF2-40B4-BE49-F238E27FC236}">
+                <a16:creationId xmlns:a16="http://schemas.microsoft.com/office/drawing/2014/main" id="{C2BA400F-3AB4-4314-A508-D1CE42CEADF0}"/>
+              </a:ext>
+            </a:extLst>
+          </p:cNvPr>
+          <p:cNvSpPr/>
+          <p:nvPr/>
+        </p:nvSpPr>
+        <p:spPr>
+          <a:xfrm>
+            <a:off x="4094228" y="3508964"/>
+            <a:ext cx="360000" cy="360000"/>
+          </a:xfrm>
+          <a:prstGeom prst="ellipse">
+            <a:avLst/>
+          </a:prstGeom>
+          <a:solidFill>
+            <a:srgbClr val="FFC000"/>
+          </a:solidFill>
+          <a:ln w="28575">
+            <a:solidFill>
+              <a:schemeClr val="tx1"/>
+            </a:solidFill>
+          </a:ln>
+        </p:spPr>
+        <p:style>
+          <a:lnRef idx="1">
+            <a:schemeClr val="accent1"/>
+          </a:lnRef>
+          <a:fillRef idx="0">
+            <a:schemeClr val="accent1"/>
+          </a:fillRef>
+          <a:effectRef idx="0">
+            <a:schemeClr val="accent1"/>
+          </a:effectRef>
+          <a:fontRef idx="minor">
+            <a:schemeClr val="tx1"/>
+          </a:fontRef>
+        </p:style>
+        <p:txBody>
+          <a:bodyPr rtlCol="0" anchor="ctr"/>
+          <a:lstStyle/>
+          <a:p>
+            <a:pPr algn="ctr"/>
+            <a:endParaRPr kumimoji="1" lang="ja-JP" altLang="en-US" sz="2400" dirty="0"/>
+          </a:p>
+        </p:txBody>
+      </p:sp>
+      <p:sp>
+        <p:nvSpPr>
+          <p:cNvPr id="197" name="楕円 196">
+            <a:extLst>
+              <a:ext uri="{FF2B5EF4-FFF2-40B4-BE49-F238E27FC236}">
+                <a16:creationId xmlns:a16="http://schemas.microsoft.com/office/drawing/2014/main" id="{9CF37852-952D-49F4-901A-BF734671DC81}"/>
+              </a:ext>
+            </a:extLst>
+          </p:cNvPr>
+          <p:cNvSpPr/>
+          <p:nvPr/>
+        </p:nvSpPr>
+        <p:spPr>
+          <a:xfrm>
+            <a:off x="4094228" y="4432879"/>
+            <a:ext cx="360000" cy="360000"/>
+          </a:xfrm>
+          <a:prstGeom prst="ellipse">
+            <a:avLst/>
+          </a:prstGeom>
+          <a:solidFill>
+            <a:srgbClr val="00B0F0"/>
+          </a:solidFill>
+          <a:ln w="28575">
+            <a:solidFill>
+              <a:schemeClr val="tx1"/>
+            </a:solidFill>
+          </a:ln>
+        </p:spPr>
+        <p:style>
+          <a:lnRef idx="1">
+            <a:schemeClr val="accent1"/>
+          </a:lnRef>
+          <a:fillRef idx="0">
+            <a:schemeClr val="accent1"/>
+          </a:fillRef>
+          <a:effectRef idx="0">
+            <a:schemeClr val="accent1"/>
+          </a:effectRef>
+          <a:fontRef idx="minor">
+            <a:schemeClr val="tx1"/>
+          </a:fontRef>
+        </p:style>
+        <p:txBody>
+          <a:bodyPr rtlCol="0" anchor="ctr"/>
+          <a:lstStyle/>
+          <a:p>
+            <a:pPr algn="ctr"/>
+            <a:endParaRPr kumimoji="1" lang="ja-JP" altLang="en-US" sz="2400" dirty="0"/>
+          </a:p>
+        </p:txBody>
+      </p:sp>
+      <p:sp>
+        <p:nvSpPr>
+          <p:cNvPr id="198" name="楕円 197">
+            <a:extLst>
+              <a:ext uri="{FF2B5EF4-FFF2-40B4-BE49-F238E27FC236}">
+                <a16:creationId xmlns:a16="http://schemas.microsoft.com/office/drawing/2014/main" id="{1F89BF82-CE84-4941-BE3A-032978A706F3}"/>
+              </a:ext>
+            </a:extLst>
+          </p:cNvPr>
+          <p:cNvSpPr/>
+          <p:nvPr/>
+        </p:nvSpPr>
+        <p:spPr>
+          <a:xfrm>
+            <a:off x="4094228" y="5408823"/>
+            <a:ext cx="360000" cy="360000"/>
+          </a:xfrm>
+          <a:prstGeom prst="ellipse">
+            <a:avLst/>
+          </a:prstGeom>
+          <a:solidFill>
+            <a:schemeClr val="bg1"/>
+          </a:solidFill>
+          <a:ln w="28575">
+            <a:solidFill>
+              <a:schemeClr val="tx1"/>
+            </a:solidFill>
+          </a:ln>
+        </p:spPr>
+        <p:style>
+          <a:lnRef idx="1">
+            <a:schemeClr val="accent1"/>
+          </a:lnRef>
+          <a:fillRef idx="0">
+            <a:schemeClr val="accent1"/>
+          </a:fillRef>
+          <a:effectRef idx="0">
+            <a:schemeClr val="accent1"/>
+          </a:effectRef>
+          <a:fontRef idx="minor">
+            <a:schemeClr val="tx1"/>
+          </a:fontRef>
+        </p:style>
+        <p:txBody>
+          <a:bodyPr rtlCol="0" anchor="ctr"/>
+          <a:lstStyle/>
+          <a:p>
+            <a:pPr algn="ctr"/>
+            <a:endParaRPr kumimoji="1" lang="ja-JP" altLang="en-US" sz="2400" dirty="0"/>
+          </a:p>
+        </p:txBody>
+      </p:sp>
+      <p:sp>
+        <p:nvSpPr>
+          <p:cNvPr id="199" name="楕円 198">
+            <a:extLst>
+              <a:ext uri="{FF2B5EF4-FFF2-40B4-BE49-F238E27FC236}">
+                <a16:creationId xmlns:a16="http://schemas.microsoft.com/office/drawing/2014/main" id="{6D8185DA-AA92-4B0E-B792-5FBEA2DEB3E0}"/>
+              </a:ext>
+            </a:extLst>
+          </p:cNvPr>
+          <p:cNvSpPr/>
+          <p:nvPr/>
+        </p:nvSpPr>
+        <p:spPr>
+          <a:xfrm>
+            <a:off x="4094228" y="6312873"/>
+            <a:ext cx="360000" cy="360000"/>
+          </a:xfrm>
+          <a:prstGeom prst="ellipse">
+            <a:avLst/>
+          </a:prstGeom>
+          <a:solidFill>
+            <a:srgbClr val="92D050"/>
+          </a:solidFill>
+          <a:ln w="28575">
+            <a:solidFill>
+              <a:schemeClr val="tx1"/>
+            </a:solidFill>
+          </a:ln>
+        </p:spPr>
+        <p:style>
+          <a:lnRef idx="1">
+            <a:schemeClr val="accent1"/>
+          </a:lnRef>
+          <a:fillRef idx="0">
+            <a:schemeClr val="accent1"/>
+          </a:fillRef>
+          <a:effectRef idx="0">
+            <a:schemeClr val="accent1"/>
+          </a:effectRef>
+          <a:fontRef idx="minor">
+            <a:schemeClr val="tx1"/>
+          </a:fontRef>
+        </p:style>
+        <p:txBody>
+          <a:bodyPr rtlCol="0" anchor="ctr"/>
+          <a:lstStyle/>
+          <a:p>
+            <a:pPr algn="ctr"/>
+            <a:endParaRPr kumimoji="1" lang="ja-JP" altLang="en-US" sz="2400" dirty="0"/>
+          </a:p>
+        </p:txBody>
+      </p:sp>
+      <p:sp>
+        <p:nvSpPr>
+          <p:cNvPr id="200" name="楕円 199">
+            <a:extLst>
+              <a:ext uri="{FF2B5EF4-FFF2-40B4-BE49-F238E27FC236}">
+                <a16:creationId xmlns:a16="http://schemas.microsoft.com/office/drawing/2014/main" id="{C0B777B0-A00F-420C-BE97-BA3D641E698B}"/>
+              </a:ext>
+            </a:extLst>
+          </p:cNvPr>
+          <p:cNvSpPr/>
+          <p:nvPr/>
+        </p:nvSpPr>
+        <p:spPr>
+          <a:xfrm>
+            <a:off x="6021882" y="5948823"/>
+            <a:ext cx="360000" cy="360000"/>
+          </a:xfrm>
+          <a:prstGeom prst="ellipse">
+            <a:avLst/>
+          </a:prstGeom>
+          <a:solidFill>
+            <a:srgbClr val="92D050"/>
+          </a:solidFill>
+          <a:ln w="28575">
+            <a:solidFill>
+              <a:schemeClr val="tx1"/>
+            </a:solidFill>
+          </a:ln>
+        </p:spPr>
+        <p:style>
+          <a:lnRef idx="1">
+            <a:schemeClr val="accent1"/>
+          </a:lnRef>
+          <a:fillRef idx="0">
+            <a:schemeClr val="accent1"/>
+          </a:fillRef>
+          <a:effectRef idx="0">
+            <a:schemeClr val="accent1"/>
+          </a:effectRef>
+          <a:fontRef idx="minor">
+            <a:schemeClr val="tx1"/>
+          </a:fontRef>
+        </p:style>
+        <p:txBody>
+          <a:bodyPr rtlCol="0" anchor="ctr"/>
+          <a:lstStyle/>
+          <a:p>
+            <a:pPr algn="ctr"/>
+            <a:endParaRPr kumimoji="1" lang="ja-JP" altLang="en-US" sz="2400" dirty="0"/>
+          </a:p>
+        </p:txBody>
+      </p:sp>
+      <p:sp>
+        <p:nvSpPr>
+          <p:cNvPr id="201" name="楕円 200">
+            <a:extLst>
+              <a:ext uri="{FF2B5EF4-FFF2-40B4-BE49-F238E27FC236}">
+                <a16:creationId xmlns:a16="http://schemas.microsoft.com/office/drawing/2014/main" id="{32A81B51-5552-48AA-86AF-E770B066A2F9}"/>
+              </a:ext>
+            </a:extLst>
+          </p:cNvPr>
+          <p:cNvSpPr/>
+          <p:nvPr/>
+        </p:nvSpPr>
+        <p:spPr>
+          <a:xfrm>
+            <a:off x="6021882" y="5015060"/>
+            <a:ext cx="360000" cy="360000"/>
+          </a:xfrm>
+          <a:prstGeom prst="ellipse">
+            <a:avLst/>
+          </a:prstGeom>
+          <a:solidFill>
+            <a:srgbClr val="00B0F0"/>
+          </a:solidFill>
+          <a:ln w="28575">
+            <a:solidFill>
+              <a:schemeClr val="tx1"/>
+            </a:solidFill>
+          </a:ln>
+        </p:spPr>
+        <p:style>
+          <a:lnRef idx="1">
+            <a:schemeClr val="accent1"/>
+          </a:lnRef>
+          <a:fillRef idx="0">
+            <a:schemeClr val="accent1"/>
+          </a:fillRef>
+          <a:effectRef idx="0">
+            <a:schemeClr val="accent1"/>
+          </a:effectRef>
+          <a:fontRef idx="minor">
+            <a:schemeClr val="tx1"/>
+          </a:fontRef>
+        </p:style>
+        <p:txBody>
+          <a:bodyPr rtlCol="0" anchor="ctr"/>
+          <a:lstStyle/>
+          <a:p>
+            <a:pPr algn="ctr"/>
+            <a:endParaRPr kumimoji="1" lang="ja-JP" altLang="en-US" sz="2400" dirty="0"/>
+          </a:p>
+        </p:txBody>
+      </p:sp>
+      <p:sp>
+        <p:nvSpPr>
+          <p:cNvPr id="202" name="楕円 201">
+            <a:extLst>
+              <a:ext uri="{FF2B5EF4-FFF2-40B4-BE49-F238E27FC236}">
+                <a16:creationId xmlns:a16="http://schemas.microsoft.com/office/drawing/2014/main" id="{A03B875A-95F9-4810-8E5D-DEFB3B5E6CFE}"/>
+              </a:ext>
+            </a:extLst>
+          </p:cNvPr>
+          <p:cNvSpPr/>
+          <p:nvPr/>
+        </p:nvSpPr>
+        <p:spPr>
+          <a:xfrm>
+            <a:off x="6021882" y="3977481"/>
+            <a:ext cx="360000" cy="360000"/>
+          </a:xfrm>
+          <a:prstGeom prst="ellipse">
+            <a:avLst/>
+          </a:prstGeom>
+          <a:solidFill>
+            <a:srgbClr val="FFC000"/>
+          </a:solidFill>
+          <a:ln w="28575">
+            <a:solidFill>
+              <a:schemeClr val="tx1"/>
+            </a:solidFill>
+          </a:ln>
+        </p:spPr>
+        <p:style>
+          <a:lnRef idx="1">
+            <a:schemeClr val="accent1"/>
+          </a:lnRef>
+          <a:fillRef idx="0">
+            <a:schemeClr val="accent1"/>
+          </a:fillRef>
+          <a:effectRef idx="0">
+            <a:schemeClr val="accent1"/>
+          </a:effectRef>
+          <a:fontRef idx="minor">
+            <a:schemeClr val="tx1"/>
+          </a:fontRef>
+        </p:style>
+        <p:txBody>
+          <a:bodyPr rtlCol="0" anchor="ctr"/>
+          <a:lstStyle/>
+          <a:p>
+            <a:pPr algn="ctr"/>
+            <a:endParaRPr kumimoji="1" lang="ja-JP" altLang="en-US" sz="2400" dirty="0"/>
+          </a:p>
+        </p:txBody>
+      </p:sp>
+      <p:cxnSp>
+        <p:nvCxnSpPr>
+          <p:cNvPr id="203" name="直線コネクタ 202">
+            <a:extLst>
+              <a:ext uri="{FF2B5EF4-FFF2-40B4-BE49-F238E27FC236}">
+                <a16:creationId xmlns:a16="http://schemas.microsoft.com/office/drawing/2014/main" id="{25118F77-653A-4449-AA03-24833A36CC07}"/>
+              </a:ext>
+            </a:extLst>
+          </p:cNvPr>
+          <p:cNvCxnSpPr>
+            <a:cxnSpLocks/>
+            <a:stCxn id="193" idx="7"/>
+          </p:cNvCxnSpPr>
+          <p:nvPr/>
+        </p:nvCxnSpPr>
+        <p:spPr>
+          <a:xfrm flipV="1">
+            <a:off x="630276" y="4449452"/>
+            <a:ext cx="557501" cy="618329"/>
+          </a:xfrm>
+          <a:prstGeom prst="line">
+            <a:avLst/>
+          </a:prstGeom>
+          <a:ln w="25400">
+            <a:solidFill>
+              <a:srgbClr val="FFC000"/>
+            </a:solidFill>
+          </a:ln>
+        </p:spPr>
+        <p:style>
+          <a:lnRef idx="1">
+            <a:schemeClr val="dk1"/>
+          </a:lnRef>
+          <a:fillRef idx="0">
+            <a:schemeClr val="dk1"/>
+          </a:fillRef>
+          <a:effectRef idx="0">
+            <a:schemeClr val="dk1"/>
+          </a:effectRef>
+          <a:fontRef idx="minor">
+            <a:schemeClr val="tx1"/>
+          </a:fontRef>
+        </p:style>
+      </p:cxnSp>
+      <p:cxnSp>
+        <p:nvCxnSpPr>
+          <p:cNvPr id="204" name="直線コネクタ 203">
+            <a:extLst>
+              <a:ext uri="{FF2B5EF4-FFF2-40B4-BE49-F238E27FC236}">
+                <a16:creationId xmlns:a16="http://schemas.microsoft.com/office/drawing/2014/main" id="{81B60902-EB90-4A8A-B924-D4AA3FF1D448}"/>
+              </a:ext>
+            </a:extLst>
+          </p:cNvPr>
+          <p:cNvCxnSpPr>
+            <a:cxnSpLocks/>
+            <a:endCxn id="196" idx="2"/>
+          </p:cNvCxnSpPr>
+          <p:nvPr/>
+        </p:nvCxnSpPr>
+        <p:spPr>
+          <a:xfrm flipV="1">
+            <a:off x="2809188" y="3688964"/>
+            <a:ext cx="1285040" cy="157172"/>
+          </a:xfrm>
+          <a:prstGeom prst="line">
+            <a:avLst/>
+          </a:prstGeom>
+          <a:ln w="25400">
+            <a:solidFill>
+              <a:srgbClr val="FFC000"/>
+            </a:solidFill>
+          </a:ln>
+        </p:spPr>
+        <p:style>
+          <a:lnRef idx="1">
+            <a:schemeClr val="dk1"/>
+          </a:lnRef>
+          <a:fillRef idx="0">
+            <a:schemeClr val="dk1"/>
+          </a:fillRef>
+          <a:effectRef idx="0">
+            <a:schemeClr val="dk1"/>
+          </a:effectRef>
+          <a:fontRef idx="minor">
+            <a:schemeClr val="tx1"/>
+          </a:fontRef>
+        </p:style>
+      </p:cxnSp>
+      <p:cxnSp>
+        <p:nvCxnSpPr>
+          <p:cNvPr id="205" name="直線コネクタ 204">
+            <a:extLst>
+              <a:ext uri="{FF2B5EF4-FFF2-40B4-BE49-F238E27FC236}">
+                <a16:creationId xmlns:a16="http://schemas.microsoft.com/office/drawing/2014/main" id="{B2C54B7F-3171-4830-895F-20245ADEB20C}"/>
+              </a:ext>
+            </a:extLst>
+          </p:cNvPr>
+          <p:cNvCxnSpPr>
+            <a:cxnSpLocks/>
+            <a:stCxn id="190" idx="7"/>
+          </p:cNvCxnSpPr>
+          <p:nvPr/>
+        </p:nvCxnSpPr>
+        <p:spPr>
+          <a:xfrm flipV="1">
+            <a:off x="1469603" y="3902697"/>
+            <a:ext cx="1009646" cy="310878"/>
+          </a:xfrm>
+          <a:prstGeom prst="line">
+            <a:avLst/>
+          </a:prstGeom>
+          <a:ln w="25400">
+            <a:solidFill>
+              <a:srgbClr val="FFC000"/>
+            </a:solidFill>
+          </a:ln>
+        </p:spPr>
+        <p:style>
+          <a:lnRef idx="1">
+            <a:schemeClr val="dk1"/>
+          </a:lnRef>
+          <a:fillRef idx="0">
+            <a:schemeClr val="dk1"/>
+          </a:fillRef>
+          <a:effectRef idx="0">
+            <a:schemeClr val="dk1"/>
+          </a:effectRef>
+          <a:fontRef idx="minor">
+            <a:schemeClr val="tx1"/>
+          </a:fontRef>
+        </p:style>
+      </p:cxnSp>
+      <p:cxnSp>
+        <p:nvCxnSpPr>
+          <p:cNvPr id="206" name="直線コネクタ 205">
+            <a:extLst>
+              <a:ext uri="{FF2B5EF4-FFF2-40B4-BE49-F238E27FC236}">
+                <a16:creationId xmlns:a16="http://schemas.microsoft.com/office/drawing/2014/main" id="{F8486742-79D4-49C8-8133-30C8E52F8786}"/>
+              </a:ext>
+            </a:extLst>
+          </p:cNvPr>
+          <p:cNvCxnSpPr>
+            <a:cxnSpLocks/>
+          </p:cNvCxnSpPr>
+          <p:nvPr/>
+        </p:nvCxnSpPr>
+        <p:spPr>
+          <a:xfrm>
+            <a:off x="4454228" y="3708829"/>
+            <a:ext cx="1578927" cy="382404"/>
+          </a:xfrm>
+          <a:prstGeom prst="line">
+            <a:avLst/>
+          </a:prstGeom>
+          <a:ln w="25400">
+            <a:solidFill>
+              <a:srgbClr val="FFC000"/>
+            </a:solidFill>
+          </a:ln>
+        </p:spPr>
+        <p:style>
+          <a:lnRef idx="1">
+            <a:schemeClr val="dk1"/>
+          </a:lnRef>
+          <a:fillRef idx="0">
+            <a:schemeClr val="dk1"/>
+          </a:fillRef>
+          <a:effectRef idx="0">
+            <a:schemeClr val="dk1"/>
+          </a:effectRef>
+          <a:fontRef idx="minor">
+            <a:schemeClr val="tx1"/>
+          </a:fontRef>
+        </p:style>
+      </p:cxnSp>
+      <p:cxnSp>
+        <p:nvCxnSpPr>
+          <p:cNvPr id="207" name="直線コネクタ 206">
+            <a:extLst>
+              <a:ext uri="{FF2B5EF4-FFF2-40B4-BE49-F238E27FC236}">
+                <a16:creationId xmlns:a16="http://schemas.microsoft.com/office/drawing/2014/main" id="{59FD6478-643E-4A34-8F6B-45106479B81B}"/>
+              </a:ext>
+            </a:extLst>
+          </p:cNvPr>
+          <p:cNvCxnSpPr>
+            <a:cxnSpLocks/>
+            <a:stCxn id="197" idx="6"/>
+            <a:endCxn id="201" idx="2"/>
+          </p:cNvCxnSpPr>
+          <p:nvPr/>
+        </p:nvCxnSpPr>
+        <p:spPr>
+          <a:xfrm>
+            <a:off x="4454228" y="4612879"/>
+            <a:ext cx="1567654" cy="582181"/>
+          </a:xfrm>
+          <a:prstGeom prst="line">
+            <a:avLst/>
+          </a:prstGeom>
+          <a:ln w="25400">
+            <a:solidFill>
+              <a:srgbClr val="00B0F0"/>
+            </a:solidFill>
+          </a:ln>
+        </p:spPr>
+        <p:style>
+          <a:lnRef idx="1">
+            <a:schemeClr val="dk1"/>
+          </a:lnRef>
+          <a:fillRef idx="0">
+            <a:schemeClr val="dk1"/>
+          </a:fillRef>
+          <a:effectRef idx="0">
+            <a:schemeClr val="dk1"/>
+          </a:effectRef>
+          <a:fontRef idx="minor">
+            <a:schemeClr val="tx1"/>
+          </a:fontRef>
+        </p:style>
+      </p:cxnSp>
+      <p:cxnSp>
+        <p:nvCxnSpPr>
+          <p:cNvPr id="208" name="直線コネクタ 207">
+            <a:extLst>
+              <a:ext uri="{FF2B5EF4-FFF2-40B4-BE49-F238E27FC236}">
+                <a16:creationId xmlns:a16="http://schemas.microsoft.com/office/drawing/2014/main" id="{0CD2889F-A88A-4D00-8B92-C4D6ABDCAC73}"/>
+              </a:ext>
+            </a:extLst>
+          </p:cNvPr>
+          <p:cNvCxnSpPr>
+            <a:cxnSpLocks/>
+            <a:stCxn id="201" idx="6"/>
+            <a:endCxn id="194" idx="2"/>
+          </p:cNvCxnSpPr>
+          <p:nvPr/>
+        </p:nvCxnSpPr>
+        <p:spPr>
+          <a:xfrm>
+            <a:off x="6381882" y="5195060"/>
+            <a:ext cx="1304786" cy="0"/>
+          </a:xfrm>
+          <a:prstGeom prst="line">
+            <a:avLst/>
+          </a:prstGeom>
+          <a:ln w="25400">
+            <a:solidFill>
+              <a:srgbClr val="00B0F0"/>
+            </a:solidFill>
+          </a:ln>
+        </p:spPr>
+        <p:style>
+          <a:lnRef idx="1">
+            <a:schemeClr val="dk1"/>
+          </a:lnRef>
+          <a:fillRef idx="0">
+            <a:schemeClr val="dk1"/>
+          </a:fillRef>
+          <a:effectRef idx="0">
+            <a:schemeClr val="dk1"/>
+          </a:effectRef>
+          <a:fontRef idx="minor">
+            <a:schemeClr val="tx1"/>
+          </a:fontRef>
+        </p:style>
+      </p:cxnSp>
+      <p:cxnSp>
+        <p:nvCxnSpPr>
+          <p:cNvPr id="209" name="直線コネクタ 208">
+            <a:extLst>
+              <a:ext uri="{FF2B5EF4-FFF2-40B4-BE49-F238E27FC236}">
+                <a16:creationId xmlns:a16="http://schemas.microsoft.com/office/drawing/2014/main" id="{3DEB7D94-C18C-4721-A9C4-9751EC44FC75}"/>
+              </a:ext>
+            </a:extLst>
+          </p:cNvPr>
+          <p:cNvCxnSpPr>
+            <a:cxnSpLocks/>
+            <a:stCxn id="195" idx="7"/>
+            <a:endCxn id="197" idx="2"/>
+          </p:cNvCxnSpPr>
+          <p:nvPr/>
+        </p:nvCxnSpPr>
+        <p:spPr>
+          <a:xfrm flipV="1">
+            <a:off x="3015062" y="4612879"/>
+            <a:ext cx="1079166" cy="264360"/>
+          </a:xfrm>
+          <a:prstGeom prst="line">
+            <a:avLst/>
+          </a:prstGeom>
+          <a:ln w="25400">
+            <a:solidFill>
+              <a:srgbClr val="00B0F0"/>
+            </a:solidFill>
+          </a:ln>
+        </p:spPr>
+        <p:style>
+          <a:lnRef idx="1">
+            <a:schemeClr val="dk1"/>
+          </a:lnRef>
+          <a:fillRef idx="0">
+            <a:schemeClr val="dk1"/>
+          </a:fillRef>
+          <a:effectRef idx="0">
+            <a:schemeClr val="dk1"/>
+          </a:effectRef>
+          <a:fontRef idx="minor">
+            <a:schemeClr val="tx1"/>
+          </a:fontRef>
+        </p:style>
+      </p:cxnSp>
+      <p:cxnSp>
+        <p:nvCxnSpPr>
+          <p:cNvPr id="210" name="直線コネクタ 209">
+            <a:extLst>
+              <a:ext uri="{FF2B5EF4-FFF2-40B4-BE49-F238E27FC236}">
+                <a16:creationId xmlns:a16="http://schemas.microsoft.com/office/drawing/2014/main" id="{6AC17961-DF06-4AFA-B55B-75C8085431FE}"/>
+              </a:ext>
+            </a:extLst>
+          </p:cNvPr>
+          <p:cNvCxnSpPr>
+            <a:cxnSpLocks/>
+          </p:cNvCxnSpPr>
+          <p:nvPr/>
+        </p:nvCxnSpPr>
+        <p:spPr>
+          <a:xfrm flipH="1" flipV="1">
+            <a:off x="2696066" y="4044099"/>
+            <a:ext cx="150829" cy="763571"/>
+          </a:xfrm>
+          <a:prstGeom prst="line">
+            <a:avLst/>
+          </a:prstGeom>
+          <a:ln w="25400"/>
+        </p:spPr>
+        <p:style>
+          <a:lnRef idx="1">
+            <a:schemeClr val="dk1"/>
+          </a:lnRef>
+          <a:fillRef idx="0">
+            <a:schemeClr val="dk1"/>
+          </a:fillRef>
+          <a:effectRef idx="0">
+            <a:schemeClr val="dk1"/>
+          </a:effectRef>
+          <a:fontRef idx="minor">
+            <a:schemeClr val="tx1"/>
+          </a:fontRef>
+        </p:style>
+      </p:cxnSp>
+      <p:cxnSp>
+        <p:nvCxnSpPr>
+          <p:cNvPr id="211" name="直線コネクタ 210">
+            <a:extLst>
+              <a:ext uri="{FF2B5EF4-FFF2-40B4-BE49-F238E27FC236}">
+                <a16:creationId xmlns:a16="http://schemas.microsoft.com/office/drawing/2014/main" id="{186C1AB6-29D8-4307-BC3A-75FF1619D3D3}"/>
+              </a:ext>
+            </a:extLst>
+          </p:cNvPr>
+          <p:cNvCxnSpPr>
+            <a:cxnSpLocks/>
+            <a:stCxn id="193" idx="6"/>
+            <a:endCxn id="224" idx="2"/>
+          </p:cNvCxnSpPr>
+          <p:nvPr/>
+        </p:nvCxnSpPr>
+        <p:spPr>
+          <a:xfrm flipV="1">
+            <a:off x="682997" y="5105264"/>
+            <a:ext cx="1043589" cy="89796"/>
+          </a:xfrm>
+          <a:prstGeom prst="line">
+            <a:avLst/>
+          </a:prstGeom>
+          <a:ln w="25400">
+            <a:solidFill>
+              <a:srgbClr val="00B0F0"/>
+            </a:solidFill>
+          </a:ln>
+        </p:spPr>
+        <p:style>
+          <a:lnRef idx="1">
+            <a:schemeClr val="dk1"/>
+          </a:lnRef>
+          <a:fillRef idx="0">
+            <a:schemeClr val="dk1"/>
+          </a:fillRef>
+          <a:effectRef idx="0">
+            <a:schemeClr val="dk1"/>
+          </a:effectRef>
+          <a:fontRef idx="minor">
+            <a:schemeClr val="tx1"/>
+          </a:fontRef>
+        </p:style>
+      </p:cxnSp>
+      <p:cxnSp>
+        <p:nvCxnSpPr>
+          <p:cNvPr id="212" name="直線コネクタ 211">
+            <a:extLst>
+              <a:ext uri="{FF2B5EF4-FFF2-40B4-BE49-F238E27FC236}">
+                <a16:creationId xmlns:a16="http://schemas.microsoft.com/office/drawing/2014/main" id="{03D7BD23-0D89-4161-BFC6-C68B5C7E055B}"/>
+              </a:ext>
+            </a:extLst>
+          </p:cNvPr>
+          <p:cNvCxnSpPr>
+            <a:cxnSpLocks/>
+            <a:stCxn id="193" idx="5"/>
+            <a:endCxn id="189" idx="1"/>
+          </p:cNvCxnSpPr>
+          <p:nvPr/>
+        </p:nvCxnSpPr>
+        <p:spPr>
+          <a:xfrm>
+            <a:off x="630276" y="5322339"/>
+            <a:ext cx="789031" cy="661449"/>
+          </a:xfrm>
+          <a:prstGeom prst="line">
+            <a:avLst/>
+          </a:prstGeom>
+          <a:ln w="25400">
+            <a:solidFill>
+              <a:srgbClr val="92D050"/>
+            </a:solidFill>
+          </a:ln>
+        </p:spPr>
+        <p:style>
+          <a:lnRef idx="1">
+            <a:schemeClr val="dk1"/>
+          </a:lnRef>
+          <a:fillRef idx="0">
+            <a:schemeClr val="dk1"/>
+          </a:fillRef>
+          <a:effectRef idx="0">
+            <a:schemeClr val="dk1"/>
+          </a:effectRef>
+          <a:fontRef idx="minor">
+            <a:schemeClr val="tx1"/>
+          </a:fontRef>
+        </p:style>
+      </p:cxnSp>
+      <p:cxnSp>
+        <p:nvCxnSpPr>
+          <p:cNvPr id="213" name="直線コネクタ 212">
+            <a:extLst>
+              <a:ext uri="{FF2B5EF4-FFF2-40B4-BE49-F238E27FC236}">
+                <a16:creationId xmlns:a16="http://schemas.microsoft.com/office/drawing/2014/main" id="{3A979996-4CD1-4DDE-AA52-552E219B1CD7}"/>
+              </a:ext>
+            </a:extLst>
+          </p:cNvPr>
+          <p:cNvCxnSpPr>
+            <a:cxnSpLocks/>
+            <a:endCxn id="191" idx="2"/>
+          </p:cNvCxnSpPr>
+          <p:nvPr/>
+        </p:nvCxnSpPr>
+        <p:spPr>
+          <a:xfrm>
+            <a:off x="1715678" y="6212264"/>
+            <a:ext cx="812105" cy="280609"/>
+          </a:xfrm>
+          <a:prstGeom prst="line">
+            <a:avLst/>
+          </a:prstGeom>
+          <a:ln w="25400">
+            <a:solidFill>
+              <a:srgbClr val="92D050"/>
+            </a:solidFill>
+          </a:ln>
+        </p:spPr>
+        <p:style>
+          <a:lnRef idx="1">
+            <a:schemeClr val="dk1"/>
+          </a:lnRef>
+          <a:fillRef idx="0">
+            <a:schemeClr val="dk1"/>
+          </a:fillRef>
+          <a:effectRef idx="0">
+            <a:schemeClr val="dk1"/>
+          </a:effectRef>
+          <a:fontRef idx="minor">
+            <a:schemeClr val="tx1"/>
+          </a:fontRef>
+        </p:style>
+      </p:cxnSp>
+      <p:cxnSp>
+        <p:nvCxnSpPr>
+          <p:cNvPr id="214" name="直線コネクタ 213">
+            <a:extLst>
+              <a:ext uri="{FF2B5EF4-FFF2-40B4-BE49-F238E27FC236}">
+                <a16:creationId xmlns:a16="http://schemas.microsoft.com/office/drawing/2014/main" id="{8DDFF443-46C0-4E13-92A1-35320063E01D}"/>
+              </a:ext>
+            </a:extLst>
+          </p:cNvPr>
+          <p:cNvCxnSpPr>
+            <a:cxnSpLocks/>
+            <a:stCxn id="191" idx="6"/>
+            <a:endCxn id="199" idx="2"/>
+          </p:cNvCxnSpPr>
+          <p:nvPr/>
+        </p:nvCxnSpPr>
+        <p:spPr>
+          <a:xfrm>
+            <a:off x="2887783" y="6492873"/>
+            <a:ext cx="1206445" cy="0"/>
+          </a:xfrm>
+          <a:prstGeom prst="line">
+            <a:avLst/>
+          </a:prstGeom>
+          <a:ln w="25400">
+            <a:solidFill>
+              <a:srgbClr val="92D050"/>
+            </a:solidFill>
+          </a:ln>
+        </p:spPr>
+        <p:style>
+          <a:lnRef idx="1">
+            <a:schemeClr val="dk1"/>
+          </a:lnRef>
+          <a:fillRef idx="0">
+            <a:schemeClr val="dk1"/>
+          </a:fillRef>
+          <a:effectRef idx="0">
+            <a:schemeClr val="dk1"/>
+          </a:effectRef>
+          <a:fontRef idx="minor">
+            <a:schemeClr val="tx1"/>
+          </a:fontRef>
+        </p:style>
+      </p:cxnSp>
+      <p:cxnSp>
+        <p:nvCxnSpPr>
+          <p:cNvPr id="215" name="直線コネクタ 214">
+            <a:extLst>
+              <a:ext uri="{FF2B5EF4-FFF2-40B4-BE49-F238E27FC236}">
+                <a16:creationId xmlns:a16="http://schemas.microsoft.com/office/drawing/2014/main" id="{65303169-20DC-4848-BB4D-8A178A6A0FCC}"/>
+              </a:ext>
+            </a:extLst>
+          </p:cNvPr>
+          <p:cNvCxnSpPr>
+            <a:cxnSpLocks/>
+            <a:endCxn id="199" idx="6"/>
+          </p:cNvCxnSpPr>
+          <p:nvPr/>
+        </p:nvCxnSpPr>
+        <p:spPr>
+          <a:xfrm flipH="1">
+            <a:off x="4454228" y="6193410"/>
+            <a:ext cx="1597780" cy="299463"/>
+          </a:xfrm>
+          <a:prstGeom prst="line">
+            <a:avLst/>
+          </a:prstGeom>
+          <a:ln w="25400">
+            <a:solidFill>
+              <a:srgbClr val="92D050"/>
+            </a:solidFill>
+          </a:ln>
+        </p:spPr>
+        <p:style>
+          <a:lnRef idx="1">
+            <a:schemeClr val="dk1"/>
+          </a:lnRef>
+          <a:fillRef idx="0">
+            <a:schemeClr val="dk1"/>
+          </a:fillRef>
+          <a:effectRef idx="0">
+            <a:schemeClr val="dk1"/>
+          </a:effectRef>
+          <a:fontRef idx="minor">
+            <a:schemeClr val="tx1"/>
+          </a:fontRef>
+        </p:style>
+      </p:cxnSp>
+      <p:cxnSp>
+        <p:nvCxnSpPr>
+          <p:cNvPr id="216" name="直線コネクタ 215">
+            <a:extLst>
+              <a:ext uri="{FF2B5EF4-FFF2-40B4-BE49-F238E27FC236}">
+                <a16:creationId xmlns:a16="http://schemas.microsoft.com/office/drawing/2014/main" id="{78C8B3B7-006F-4B32-99C7-814B71EA7A1E}"/>
+              </a:ext>
+            </a:extLst>
+          </p:cNvPr>
+          <p:cNvCxnSpPr>
+            <a:cxnSpLocks/>
+            <a:stCxn id="201" idx="3"/>
+            <a:endCxn id="198" idx="6"/>
+          </p:cNvCxnSpPr>
+          <p:nvPr/>
+        </p:nvCxnSpPr>
+        <p:spPr>
+          <a:xfrm flipH="1">
+            <a:off x="4454228" y="5322339"/>
+            <a:ext cx="1620375" cy="266484"/>
+          </a:xfrm>
+          <a:prstGeom prst="line">
+            <a:avLst/>
+          </a:prstGeom>
+          <a:ln w="25400"/>
+        </p:spPr>
+        <p:style>
+          <a:lnRef idx="1">
+            <a:schemeClr val="dk1"/>
+          </a:lnRef>
+          <a:fillRef idx="0">
+            <a:schemeClr val="dk1"/>
+          </a:fillRef>
+          <a:effectRef idx="0">
+            <a:schemeClr val="dk1"/>
+          </a:effectRef>
+          <a:fontRef idx="minor">
+            <a:schemeClr val="tx1"/>
+          </a:fontRef>
+        </p:style>
+      </p:cxnSp>
+      <p:cxnSp>
+        <p:nvCxnSpPr>
+          <p:cNvPr id="217" name="直線コネクタ 216">
+            <a:extLst>
+              <a:ext uri="{FF2B5EF4-FFF2-40B4-BE49-F238E27FC236}">
+                <a16:creationId xmlns:a16="http://schemas.microsoft.com/office/drawing/2014/main" id="{24341001-A98E-4385-8393-BC1EEAD6ED8F}"/>
+              </a:ext>
+            </a:extLst>
+          </p:cNvPr>
+          <p:cNvCxnSpPr>
+            <a:cxnSpLocks/>
+            <a:stCxn id="198" idx="2"/>
+            <a:endCxn id="195" idx="5"/>
+          </p:cNvCxnSpPr>
+          <p:nvPr/>
+        </p:nvCxnSpPr>
+        <p:spPr>
+          <a:xfrm flipH="1" flipV="1">
+            <a:off x="3015062" y="5131797"/>
+            <a:ext cx="1079166" cy="457026"/>
+          </a:xfrm>
+          <a:prstGeom prst="line">
+            <a:avLst/>
+          </a:prstGeom>
+          <a:ln w="25400"/>
+        </p:spPr>
+        <p:style>
+          <a:lnRef idx="1">
+            <a:schemeClr val="dk1"/>
+          </a:lnRef>
+          <a:fillRef idx="0">
+            <a:schemeClr val="dk1"/>
+          </a:fillRef>
+          <a:effectRef idx="0">
+            <a:schemeClr val="dk1"/>
+          </a:effectRef>
+          <a:fontRef idx="minor">
+            <a:schemeClr val="tx1"/>
+          </a:fontRef>
+        </p:style>
+      </p:cxnSp>
+      <p:cxnSp>
+        <p:nvCxnSpPr>
+          <p:cNvPr id="218" name="直線コネクタ 217">
+            <a:extLst>
+              <a:ext uri="{FF2B5EF4-FFF2-40B4-BE49-F238E27FC236}">
+                <a16:creationId xmlns:a16="http://schemas.microsoft.com/office/drawing/2014/main" id="{553E4EF4-7CF5-4FAA-8CD6-6EB627B83810}"/>
+              </a:ext>
+            </a:extLst>
+          </p:cNvPr>
+          <p:cNvCxnSpPr>
+            <a:cxnSpLocks/>
+          </p:cNvCxnSpPr>
+          <p:nvPr/>
+        </p:nvCxnSpPr>
+        <p:spPr>
+          <a:xfrm flipV="1">
+            <a:off x="2762054" y="3817856"/>
+            <a:ext cx="1423447" cy="2526383"/>
+          </a:xfrm>
+          <a:prstGeom prst="line">
+            <a:avLst/>
+          </a:prstGeom>
+          <a:ln w="25400"/>
+        </p:spPr>
+        <p:style>
+          <a:lnRef idx="1">
+            <a:schemeClr val="dk1"/>
+          </a:lnRef>
+          <a:fillRef idx="0">
+            <a:schemeClr val="dk1"/>
+          </a:fillRef>
+          <a:effectRef idx="0">
+            <a:schemeClr val="dk1"/>
+          </a:effectRef>
+          <a:fontRef idx="minor">
+            <a:schemeClr val="tx1"/>
+          </a:fontRef>
+        </p:style>
+      </p:cxnSp>
+      <p:cxnSp>
+        <p:nvCxnSpPr>
+          <p:cNvPr id="219" name="直線コネクタ 218">
+            <a:extLst>
+              <a:ext uri="{FF2B5EF4-FFF2-40B4-BE49-F238E27FC236}">
+                <a16:creationId xmlns:a16="http://schemas.microsoft.com/office/drawing/2014/main" id="{225E30A9-4BA9-4968-AE2B-D2DE1CD67929}"/>
+              </a:ext>
+            </a:extLst>
+          </p:cNvPr>
+          <p:cNvCxnSpPr>
+            <a:cxnSpLocks/>
+            <a:endCxn id="194" idx="1"/>
+          </p:cNvCxnSpPr>
+          <p:nvPr/>
+        </p:nvCxnSpPr>
+        <p:spPr>
+          <a:xfrm>
+            <a:off x="6381946" y="4204355"/>
+            <a:ext cx="1357443" cy="863426"/>
+          </a:xfrm>
+          <a:prstGeom prst="line">
+            <a:avLst/>
+          </a:prstGeom>
+          <a:ln w="25400">
+            <a:solidFill>
+              <a:srgbClr val="FFC000"/>
+            </a:solidFill>
+          </a:ln>
+        </p:spPr>
+        <p:style>
+          <a:lnRef idx="1">
+            <a:schemeClr val="dk1"/>
+          </a:lnRef>
+          <a:fillRef idx="0">
+            <a:schemeClr val="dk1"/>
+          </a:fillRef>
+          <a:effectRef idx="0">
+            <a:schemeClr val="dk1"/>
+          </a:effectRef>
+          <a:fontRef idx="minor">
+            <a:schemeClr val="tx1"/>
+          </a:fontRef>
+        </p:style>
+      </p:cxnSp>
+      <p:cxnSp>
+        <p:nvCxnSpPr>
+          <p:cNvPr id="220" name="直線コネクタ 219">
+            <a:extLst>
+              <a:ext uri="{FF2B5EF4-FFF2-40B4-BE49-F238E27FC236}">
+                <a16:creationId xmlns:a16="http://schemas.microsoft.com/office/drawing/2014/main" id="{EFD503C3-9EE4-4E26-AA93-FA489A8AB71B}"/>
+              </a:ext>
+            </a:extLst>
+          </p:cNvPr>
+          <p:cNvCxnSpPr>
+            <a:cxnSpLocks/>
+            <a:endCxn id="194" idx="3"/>
+          </p:cNvCxnSpPr>
+          <p:nvPr/>
+        </p:nvCxnSpPr>
+        <p:spPr>
+          <a:xfrm flipV="1">
+            <a:off x="6372520" y="5322339"/>
+            <a:ext cx="1366869" cy="729669"/>
+          </a:xfrm>
+          <a:prstGeom prst="line">
+            <a:avLst/>
+          </a:prstGeom>
+          <a:ln w="25400">
+            <a:solidFill>
+              <a:srgbClr val="92D050"/>
+            </a:solidFill>
+          </a:ln>
+        </p:spPr>
+        <p:style>
+          <a:lnRef idx="1">
+            <a:schemeClr val="dk1"/>
+          </a:lnRef>
+          <a:fillRef idx="0">
+            <a:schemeClr val="dk1"/>
+          </a:fillRef>
+          <a:effectRef idx="0">
+            <a:schemeClr val="dk1"/>
+          </a:effectRef>
+          <a:fontRef idx="minor">
+            <a:schemeClr val="tx1"/>
+          </a:fontRef>
+        </p:style>
+      </p:cxnSp>
+      <p:cxnSp>
+        <p:nvCxnSpPr>
+          <p:cNvPr id="221" name="直線コネクタ 220">
+            <a:extLst>
+              <a:ext uri="{FF2B5EF4-FFF2-40B4-BE49-F238E27FC236}">
+                <a16:creationId xmlns:a16="http://schemas.microsoft.com/office/drawing/2014/main" id="{C33DEF16-36AC-45B8-A6A0-29672504B9EC}"/>
+              </a:ext>
+            </a:extLst>
+          </p:cNvPr>
+          <p:cNvCxnSpPr>
+            <a:cxnSpLocks/>
+            <a:stCxn id="196" idx="5"/>
+            <a:endCxn id="201" idx="1"/>
+          </p:cNvCxnSpPr>
+          <p:nvPr/>
+        </p:nvCxnSpPr>
+        <p:spPr>
+          <a:xfrm>
+            <a:off x="4401507" y="3816243"/>
+            <a:ext cx="1673096" cy="1251538"/>
+          </a:xfrm>
+          <a:prstGeom prst="line">
+            <a:avLst/>
+          </a:prstGeom>
+          <a:ln w="25400"/>
+        </p:spPr>
+        <p:style>
+          <a:lnRef idx="1">
+            <a:schemeClr val="dk1"/>
+          </a:lnRef>
+          <a:fillRef idx="0">
+            <a:schemeClr val="dk1"/>
+          </a:fillRef>
+          <a:effectRef idx="0">
+            <a:schemeClr val="dk1"/>
+          </a:effectRef>
+          <a:fontRef idx="minor">
+            <a:schemeClr val="tx1"/>
+          </a:fontRef>
+        </p:style>
+      </p:cxnSp>
+      <p:cxnSp>
+        <p:nvCxnSpPr>
+          <p:cNvPr id="222" name="直線コネクタ 221">
+            <a:extLst>
+              <a:ext uri="{FF2B5EF4-FFF2-40B4-BE49-F238E27FC236}">
+                <a16:creationId xmlns:a16="http://schemas.microsoft.com/office/drawing/2014/main" id="{D102103A-B830-426E-9DB5-C4D222738D19}"/>
+              </a:ext>
+            </a:extLst>
+          </p:cNvPr>
+          <p:cNvCxnSpPr>
+            <a:cxnSpLocks/>
+            <a:stCxn id="198" idx="5"/>
+            <a:endCxn id="200" idx="1"/>
+          </p:cNvCxnSpPr>
+          <p:nvPr/>
+        </p:nvCxnSpPr>
+        <p:spPr>
+          <a:xfrm>
+            <a:off x="4401507" y="5716102"/>
+            <a:ext cx="1673096" cy="285442"/>
+          </a:xfrm>
+          <a:prstGeom prst="line">
+            <a:avLst/>
+          </a:prstGeom>
+          <a:ln w="25400"/>
+        </p:spPr>
+        <p:style>
+          <a:lnRef idx="1">
+            <a:schemeClr val="dk1"/>
+          </a:lnRef>
+          <a:fillRef idx="0">
+            <a:schemeClr val="dk1"/>
+          </a:fillRef>
+          <a:effectRef idx="0">
+            <a:schemeClr val="dk1"/>
+          </a:effectRef>
+          <a:fontRef idx="minor">
+            <a:schemeClr val="tx1"/>
+          </a:fontRef>
+        </p:style>
+      </p:cxnSp>
+      <p:cxnSp>
+        <p:nvCxnSpPr>
+          <p:cNvPr id="223" name="直線コネクタ 222">
+            <a:extLst>
+              <a:ext uri="{FF2B5EF4-FFF2-40B4-BE49-F238E27FC236}">
+                <a16:creationId xmlns:a16="http://schemas.microsoft.com/office/drawing/2014/main" id="{03FE6749-E637-4B6F-A343-5AD7E27BEB4F}"/>
+              </a:ext>
+            </a:extLst>
+          </p:cNvPr>
+          <p:cNvCxnSpPr>
+            <a:cxnSpLocks/>
+            <a:stCxn id="198" idx="4"/>
+            <a:endCxn id="199" idx="0"/>
+          </p:cNvCxnSpPr>
+          <p:nvPr/>
+        </p:nvCxnSpPr>
+        <p:spPr>
+          <a:xfrm>
+            <a:off x="4274228" y="5768823"/>
+            <a:ext cx="0" cy="544050"/>
+          </a:xfrm>
+          <a:prstGeom prst="line">
+            <a:avLst/>
+          </a:prstGeom>
+          <a:ln w="25400"/>
+        </p:spPr>
+        <p:style>
+          <a:lnRef idx="1">
+            <a:schemeClr val="dk1"/>
+          </a:lnRef>
+          <a:fillRef idx="0">
+            <a:schemeClr val="dk1"/>
+          </a:fillRef>
+          <a:effectRef idx="0">
+            <a:schemeClr val="dk1"/>
+          </a:effectRef>
+          <a:fontRef idx="minor">
+            <a:schemeClr val="tx1"/>
+          </a:fontRef>
+        </p:style>
+      </p:cxnSp>
+      <p:sp>
+        <p:nvSpPr>
+          <p:cNvPr id="224" name="楕円 223">
+            <a:extLst>
+              <a:ext uri="{FF2B5EF4-FFF2-40B4-BE49-F238E27FC236}">
+                <a16:creationId xmlns:a16="http://schemas.microsoft.com/office/drawing/2014/main" id="{A842A7D4-2F70-4F2C-9631-103D645D1333}"/>
+              </a:ext>
+            </a:extLst>
+          </p:cNvPr>
+          <p:cNvSpPr/>
+          <p:nvPr/>
+        </p:nvSpPr>
+        <p:spPr>
+          <a:xfrm>
+            <a:off x="1726586" y="4925264"/>
+            <a:ext cx="360000" cy="360000"/>
+          </a:xfrm>
+          <a:prstGeom prst="ellipse">
+            <a:avLst/>
+          </a:prstGeom>
+          <a:solidFill>
+            <a:srgbClr val="00B0F0"/>
+          </a:solidFill>
+          <a:ln w="28575">
+            <a:solidFill>
+              <a:schemeClr val="tx1"/>
+            </a:solidFill>
+          </a:ln>
+        </p:spPr>
+        <p:style>
+          <a:lnRef idx="1">
+            <a:schemeClr val="accent1"/>
+          </a:lnRef>
+          <a:fillRef idx="0">
+            <a:schemeClr val="accent1"/>
+          </a:fillRef>
+          <a:effectRef idx="0">
+            <a:schemeClr val="accent1"/>
+          </a:effectRef>
+          <a:fontRef idx="minor">
+            <a:schemeClr val="tx1"/>
+          </a:fontRef>
+        </p:style>
+        <p:txBody>
+          <a:bodyPr rtlCol="0" anchor="ctr"/>
+          <a:lstStyle/>
+          <a:p>
+            <a:pPr algn="ctr"/>
+            <a:endParaRPr kumimoji="1" lang="ja-JP" altLang="en-US" sz="2400" dirty="0"/>
+          </a:p>
+        </p:txBody>
+      </p:sp>
+      <p:cxnSp>
+        <p:nvCxnSpPr>
+          <p:cNvPr id="225" name="直線コネクタ 224">
+            <a:extLst>
+              <a:ext uri="{FF2B5EF4-FFF2-40B4-BE49-F238E27FC236}">
+                <a16:creationId xmlns:a16="http://schemas.microsoft.com/office/drawing/2014/main" id="{27802C9A-748B-4D16-B57F-EF0DA6D68698}"/>
+              </a:ext>
+            </a:extLst>
+          </p:cNvPr>
+          <p:cNvCxnSpPr>
+            <a:cxnSpLocks/>
+            <a:stCxn id="224" idx="6"/>
+            <a:endCxn id="195" idx="2"/>
+          </p:cNvCxnSpPr>
+          <p:nvPr/>
+        </p:nvCxnSpPr>
+        <p:spPr>
+          <a:xfrm flipV="1">
+            <a:off x="2086586" y="5004518"/>
+            <a:ext cx="621197" cy="100746"/>
+          </a:xfrm>
+          <a:prstGeom prst="line">
+            <a:avLst/>
+          </a:prstGeom>
+          <a:ln w="25400">
+            <a:solidFill>
+              <a:srgbClr val="00B0F0"/>
+            </a:solidFill>
+          </a:ln>
+        </p:spPr>
+        <p:style>
+          <a:lnRef idx="1">
+            <a:schemeClr val="dk1"/>
+          </a:lnRef>
+          <a:fillRef idx="0">
+            <a:schemeClr val="dk1"/>
+          </a:fillRef>
+          <a:effectRef idx="0">
+            <a:schemeClr val="dk1"/>
+          </a:effectRef>
+          <a:fontRef idx="minor">
+            <a:schemeClr val="tx1"/>
+          </a:fontRef>
+        </p:style>
+      </p:cxnSp>
+      <p:sp>
+        <p:nvSpPr>
+          <p:cNvPr id="4" name="楕円 3">
+            <a:extLst>
+              <a:ext uri="{FF2B5EF4-FFF2-40B4-BE49-F238E27FC236}">
+                <a16:creationId xmlns:a16="http://schemas.microsoft.com/office/drawing/2014/main" id="{633D1DC8-71AC-47DF-981D-0888F8BE0A0D}"/>
+              </a:ext>
+            </a:extLst>
+          </p:cNvPr>
+          <p:cNvSpPr/>
+          <p:nvPr/>
+        </p:nvSpPr>
+        <p:spPr>
+          <a:xfrm>
+            <a:off x="5720771" y="3637943"/>
+            <a:ext cx="943499" cy="3034930"/>
+          </a:xfrm>
+          <a:prstGeom prst="ellipse">
+            <a:avLst/>
+          </a:prstGeom>
+          <a:ln w="28575">
+            <a:solidFill>
+              <a:srgbClr val="FF0000"/>
+            </a:solidFill>
+          </a:ln>
+        </p:spPr>
+        <p:style>
+          <a:lnRef idx="1">
+            <a:schemeClr val="accent1"/>
+          </a:lnRef>
+          <a:fillRef idx="0">
+            <a:schemeClr val="accent1"/>
+          </a:fillRef>
+          <a:effectRef idx="0">
+            <a:schemeClr val="accent1"/>
+          </a:effectRef>
+          <a:fontRef idx="minor">
+            <a:schemeClr val="tx1"/>
+          </a:fontRef>
+        </p:style>
+        <p:txBody>
+          <a:bodyPr rtlCol="0" anchor="ctr"/>
+          <a:lstStyle/>
+          <a:p>
+            <a:pPr algn="ctr"/>
+            <a:endParaRPr kumimoji="1" lang="ja-JP" altLang="en-US"/>
+          </a:p>
+        </p:txBody>
+      </p:sp>
+      <mc:AlternateContent xmlns:mc="http://schemas.openxmlformats.org/markup-compatibility/2006" xmlns:a14="http://schemas.microsoft.com/office/drawing/2010/main">
+        <mc:Choice Requires="a14">
+          <p:sp>
+            <p:nvSpPr>
+              <p:cNvPr id="5" name="テキスト ボックス 4">
+                <a:extLst>
+                  <a:ext uri="{FF2B5EF4-FFF2-40B4-BE49-F238E27FC236}">
+                    <a16:creationId xmlns:a16="http://schemas.microsoft.com/office/drawing/2014/main" id="{9B4C38C2-040C-4717-A3E6-57DEC62B4C2B}"/>
+                  </a:ext>
+                </a:extLst>
+              </p:cNvPr>
+              <p:cNvSpPr txBox="1"/>
+              <p:nvPr/>
+            </p:nvSpPr>
+            <p:spPr>
+              <a:xfrm>
+                <a:off x="1558303" y="3206083"/>
+                <a:ext cx="1329480" cy="461665"/>
+              </a:xfrm>
+              <a:prstGeom prst="rect">
+                <a:avLst/>
+              </a:prstGeom>
+              <a:noFill/>
+            </p:spPr>
+            <p:txBody>
+              <a:bodyPr wrap="square" rtlCol="0">
+                <a:spAutoFit/>
+              </a:bodyPr>
+              <a:lstStyle/>
+              <a:p>
+                <a:pPr algn="l"/>
+                <a14:m>
+                  <m:oMathPara xmlns:m="http://schemas.openxmlformats.org/officeDocument/2006/math">
+                    <m:oMathParaPr>
+                      <m:jc m:val="centerGroup"/>
+                    </m:oMathParaPr>
+                    <m:oMath xmlns:m="http://schemas.openxmlformats.org/officeDocument/2006/math">
+                      <m:r>
+                        <a:rPr kumimoji="1" lang="en-US" altLang="ja-JP" sz="2400" b="0" i="1" smtClean="0">
+                          <a:solidFill>
+                            <a:srgbClr val="FF0000"/>
+                          </a:solidFill>
+                          <a:latin typeface="Cambria Math" panose="02040503050406030204" pitchFamily="18" charset="0"/>
+                          <a:ea typeface="メイリオ" panose="020B0604030504040204" pitchFamily="50" charset="-128"/>
+                        </a:rPr>
+                        <m:t>𝑆</m:t>
+                      </m:r>
+                    </m:oMath>
+                  </m:oMathPara>
+                </a14:m>
+                <a:endParaRPr kumimoji="1" lang="ja-JP" altLang="en-US" sz="2400" dirty="0">
+                  <a:solidFill>
+                    <a:srgbClr val="FF0000"/>
+                  </a:solidFill>
+                  <a:latin typeface="メイリオ" panose="020B0604030504040204" pitchFamily="50" charset="-128"/>
+                  <a:ea typeface="メイリオ" panose="020B0604030504040204" pitchFamily="50" charset="-128"/>
+                </a:endParaRPr>
+              </a:p>
+            </p:txBody>
+          </p:sp>
+        </mc:Choice>
+        <mc:Fallback xmlns="">
+          <p:sp>
+            <p:nvSpPr>
+              <p:cNvPr id="5" name="テキスト ボックス 4">
+                <a:extLst>
+                  <a:ext uri="{FF2B5EF4-FFF2-40B4-BE49-F238E27FC236}">
+                    <a16:creationId xmlns:a16="http://schemas.microsoft.com/office/drawing/2014/main" id="{9B4C38C2-040C-4717-A3E6-57DEC62B4C2B}"/>
+                  </a:ext>
+                </a:extLst>
+              </p:cNvPr>
+              <p:cNvSpPr txBox="1">
+                <a:spLocks noRot="1" noChangeAspect="1" noMove="1" noResize="1" noEditPoints="1" noAdjustHandles="1" noChangeArrowheads="1" noChangeShapeType="1" noTextEdit="1"/>
+              </p:cNvSpPr>
+              <p:nvPr/>
+            </p:nvSpPr>
+            <p:spPr>
+              <a:xfrm>
+                <a:off x="1558303" y="3206083"/>
+                <a:ext cx="1329480" cy="461665"/>
+              </a:xfrm>
+              <a:prstGeom prst="rect">
+                <a:avLst/>
+              </a:prstGeom>
+              <a:blipFill>
+                <a:blip r:embed="rId6"/>
+                <a:stretch>
+                  <a:fillRect/>
+                </a:stretch>
+              </a:blipFill>
+            </p:spPr>
+            <p:txBody>
+              <a:bodyPr/>
+              <a:lstStyle/>
+              <a:p>
+                <a:r>
+                  <a:rPr lang="ja-JP" altLang="en-US">
+                    <a:noFill/>
+                  </a:rPr>
+                  <a:t> </a:t>
+                </a:r>
+              </a:p>
+            </p:txBody>
+          </p:sp>
+        </mc:Fallback>
+      </mc:AlternateContent>
+      <mc:AlternateContent xmlns:mc="http://schemas.openxmlformats.org/markup-compatibility/2006" xmlns:a14="http://schemas.microsoft.com/office/drawing/2010/main">
+        <mc:Choice Requires="a14">
+          <p:sp>
+            <p:nvSpPr>
+              <p:cNvPr id="44" name="テキスト ボックス 43">
+                <a:extLst>
+                  <a:ext uri="{FF2B5EF4-FFF2-40B4-BE49-F238E27FC236}">
+                    <a16:creationId xmlns:a16="http://schemas.microsoft.com/office/drawing/2014/main" id="{D0EFC607-40D5-41AD-BF62-71794DFDC1D9}"/>
+                  </a:ext>
+                </a:extLst>
+              </p:cNvPr>
+              <p:cNvSpPr txBox="1"/>
+              <p:nvPr/>
+            </p:nvSpPr>
+            <p:spPr>
+              <a:xfrm>
+                <a:off x="5243691" y="3282092"/>
+                <a:ext cx="1329480" cy="461665"/>
+              </a:xfrm>
+              <a:prstGeom prst="rect">
+                <a:avLst/>
+              </a:prstGeom>
+              <a:noFill/>
+            </p:spPr>
+            <p:txBody>
+              <a:bodyPr wrap="square" rtlCol="0">
+                <a:spAutoFit/>
+              </a:bodyPr>
+              <a:lstStyle/>
+              <a:p>
+                <a:pPr algn="l"/>
+                <a14:m>
+                  <m:oMathPara xmlns:m="http://schemas.openxmlformats.org/officeDocument/2006/math">
+                    <m:oMathParaPr>
+                      <m:jc m:val="centerGroup"/>
+                    </m:oMathParaPr>
+                    <m:oMath xmlns:m="http://schemas.openxmlformats.org/officeDocument/2006/math">
+                      <m:r>
+                        <a:rPr kumimoji="1" lang="en-US" altLang="ja-JP" sz="2400" b="0" i="1" smtClean="0">
+                          <a:solidFill>
+                            <a:srgbClr val="FF0000"/>
+                          </a:solidFill>
+                          <a:latin typeface="Cambria Math" panose="02040503050406030204" pitchFamily="18" charset="0"/>
+                          <a:ea typeface="メイリオ" panose="020B0604030504040204" pitchFamily="50" charset="-128"/>
+                        </a:rPr>
+                        <m:t>𝑇</m:t>
+                      </m:r>
+                    </m:oMath>
+                  </m:oMathPara>
+                </a14:m>
+                <a:endParaRPr kumimoji="1" lang="ja-JP" altLang="en-US" sz="2400" dirty="0">
+                  <a:solidFill>
+                    <a:srgbClr val="FF0000"/>
+                  </a:solidFill>
+                  <a:latin typeface="メイリオ" panose="020B0604030504040204" pitchFamily="50" charset="-128"/>
+                  <a:ea typeface="メイリオ" panose="020B0604030504040204" pitchFamily="50" charset="-128"/>
+                </a:endParaRPr>
+              </a:p>
+            </p:txBody>
+          </p:sp>
+        </mc:Choice>
+        <mc:Fallback xmlns="">
+          <p:sp>
+            <p:nvSpPr>
+              <p:cNvPr id="44" name="テキスト ボックス 43">
+                <a:extLst>
+                  <a:ext uri="{FF2B5EF4-FFF2-40B4-BE49-F238E27FC236}">
+                    <a16:creationId xmlns:a16="http://schemas.microsoft.com/office/drawing/2014/main" id="{D0EFC607-40D5-41AD-BF62-71794DFDC1D9}"/>
+                  </a:ext>
+                </a:extLst>
+              </p:cNvPr>
+              <p:cNvSpPr txBox="1">
+                <a:spLocks noRot="1" noChangeAspect="1" noMove="1" noResize="1" noEditPoints="1" noAdjustHandles="1" noChangeArrowheads="1" noChangeShapeType="1" noTextEdit="1"/>
+              </p:cNvSpPr>
+              <p:nvPr/>
+            </p:nvSpPr>
+            <p:spPr>
+              <a:xfrm>
+                <a:off x="5243691" y="3282092"/>
+                <a:ext cx="1329480" cy="461665"/>
+              </a:xfrm>
+              <a:prstGeom prst="rect">
+                <a:avLst/>
+              </a:prstGeom>
+              <a:blipFill>
+                <a:blip r:embed="rId7"/>
+                <a:stretch>
+                  <a:fillRect/>
+                </a:stretch>
+              </a:blipFill>
+            </p:spPr>
+            <p:txBody>
+              <a:bodyPr/>
+              <a:lstStyle/>
+              <a:p>
+                <a:r>
+                  <a:rPr lang="ja-JP" altLang="en-US">
+                    <a:noFill/>
+                  </a:rPr>
+                  <a:t> </a:t>
+                </a:r>
+              </a:p>
+            </p:txBody>
+          </p:sp>
+        </mc:Fallback>
+      </mc:AlternateContent>
+      <p:sp>
+        <p:nvSpPr>
+          <p:cNvPr id="45" name="楕円 44">
+            <a:extLst>
+              <a:ext uri="{FF2B5EF4-FFF2-40B4-BE49-F238E27FC236}">
+                <a16:creationId xmlns:a16="http://schemas.microsoft.com/office/drawing/2014/main" id="{7330202B-95CE-4EC5-859A-9A5AE8FAD242}"/>
+              </a:ext>
+            </a:extLst>
+          </p:cNvPr>
+          <p:cNvSpPr/>
+          <p:nvPr/>
+        </p:nvSpPr>
+        <p:spPr>
+          <a:xfrm>
+            <a:off x="2243579" y="3506771"/>
+            <a:ext cx="941376" cy="3351229"/>
+          </a:xfrm>
+          <a:prstGeom prst="ellipse">
+            <a:avLst/>
+          </a:prstGeom>
+          <a:ln w="28575">
+            <a:solidFill>
+              <a:srgbClr val="FF0000"/>
+            </a:solidFill>
+          </a:ln>
+        </p:spPr>
+        <p:style>
+          <a:lnRef idx="1">
+            <a:schemeClr val="accent1"/>
+          </a:lnRef>
+          <a:fillRef idx="0">
+            <a:schemeClr val="accent1"/>
+          </a:fillRef>
+          <a:effectRef idx="0">
+            <a:schemeClr val="accent1"/>
+          </a:effectRef>
+          <a:fontRef idx="minor">
+            <a:schemeClr val="tx1"/>
+          </a:fontRef>
+        </p:style>
+        <p:txBody>
+          <a:bodyPr rtlCol="0" anchor="ctr"/>
+          <a:lstStyle/>
+          <a:p>
+            <a:pPr algn="ctr"/>
+            <a:endParaRPr kumimoji="1" lang="ja-JP" altLang="en-US"/>
+          </a:p>
+        </p:txBody>
+      </p:sp>
+    </p:spTree>
+    <p:extLst>
+      <p:ext uri="{BB962C8B-B14F-4D97-AF65-F5344CB8AC3E}">
+        <p14:creationId xmlns:p14="http://schemas.microsoft.com/office/powerpoint/2010/main" val="3964045422"/>
+      </p:ext>
+    </p:extLst>
+  </p:cSld>
+  <p:clrMapOvr>
+    <a:masterClrMapping/>
+  </p:clrMapOvr>
+</p:sld>
+</file>
+
+<file path=ppt/slides/slide11.xml><?xml version="1.0" encoding="utf-8"?>
+<p:sld xmlns:a="http://schemas.openxmlformats.org/drawingml/2006/main" xmlns:r="http://schemas.openxmlformats.org/officeDocument/2006/relationships" xmlns:p="http://schemas.openxmlformats.org/presentationml/2006/main">
+  <p:cSld>
+    <p:spTree>
+      <p:nvGrpSpPr>
+        <p:cNvPr id="1" name=""/>
+        <p:cNvGrpSpPr/>
+        <p:nvPr/>
+      </p:nvGrpSpPr>
+      <p:grpSpPr>
+        <a:xfrm>
+          <a:off x="0" y="0"/>
+          <a:ext cx="0" cy="0"/>
+          <a:chOff x="0" y="0"/>
+          <a:chExt cx="0" cy="0"/>
+        </a:xfrm>
+      </p:grpSpPr>
+      <p:sp>
+        <p:nvSpPr>
+          <p:cNvPr id="2" name="タイトル 1">
+            <a:extLst>
+              <a:ext uri="{FF2B5EF4-FFF2-40B4-BE49-F238E27FC236}">
+                <a16:creationId xmlns:a16="http://schemas.microsoft.com/office/drawing/2014/main" id="{D8C2F04C-08EC-4E9C-8FD1-85AC4BF1C16A}"/>
+              </a:ext>
+            </a:extLst>
+          </p:cNvPr>
+          <p:cNvSpPr>
+            <a:spLocks noGrp="1"/>
+          </p:cNvSpPr>
+          <p:nvPr>
+            <p:ph type="title"/>
+          </p:nvPr>
+        </p:nvSpPr>
+        <p:spPr/>
+        <p:txBody>
+          <a:bodyPr/>
+          <a:lstStyle/>
+          <a:p>
+            <a:r>
+              <a:rPr kumimoji="1" lang="ja-JP" altLang="en-US" dirty="0"/>
+              <a:t>アルゴリズム概要</a:t>
+            </a:r>
+          </a:p>
+        </p:txBody>
+      </p:sp>
+      <mc:AlternateContent xmlns:mc="http://schemas.openxmlformats.org/markup-compatibility/2006">
+        <mc:Choice xmlns:a14="http://schemas.microsoft.com/office/drawing/2010/main" Requires="a14">
+          <p:sp>
+            <p:nvSpPr>
+              <p:cNvPr id="3" name="コンテンツ プレースホルダー 2">
+                <a:extLst>
+                  <a:ext uri="{FF2B5EF4-FFF2-40B4-BE49-F238E27FC236}">
+                    <a16:creationId xmlns:a16="http://schemas.microsoft.com/office/drawing/2014/main" id="{F2B57F4D-B6F8-47FA-A9A5-A12D729FD2DC}"/>
+                  </a:ext>
+                </a:extLst>
+              </p:cNvPr>
+              <p:cNvSpPr>
+                <a:spLocks noGrp="1"/>
+              </p:cNvSpPr>
+              <p:nvPr>
+                <p:ph idx="1"/>
+              </p:nvPr>
+            </p:nvSpPr>
+            <p:spPr>
+              <a:xfrm>
+                <a:off x="628650" y="1514765"/>
+                <a:ext cx="7886700" cy="1780436"/>
+              </a:xfrm>
+            </p:spPr>
+            <p:txBody>
+              <a:bodyPr/>
+              <a:lstStyle/>
+              <a:p>
+                <a:pPr marL="0" indent="0">
+                  <a:buNone/>
+                </a:pPr>
+                <a:r>
+                  <a:rPr lang="ja-JP" altLang="en-US" dirty="0"/>
+                  <a:t>分離した</a:t>
+                </a:r>
+                <a14:m>
+                  <m:oMath xmlns:m="http://schemas.openxmlformats.org/officeDocument/2006/math">
+                    <m:r>
+                      <a:rPr lang="en-US" altLang="ja-JP" b="0" i="1" smtClean="0">
+                        <a:latin typeface="Cambria Math" panose="02040503050406030204" pitchFamily="18" charset="0"/>
+                      </a:rPr>
+                      <m:t>𝑠</m:t>
+                    </m:r>
+                    <m:r>
+                      <a:rPr lang="en-US" altLang="ja-JP" b="0" i="1" smtClean="0">
+                        <a:latin typeface="Cambria Math" panose="02040503050406030204" pitchFamily="18" charset="0"/>
+                      </a:rPr>
+                      <m:t>,</m:t>
+                    </m:r>
+                    <m:r>
+                      <a:rPr lang="en-US" altLang="ja-JP" b="0" i="1" smtClean="0">
+                        <a:latin typeface="Cambria Math" panose="02040503050406030204" pitchFamily="18" charset="0"/>
+                      </a:rPr>
+                      <m:t>𝑡</m:t>
+                    </m:r>
+                  </m:oMath>
+                </a14:m>
+                <a:r>
+                  <a:rPr lang="ja-JP" altLang="en-US" dirty="0"/>
+                  <a:t>を含む各連結成分を</a:t>
+                </a:r>
+                <a14:m>
+                  <m:oMath xmlns:m="http://schemas.openxmlformats.org/officeDocument/2006/math">
+                    <m:sSup>
+                      <m:sSupPr>
+                        <m:ctrlPr>
+                          <a:rPr lang="en-US" altLang="ja-JP" b="0" i="1" smtClean="0">
+                            <a:latin typeface="Cambria Math" panose="02040503050406030204" pitchFamily="18" charset="0"/>
+                          </a:rPr>
+                        </m:ctrlPr>
+                      </m:sSupPr>
+                      <m:e>
+                        <m:r>
+                          <a:rPr lang="en-US" altLang="ja-JP" b="0" i="1" smtClean="0">
+                            <a:latin typeface="Cambria Math" panose="02040503050406030204" pitchFamily="18" charset="0"/>
+                          </a:rPr>
+                          <m:t>𝑠</m:t>
+                        </m:r>
+                      </m:e>
+                      <m:sup>
+                        <m:r>
+                          <a:rPr lang="en-US" altLang="ja-JP" b="0" i="1" smtClean="0">
+                            <a:latin typeface="Cambria Math" panose="02040503050406030204" pitchFamily="18" charset="0"/>
+                          </a:rPr>
+                          <m:t>′</m:t>
+                        </m:r>
+                      </m:sup>
+                    </m:sSup>
+                    <m:r>
+                      <a:rPr lang="en-US" altLang="ja-JP" b="0" i="1" smtClean="0">
+                        <a:latin typeface="Cambria Math" panose="02040503050406030204" pitchFamily="18" charset="0"/>
+                      </a:rPr>
+                      <m:t>,</m:t>
+                    </m:r>
+                    <m:r>
+                      <a:rPr lang="en-US" altLang="ja-JP" b="0" i="1" smtClean="0">
+                        <a:latin typeface="Cambria Math" panose="02040503050406030204" pitchFamily="18" charset="0"/>
+                      </a:rPr>
+                      <m:t>𝑡</m:t>
+                    </m:r>
+                    <m:r>
+                      <a:rPr lang="en-US" altLang="ja-JP" b="0" i="1" smtClean="0">
+                        <a:latin typeface="Cambria Math" panose="02040503050406030204" pitchFamily="18" charset="0"/>
+                      </a:rPr>
+                      <m:t>′</m:t>
+                    </m:r>
+                  </m:oMath>
+                </a14:m>
+                <a:r>
+                  <a:rPr lang="ja-JP" altLang="en-US" dirty="0"/>
+                  <a:t>に縮約して同じ処理を繰り返す</a:t>
+                </a:r>
+                <a:endParaRPr lang="en-US" altLang="ja-JP" dirty="0"/>
+              </a:p>
+            </p:txBody>
+          </p:sp>
+        </mc:Choice>
+        <mc:Fallback>
+          <p:sp>
+            <p:nvSpPr>
+              <p:cNvPr id="3" name="コンテンツ プレースホルダー 2">
+                <a:extLst>
+                  <a:ext uri="{FF2B5EF4-FFF2-40B4-BE49-F238E27FC236}">
+                    <a16:creationId xmlns:a16="http://schemas.microsoft.com/office/drawing/2014/main" id="{F2B57F4D-B6F8-47FA-A9A5-A12D729FD2DC}"/>
+                  </a:ext>
+                </a:extLst>
+              </p:cNvPr>
+              <p:cNvSpPr>
+                <a:spLocks noGrp="1" noRot="1" noChangeAspect="1" noMove="1" noResize="1" noEditPoints="1" noAdjustHandles="1" noChangeArrowheads="1" noChangeShapeType="1" noTextEdit="1"/>
+              </p:cNvSpPr>
+              <p:nvPr>
+                <p:ph idx="1"/>
+              </p:nvPr>
+            </p:nvSpPr>
+            <p:spPr>
+              <a:xfrm>
+                <a:off x="628650" y="1514765"/>
+                <a:ext cx="7886700" cy="1780436"/>
+              </a:xfrm>
+              <a:blipFill>
+                <a:blip r:embed="rId3"/>
+                <a:stretch>
+                  <a:fillRect l="-1159" t="-2048" r="-618"/>
                 </a:stretch>
               </a:blipFill>
             </p:spPr>
@@ -5325,8 +7870,8 @@
           </p:sp>
         </mc:Fallback>
       </mc:AlternateContent>
-      <mc:AlternateContent xmlns:mc="http://schemas.openxmlformats.org/markup-compatibility/2006">
-        <mc:Choice xmlns:a14="http://schemas.microsoft.com/office/drawing/2010/main" Requires="a14">
+      <mc:AlternateContent xmlns:mc="http://schemas.openxmlformats.org/markup-compatibility/2006" xmlns:a14="http://schemas.microsoft.com/office/drawing/2010/main">
+        <mc:Choice Requires="a14">
           <p:sp>
             <p:nvSpPr>
               <p:cNvPr id="194" name="楕円 193">
@@ -5395,7 +7940,7 @@
             </p:txBody>
           </p:sp>
         </mc:Choice>
-        <mc:Fallback>
+        <mc:Fallback xmlns="">
           <p:sp>
             <p:nvSpPr>
               <p:cNvPr id="194" name="楕円 193">
@@ -6876,8 +9421,8 @@
         </p:nvSpPr>
         <p:spPr>
           <a:xfrm>
-            <a:off x="5720771" y="3637943"/>
-            <a:ext cx="943499" cy="3034930"/>
+            <a:off x="5220969" y="3637943"/>
+            <a:ext cx="3508248" cy="3034930"/>
           </a:xfrm>
           <a:prstGeom prst="ellipse">
             <a:avLst/>
@@ -6886,6 +9431,7 @@
             <a:solidFill>
               <a:srgbClr val="FF0000"/>
             </a:solidFill>
+            <a:prstDash val="dash"/>
           </a:ln>
         </p:spPr>
         <p:style>
@@ -6927,8 +9473,8 @@
             </p:nvSpPr>
             <p:spPr>
               <a:xfrm>
-                <a:off x="1558303" y="3206083"/>
-                <a:ext cx="1329480" cy="461665"/>
+                <a:off x="140059" y="4118846"/>
+                <a:ext cx="1329480" cy="646331"/>
               </a:xfrm>
               <a:prstGeom prst="rect">
                 <a:avLst/>
@@ -6949,19 +9495,29 @@
                     </m:oMathParaPr>
                     <m:oMath xmlns:m="http://schemas.openxmlformats.org/officeDocument/2006/math">
                       <m:r>
-                        <a:rPr kumimoji="1" lang="en-US" altLang="ja-JP" sz="2400" b="0" i="1" smtClean="0">
+                        <a:rPr kumimoji="1" lang="en-US" altLang="ja-JP" sz="3600" b="0" i="1" smtClean="0">
                           <a:solidFill>
                             <a:srgbClr val="FF0000"/>
                           </a:solidFill>
                           <a:latin typeface="Cambria Math" panose="02040503050406030204" pitchFamily="18" charset="0"/>
                           <a:ea typeface="メイリオ" panose="020B0604030504040204" pitchFamily="50" charset="-128"/>
                         </a:rPr>
-                        <m:t>𝑆</m:t>
+                        <m:t>𝑠</m:t>
+                      </m:r>
+                      <m:r>
+                        <a:rPr kumimoji="1" lang="en-US" altLang="ja-JP" sz="3600" b="0" i="1" smtClean="0">
+                          <a:solidFill>
+                            <a:srgbClr val="FF0000"/>
+                          </a:solidFill>
+                          <a:latin typeface="Cambria Math" panose="02040503050406030204" pitchFamily="18" charset="0"/>
+                          <a:ea typeface="メイリオ" panose="020B0604030504040204" pitchFamily="50" charset="-128"/>
+                        </a:rPr>
+                        <m:t>′</m:t>
                       </m:r>
                     </m:oMath>
                   </m:oMathPara>
                 </a14:m>
-                <a:endParaRPr kumimoji="1" lang="ja-JP" altLang="en-US" sz="2400" dirty="0">
+                <a:endParaRPr kumimoji="1" lang="ja-JP" altLang="en-US" sz="3600" dirty="0">
                   <a:solidFill>
                     <a:srgbClr val="FF0000"/>
                   </a:solidFill>
@@ -6989,8 +9545,8 @@
             </p:nvSpPr>
             <p:spPr>
               <a:xfrm>
-                <a:off x="1558303" y="3206083"/>
-                <a:ext cx="1329480" cy="461665"/>
+                <a:off x="140059" y="4118846"/>
+                <a:ext cx="1329480" cy="646331"/>
               </a:xfrm>
               <a:prstGeom prst="rect">
                 <a:avLst/>
@@ -7033,8 +9589,8 @@
             </p:nvSpPr>
             <p:spPr>
               <a:xfrm>
-                <a:off x="5243691" y="3282092"/>
-                <a:ext cx="1329480" cy="461665"/>
+                <a:off x="7181138" y="3955564"/>
+                <a:ext cx="1329480" cy="646331"/>
               </a:xfrm>
               <a:prstGeom prst="rect">
                 <a:avLst/>
@@ -7055,19 +9611,29 @@
                     </m:oMathParaPr>
                     <m:oMath xmlns:m="http://schemas.openxmlformats.org/officeDocument/2006/math">
                       <m:r>
-                        <a:rPr kumimoji="1" lang="en-US" altLang="ja-JP" sz="2400" b="0" i="1" smtClean="0">
+                        <a:rPr kumimoji="1" lang="en-US" altLang="ja-JP" sz="3600" b="0" i="1" smtClean="0">
                           <a:solidFill>
                             <a:srgbClr val="FF0000"/>
                           </a:solidFill>
                           <a:latin typeface="Cambria Math" panose="02040503050406030204" pitchFamily="18" charset="0"/>
                           <a:ea typeface="メイリオ" panose="020B0604030504040204" pitchFamily="50" charset="-128"/>
                         </a:rPr>
-                        <m:t>𝑇</m:t>
+                        <m:t>𝑡</m:t>
+                      </m:r>
+                      <m:r>
+                        <a:rPr kumimoji="1" lang="en-US" altLang="ja-JP" sz="3600" b="0" i="1" smtClean="0">
+                          <a:solidFill>
+                            <a:srgbClr val="FF0000"/>
+                          </a:solidFill>
+                          <a:latin typeface="Cambria Math" panose="02040503050406030204" pitchFamily="18" charset="0"/>
+                          <a:ea typeface="メイリオ" panose="020B0604030504040204" pitchFamily="50" charset="-128"/>
+                        </a:rPr>
+                        <m:t>′</m:t>
                       </m:r>
                     </m:oMath>
                   </m:oMathPara>
                 </a14:m>
-                <a:endParaRPr kumimoji="1" lang="ja-JP" altLang="en-US" sz="2400" dirty="0">
+                <a:endParaRPr kumimoji="1" lang="ja-JP" altLang="en-US" sz="3600" dirty="0">
                   <a:solidFill>
                     <a:srgbClr val="FF0000"/>
                   </a:solidFill>
@@ -7095,8 +9661,8 @@
             </p:nvSpPr>
             <p:spPr>
               <a:xfrm>
-                <a:off x="5243691" y="3282092"/>
-                <a:ext cx="1329480" cy="461665"/>
+                <a:off x="7181138" y="3955564"/>
+                <a:ext cx="1329480" cy="646331"/>
               </a:xfrm>
               <a:prstGeom prst="rect">
                 <a:avLst/>
@@ -7137,8 +9703,8 @@
         </p:nvSpPr>
         <p:spPr>
           <a:xfrm>
-            <a:off x="2243579" y="3506771"/>
-            <a:ext cx="941376" cy="3351229"/>
+            <a:off x="84841" y="3506771"/>
+            <a:ext cx="3882044" cy="3351229"/>
           </a:xfrm>
           <a:prstGeom prst="ellipse">
             <a:avLst/>
@@ -7147,6 +9713,7 @@
             <a:solidFill>
               <a:srgbClr val="FF0000"/>
             </a:solidFill>
+            <a:prstDash val="dash"/>
           </a:ln>
         </p:spPr>
         <p:style>
@@ -7175,7 +9742,7 @@
     </p:spTree>
     <p:extLst>
       <p:ext uri="{BB962C8B-B14F-4D97-AF65-F5344CB8AC3E}">
-        <p14:creationId xmlns:p14="http://schemas.microsoft.com/office/powerpoint/2010/main" val="3964045422"/>
+        <p14:creationId xmlns:p14="http://schemas.microsoft.com/office/powerpoint/2010/main" val="3836547226"/>
       </p:ext>
     </p:extLst>
   </p:cSld>
@@ -7185,7 +9752,7 @@
 </p:sld>
 </file>
 
-<file path=ppt/slides/slide11.xml><?xml version="1.0" encoding="utf-8"?>
+<file path=ppt/slides/slide12.xml><?xml version="1.0" encoding="utf-8"?>
 <p:sld xmlns:a="http://schemas.openxmlformats.org/drawingml/2006/main" xmlns:r="http://schemas.openxmlformats.org/officeDocument/2006/relationships" xmlns:p="http://schemas.openxmlformats.org/presentationml/2006/main">
   <p:cSld>
     <p:spTree>
@@ -7260,21 +9827,47 @@
               <a:p>
                 <a:r>
                   <a:rPr lang="ja-JP" altLang="en-US" dirty="0"/>
-                  <a:t>縮約した頂点</a:t>
+                  <a:t>分離した</a:t>
+                </a:r>
+                <a14:m>
+                  <m:oMath xmlns:m="http://schemas.openxmlformats.org/officeDocument/2006/math">
+                    <m:r>
+                      <a:rPr lang="en-US" altLang="ja-JP" i="1">
+                        <a:latin typeface="Cambria Math" panose="02040503050406030204" pitchFamily="18" charset="0"/>
+                      </a:rPr>
+                      <m:t>𝑠</m:t>
+                    </m:r>
+                    <m:r>
+                      <a:rPr lang="en-US" altLang="ja-JP" i="1">
+                        <a:latin typeface="Cambria Math" panose="02040503050406030204" pitchFamily="18" charset="0"/>
+                      </a:rPr>
+                      <m:t>,</m:t>
+                    </m:r>
+                    <m:r>
+                      <a:rPr lang="en-US" altLang="ja-JP" i="1">
+                        <a:latin typeface="Cambria Math" panose="02040503050406030204" pitchFamily="18" charset="0"/>
+                      </a:rPr>
+                      <m:t>𝑡</m:t>
+                    </m:r>
+                  </m:oMath>
+                </a14:m>
+                <a:r>
+                  <a:rPr lang="ja-JP" altLang="en-US" dirty="0"/>
+                  <a:t>を含む各連結成分を</a:t>
                 </a:r>
                 <a14:m>
                   <m:oMath xmlns:m="http://schemas.openxmlformats.org/officeDocument/2006/math">
                     <m:sSup>
                       <m:sSupPr>
                         <m:ctrlPr>
-                          <a:rPr lang="en-US" altLang="ja-JP" b="0" i="1" smtClean="0">
+                          <a:rPr lang="en-US" altLang="ja-JP" i="1">
                             <a:latin typeface="Cambria Math" panose="02040503050406030204" pitchFamily="18" charset="0"/>
                           </a:rPr>
                         </m:ctrlPr>
                       </m:sSupPr>
                       <m:e>
                         <m:r>
-                          <a:rPr lang="en-US" altLang="ja-JP" b="0" i="1" smtClean="0">
+                          <a:rPr lang="en-US" altLang="ja-JP" i="1">
                             <a:latin typeface="Cambria Math" panose="02040503050406030204" pitchFamily="18" charset="0"/>
                           </a:rPr>
                           <m:t>𝑠</m:t>
@@ -7282,7 +9875,7 @@
                       </m:e>
                       <m:sup>
                         <m:r>
-                          <a:rPr lang="en-US" altLang="ja-JP" b="0" i="1" smtClean="0">
+                          <a:rPr lang="en-US" altLang="ja-JP" i="1">
                             <a:latin typeface="Cambria Math" panose="02040503050406030204" pitchFamily="18" charset="0"/>
                           </a:rPr>
                           <m:t>′</m:t>
@@ -7290,19 +9883,19 @@
                       </m:sup>
                     </m:sSup>
                     <m:r>
-                      <a:rPr lang="en-US" altLang="ja-JP" b="0" i="1" smtClean="0">
+                      <a:rPr lang="en-US" altLang="ja-JP" i="1">
                         <a:latin typeface="Cambria Math" panose="02040503050406030204" pitchFamily="18" charset="0"/>
                       </a:rPr>
                       <m:t>,</m:t>
                     </m:r>
                     <m:r>
-                      <a:rPr lang="en-US" altLang="ja-JP" b="0" i="1" smtClean="0">
+                      <a:rPr lang="en-US" altLang="ja-JP" i="1">
                         <a:latin typeface="Cambria Math" panose="02040503050406030204" pitchFamily="18" charset="0"/>
                       </a:rPr>
                       <m:t>𝑡</m:t>
                     </m:r>
                     <m:r>
-                      <a:rPr lang="en-US" altLang="ja-JP" b="0" i="1" smtClean="0">
+                      <a:rPr lang="en-US" altLang="ja-JP" i="1">
                         <a:latin typeface="Cambria Math" panose="02040503050406030204" pitchFamily="18" charset="0"/>
                       </a:rPr>
                       <m:t>′</m:t>
@@ -7311,8 +9904,42 @@
                 </a14:m>
                 <a:r>
                   <a:rPr lang="ja-JP" altLang="en-US" dirty="0"/>
-                  <a:t>に対してこれまでの操作を行う</a:t>
+                  <a:t>に縮約して同じ処理を繰り返す</a:t>
                 </a:r>
+                <a:endParaRPr lang="en-US" altLang="ja-JP" dirty="0"/>
+              </a:p>
+              <a:p>
+                <a:r>
+                  <a:rPr lang="ja-JP" altLang="en-US" dirty="0"/>
+                  <a:t>得られた</a:t>
+                </a:r>
+                <a14:m>
+                  <m:oMath xmlns:m="http://schemas.openxmlformats.org/officeDocument/2006/math">
+                    <m:r>
+                      <a:rPr lang="ja-JP" altLang="en-US" i="1" dirty="0">
+                        <a:latin typeface="Cambria Math" panose="02040503050406030204" pitchFamily="18" charset="0"/>
+                      </a:rPr>
+                      <m:t>点カット</m:t>
+                    </m:r>
+                  </m:oMath>
+                </a14:m>
+                <a:r>
+                  <a:rPr lang="ja-JP" altLang="en-US" dirty="0"/>
+                  <a:t>の和集合を答えとして</a:t>
+                </a:r>
+                <a:br>
+                  <a:rPr lang="en-US" altLang="ja-JP" dirty="0"/>
+                </a:br>
+                <a:r>
+                  <a:rPr lang="ja-JP" altLang="en-US" dirty="0"/>
+                  <a:t>出力する</a:t>
+                </a:r>
+                <a:endParaRPr lang="en-US" altLang="ja-JP" dirty="0"/>
+              </a:p>
+              <a:p>
+                <a:endParaRPr lang="en-US" altLang="ja-JP" dirty="0"/>
+              </a:p>
+              <a:p>
                 <a:endParaRPr lang="en-US" altLang="ja-JP" dirty="0"/>
               </a:p>
             </p:txBody>
@@ -7343,7 +9970,7 @@
               <a:blipFill>
                 <a:blip r:embed="rId3"/>
                 <a:stretch>
-                  <a:fillRect l="-1005" t="-2857"/>
+                  <a:fillRect l="-1005" t="-2857" b="-5357"/>
                 </a:stretch>
               </a:blipFill>
             </p:spPr>
@@ -7362,8 +9989,8 @@
           </p:sp>
         </mc:Fallback>
       </mc:AlternateContent>
-      <mc:AlternateContent xmlns:mc="http://schemas.openxmlformats.org/markup-compatibility/2006">
-        <mc:Choice xmlns:a14="http://schemas.microsoft.com/office/drawing/2010/main" Requires="a14">
+      <mc:AlternateContent xmlns:mc="http://schemas.openxmlformats.org/markup-compatibility/2006" xmlns:a14="http://schemas.microsoft.com/office/drawing/2010/main">
+        <mc:Choice Requires="a14">
           <p:sp>
             <p:nvSpPr>
               <p:cNvPr id="193" name="楕円 192">
@@ -7438,7 +10065,7 @@
             </p:txBody>
           </p:sp>
         </mc:Choice>
-        <mc:Fallback>
+        <mc:Fallback xmlns="">
           <p:sp>
             <p:nvSpPr>
               <p:cNvPr id="193" name="楕円 192">
@@ -7488,8 +10115,8 @@
           </p:sp>
         </mc:Fallback>
       </mc:AlternateContent>
-      <mc:AlternateContent xmlns:mc="http://schemas.openxmlformats.org/markup-compatibility/2006">
-        <mc:Choice xmlns:a14="http://schemas.microsoft.com/office/drawing/2010/main" Requires="a14">
+      <mc:AlternateContent xmlns:mc="http://schemas.openxmlformats.org/markup-compatibility/2006" xmlns:a14="http://schemas.microsoft.com/office/drawing/2010/main">
+        <mc:Choice Requires="a14">
           <p:sp>
             <p:nvSpPr>
               <p:cNvPr id="194" name="楕円 193">
@@ -7564,7 +10191,7 @@
             </p:txBody>
           </p:sp>
         </mc:Choice>
-        <mc:Fallback>
+        <mc:Fallback xmlns="">
           <p:sp>
             <p:nvSpPr>
               <p:cNvPr id="194" name="楕円 193">
@@ -8258,8 +10885,8 @@
           </a:p>
         </p:txBody>
       </p:sp>
-      <mc:AlternateContent xmlns:mc="http://schemas.openxmlformats.org/markup-compatibility/2006">
-        <mc:Choice xmlns:a14="http://schemas.microsoft.com/office/drawing/2010/main" Requires="a14">
+      <mc:AlternateContent xmlns:mc="http://schemas.openxmlformats.org/markup-compatibility/2006" xmlns:a14="http://schemas.microsoft.com/office/drawing/2010/main">
+        <mc:Choice Requires="a14">
           <p:sp>
             <p:nvSpPr>
               <p:cNvPr id="73" name="テキスト ボックス 72">
@@ -8342,7 +10969,7 @@
             </p:txBody>
           </p:sp>
         </mc:Choice>
-        <mc:Fallback>
+        <mc:Fallback xmlns="">
           <p:sp>
             <p:nvSpPr>
               <p:cNvPr id="73" name="テキスト ボックス 72">
@@ -8400,2236 +11027,6 @@
 </p:sld>
 </file>
 
-<file path=ppt/slides/slide12.xml><?xml version="1.0" encoding="utf-8"?>
-<p:sld xmlns:a="http://schemas.openxmlformats.org/drawingml/2006/main" xmlns:r="http://schemas.openxmlformats.org/officeDocument/2006/relationships" xmlns:p="http://schemas.openxmlformats.org/presentationml/2006/main">
-  <p:cSld>
-    <p:spTree>
-      <p:nvGrpSpPr>
-        <p:cNvPr id="1" name=""/>
-        <p:cNvGrpSpPr/>
-        <p:nvPr/>
-      </p:nvGrpSpPr>
-      <p:grpSpPr>
-        <a:xfrm>
-          <a:off x="0" y="0"/>
-          <a:ext cx="0" cy="0"/>
-          <a:chOff x="0" y="0"/>
-          <a:chExt cx="0" cy="0"/>
-        </a:xfrm>
-      </p:grpSpPr>
-      <p:sp>
-        <p:nvSpPr>
-          <p:cNvPr id="2" name="タイトル 1">
-            <a:extLst>
-              <a:ext uri="{FF2B5EF4-FFF2-40B4-BE49-F238E27FC236}">
-                <a16:creationId xmlns:a16="http://schemas.microsoft.com/office/drawing/2014/main" id="{93BEE99A-E97F-47CD-A794-29880C87B8E2}"/>
-              </a:ext>
-            </a:extLst>
-          </p:cNvPr>
-          <p:cNvSpPr>
-            <a:spLocks noGrp="1"/>
-          </p:cNvSpPr>
-          <p:nvPr>
-            <p:ph type="title"/>
-          </p:nvPr>
-        </p:nvSpPr>
-        <p:spPr/>
-        <p:txBody>
-          <a:bodyPr/>
-          <a:lstStyle/>
-          <a:p>
-            <a:r>
-              <a:rPr lang="ja-JP" altLang="en-US" dirty="0"/>
-              <a:t>アルゴリズム概要</a:t>
-            </a:r>
-            <a:endParaRPr kumimoji="1" lang="ja-JP" altLang="en-US" dirty="0"/>
-          </a:p>
-        </p:txBody>
-      </p:sp>
-      <mc:AlternateContent xmlns:mc="http://schemas.openxmlformats.org/markup-compatibility/2006">
-        <mc:Choice xmlns:a14="http://schemas.microsoft.com/office/drawing/2010/main" Requires="a14">
-          <p:sp>
-            <p:nvSpPr>
-              <p:cNvPr id="3" name="コンテンツ プレースホルダー 2">
-                <a:extLst>
-                  <a:ext uri="{FF2B5EF4-FFF2-40B4-BE49-F238E27FC236}">
-                    <a16:creationId xmlns:a16="http://schemas.microsoft.com/office/drawing/2014/main" id="{4254CE3D-B066-448C-AC7D-BAF80FF08798}"/>
-                  </a:ext>
-                </a:extLst>
-              </p:cNvPr>
-              <p:cNvSpPr>
-                <a:spLocks noGrp="1"/>
-              </p:cNvSpPr>
-              <p:nvPr>
-                <p:ph idx="1"/>
-              </p:nvPr>
-            </p:nvSpPr>
-            <p:spPr>
-              <a:xfrm>
-                <a:off x="628650" y="1133592"/>
-                <a:ext cx="7886700" cy="2655822"/>
-              </a:xfrm>
-            </p:spPr>
-            <p:txBody>
-              <a:bodyPr/>
-              <a:lstStyle/>
-              <a:p>
-                <a:r>
-                  <a:rPr lang="ja-JP" altLang="en-US" b="0" dirty="0"/>
-                  <a:t>ノード</a:t>
-                </a:r>
-                <a14:m>
-                  <m:oMath xmlns:m="http://schemas.openxmlformats.org/officeDocument/2006/math">
-                    <m:r>
-                      <a:rPr lang="ja-JP" altLang="en-US" b="0" i="1" smtClean="0">
-                        <a:latin typeface="Cambria Math" panose="02040503050406030204" pitchFamily="18" charset="0"/>
-                      </a:rPr>
-                      <m:t>カット</m:t>
-                    </m:r>
-                    <m:r>
-                      <a:rPr lang="en-US" altLang="ja-JP" b="0" i="1" smtClean="0">
-                        <a:latin typeface="Cambria Math" panose="02040503050406030204" pitchFamily="18" charset="0"/>
-                      </a:rPr>
-                      <m:t>𝑆</m:t>
-                    </m:r>
-                    <m:r>
-                      <a:rPr lang="en-US" altLang="ja-JP" b="0" i="1" smtClean="0">
-                        <a:latin typeface="Cambria Math" panose="02040503050406030204" pitchFamily="18" charset="0"/>
-                      </a:rPr>
-                      <m:t>,</m:t>
-                    </m:r>
-                    <m:r>
-                      <a:rPr lang="en-US" altLang="ja-JP" b="0" i="1" smtClean="0">
-                        <a:latin typeface="Cambria Math" panose="02040503050406030204" pitchFamily="18" charset="0"/>
-                      </a:rPr>
-                      <m:t>𝑇</m:t>
-                    </m:r>
-                  </m:oMath>
-                </a14:m>
-                <a:r>
-                  <a:rPr lang="ja-JP" altLang="en-US" dirty="0"/>
-                  <a:t>によって</a:t>
-                </a:r>
-                <a14:m>
-                  <m:oMath xmlns:m="http://schemas.openxmlformats.org/officeDocument/2006/math">
-                    <m:d>
-                      <m:dPr>
-                        <m:ctrlPr>
-                          <a:rPr lang="en-US" altLang="ja-JP" b="0" i="1" smtClean="0">
-                            <a:latin typeface="Cambria Math" panose="02040503050406030204" pitchFamily="18" charset="0"/>
-                          </a:rPr>
-                        </m:ctrlPr>
-                      </m:dPr>
-                      <m:e>
-                        <m:r>
-                          <a:rPr lang="en-US" altLang="ja-JP" b="0" i="1" smtClean="0">
-                            <a:latin typeface="Cambria Math" panose="02040503050406030204" pitchFamily="18" charset="0"/>
-                          </a:rPr>
-                          <m:t>𝛼</m:t>
-                        </m:r>
-                        <m:r>
-                          <a:rPr lang="en-US" altLang="ja-JP" b="0" i="1" smtClean="0">
-                            <a:latin typeface="Cambria Math" panose="02040503050406030204" pitchFamily="18" charset="0"/>
-                          </a:rPr>
-                          <m:t>+</m:t>
-                        </m:r>
-                        <m:r>
-                          <a:rPr lang="en-US" altLang="ja-JP" b="0" i="1" smtClean="0">
-                            <a:latin typeface="Cambria Math" panose="02040503050406030204" pitchFamily="18" charset="0"/>
-                          </a:rPr>
-                          <m:t>𝜀</m:t>
-                        </m:r>
-                      </m:e>
-                    </m:d>
-                    <m:r>
-                      <a:rPr lang="en-US" altLang="ja-JP" b="0" i="1" smtClean="0">
-                        <a:latin typeface="Cambria Math" panose="02040503050406030204" pitchFamily="18" charset="0"/>
-                      </a:rPr>
-                      <m:t>𝑛</m:t>
-                    </m:r>
-                  </m:oMath>
-                </a14:m>
-                <a:r>
-                  <a:rPr lang="ja-JP" altLang="en-US" dirty="0"/>
-                  <a:t>以下の連結成分のみになればアルゴリズムは終了</a:t>
-                </a:r>
-                <a:r>
-                  <a:rPr lang="en-US" altLang="ja-JP" dirty="0"/>
-                  <a:t>(</a:t>
-                </a:r>
-                <a14:m>
-                  <m:oMath xmlns:m="http://schemas.openxmlformats.org/officeDocument/2006/math">
-                    <m:r>
-                      <a:rPr lang="en-US" altLang="ja-JP" b="0" i="1" smtClean="0">
-                        <a:latin typeface="Cambria Math" panose="02040503050406030204" pitchFamily="18" charset="0"/>
-                      </a:rPr>
-                      <m:t>0&lt;</m:t>
-                    </m:r>
-                    <m:r>
-                      <a:rPr lang="en-US" altLang="ja-JP" b="0" i="1" smtClean="0">
-                        <a:latin typeface="Cambria Math" panose="02040503050406030204" pitchFamily="18" charset="0"/>
-                      </a:rPr>
-                      <m:t>𝜀</m:t>
-                    </m:r>
-                    <m:r>
-                      <a:rPr lang="en-US" altLang="ja-JP" b="0" i="1" smtClean="0">
-                        <a:latin typeface="Cambria Math" panose="02040503050406030204" pitchFamily="18" charset="0"/>
-                      </a:rPr>
-                      <m:t>&lt;1−</m:t>
-                    </m:r>
-                    <m:r>
-                      <a:rPr lang="en-US" altLang="ja-JP" b="0" i="1" smtClean="0">
-                        <a:latin typeface="Cambria Math" panose="02040503050406030204" pitchFamily="18" charset="0"/>
-                      </a:rPr>
-                      <m:t>𝛼</m:t>
-                    </m:r>
-                  </m:oMath>
-                </a14:m>
-                <a:r>
-                  <a:rPr lang="en-US" altLang="ja-JP" dirty="0"/>
-                  <a:t>)</a:t>
-                </a:r>
-              </a:p>
-              <a:p>
-                <a:r>
-                  <a:rPr lang="ja-JP" altLang="en-US" dirty="0"/>
-                  <a:t>そうでなければ分離後の最も大きい連結成分に対して同様の操作を行う</a:t>
-                </a:r>
-                <a:endParaRPr lang="en-US" altLang="ja-JP" dirty="0"/>
-              </a:p>
-              <a:p>
-                <a:r>
-                  <a:rPr lang="ja-JP" altLang="en-US" dirty="0"/>
-                  <a:t>各反復で得られた</a:t>
-                </a:r>
-                <a14:m>
-                  <m:oMath xmlns:m="http://schemas.openxmlformats.org/officeDocument/2006/math">
-                    <m:r>
-                      <a:rPr lang="en-US" altLang="ja-JP" b="0" i="1" smtClean="0">
-                        <a:latin typeface="Cambria Math" panose="02040503050406030204" pitchFamily="18" charset="0"/>
-                      </a:rPr>
-                      <m:t>𝑠</m:t>
-                    </m:r>
-                    <m:r>
-                      <a:rPr lang="en-US" altLang="ja-JP" b="0" i="1" smtClean="0">
-                        <a:latin typeface="Cambria Math" panose="02040503050406030204" pitchFamily="18" charset="0"/>
-                      </a:rPr>
-                      <m:t>,</m:t>
-                    </m:r>
-                    <m:r>
-                      <a:rPr lang="en-US" altLang="ja-JP" b="0" i="1" smtClean="0">
-                        <a:latin typeface="Cambria Math" panose="02040503050406030204" pitchFamily="18" charset="0"/>
-                      </a:rPr>
-                      <m:t>𝑡</m:t>
-                    </m:r>
-                    <m:r>
-                      <a:rPr lang="en-US" altLang="ja-JP" b="0" i="1" smtClean="0">
-                        <a:latin typeface="Cambria Math" panose="02040503050406030204" pitchFamily="18" charset="0"/>
-                      </a:rPr>
-                      <m:t>,</m:t>
-                    </m:r>
-                    <m:r>
-                      <a:rPr lang="en-US" altLang="ja-JP" b="0" i="1" smtClean="0">
-                        <a:latin typeface="Cambria Math" panose="02040503050406030204" pitchFamily="18" charset="0"/>
-                      </a:rPr>
-                      <m:t>𝑆</m:t>
-                    </m:r>
-                    <m:r>
-                      <a:rPr lang="en-US" altLang="ja-JP" b="0" i="1" smtClean="0">
-                        <a:latin typeface="Cambria Math" panose="02040503050406030204" pitchFamily="18" charset="0"/>
-                      </a:rPr>
-                      <m:t>,</m:t>
-                    </m:r>
-                    <m:r>
-                      <a:rPr lang="en-US" altLang="ja-JP" b="0" i="1" smtClean="0">
-                        <a:latin typeface="Cambria Math" panose="02040503050406030204" pitchFamily="18" charset="0"/>
-                      </a:rPr>
-                      <m:t>𝑇</m:t>
-                    </m:r>
-                  </m:oMath>
-                </a14:m>
-                <a:r>
-                  <a:rPr lang="ja-JP" altLang="en-US" dirty="0"/>
-                  <a:t>の和集合で</a:t>
-                </a:r>
-                <a14:m>
-                  <m:oMath xmlns:m="http://schemas.openxmlformats.org/officeDocument/2006/math">
-                    <m:r>
-                      <a:rPr lang="ja-JP" altLang="en-US" b="0" i="1" smtClean="0">
-                        <a:latin typeface="Cambria Math" panose="02040503050406030204" pitchFamily="18" charset="0"/>
-                      </a:rPr>
-                      <m:t>ある</m:t>
-                    </m:r>
-                    <m:r>
-                      <a:rPr lang="en-US" altLang="ja-JP" b="0" i="1" smtClean="0">
-                        <a:latin typeface="Cambria Math" panose="02040503050406030204" pitchFamily="18" charset="0"/>
-                      </a:rPr>
-                      <m:t>𝑆</m:t>
-                    </m:r>
-                    <m:r>
-                      <a:rPr lang="en-US" altLang="ja-JP" b="0" i="1" smtClean="0">
-                        <a:latin typeface="Cambria Math" panose="02040503050406030204" pitchFamily="18" charset="0"/>
-                      </a:rPr>
-                      <m:t>′</m:t>
-                    </m:r>
-                  </m:oMath>
-                </a14:m>
-                <a:r>
-                  <a:rPr lang="ja-JP" altLang="en-US" dirty="0"/>
-                  <a:t>が求める</a:t>
-                </a:r>
-                <a:br>
-                  <a:rPr lang="en-US" altLang="ja-JP" dirty="0"/>
-                </a:br>
-                <a14:m>
-                  <m:oMath xmlns:m="http://schemas.openxmlformats.org/officeDocument/2006/math">
-                    <m:r>
-                      <a:rPr lang="en-US" altLang="ja-JP" b="0" i="1" smtClean="0">
-                        <a:latin typeface="Cambria Math" panose="02040503050406030204" pitchFamily="18" charset="0"/>
-                      </a:rPr>
-                      <m:t>(</m:t>
-                    </m:r>
-                    <m:r>
-                      <a:rPr lang="en-US" altLang="ja-JP" b="0" i="1" smtClean="0">
-                        <a:latin typeface="Cambria Math" panose="02040503050406030204" pitchFamily="18" charset="0"/>
-                      </a:rPr>
-                      <m:t>𝛼</m:t>
-                    </m:r>
-                    <m:r>
-                      <a:rPr lang="en-US" altLang="ja-JP" b="0" i="1" smtClean="0">
-                        <a:latin typeface="Cambria Math" panose="02040503050406030204" pitchFamily="18" charset="0"/>
-                      </a:rPr>
-                      <m:t>+</m:t>
-                    </m:r>
-                    <m:r>
-                      <a:rPr lang="en-US" altLang="ja-JP" b="0" i="1" smtClean="0">
-                        <a:latin typeface="Cambria Math" panose="02040503050406030204" pitchFamily="18" charset="0"/>
-                      </a:rPr>
-                      <m:t>𝜀</m:t>
-                    </m:r>
-                    <m:r>
-                      <a:rPr lang="en-US" altLang="ja-JP" b="0" i="1" smtClean="0">
-                        <a:latin typeface="Cambria Math" panose="02040503050406030204" pitchFamily="18" charset="0"/>
-                      </a:rPr>
-                      <m:t>)</m:t>
-                    </m:r>
-                  </m:oMath>
-                </a14:m>
-                <a:r>
-                  <a:rPr lang="en-US" altLang="ja-JP" dirty="0"/>
-                  <a:t>-</a:t>
-                </a:r>
-                <a:r>
-                  <a:rPr lang="ja-JP" altLang="en-US" dirty="0"/>
-                  <a:t>平衡分離集合</a:t>
-                </a:r>
-                <a:endParaRPr lang="en-US" altLang="ja-JP" dirty="0"/>
-              </a:p>
-            </p:txBody>
-          </p:sp>
-        </mc:Choice>
-        <mc:Fallback>
-          <p:sp>
-            <p:nvSpPr>
-              <p:cNvPr id="3" name="コンテンツ プレースホルダー 2">
-                <a:extLst>
-                  <a:ext uri="{FF2B5EF4-FFF2-40B4-BE49-F238E27FC236}">
-                    <a16:creationId xmlns:a16="http://schemas.microsoft.com/office/drawing/2014/main" id="{4254CE3D-B066-448C-AC7D-BAF80FF08798}"/>
-                  </a:ext>
-                </a:extLst>
-              </p:cNvPr>
-              <p:cNvSpPr>
-                <a:spLocks noGrp="1" noRot="1" noChangeAspect="1" noMove="1" noResize="1" noEditPoints="1" noAdjustHandles="1" noChangeArrowheads="1" noChangeShapeType="1" noTextEdit="1"/>
-              </p:cNvSpPr>
-              <p:nvPr>
-                <p:ph idx="1"/>
-              </p:nvPr>
-            </p:nvSpPr>
-            <p:spPr>
-              <a:xfrm>
-                <a:off x="628650" y="1133592"/>
-                <a:ext cx="7886700" cy="2655822"/>
-              </a:xfrm>
-              <a:blipFill>
-                <a:blip r:embed="rId2"/>
-                <a:stretch>
-                  <a:fillRect l="-1005" t="-1835"/>
-                </a:stretch>
-              </a:blipFill>
-            </p:spPr>
-            <p:txBody>
-              <a:bodyPr/>
-              <a:lstStyle/>
-              <a:p>
-                <a:r>
-                  <a:rPr lang="ja-JP" altLang="en-US">
-                    <a:noFill/>
-                  </a:rPr>
-                  <a:t> </a:t>
-                </a:r>
-              </a:p>
-            </p:txBody>
-          </p:sp>
-        </mc:Fallback>
-      </mc:AlternateContent>
-      <mc:AlternateContent xmlns:mc="http://schemas.openxmlformats.org/markup-compatibility/2006">
-        <mc:Choice xmlns:a14="http://schemas.microsoft.com/office/drawing/2010/main" Requires="a14">
-          <p:sp>
-            <p:nvSpPr>
-              <p:cNvPr id="7" name="テキスト ボックス 6">
-                <a:extLst>
-                  <a:ext uri="{FF2B5EF4-FFF2-40B4-BE49-F238E27FC236}">
-                    <a16:creationId xmlns:a16="http://schemas.microsoft.com/office/drawing/2014/main" id="{FEC93721-9EAE-4261-BEEE-05675F2BA994}"/>
-                  </a:ext>
-                </a:extLst>
-              </p:cNvPr>
-              <p:cNvSpPr txBox="1"/>
-              <p:nvPr/>
-            </p:nvSpPr>
-            <p:spPr>
-              <a:xfrm>
-                <a:off x="485616" y="3815689"/>
-                <a:ext cx="1628913" cy="646459"/>
-              </a:xfrm>
-              <a:prstGeom prst="rect">
-                <a:avLst/>
-              </a:prstGeom>
-              <a:noFill/>
-            </p:spPr>
-            <p:txBody>
-              <a:bodyPr wrap="square" rtlCol="0">
-                <a:spAutoFit/>
-              </a:bodyPr>
-              <a:lstStyle/>
-              <a:p>
-                <a:pPr algn="l"/>
-                <a14:m>
-                  <m:oMathPara xmlns:m="http://schemas.openxmlformats.org/officeDocument/2006/math">
-                    <m:oMathParaPr>
-                      <m:jc m:val="centerGroup"/>
-                    </m:oMathParaPr>
-                    <m:oMath xmlns:m="http://schemas.openxmlformats.org/officeDocument/2006/math">
-                      <m:r>
-                        <a:rPr kumimoji="1" lang="en-US" altLang="ja-JP" sz="3600" b="0" i="1" smtClean="0">
-                          <a:solidFill>
-                            <a:srgbClr val="00B0F0"/>
-                          </a:solidFill>
-                          <a:latin typeface="Cambria Math" panose="02040503050406030204" pitchFamily="18" charset="0"/>
-                          <a:ea typeface="メイリオ" panose="020B0604030504040204" pitchFamily="50" charset="-128"/>
-                        </a:rPr>
-                        <m:t>𝑆</m:t>
-                      </m:r>
-                    </m:oMath>
-                  </m:oMathPara>
-                </a14:m>
-                <a:endParaRPr kumimoji="1" lang="ja-JP" altLang="en-US" sz="3600" dirty="0">
-                  <a:solidFill>
-                    <a:srgbClr val="00B0F0"/>
-                  </a:solidFill>
-                  <a:latin typeface="メイリオ" panose="020B0604030504040204" pitchFamily="50" charset="-128"/>
-                  <a:ea typeface="メイリオ" panose="020B0604030504040204" pitchFamily="50" charset="-128"/>
-                </a:endParaRPr>
-              </a:p>
-            </p:txBody>
-          </p:sp>
-        </mc:Choice>
-        <mc:Fallback>
-          <p:sp>
-            <p:nvSpPr>
-              <p:cNvPr id="7" name="テキスト ボックス 6">
-                <a:extLst>
-                  <a:ext uri="{FF2B5EF4-FFF2-40B4-BE49-F238E27FC236}">
-                    <a16:creationId xmlns:a16="http://schemas.microsoft.com/office/drawing/2014/main" id="{FEC93721-9EAE-4261-BEEE-05675F2BA994}"/>
-                  </a:ext>
-                </a:extLst>
-              </p:cNvPr>
-              <p:cNvSpPr txBox="1">
-                <a:spLocks noRot="1" noChangeAspect="1" noMove="1" noResize="1" noEditPoints="1" noAdjustHandles="1" noChangeArrowheads="1" noChangeShapeType="1" noTextEdit="1"/>
-              </p:cNvSpPr>
-              <p:nvPr/>
-            </p:nvSpPr>
-            <p:spPr>
-              <a:xfrm>
-                <a:off x="485616" y="3815689"/>
-                <a:ext cx="1628913" cy="646459"/>
-              </a:xfrm>
-              <a:prstGeom prst="rect">
-                <a:avLst/>
-              </a:prstGeom>
-              <a:blipFill>
-                <a:blip r:embed="rId3"/>
-                <a:stretch>
-                  <a:fillRect/>
-                </a:stretch>
-              </a:blipFill>
-            </p:spPr>
-            <p:txBody>
-              <a:bodyPr/>
-              <a:lstStyle/>
-              <a:p>
-                <a:r>
-                  <a:rPr lang="ja-JP" altLang="en-US">
-                    <a:noFill/>
-                  </a:rPr>
-                  <a:t> </a:t>
-                </a:r>
-              </a:p>
-            </p:txBody>
-          </p:sp>
-        </mc:Fallback>
-      </mc:AlternateContent>
-      <mc:AlternateContent xmlns:mc="http://schemas.openxmlformats.org/markup-compatibility/2006" xmlns:a14="http://schemas.microsoft.com/office/drawing/2010/main">
-        <mc:Choice Requires="a14">
-          <p:sp>
-            <p:nvSpPr>
-              <p:cNvPr id="8" name="テキスト ボックス 7">
-                <a:extLst>
-                  <a:ext uri="{FF2B5EF4-FFF2-40B4-BE49-F238E27FC236}">
-                    <a16:creationId xmlns:a16="http://schemas.microsoft.com/office/drawing/2014/main" id="{FBAEF560-C266-4BF9-B771-C32613DD0EAD}"/>
-                  </a:ext>
-                </a:extLst>
-              </p:cNvPr>
-              <p:cNvSpPr txBox="1"/>
-              <p:nvPr/>
-            </p:nvSpPr>
-            <p:spPr>
-              <a:xfrm>
-                <a:off x="1577169" y="3901351"/>
-                <a:ext cx="1628913" cy="646459"/>
-              </a:xfrm>
-              <a:prstGeom prst="rect">
-                <a:avLst/>
-              </a:prstGeom>
-              <a:noFill/>
-            </p:spPr>
-            <p:txBody>
-              <a:bodyPr wrap="square" rtlCol="0">
-                <a:spAutoFit/>
-              </a:bodyPr>
-              <a:lstStyle/>
-              <a:p>
-                <a:pPr algn="l"/>
-                <a14:m>
-                  <m:oMathPara xmlns:m="http://schemas.openxmlformats.org/officeDocument/2006/math">
-                    <m:oMathParaPr>
-                      <m:jc m:val="centerGroup"/>
-                    </m:oMathParaPr>
-                    <m:oMath xmlns:m="http://schemas.openxmlformats.org/officeDocument/2006/math">
-                      <m:r>
-                        <a:rPr kumimoji="1" lang="en-US" altLang="ja-JP" sz="3600" b="0" i="1" smtClean="0">
-                          <a:solidFill>
-                            <a:srgbClr val="00B0F0"/>
-                          </a:solidFill>
-                          <a:latin typeface="Cambria Math" panose="02040503050406030204" pitchFamily="18" charset="0"/>
-                          <a:ea typeface="メイリオ" panose="020B0604030504040204" pitchFamily="50" charset="-128"/>
-                        </a:rPr>
-                        <m:t>𝑇</m:t>
-                      </m:r>
-                    </m:oMath>
-                  </m:oMathPara>
-                </a14:m>
-                <a:endParaRPr kumimoji="1" lang="ja-JP" altLang="en-US" sz="3600" dirty="0">
-                  <a:solidFill>
-                    <a:srgbClr val="00B0F0"/>
-                  </a:solidFill>
-                  <a:latin typeface="メイリオ" panose="020B0604030504040204" pitchFamily="50" charset="-128"/>
-                  <a:ea typeface="メイリオ" panose="020B0604030504040204" pitchFamily="50" charset="-128"/>
-                </a:endParaRPr>
-              </a:p>
-            </p:txBody>
-          </p:sp>
-        </mc:Choice>
-        <mc:Fallback xmlns="">
-          <p:sp>
-            <p:nvSpPr>
-              <p:cNvPr id="8" name="テキスト ボックス 7">
-                <a:extLst>
-                  <a:ext uri="{FF2B5EF4-FFF2-40B4-BE49-F238E27FC236}">
-                    <a16:creationId xmlns:a16="http://schemas.microsoft.com/office/drawing/2014/main" id="{FBAEF560-C266-4BF9-B771-C32613DD0EAD}"/>
-                  </a:ext>
-                </a:extLst>
-              </p:cNvPr>
-              <p:cNvSpPr txBox="1">
-                <a:spLocks noRot="1" noChangeAspect="1" noMove="1" noResize="1" noEditPoints="1" noAdjustHandles="1" noChangeArrowheads="1" noChangeShapeType="1" noTextEdit="1"/>
-              </p:cNvSpPr>
-              <p:nvPr/>
-            </p:nvSpPr>
-            <p:spPr>
-              <a:xfrm>
-                <a:off x="1577169" y="3901351"/>
-                <a:ext cx="1628913" cy="646459"/>
-              </a:xfrm>
-              <a:prstGeom prst="rect">
-                <a:avLst/>
-              </a:prstGeom>
-              <a:blipFill>
-                <a:blip r:embed="rId4"/>
-                <a:stretch>
-                  <a:fillRect/>
-                </a:stretch>
-              </a:blipFill>
-            </p:spPr>
-            <p:txBody>
-              <a:bodyPr/>
-              <a:lstStyle/>
-              <a:p>
-                <a:r>
-                  <a:rPr lang="ja-JP" altLang="en-US">
-                    <a:noFill/>
-                  </a:rPr>
-                  <a:t> </a:t>
-                </a:r>
-              </a:p>
-            </p:txBody>
-          </p:sp>
-        </mc:Fallback>
-      </mc:AlternateContent>
-      <mc:AlternateContent xmlns:mc="http://schemas.openxmlformats.org/markup-compatibility/2006" xmlns:a14="http://schemas.microsoft.com/office/drawing/2010/main">
-        <mc:Choice Requires="a14">
-          <p:sp>
-            <p:nvSpPr>
-              <p:cNvPr id="28" name="テキスト ボックス 27">
-                <a:extLst>
-                  <a:ext uri="{FF2B5EF4-FFF2-40B4-BE49-F238E27FC236}">
-                    <a16:creationId xmlns:a16="http://schemas.microsoft.com/office/drawing/2014/main" id="{2710385C-2A44-4476-A85B-66AB5103968F}"/>
-                  </a:ext>
-                </a:extLst>
-              </p:cNvPr>
-              <p:cNvSpPr txBox="1"/>
-              <p:nvPr/>
-            </p:nvSpPr>
-            <p:spPr>
-              <a:xfrm>
-                <a:off x="173279" y="4747595"/>
-                <a:ext cx="1628913" cy="646459"/>
-              </a:xfrm>
-              <a:prstGeom prst="rect">
-                <a:avLst/>
-              </a:prstGeom>
-              <a:noFill/>
-            </p:spPr>
-            <p:txBody>
-              <a:bodyPr wrap="square" rtlCol="0">
-                <a:spAutoFit/>
-              </a:bodyPr>
-              <a:lstStyle/>
-              <a:p>
-                <a:pPr algn="l"/>
-                <a14:m>
-                  <m:oMathPara xmlns:m="http://schemas.openxmlformats.org/officeDocument/2006/math">
-                    <m:oMathParaPr>
-                      <m:jc m:val="centerGroup"/>
-                    </m:oMathParaPr>
-                    <m:oMath xmlns:m="http://schemas.openxmlformats.org/officeDocument/2006/math">
-                      <m:r>
-                        <a:rPr kumimoji="1" lang="en-US" altLang="ja-JP" sz="3600" b="0" i="1" smtClean="0">
-                          <a:solidFill>
-                            <a:schemeClr val="tx1"/>
-                          </a:solidFill>
-                          <a:latin typeface="Cambria Math" panose="02040503050406030204" pitchFamily="18" charset="0"/>
-                          <a:ea typeface="メイリオ" panose="020B0604030504040204" pitchFamily="50" charset="-128"/>
-                        </a:rPr>
-                        <m:t>𝐺</m:t>
-                      </m:r>
-                    </m:oMath>
-                  </m:oMathPara>
-                </a14:m>
-                <a:endParaRPr kumimoji="1" lang="ja-JP" altLang="en-US" sz="3600" dirty="0">
-                  <a:solidFill>
-                    <a:schemeClr val="tx1"/>
-                  </a:solidFill>
-                  <a:latin typeface="メイリオ" panose="020B0604030504040204" pitchFamily="50" charset="-128"/>
-                  <a:ea typeface="メイリオ" panose="020B0604030504040204" pitchFamily="50" charset="-128"/>
-                </a:endParaRPr>
-              </a:p>
-            </p:txBody>
-          </p:sp>
-        </mc:Choice>
-        <mc:Fallback xmlns="">
-          <p:sp>
-            <p:nvSpPr>
-              <p:cNvPr id="28" name="テキスト ボックス 27">
-                <a:extLst>
-                  <a:ext uri="{FF2B5EF4-FFF2-40B4-BE49-F238E27FC236}">
-                    <a16:creationId xmlns:a16="http://schemas.microsoft.com/office/drawing/2014/main" id="{2710385C-2A44-4476-A85B-66AB5103968F}"/>
-                  </a:ext>
-                </a:extLst>
-              </p:cNvPr>
-              <p:cNvSpPr txBox="1">
-                <a:spLocks noRot="1" noChangeAspect="1" noMove="1" noResize="1" noEditPoints="1" noAdjustHandles="1" noChangeArrowheads="1" noChangeShapeType="1" noTextEdit="1"/>
-              </p:cNvSpPr>
-              <p:nvPr/>
-            </p:nvSpPr>
-            <p:spPr>
-              <a:xfrm>
-                <a:off x="173279" y="4747595"/>
-                <a:ext cx="1628913" cy="646459"/>
-              </a:xfrm>
-              <a:prstGeom prst="rect">
-                <a:avLst/>
-              </a:prstGeom>
-              <a:blipFill>
-                <a:blip r:embed="rId5"/>
-                <a:stretch>
-                  <a:fillRect/>
-                </a:stretch>
-              </a:blipFill>
-            </p:spPr>
-            <p:txBody>
-              <a:bodyPr/>
-              <a:lstStyle/>
-              <a:p>
-                <a:r>
-                  <a:rPr lang="ja-JP" altLang="en-US">
-                    <a:noFill/>
-                  </a:rPr>
-                  <a:t> </a:t>
-                </a:r>
-              </a:p>
-            </p:txBody>
-          </p:sp>
-        </mc:Fallback>
-      </mc:AlternateContent>
-      <p:sp>
-        <p:nvSpPr>
-          <p:cNvPr id="32" name="フリーフォーム: 図形 31">
-            <a:extLst>
-              <a:ext uri="{FF2B5EF4-FFF2-40B4-BE49-F238E27FC236}">
-                <a16:creationId xmlns:a16="http://schemas.microsoft.com/office/drawing/2014/main" id="{BB1DCEB1-D5DE-42F3-9C4C-CBB8A1EAC2D4}"/>
-              </a:ext>
-            </a:extLst>
-          </p:cNvPr>
-          <p:cNvSpPr/>
-          <p:nvPr/>
-        </p:nvSpPr>
-        <p:spPr>
-          <a:xfrm rot="20590525">
-            <a:off x="6063683" y="4203819"/>
-            <a:ext cx="2205342" cy="1973796"/>
-          </a:xfrm>
-          <a:custGeom>
-            <a:avLst/>
-            <a:gdLst>
-              <a:gd name="connsiteX0" fmla="*/ 588453 w 2205342"/>
-              <a:gd name="connsiteY0" fmla="*/ 12960 h 1973796"/>
-              <a:gd name="connsiteX1" fmla="*/ 2185431 w 2205342"/>
-              <a:gd name="connsiteY1" fmla="*/ 1476972 h 1973796"/>
-              <a:gd name="connsiteX2" fmla="*/ 44815 w 2205342"/>
-              <a:gd name="connsiteY2" fmla="*/ 1810789 h 1973796"/>
-              <a:gd name="connsiteX3" fmla="*/ 0 w 2205342"/>
-              <a:gd name="connsiteY3" fmla="*/ 1796041 h 1973796"/>
-              <a:gd name="connsiteX4" fmla="*/ 0 w 2205342"/>
-              <a:gd name="connsiteY4" fmla="*/ 1223439 h 1973796"/>
-              <a:gd name="connsiteX5" fmla="*/ 541510 w 2205342"/>
-              <a:gd name="connsiteY5" fmla="*/ 1 h 1973796"/>
-              <a:gd name="connsiteX6" fmla="*/ 541509 w 2205342"/>
-              <a:gd name="connsiteY6" fmla="*/ 0 h 1973796"/>
-              <a:gd name="connsiteX7" fmla="*/ 588453 w 2205342"/>
-              <a:gd name="connsiteY7" fmla="*/ 12960 h 1973796"/>
-              <a:gd name="connsiteX8" fmla="*/ 1947067 w 2205342"/>
-              <a:gd name="connsiteY8" fmla="*/ 1241665 h 1973796"/>
-              <a:gd name="connsiteX9" fmla="*/ 1722672 w 2205342"/>
-              <a:gd name="connsiteY9" fmla="*/ 1361861 h 1973796"/>
-              <a:gd name="connsiteX10" fmla="*/ 1842867 w 2205342"/>
-              <a:gd name="connsiteY10" fmla="*/ 1586256 h 1973796"/>
-              <a:gd name="connsiteX11" fmla="*/ 2067262 w 2205342"/>
-              <a:gd name="connsiteY11" fmla="*/ 1466060 h 1973796"/>
-              <a:gd name="connsiteX12" fmla="*/ 1947067 w 2205342"/>
-              <a:gd name="connsiteY12" fmla="*/ 1241665 h 1973796"/>
-            </a:gdLst>
-            <a:ahLst/>
-            <a:cxnLst>
-              <a:cxn ang="0">
-                <a:pos x="connsiteX0" y="connsiteY0"/>
-              </a:cxn>
-              <a:cxn ang="0">
-                <a:pos x="connsiteX1" y="connsiteY1"/>
-              </a:cxn>
-              <a:cxn ang="0">
-                <a:pos x="connsiteX2" y="connsiteY2"/>
-              </a:cxn>
-              <a:cxn ang="0">
-                <a:pos x="connsiteX3" y="connsiteY3"/>
-              </a:cxn>
-              <a:cxn ang="0">
-                <a:pos x="connsiteX4" y="connsiteY4"/>
-              </a:cxn>
-              <a:cxn ang="0">
-                <a:pos x="connsiteX5" y="connsiteY5"/>
-              </a:cxn>
-              <a:cxn ang="0">
-                <a:pos x="connsiteX6" y="connsiteY6"/>
-              </a:cxn>
-              <a:cxn ang="0">
-                <a:pos x="connsiteX7" y="connsiteY7"/>
-              </a:cxn>
-              <a:cxn ang="0">
-                <a:pos x="connsiteX8" y="connsiteY8"/>
-              </a:cxn>
-              <a:cxn ang="0">
-                <a:pos x="connsiteX9" y="connsiteY9"/>
-              </a:cxn>
-              <a:cxn ang="0">
-                <a:pos x="connsiteX10" y="connsiteY10"/>
-              </a:cxn>
-              <a:cxn ang="0">
-                <a:pos x="connsiteX11" y="connsiteY11"/>
-              </a:cxn>
-              <a:cxn ang="0">
-                <a:pos x="connsiteX12" y="connsiteY12"/>
-              </a:cxn>
-            </a:cxnLst>
-            <a:rect l="l" t="t" r="r" b="b"/>
-            <a:pathLst>
-              <a:path w="2205342" h="1973796">
-                <a:moveTo>
-                  <a:pt x="588453" y="12960"/>
-                </a:moveTo>
-                <a:cubicBezTo>
-                  <a:pt x="1620561" y="325056"/>
-                  <a:pt x="2335552" y="980515"/>
-                  <a:pt x="2185431" y="1476972"/>
-                </a:cubicBezTo>
-                <a:cubicBezTo>
-                  <a:pt x="2035309" y="1973429"/>
-                  <a:pt x="1076923" y="2122884"/>
-                  <a:pt x="44815" y="1810789"/>
-                </a:cubicBezTo>
-                <a:lnTo>
-                  <a:pt x="0" y="1796041"/>
-                </a:lnTo>
-                <a:lnTo>
-                  <a:pt x="0" y="1223439"/>
-                </a:lnTo>
-                <a:lnTo>
-                  <a:pt x="541510" y="1"/>
-                </a:lnTo>
-                <a:lnTo>
-                  <a:pt x="541509" y="0"/>
-                </a:lnTo>
-                <a:lnTo>
-                  <a:pt x="588453" y="12960"/>
-                </a:lnTo>
-                <a:close/>
-                <a:moveTo>
-                  <a:pt x="1947067" y="1241665"/>
-                </a:moveTo>
-                <a:cubicBezTo>
-                  <a:pt x="1851911" y="1212891"/>
-                  <a:pt x="1751446" y="1266705"/>
-                  <a:pt x="1722672" y="1361861"/>
-                </a:cubicBezTo>
-                <a:cubicBezTo>
-                  <a:pt x="1693898" y="1457016"/>
-                  <a:pt x="1747712" y="1557482"/>
-                  <a:pt x="1842867" y="1586256"/>
-                </a:cubicBezTo>
-                <a:cubicBezTo>
-                  <a:pt x="1938023" y="1615029"/>
-                  <a:pt x="2038488" y="1561216"/>
-                  <a:pt x="2067262" y="1466060"/>
-                </a:cubicBezTo>
-                <a:cubicBezTo>
-                  <a:pt x="2096036" y="1370904"/>
-                  <a:pt x="2042222" y="1270439"/>
-                  <a:pt x="1947067" y="1241665"/>
-                </a:cubicBezTo>
-                <a:close/>
-              </a:path>
-            </a:pathLst>
-          </a:custGeom>
-          <a:ln w="28575">
-            <a:solidFill>
-              <a:schemeClr val="tx1"/>
-            </a:solidFill>
-          </a:ln>
-        </p:spPr>
-        <p:style>
-          <a:lnRef idx="1">
-            <a:schemeClr val="accent1"/>
-          </a:lnRef>
-          <a:fillRef idx="0">
-            <a:schemeClr val="accent1"/>
-          </a:fillRef>
-          <a:effectRef idx="0">
-            <a:schemeClr val="accent1"/>
-          </a:effectRef>
-          <a:fontRef idx="minor">
-            <a:schemeClr val="tx1"/>
-          </a:fontRef>
-        </p:style>
-        <p:txBody>
-          <a:bodyPr wrap="square" rtlCol="0" anchor="ctr">
-            <a:noAutofit/>
-          </a:bodyPr>
-          <a:lstStyle/>
-          <a:p>
-            <a:pPr algn="ctr"/>
-            <a:endParaRPr kumimoji="1" lang="ja-JP" altLang="en-US" dirty="0"/>
-          </a:p>
-        </p:txBody>
-      </p:sp>
-      <p:sp>
-        <p:nvSpPr>
-          <p:cNvPr id="57" name="フリーフォーム: 図形 56">
-            <a:extLst>
-              <a:ext uri="{FF2B5EF4-FFF2-40B4-BE49-F238E27FC236}">
-                <a16:creationId xmlns:a16="http://schemas.microsoft.com/office/drawing/2014/main" id="{24CFC298-96C8-4645-9777-7BFF53F67A7A}"/>
-              </a:ext>
-            </a:extLst>
-          </p:cNvPr>
-          <p:cNvSpPr/>
-          <p:nvPr/>
-        </p:nvSpPr>
-        <p:spPr>
-          <a:xfrm rot="20590525">
-            <a:off x="1696775" y="4520593"/>
-            <a:ext cx="541509" cy="1340248"/>
-          </a:xfrm>
-          <a:custGeom>
-            <a:avLst/>
-            <a:gdLst>
-              <a:gd name="connsiteX0" fmla="*/ 541509 w 541509"/>
-              <a:gd name="connsiteY0" fmla="*/ 116811 h 1340248"/>
-              <a:gd name="connsiteX1" fmla="*/ 0 w 541509"/>
-              <a:gd name="connsiteY1" fmla="*/ 1340248 h 1340248"/>
-              <a:gd name="connsiteX2" fmla="*/ 0 w 541509"/>
-              <a:gd name="connsiteY2" fmla="*/ 0 h 1340248"/>
-              <a:gd name="connsiteX3" fmla="*/ 43486 w 541509"/>
-              <a:gd name="connsiteY3" fmla="*/ 5575 h 1340248"/>
-              <a:gd name="connsiteX4" fmla="*/ 395977 w 541509"/>
-              <a:gd name="connsiteY4" fmla="*/ 76635 h 1340248"/>
-              <a:gd name="connsiteX5" fmla="*/ 541509 w 541509"/>
-              <a:gd name="connsiteY5" fmla="*/ 116811 h 1340248"/>
-            </a:gdLst>
-            <a:ahLst/>
-            <a:cxnLst>
-              <a:cxn ang="0">
-                <a:pos x="connsiteX0" y="connsiteY0"/>
-              </a:cxn>
-              <a:cxn ang="0">
-                <a:pos x="connsiteX1" y="connsiteY1"/>
-              </a:cxn>
-              <a:cxn ang="0">
-                <a:pos x="connsiteX2" y="connsiteY2"/>
-              </a:cxn>
-              <a:cxn ang="0">
-                <a:pos x="connsiteX3" y="connsiteY3"/>
-              </a:cxn>
-              <a:cxn ang="0">
-                <a:pos x="connsiteX4" y="connsiteY4"/>
-              </a:cxn>
-              <a:cxn ang="0">
-                <a:pos x="connsiteX5" y="connsiteY5"/>
-              </a:cxn>
-            </a:cxnLst>
-            <a:rect l="l" t="t" r="r" b="b"/>
-            <a:pathLst>
-              <a:path w="541509" h="1340248">
-                <a:moveTo>
-                  <a:pt x="541509" y="116811"/>
-                </a:moveTo>
-                <a:lnTo>
-                  <a:pt x="0" y="1340248"/>
-                </a:lnTo>
-                <a:lnTo>
-                  <a:pt x="0" y="0"/>
-                </a:lnTo>
-                <a:lnTo>
-                  <a:pt x="43486" y="5575"/>
-                </a:lnTo>
-                <a:cubicBezTo>
-                  <a:pt x="158552" y="23144"/>
-                  <a:pt x="276443" y="46769"/>
-                  <a:pt x="395977" y="76635"/>
-                </a:cubicBezTo>
-                <a:lnTo>
-                  <a:pt x="541509" y="116811"/>
-                </a:lnTo>
-                <a:close/>
-              </a:path>
-            </a:pathLst>
-          </a:custGeom>
-          <a:ln w="28575">
-            <a:solidFill>
-              <a:schemeClr val="tx1"/>
-            </a:solidFill>
-          </a:ln>
-        </p:spPr>
-        <p:style>
-          <a:lnRef idx="1">
-            <a:schemeClr val="accent1"/>
-          </a:lnRef>
-          <a:fillRef idx="0">
-            <a:schemeClr val="accent1"/>
-          </a:fillRef>
-          <a:effectRef idx="0">
-            <a:schemeClr val="accent1"/>
-          </a:effectRef>
-          <a:fontRef idx="minor">
-            <a:schemeClr val="tx1"/>
-          </a:fontRef>
-        </p:style>
-        <p:txBody>
-          <a:bodyPr rtlCol="0" anchor="ctr"/>
-          <a:lstStyle/>
-          <a:p>
-            <a:pPr algn="ctr"/>
-            <a:endParaRPr kumimoji="1" lang="ja-JP" altLang="en-US" dirty="0"/>
-          </a:p>
-        </p:txBody>
-      </p:sp>
-      <p:sp>
-        <p:nvSpPr>
-          <p:cNvPr id="56" name="フリーフォーム: 図形 55">
-            <a:extLst>
-              <a:ext uri="{FF2B5EF4-FFF2-40B4-BE49-F238E27FC236}">
-                <a16:creationId xmlns:a16="http://schemas.microsoft.com/office/drawing/2014/main" id="{77753292-FD55-4660-93EF-EB7B1BC3E5C4}"/>
-              </a:ext>
-            </a:extLst>
-          </p:cNvPr>
-          <p:cNvSpPr/>
-          <p:nvPr/>
-        </p:nvSpPr>
-        <p:spPr>
-          <a:xfrm rot="20590525">
-            <a:off x="1759212" y="5931689"/>
-            <a:ext cx="219624" cy="496198"/>
-          </a:xfrm>
-          <a:custGeom>
-            <a:avLst/>
-            <a:gdLst>
-              <a:gd name="connsiteX0" fmla="*/ 219624 w 219624"/>
-              <a:gd name="connsiteY0" fmla="*/ 0 h 496198"/>
-              <a:gd name="connsiteX1" fmla="*/ 219624 w 219624"/>
-              <a:gd name="connsiteY1" fmla="*/ 2 h 496198"/>
-              <a:gd name="connsiteX2" fmla="*/ 1 w 219624"/>
-              <a:gd name="connsiteY2" fmla="*/ 496198 h 496198"/>
-              <a:gd name="connsiteX3" fmla="*/ 0 w 219624"/>
-              <a:gd name="connsiteY3" fmla="*/ 496198 h 496198"/>
-              <a:gd name="connsiteX4" fmla="*/ 219624 w 219624"/>
-              <a:gd name="connsiteY4" fmla="*/ 0 h 496198"/>
-            </a:gdLst>
-            <a:ahLst/>
-            <a:cxnLst>
-              <a:cxn ang="0">
-                <a:pos x="connsiteX0" y="connsiteY0"/>
-              </a:cxn>
-              <a:cxn ang="0">
-                <a:pos x="connsiteX1" y="connsiteY1"/>
-              </a:cxn>
-              <a:cxn ang="0">
-                <a:pos x="connsiteX2" y="connsiteY2"/>
-              </a:cxn>
-              <a:cxn ang="0">
-                <a:pos x="connsiteX3" y="connsiteY3"/>
-              </a:cxn>
-              <a:cxn ang="0">
-                <a:pos x="connsiteX4" y="connsiteY4"/>
-              </a:cxn>
-            </a:cxnLst>
-            <a:rect l="l" t="t" r="r" b="b"/>
-            <a:pathLst>
-              <a:path w="219624" h="496198">
-                <a:moveTo>
-                  <a:pt x="219624" y="0"/>
-                </a:moveTo>
-                <a:lnTo>
-                  <a:pt x="219624" y="2"/>
-                </a:lnTo>
-                <a:lnTo>
-                  <a:pt x="1" y="496198"/>
-                </a:lnTo>
-                <a:lnTo>
-                  <a:pt x="0" y="496198"/>
-                </a:lnTo>
-                <a:lnTo>
-                  <a:pt x="219624" y="0"/>
-                </a:lnTo>
-                <a:close/>
-              </a:path>
-            </a:pathLst>
-          </a:custGeom>
-          <a:ln w="28575">
-            <a:solidFill>
-              <a:schemeClr val="tx1"/>
-            </a:solidFill>
-          </a:ln>
-        </p:spPr>
-        <p:style>
-          <a:lnRef idx="1">
-            <a:schemeClr val="accent1"/>
-          </a:lnRef>
-          <a:fillRef idx="0">
-            <a:schemeClr val="accent1"/>
-          </a:fillRef>
-          <a:effectRef idx="0">
-            <a:schemeClr val="accent1"/>
-          </a:effectRef>
-          <a:fontRef idx="minor">
-            <a:schemeClr val="tx1"/>
-          </a:fontRef>
-        </p:style>
-        <p:txBody>
-          <a:bodyPr rtlCol="0" anchor="ctr"/>
-          <a:lstStyle/>
-          <a:p>
-            <a:pPr algn="ctr"/>
-            <a:endParaRPr kumimoji="1" lang="ja-JP" altLang="en-US" dirty="0"/>
-          </a:p>
-        </p:txBody>
-      </p:sp>
-      <p:sp>
-        <p:nvSpPr>
-          <p:cNvPr id="54" name="フリーフォーム: 図形 53">
-            <a:extLst>
-              <a:ext uri="{FF2B5EF4-FFF2-40B4-BE49-F238E27FC236}">
-                <a16:creationId xmlns:a16="http://schemas.microsoft.com/office/drawing/2014/main" id="{5D3F612E-C61E-4358-8451-DBEC23E0B308}"/>
-              </a:ext>
-            </a:extLst>
-          </p:cNvPr>
-          <p:cNvSpPr/>
-          <p:nvPr/>
-        </p:nvSpPr>
-        <p:spPr>
-          <a:xfrm rot="20590525">
-            <a:off x="1713679" y="4634904"/>
-            <a:ext cx="541510" cy="1223439"/>
-          </a:xfrm>
-          <a:custGeom>
-            <a:avLst/>
-            <a:gdLst>
-              <a:gd name="connsiteX0" fmla="*/ 541510 w 541510"/>
-              <a:gd name="connsiteY0" fmla="*/ 1 h 1223439"/>
-              <a:gd name="connsiteX1" fmla="*/ 0 w 541510"/>
-              <a:gd name="connsiteY1" fmla="*/ 1223439 h 1223439"/>
-              <a:gd name="connsiteX2" fmla="*/ 0 w 541510"/>
-              <a:gd name="connsiteY2" fmla="*/ 1223437 h 1223439"/>
-              <a:gd name="connsiteX3" fmla="*/ 541509 w 541510"/>
-              <a:gd name="connsiteY3" fmla="*/ 0 h 1223439"/>
-              <a:gd name="connsiteX4" fmla="*/ 541510 w 541510"/>
-              <a:gd name="connsiteY4" fmla="*/ 1 h 1223439"/>
-            </a:gdLst>
-            <a:ahLst/>
-            <a:cxnLst>
-              <a:cxn ang="0">
-                <a:pos x="connsiteX0" y="connsiteY0"/>
-              </a:cxn>
-              <a:cxn ang="0">
-                <a:pos x="connsiteX1" y="connsiteY1"/>
-              </a:cxn>
-              <a:cxn ang="0">
-                <a:pos x="connsiteX2" y="connsiteY2"/>
-              </a:cxn>
-              <a:cxn ang="0">
-                <a:pos x="connsiteX3" y="connsiteY3"/>
-              </a:cxn>
-              <a:cxn ang="0">
-                <a:pos x="connsiteX4" y="connsiteY4"/>
-              </a:cxn>
-            </a:cxnLst>
-            <a:rect l="l" t="t" r="r" b="b"/>
-            <a:pathLst>
-              <a:path w="541510" h="1223439">
-                <a:moveTo>
-                  <a:pt x="541510" y="1"/>
-                </a:moveTo>
-                <a:lnTo>
-                  <a:pt x="0" y="1223439"/>
-                </a:lnTo>
-                <a:lnTo>
-                  <a:pt x="0" y="1223437"/>
-                </a:lnTo>
-                <a:lnTo>
-                  <a:pt x="541509" y="0"/>
-                </a:lnTo>
-                <a:lnTo>
-                  <a:pt x="541510" y="1"/>
-                </a:lnTo>
-                <a:close/>
-              </a:path>
-            </a:pathLst>
-          </a:custGeom>
-          <a:ln w="28575">
-            <a:solidFill>
-              <a:schemeClr val="tx1"/>
-            </a:solidFill>
-          </a:ln>
-        </p:spPr>
-        <p:style>
-          <a:lnRef idx="1">
-            <a:schemeClr val="accent1"/>
-          </a:lnRef>
-          <a:fillRef idx="0">
-            <a:schemeClr val="accent1"/>
-          </a:fillRef>
-          <a:effectRef idx="0">
-            <a:schemeClr val="accent1"/>
-          </a:effectRef>
-          <a:fontRef idx="minor">
-            <a:schemeClr val="tx1"/>
-          </a:fontRef>
-        </p:style>
-        <p:txBody>
-          <a:bodyPr rtlCol="0" anchor="ctr"/>
-          <a:lstStyle/>
-          <a:p>
-            <a:pPr algn="ctr"/>
-            <a:endParaRPr kumimoji="1" lang="ja-JP" altLang="en-US" dirty="0"/>
-          </a:p>
-        </p:txBody>
-      </p:sp>
-      <p:sp>
-        <p:nvSpPr>
-          <p:cNvPr id="53" name="フリーフォーム: 図形 52">
-            <a:extLst>
-              <a:ext uri="{FF2B5EF4-FFF2-40B4-BE49-F238E27FC236}">
-                <a16:creationId xmlns:a16="http://schemas.microsoft.com/office/drawing/2014/main" id="{864BCFCA-0089-4717-B4CA-50F36038EEDD}"/>
-              </a:ext>
-            </a:extLst>
-          </p:cNvPr>
-          <p:cNvSpPr/>
-          <p:nvPr/>
-        </p:nvSpPr>
-        <p:spPr>
-          <a:xfrm rot="20590525">
-            <a:off x="236937" y="4783328"/>
-            <a:ext cx="1572073" cy="1869683"/>
-          </a:xfrm>
-          <a:custGeom>
-            <a:avLst/>
-            <a:gdLst>
-              <a:gd name="connsiteX0" fmla="*/ 1572073 w 1572073"/>
-              <a:gd name="connsiteY0" fmla="*/ 33237 h 1869683"/>
-              <a:gd name="connsiteX1" fmla="*/ 1572073 w 1572073"/>
-              <a:gd name="connsiteY1" fmla="*/ 1373485 h 1869683"/>
-              <a:gd name="connsiteX2" fmla="*/ 1352449 w 1572073"/>
-              <a:gd name="connsiteY2" fmla="*/ 1869683 h 1869683"/>
-              <a:gd name="connsiteX3" fmla="*/ 1245783 w 1572073"/>
-              <a:gd name="connsiteY3" fmla="*/ 1828688 h 1869683"/>
-              <a:gd name="connsiteX4" fmla="*/ 19911 w 1572073"/>
-              <a:gd name="connsiteY4" fmla="*/ 496825 h 1869683"/>
-              <a:gd name="connsiteX5" fmla="*/ 1445226 w 1572073"/>
-              <a:gd name="connsiteY5" fmla="*/ 16977 h 1869683"/>
-              <a:gd name="connsiteX6" fmla="*/ 1572073 w 1572073"/>
-              <a:gd name="connsiteY6" fmla="*/ 33237 h 1869683"/>
-            </a:gdLst>
-            <a:ahLst/>
-            <a:cxnLst>
-              <a:cxn ang="0">
-                <a:pos x="connsiteX0" y="connsiteY0"/>
-              </a:cxn>
-              <a:cxn ang="0">
-                <a:pos x="connsiteX1" y="connsiteY1"/>
-              </a:cxn>
-              <a:cxn ang="0">
-                <a:pos x="connsiteX2" y="connsiteY2"/>
-              </a:cxn>
-              <a:cxn ang="0">
-                <a:pos x="connsiteX3" y="connsiteY3"/>
-              </a:cxn>
-              <a:cxn ang="0">
-                <a:pos x="connsiteX4" y="connsiteY4"/>
-              </a:cxn>
-              <a:cxn ang="0">
-                <a:pos x="connsiteX5" y="connsiteY5"/>
-              </a:cxn>
-              <a:cxn ang="0">
-                <a:pos x="connsiteX6" y="connsiteY6"/>
-              </a:cxn>
-            </a:cxnLst>
-            <a:rect l="l" t="t" r="r" b="b"/>
-            <a:pathLst>
-              <a:path w="1572073" h="1869683">
-                <a:moveTo>
-                  <a:pt x="1572073" y="33237"/>
-                </a:moveTo>
-                <a:lnTo>
-                  <a:pt x="1572073" y="1373485"/>
-                </a:lnTo>
-                <a:lnTo>
-                  <a:pt x="1352449" y="1869683"/>
-                </a:lnTo>
-                <a:lnTo>
-                  <a:pt x="1245783" y="1828688"/>
-                </a:lnTo>
-                <a:cubicBezTo>
-                  <a:pt x="419550" y="1487362"/>
-                  <a:pt x="-111445" y="931225"/>
-                  <a:pt x="19911" y="496825"/>
-                </a:cubicBezTo>
-                <a:cubicBezTo>
-                  <a:pt x="134262" y="118664"/>
-                  <a:pt x="717580" y="-58160"/>
-                  <a:pt x="1445226" y="16977"/>
-                </a:cubicBezTo>
-                <a:lnTo>
-                  <a:pt x="1572073" y="33237"/>
-                </a:lnTo>
-                <a:close/>
-              </a:path>
-            </a:pathLst>
-          </a:custGeom>
-          <a:ln w="28575">
-            <a:solidFill>
-              <a:schemeClr val="tx1"/>
-            </a:solidFill>
-          </a:ln>
-        </p:spPr>
-        <p:style>
-          <a:lnRef idx="1">
-            <a:schemeClr val="accent1"/>
-          </a:lnRef>
-          <a:fillRef idx="0">
-            <a:schemeClr val="accent1"/>
-          </a:fillRef>
-          <a:effectRef idx="0">
-            <a:schemeClr val="accent1"/>
-          </a:effectRef>
-          <a:fontRef idx="minor">
-            <a:schemeClr val="tx1"/>
-          </a:fontRef>
-        </p:style>
-        <p:txBody>
-          <a:bodyPr rtlCol="0" anchor="ctr"/>
-          <a:lstStyle/>
-          <a:p>
-            <a:pPr algn="ctr"/>
-            <a:endParaRPr kumimoji="1" lang="ja-JP" altLang="en-US" dirty="0"/>
-          </a:p>
-        </p:txBody>
-      </p:sp>
-      <p:sp>
-        <p:nvSpPr>
-          <p:cNvPr id="52" name="フリーフォーム: 図形 51">
-            <a:extLst>
-              <a:ext uri="{FF2B5EF4-FFF2-40B4-BE49-F238E27FC236}">
-                <a16:creationId xmlns:a16="http://schemas.microsoft.com/office/drawing/2014/main" id="{0A252BF2-87EC-4896-8887-2CFA03B8A5D2}"/>
-              </a:ext>
-            </a:extLst>
-          </p:cNvPr>
-          <p:cNvSpPr/>
-          <p:nvPr/>
-        </p:nvSpPr>
-        <p:spPr>
-          <a:xfrm rot="20590525">
-            <a:off x="1770270" y="5930055"/>
-            <a:ext cx="219624" cy="572602"/>
-          </a:xfrm>
-          <a:custGeom>
-            <a:avLst/>
-            <a:gdLst>
-              <a:gd name="connsiteX0" fmla="*/ 219624 w 219624"/>
-              <a:gd name="connsiteY0" fmla="*/ 0 h 572602"/>
-              <a:gd name="connsiteX1" fmla="*/ 219624 w 219624"/>
-              <a:gd name="connsiteY1" fmla="*/ 572602 h 572602"/>
-              <a:gd name="connsiteX2" fmla="*/ 74769 w 219624"/>
-              <a:gd name="connsiteY2" fmla="*/ 524931 h 572602"/>
-              <a:gd name="connsiteX3" fmla="*/ 0 w 219624"/>
-              <a:gd name="connsiteY3" fmla="*/ 496196 h 572602"/>
-              <a:gd name="connsiteX4" fmla="*/ 0 w 219624"/>
-              <a:gd name="connsiteY4" fmla="*/ 496196 h 572602"/>
-              <a:gd name="connsiteX5" fmla="*/ 1 w 219624"/>
-              <a:gd name="connsiteY5" fmla="*/ 496196 h 572602"/>
-              <a:gd name="connsiteX6" fmla="*/ 219624 w 219624"/>
-              <a:gd name="connsiteY6" fmla="*/ 0 h 572602"/>
-            </a:gdLst>
-            <a:ahLst/>
-            <a:cxnLst>
-              <a:cxn ang="0">
-                <a:pos x="connsiteX0" y="connsiteY0"/>
-              </a:cxn>
-              <a:cxn ang="0">
-                <a:pos x="connsiteX1" y="connsiteY1"/>
-              </a:cxn>
-              <a:cxn ang="0">
-                <a:pos x="connsiteX2" y="connsiteY2"/>
-              </a:cxn>
-              <a:cxn ang="0">
-                <a:pos x="connsiteX3" y="connsiteY3"/>
-              </a:cxn>
-              <a:cxn ang="0">
-                <a:pos x="connsiteX4" y="connsiteY4"/>
-              </a:cxn>
-              <a:cxn ang="0">
-                <a:pos x="connsiteX5" y="connsiteY5"/>
-              </a:cxn>
-              <a:cxn ang="0">
-                <a:pos x="connsiteX6" y="connsiteY6"/>
-              </a:cxn>
-            </a:cxnLst>
-            <a:rect l="l" t="t" r="r" b="b"/>
-            <a:pathLst>
-              <a:path w="219624" h="572602">
-                <a:moveTo>
-                  <a:pt x="219624" y="0"/>
-                </a:moveTo>
-                <a:lnTo>
-                  <a:pt x="219624" y="572602"/>
-                </a:lnTo>
-                <a:lnTo>
-                  <a:pt x="74769" y="524931"/>
-                </a:lnTo>
-                <a:lnTo>
-                  <a:pt x="0" y="496196"/>
-                </a:lnTo>
-                <a:lnTo>
-                  <a:pt x="0" y="496196"/>
-                </a:lnTo>
-                <a:lnTo>
-                  <a:pt x="1" y="496196"/>
-                </a:lnTo>
-                <a:lnTo>
-                  <a:pt x="219624" y="0"/>
-                </a:lnTo>
-                <a:close/>
-              </a:path>
-            </a:pathLst>
-          </a:custGeom>
-          <a:ln w="28575">
-            <a:solidFill>
-              <a:schemeClr val="tx1"/>
-            </a:solidFill>
-          </a:ln>
-        </p:spPr>
-        <p:style>
-          <a:lnRef idx="1">
-            <a:schemeClr val="accent1"/>
-          </a:lnRef>
-          <a:fillRef idx="0">
-            <a:schemeClr val="accent1"/>
-          </a:fillRef>
-          <a:effectRef idx="0">
-            <a:schemeClr val="accent1"/>
-          </a:effectRef>
-          <a:fontRef idx="minor">
-            <a:schemeClr val="tx1"/>
-          </a:fontRef>
-        </p:style>
-        <p:txBody>
-          <a:bodyPr rtlCol="0" anchor="ctr"/>
-          <a:lstStyle/>
-          <a:p>
-            <a:pPr algn="ctr"/>
-            <a:endParaRPr kumimoji="1" lang="ja-JP" altLang="en-US" dirty="0"/>
-          </a:p>
-        </p:txBody>
-      </p:sp>
-      <p:sp>
-        <p:nvSpPr>
-          <p:cNvPr id="60" name="矢印: 右 59">
-            <a:extLst>
-              <a:ext uri="{FF2B5EF4-FFF2-40B4-BE49-F238E27FC236}">
-                <a16:creationId xmlns:a16="http://schemas.microsoft.com/office/drawing/2014/main" id="{23548A75-6492-4375-AFBE-9D64B52ED912}"/>
-              </a:ext>
-            </a:extLst>
-          </p:cNvPr>
-          <p:cNvSpPr/>
-          <p:nvPr/>
-        </p:nvSpPr>
-        <p:spPr>
-          <a:xfrm>
-            <a:off x="4818647" y="5083423"/>
-            <a:ext cx="539780" cy="885713"/>
-          </a:xfrm>
-          <a:prstGeom prst="rightArrow">
-            <a:avLst/>
-          </a:prstGeom>
-          <a:solidFill>
-            <a:srgbClr val="FFC000"/>
-          </a:solidFill>
-          <a:ln w="28575">
-            <a:solidFill>
-              <a:srgbClr val="FFC000"/>
-            </a:solidFill>
-          </a:ln>
-        </p:spPr>
-        <p:style>
-          <a:lnRef idx="1">
-            <a:schemeClr val="accent1"/>
-          </a:lnRef>
-          <a:fillRef idx="0">
-            <a:schemeClr val="accent1"/>
-          </a:fillRef>
-          <a:effectRef idx="0">
-            <a:schemeClr val="accent1"/>
-          </a:effectRef>
-          <a:fontRef idx="minor">
-            <a:schemeClr val="tx1"/>
-          </a:fontRef>
-        </p:style>
-        <p:txBody>
-          <a:bodyPr rtlCol="0" anchor="ctr"/>
-          <a:lstStyle/>
-          <a:p>
-            <a:pPr algn="ctr"/>
-            <a:endParaRPr kumimoji="1" lang="ja-JP" altLang="en-US" dirty="0"/>
-          </a:p>
-        </p:txBody>
-      </p:sp>
-      <mc:AlternateContent xmlns:mc="http://schemas.openxmlformats.org/markup-compatibility/2006" xmlns:a14="http://schemas.microsoft.com/office/drawing/2010/main">
-        <mc:Choice Requires="a14">
-          <p:sp>
-            <p:nvSpPr>
-              <p:cNvPr id="62" name="テキスト ボックス 61">
-                <a:extLst>
-                  <a:ext uri="{FF2B5EF4-FFF2-40B4-BE49-F238E27FC236}">
-                    <a16:creationId xmlns:a16="http://schemas.microsoft.com/office/drawing/2014/main" id="{6611BFD7-865B-4F5E-870F-65ACBBDDDCEE}"/>
-                  </a:ext>
-                </a:extLst>
-              </p:cNvPr>
-              <p:cNvSpPr txBox="1"/>
-              <p:nvPr/>
-            </p:nvSpPr>
-            <p:spPr>
-              <a:xfrm>
-                <a:off x="6351898" y="4619141"/>
-                <a:ext cx="1628913" cy="646459"/>
-              </a:xfrm>
-              <a:prstGeom prst="rect">
-                <a:avLst/>
-              </a:prstGeom>
-              <a:noFill/>
-            </p:spPr>
-            <p:txBody>
-              <a:bodyPr wrap="square" rtlCol="0">
-                <a:spAutoFit/>
-              </a:bodyPr>
-              <a:lstStyle/>
-              <a:p>
-                <a:pPr algn="l"/>
-                <a14:m>
-                  <m:oMathPara xmlns:m="http://schemas.openxmlformats.org/officeDocument/2006/math">
-                    <m:oMathParaPr>
-                      <m:jc m:val="centerGroup"/>
-                    </m:oMathParaPr>
-                    <m:oMath xmlns:m="http://schemas.openxmlformats.org/officeDocument/2006/math">
-                      <m:r>
-                        <a:rPr kumimoji="1" lang="en-US" altLang="ja-JP" sz="3600" b="0" i="1" smtClean="0">
-                          <a:solidFill>
-                            <a:schemeClr val="tx1"/>
-                          </a:solidFill>
-                          <a:latin typeface="Cambria Math" panose="02040503050406030204" pitchFamily="18" charset="0"/>
-                          <a:ea typeface="メイリオ" panose="020B0604030504040204" pitchFamily="50" charset="-128"/>
-                        </a:rPr>
-                        <m:t>𝐶</m:t>
-                      </m:r>
-                    </m:oMath>
-                  </m:oMathPara>
-                </a14:m>
-                <a:endParaRPr kumimoji="1" lang="ja-JP" altLang="en-US" sz="3600" dirty="0">
-                  <a:solidFill>
-                    <a:schemeClr val="tx1"/>
-                  </a:solidFill>
-                  <a:latin typeface="メイリオ" panose="020B0604030504040204" pitchFamily="50" charset="-128"/>
-                  <a:ea typeface="メイリオ" panose="020B0604030504040204" pitchFamily="50" charset="-128"/>
-                </a:endParaRPr>
-              </a:p>
-            </p:txBody>
-          </p:sp>
-        </mc:Choice>
-        <mc:Fallback xmlns="">
-          <p:sp>
-            <p:nvSpPr>
-              <p:cNvPr id="62" name="テキスト ボックス 61">
-                <a:extLst>
-                  <a:ext uri="{FF2B5EF4-FFF2-40B4-BE49-F238E27FC236}">
-                    <a16:creationId xmlns:a16="http://schemas.microsoft.com/office/drawing/2014/main" id="{6611BFD7-865B-4F5E-870F-65ACBBDDDCEE}"/>
-                  </a:ext>
-                </a:extLst>
-              </p:cNvPr>
-              <p:cNvSpPr txBox="1">
-                <a:spLocks noRot="1" noChangeAspect="1" noMove="1" noResize="1" noEditPoints="1" noAdjustHandles="1" noChangeArrowheads="1" noChangeShapeType="1" noTextEdit="1"/>
-              </p:cNvSpPr>
-              <p:nvPr/>
-            </p:nvSpPr>
-            <p:spPr>
-              <a:xfrm>
-                <a:off x="6351898" y="4619141"/>
-                <a:ext cx="1628913" cy="646459"/>
-              </a:xfrm>
-              <a:prstGeom prst="rect">
-                <a:avLst/>
-              </a:prstGeom>
-              <a:blipFill>
-                <a:blip r:embed="rId6"/>
-                <a:stretch>
-                  <a:fillRect/>
-                </a:stretch>
-              </a:blipFill>
-            </p:spPr>
-            <p:txBody>
-              <a:bodyPr/>
-              <a:lstStyle/>
-              <a:p>
-                <a:r>
-                  <a:rPr lang="ja-JP" altLang="en-US">
-                    <a:noFill/>
-                  </a:rPr>
-                  <a:t> </a:t>
-                </a:r>
-              </a:p>
-            </p:txBody>
-          </p:sp>
-        </mc:Fallback>
-      </mc:AlternateContent>
-      <mc:AlternateContent xmlns:mc="http://schemas.openxmlformats.org/markup-compatibility/2006" xmlns:a14="http://schemas.microsoft.com/office/drawing/2010/main">
-        <mc:Choice Requires="a14">
-          <p:sp>
-            <p:nvSpPr>
-              <p:cNvPr id="63" name="テキスト ボックス 62">
-                <a:extLst>
-                  <a:ext uri="{FF2B5EF4-FFF2-40B4-BE49-F238E27FC236}">
-                    <a16:creationId xmlns:a16="http://schemas.microsoft.com/office/drawing/2014/main" id="{1830D9AD-A1A0-40F9-B5D7-BDF694FB4133}"/>
-                  </a:ext>
-                </a:extLst>
-              </p:cNvPr>
-              <p:cNvSpPr txBox="1"/>
-              <p:nvPr/>
-            </p:nvSpPr>
-            <p:spPr>
-              <a:xfrm>
-                <a:off x="6351898" y="6186314"/>
-                <a:ext cx="2975066" cy="461665"/>
-              </a:xfrm>
-              <a:prstGeom prst="rect">
-                <a:avLst/>
-              </a:prstGeom>
-              <a:noFill/>
-            </p:spPr>
-            <p:txBody>
-              <a:bodyPr wrap="square" rtlCol="0">
-                <a:spAutoFit/>
-              </a:bodyPr>
-              <a:lstStyle/>
-              <a:p>
-                <a:pPr algn="l"/>
-                <a14:m>
-                  <m:oMathPara xmlns:m="http://schemas.openxmlformats.org/officeDocument/2006/math">
-                    <m:oMathParaPr>
-                      <m:jc m:val="centerGroup"/>
-                    </m:oMathParaPr>
-                    <m:oMath xmlns:m="http://schemas.openxmlformats.org/officeDocument/2006/math">
-                      <m:d>
-                        <m:dPr>
-                          <m:begChr m:val="|"/>
-                          <m:endChr m:val="|"/>
-                          <m:ctrlPr>
-                            <a:rPr kumimoji="1" lang="en-US" altLang="ja-JP" sz="2400" b="0" i="1" smtClean="0">
-                              <a:solidFill>
-                                <a:schemeClr val="tx1"/>
-                              </a:solidFill>
-                              <a:latin typeface="Cambria Math" panose="02040503050406030204" pitchFamily="18" charset="0"/>
-                              <a:ea typeface="メイリオ" panose="020B0604030504040204" pitchFamily="50" charset="-128"/>
-                            </a:rPr>
-                          </m:ctrlPr>
-                        </m:dPr>
-                        <m:e>
-                          <m:r>
-                            <a:rPr kumimoji="1" lang="en-US" altLang="ja-JP" sz="2400" b="0" i="1" smtClean="0">
-                              <a:solidFill>
-                                <a:schemeClr val="tx1"/>
-                              </a:solidFill>
-                              <a:latin typeface="Cambria Math" panose="02040503050406030204" pitchFamily="18" charset="0"/>
-                              <a:ea typeface="メイリオ" panose="020B0604030504040204" pitchFamily="50" charset="-128"/>
-                            </a:rPr>
-                            <m:t>𝐶</m:t>
-                          </m:r>
-                        </m:e>
-                      </m:d>
-                      <m:r>
-                        <a:rPr kumimoji="1" lang="en-US" altLang="ja-JP" sz="2400" b="0" i="1" smtClean="0">
-                          <a:solidFill>
-                            <a:schemeClr val="tx1"/>
-                          </a:solidFill>
-                          <a:latin typeface="Cambria Math" panose="02040503050406030204" pitchFamily="18" charset="0"/>
-                          <a:ea typeface="メイリオ" panose="020B0604030504040204" pitchFamily="50" charset="-128"/>
-                        </a:rPr>
-                        <m:t>≤ </m:t>
-                      </m:r>
-                      <m:d>
-                        <m:dPr>
-                          <m:ctrlPr>
-                            <a:rPr kumimoji="1" lang="en-US" altLang="ja-JP" sz="2400" b="0" i="1" smtClean="0">
-                              <a:solidFill>
-                                <a:schemeClr val="tx1"/>
-                              </a:solidFill>
-                              <a:latin typeface="Cambria Math" panose="02040503050406030204" pitchFamily="18" charset="0"/>
-                              <a:ea typeface="メイリオ" panose="020B0604030504040204" pitchFamily="50" charset="-128"/>
-                            </a:rPr>
-                          </m:ctrlPr>
-                        </m:dPr>
-                        <m:e>
-                          <m:r>
-                            <a:rPr kumimoji="1" lang="en-US" altLang="ja-JP" sz="2400" b="0" i="1" smtClean="0">
-                              <a:solidFill>
-                                <a:schemeClr val="tx1"/>
-                              </a:solidFill>
-                              <a:latin typeface="Cambria Math" panose="02040503050406030204" pitchFamily="18" charset="0"/>
-                              <a:ea typeface="メイリオ" panose="020B0604030504040204" pitchFamily="50" charset="-128"/>
-                            </a:rPr>
-                            <m:t>𝛼</m:t>
-                          </m:r>
-                          <m:r>
-                            <a:rPr kumimoji="1" lang="en-US" altLang="ja-JP" sz="2400" b="0" i="1" smtClean="0">
-                              <a:solidFill>
-                                <a:schemeClr val="tx1"/>
-                              </a:solidFill>
-                              <a:latin typeface="Cambria Math" panose="02040503050406030204" pitchFamily="18" charset="0"/>
-                              <a:ea typeface="メイリオ" panose="020B0604030504040204" pitchFamily="50" charset="-128"/>
-                            </a:rPr>
-                            <m:t>+</m:t>
-                          </m:r>
-                          <m:r>
-                            <a:rPr kumimoji="1" lang="en-US" altLang="ja-JP" sz="2400" b="0" i="1" smtClean="0">
-                              <a:solidFill>
-                                <a:schemeClr val="tx1"/>
-                              </a:solidFill>
-                              <a:latin typeface="Cambria Math" panose="02040503050406030204" pitchFamily="18" charset="0"/>
-                              <a:ea typeface="メイリオ" panose="020B0604030504040204" pitchFamily="50" charset="-128"/>
-                            </a:rPr>
-                            <m:t>𝜀</m:t>
-                          </m:r>
-                        </m:e>
-                      </m:d>
-                      <m:r>
-                        <a:rPr kumimoji="1" lang="en-US" altLang="ja-JP" sz="2400" b="0" i="1" smtClean="0">
-                          <a:solidFill>
-                            <a:schemeClr val="tx1"/>
-                          </a:solidFill>
-                          <a:latin typeface="Cambria Math" panose="02040503050406030204" pitchFamily="18" charset="0"/>
-                          <a:ea typeface="メイリオ" panose="020B0604030504040204" pitchFamily="50" charset="-128"/>
-                        </a:rPr>
-                        <m:t>𝑛</m:t>
-                      </m:r>
-                    </m:oMath>
-                  </m:oMathPara>
-                </a14:m>
-                <a:endParaRPr kumimoji="1" lang="ja-JP" altLang="en-US" sz="2400" dirty="0">
-                  <a:solidFill>
-                    <a:schemeClr val="tx1"/>
-                  </a:solidFill>
-                  <a:latin typeface="メイリオ" panose="020B0604030504040204" pitchFamily="50" charset="-128"/>
-                  <a:ea typeface="メイリオ" panose="020B0604030504040204" pitchFamily="50" charset="-128"/>
-                </a:endParaRPr>
-              </a:p>
-            </p:txBody>
-          </p:sp>
-        </mc:Choice>
-        <mc:Fallback xmlns="">
-          <p:sp>
-            <p:nvSpPr>
-              <p:cNvPr id="63" name="テキスト ボックス 62">
-                <a:extLst>
-                  <a:ext uri="{FF2B5EF4-FFF2-40B4-BE49-F238E27FC236}">
-                    <a16:creationId xmlns:a16="http://schemas.microsoft.com/office/drawing/2014/main" id="{1830D9AD-A1A0-40F9-B5D7-BDF694FB4133}"/>
-                  </a:ext>
-                </a:extLst>
-              </p:cNvPr>
-              <p:cNvSpPr txBox="1">
-                <a:spLocks noRot="1" noChangeAspect="1" noMove="1" noResize="1" noEditPoints="1" noAdjustHandles="1" noChangeArrowheads="1" noChangeShapeType="1" noTextEdit="1"/>
-              </p:cNvSpPr>
-              <p:nvPr/>
-            </p:nvSpPr>
-            <p:spPr>
-              <a:xfrm>
-                <a:off x="6351898" y="6186314"/>
-                <a:ext cx="2975066" cy="461665"/>
-              </a:xfrm>
-              <a:prstGeom prst="rect">
-                <a:avLst/>
-              </a:prstGeom>
-              <a:blipFill>
-                <a:blip r:embed="rId7"/>
-                <a:stretch>
-                  <a:fillRect/>
-                </a:stretch>
-              </a:blipFill>
-            </p:spPr>
-            <p:txBody>
-              <a:bodyPr/>
-              <a:lstStyle/>
-              <a:p>
-                <a:r>
-                  <a:rPr lang="ja-JP" altLang="en-US">
-                    <a:noFill/>
-                  </a:rPr>
-                  <a:t> </a:t>
-                </a:r>
-              </a:p>
-            </p:txBody>
-          </p:sp>
-        </mc:Fallback>
-      </mc:AlternateContent>
-      <mc:AlternateContent xmlns:mc="http://schemas.openxmlformats.org/markup-compatibility/2006" xmlns:a14="http://schemas.microsoft.com/office/drawing/2010/main">
-        <mc:Choice Requires="a14">
-          <p:sp>
-            <p:nvSpPr>
-              <p:cNvPr id="64" name="楕円 63">
-                <a:extLst>
-                  <a:ext uri="{FF2B5EF4-FFF2-40B4-BE49-F238E27FC236}">
-                    <a16:creationId xmlns:a16="http://schemas.microsoft.com/office/drawing/2014/main" id="{B511C50F-E437-4446-94B6-7BF84615B80B}"/>
-                  </a:ext>
-                </a:extLst>
-              </p:cNvPr>
-              <p:cNvSpPr/>
-              <p:nvPr/>
-            </p:nvSpPr>
-            <p:spPr>
-              <a:xfrm>
-                <a:off x="343735" y="5397232"/>
-                <a:ext cx="360000" cy="360000"/>
-              </a:xfrm>
-              <a:prstGeom prst="ellipse">
-                <a:avLst/>
-              </a:prstGeom>
-              <a:ln w="28575">
-                <a:solidFill>
-                  <a:srgbClr val="00B0F0"/>
-                </a:solidFill>
-              </a:ln>
-            </p:spPr>
-            <p:style>
-              <a:lnRef idx="1">
-                <a:schemeClr val="accent1"/>
-              </a:lnRef>
-              <a:fillRef idx="0">
-                <a:schemeClr val="accent1"/>
-              </a:fillRef>
-              <a:effectRef idx="0">
-                <a:schemeClr val="accent1"/>
-              </a:effectRef>
-              <a:fontRef idx="minor">
-                <a:schemeClr val="tx1"/>
-              </a:fontRef>
-            </p:style>
-            <p:txBody>
-              <a:bodyPr rtlCol="0" anchor="ctr"/>
-              <a:lstStyle/>
-              <a:p>
-                <a:pPr algn="ctr"/>
-                <a14:m>
-                  <m:oMathPara xmlns:m="http://schemas.openxmlformats.org/officeDocument/2006/math">
-                    <m:oMathParaPr>
-                      <m:jc m:val="centerGroup"/>
-                    </m:oMathParaPr>
-                    <m:oMath xmlns:m="http://schemas.openxmlformats.org/officeDocument/2006/math">
-                      <m:r>
-                        <a:rPr kumimoji="1" lang="en-US" altLang="ja-JP" b="0" i="1" smtClean="0">
-                          <a:latin typeface="Cambria Math" panose="02040503050406030204" pitchFamily="18" charset="0"/>
-                        </a:rPr>
-                        <m:t>𝑠</m:t>
-                      </m:r>
-                    </m:oMath>
-                  </m:oMathPara>
-                </a14:m>
-                <a:endParaRPr kumimoji="1" lang="ja-JP" altLang="en-US" dirty="0"/>
-              </a:p>
-            </p:txBody>
-          </p:sp>
-        </mc:Choice>
-        <mc:Fallback xmlns="">
-          <p:sp>
-            <p:nvSpPr>
-              <p:cNvPr id="64" name="楕円 63">
-                <a:extLst>
-                  <a:ext uri="{FF2B5EF4-FFF2-40B4-BE49-F238E27FC236}">
-                    <a16:creationId xmlns:a16="http://schemas.microsoft.com/office/drawing/2014/main" id="{B511C50F-E437-4446-94B6-7BF84615B80B}"/>
-                  </a:ext>
-                </a:extLst>
-              </p:cNvPr>
-              <p:cNvSpPr>
-                <a:spLocks noRot="1" noChangeAspect="1" noMove="1" noResize="1" noEditPoints="1" noAdjustHandles="1" noChangeArrowheads="1" noChangeShapeType="1" noTextEdit="1"/>
-              </p:cNvSpPr>
-              <p:nvPr/>
-            </p:nvSpPr>
-            <p:spPr>
-              <a:xfrm>
-                <a:off x="343735" y="5397232"/>
-                <a:ext cx="360000" cy="360000"/>
-              </a:xfrm>
-              <a:prstGeom prst="ellipse">
-                <a:avLst/>
-              </a:prstGeom>
-              <a:blipFill>
-                <a:blip r:embed="rId8"/>
-                <a:stretch>
-                  <a:fillRect/>
-                </a:stretch>
-              </a:blipFill>
-              <a:ln w="28575">
-                <a:solidFill>
-                  <a:srgbClr val="00B0F0"/>
-                </a:solidFill>
-              </a:ln>
-            </p:spPr>
-            <p:txBody>
-              <a:bodyPr/>
-              <a:lstStyle/>
-              <a:p>
-                <a:r>
-                  <a:rPr lang="ja-JP" altLang="en-US">
-                    <a:noFill/>
-                  </a:rPr>
-                  <a:t> </a:t>
-                </a:r>
-              </a:p>
-            </p:txBody>
-          </p:sp>
-        </mc:Fallback>
-      </mc:AlternateContent>
-      <p:sp>
-        <p:nvSpPr>
-          <p:cNvPr id="31" name="フリーフォーム: 図形 30">
-            <a:extLst>
-              <a:ext uri="{FF2B5EF4-FFF2-40B4-BE49-F238E27FC236}">
-                <a16:creationId xmlns:a16="http://schemas.microsoft.com/office/drawing/2014/main" id="{DFA25068-754F-4C03-8112-AE463DDE672D}"/>
-              </a:ext>
-            </a:extLst>
-          </p:cNvPr>
-          <p:cNvSpPr/>
-          <p:nvPr/>
-        </p:nvSpPr>
-        <p:spPr>
-          <a:xfrm rot="20590525">
-            <a:off x="1773873" y="4369455"/>
-            <a:ext cx="2205342" cy="1973796"/>
-          </a:xfrm>
-          <a:custGeom>
-            <a:avLst/>
-            <a:gdLst>
-              <a:gd name="connsiteX0" fmla="*/ 588453 w 2205342"/>
-              <a:gd name="connsiteY0" fmla="*/ 12960 h 1973796"/>
-              <a:gd name="connsiteX1" fmla="*/ 2185431 w 2205342"/>
-              <a:gd name="connsiteY1" fmla="*/ 1476972 h 1973796"/>
-              <a:gd name="connsiteX2" fmla="*/ 44815 w 2205342"/>
-              <a:gd name="connsiteY2" fmla="*/ 1810789 h 1973796"/>
-              <a:gd name="connsiteX3" fmla="*/ 0 w 2205342"/>
-              <a:gd name="connsiteY3" fmla="*/ 1796041 h 1973796"/>
-              <a:gd name="connsiteX4" fmla="*/ 0 w 2205342"/>
-              <a:gd name="connsiteY4" fmla="*/ 1223439 h 1973796"/>
-              <a:gd name="connsiteX5" fmla="*/ 541510 w 2205342"/>
-              <a:gd name="connsiteY5" fmla="*/ 1 h 1973796"/>
-              <a:gd name="connsiteX6" fmla="*/ 541509 w 2205342"/>
-              <a:gd name="connsiteY6" fmla="*/ 0 h 1973796"/>
-              <a:gd name="connsiteX7" fmla="*/ 541509 w 2205342"/>
-              <a:gd name="connsiteY7" fmla="*/ 0 h 1973796"/>
-              <a:gd name="connsiteX8" fmla="*/ 588453 w 2205342"/>
-              <a:gd name="connsiteY8" fmla="*/ 12960 h 1973796"/>
-            </a:gdLst>
-            <a:ahLst/>
-            <a:cxnLst>
-              <a:cxn ang="0">
-                <a:pos x="connsiteX0" y="connsiteY0"/>
-              </a:cxn>
-              <a:cxn ang="0">
-                <a:pos x="connsiteX1" y="connsiteY1"/>
-              </a:cxn>
-              <a:cxn ang="0">
-                <a:pos x="connsiteX2" y="connsiteY2"/>
-              </a:cxn>
-              <a:cxn ang="0">
-                <a:pos x="connsiteX3" y="connsiteY3"/>
-              </a:cxn>
-              <a:cxn ang="0">
-                <a:pos x="connsiteX4" y="connsiteY4"/>
-              </a:cxn>
-              <a:cxn ang="0">
-                <a:pos x="connsiteX5" y="connsiteY5"/>
-              </a:cxn>
-              <a:cxn ang="0">
-                <a:pos x="connsiteX6" y="connsiteY6"/>
-              </a:cxn>
-              <a:cxn ang="0">
-                <a:pos x="connsiteX7" y="connsiteY7"/>
-              </a:cxn>
-              <a:cxn ang="0">
-                <a:pos x="connsiteX8" y="connsiteY8"/>
-              </a:cxn>
-            </a:cxnLst>
-            <a:rect l="l" t="t" r="r" b="b"/>
-            <a:pathLst>
-              <a:path w="2205342" h="1973796">
-                <a:moveTo>
-                  <a:pt x="588453" y="12960"/>
-                </a:moveTo>
-                <a:cubicBezTo>
-                  <a:pt x="1620561" y="325055"/>
-                  <a:pt x="2335552" y="980515"/>
-                  <a:pt x="2185431" y="1476972"/>
-                </a:cubicBezTo>
-                <a:cubicBezTo>
-                  <a:pt x="2035309" y="1973429"/>
-                  <a:pt x="1076923" y="2122884"/>
-                  <a:pt x="44815" y="1810789"/>
-                </a:cubicBezTo>
-                <a:lnTo>
-                  <a:pt x="0" y="1796041"/>
-                </a:lnTo>
-                <a:lnTo>
-                  <a:pt x="0" y="1223439"/>
-                </a:lnTo>
-                <a:lnTo>
-                  <a:pt x="541510" y="1"/>
-                </a:lnTo>
-                <a:lnTo>
-                  <a:pt x="541509" y="0"/>
-                </a:lnTo>
-                <a:lnTo>
-                  <a:pt x="541509" y="0"/>
-                </a:lnTo>
-                <a:lnTo>
-                  <a:pt x="588453" y="12960"/>
-                </a:lnTo>
-                <a:close/>
-              </a:path>
-            </a:pathLst>
-          </a:custGeom>
-          <a:ln w="28575">
-            <a:solidFill>
-              <a:schemeClr val="tx1"/>
-            </a:solidFill>
-          </a:ln>
-        </p:spPr>
-        <p:style>
-          <a:lnRef idx="1">
-            <a:schemeClr val="accent1"/>
-          </a:lnRef>
-          <a:fillRef idx="0">
-            <a:schemeClr val="accent1"/>
-          </a:fillRef>
-          <a:effectRef idx="0">
-            <a:schemeClr val="accent1"/>
-          </a:effectRef>
-          <a:fontRef idx="minor">
-            <a:schemeClr val="tx1"/>
-          </a:fontRef>
-        </p:style>
-        <p:txBody>
-          <a:bodyPr rtlCol="0" anchor="ctr"/>
-          <a:lstStyle/>
-          <a:p>
-            <a:pPr algn="ctr"/>
-            <a:endParaRPr kumimoji="1" lang="ja-JP" altLang="en-US" dirty="0"/>
-          </a:p>
-        </p:txBody>
-      </p:sp>
-      <p:cxnSp>
-        <p:nvCxnSpPr>
-          <p:cNvPr id="6" name="直線コネクタ 5">
-            <a:extLst>
-              <a:ext uri="{FF2B5EF4-FFF2-40B4-BE49-F238E27FC236}">
-                <a16:creationId xmlns:a16="http://schemas.microsoft.com/office/drawing/2014/main" id="{BB314CF0-5893-4731-84E5-21A560F2AECB}"/>
-              </a:ext>
-            </a:extLst>
-          </p:cNvPr>
-          <p:cNvCxnSpPr>
-            <a:cxnSpLocks/>
-          </p:cNvCxnSpPr>
-          <p:nvPr/>
-        </p:nvCxnSpPr>
-        <p:spPr>
-          <a:xfrm flipH="1">
-            <a:off x="1758493" y="4223010"/>
-            <a:ext cx="333632" cy="2681416"/>
-          </a:xfrm>
-          <a:prstGeom prst="line">
-            <a:avLst/>
-          </a:prstGeom>
-          <a:ln w="38100">
-            <a:solidFill>
-              <a:srgbClr val="00B0F0"/>
-            </a:solidFill>
-          </a:ln>
-        </p:spPr>
-        <p:style>
-          <a:lnRef idx="1">
-            <a:schemeClr val="dk1"/>
-          </a:lnRef>
-          <a:fillRef idx="0">
-            <a:schemeClr val="dk1"/>
-          </a:fillRef>
-          <a:effectRef idx="0">
-            <a:schemeClr val="dk1"/>
-          </a:effectRef>
-          <a:fontRef idx="minor">
-            <a:schemeClr val="tx1"/>
-          </a:fontRef>
-        </p:style>
-      </p:cxnSp>
-      <p:cxnSp>
-        <p:nvCxnSpPr>
-          <p:cNvPr id="5" name="直線コネクタ 4">
-            <a:extLst>
-              <a:ext uri="{FF2B5EF4-FFF2-40B4-BE49-F238E27FC236}">
-                <a16:creationId xmlns:a16="http://schemas.microsoft.com/office/drawing/2014/main" id="{C391E217-E612-4C34-B99C-BA566A3A890D}"/>
-              </a:ext>
-            </a:extLst>
-          </p:cNvPr>
-          <p:cNvCxnSpPr>
-            <a:cxnSpLocks/>
-          </p:cNvCxnSpPr>
-          <p:nvPr/>
-        </p:nvCxnSpPr>
-        <p:spPr>
-          <a:xfrm>
-            <a:off x="1378522" y="4204475"/>
-            <a:ext cx="803189" cy="2718486"/>
-          </a:xfrm>
-          <a:prstGeom prst="line">
-            <a:avLst/>
-          </a:prstGeom>
-          <a:ln w="38100" cmpd="sng">
-            <a:solidFill>
-              <a:srgbClr val="00B0F0"/>
-            </a:solidFill>
-          </a:ln>
-        </p:spPr>
-        <p:style>
-          <a:lnRef idx="1">
-            <a:schemeClr val="dk1"/>
-          </a:lnRef>
-          <a:fillRef idx="0">
-            <a:schemeClr val="dk1"/>
-          </a:fillRef>
-          <a:effectRef idx="0">
-            <a:schemeClr val="dk1"/>
-          </a:effectRef>
-          <a:fontRef idx="minor">
-            <a:schemeClr val="tx1"/>
-          </a:fontRef>
-        </p:style>
-      </p:cxnSp>
-      <mc:AlternateContent xmlns:mc="http://schemas.openxmlformats.org/markup-compatibility/2006" xmlns:a14="http://schemas.microsoft.com/office/drawing/2010/main">
-        <mc:Choice Requires="a14">
-          <p:sp>
-            <p:nvSpPr>
-              <p:cNvPr id="34" name="楕円 33">
-                <a:extLst>
-                  <a:ext uri="{FF2B5EF4-FFF2-40B4-BE49-F238E27FC236}">
-                    <a16:creationId xmlns:a16="http://schemas.microsoft.com/office/drawing/2014/main" id="{FB096E18-6A28-4335-BC1B-1DE039BDDF61}"/>
-                  </a:ext>
-                </a:extLst>
-              </p:cNvPr>
-              <p:cNvSpPr/>
-              <p:nvPr/>
-            </p:nvSpPr>
-            <p:spPr>
-              <a:xfrm>
-                <a:off x="3380233" y="5397232"/>
-                <a:ext cx="360000" cy="360000"/>
-              </a:xfrm>
-              <a:prstGeom prst="ellipse">
-                <a:avLst/>
-              </a:prstGeom>
-              <a:ln w="28575">
-                <a:solidFill>
-                  <a:srgbClr val="00B0F0"/>
-                </a:solidFill>
-              </a:ln>
-            </p:spPr>
-            <p:style>
-              <a:lnRef idx="1">
-                <a:schemeClr val="accent1"/>
-              </a:lnRef>
-              <a:fillRef idx="0">
-                <a:schemeClr val="accent1"/>
-              </a:fillRef>
-              <a:effectRef idx="0">
-                <a:schemeClr val="accent1"/>
-              </a:effectRef>
-              <a:fontRef idx="minor">
-                <a:schemeClr val="tx1"/>
-              </a:fontRef>
-            </p:style>
-            <p:txBody>
-              <a:bodyPr rtlCol="0" anchor="ctr"/>
-              <a:lstStyle/>
-              <a:p>
-                <a:pPr algn="ctr"/>
-                <a14:m>
-                  <m:oMathPara xmlns:m="http://schemas.openxmlformats.org/officeDocument/2006/math">
-                    <m:oMathParaPr>
-                      <m:jc m:val="centerGroup"/>
-                    </m:oMathParaPr>
-                    <m:oMath xmlns:m="http://schemas.openxmlformats.org/officeDocument/2006/math">
-                      <m:r>
-                        <a:rPr kumimoji="1" lang="en-US" altLang="ja-JP" b="0" i="1" smtClean="0">
-                          <a:latin typeface="Cambria Math" panose="02040503050406030204" pitchFamily="18" charset="0"/>
-                        </a:rPr>
-                        <m:t>𝑡</m:t>
-                      </m:r>
-                    </m:oMath>
-                  </m:oMathPara>
-                </a14:m>
-                <a:endParaRPr kumimoji="1" lang="ja-JP" altLang="en-US" dirty="0"/>
-              </a:p>
-            </p:txBody>
-          </p:sp>
-        </mc:Choice>
-        <mc:Fallback xmlns="">
-          <p:sp>
-            <p:nvSpPr>
-              <p:cNvPr id="34" name="楕円 33">
-                <a:extLst>
-                  <a:ext uri="{FF2B5EF4-FFF2-40B4-BE49-F238E27FC236}">
-                    <a16:creationId xmlns:a16="http://schemas.microsoft.com/office/drawing/2014/main" id="{FB096E18-6A28-4335-BC1B-1DE039BDDF61}"/>
-                  </a:ext>
-                </a:extLst>
-              </p:cNvPr>
-              <p:cNvSpPr>
-                <a:spLocks noRot="1" noChangeAspect="1" noMove="1" noResize="1" noEditPoints="1" noAdjustHandles="1" noChangeArrowheads="1" noChangeShapeType="1" noTextEdit="1"/>
-              </p:cNvSpPr>
-              <p:nvPr/>
-            </p:nvSpPr>
-            <p:spPr>
-              <a:xfrm>
-                <a:off x="3380233" y="5397232"/>
-                <a:ext cx="360000" cy="360000"/>
-              </a:xfrm>
-              <a:prstGeom prst="ellipse">
-                <a:avLst/>
-              </a:prstGeom>
-              <a:blipFill>
-                <a:blip r:embed="rId9"/>
-                <a:stretch>
-                  <a:fillRect/>
-                </a:stretch>
-              </a:blipFill>
-              <a:ln w="28575">
-                <a:solidFill>
-                  <a:srgbClr val="00B0F0"/>
-                </a:solidFill>
-              </a:ln>
-            </p:spPr>
-            <p:txBody>
-              <a:bodyPr/>
-              <a:lstStyle/>
-              <a:p>
-                <a:r>
-                  <a:rPr lang="ja-JP" altLang="en-US">
-                    <a:noFill/>
-                  </a:rPr>
-                  <a:t> </a:t>
-                </a:r>
-              </a:p>
-            </p:txBody>
-          </p:sp>
-        </mc:Fallback>
-      </mc:AlternateContent>
-    </p:spTree>
-    <p:extLst>
-      <p:ext uri="{BB962C8B-B14F-4D97-AF65-F5344CB8AC3E}">
-        <p14:creationId xmlns:p14="http://schemas.microsoft.com/office/powerpoint/2010/main" val="3885132495"/>
-      </p:ext>
-    </p:extLst>
-  </p:cSld>
-  <p:clrMapOvr>
-    <a:masterClrMapping/>
-  </p:clrMapOvr>
-</p:sld>
-</file>
-
 <file path=ppt/slides/slide13.xml><?xml version="1.0" encoding="utf-8"?>
 <p:sld xmlns:a="http://schemas.openxmlformats.org/drawingml/2006/main" xmlns:r="http://schemas.openxmlformats.org/officeDocument/2006/relationships" xmlns:p="http://schemas.openxmlformats.org/presentationml/2006/main">
   <p:cSld>
@@ -10705,7 +11102,7 @@
               <a:p>
                 <a:r>
                   <a:rPr lang="ja-JP" altLang="en-US" dirty="0"/>
-                  <a:t>アルゴリズムのメインパート</a:t>
+                  <a:t>アルゴリズムの構成要素</a:t>
                 </a:r>
                 <a:endParaRPr lang="en-US" altLang="ja-JP" dirty="0"/>
               </a:p>
@@ -10747,13 +11144,7 @@
                       <a:rPr lang="ja-JP" altLang="en-US" i="1" dirty="0">
                         <a:latin typeface="Cambria Math" panose="02040503050406030204" pitchFamily="18" charset="0"/>
                       </a:rPr>
-                      <m:t>点素</m:t>
-                    </m:r>
-                    <m:r>
-                      <a:rPr lang="ja-JP" altLang="en-US" i="1" dirty="0">
-                        <a:latin typeface="Cambria Math" panose="02040503050406030204" pitchFamily="18" charset="0"/>
-                      </a:rPr>
-                      <m:t>パス</m:t>
+                      <m:t>点素パス</m:t>
                     </m:r>
                   </m:oMath>
                 </a14:m>
@@ -10776,8 +11167,60 @@
                   <a:buAutoNum type="arabicPeriod"/>
                 </a:pPr>
                 <a:r>
+                  <a:rPr lang="ja-JP" altLang="en-US" dirty="0"/>
+                  <a:t> </a:t>
+                </a:r>
+                <a14:m>
+                  <m:oMath xmlns:m="http://schemas.openxmlformats.org/officeDocument/2006/math">
+                    <m:r>
+                      <a:rPr lang="en-US" altLang="ja-JP" i="1">
+                        <a:latin typeface="Cambria Math" panose="02040503050406030204" pitchFamily="18" charset="0"/>
+                      </a:rPr>
+                      <m:t>𝑠</m:t>
+                    </m:r>
+                  </m:oMath>
+                </a14:m>
+                <a:r>
+                  <a:rPr lang="en-US" altLang="ja-JP" dirty="0"/>
+                  <a:t>-</a:t>
+                </a:r>
+                <a14:m>
+                  <m:oMath xmlns:m="http://schemas.openxmlformats.org/officeDocument/2006/math">
+                    <m:r>
+                      <a:rPr lang="en-US" altLang="ja-JP" i="1" dirty="0">
+                        <a:latin typeface="Cambria Math" panose="02040503050406030204" pitchFamily="18" charset="0"/>
+                      </a:rPr>
+                      <m:t>𝑡</m:t>
+                    </m:r>
+                    <m:r>
+                      <a:rPr lang="ja-JP" altLang="en-US" i="1" dirty="0">
+                        <a:latin typeface="Cambria Math" panose="02040503050406030204" pitchFamily="18" charset="0"/>
+                      </a:rPr>
+                      <m:t>点素パス</m:t>
+                    </m:r>
+                    <m:r>
+                      <a:rPr lang="ja-JP" altLang="en-US" i="1" dirty="0">
+                        <a:latin typeface="Cambria Math" panose="02040503050406030204" pitchFamily="18" charset="0"/>
+                      </a:rPr>
+                      <m:t>か</m:t>
+                    </m:r>
+                    <m:r>
+                      <a:rPr kumimoji="1" lang="ja-JP" altLang="en-US" i="1" dirty="0">
+                        <a:latin typeface="Cambria Math" panose="02040503050406030204" pitchFamily="18" charset="0"/>
+                      </a:rPr>
+                      <m:t>らの</m:t>
+                    </m:r>
+                    <m:r>
+                      <a:rPr lang="ja-JP" altLang="en-US" i="1" dirty="0">
+                        <a:latin typeface="Cambria Math" panose="02040503050406030204" pitchFamily="18" charset="0"/>
+                      </a:rPr>
+                      <m:t>点</m:t>
+                    </m:r>
+                  </m:oMath>
+                </a14:m>
+                <a:r>
                   <a:rPr kumimoji="1" lang="ja-JP" altLang="en-US" dirty="0"/>
-                  <a:t>ノードカットの計算</a:t>
+                  <a:t>カット発見</a:t>
                 </a:r>
                 <a:endParaRPr kumimoji="1" lang="en-US" altLang="ja-JP" dirty="0"/>
               </a:p>
@@ -10795,7 +11238,7 @@
                 </a:pPr>
                 <a:r>
                   <a:rPr kumimoji="1" lang="ja-JP" altLang="en-US" dirty="0"/>
-                  <a:t>縮約</a:t>
+                  <a:t>縮約後のグラフのシミュレーション</a:t>
                 </a:r>
               </a:p>
             </p:txBody>
@@ -10929,7 +11372,7 @@
               <a:p>
                 <a:r>
                   <a:rPr lang="ja-JP" altLang="en-US" dirty="0"/>
-                  <a:t>アルゴリズムのメインパート</a:t>
+                  <a:t>アルゴリズムの構成要素</a:t>
                 </a:r>
                 <a:endParaRPr lang="en-US" altLang="ja-JP" dirty="0"/>
               </a:p>
@@ -10994,8 +11437,60 @@
                   <a:buAutoNum type="arabicPeriod"/>
                 </a:pPr>
                 <a:r>
+                  <a:rPr lang="ja-JP" altLang="en-US" dirty="0"/>
+                  <a:t> </a:t>
+                </a:r>
+                <a14:m>
+                  <m:oMath xmlns:m="http://schemas.openxmlformats.org/officeDocument/2006/math">
+                    <m:r>
+                      <a:rPr lang="en-US" altLang="ja-JP" i="1">
+                        <a:latin typeface="Cambria Math" panose="02040503050406030204" pitchFamily="18" charset="0"/>
+                      </a:rPr>
+                      <m:t>𝑠</m:t>
+                    </m:r>
+                  </m:oMath>
+                </a14:m>
+                <a:r>
+                  <a:rPr lang="en-US" altLang="ja-JP" dirty="0"/>
+                  <a:t>-</a:t>
+                </a:r>
+                <a14:m>
+                  <m:oMath xmlns:m="http://schemas.openxmlformats.org/officeDocument/2006/math">
+                    <m:r>
+                      <a:rPr lang="en-US" altLang="ja-JP" i="1" dirty="0">
+                        <a:latin typeface="Cambria Math" panose="02040503050406030204" pitchFamily="18" charset="0"/>
+                      </a:rPr>
+                      <m:t>𝑡</m:t>
+                    </m:r>
+                    <m:r>
+                      <a:rPr lang="ja-JP" altLang="en-US" i="1" dirty="0">
+                        <a:latin typeface="Cambria Math" panose="02040503050406030204" pitchFamily="18" charset="0"/>
+                      </a:rPr>
+                      <m:t>点素パス</m:t>
+                    </m:r>
+                    <m:r>
+                      <a:rPr lang="ja-JP" altLang="en-US" i="1" dirty="0">
+                        <a:latin typeface="Cambria Math" panose="02040503050406030204" pitchFamily="18" charset="0"/>
+                      </a:rPr>
+                      <m:t>か</m:t>
+                    </m:r>
+                    <m:r>
+                      <a:rPr kumimoji="1" lang="ja-JP" altLang="en-US" i="1" dirty="0">
+                        <a:latin typeface="Cambria Math" panose="02040503050406030204" pitchFamily="18" charset="0"/>
+                      </a:rPr>
+                      <m:t>らの</m:t>
+                    </m:r>
+                    <m:r>
+                      <a:rPr lang="ja-JP" altLang="en-US" i="1" dirty="0">
+                        <a:latin typeface="Cambria Math" panose="02040503050406030204" pitchFamily="18" charset="0"/>
+                      </a:rPr>
+                      <m:t>点</m:t>
+                    </m:r>
+                  </m:oMath>
+                </a14:m>
+                <a:r>
                   <a:rPr kumimoji="1" lang="ja-JP" altLang="en-US" dirty="0"/>
-                  <a:t>ノードカットの計算</a:t>
+                  <a:t>カット発見</a:t>
                 </a:r>
                 <a:endParaRPr kumimoji="1" lang="en-US" altLang="ja-JP" dirty="0"/>
               </a:p>
@@ -11013,7 +11508,7 @@
                 </a:pPr>
                 <a:r>
                   <a:rPr kumimoji="1" lang="ja-JP" altLang="en-US" dirty="0"/>
-                  <a:t>縮約</a:t>
+                  <a:t>縮約後のグラフのシミュレーション</a:t>
                 </a:r>
               </a:p>
             </p:txBody>
@@ -11061,10 +11556,10 @@
       </mc:AlternateContent>
       <p:cxnSp>
         <p:nvCxnSpPr>
-          <p:cNvPr id="5" name="直線矢印コネクタ 4">
-            <a:extLst>
-              <a:ext uri="{FF2B5EF4-FFF2-40B4-BE49-F238E27FC236}">
-                <a16:creationId xmlns:a16="http://schemas.microsoft.com/office/drawing/2014/main" id="{A54EF48F-8926-4EF8-891A-CEEF9E2D920C}"/>
+          <p:cNvPr id="4" name="直線矢印コネクタ 3">
+            <a:extLst>
+              <a:ext uri="{FF2B5EF4-FFF2-40B4-BE49-F238E27FC236}">
+                <a16:creationId xmlns:a16="http://schemas.microsoft.com/office/drawing/2014/main" id="{6BC2CE27-424E-42CF-A498-689C2C50ADA4}"/>
               </a:ext>
             </a:extLst>
           </p:cNvPr>
@@ -11075,57 +11570,13 @@
         </p:nvCxnSpPr>
         <p:spPr>
           <a:xfrm flipH="1" flipV="1">
-            <a:off x="4402319" y="2752627"/>
-            <a:ext cx="1998481" cy="1574276"/>
+            <a:off x="5753296" y="3129699"/>
+            <a:ext cx="1863564" cy="1979629"/>
           </a:xfrm>
           <a:prstGeom prst="straightConnector1">
             <a:avLst/>
           </a:prstGeom>
-          <a:ln>
-            <a:solidFill>
-              <a:srgbClr val="FF0000"/>
-            </a:solidFill>
-            <a:tailEnd type="triangle"/>
-          </a:ln>
-        </p:spPr>
-        <p:style>
-          <a:lnRef idx="1">
-            <a:schemeClr val="dk1"/>
-          </a:lnRef>
-          <a:fillRef idx="0">
-            <a:schemeClr val="dk1"/>
-          </a:fillRef>
-          <a:effectRef idx="0">
-            <a:schemeClr val="dk1"/>
-          </a:effectRef>
-          <a:fontRef idx="minor">
-            <a:schemeClr val="tx1"/>
-          </a:fontRef>
-        </p:style>
-      </p:cxnSp>
-      <p:cxnSp>
-        <p:nvCxnSpPr>
-          <p:cNvPr id="6" name="直線矢印コネクタ 5">
-            <a:extLst>
-              <a:ext uri="{FF2B5EF4-FFF2-40B4-BE49-F238E27FC236}">
-                <a16:creationId xmlns:a16="http://schemas.microsoft.com/office/drawing/2014/main" id="{B552EEB1-5055-40C3-AF90-30ABEC86F6A5}"/>
-              </a:ext>
-            </a:extLst>
-          </p:cNvPr>
-          <p:cNvCxnSpPr>
-            <a:cxnSpLocks/>
-          </p:cNvCxnSpPr>
-          <p:nvPr/>
-        </p:nvCxnSpPr>
-        <p:spPr>
-          <a:xfrm flipH="1">
-            <a:off x="2662339" y="4581428"/>
-            <a:ext cx="1739980" cy="1"/>
-          </a:xfrm>
-          <a:prstGeom prst="straightConnector1">
-            <a:avLst/>
-          </a:prstGeom>
-          <a:ln>
+          <a:ln w="25400">
             <a:solidFill>
               <a:srgbClr val="FF0000"/>
             </a:solidFill>
@@ -11151,10 +11602,10 @@
         <mc:Choice xmlns:a14="http://schemas.microsoft.com/office/drawing/2010/main" Requires="a14">
           <p:sp>
             <p:nvSpPr>
-              <p:cNvPr id="16" name="テキスト ボックス 15">
+              <p:cNvPr id="5" name="テキスト ボックス 4">
                 <a:extLst>
                   <a:ext uri="{FF2B5EF4-FFF2-40B4-BE49-F238E27FC236}">
-                    <a16:creationId xmlns:a16="http://schemas.microsoft.com/office/drawing/2014/main" id="{3EFC12D4-A624-4768-B097-1464A56FCBFB}"/>
+                    <a16:creationId xmlns:a16="http://schemas.microsoft.com/office/drawing/2014/main" id="{513063F0-5BD6-41E5-B165-C16C5B5E4C50}"/>
                   </a:ext>
                 </a:extLst>
               </p:cNvPr>
@@ -11163,8 +11614,8 @@
             </p:nvSpPr>
             <p:spPr>
               <a:xfrm>
-                <a:off x="4572000" y="4364437"/>
-                <a:ext cx="4496586" cy="1225335"/>
+                <a:off x="4487159" y="5240607"/>
+                <a:ext cx="4656841" cy="1252266"/>
               </a:xfrm>
               <a:prstGeom prst="rect">
                 <a:avLst/>
@@ -11177,7 +11628,6 @@
               </a:bodyPr>
               <a:lstStyle/>
               <a:p>
-                <a:pPr algn="l"/>
                 <a:r>
                   <a:rPr lang="ja-JP" altLang="en-US" sz="2400" dirty="0">
                     <a:latin typeface="メイリオ" panose="020B0604030504040204" pitchFamily="50" charset="-128"/>
@@ -11191,7 +11641,6 @@
                 </a:endParaRPr>
               </a:p>
               <a:p>
-                <a:pPr algn="l"/>
                 <a:r>
                   <a:rPr lang="ja-JP" altLang="en-US" sz="2400" dirty="0">
                     <a:latin typeface="メイリオ" panose="020B0604030504040204" pitchFamily="50" charset="-128"/>
@@ -11205,14 +11654,13 @@
                 </a:endParaRPr>
               </a:p>
               <a:p>
-                <a:pPr algn="l"/>
                 <a14:m>
                   <m:oMath xmlns:m="http://schemas.openxmlformats.org/officeDocument/2006/math">
                     <m:acc>
                       <m:accPr>
                         <m:chr m:val="̃"/>
                         <m:ctrlPr>
-                          <a:rPr kumimoji="1" lang="en-US" altLang="ja-JP" sz="2400" b="0" i="1" smtClean="0">
+                          <a:rPr lang="en-US" altLang="ja-JP" sz="2400" i="1">
                             <a:latin typeface="Cambria Math" panose="02040503050406030204" pitchFamily="18" charset="0"/>
                             <a:ea typeface="メイリオ" panose="020B0604030504040204" pitchFamily="50" charset="-128"/>
                           </a:rPr>
@@ -11220,7 +11668,7 @@
                       </m:accPr>
                       <m:e>
                         <m:r>
-                          <a:rPr kumimoji="1" lang="en-US" altLang="ja-JP" sz="2400" b="0" i="1" smtClean="0">
+                          <a:rPr lang="en-US" altLang="ja-JP" sz="2400" i="1">
                             <a:latin typeface="Cambria Math" panose="02040503050406030204" pitchFamily="18" charset="0"/>
                             <a:ea typeface="メイリオ" panose="020B0604030504040204" pitchFamily="50" charset="-128"/>
                           </a:rPr>
@@ -11229,7 +11677,7 @@
                       </m:e>
                     </m:acc>
                     <m:r>
-                      <a:rPr lang="en-US" altLang="ja-JP" sz="2400" b="0" i="1" dirty="0" smtClean="0">
+                      <a:rPr lang="en-US" altLang="ja-JP" sz="2400" i="1" dirty="0">
                         <a:latin typeface="Cambria Math" panose="02040503050406030204" pitchFamily="18" charset="0"/>
                         <a:ea typeface="メイリオ" panose="020B0604030504040204" pitchFamily="50" charset="-128"/>
                       </a:rPr>
@@ -11238,7 +11686,7 @@
                     <m:sSup>
                       <m:sSupPr>
                         <m:ctrlPr>
-                          <a:rPr lang="en-US" altLang="ja-JP" sz="2400" b="0" i="1" dirty="0" smtClean="0">
+                          <a:rPr lang="en-US" altLang="ja-JP" sz="2400" i="1" dirty="0">
                             <a:latin typeface="Cambria Math" panose="02040503050406030204" pitchFamily="18" charset="0"/>
                             <a:ea typeface="メイリオ" panose="020B0604030504040204" pitchFamily="50" charset="-128"/>
                           </a:rPr>
@@ -11246,7 +11694,7 @@
                       </m:sSupPr>
                       <m:e>
                         <m:r>
-                          <a:rPr lang="en-US" altLang="ja-JP" sz="2400" b="0" i="1" dirty="0" smtClean="0">
+                          <a:rPr lang="en-US" altLang="ja-JP" sz="2400" i="1" dirty="0">
                             <a:latin typeface="Cambria Math" panose="02040503050406030204" pitchFamily="18" charset="0"/>
                             <a:ea typeface="メイリオ" panose="020B0604030504040204" pitchFamily="50" charset="-128"/>
                           </a:rPr>
@@ -11255,7 +11703,7 @@
                       </m:e>
                       <m:sup>
                         <m:r>
-                          <a:rPr lang="en-US" altLang="ja-JP" sz="2400" b="0" i="1" dirty="0" smtClean="0">
+                          <a:rPr lang="en-US" altLang="ja-JP" sz="2400" i="1" dirty="0">
                             <a:latin typeface="Cambria Math" panose="02040503050406030204" pitchFamily="18" charset="0"/>
                             <a:ea typeface="メイリオ" panose="020B0604030504040204" pitchFamily="50" charset="-128"/>
                           </a:rPr>
@@ -11264,7 +11712,7 @@
                         <m:d>
                           <m:dPr>
                             <m:ctrlPr>
-                              <a:rPr lang="en-US" altLang="ja-JP" sz="2400" b="0" i="1" dirty="0" smtClean="0">
+                              <a:rPr lang="en-US" altLang="ja-JP" sz="2400" i="1" dirty="0">
                                 <a:latin typeface="Cambria Math" panose="02040503050406030204" pitchFamily="18" charset="0"/>
                                 <a:ea typeface="メイリオ" panose="020B0604030504040204" pitchFamily="50" charset="-128"/>
                               </a:rPr>
@@ -11272,7 +11720,7 @@
                           </m:dPr>
                           <m:e>
                             <m:r>
-                              <a:rPr lang="en-US" altLang="ja-JP" sz="2400" b="0" i="1" dirty="0" smtClean="0">
+                              <a:rPr lang="en-US" altLang="ja-JP" sz="2400" i="1" dirty="0">
                                 <a:latin typeface="Cambria Math" panose="02040503050406030204" pitchFamily="18" charset="0"/>
                                 <a:ea typeface="メイリオ" panose="020B0604030504040204" pitchFamily="50" charset="-128"/>
                               </a:rPr>
@@ -11283,7 +11731,7 @@
                       </m:sup>
                     </m:sSup>
                     <m:r>
-                      <a:rPr lang="en-US" altLang="ja-JP" sz="2400" b="0" i="1" dirty="0" smtClean="0">
+                      <a:rPr lang="en-US" altLang="ja-JP" sz="2400" i="1" dirty="0">
                         <a:latin typeface="Cambria Math" panose="02040503050406030204" pitchFamily="18" charset="0"/>
                         <a:ea typeface="メイリオ" panose="020B0604030504040204" pitchFamily="50" charset="-128"/>
                       </a:rPr>
@@ -11293,7 +11741,7 @@
                       <m:radPr>
                         <m:degHide m:val="on"/>
                         <m:ctrlPr>
-                          <a:rPr lang="en-US" altLang="ja-JP" sz="2400" b="0" i="1" dirty="0" smtClean="0">
+                          <a:rPr lang="en-US" altLang="ja-JP" sz="2400" i="1" dirty="0">
                             <a:latin typeface="Cambria Math" panose="02040503050406030204" pitchFamily="18" charset="0"/>
                             <a:ea typeface="メイリオ" panose="020B0604030504040204" pitchFamily="50" charset="-128"/>
                           </a:rPr>
@@ -11302,7 +11750,7 @@
                       <m:deg/>
                       <m:e>
                         <m:r>
-                          <a:rPr lang="en-US" altLang="ja-JP" sz="2400" b="0" i="1" dirty="0" smtClean="0">
+                          <a:rPr lang="en-US" altLang="ja-JP" sz="2400" i="1" dirty="0">
                             <a:latin typeface="Cambria Math" panose="02040503050406030204" pitchFamily="18" charset="0"/>
                             <a:ea typeface="メイリオ" panose="020B0604030504040204" pitchFamily="50" charset="-128"/>
                           </a:rPr>
@@ -11311,21 +11759,21 @@
                       </m:e>
                     </m:rad>
                     <m:r>
-                      <a:rPr lang="en-US" altLang="ja-JP" sz="2400" b="0" i="1" dirty="0" smtClean="0">
+                      <a:rPr lang="en-US" altLang="ja-JP" sz="2400" i="1" dirty="0">
                         <a:latin typeface="Cambria Math" panose="02040503050406030204" pitchFamily="18" charset="0"/>
                         <a:ea typeface="メイリオ" panose="020B0604030504040204" pitchFamily="50" charset="-128"/>
                       </a:rPr>
                       <m:t>+</m:t>
                     </m:r>
                     <m:r>
-                      <a:rPr lang="en-US" altLang="ja-JP" sz="2400" b="0" i="1" dirty="0" smtClean="0">
+                      <a:rPr lang="en-US" altLang="ja-JP" sz="2400" i="1" dirty="0">
                         <a:latin typeface="Cambria Math" panose="02040503050406030204" pitchFamily="18" charset="0"/>
                         <a:ea typeface="メイリオ" panose="020B0604030504040204" pitchFamily="50" charset="-128"/>
                       </a:rPr>
                       <m:t>𝐷</m:t>
                     </m:r>
                     <m:r>
-                      <a:rPr lang="en-US" altLang="ja-JP" sz="2400" b="0" i="1" dirty="0" smtClean="0">
+                      <a:rPr lang="en-US" altLang="ja-JP" sz="2400" i="1" dirty="0">
                         <a:latin typeface="Cambria Math" panose="02040503050406030204" pitchFamily="18" charset="0"/>
                         <a:ea typeface="メイリオ" panose="020B0604030504040204" pitchFamily="50" charset="-128"/>
                       </a:rPr>
@@ -11334,7 +11782,7 @@
                   </m:oMath>
                 </a14:m>
                 <a:r>
-                  <a:rPr kumimoji="1" lang="ja-JP" altLang="en-US" sz="2400" dirty="0">
+                  <a:rPr lang="ja-JP" altLang="en-US" sz="2400" dirty="0">
                     <a:latin typeface="メイリオ" panose="020B0604030504040204" pitchFamily="50" charset="-128"/>
                     <a:ea typeface="メイリオ" panose="020B0604030504040204" pitchFamily="50" charset="-128"/>
                   </a:rPr>
@@ -11347,10 +11795,10 @@
         <mc:Fallback>
           <p:sp>
             <p:nvSpPr>
-              <p:cNvPr id="16" name="テキスト ボックス 15">
+              <p:cNvPr id="5" name="テキスト ボックス 4">
                 <a:extLst>
                   <a:ext uri="{FF2B5EF4-FFF2-40B4-BE49-F238E27FC236}">
-                    <a16:creationId xmlns:a16="http://schemas.microsoft.com/office/drawing/2014/main" id="{3EFC12D4-A624-4768-B097-1464A56FCBFB}"/>
+                    <a16:creationId xmlns:a16="http://schemas.microsoft.com/office/drawing/2014/main" id="{513063F0-5BD6-41E5-B165-C16C5B5E4C50}"/>
                   </a:ext>
                 </a:extLst>
               </p:cNvPr>
@@ -11361,8 +11809,8 @@
             </p:nvSpPr>
             <p:spPr>
               <a:xfrm>
-                <a:off x="4572000" y="4364437"/>
-                <a:ext cx="4496586" cy="1225335"/>
+                <a:off x="4487159" y="5240607"/>
+                <a:ext cx="4656841" cy="1252266"/>
               </a:xfrm>
               <a:prstGeom prst="rect">
                 <a:avLst/>
@@ -11370,7 +11818,7 @@
               <a:blipFill>
                 <a:blip r:embed="rId3"/>
                 <a:stretch>
-                  <a:fillRect l="-2033" t="-3980" b="-11443"/>
+                  <a:fillRect l="-1963" t="-3902" b="-9268"/>
                 </a:stretch>
               </a:blipFill>
             </p:spPr>
@@ -11389,10 +11837,54 @@
           </p:sp>
         </mc:Fallback>
       </mc:AlternateContent>
+      <p:cxnSp>
+        <p:nvCxnSpPr>
+          <p:cNvPr id="7" name="直線矢印コネクタ 6">
+            <a:extLst>
+              <a:ext uri="{FF2B5EF4-FFF2-40B4-BE49-F238E27FC236}">
+                <a16:creationId xmlns:a16="http://schemas.microsoft.com/office/drawing/2014/main" id="{6EA2D7D7-08BA-484F-8328-36455BC7EC24}"/>
+              </a:ext>
+            </a:extLst>
+          </p:cNvPr>
+          <p:cNvCxnSpPr>
+            <a:cxnSpLocks/>
+          </p:cNvCxnSpPr>
+          <p:nvPr/>
+        </p:nvCxnSpPr>
+        <p:spPr>
+          <a:xfrm flipH="1" flipV="1">
+            <a:off x="2664692" y="4949073"/>
+            <a:ext cx="1652784" cy="917667"/>
+          </a:xfrm>
+          <a:prstGeom prst="straightConnector1">
+            <a:avLst/>
+          </a:prstGeom>
+          <a:ln w="25400">
+            <a:solidFill>
+              <a:srgbClr val="FF0000"/>
+            </a:solidFill>
+            <a:tailEnd type="triangle"/>
+          </a:ln>
+        </p:spPr>
+        <p:style>
+          <a:lnRef idx="1">
+            <a:schemeClr val="dk1"/>
+          </a:lnRef>
+          <a:fillRef idx="0">
+            <a:schemeClr val="dk1"/>
+          </a:fillRef>
+          <a:effectRef idx="0">
+            <a:schemeClr val="dk1"/>
+          </a:effectRef>
+          <a:fontRef idx="minor">
+            <a:schemeClr val="tx1"/>
+          </a:fontRef>
+        </p:style>
+      </p:cxnSp>
     </p:spTree>
     <p:extLst>
       <p:ext uri="{BB962C8B-B14F-4D97-AF65-F5344CB8AC3E}">
-        <p14:creationId xmlns:p14="http://schemas.microsoft.com/office/powerpoint/2010/main" val="4072985355"/>
+        <p14:creationId xmlns:p14="http://schemas.microsoft.com/office/powerpoint/2010/main" val="62095798"/>
       </p:ext>
     </p:extLst>
   </p:cSld>
@@ -11477,7 +11969,7 @@
               <a:p>
                 <a:r>
                   <a:rPr lang="ja-JP" altLang="en-US" dirty="0"/>
-                  <a:t>アルゴリズムのメインパート</a:t>
+                  <a:t>アルゴリズムの構成要素</a:t>
                 </a:r>
                 <a:endParaRPr lang="en-US" altLang="ja-JP" dirty="0"/>
               </a:p>
@@ -11542,8 +12034,60 @@
                   <a:buAutoNum type="arabicPeriod"/>
                 </a:pPr>
                 <a:r>
+                  <a:rPr lang="ja-JP" altLang="en-US" dirty="0"/>
+                  <a:t> </a:t>
+                </a:r>
+                <a14:m>
+                  <m:oMath xmlns:m="http://schemas.openxmlformats.org/officeDocument/2006/math">
+                    <m:r>
+                      <a:rPr lang="en-US" altLang="ja-JP" i="1">
+                        <a:latin typeface="Cambria Math" panose="02040503050406030204" pitchFamily="18" charset="0"/>
+                      </a:rPr>
+                      <m:t>𝑠</m:t>
+                    </m:r>
+                  </m:oMath>
+                </a14:m>
+                <a:r>
+                  <a:rPr lang="en-US" altLang="ja-JP" dirty="0"/>
+                  <a:t>-</a:t>
+                </a:r>
+                <a14:m>
+                  <m:oMath xmlns:m="http://schemas.openxmlformats.org/officeDocument/2006/math">
+                    <m:r>
+                      <a:rPr lang="en-US" altLang="ja-JP" i="1" dirty="0">
+                        <a:latin typeface="Cambria Math" panose="02040503050406030204" pitchFamily="18" charset="0"/>
+                      </a:rPr>
+                      <m:t>𝑡</m:t>
+                    </m:r>
+                    <m:r>
+                      <a:rPr lang="ja-JP" altLang="en-US" i="1" dirty="0">
+                        <a:latin typeface="Cambria Math" panose="02040503050406030204" pitchFamily="18" charset="0"/>
+                      </a:rPr>
+                      <m:t>点素パス</m:t>
+                    </m:r>
+                    <m:r>
+                      <a:rPr lang="ja-JP" altLang="en-US" i="1" dirty="0">
+                        <a:latin typeface="Cambria Math" panose="02040503050406030204" pitchFamily="18" charset="0"/>
+                      </a:rPr>
+                      <m:t>か</m:t>
+                    </m:r>
+                    <m:r>
+                      <a:rPr kumimoji="1" lang="ja-JP" altLang="en-US" i="1" dirty="0">
+                        <a:latin typeface="Cambria Math" panose="02040503050406030204" pitchFamily="18" charset="0"/>
+                      </a:rPr>
+                      <m:t>らの</m:t>
+                    </m:r>
+                    <m:r>
+                      <a:rPr lang="ja-JP" altLang="en-US" i="1" dirty="0">
+                        <a:latin typeface="Cambria Math" panose="02040503050406030204" pitchFamily="18" charset="0"/>
+                      </a:rPr>
+                      <m:t>点</m:t>
+                    </m:r>
+                  </m:oMath>
+                </a14:m>
+                <a:r>
                   <a:rPr kumimoji="1" lang="ja-JP" altLang="en-US" dirty="0"/>
-                  <a:t>ノードカットの計算</a:t>
+                  <a:t>カット発見</a:t>
                 </a:r>
                 <a:endParaRPr kumimoji="1" lang="en-US" altLang="ja-JP" dirty="0"/>
               </a:p>
@@ -11561,7 +12105,7 @@
                 </a:pPr>
                 <a:r>
                   <a:rPr kumimoji="1" lang="ja-JP" altLang="en-US" dirty="0"/>
-                  <a:t>縮約</a:t>
+                  <a:t>縮約後のグラフのシミュレーション</a:t>
                 </a:r>
               </a:p>
             </p:txBody>
@@ -11609,10 +12153,10 @@
       </mc:AlternateContent>
       <p:cxnSp>
         <p:nvCxnSpPr>
-          <p:cNvPr id="5" name="直線矢印コネクタ 4">
-            <a:extLst>
-              <a:ext uri="{FF2B5EF4-FFF2-40B4-BE49-F238E27FC236}">
-                <a16:creationId xmlns:a16="http://schemas.microsoft.com/office/drawing/2014/main" id="{A54EF48F-8926-4EF8-891A-CEEF9E2D920C}"/>
+          <p:cNvPr id="4" name="直線矢印コネクタ 3">
+            <a:extLst>
+              <a:ext uri="{FF2B5EF4-FFF2-40B4-BE49-F238E27FC236}">
+                <a16:creationId xmlns:a16="http://schemas.microsoft.com/office/drawing/2014/main" id="{6BC2CE27-424E-42CF-A498-689C2C50ADA4}"/>
               </a:ext>
             </a:extLst>
           </p:cNvPr>
@@ -11623,13 +12167,13 @@
         </p:nvCxnSpPr>
         <p:spPr>
           <a:xfrm flipH="1" flipV="1">
-            <a:off x="4128940" y="3582186"/>
-            <a:ext cx="2271861" cy="744717"/>
+            <a:off x="5976595" y="3695308"/>
+            <a:ext cx="1640263" cy="1414020"/>
           </a:xfrm>
           <a:prstGeom prst="straightConnector1">
             <a:avLst/>
           </a:prstGeom>
-          <a:ln>
+          <a:ln w="25400">
             <a:solidFill>
               <a:srgbClr val="FF0000"/>
             </a:solidFill>
@@ -11655,10 +12199,10 @@
         <mc:Choice xmlns:a14="http://schemas.microsoft.com/office/drawing/2010/main" Requires="a14">
           <p:sp>
             <p:nvSpPr>
-              <p:cNvPr id="16" name="テキスト ボックス 15">
+              <p:cNvPr id="5" name="テキスト ボックス 4">
                 <a:extLst>
                   <a:ext uri="{FF2B5EF4-FFF2-40B4-BE49-F238E27FC236}">
-                    <a16:creationId xmlns:a16="http://schemas.microsoft.com/office/drawing/2014/main" id="{3EFC12D4-A624-4768-B097-1464A56FCBFB}"/>
+                    <a16:creationId xmlns:a16="http://schemas.microsoft.com/office/drawing/2014/main" id="{513063F0-5BD6-41E5-B165-C16C5B5E4C50}"/>
                   </a:ext>
                 </a:extLst>
               </p:cNvPr>
@@ -11667,7 +12211,7 @@
             </p:nvSpPr>
             <p:spPr>
               <a:xfrm>
-                <a:off x="4487159" y="4364437"/>
+                <a:off x="4487159" y="5240607"/>
                 <a:ext cx="4656841" cy="1252266"/>
               </a:xfrm>
               <a:prstGeom prst="rect">
@@ -11809,10 +12353,10 @@
         <mc:Fallback>
           <p:sp>
             <p:nvSpPr>
-              <p:cNvPr id="16" name="テキスト ボックス 15">
+              <p:cNvPr id="5" name="テキスト ボックス 4">
                 <a:extLst>
                   <a:ext uri="{FF2B5EF4-FFF2-40B4-BE49-F238E27FC236}">
-                    <a16:creationId xmlns:a16="http://schemas.microsoft.com/office/drawing/2014/main" id="{3EFC12D4-A624-4768-B097-1464A56FCBFB}"/>
+                    <a16:creationId xmlns:a16="http://schemas.microsoft.com/office/drawing/2014/main" id="{513063F0-5BD6-41E5-B165-C16C5B5E4C50}"/>
                   </a:ext>
                 </a:extLst>
               </p:cNvPr>
@@ -11823,7 +12367,7 @@
             </p:nvSpPr>
             <p:spPr>
               <a:xfrm>
-                <a:off x="4487159" y="4364437"/>
+                <a:off x="4487159" y="5240607"/>
                 <a:ext cx="4656841" cy="1252266"/>
               </a:xfrm>
               <a:prstGeom prst="rect">
@@ -11854,7 +12398,7 @@
     </p:spTree>
     <p:extLst>
       <p:ext uri="{BB962C8B-B14F-4D97-AF65-F5344CB8AC3E}">
-        <p14:creationId xmlns:p14="http://schemas.microsoft.com/office/powerpoint/2010/main" val="3931688527"/>
+        <p14:creationId xmlns:p14="http://schemas.microsoft.com/office/powerpoint/2010/main" val="62730803"/>
       </p:ext>
     </p:extLst>
   </p:cSld>
@@ -11909,8 +12453,8 @@
           </a:p>
         </p:txBody>
       </p:sp>
-      <mc:AlternateContent xmlns:mc="http://schemas.openxmlformats.org/markup-compatibility/2006">
-        <mc:Choice xmlns:a14="http://schemas.microsoft.com/office/drawing/2010/main" Requires="a14">
+      <mc:AlternateContent xmlns:mc="http://schemas.openxmlformats.org/markup-compatibility/2006" xmlns:a14="http://schemas.microsoft.com/office/drawing/2010/main">
+        <mc:Choice Requires="a14">
           <p:sp>
             <p:nvSpPr>
               <p:cNvPr id="3" name="コンテンツ プレースホルダー 2">
@@ -12247,13 +12791,7 @@
                       <a:rPr lang="en-US" altLang="ja-JP" b="0" i="1" smtClean="0">
                         <a:latin typeface="Cambria Math" panose="02040503050406030204" pitchFamily="18" charset="0"/>
                       </a:rPr>
-                      <m:t>+ℓ))</m:t>
-                    </m:r>
-                    <m:r>
-                      <a:rPr lang="en-US" altLang="ja-JP" b="0" i="1" smtClean="0">
-                        <a:latin typeface="Cambria Math" panose="02040503050406030204" pitchFamily="18" charset="0"/>
-                      </a:rPr>
-                      <m:t>(</m:t>
+                      <m:t>+ℓ))(</m:t>
                     </m:r>
                     <m:rad>
                       <m:radPr>
@@ -12302,7 +12840,7 @@
             </p:txBody>
           </p:sp>
         </mc:Choice>
-        <mc:Fallback>
+        <mc:Fallback xmlns="">
           <p:sp>
             <p:nvSpPr>
               <p:cNvPr id="3" name="コンテンツ プレースホルダー 2">
@@ -13361,8 +13899,8 @@
           </a:p>
         </p:txBody>
       </p:sp>
-      <mc:AlternateContent xmlns:mc="http://schemas.openxmlformats.org/markup-compatibility/2006">
-        <mc:Choice xmlns:a14="http://schemas.microsoft.com/office/drawing/2010/main" Requires="a14">
+      <mc:AlternateContent xmlns:mc="http://schemas.openxmlformats.org/markup-compatibility/2006" xmlns:a14="http://schemas.microsoft.com/office/drawing/2010/main">
+        <mc:Choice Requires="a14">
           <p:sp>
             <p:nvSpPr>
               <p:cNvPr id="3" name="コンテンツ プレースホルダー 2">
@@ -13588,7 +14126,7 @@
             </p:txBody>
           </p:sp>
         </mc:Choice>
-        <mc:Fallback>
+        <mc:Fallback xmlns="">
           <p:sp>
             <p:nvSpPr>
               <p:cNvPr id="3" name="コンテンツ プレースホルダー 2">
@@ -13730,12 +14268,20 @@
             </a:br>
             <a:r>
               <a:rPr kumimoji="1" lang="ja-JP" altLang="en-US" dirty="0"/>
-              <a:t>アルゴリズムの設計に対して有用である場合がある</a:t>
+              <a:t>アルゴリズムの設計に対して有用である</a:t>
             </a:r>
             <a:endParaRPr lang="en-US" altLang="ja-JP" dirty="0"/>
           </a:p>
           <a:p>
             <a:pPr lvl="1"/>
+            <a:r>
+              <a:rPr lang="ja-JP" altLang="en-US" dirty="0"/>
+              <a:t>ただし</a:t>
+            </a:r>
+            <a:r>
+              <a:rPr lang="en-US" altLang="ja-JP" dirty="0"/>
+              <a:t>,</a:t>
+            </a:r>
             <a:r>
               <a:rPr lang="ja-JP" altLang="en-US" dirty="0"/>
               <a:t>サイズ最小の平衡分離集合の探索は</a:t>
@@ -13795,8 +14341,8 @@
         </p:nvSpPr>
         <p:spPr>
           <a:xfrm>
-            <a:off x="628650" y="4878406"/>
-            <a:ext cx="7886700" cy="1787437"/>
+            <a:off x="628650" y="4887834"/>
+            <a:ext cx="7886700" cy="890797"/>
           </a:xfrm>
           <a:prstGeom prst="rect">
             <a:avLst/>
@@ -13973,34 +14519,17 @@
           <a:p>
             <a:r>
               <a:rPr lang="ja-JP" altLang="en-US" dirty="0"/>
-              <a:t>既存の平衡分離集合を計算する近似アルゴリズムを</a:t>
+              <a:t>平衡分離集合を近似計算する既存の集中型アルゴリズム</a:t>
             </a:r>
-            <a:br>
+            <a:r>
               <a:rPr lang="en-US" altLang="ja-JP" dirty="0"/>
-            </a:br>
+              <a:t>[SW17]</a:t>
+            </a:r>
             <a:r>
               <a:rPr lang="ja-JP" altLang="en-US" dirty="0"/>
-              <a:t>分散システム上に実現</a:t>
+              <a:t>を分散システム上に実現</a:t>
             </a:r>
             <a:endParaRPr lang="en-US" altLang="ja-JP" dirty="0"/>
-          </a:p>
-          <a:p>
-            <a:r>
-              <a:rPr lang="en-US" altLang="ja-JP" i="1" dirty="0"/>
-              <a:t>CONGEST</a:t>
-            </a:r>
-            <a:r>
-              <a:rPr lang="ja-JP" altLang="en-US" i="1" dirty="0"/>
-              <a:t>モデル上の分散アルゴリズムと非自明な</a:t>
-            </a:r>
-            <a:br>
-              <a:rPr lang="en-US" altLang="ja-JP" i="1" dirty="0"/>
-            </a:br>
-            <a:r>
-              <a:rPr lang="ja-JP" altLang="en-US" i="1" dirty="0"/>
-              <a:t>計算時間上界の提示</a:t>
-            </a:r>
-            <a:endParaRPr lang="en-US" altLang="ja-JP" i="1" dirty="0"/>
           </a:p>
         </p:txBody>
       </p:sp>
@@ -14053,6 +14582,158 @@
           <a:p>
             <a:pPr algn="ctr"/>
             <a:endParaRPr kumimoji="1" lang="ja-JP" altLang="en-US" dirty="0"/>
+          </a:p>
+        </p:txBody>
+      </p:sp>
+      <p:sp>
+        <p:nvSpPr>
+          <p:cNvPr id="6" name="テキスト ボックス 11">
+            <a:extLst>
+              <a:ext uri="{FF2B5EF4-FFF2-40B4-BE49-F238E27FC236}">
+                <a16:creationId xmlns:a16="http://schemas.microsoft.com/office/drawing/2014/main" id="{3AC0EBE3-48EA-48DF-95E7-33E60E6902EB}"/>
+              </a:ext>
+            </a:extLst>
+          </p:cNvPr>
+          <p:cNvSpPr txBox="1"/>
+          <p:nvPr/>
+        </p:nvSpPr>
+        <p:spPr>
+          <a:xfrm>
+            <a:off x="628650" y="6028204"/>
+            <a:ext cx="7886700" cy="738664"/>
+          </a:xfrm>
+          <a:prstGeom prst="rect">
+            <a:avLst/>
+          </a:prstGeom>
+          <a:noFill/>
+        </p:spPr>
+        <p:txBody>
+          <a:bodyPr wrap="square" rtlCol="0">
+            <a:spAutoFit/>
+          </a:bodyPr>
+          <a:lstStyle>
+            <a:defPPr>
+              <a:defRPr lang="ja-JP"/>
+            </a:defPPr>
+            <a:lvl1pPr marL="0" algn="l" defTabSz="914400" rtl="0" eaLnBrk="1" latinLnBrk="0" hangingPunct="1">
+              <a:defRPr kumimoji="1" sz="1800" kern="1200">
+                <a:solidFill>
+                  <a:schemeClr val="tx1"/>
+                </a:solidFill>
+                <a:latin typeface="+mn-lt"/>
+                <a:ea typeface="+mn-ea"/>
+                <a:cs typeface="+mn-cs"/>
+              </a:defRPr>
+            </a:lvl1pPr>
+            <a:lvl2pPr marL="457200" algn="l" defTabSz="914400" rtl="0" eaLnBrk="1" latinLnBrk="0" hangingPunct="1">
+              <a:defRPr kumimoji="1" sz="1800" kern="1200">
+                <a:solidFill>
+                  <a:schemeClr val="tx1"/>
+                </a:solidFill>
+                <a:latin typeface="+mn-lt"/>
+                <a:ea typeface="+mn-ea"/>
+                <a:cs typeface="+mn-cs"/>
+              </a:defRPr>
+            </a:lvl2pPr>
+            <a:lvl3pPr marL="914400" algn="l" defTabSz="914400" rtl="0" eaLnBrk="1" latinLnBrk="0" hangingPunct="1">
+              <a:defRPr kumimoji="1" sz="1800" kern="1200">
+                <a:solidFill>
+                  <a:schemeClr val="tx1"/>
+                </a:solidFill>
+                <a:latin typeface="+mn-lt"/>
+                <a:ea typeface="+mn-ea"/>
+                <a:cs typeface="+mn-cs"/>
+              </a:defRPr>
+            </a:lvl3pPr>
+            <a:lvl4pPr marL="1371600" algn="l" defTabSz="914400" rtl="0" eaLnBrk="1" latinLnBrk="0" hangingPunct="1">
+              <a:defRPr kumimoji="1" sz="1800" kern="1200">
+                <a:solidFill>
+                  <a:schemeClr val="tx1"/>
+                </a:solidFill>
+                <a:latin typeface="+mn-lt"/>
+                <a:ea typeface="+mn-ea"/>
+                <a:cs typeface="+mn-cs"/>
+              </a:defRPr>
+            </a:lvl4pPr>
+            <a:lvl5pPr marL="1828800" algn="l" defTabSz="914400" rtl="0" eaLnBrk="1" latinLnBrk="0" hangingPunct="1">
+              <a:defRPr kumimoji="1" sz="1800" kern="1200">
+                <a:solidFill>
+                  <a:schemeClr val="tx1"/>
+                </a:solidFill>
+                <a:latin typeface="+mn-lt"/>
+                <a:ea typeface="+mn-ea"/>
+                <a:cs typeface="+mn-cs"/>
+              </a:defRPr>
+            </a:lvl5pPr>
+            <a:lvl6pPr marL="2286000" algn="l" defTabSz="914400" rtl="0" eaLnBrk="1" latinLnBrk="0" hangingPunct="1">
+              <a:defRPr kumimoji="1" sz="1800" kern="1200">
+                <a:solidFill>
+                  <a:schemeClr val="tx1"/>
+                </a:solidFill>
+                <a:latin typeface="+mn-lt"/>
+                <a:ea typeface="+mn-ea"/>
+                <a:cs typeface="+mn-cs"/>
+              </a:defRPr>
+            </a:lvl6pPr>
+            <a:lvl7pPr marL="2743200" algn="l" defTabSz="914400" rtl="0" eaLnBrk="1" latinLnBrk="0" hangingPunct="1">
+              <a:defRPr kumimoji="1" sz="1800" kern="1200">
+                <a:solidFill>
+                  <a:schemeClr val="tx1"/>
+                </a:solidFill>
+                <a:latin typeface="+mn-lt"/>
+                <a:ea typeface="+mn-ea"/>
+                <a:cs typeface="+mn-cs"/>
+              </a:defRPr>
+            </a:lvl7pPr>
+            <a:lvl8pPr marL="3200400" algn="l" defTabSz="914400" rtl="0" eaLnBrk="1" latinLnBrk="0" hangingPunct="1">
+              <a:defRPr kumimoji="1" sz="1800" kern="1200">
+                <a:solidFill>
+                  <a:schemeClr val="tx1"/>
+                </a:solidFill>
+                <a:latin typeface="+mn-lt"/>
+                <a:ea typeface="+mn-ea"/>
+                <a:cs typeface="+mn-cs"/>
+              </a:defRPr>
+            </a:lvl8pPr>
+            <a:lvl9pPr marL="3657600" algn="l" defTabSz="914400" rtl="0" eaLnBrk="1" latinLnBrk="0" hangingPunct="1">
+              <a:defRPr kumimoji="1" sz="1800" kern="1200">
+                <a:solidFill>
+                  <a:schemeClr val="tx1"/>
+                </a:solidFill>
+                <a:latin typeface="+mn-lt"/>
+                <a:ea typeface="+mn-ea"/>
+                <a:cs typeface="+mn-cs"/>
+              </a:defRPr>
+            </a:lvl9pPr>
+          </a:lstStyle>
+          <a:p>
+            <a:r>
+              <a:rPr lang="en-US" altLang="ja-JP" sz="1400" dirty="0"/>
+              <a:t>[BW17]</a:t>
+            </a:r>
+            <a:r>
+              <a:rPr lang="en-US" altLang="ja-JP" sz="1400" dirty="0" err="1"/>
+              <a:t>B.Sebastian,R.Wattenhofer</a:t>
+            </a:r>
+            <a:r>
+              <a:rPr lang="en-US" altLang="ja-JP" sz="1400" dirty="0"/>
+              <a:t>.</a:t>
+            </a:r>
+            <a:br>
+              <a:rPr lang="en-US" altLang="ja-JP" sz="1400" dirty="0"/>
+            </a:br>
+            <a:r>
+              <a:rPr lang="en-US" altLang="ja-JP" sz="1400" dirty="0"/>
+              <a:t>"Approximating Small Balanced Vertex Separators in Almost Linear Time.“</a:t>
+            </a:r>
+            <a:br>
+              <a:rPr lang="en-US" altLang="ja-JP" sz="1400" dirty="0"/>
+            </a:br>
+            <a:r>
+              <a:rPr lang="en-US" altLang="ja-JP" sz="1400" dirty="0"/>
+              <a:t> Workshop on Algorithms and Data Structures. Springer, Cham, 2017.</a:t>
+            </a:r>
+            <a:endParaRPr kumimoji="1" lang="ja-JP" altLang="en-US" sz="1400" dirty="0"/>
           </a:p>
         </p:txBody>
       </p:sp>
@@ -14172,8 +14853,8 @@
           </p:sp>
         </mc:Fallback>
       </mc:AlternateContent>
-      <mc:AlternateContent xmlns:mc="http://schemas.openxmlformats.org/markup-compatibility/2006">
-        <mc:Choice xmlns:a14="http://schemas.microsoft.com/office/drawing/2010/main" Requires="a14">
+      <mc:AlternateContent xmlns:mc="http://schemas.openxmlformats.org/markup-compatibility/2006" xmlns:a14="http://schemas.microsoft.com/office/drawing/2010/main">
+        <mc:Choice Requires="a14">
           <p:sp>
             <p:nvSpPr>
               <p:cNvPr id="3" name="コンテンツ プレースホルダー 2">
@@ -14429,7 +15110,7 @@
             </p:txBody>
           </p:sp>
         </mc:Choice>
-        <mc:Fallback>
+        <mc:Fallback xmlns="">
           <p:sp>
             <p:nvSpPr>
               <p:cNvPr id="3" name="コンテンツ プレースホルダー 2">
@@ -16596,6 +17277,58 @@
                 </a:r>
                 <a:endParaRPr lang="en-US" altLang="ja-JP" dirty="0"/>
               </a:p>
+              <a:p>
+                <a:r>
+                  <a:rPr lang="ja-JP" altLang="en-US" dirty="0"/>
+                  <a:t>例：サイズ</a:t>
+                </a:r>
+                <a:r>
+                  <a:rPr lang="en-US" altLang="ja-JP" dirty="0"/>
+                  <a:t>4</a:t>
+                </a:r>
+                <a:r>
+                  <a:rPr lang="ja-JP" altLang="en-US" dirty="0"/>
+                  <a:t>の</a:t>
+                </a:r>
+                <a14:m>
+                  <m:oMath xmlns:m="http://schemas.openxmlformats.org/officeDocument/2006/math">
+                    <m:f>
+                      <m:fPr>
+                        <m:ctrlPr>
+                          <a:rPr lang="en-US" altLang="ja-JP" b="0" i="1" smtClean="0">
+                            <a:latin typeface="Cambria Math" panose="02040503050406030204" pitchFamily="18" charset="0"/>
+                          </a:rPr>
+                        </m:ctrlPr>
+                      </m:fPr>
+                      <m:num>
+                        <m:r>
+                          <a:rPr lang="en-US" altLang="ja-JP" b="0" i="1" smtClean="0">
+                            <a:latin typeface="Cambria Math" panose="02040503050406030204" pitchFamily="18" charset="0"/>
+                          </a:rPr>
+                          <m:t>2</m:t>
+                        </m:r>
+                      </m:num>
+                      <m:den>
+                        <m:r>
+                          <a:rPr lang="en-US" altLang="ja-JP" b="0" i="1" smtClean="0">
+                            <a:latin typeface="Cambria Math" panose="02040503050406030204" pitchFamily="18" charset="0"/>
+                          </a:rPr>
+                          <m:t>3</m:t>
+                        </m:r>
+                      </m:den>
+                    </m:f>
+                  </m:oMath>
+                </a14:m>
+                <a:r>
+                  <a:rPr lang="en-US" altLang="ja-JP" dirty="0"/>
+                  <a:t>-</a:t>
+                </a:r>
+                <a:r>
+                  <a:rPr lang="ja-JP" altLang="en-US" dirty="0"/>
+                  <a:t>平衡分離集合を持つグラフ</a:t>
+                </a:r>
+                <a:endParaRPr lang="en-US" altLang="ja-JP" dirty="0"/>
+              </a:p>
             </p:txBody>
           </p:sp>
         </mc:Choice>
@@ -16851,246 +17584,110 @@
           </a:p>
         </p:txBody>
       </p:sp>
-      <mc:AlternateContent xmlns:mc="http://schemas.openxmlformats.org/markup-compatibility/2006">
-        <mc:Choice xmlns:a14="http://schemas.microsoft.com/office/drawing/2010/main" Requires="a14">
-          <p:sp>
-            <p:nvSpPr>
-              <p:cNvPr id="193" name="楕円 192">
-                <a:extLst>
-                  <a:ext uri="{FF2B5EF4-FFF2-40B4-BE49-F238E27FC236}">
-                    <a16:creationId xmlns:a16="http://schemas.microsoft.com/office/drawing/2014/main" id="{F0CE5977-AE25-48D0-BB4C-1B40D72888B5}"/>
-                  </a:ext>
-                </a:extLst>
-              </p:cNvPr>
-              <p:cNvSpPr/>
-              <p:nvPr/>
-            </p:nvSpPr>
-            <p:spPr>
-              <a:xfrm>
-                <a:off x="322997" y="5015060"/>
-                <a:ext cx="360000" cy="360000"/>
-              </a:xfrm>
-              <a:prstGeom prst="ellipse">
-                <a:avLst/>
-              </a:prstGeom>
-              <a:solidFill>
-                <a:schemeClr val="bg1"/>
-              </a:solidFill>
-              <a:ln w="28575">
-                <a:solidFill>
-                  <a:schemeClr val="tx1"/>
-                </a:solidFill>
-              </a:ln>
-            </p:spPr>
-            <p:style>
-              <a:lnRef idx="1">
-                <a:schemeClr val="accent1"/>
-              </a:lnRef>
-              <a:fillRef idx="0">
-                <a:schemeClr val="accent1"/>
-              </a:fillRef>
-              <a:effectRef idx="0">
-                <a:schemeClr val="accent1"/>
-              </a:effectRef>
-              <a:fontRef idx="minor">
-                <a:schemeClr val="tx1"/>
-              </a:fontRef>
-            </p:style>
-            <p:txBody>
-              <a:bodyPr rtlCol="0" anchor="ctr"/>
-              <a:lstStyle/>
-              <a:p>
-                <a:pPr algn="ctr"/>
-                <a14:m>
-                  <m:oMathPara xmlns:m="http://schemas.openxmlformats.org/officeDocument/2006/math">
-                    <m:oMathParaPr>
-                      <m:jc m:val="centerGroup"/>
-                    </m:oMathParaPr>
-                    <m:oMath xmlns:m="http://schemas.openxmlformats.org/officeDocument/2006/math">
-                      <m:r>
-                        <a:rPr kumimoji="1" lang="en-US" altLang="ja-JP" sz="2400" b="0" i="1" smtClean="0">
-                          <a:latin typeface="Cambria Math" panose="02040503050406030204" pitchFamily="18" charset="0"/>
-                        </a:rPr>
-                        <m:t>𝑠</m:t>
-                      </m:r>
-                    </m:oMath>
-                  </m:oMathPara>
-                </a14:m>
-                <a:endParaRPr kumimoji="1" lang="ja-JP" altLang="en-US" sz="2400" dirty="0"/>
-              </a:p>
-            </p:txBody>
-          </p:sp>
-        </mc:Choice>
-        <mc:Fallback>
-          <p:sp>
-            <p:nvSpPr>
-              <p:cNvPr id="193" name="楕円 192">
-                <a:extLst>
-                  <a:ext uri="{FF2B5EF4-FFF2-40B4-BE49-F238E27FC236}">
-                    <a16:creationId xmlns:a16="http://schemas.microsoft.com/office/drawing/2014/main" id="{F0CE5977-AE25-48D0-BB4C-1B40D72888B5}"/>
-                  </a:ext>
-                </a:extLst>
-              </p:cNvPr>
-              <p:cNvSpPr>
-                <a:spLocks noRot="1" noChangeAspect="1" noMove="1" noResize="1" noEditPoints="1" noAdjustHandles="1" noChangeArrowheads="1" noChangeShapeType="1" noTextEdit="1"/>
-              </p:cNvSpPr>
-              <p:nvPr/>
-            </p:nvSpPr>
-            <p:spPr>
-              <a:xfrm>
-                <a:off x="322997" y="5015060"/>
-                <a:ext cx="360000" cy="360000"/>
-              </a:xfrm>
-              <a:prstGeom prst="ellipse">
-                <a:avLst/>
-              </a:prstGeom>
-              <a:blipFill>
-                <a:blip r:embed="rId4"/>
-                <a:stretch>
-                  <a:fillRect/>
-                </a:stretch>
-              </a:blipFill>
-              <a:ln w="28575">
-                <a:solidFill>
-                  <a:schemeClr val="tx1"/>
-                </a:solidFill>
-              </a:ln>
-            </p:spPr>
-            <p:txBody>
-              <a:bodyPr/>
-              <a:lstStyle/>
-              <a:p>
-                <a:r>
-                  <a:rPr lang="ja-JP" altLang="en-US">
-                    <a:noFill/>
-                  </a:rPr>
-                  <a:t> </a:t>
-                </a:r>
-              </a:p>
-            </p:txBody>
-          </p:sp>
-        </mc:Fallback>
-      </mc:AlternateContent>
-      <mc:AlternateContent xmlns:mc="http://schemas.openxmlformats.org/markup-compatibility/2006">
-        <mc:Choice xmlns:a14="http://schemas.microsoft.com/office/drawing/2010/main" Requires="a14">
-          <p:sp>
-            <p:nvSpPr>
-              <p:cNvPr id="194" name="楕円 193">
-                <a:extLst>
-                  <a:ext uri="{FF2B5EF4-FFF2-40B4-BE49-F238E27FC236}">
-                    <a16:creationId xmlns:a16="http://schemas.microsoft.com/office/drawing/2014/main" id="{89C7B75A-C31A-4247-A7A4-7A1190DC72BB}"/>
-                  </a:ext>
-                </a:extLst>
-              </p:cNvPr>
-              <p:cNvSpPr/>
-              <p:nvPr/>
-            </p:nvSpPr>
-            <p:spPr>
-              <a:xfrm>
-                <a:off x="7686668" y="5015060"/>
-                <a:ext cx="360000" cy="360000"/>
-              </a:xfrm>
-              <a:prstGeom prst="ellipse">
-                <a:avLst/>
-              </a:prstGeom>
-              <a:solidFill>
-                <a:schemeClr val="bg1"/>
-              </a:solidFill>
-              <a:ln w="28575">
-                <a:solidFill>
-                  <a:schemeClr val="tx1"/>
-                </a:solidFill>
-              </a:ln>
-            </p:spPr>
-            <p:style>
-              <a:lnRef idx="1">
-                <a:schemeClr val="accent1"/>
-              </a:lnRef>
-              <a:fillRef idx="0">
-                <a:schemeClr val="accent1"/>
-              </a:fillRef>
-              <a:effectRef idx="0">
-                <a:schemeClr val="accent1"/>
-              </a:effectRef>
-              <a:fontRef idx="minor">
-                <a:schemeClr val="tx1"/>
-              </a:fontRef>
-            </p:style>
-            <p:txBody>
-              <a:bodyPr rtlCol="0" anchor="ctr"/>
-              <a:lstStyle/>
-              <a:p>
-                <a:pPr algn="ctr"/>
-                <a14:m>
-                  <m:oMathPara xmlns:m="http://schemas.openxmlformats.org/officeDocument/2006/math">
-                    <m:oMathParaPr>
-                      <m:jc m:val="centerGroup"/>
-                    </m:oMathParaPr>
-                    <m:oMath xmlns:m="http://schemas.openxmlformats.org/officeDocument/2006/math">
-                      <m:r>
-                        <a:rPr kumimoji="1" lang="en-US" altLang="ja-JP" sz="2400" b="0" i="1" smtClean="0">
-                          <a:latin typeface="Cambria Math" panose="02040503050406030204" pitchFamily="18" charset="0"/>
-                        </a:rPr>
-                        <m:t>𝑡</m:t>
-                      </m:r>
-                    </m:oMath>
-                  </m:oMathPara>
-                </a14:m>
-                <a:endParaRPr kumimoji="1" lang="ja-JP" altLang="en-US" sz="2400" dirty="0"/>
-              </a:p>
-            </p:txBody>
-          </p:sp>
-        </mc:Choice>
-        <mc:Fallback>
-          <p:sp>
-            <p:nvSpPr>
-              <p:cNvPr id="194" name="楕円 193">
-                <a:extLst>
-                  <a:ext uri="{FF2B5EF4-FFF2-40B4-BE49-F238E27FC236}">
-                    <a16:creationId xmlns:a16="http://schemas.microsoft.com/office/drawing/2014/main" id="{89C7B75A-C31A-4247-A7A4-7A1190DC72BB}"/>
-                  </a:ext>
-                </a:extLst>
-              </p:cNvPr>
-              <p:cNvSpPr>
-                <a:spLocks noRot="1" noChangeAspect="1" noMove="1" noResize="1" noEditPoints="1" noAdjustHandles="1" noChangeArrowheads="1" noChangeShapeType="1" noTextEdit="1"/>
-              </p:cNvSpPr>
-              <p:nvPr/>
-            </p:nvSpPr>
-            <p:spPr>
-              <a:xfrm>
-                <a:off x="7686668" y="5015060"/>
-                <a:ext cx="360000" cy="360000"/>
-              </a:xfrm>
-              <a:prstGeom prst="ellipse">
-                <a:avLst/>
-              </a:prstGeom>
-              <a:blipFill>
-                <a:blip r:embed="rId5"/>
-                <a:stretch>
-                  <a:fillRect l="-3125"/>
-                </a:stretch>
-              </a:blipFill>
-              <a:ln w="28575">
-                <a:solidFill>
-                  <a:schemeClr val="tx1"/>
-                </a:solidFill>
-              </a:ln>
-            </p:spPr>
-            <p:txBody>
-              <a:bodyPr/>
-              <a:lstStyle/>
-              <a:p>
-                <a:r>
-                  <a:rPr lang="ja-JP" altLang="en-US">
-                    <a:noFill/>
-                  </a:rPr>
-                  <a:t> </a:t>
-                </a:r>
-              </a:p>
-            </p:txBody>
-          </p:sp>
-        </mc:Fallback>
-      </mc:AlternateContent>
+      <p:sp>
+        <p:nvSpPr>
+          <p:cNvPr id="193" name="楕円 192">
+            <a:extLst>
+              <a:ext uri="{FF2B5EF4-FFF2-40B4-BE49-F238E27FC236}">
+                <a16:creationId xmlns:a16="http://schemas.microsoft.com/office/drawing/2014/main" id="{F0CE5977-AE25-48D0-BB4C-1B40D72888B5}"/>
+              </a:ext>
+            </a:extLst>
+          </p:cNvPr>
+          <p:cNvSpPr/>
+          <p:nvPr/>
+        </p:nvSpPr>
+        <p:spPr>
+          <a:xfrm>
+            <a:off x="322997" y="5015060"/>
+            <a:ext cx="360000" cy="360000"/>
+          </a:xfrm>
+          <a:prstGeom prst="ellipse">
+            <a:avLst/>
+          </a:prstGeom>
+          <a:solidFill>
+            <a:schemeClr val="bg1"/>
+          </a:solidFill>
+          <a:ln w="28575">
+            <a:solidFill>
+              <a:schemeClr val="tx1"/>
+            </a:solidFill>
+          </a:ln>
+        </p:spPr>
+        <p:style>
+          <a:lnRef idx="1">
+            <a:schemeClr val="accent1"/>
+          </a:lnRef>
+          <a:fillRef idx="0">
+            <a:schemeClr val="accent1"/>
+          </a:fillRef>
+          <a:effectRef idx="0">
+            <a:schemeClr val="accent1"/>
+          </a:effectRef>
+          <a:fontRef idx="minor">
+            <a:schemeClr val="tx1"/>
+          </a:fontRef>
+        </p:style>
+        <p:txBody>
+          <a:bodyPr rtlCol="0" anchor="ctr"/>
+          <a:lstStyle/>
+          <a:p>
+            <a:pPr algn="ctr"/>
+            <a:endParaRPr kumimoji="1" lang="ja-JP" altLang="en-US" sz="2400" dirty="0"/>
+          </a:p>
+        </p:txBody>
+      </p:sp>
+      <p:sp>
+        <p:nvSpPr>
+          <p:cNvPr id="194" name="楕円 193">
+            <a:extLst>
+              <a:ext uri="{FF2B5EF4-FFF2-40B4-BE49-F238E27FC236}">
+                <a16:creationId xmlns:a16="http://schemas.microsoft.com/office/drawing/2014/main" id="{89C7B75A-C31A-4247-A7A4-7A1190DC72BB}"/>
+              </a:ext>
+            </a:extLst>
+          </p:cNvPr>
+          <p:cNvSpPr/>
+          <p:nvPr/>
+        </p:nvSpPr>
+        <p:spPr>
+          <a:xfrm>
+            <a:off x="7686668" y="5015060"/>
+            <a:ext cx="360000" cy="360000"/>
+          </a:xfrm>
+          <a:prstGeom prst="ellipse">
+            <a:avLst/>
+          </a:prstGeom>
+          <a:solidFill>
+            <a:schemeClr val="bg1"/>
+          </a:solidFill>
+          <a:ln w="28575">
+            <a:solidFill>
+              <a:schemeClr val="tx1"/>
+            </a:solidFill>
+          </a:ln>
+        </p:spPr>
+        <p:style>
+          <a:lnRef idx="1">
+            <a:schemeClr val="accent1"/>
+          </a:lnRef>
+          <a:fillRef idx="0">
+            <a:schemeClr val="accent1"/>
+          </a:fillRef>
+          <a:effectRef idx="0">
+            <a:schemeClr val="accent1"/>
+          </a:effectRef>
+          <a:fontRef idx="minor">
+            <a:schemeClr val="tx1"/>
+          </a:fontRef>
+        </p:style>
+        <p:txBody>
+          <a:bodyPr rtlCol="0" anchor="ctr"/>
+          <a:lstStyle/>
+          <a:p>
+            <a:pPr algn="ctr"/>
+            <a:endParaRPr kumimoji="1" lang="ja-JP" altLang="en-US" sz="2400" dirty="0"/>
+          </a:p>
+        </p:txBody>
+      </p:sp>
       <p:sp>
         <p:nvSpPr>
           <p:cNvPr id="195" name="楕円 194">
@@ -18448,6 +19045,56 @@
           </a:fontRef>
         </p:style>
       </p:cxnSp>
+      <p:sp>
+        <p:nvSpPr>
+          <p:cNvPr id="4" name="楕円 3">
+            <a:extLst>
+              <a:ext uri="{FF2B5EF4-FFF2-40B4-BE49-F238E27FC236}">
+                <a16:creationId xmlns:a16="http://schemas.microsoft.com/office/drawing/2014/main" id="{40114C32-35D8-46D0-B29E-A236614FF837}"/>
+              </a:ext>
+            </a:extLst>
+          </p:cNvPr>
+          <p:cNvSpPr/>
+          <p:nvPr/>
+        </p:nvSpPr>
+        <p:spPr>
+          <a:xfrm>
+            <a:off x="3560248" y="3355942"/>
+            <a:ext cx="1365704" cy="3473775"/>
+          </a:xfrm>
+          <a:prstGeom prst="ellipse">
+            <a:avLst/>
+          </a:prstGeom>
+          <a:ln w="28575">
+            <a:solidFill>
+              <a:srgbClr val="FF0000"/>
+            </a:solidFill>
+            <a:prstDash val="dash"/>
+          </a:ln>
+        </p:spPr>
+        <p:style>
+          <a:lnRef idx="1">
+            <a:schemeClr val="accent1"/>
+          </a:lnRef>
+          <a:fillRef idx="0">
+            <a:schemeClr val="accent1"/>
+          </a:fillRef>
+          <a:effectRef idx="0">
+            <a:schemeClr val="accent1"/>
+          </a:effectRef>
+          <a:fontRef idx="minor">
+            <a:schemeClr val="tx1"/>
+          </a:fontRef>
+        </p:style>
+        <p:txBody>
+          <a:bodyPr rtlCol="0" anchor="ctr"/>
+          <a:lstStyle/>
+          <a:p>
+            <a:pPr algn="ctr"/>
+            <a:endParaRPr kumimoji="1" lang="ja-JP" altLang="en-US"/>
+          </a:p>
+        </p:txBody>
+      </p:sp>
     </p:spTree>
     <p:extLst>
       <p:ext uri="{BB962C8B-B14F-4D97-AF65-F5344CB8AC3E}">
@@ -18506,8 +19153,8 @@
           </a:p>
         </p:txBody>
       </p:sp>
-      <mc:AlternateContent xmlns:mc="http://schemas.openxmlformats.org/markup-compatibility/2006">
-        <mc:Choice xmlns:a14="http://schemas.microsoft.com/office/drawing/2010/main" Requires="a14">
+      <mc:AlternateContent xmlns:mc="http://schemas.openxmlformats.org/markup-compatibility/2006" xmlns:a14="http://schemas.microsoft.com/office/drawing/2010/main">
+        <mc:Choice Requires="a14">
           <p:sp>
             <p:nvSpPr>
               <p:cNvPr id="3" name="コンテンツ プレースホルダー 2">
@@ -18589,13 +19236,7 @@
                       <a:rPr lang="ja-JP" altLang="en-US" i="1" dirty="0">
                         <a:latin typeface="Cambria Math" panose="02040503050406030204" pitchFamily="18" charset="0"/>
                       </a:rPr>
-                      <m:t>本</m:t>
-                    </m:r>
-                    <m:r>
-                      <a:rPr lang="ja-JP" altLang="en-US" i="1" dirty="0">
-                        <a:latin typeface="Cambria Math" panose="02040503050406030204" pitchFamily="18" charset="0"/>
-                      </a:rPr>
-                      <m:t>の</m:t>
+                      <m:t>本の</m:t>
                     </m:r>
                     <m:r>
                       <a:rPr lang="en-US" altLang="ja-JP" i="1" dirty="0">
@@ -18628,7 +19269,7 @@
             </p:txBody>
           </p:sp>
         </mc:Choice>
-        <mc:Fallback>
+        <mc:Fallback xmlns="">
           <p:sp>
             <p:nvSpPr>
               <p:cNvPr id="3" name="コンテンツ プレースホルダー 2">
@@ -18880,8 +19521,8 @@
           </a:p>
         </p:txBody>
       </p:sp>
-      <mc:AlternateContent xmlns:mc="http://schemas.openxmlformats.org/markup-compatibility/2006">
-        <mc:Choice xmlns:a14="http://schemas.microsoft.com/office/drawing/2010/main" Requires="a14">
+      <mc:AlternateContent xmlns:mc="http://schemas.openxmlformats.org/markup-compatibility/2006" xmlns:a14="http://schemas.microsoft.com/office/drawing/2010/main">
+        <mc:Choice Requires="a14">
           <p:sp>
             <p:nvSpPr>
               <p:cNvPr id="193" name="楕円 192">
@@ -18950,7 +19591,7 @@
             </p:txBody>
           </p:sp>
         </mc:Choice>
-        <mc:Fallback>
+        <mc:Fallback xmlns="">
           <p:sp>
             <p:nvSpPr>
               <p:cNvPr id="193" name="楕円 192">
@@ -19000,8 +19641,8 @@
           </p:sp>
         </mc:Fallback>
       </mc:AlternateContent>
-      <mc:AlternateContent xmlns:mc="http://schemas.openxmlformats.org/markup-compatibility/2006">
-        <mc:Choice xmlns:a14="http://schemas.microsoft.com/office/drawing/2010/main" Requires="a14">
+      <mc:AlternateContent xmlns:mc="http://schemas.openxmlformats.org/markup-compatibility/2006" xmlns:a14="http://schemas.microsoft.com/office/drawing/2010/main">
+        <mc:Choice Requires="a14">
           <p:sp>
             <p:nvSpPr>
               <p:cNvPr id="194" name="楕円 193">
@@ -19070,7 +19711,7 @@
             </p:txBody>
           </p:sp>
         </mc:Choice>
-        <mc:Fallback>
+        <mc:Fallback xmlns="">
           <p:sp>
             <p:nvSpPr>
               <p:cNvPr id="194" name="楕円 193">
@@ -20595,8 +21236,8 @@
           </a:p>
         </p:txBody>
       </p:sp>
-      <mc:AlternateContent xmlns:mc="http://schemas.openxmlformats.org/markup-compatibility/2006">
-        <mc:Choice xmlns:a14="http://schemas.microsoft.com/office/drawing/2010/main" Requires="a14">
+      <mc:AlternateContent xmlns:mc="http://schemas.openxmlformats.org/markup-compatibility/2006" xmlns:a14="http://schemas.microsoft.com/office/drawing/2010/main">
+        <mc:Choice Requires="a14">
           <p:sp>
             <p:nvSpPr>
               <p:cNvPr id="3" name="コンテンツ プレースホルダー 2">
@@ -20674,7 +21315,7 @@
             </p:txBody>
           </p:sp>
         </mc:Choice>
-        <mc:Fallback>
+        <mc:Fallback xmlns="">
           <p:sp>
             <p:nvSpPr>
               <p:cNvPr id="3" name="コンテンツ プレースホルダー 2">
@@ -20926,8 +21567,8 @@
           </a:p>
         </p:txBody>
       </p:sp>
-      <mc:AlternateContent xmlns:mc="http://schemas.openxmlformats.org/markup-compatibility/2006">
-        <mc:Choice xmlns:a14="http://schemas.microsoft.com/office/drawing/2010/main" Requires="a14">
+      <mc:AlternateContent xmlns:mc="http://schemas.openxmlformats.org/markup-compatibility/2006" xmlns:a14="http://schemas.microsoft.com/office/drawing/2010/main">
+        <mc:Choice Requires="a14">
           <p:sp>
             <p:nvSpPr>
               <p:cNvPr id="193" name="楕円 192">
@@ -20996,7 +21637,7 @@
             </p:txBody>
           </p:sp>
         </mc:Choice>
-        <mc:Fallback>
+        <mc:Fallback xmlns="">
           <p:sp>
             <p:nvSpPr>
               <p:cNvPr id="193" name="楕円 192">
@@ -21046,8 +21687,8 @@
           </p:sp>
         </mc:Fallback>
       </mc:AlternateContent>
-      <mc:AlternateContent xmlns:mc="http://schemas.openxmlformats.org/markup-compatibility/2006">
-        <mc:Choice xmlns:a14="http://schemas.microsoft.com/office/drawing/2010/main" Requires="a14">
+      <mc:AlternateContent xmlns:mc="http://schemas.openxmlformats.org/markup-compatibility/2006" xmlns:a14="http://schemas.microsoft.com/office/drawing/2010/main">
+        <mc:Choice Requires="a14">
           <p:sp>
             <p:nvSpPr>
               <p:cNvPr id="194" name="楕円 193">
@@ -21116,7 +21757,7 @@
             </p:txBody>
           </p:sp>
         </mc:Choice>
-        <mc:Fallback>
+        <mc:Fallback xmlns="">
           <p:sp>
             <p:nvSpPr>
               <p:cNvPr id="194" name="楕円 193">
@@ -22794,8 +23435,12 @@
               <a:buNone/>
             </a:pPr>
             <a:r>
+              <a:rPr lang="en-US" altLang="ja-JP" dirty="0" err="1"/>
+              <a:t>Menger</a:t>
+            </a:r>
+            <a:r>
               <a:rPr lang="ja-JP" altLang="en-US" dirty="0"/>
-              <a:t>メンガーの定理</a:t>
+              <a:t>の定理</a:t>
             </a:r>
             <a:r>
               <a:rPr lang="en-US" altLang="ja-JP" b="1" dirty="0"/>
@@ -22834,7 +23479,7 @@
             </a:r>
             <a:r>
               <a:rPr lang="en-US" altLang="ja-JP" i="1" dirty="0"/>
-              <a:t>t </a:t>
+              <a:t>t</a:t>
             </a:r>
             <a:r>
               <a:rPr lang="ja-JP" altLang="en-US" dirty="0"/>
@@ -22850,7 +23495,7 @@
             </a:r>
             <a:r>
               <a:rPr lang="en-US" altLang="ja-JP" i="1" dirty="0"/>
-              <a:t>t </a:t>
+              <a:t>t</a:t>
             </a:r>
             <a:r>
               <a:rPr lang="ja-JP" altLang="en-US" dirty="0"/>

--- a/slide/mizutani_pre.pptx
+++ b/slide/mizutani_pre.pptx
@@ -212,7 +212,7 @@
           <a:p>
             <a:fld id="{91E1704D-60E3-49A9-9D9C-E6DB3A52E1F9}" type="datetimeFigureOut">
               <a:rPr kumimoji="1" lang="ja-JP" altLang="en-US" smtClean="0"/>
-              <a:t>2019/2/13</a:t>
+              <a:t>2019/2/14</a:t>
             </a:fld>
             <a:endParaRPr kumimoji="1" lang="ja-JP" altLang="en-US"/>
           </a:p>
@@ -1417,7 +1417,7 @@
           <a:p>
             <a:fld id="{E3B55BA8-AD47-4543-8321-0F66C353ED98}" type="datetimeFigureOut">
               <a:rPr kumimoji="1" lang="ja-JP" altLang="en-US" smtClean="0"/>
-              <a:t>2019/2/13</a:t>
+              <a:t>2019/2/14</a:t>
             </a:fld>
             <a:endParaRPr kumimoji="1" lang="ja-JP" altLang="en-US"/>
           </a:p>
@@ -1647,7 +1647,7 @@
           <a:p>
             <a:fld id="{E3B55BA8-AD47-4543-8321-0F66C353ED98}" type="datetimeFigureOut">
               <a:rPr kumimoji="1" lang="ja-JP" altLang="en-US" smtClean="0"/>
-              <a:t>2019/2/13</a:t>
+              <a:t>2019/2/14</a:t>
             </a:fld>
             <a:endParaRPr kumimoji="1" lang="ja-JP" altLang="en-US"/>
           </a:p>
@@ -1887,7 +1887,7 @@
           <a:p>
             <a:fld id="{E3B55BA8-AD47-4543-8321-0F66C353ED98}" type="datetimeFigureOut">
               <a:rPr kumimoji="1" lang="ja-JP" altLang="en-US" smtClean="0"/>
-              <a:t>2019/2/13</a:t>
+              <a:t>2019/2/14</a:t>
             </a:fld>
             <a:endParaRPr kumimoji="1" lang="ja-JP" altLang="en-US"/>
           </a:p>
@@ -2160,7 +2160,7 @@
           <a:p>
             <a:fld id="{E3B55BA8-AD47-4543-8321-0F66C353ED98}" type="datetimeFigureOut">
               <a:rPr kumimoji="1" lang="ja-JP" altLang="en-US" smtClean="0"/>
-              <a:t>2019/2/13</a:t>
+              <a:t>2019/2/14</a:t>
             </a:fld>
             <a:endParaRPr kumimoji="1" lang="ja-JP" altLang="en-US" dirty="0"/>
           </a:p>
@@ -2435,7 +2435,7 @@
           <a:p>
             <a:fld id="{E3B55BA8-AD47-4543-8321-0F66C353ED98}" type="datetimeFigureOut">
               <a:rPr kumimoji="1" lang="ja-JP" altLang="en-US" smtClean="0"/>
-              <a:t>2019/2/13</a:t>
+              <a:t>2019/2/14</a:t>
             </a:fld>
             <a:endParaRPr kumimoji="1" lang="ja-JP" altLang="en-US"/>
           </a:p>
@@ -2764,7 +2764,7 @@
           <a:p>
             <a:fld id="{E3B55BA8-AD47-4543-8321-0F66C353ED98}" type="datetimeFigureOut">
               <a:rPr kumimoji="1" lang="ja-JP" altLang="en-US" smtClean="0"/>
-              <a:t>2019/2/13</a:t>
+              <a:t>2019/2/14</a:t>
             </a:fld>
             <a:endParaRPr kumimoji="1" lang="ja-JP" altLang="en-US"/>
           </a:p>
@@ -3240,7 +3240,7 @@
           <a:p>
             <a:fld id="{E3B55BA8-AD47-4543-8321-0F66C353ED98}" type="datetimeFigureOut">
               <a:rPr kumimoji="1" lang="ja-JP" altLang="en-US" smtClean="0"/>
-              <a:t>2019/2/13</a:t>
+              <a:t>2019/2/14</a:t>
             </a:fld>
             <a:endParaRPr kumimoji="1" lang="ja-JP" altLang="en-US"/>
           </a:p>
@@ -3381,7 +3381,7 @@
           <a:p>
             <a:fld id="{E3B55BA8-AD47-4543-8321-0F66C353ED98}" type="datetimeFigureOut">
               <a:rPr kumimoji="1" lang="ja-JP" altLang="en-US" smtClean="0"/>
-              <a:t>2019/2/13</a:t>
+              <a:t>2019/2/14</a:t>
             </a:fld>
             <a:endParaRPr kumimoji="1" lang="ja-JP" altLang="en-US"/>
           </a:p>
@@ -3494,7 +3494,7 @@
           <a:p>
             <a:fld id="{E3B55BA8-AD47-4543-8321-0F66C353ED98}" type="datetimeFigureOut">
               <a:rPr kumimoji="1" lang="ja-JP" altLang="en-US" smtClean="0"/>
-              <a:t>2019/2/13</a:t>
+              <a:t>2019/2/14</a:t>
             </a:fld>
             <a:endParaRPr kumimoji="1" lang="ja-JP" altLang="en-US"/>
           </a:p>
@@ -3837,7 +3837,7 @@
           <a:p>
             <a:fld id="{E3B55BA8-AD47-4543-8321-0F66C353ED98}" type="datetimeFigureOut">
               <a:rPr kumimoji="1" lang="ja-JP" altLang="en-US" smtClean="0"/>
-              <a:t>2019/2/13</a:t>
+              <a:t>2019/2/14</a:t>
             </a:fld>
             <a:endParaRPr kumimoji="1" lang="ja-JP" altLang="en-US"/>
           </a:p>
@@ -4125,7 +4125,7 @@
           <a:p>
             <a:fld id="{E3B55BA8-AD47-4543-8321-0F66C353ED98}" type="datetimeFigureOut">
               <a:rPr kumimoji="1" lang="ja-JP" altLang="en-US" smtClean="0"/>
-              <a:t>2019/2/13</a:t>
+              <a:t>2019/2/14</a:t>
             </a:fld>
             <a:endParaRPr kumimoji="1" lang="ja-JP" altLang="en-US"/>
           </a:p>
@@ -4398,7 +4398,7 @@
           <a:p>
             <a:fld id="{E3B55BA8-AD47-4543-8321-0F66C353ED98}" type="datetimeFigureOut">
               <a:rPr kumimoji="1" lang="ja-JP" altLang="en-US" smtClean="0"/>
-              <a:t>2019/2/13</a:t>
+              <a:t>2019/2/14</a:t>
             </a:fld>
             <a:endParaRPr kumimoji="1" lang="ja-JP" altLang="en-US"/>
           </a:p>
@@ -4944,8 +4944,8 @@
           </a:p>
         </p:txBody>
       </p:sp>
-      <mc:AlternateContent xmlns:mc="http://schemas.openxmlformats.org/markup-compatibility/2006">
-        <mc:Choice xmlns:a14="http://schemas.microsoft.com/office/drawing/2010/main" Requires="a14">
+      <mc:AlternateContent xmlns:mc="http://schemas.openxmlformats.org/markup-compatibility/2006" xmlns:a14="http://schemas.microsoft.com/office/drawing/2010/main">
+        <mc:Choice Requires="a14">
           <p:sp>
             <p:nvSpPr>
               <p:cNvPr id="3" name="コンテンツ プレースホルダー 2">
@@ -5104,7 +5104,7 @@
             </p:txBody>
           </p:sp>
         </mc:Choice>
-        <mc:Fallback>
+        <mc:Fallback xmlns="">
           <p:sp>
             <p:nvSpPr>
               <p:cNvPr id="3" name="コンテンツ プレースホルダー 2">
@@ -7381,8 +7381,8 @@
           </a:p>
         </p:txBody>
       </p:sp>
-      <mc:AlternateContent xmlns:mc="http://schemas.openxmlformats.org/markup-compatibility/2006">
-        <mc:Choice xmlns:a14="http://schemas.microsoft.com/office/drawing/2010/main" Requires="a14">
+      <mc:AlternateContent xmlns:mc="http://schemas.openxmlformats.org/markup-compatibility/2006" xmlns:a14="http://schemas.microsoft.com/office/drawing/2010/main">
+        <mc:Choice Requires="a14">
           <p:sp>
             <p:nvSpPr>
               <p:cNvPr id="3" name="コンテンツ プレースホルダー 2">
@@ -7498,7 +7498,7 @@
             </p:txBody>
           </p:sp>
         </mc:Choice>
-        <mc:Fallback>
+        <mc:Fallback xmlns="">
           <p:sp>
             <p:nvSpPr>
               <p:cNvPr id="3" name="コンテンツ プレースホルダー 2">
@@ -7750,8 +7750,8 @@
           </a:p>
         </p:txBody>
       </p:sp>
-      <mc:AlternateContent xmlns:mc="http://schemas.openxmlformats.org/markup-compatibility/2006">
-        <mc:Choice xmlns:a14="http://schemas.microsoft.com/office/drawing/2010/main" Requires="a14">
+      <mc:AlternateContent xmlns:mc="http://schemas.openxmlformats.org/markup-compatibility/2006" xmlns:a14="http://schemas.microsoft.com/office/drawing/2010/main">
+        <mc:Choice Requires="a14">
           <p:sp>
             <p:nvSpPr>
               <p:cNvPr id="193" name="楕円 192">
@@ -7820,7 +7820,7 @@
             </p:txBody>
           </p:sp>
         </mc:Choice>
-        <mc:Fallback>
+        <mc:Fallback xmlns="">
           <p:sp>
             <p:nvSpPr>
               <p:cNvPr id="193" name="楕円 192">
@@ -9457,8 +9457,8 @@
           </a:p>
         </p:txBody>
       </p:sp>
-      <mc:AlternateContent xmlns:mc="http://schemas.openxmlformats.org/markup-compatibility/2006">
-        <mc:Choice xmlns:a14="http://schemas.microsoft.com/office/drawing/2010/main" Requires="a14">
+      <mc:AlternateContent xmlns:mc="http://schemas.openxmlformats.org/markup-compatibility/2006" xmlns:a14="http://schemas.microsoft.com/office/drawing/2010/main">
+        <mc:Choice Requires="a14">
           <p:sp>
             <p:nvSpPr>
               <p:cNvPr id="5" name="テキスト ボックス 4">
@@ -9528,7 +9528,7 @@
             </p:txBody>
           </p:sp>
         </mc:Choice>
-        <mc:Fallback>
+        <mc:Fallback xmlns="">
           <p:sp>
             <p:nvSpPr>
               <p:cNvPr id="5" name="テキスト ボックス 4">
@@ -9573,8 +9573,8 @@
           </p:sp>
         </mc:Fallback>
       </mc:AlternateContent>
-      <mc:AlternateContent xmlns:mc="http://schemas.openxmlformats.org/markup-compatibility/2006">
-        <mc:Choice xmlns:a14="http://schemas.microsoft.com/office/drawing/2010/main" Requires="a14">
+      <mc:AlternateContent xmlns:mc="http://schemas.openxmlformats.org/markup-compatibility/2006" xmlns:a14="http://schemas.microsoft.com/office/drawing/2010/main">
+        <mc:Choice Requires="a14">
           <p:sp>
             <p:nvSpPr>
               <p:cNvPr id="44" name="テキスト ボックス 43">
@@ -9644,7 +9644,7 @@
             </p:txBody>
           </p:sp>
         </mc:Choice>
-        <mc:Fallback>
+        <mc:Fallback xmlns="">
           <p:sp>
             <p:nvSpPr>
               <p:cNvPr id="44" name="テキスト ボックス 43">
@@ -9797,8 +9797,8 @@
           </a:p>
         </p:txBody>
       </p:sp>
-      <mc:AlternateContent xmlns:mc="http://schemas.openxmlformats.org/markup-compatibility/2006">
-        <mc:Choice xmlns:a14="http://schemas.microsoft.com/office/drawing/2010/main" Requires="a14">
+      <mc:AlternateContent xmlns:mc="http://schemas.openxmlformats.org/markup-compatibility/2006" xmlns:a14="http://schemas.microsoft.com/office/drawing/2010/main">
+        <mc:Choice Requires="a14">
           <p:sp>
             <p:nvSpPr>
               <p:cNvPr id="3" name="コンテンツ プレースホルダー 2">
@@ -9945,7 +9945,7 @@
             </p:txBody>
           </p:sp>
         </mc:Choice>
-        <mc:Fallback>
+        <mc:Fallback xmlns="">
           <p:sp>
             <p:nvSpPr>
               <p:cNvPr id="3" name="コンテンツ プレースホルダー 2">
@@ -11077,8 +11077,8 @@
           </a:p>
         </p:txBody>
       </p:sp>
-      <mc:AlternateContent xmlns:mc="http://schemas.openxmlformats.org/markup-compatibility/2006">
-        <mc:Choice xmlns:a14="http://schemas.microsoft.com/office/drawing/2010/main" Requires="a14">
+      <mc:AlternateContent xmlns:mc="http://schemas.openxmlformats.org/markup-compatibility/2006" xmlns:a14="http://schemas.microsoft.com/office/drawing/2010/main">
+        <mc:Choice Requires="a14">
           <p:sp>
             <p:nvSpPr>
               <p:cNvPr id="3" name="コンテンツ プレースホルダー 2">
@@ -11196,13 +11196,7 @@
                       <a:rPr lang="ja-JP" altLang="en-US" i="1" dirty="0">
                         <a:latin typeface="Cambria Math" panose="02040503050406030204" pitchFamily="18" charset="0"/>
                       </a:rPr>
-                      <m:t>点素パス</m:t>
-                    </m:r>
-                    <m:r>
-                      <a:rPr lang="ja-JP" altLang="en-US" i="1" dirty="0">
-                        <a:latin typeface="Cambria Math" panose="02040503050406030204" pitchFamily="18" charset="0"/>
-                      </a:rPr>
-                      <m:t>か</m:t>
+                      <m:t>点素パスか</m:t>
                     </m:r>
                     <m:r>
                       <a:rPr kumimoji="1" lang="ja-JP" altLang="en-US" i="1" dirty="0">
@@ -11244,7 +11238,7 @@
             </p:txBody>
           </p:sp>
         </mc:Choice>
-        <mc:Fallback>
+        <mc:Fallback xmlns="">
           <p:sp>
             <p:nvSpPr>
               <p:cNvPr id="3" name="コンテンツ プレースホルダー 2">
@@ -11347,8 +11341,8 @@
           </a:p>
         </p:txBody>
       </p:sp>
-      <mc:AlternateContent xmlns:mc="http://schemas.openxmlformats.org/markup-compatibility/2006">
-        <mc:Choice xmlns:a14="http://schemas.microsoft.com/office/drawing/2010/main" Requires="a14">
+      <mc:AlternateContent xmlns:mc="http://schemas.openxmlformats.org/markup-compatibility/2006" xmlns:a14="http://schemas.microsoft.com/office/drawing/2010/main">
+        <mc:Choice Requires="a14">
           <p:sp>
             <p:nvSpPr>
               <p:cNvPr id="3" name="コンテンツ プレースホルダー 2">
@@ -11466,13 +11460,7 @@
                       <a:rPr lang="ja-JP" altLang="en-US" i="1" dirty="0">
                         <a:latin typeface="Cambria Math" panose="02040503050406030204" pitchFamily="18" charset="0"/>
                       </a:rPr>
-                      <m:t>点素パス</m:t>
-                    </m:r>
-                    <m:r>
-                      <a:rPr lang="ja-JP" altLang="en-US" i="1" dirty="0">
-                        <a:latin typeface="Cambria Math" panose="02040503050406030204" pitchFamily="18" charset="0"/>
-                      </a:rPr>
-                      <m:t>か</m:t>
+                      <m:t>点素パスか</m:t>
                     </m:r>
                     <m:r>
                       <a:rPr kumimoji="1" lang="ja-JP" altLang="en-US" i="1" dirty="0">
@@ -11514,7 +11502,7 @@
             </p:txBody>
           </p:sp>
         </mc:Choice>
-        <mc:Fallback>
+        <mc:Fallback xmlns="">
           <p:sp>
             <p:nvSpPr>
               <p:cNvPr id="3" name="コンテンツ プレースホルダー 2">
@@ -11598,8 +11586,8 @@
           </a:fontRef>
         </p:style>
       </p:cxnSp>
-      <mc:AlternateContent xmlns:mc="http://schemas.openxmlformats.org/markup-compatibility/2006">
-        <mc:Choice xmlns:a14="http://schemas.microsoft.com/office/drawing/2010/main" Requires="a14">
+      <mc:AlternateContent xmlns:mc="http://schemas.openxmlformats.org/markup-compatibility/2006" xmlns:a14="http://schemas.microsoft.com/office/drawing/2010/main">
+        <mc:Choice Requires="a14">
           <p:sp>
             <p:nvSpPr>
               <p:cNvPr id="5" name="テキスト ボックス 4">
@@ -11792,7 +11780,7 @@
             </p:txBody>
           </p:sp>
         </mc:Choice>
-        <mc:Fallback>
+        <mc:Fallback xmlns="">
           <p:sp>
             <p:nvSpPr>
               <p:cNvPr id="5" name="テキスト ボックス 4">
@@ -11944,8 +11932,8 @@
           </a:p>
         </p:txBody>
       </p:sp>
-      <mc:AlternateContent xmlns:mc="http://schemas.openxmlformats.org/markup-compatibility/2006">
-        <mc:Choice xmlns:a14="http://schemas.microsoft.com/office/drawing/2010/main" Requires="a14">
+      <mc:AlternateContent xmlns:mc="http://schemas.openxmlformats.org/markup-compatibility/2006" xmlns:a14="http://schemas.microsoft.com/office/drawing/2010/main">
+        <mc:Choice Requires="a14">
           <p:sp>
             <p:nvSpPr>
               <p:cNvPr id="3" name="コンテンツ プレースホルダー 2">
@@ -12063,13 +12051,7 @@
                       <a:rPr lang="ja-JP" altLang="en-US" i="1" dirty="0">
                         <a:latin typeface="Cambria Math" panose="02040503050406030204" pitchFamily="18" charset="0"/>
                       </a:rPr>
-                      <m:t>点素パス</m:t>
-                    </m:r>
-                    <m:r>
-                      <a:rPr lang="ja-JP" altLang="en-US" i="1" dirty="0">
-                        <a:latin typeface="Cambria Math" panose="02040503050406030204" pitchFamily="18" charset="0"/>
-                      </a:rPr>
-                      <m:t>か</m:t>
+                      <m:t>点素パスか</m:t>
                     </m:r>
                     <m:r>
                       <a:rPr kumimoji="1" lang="ja-JP" altLang="en-US" i="1" dirty="0">
@@ -12111,7 +12093,7 @@
             </p:txBody>
           </p:sp>
         </mc:Choice>
-        <mc:Fallback>
+        <mc:Fallback xmlns="">
           <p:sp>
             <p:nvSpPr>
               <p:cNvPr id="3" name="コンテンツ プレースホルダー 2">
@@ -12195,8 +12177,8 @@
           </a:fontRef>
         </p:style>
       </p:cxnSp>
-      <mc:AlternateContent xmlns:mc="http://schemas.openxmlformats.org/markup-compatibility/2006">
-        <mc:Choice xmlns:a14="http://schemas.microsoft.com/office/drawing/2010/main" Requires="a14">
+      <mc:AlternateContent xmlns:mc="http://schemas.openxmlformats.org/markup-compatibility/2006" xmlns:a14="http://schemas.microsoft.com/office/drawing/2010/main">
+        <mc:Choice Requires="a14">
           <p:sp>
             <p:nvSpPr>
               <p:cNvPr id="5" name="テキスト ボックス 4">
@@ -12350,7 +12332,7 @@
             </p:txBody>
           </p:sp>
         </mc:Choice>
-        <mc:Fallback>
+        <mc:Fallback xmlns="">
           <p:sp>
             <p:nvSpPr>
               <p:cNvPr id="5" name="テキスト ボックス 4">
@@ -12964,7 +12946,7 @@
             <p:spPr>
               <a:xfrm>
                 <a:off x="628650" y="1514764"/>
-                <a:ext cx="7886700" cy="2237103"/>
+                <a:ext cx="7886700" cy="2403258"/>
               </a:xfrm>
             </p:spPr>
             <p:txBody>
@@ -13157,6 +13139,30 @@
                 </a:r>
               </a:p>
               <a:p>
+                <a:pPr lvl="1"/>
+                <a14:m>
+                  <m:oMath xmlns:m="http://schemas.openxmlformats.org/officeDocument/2006/math">
+                    <m:r>
+                      <a:rPr kumimoji="1" lang="en-US" altLang="ja-JP" b="0" i="1" smtClean="0">
+                        <a:latin typeface="Cambria Math" panose="02040503050406030204" pitchFamily="18" charset="0"/>
+                      </a:rPr>
+                      <m:t>𝐷</m:t>
+                    </m:r>
+                    <m:r>
+                      <a:rPr kumimoji="1" lang="en-US" altLang="ja-JP" b="0" i="1" smtClean="0">
+                        <a:latin typeface="Cambria Math" panose="02040503050406030204" pitchFamily="18" charset="0"/>
+                      </a:rPr>
+                      <m:t>= </m:t>
+                    </m:r>
+                  </m:oMath>
+                </a14:m>
+                <a:r>
+                  <a:rPr kumimoji="1" lang="ja-JP" altLang="en-US"/>
+                  <a:t>直径</a:t>
+                </a:r>
+                <a:endParaRPr kumimoji="1" lang="en-US" altLang="ja-JP" dirty="0"/>
+              </a:p>
+              <a:p>
                 <a:endParaRPr kumimoji="1" lang="en-US" altLang="ja-JP" dirty="0"/>
               </a:p>
               <a:p>
@@ -13185,12 +13191,12 @@
             <p:spPr>
               <a:xfrm>
                 <a:off x="628650" y="1514764"/>
-                <a:ext cx="7886700" cy="2237103"/>
+                <a:ext cx="7886700" cy="2403258"/>
               </a:xfrm>
               <a:blipFill>
                 <a:blip r:embed="rId2"/>
                 <a:stretch>
-                  <a:fillRect l="-1005" t="-2725"/>
+                  <a:fillRect l="-1005" t="-2532" b="-2532"/>
                 </a:stretch>
               </a:blipFill>
             </p:spPr>
@@ -16669,8 +16675,8 @@
           </a:p>
         </p:txBody>
       </p:sp>
-      <mc:AlternateContent xmlns:mc="http://schemas.openxmlformats.org/markup-compatibility/2006">
-        <mc:Choice xmlns:a14="http://schemas.microsoft.com/office/drawing/2010/main" Requires="a14">
+      <mc:AlternateContent xmlns:mc="http://schemas.openxmlformats.org/markup-compatibility/2006" xmlns:a14="http://schemas.microsoft.com/office/drawing/2010/main">
+        <mc:Choice Requires="a14">
           <p:sp>
             <p:nvSpPr>
               <p:cNvPr id="3" name="コンテンツ プレースホルダー 2">
@@ -17106,7 +17112,7 @@
             </p:txBody>
           </p:sp>
         </mc:Choice>
-        <mc:Fallback>
+        <mc:Fallback xmlns="">
           <p:sp>
             <p:nvSpPr>
               <p:cNvPr id="3" name="コンテンツ プレースホルダー 2">
@@ -17204,8 +17210,8 @@
           </a:p>
         </p:txBody>
       </p:sp>
-      <mc:AlternateContent xmlns:mc="http://schemas.openxmlformats.org/markup-compatibility/2006">
-        <mc:Choice xmlns:a14="http://schemas.microsoft.com/office/drawing/2010/main" Requires="a14">
+      <mc:AlternateContent xmlns:mc="http://schemas.openxmlformats.org/markup-compatibility/2006" xmlns:a14="http://schemas.microsoft.com/office/drawing/2010/main">
+        <mc:Choice Requires="a14">
           <p:sp>
             <p:nvSpPr>
               <p:cNvPr id="3" name="コンテンツ プレースホルダー 2">
@@ -17332,7 +17338,7 @@
             </p:txBody>
           </p:sp>
         </mc:Choice>
-        <mc:Fallback>
+        <mc:Fallback xmlns="">
           <p:sp>
             <p:nvSpPr>
               <p:cNvPr id="3" name="コンテンツ プレースホルダー 2">
